--- a/presentation.pptx
+++ b/presentation.pptx
@@ -5,10 +5,10 @@
     <p:sldMasterId id="2147483692" r:id="rId4"/>
   </p:sldMasterIdLst>
   <p:notesMasterIdLst>
-    <p:notesMasterId r:id="rId16"/>
+    <p:notesMasterId r:id="rId24"/>
   </p:notesMasterIdLst>
   <p:handoutMasterIdLst>
-    <p:handoutMasterId r:id="rId17"/>
+    <p:handoutMasterId r:id="rId25"/>
   </p:handoutMasterIdLst>
   <p:sldIdLst>
     <p:sldId id="354" r:id="rId5"/>
@@ -22,6 +22,14 @@
     <p:sldId id="370" r:id="rId13"/>
     <p:sldId id="371" r:id="rId14"/>
     <p:sldId id="376" r:id="rId15"/>
+    <p:sldId id="377" r:id="rId16"/>
+    <p:sldId id="378" r:id="rId17"/>
+    <p:sldId id="379" r:id="rId18"/>
+    <p:sldId id="380" r:id="rId19"/>
+    <p:sldId id="381" r:id="rId20"/>
+    <p:sldId id="382" r:id="rId21"/>
+    <p:sldId id="383" r:id="rId22"/>
+    <p:sldId id="384" r:id="rId23"/>
   </p:sldIdLst>
   <p:sldSz cx="12188825" cy="6858000"/>
   <p:notesSz cx="6858000" cy="9144000"/>
@@ -9510,12 +9518,8 @@
           <a:lstStyle/>
           <a:p>
             <a:r>
-              <a:rPr lang="en-IN"/>
-              <a:t>Prototype </a:t>
-            </a:r>
-            <a:r>
               <a:rPr lang="en-IN" dirty="0"/>
-              <a:t>Phase</a:t>
+              <a:t>Prototype Phase</a:t>
             </a:r>
           </a:p>
         </p:txBody>
@@ -9604,6 +9608,1088 @@
     <p:extLst>
       <p:ext uri="{BB962C8B-B14F-4D97-AF65-F5344CB8AC3E}">
         <p14:creationId xmlns:p14="http://schemas.microsoft.com/office/powerpoint/2010/main" val="2902727585"/>
+      </p:ext>
+    </p:extLst>
+  </p:cSld>
+  <p:clrMapOvr>
+    <a:masterClrMapping/>
+  </p:clrMapOvr>
+  <mc:AlternateContent xmlns:mc="http://schemas.openxmlformats.org/markup-compatibility/2006" xmlns:p14="http://schemas.microsoft.com/office/powerpoint/2010/main">
+    <mc:Choice Requires="p14">
+      <p:transition spd="med" p14:dur="700">
+        <p:fade/>
+      </p:transition>
+    </mc:Choice>
+    <mc:Fallback xmlns="">
+      <p:transition spd="med">
+        <p:fade/>
+      </p:transition>
+    </mc:Fallback>
+  </mc:AlternateContent>
+</p:sld>
+</file>
+
+<file path=ppt/slides/slide12.xml><?xml version="1.0" encoding="utf-8"?>
+<p:sld xmlns:a="http://schemas.openxmlformats.org/drawingml/2006/main" xmlns:r="http://schemas.openxmlformats.org/officeDocument/2006/relationships" xmlns:p="http://schemas.openxmlformats.org/presentationml/2006/main">
+  <p:cSld>
+    <p:spTree>
+      <p:nvGrpSpPr>
+        <p:cNvPr id="1" name=""/>
+        <p:cNvGrpSpPr/>
+        <p:nvPr/>
+      </p:nvGrpSpPr>
+      <p:grpSpPr>
+        <a:xfrm>
+          <a:off x="0" y="0"/>
+          <a:ext cx="0" cy="0"/>
+          <a:chOff x="0" y="0"/>
+          <a:chExt cx="0" cy="0"/>
+        </a:xfrm>
+      </p:grpSpPr>
+      <p:sp>
+        <p:nvSpPr>
+          <p:cNvPr id="2" name="Title 1">
+            <a:extLst>
+              <a:ext uri="{FF2B5EF4-FFF2-40B4-BE49-F238E27FC236}">
+                <a16:creationId xmlns:a16="http://schemas.microsoft.com/office/drawing/2014/main" id="{AADB5DC0-637B-33EB-9B61-EFB3DE503900}"/>
+              </a:ext>
+            </a:extLst>
+          </p:cNvPr>
+          <p:cNvSpPr>
+            <a:spLocks noGrp="1"/>
+          </p:cNvSpPr>
+          <p:nvPr>
+            <p:ph type="title"/>
+          </p:nvPr>
+        </p:nvSpPr>
+        <p:spPr/>
+        <p:txBody>
+          <a:bodyPr/>
+          <a:lstStyle/>
+          <a:p>
+            <a:endParaRPr lang="en-IN"/>
+          </a:p>
+        </p:txBody>
+      </p:sp>
+      <p:sp>
+        <p:nvSpPr>
+          <p:cNvPr id="3" name="Content Placeholder 2">
+            <a:extLst>
+              <a:ext uri="{FF2B5EF4-FFF2-40B4-BE49-F238E27FC236}">
+                <a16:creationId xmlns:a16="http://schemas.microsoft.com/office/drawing/2014/main" id="{54DEFFDB-126C-310C-5C89-434FDACA5F31}"/>
+              </a:ext>
+            </a:extLst>
+          </p:cNvPr>
+          <p:cNvSpPr>
+            <a:spLocks noGrp="1"/>
+          </p:cNvSpPr>
+          <p:nvPr>
+            <p:ph sz="quarter" idx="13"/>
+          </p:nvPr>
+        </p:nvSpPr>
+        <p:spPr/>
+        <p:txBody>
+          <a:bodyPr/>
+          <a:lstStyle/>
+          <a:p>
+            <a:endParaRPr lang="en-IN"/>
+          </a:p>
+        </p:txBody>
+      </p:sp>
+      <p:sp>
+        <p:nvSpPr>
+          <p:cNvPr id="4" name="Picture Placeholder 3">
+            <a:extLst>
+              <a:ext uri="{FF2B5EF4-FFF2-40B4-BE49-F238E27FC236}">
+                <a16:creationId xmlns:a16="http://schemas.microsoft.com/office/drawing/2014/main" id="{84E988D3-CF35-4838-4D7E-194B8206E5F6}"/>
+              </a:ext>
+            </a:extLst>
+          </p:cNvPr>
+          <p:cNvSpPr>
+            <a:spLocks noGrp="1"/>
+          </p:cNvSpPr>
+          <p:nvPr>
+            <p:ph type="pic" sz="quarter" idx="14"/>
+          </p:nvPr>
+        </p:nvSpPr>
+        <p:spPr/>
+      </p:sp>
+      <p:sp>
+        <p:nvSpPr>
+          <p:cNvPr id="5" name="Slide Number Placeholder 4">
+            <a:extLst>
+              <a:ext uri="{FF2B5EF4-FFF2-40B4-BE49-F238E27FC236}">
+                <a16:creationId xmlns:a16="http://schemas.microsoft.com/office/drawing/2014/main" id="{ECB92C49-500A-83A9-A98E-071CD7B4CF66}"/>
+              </a:ext>
+            </a:extLst>
+          </p:cNvPr>
+          <p:cNvSpPr>
+            <a:spLocks noGrp="1"/>
+          </p:cNvSpPr>
+          <p:nvPr>
+            <p:ph type="sldNum" sz="quarter" idx="12"/>
+          </p:nvPr>
+        </p:nvSpPr>
+        <p:spPr/>
+        <p:txBody>
+          <a:bodyPr/>
+          <a:lstStyle/>
+          <a:p>
+            <a:fld id="{EB37DED6-D4C7-42EE-AB49-D2E39E64FDE4}" type="slidenum">
+              <a:rPr lang="en-US" smtClean="0"/>
+              <a:pPr/>
+              <a:t>12</a:t>
+            </a:fld>
+            <a:endParaRPr lang="en-US" dirty="0"/>
+          </a:p>
+        </p:txBody>
+      </p:sp>
+    </p:spTree>
+    <p:extLst>
+      <p:ext uri="{BB962C8B-B14F-4D97-AF65-F5344CB8AC3E}">
+        <p14:creationId xmlns:p14="http://schemas.microsoft.com/office/powerpoint/2010/main" val="1871765083"/>
+      </p:ext>
+    </p:extLst>
+  </p:cSld>
+  <p:clrMapOvr>
+    <a:masterClrMapping/>
+  </p:clrMapOvr>
+  <mc:AlternateContent xmlns:mc="http://schemas.openxmlformats.org/markup-compatibility/2006" xmlns:p14="http://schemas.microsoft.com/office/powerpoint/2010/main">
+    <mc:Choice Requires="p14">
+      <p:transition spd="med" p14:dur="700">
+        <p:fade/>
+      </p:transition>
+    </mc:Choice>
+    <mc:Fallback xmlns="">
+      <p:transition spd="med">
+        <p:fade/>
+      </p:transition>
+    </mc:Fallback>
+  </mc:AlternateContent>
+</p:sld>
+</file>
+
+<file path=ppt/slides/slide13.xml><?xml version="1.0" encoding="utf-8"?>
+<p:sld xmlns:a="http://schemas.openxmlformats.org/drawingml/2006/main" xmlns:r="http://schemas.openxmlformats.org/officeDocument/2006/relationships" xmlns:p="http://schemas.openxmlformats.org/presentationml/2006/main">
+  <p:cSld>
+    <p:spTree>
+      <p:nvGrpSpPr>
+        <p:cNvPr id="1" name=""/>
+        <p:cNvGrpSpPr/>
+        <p:nvPr/>
+      </p:nvGrpSpPr>
+      <p:grpSpPr>
+        <a:xfrm>
+          <a:off x="0" y="0"/>
+          <a:ext cx="0" cy="0"/>
+          <a:chOff x="0" y="0"/>
+          <a:chExt cx="0" cy="0"/>
+        </a:xfrm>
+      </p:grpSpPr>
+      <p:sp>
+        <p:nvSpPr>
+          <p:cNvPr id="2" name="Title 1">
+            <a:extLst>
+              <a:ext uri="{FF2B5EF4-FFF2-40B4-BE49-F238E27FC236}">
+                <a16:creationId xmlns:a16="http://schemas.microsoft.com/office/drawing/2014/main" id="{3691652E-4125-782A-0F3D-C13ED2979900}"/>
+              </a:ext>
+            </a:extLst>
+          </p:cNvPr>
+          <p:cNvSpPr>
+            <a:spLocks noGrp="1"/>
+          </p:cNvSpPr>
+          <p:nvPr>
+            <p:ph type="title"/>
+          </p:nvPr>
+        </p:nvSpPr>
+        <p:spPr/>
+        <p:txBody>
+          <a:bodyPr/>
+          <a:lstStyle/>
+          <a:p>
+            <a:endParaRPr lang="en-IN"/>
+          </a:p>
+        </p:txBody>
+      </p:sp>
+      <p:sp>
+        <p:nvSpPr>
+          <p:cNvPr id="3" name="Content Placeholder 2">
+            <a:extLst>
+              <a:ext uri="{FF2B5EF4-FFF2-40B4-BE49-F238E27FC236}">
+                <a16:creationId xmlns:a16="http://schemas.microsoft.com/office/drawing/2014/main" id="{C7EE9B6C-C4DB-433D-ADAB-6B49E2BC80AB}"/>
+              </a:ext>
+            </a:extLst>
+          </p:cNvPr>
+          <p:cNvSpPr>
+            <a:spLocks noGrp="1"/>
+          </p:cNvSpPr>
+          <p:nvPr>
+            <p:ph sz="quarter" idx="13"/>
+          </p:nvPr>
+        </p:nvSpPr>
+        <p:spPr/>
+        <p:txBody>
+          <a:bodyPr/>
+          <a:lstStyle/>
+          <a:p>
+            <a:endParaRPr lang="en-IN"/>
+          </a:p>
+        </p:txBody>
+      </p:sp>
+      <p:sp>
+        <p:nvSpPr>
+          <p:cNvPr id="4" name="Picture Placeholder 3">
+            <a:extLst>
+              <a:ext uri="{FF2B5EF4-FFF2-40B4-BE49-F238E27FC236}">
+                <a16:creationId xmlns:a16="http://schemas.microsoft.com/office/drawing/2014/main" id="{F26B7286-44C7-3395-7091-9C3CF7134780}"/>
+              </a:ext>
+            </a:extLst>
+          </p:cNvPr>
+          <p:cNvSpPr>
+            <a:spLocks noGrp="1"/>
+          </p:cNvSpPr>
+          <p:nvPr>
+            <p:ph type="pic" sz="quarter" idx="14"/>
+          </p:nvPr>
+        </p:nvSpPr>
+        <p:spPr/>
+      </p:sp>
+      <p:sp>
+        <p:nvSpPr>
+          <p:cNvPr id="5" name="Slide Number Placeholder 4">
+            <a:extLst>
+              <a:ext uri="{FF2B5EF4-FFF2-40B4-BE49-F238E27FC236}">
+                <a16:creationId xmlns:a16="http://schemas.microsoft.com/office/drawing/2014/main" id="{771CACD5-DC8F-E562-D34B-63ACEED10192}"/>
+              </a:ext>
+            </a:extLst>
+          </p:cNvPr>
+          <p:cNvSpPr>
+            <a:spLocks noGrp="1"/>
+          </p:cNvSpPr>
+          <p:nvPr>
+            <p:ph type="sldNum" sz="quarter" idx="12"/>
+          </p:nvPr>
+        </p:nvSpPr>
+        <p:spPr/>
+        <p:txBody>
+          <a:bodyPr/>
+          <a:lstStyle/>
+          <a:p>
+            <a:fld id="{EB37DED6-D4C7-42EE-AB49-D2E39E64FDE4}" type="slidenum">
+              <a:rPr lang="en-US" smtClean="0"/>
+              <a:pPr/>
+              <a:t>13</a:t>
+            </a:fld>
+            <a:endParaRPr lang="en-US" dirty="0"/>
+          </a:p>
+        </p:txBody>
+      </p:sp>
+    </p:spTree>
+    <p:extLst>
+      <p:ext uri="{BB962C8B-B14F-4D97-AF65-F5344CB8AC3E}">
+        <p14:creationId xmlns:p14="http://schemas.microsoft.com/office/powerpoint/2010/main" val="2540403346"/>
+      </p:ext>
+    </p:extLst>
+  </p:cSld>
+  <p:clrMapOvr>
+    <a:masterClrMapping/>
+  </p:clrMapOvr>
+  <mc:AlternateContent xmlns:mc="http://schemas.openxmlformats.org/markup-compatibility/2006" xmlns:p14="http://schemas.microsoft.com/office/powerpoint/2010/main">
+    <mc:Choice Requires="p14">
+      <p:transition spd="med" p14:dur="700">
+        <p:fade/>
+      </p:transition>
+    </mc:Choice>
+    <mc:Fallback xmlns="">
+      <p:transition spd="med">
+        <p:fade/>
+      </p:transition>
+    </mc:Fallback>
+  </mc:AlternateContent>
+</p:sld>
+</file>
+
+<file path=ppt/slides/slide14.xml><?xml version="1.0" encoding="utf-8"?>
+<p:sld xmlns:a="http://schemas.openxmlformats.org/drawingml/2006/main" xmlns:r="http://schemas.openxmlformats.org/officeDocument/2006/relationships" xmlns:p="http://schemas.openxmlformats.org/presentationml/2006/main">
+  <p:cSld>
+    <p:spTree>
+      <p:nvGrpSpPr>
+        <p:cNvPr id="1" name=""/>
+        <p:cNvGrpSpPr/>
+        <p:nvPr/>
+      </p:nvGrpSpPr>
+      <p:grpSpPr>
+        <a:xfrm>
+          <a:off x="0" y="0"/>
+          <a:ext cx="0" cy="0"/>
+          <a:chOff x="0" y="0"/>
+          <a:chExt cx="0" cy="0"/>
+        </a:xfrm>
+      </p:grpSpPr>
+      <p:sp>
+        <p:nvSpPr>
+          <p:cNvPr id="2" name="Title 1">
+            <a:extLst>
+              <a:ext uri="{FF2B5EF4-FFF2-40B4-BE49-F238E27FC236}">
+                <a16:creationId xmlns:a16="http://schemas.microsoft.com/office/drawing/2014/main" id="{E5BB7D67-76BC-2F76-6A7E-93CF1B03CA9B}"/>
+              </a:ext>
+            </a:extLst>
+          </p:cNvPr>
+          <p:cNvSpPr>
+            <a:spLocks noGrp="1"/>
+          </p:cNvSpPr>
+          <p:nvPr>
+            <p:ph type="title"/>
+          </p:nvPr>
+        </p:nvSpPr>
+        <p:spPr/>
+        <p:txBody>
+          <a:bodyPr/>
+          <a:lstStyle/>
+          <a:p>
+            <a:endParaRPr lang="en-IN"/>
+          </a:p>
+        </p:txBody>
+      </p:sp>
+      <p:sp>
+        <p:nvSpPr>
+          <p:cNvPr id="3" name="Content Placeholder 2">
+            <a:extLst>
+              <a:ext uri="{FF2B5EF4-FFF2-40B4-BE49-F238E27FC236}">
+                <a16:creationId xmlns:a16="http://schemas.microsoft.com/office/drawing/2014/main" id="{481F0043-5374-9370-B17A-15CAD56ADF84}"/>
+              </a:ext>
+            </a:extLst>
+          </p:cNvPr>
+          <p:cNvSpPr>
+            <a:spLocks noGrp="1"/>
+          </p:cNvSpPr>
+          <p:nvPr>
+            <p:ph sz="quarter" idx="13"/>
+          </p:nvPr>
+        </p:nvSpPr>
+        <p:spPr/>
+        <p:txBody>
+          <a:bodyPr/>
+          <a:lstStyle/>
+          <a:p>
+            <a:endParaRPr lang="en-IN"/>
+          </a:p>
+        </p:txBody>
+      </p:sp>
+      <p:sp>
+        <p:nvSpPr>
+          <p:cNvPr id="4" name="Picture Placeholder 3">
+            <a:extLst>
+              <a:ext uri="{FF2B5EF4-FFF2-40B4-BE49-F238E27FC236}">
+                <a16:creationId xmlns:a16="http://schemas.microsoft.com/office/drawing/2014/main" id="{B57F297D-5244-EB01-2D2D-30DC341E469D}"/>
+              </a:ext>
+            </a:extLst>
+          </p:cNvPr>
+          <p:cNvSpPr>
+            <a:spLocks noGrp="1"/>
+          </p:cNvSpPr>
+          <p:nvPr>
+            <p:ph type="pic" sz="quarter" idx="14"/>
+          </p:nvPr>
+        </p:nvSpPr>
+        <p:spPr/>
+      </p:sp>
+      <p:sp>
+        <p:nvSpPr>
+          <p:cNvPr id="5" name="Slide Number Placeholder 4">
+            <a:extLst>
+              <a:ext uri="{FF2B5EF4-FFF2-40B4-BE49-F238E27FC236}">
+                <a16:creationId xmlns:a16="http://schemas.microsoft.com/office/drawing/2014/main" id="{C6881C2A-23D8-2323-B89B-98E5EBD584F6}"/>
+              </a:ext>
+            </a:extLst>
+          </p:cNvPr>
+          <p:cNvSpPr>
+            <a:spLocks noGrp="1"/>
+          </p:cNvSpPr>
+          <p:nvPr>
+            <p:ph type="sldNum" sz="quarter" idx="12"/>
+          </p:nvPr>
+        </p:nvSpPr>
+        <p:spPr/>
+        <p:txBody>
+          <a:bodyPr/>
+          <a:lstStyle/>
+          <a:p>
+            <a:fld id="{EB37DED6-D4C7-42EE-AB49-D2E39E64FDE4}" type="slidenum">
+              <a:rPr lang="en-US" smtClean="0"/>
+              <a:pPr/>
+              <a:t>14</a:t>
+            </a:fld>
+            <a:endParaRPr lang="en-US" dirty="0"/>
+          </a:p>
+        </p:txBody>
+      </p:sp>
+    </p:spTree>
+    <p:extLst>
+      <p:ext uri="{BB962C8B-B14F-4D97-AF65-F5344CB8AC3E}">
+        <p14:creationId xmlns:p14="http://schemas.microsoft.com/office/powerpoint/2010/main" val="1188192135"/>
+      </p:ext>
+    </p:extLst>
+  </p:cSld>
+  <p:clrMapOvr>
+    <a:masterClrMapping/>
+  </p:clrMapOvr>
+  <mc:AlternateContent xmlns:mc="http://schemas.openxmlformats.org/markup-compatibility/2006" xmlns:p14="http://schemas.microsoft.com/office/powerpoint/2010/main">
+    <mc:Choice Requires="p14">
+      <p:transition spd="med" p14:dur="700">
+        <p:fade/>
+      </p:transition>
+    </mc:Choice>
+    <mc:Fallback xmlns="">
+      <p:transition spd="med">
+        <p:fade/>
+      </p:transition>
+    </mc:Fallback>
+  </mc:AlternateContent>
+</p:sld>
+</file>
+
+<file path=ppt/slides/slide15.xml><?xml version="1.0" encoding="utf-8"?>
+<p:sld xmlns:a="http://schemas.openxmlformats.org/drawingml/2006/main" xmlns:r="http://schemas.openxmlformats.org/officeDocument/2006/relationships" xmlns:p="http://schemas.openxmlformats.org/presentationml/2006/main">
+  <p:cSld>
+    <p:spTree>
+      <p:nvGrpSpPr>
+        <p:cNvPr id="1" name=""/>
+        <p:cNvGrpSpPr/>
+        <p:nvPr/>
+      </p:nvGrpSpPr>
+      <p:grpSpPr>
+        <a:xfrm>
+          <a:off x="0" y="0"/>
+          <a:ext cx="0" cy="0"/>
+          <a:chOff x="0" y="0"/>
+          <a:chExt cx="0" cy="0"/>
+        </a:xfrm>
+      </p:grpSpPr>
+      <p:sp>
+        <p:nvSpPr>
+          <p:cNvPr id="2" name="Title 1">
+            <a:extLst>
+              <a:ext uri="{FF2B5EF4-FFF2-40B4-BE49-F238E27FC236}">
+                <a16:creationId xmlns:a16="http://schemas.microsoft.com/office/drawing/2014/main" id="{2BD7C78A-703A-694E-8FFC-38843E2ED0D5}"/>
+              </a:ext>
+            </a:extLst>
+          </p:cNvPr>
+          <p:cNvSpPr>
+            <a:spLocks noGrp="1"/>
+          </p:cNvSpPr>
+          <p:nvPr>
+            <p:ph type="title"/>
+          </p:nvPr>
+        </p:nvSpPr>
+        <p:spPr/>
+        <p:txBody>
+          <a:bodyPr/>
+          <a:lstStyle/>
+          <a:p>
+            <a:endParaRPr lang="en-IN"/>
+          </a:p>
+        </p:txBody>
+      </p:sp>
+      <p:sp>
+        <p:nvSpPr>
+          <p:cNvPr id="3" name="Content Placeholder 2">
+            <a:extLst>
+              <a:ext uri="{FF2B5EF4-FFF2-40B4-BE49-F238E27FC236}">
+                <a16:creationId xmlns:a16="http://schemas.microsoft.com/office/drawing/2014/main" id="{12D21900-DBB9-221C-76E0-EDDD133DAC6B}"/>
+              </a:ext>
+            </a:extLst>
+          </p:cNvPr>
+          <p:cNvSpPr>
+            <a:spLocks noGrp="1"/>
+          </p:cNvSpPr>
+          <p:nvPr>
+            <p:ph sz="quarter" idx="13"/>
+          </p:nvPr>
+        </p:nvSpPr>
+        <p:spPr/>
+        <p:txBody>
+          <a:bodyPr/>
+          <a:lstStyle/>
+          <a:p>
+            <a:endParaRPr lang="en-IN"/>
+          </a:p>
+        </p:txBody>
+      </p:sp>
+      <p:sp>
+        <p:nvSpPr>
+          <p:cNvPr id="4" name="Picture Placeholder 3">
+            <a:extLst>
+              <a:ext uri="{FF2B5EF4-FFF2-40B4-BE49-F238E27FC236}">
+                <a16:creationId xmlns:a16="http://schemas.microsoft.com/office/drawing/2014/main" id="{32AEFEA6-A660-5D12-A8F7-5BB4222EFB74}"/>
+              </a:ext>
+            </a:extLst>
+          </p:cNvPr>
+          <p:cNvSpPr>
+            <a:spLocks noGrp="1"/>
+          </p:cNvSpPr>
+          <p:nvPr>
+            <p:ph type="pic" sz="quarter" idx="14"/>
+          </p:nvPr>
+        </p:nvSpPr>
+        <p:spPr/>
+      </p:sp>
+      <p:sp>
+        <p:nvSpPr>
+          <p:cNvPr id="5" name="Slide Number Placeholder 4">
+            <a:extLst>
+              <a:ext uri="{FF2B5EF4-FFF2-40B4-BE49-F238E27FC236}">
+                <a16:creationId xmlns:a16="http://schemas.microsoft.com/office/drawing/2014/main" id="{4DFB636B-8EED-D8C9-B88E-532B23AEFD21}"/>
+              </a:ext>
+            </a:extLst>
+          </p:cNvPr>
+          <p:cNvSpPr>
+            <a:spLocks noGrp="1"/>
+          </p:cNvSpPr>
+          <p:nvPr>
+            <p:ph type="sldNum" sz="quarter" idx="12"/>
+          </p:nvPr>
+        </p:nvSpPr>
+        <p:spPr/>
+        <p:txBody>
+          <a:bodyPr/>
+          <a:lstStyle/>
+          <a:p>
+            <a:fld id="{EB37DED6-D4C7-42EE-AB49-D2E39E64FDE4}" type="slidenum">
+              <a:rPr lang="en-US" smtClean="0"/>
+              <a:pPr/>
+              <a:t>15</a:t>
+            </a:fld>
+            <a:endParaRPr lang="en-US" dirty="0"/>
+          </a:p>
+        </p:txBody>
+      </p:sp>
+    </p:spTree>
+    <p:extLst>
+      <p:ext uri="{BB962C8B-B14F-4D97-AF65-F5344CB8AC3E}">
+        <p14:creationId xmlns:p14="http://schemas.microsoft.com/office/powerpoint/2010/main" val="3262945818"/>
+      </p:ext>
+    </p:extLst>
+  </p:cSld>
+  <p:clrMapOvr>
+    <a:masterClrMapping/>
+  </p:clrMapOvr>
+  <mc:AlternateContent xmlns:mc="http://schemas.openxmlformats.org/markup-compatibility/2006" xmlns:p14="http://schemas.microsoft.com/office/powerpoint/2010/main">
+    <mc:Choice Requires="p14">
+      <p:transition spd="med" p14:dur="700">
+        <p:fade/>
+      </p:transition>
+    </mc:Choice>
+    <mc:Fallback xmlns="">
+      <p:transition spd="med">
+        <p:fade/>
+      </p:transition>
+    </mc:Fallback>
+  </mc:AlternateContent>
+</p:sld>
+</file>
+
+<file path=ppt/slides/slide16.xml><?xml version="1.0" encoding="utf-8"?>
+<p:sld xmlns:a="http://schemas.openxmlformats.org/drawingml/2006/main" xmlns:r="http://schemas.openxmlformats.org/officeDocument/2006/relationships" xmlns:p="http://schemas.openxmlformats.org/presentationml/2006/main">
+  <p:cSld>
+    <p:spTree>
+      <p:nvGrpSpPr>
+        <p:cNvPr id="1" name=""/>
+        <p:cNvGrpSpPr/>
+        <p:nvPr/>
+      </p:nvGrpSpPr>
+      <p:grpSpPr>
+        <a:xfrm>
+          <a:off x="0" y="0"/>
+          <a:ext cx="0" cy="0"/>
+          <a:chOff x="0" y="0"/>
+          <a:chExt cx="0" cy="0"/>
+        </a:xfrm>
+      </p:grpSpPr>
+      <p:sp>
+        <p:nvSpPr>
+          <p:cNvPr id="2" name="Title 1">
+            <a:extLst>
+              <a:ext uri="{FF2B5EF4-FFF2-40B4-BE49-F238E27FC236}">
+                <a16:creationId xmlns:a16="http://schemas.microsoft.com/office/drawing/2014/main" id="{0B4D0D16-67A0-9392-36C4-38AEF1EFD705}"/>
+              </a:ext>
+            </a:extLst>
+          </p:cNvPr>
+          <p:cNvSpPr>
+            <a:spLocks noGrp="1"/>
+          </p:cNvSpPr>
+          <p:nvPr>
+            <p:ph type="title"/>
+          </p:nvPr>
+        </p:nvSpPr>
+        <p:spPr/>
+        <p:txBody>
+          <a:bodyPr/>
+          <a:lstStyle/>
+          <a:p>
+            <a:endParaRPr lang="en-IN"/>
+          </a:p>
+        </p:txBody>
+      </p:sp>
+      <p:sp>
+        <p:nvSpPr>
+          <p:cNvPr id="3" name="Content Placeholder 2">
+            <a:extLst>
+              <a:ext uri="{FF2B5EF4-FFF2-40B4-BE49-F238E27FC236}">
+                <a16:creationId xmlns:a16="http://schemas.microsoft.com/office/drawing/2014/main" id="{639F28B0-AE40-DF8E-76CA-380B2FBF75D9}"/>
+              </a:ext>
+            </a:extLst>
+          </p:cNvPr>
+          <p:cNvSpPr>
+            <a:spLocks noGrp="1"/>
+          </p:cNvSpPr>
+          <p:nvPr>
+            <p:ph sz="quarter" idx="13"/>
+          </p:nvPr>
+        </p:nvSpPr>
+        <p:spPr/>
+        <p:txBody>
+          <a:bodyPr/>
+          <a:lstStyle/>
+          <a:p>
+            <a:endParaRPr lang="en-IN"/>
+          </a:p>
+        </p:txBody>
+      </p:sp>
+      <p:sp>
+        <p:nvSpPr>
+          <p:cNvPr id="4" name="Content Placeholder 3">
+            <a:extLst>
+              <a:ext uri="{FF2B5EF4-FFF2-40B4-BE49-F238E27FC236}">
+                <a16:creationId xmlns:a16="http://schemas.microsoft.com/office/drawing/2014/main" id="{E1B2001F-94BD-7F0A-56F1-F7B277AF3CC6}"/>
+              </a:ext>
+            </a:extLst>
+          </p:cNvPr>
+          <p:cNvSpPr>
+            <a:spLocks noGrp="1"/>
+          </p:cNvSpPr>
+          <p:nvPr>
+            <p:ph sz="quarter" idx="14"/>
+          </p:nvPr>
+        </p:nvSpPr>
+        <p:spPr/>
+        <p:txBody>
+          <a:bodyPr/>
+          <a:lstStyle/>
+          <a:p>
+            <a:endParaRPr lang="en-IN"/>
+          </a:p>
+        </p:txBody>
+      </p:sp>
+      <p:sp>
+        <p:nvSpPr>
+          <p:cNvPr id="5" name="Slide Number Placeholder 4">
+            <a:extLst>
+              <a:ext uri="{FF2B5EF4-FFF2-40B4-BE49-F238E27FC236}">
+                <a16:creationId xmlns:a16="http://schemas.microsoft.com/office/drawing/2014/main" id="{DE249310-06ED-CE6D-9342-95110ABFA82A}"/>
+              </a:ext>
+            </a:extLst>
+          </p:cNvPr>
+          <p:cNvSpPr>
+            <a:spLocks noGrp="1"/>
+          </p:cNvSpPr>
+          <p:nvPr>
+            <p:ph type="sldNum" sz="quarter" idx="12"/>
+          </p:nvPr>
+        </p:nvSpPr>
+        <p:spPr/>
+        <p:txBody>
+          <a:bodyPr/>
+          <a:lstStyle/>
+          <a:p>
+            <a:fld id="{EB37DED6-D4C7-42EE-AB49-D2E39E64FDE4}" type="slidenum">
+              <a:rPr lang="en-US" smtClean="0"/>
+              <a:pPr/>
+              <a:t>16</a:t>
+            </a:fld>
+            <a:endParaRPr lang="en-US" dirty="0"/>
+          </a:p>
+        </p:txBody>
+      </p:sp>
+    </p:spTree>
+    <p:extLst>
+      <p:ext uri="{BB962C8B-B14F-4D97-AF65-F5344CB8AC3E}">
+        <p14:creationId xmlns:p14="http://schemas.microsoft.com/office/powerpoint/2010/main" val="2633488709"/>
+      </p:ext>
+    </p:extLst>
+  </p:cSld>
+  <p:clrMapOvr>
+    <a:masterClrMapping/>
+  </p:clrMapOvr>
+  <mc:AlternateContent xmlns:mc="http://schemas.openxmlformats.org/markup-compatibility/2006" xmlns:p14="http://schemas.microsoft.com/office/powerpoint/2010/main">
+    <mc:Choice Requires="p14">
+      <p:transition spd="med" p14:dur="700">
+        <p:fade/>
+      </p:transition>
+    </mc:Choice>
+    <mc:Fallback xmlns="">
+      <p:transition spd="med">
+        <p:fade/>
+      </p:transition>
+    </mc:Fallback>
+  </mc:AlternateContent>
+</p:sld>
+</file>
+
+<file path=ppt/slides/slide17.xml><?xml version="1.0" encoding="utf-8"?>
+<p:sld xmlns:a="http://schemas.openxmlformats.org/drawingml/2006/main" xmlns:r="http://schemas.openxmlformats.org/officeDocument/2006/relationships" xmlns:p="http://schemas.openxmlformats.org/presentationml/2006/main">
+  <p:cSld>
+    <p:spTree>
+      <p:nvGrpSpPr>
+        <p:cNvPr id="1" name=""/>
+        <p:cNvGrpSpPr/>
+        <p:nvPr/>
+      </p:nvGrpSpPr>
+      <p:grpSpPr>
+        <a:xfrm>
+          <a:off x="0" y="0"/>
+          <a:ext cx="0" cy="0"/>
+          <a:chOff x="0" y="0"/>
+          <a:chExt cx="0" cy="0"/>
+        </a:xfrm>
+      </p:grpSpPr>
+      <p:sp>
+        <p:nvSpPr>
+          <p:cNvPr id="2" name="Title 1">
+            <a:extLst>
+              <a:ext uri="{FF2B5EF4-FFF2-40B4-BE49-F238E27FC236}">
+                <a16:creationId xmlns:a16="http://schemas.microsoft.com/office/drawing/2014/main" id="{3870CE6E-495D-1808-5A8C-EC4D855C5587}"/>
+              </a:ext>
+            </a:extLst>
+          </p:cNvPr>
+          <p:cNvSpPr>
+            <a:spLocks noGrp="1"/>
+          </p:cNvSpPr>
+          <p:nvPr>
+            <p:ph type="title"/>
+          </p:nvPr>
+        </p:nvSpPr>
+        <p:spPr/>
+        <p:txBody>
+          <a:bodyPr/>
+          <a:lstStyle/>
+          <a:p>
+            <a:r>
+              <a:rPr lang="en-IN" dirty="0"/>
+              <a:t>Testing Phase</a:t>
+            </a:r>
+          </a:p>
+        </p:txBody>
+      </p:sp>
+      <p:sp>
+        <p:nvSpPr>
+          <p:cNvPr id="3" name="Content Placeholder 2">
+            <a:extLst>
+              <a:ext uri="{FF2B5EF4-FFF2-40B4-BE49-F238E27FC236}">
+                <a16:creationId xmlns:a16="http://schemas.microsoft.com/office/drawing/2014/main" id="{B0EEF2E2-7250-905A-9F8E-5BB773C92FF2}"/>
+              </a:ext>
+            </a:extLst>
+          </p:cNvPr>
+          <p:cNvSpPr>
+            <a:spLocks noGrp="1"/>
+          </p:cNvSpPr>
+          <p:nvPr>
+            <p:ph sz="quarter" idx="13"/>
+          </p:nvPr>
+        </p:nvSpPr>
+        <p:spPr/>
+        <p:txBody>
+          <a:bodyPr/>
+          <a:lstStyle/>
+          <a:p>
+            <a:endParaRPr lang="en-IN"/>
+          </a:p>
+        </p:txBody>
+      </p:sp>
+      <p:sp>
+        <p:nvSpPr>
+          <p:cNvPr id="4" name="Content Placeholder 3">
+            <a:extLst>
+              <a:ext uri="{FF2B5EF4-FFF2-40B4-BE49-F238E27FC236}">
+                <a16:creationId xmlns:a16="http://schemas.microsoft.com/office/drawing/2014/main" id="{2A8D0320-4D4B-365D-2F4F-3045D1A7C46C}"/>
+              </a:ext>
+            </a:extLst>
+          </p:cNvPr>
+          <p:cNvSpPr>
+            <a:spLocks noGrp="1"/>
+          </p:cNvSpPr>
+          <p:nvPr>
+            <p:ph sz="quarter" idx="14"/>
+          </p:nvPr>
+        </p:nvSpPr>
+        <p:spPr/>
+        <p:txBody>
+          <a:bodyPr/>
+          <a:lstStyle/>
+          <a:p>
+            <a:endParaRPr lang="en-IN"/>
+          </a:p>
+        </p:txBody>
+      </p:sp>
+      <p:sp>
+        <p:nvSpPr>
+          <p:cNvPr id="5" name="Slide Number Placeholder 4">
+            <a:extLst>
+              <a:ext uri="{FF2B5EF4-FFF2-40B4-BE49-F238E27FC236}">
+                <a16:creationId xmlns:a16="http://schemas.microsoft.com/office/drawing/2014/main" id="{E7948434-32DA-F1E2-FC11-F2978017F64B}"/>
+              </a:ext>
+            </a:extLst>
+          </p:cNvPr>
+          <p:cNvSpPr>
+            <a:spLocks noGrp="1"/>
+          </p:cNvSpPr>
+          <p:nvPr>
+            <p:ph type="sldNum" sz="quarter" idx="12"/>
+          </p:nvPr>
+        </p:nvSpPr>
+        <p:spPr/>
+        <p:txBody>
+          <a:bodyPr/>
+          <a:lstStyle/>
+          <a:p>
+            <a:fld id="{EB37DED6-D4C7-42EE-AB49-D2E39E64FDE4}" type="slidenum">
+              <a:rPr lang="en-US" smtClean="0"/>
+              <a:pPr/>
+              <a:t>17</a:t>
+            </a:fld>
+            <a:endParaRPr lang="en-US" dirty="0"/>
+          </a:p>
+        </p:txBody>
+      </p:sp>
+    </p:spTree>
+    <p:extLst>
+      <p:ext uri="{BB962C8B-B14F-4D97-AF65-F5344CB8AC3E}">
+        <p14:creationId xmlns:p14="http://schemas.microsoft.com/office/powerpoint/2010/main" val="825357147"/>
+      </p:ext>
+    </p:extLst>
+  </p:cSld>
+  <p:clrMapOvr>
+    <a:masterClrMapping/>
+  </p:clrMapOvr>
+  <mc:AlternateContent xmlns:mc="http://schemas.openxmlformats.org/markup-compatibility/2006" xmlns:p14="http://schemas.microsoft.com/office/powerpoint/2010/main">
+    <mc:Choice Requires="p14">
+      <p:transition spd="med" p14:dur="700">
+        <p:fade/>
+      </p:transition>
+    </mc:Choice>
+    <mc:Fallback xmlns="">
+      <p:transition spd="med">
+        <p:fade/>
+      </p:transition>
+    </mc:Fallback>
+  </mc:AlternateContent>
+</p:sld>
+</file>
+
+<file path=ppt/slides/slide18.xml><?xml version="1.0" encoding="utf-8"?>
+<p:sld xmlns:a="http://schemas.openxmlformats.org/drawingml/2006/main" xmlns:r="http://schemas.openxmlformats.org/officeDocument/2006/relationships" xmlns:p="http://schemas.openxmlformats.org/presentationml/2006/main">
+  <p:cSld>
+    <p:spTree>
+      <p:nvGrpSpPr>
+        <p:cNvPr id="1" name=""/>
+        <p:cNvGrpSpPr/>
+        <p:nvPr/>
+      </p:nvGrpSpPr>
+      <p:grpSpPr>
+        <a:xfrm>
+          <a:off x="0" y="0"/>
+          <a:ext cx="0" cy="0"/>
+          <a:chOff x="0" y="0"/>
+          <a:chExt cx="0" cy="0"/>
+        </a:xfrm>
+      </p:grpSpPr>
+      <p:sp>
+        <p:nvSpPr>
+          <p:cNvPr id="2" name="Title 1">
+            <a:extLst>
+              <a:ext uri="{FF2B5EF4-FFF2-40B4-BE49-F238E27FC236}">
+                <a16:creationId xmlns:a16="http://schemas.microsoft.com/office/drawing/2014/main" id="{64983D13-B3DC-F5A2-EC3C-9AA3827FF06F}"/>
+              </a:ext>
+            </a:extLst>
+          </p:cNvPr>
+          <p:cNvSpPr>
+            <a:spLocks noGrp="1"/>
+          </p:cNvSpPr>
+          <p:nvPr>
+            <p:ph type="title"/>
+          </p:nvPr>
+        </p:nvSpPr>
+        <p:spPr/>
+        <p:txBody>
+          <a:bodyPr/>
+          <a:lstStyle/>
+          <a:p>
+            <a:endParaRPr lang="en-IN"/>
+          </a:p>
+        </p:txBody>
+      </p:sp>
+      <p:sp>
+        <p:nvSpPr>
+          <p:cNvPr id="3" name="Picture Placeholder 2">
+            <a:extLst>
+              <a:ext uri="{FF2B5EF4-FFF2-40B4-BE49-F238E27FC236}">
+                <a16:creationId xmlns:a16="http://schemas.microsoft.com/office/drawing/2014/main" id="{57620467-CA16-1C06-152E-31CFC11FAB8D}"/>
+              </a:ext>
+            </a:extLst>
+          </p:cNvPr>
+          <p:cNvSpPr>
+            <a:spLocks noGrp="1"/>
+          </p:cNvSpPr>
+          <p:nvPr>
+            <p:ph type="pic" sz="quarter" idx="10"/>
+          </p:nvPr>
+        </p:nvSpPr>
+        <p:spPr/>
+      </p:sp>
+    </p:spTree>
+    <p:extLst>
+      <p:ext uri="{BB962C8B-B14F-4D97-AF65-F5344CB8AC3E}">
+        <p14:creationId xmlns:p14="http://schemas.microsoft.com/office/powerpoint/2010/main" val="1723280250"/>
+      </p:ext>
+    </p:extLst>
+  </p:cSld>
+  <p:clrMapOvr>
+    <a:masterClrMapping/>
+  </p:clrMapOvr>
+  <mc:AlternateContent xmlns:mc="http://schemas.openxmlformats.org/markup-compatibility/2006" xmlns:p14="http://schemas.microsoft.com/office/powerpoint/2010/main">
+    <mc:Choice Requires="p14">
+      <p:transition spd="med" p14:dur="700">
+        <p:fade/>
+      </p:transition>
+    </mc:Choice>
+    <mc:Fallback xmlns="">
+      <p:transition spd="med">
+        <p:fade/>
+      </p:transition>
+    </mc:Fallback>
+  </mc:AlternateContent>
+</p:sld>
+</file>
+
+<file path=ppt/slides/slide19.xml><?xml version="1.0" encoding="utf-8"?>
+<p:sld xmlns:a="http://schemas.openxmlformats.org/drawingml/2006/main" xmlns:r="http://schemas.openxmlformats.org/officeDocument/2006/relationships" xmlns:p="http://schemas.openxmlformats.org/presentationml/2006/main">
+  <p:cSld>
+    <p:spTree>
+      <p:nvGrpSpPr>
+        <p:cNvPr id="1" name=""/>
+        <p:cNvGrpSpPr/>
+        <p:nvPr/>
+      </p:nvGrpSpPr>
+      <p:grpSpPr>
+        <a:xfrm>
+          <a:off x="0" y="0"/>
+          <a:ext cx="0" cy="0"/>
+          <a:chOff x="0" y="0"/>
+          <a:chExt cx="0" cy="0"/>
+        </a:xfrm>
+      </p:grpSpPr>
+      <p:sp>
+        <p:nvSpPr>
+          <p:cNvPr id="2" name="Title 1">
+            <a:extLst>
+              <a:ext uri="{FF2B5EF4-FFF2-40B4-BE49-F238E27FC236}">
+                <a16:creationId xmlns:a16="http://schemas.microsoft.com/office/drawing/2014/main" id="{E9DC9FCC-4F0C-53A9-AE36-C60D0609DD96}"/>
+              </a:ext>
+            </a:extLst>
+          </p:cNvPr>
+          <p:cNvSpPr>
+            <a:spLocks noGrp="1"/>
+          </p:cNvSpPr>
+          <p:nvPr>
+            <p:ph type="title"/>
+          </p:nvPr>
+        </p:nvSpPr>
+        <p:spPr/>
+        <p:txBody>
+          <a:bodyPr/>
+          <a:lstStyle/>
+          <a:p>
+            <a:endParaRPr lang="en-IN"/>
+          </a:p>
+        </p:txBody>
+      </p:sp>
+      <p:sp>
+        <p:nvSpPr>
+          <p:cNvPr id="3" name="Content Placeholder 2">
+            <a:extLst>
+              <a:ext uri="{FF2B5EF4-FFF2-40B4-BE49-F238E27FC236}">
+                <a16:creationId xmlns:a16="http://schemas.microsoft.com/office/drawing/2014/main" id="{AA5DF3F7-8350-F924-067C-6062DEA38DC6}"/>
+              </a:ext>
+            </a:extLst>
+          </p:cNvPr>
+          <p:cNvSpPr>
+            <a:spLocks noGrp="1"/>
+          </p:cNvSpPr>
+          <p:nvPr>
+            <p:ph sz="quarter" idx="13"/>
+          </p:nvPr>
+        </p:nvSpPr>
+        <p:spPr/>
+        <p:txBody>
+          <a:bodyPr/>
+          <a:lstStyle/>
+          <a:p>
+            <a:endParaRPr lang="en-IN"/>
+          </a:p>
+        </p:txBody>
+      </p:sp>
+      <p:sp>
+        <p:nvSpPr>
+          <p:cNvPr id="4" name="Slide Number Placeholder 3">
+            <a:extLst>
+              <a:ext uri="{FF2B5EF4-FFF2-40B4-BE49-F238E27FC236}">
+                <a16:creationId xmlns:a16="http://schemas.microsoft.com/office/drawing/2014/main" id="{023EA18A-7BBC-A7A5-F52F-E930F453BA58}"/>
+              </a:ext>
+            </a:extLst>
+          </p:cNvPr>
+          <p:cNvSpPr>
+            <a:spLocks noGrp="1"/>
+          </p:cNvSpPr>
+          <p:nvPr>
+            <p:ph type="sldNum" sz="quarter" idx="12"/>
+          </p:nvPr>
+        </p:nvSpPr>
+        <p:spPr/>
+        <p:txBody>
+          <a:bodyPr/>
+          <a:lstStyle/>
+          <a:p>
+            <a:fld id="{EB37DED6-D4C7-42EE-AB49-D2E39E64FDE4}" type="slidenum">
+              <a:rPr lang="en-US" smtClean="0"/>
+              <a:pPr/>
+              <a:t>19</a:t>
+            </a:fld>
+            <a:endParaRPr lang="en-US" dirty="0"/>
+          </a:p>
+        </p:txBody>
+      </p:sp>
+      <p:sp>
+        <p:nvSpPr>
+          <p:cNvPr id="5" name="Table Placeholder 4">
+            <a:extLst>
+              <a:ext uri="{FF2B5EF4-FFF2-40B4-BE49-F238E27FC236}">
+                <a16:creationId xmlns:a16="http://schemas.microsoft.com/office/drawing/2014/main" id="{79793A75-E549-6F40-A0AD-A1CBB6297D28}"/>
+              </a:ext>
+            </a:extLst>
+          </p:cNvPr>
+          <p:cNvSpPr>
+            <a:spLocks noGrp="1"/>
+          </p:cNvSpPr>
+          <p:nvPr>
+            <p:ph type="tbl" sz="quarter" idx="14"/>
+          </p:nvPr>
+        </p:nvSpPr>
+        <p:spPr/>
+      </p:sp>
+    </p:spTree>
+    <p:extLst>
+      <p:ext uri="{BB962C8B-B14F-4D97-AF65-F5344CB8AC3E}">
+        <p14:creationId xmlns:p14="http://schemas.microsoft.com/office/powerpoint/2010/main" val="327274359"/>
       </p:ext>
     </p:extLst>
   </p:cSld>
@@ -9658,7 +10744,12 @@
             <p:ph type="title"/>
           </p:nvPr>
         </p:nvSpPr>
-        <p:spPr/>
+        <p:spPr>
+          <a:xfrm>
+            <a:off x="521208" y="621792"/>
+            <a:ext cx="5878004" cy="826008"/>
+          </a:xfrm>
+        </p:spPr>
         <p:txBody>
           <a:bodyPr>
             <a:normAutofit/>
@@ -9666,7 +10757,7 @@
           <a:lstStyle/>
           <a:p>
             <a:r>
-              <a:rPr lang="en-US" sz="4400" dirty="0">
+              <a:rPr lang="en-US" sz="3600" dirty="0">
                 <a:ln w="31750">
                   <a:solidFill>
                     <a:schemeClr val="accent2">
@@ -9678,7 +10769,7 @@
               </a:rPr>
               <a:t>Introduction</a:t>
             </a:r>
-            <a:endParaRPr lang="en-IN" sz="4400" dirty="0"/>
+            <a:endParaRPr lang="en-IN" sz="3600" dirty="0"/>
           </a:p>
         </p:txBody>
       </p:sp>
@@ -9698,12 +10789,89 @@
             <p:ph sz="quarter" idx="13"/>
           </p:nvPr>
         </p:nvSpPr>
-        <p:spPr/>
-        <p:txBody>
-          <a:bodyPr/>
+        <p:spPr>
+          <a:xfrm>
+            <a:off x="521208" y="1676400"/>
+            <a:ext cx="5878004" cy="4111752"/>
+          </a:xfrm>
+        </p:spPr>
+        <p:txBody>
+          <a:bodyPr>
+            <a:noAutofit/>
+          </a:bodyPr>
           <a:lstStyle/>
           <a:p>
-            <a:endParaRPr lang="en-IN" dirty="0"/>
+            <a:pPr>
+              <a:buNone/>
+            </a:pPr>
+            <a:r>
+              <a:rPr lang="en-US" i="1" dirty="0">
+                <a:latin typeface="Bahnschrift SemiLight" panose="020B0502040204020203" pitchFamily="34" charset="0"/>
+              </a:rPr>
+              <a:t>What’s the Topic?</a:t>
+            </a:r>
+          </a:p>
+          <a:p>
+            <a:r>
+              <a:rPr lang="en-US" sz="1600" dirty="0">
+                <a:latin typeface="Bahnschrift SemiLight" panose="020B0502040204020203" pitchFamily="34" charset="0"/>
+              </a:rPr>
+              <a:t>Rethinking Waste Segregation Systems on Campus</a:t>
+            </a:r>
+          </a:p>
+          <a:p>
+            <a:pPr>
+              <a:buNone/>
+            </a:pPr>
+            <a:r>
+              <a:rPr lang="en-US" i="1" dirty="0">
+                <a:latin typeface="Bahnschrift SemiLight" panose="020B0502040204020203" pitchFamily="34" charset="0"/>
+              </a:rPr>
+              <a:t>Why does this matter?</a:t>
+            </a:r>
+          </a:p>
+          <a:p>
+            <a:r>
+              <a:rPr lang="en-US" sz="1600" dirty="0">
+                <a:latin typeface="Bahnschrift SemiLight" panose="020B0502040204020203" pitchFamily="34" charset="0"/>
+              </a:rPr>
+              <a:t>Waste segregation is essential for clean, functional shared spaces. But most bins today are poorly designed, confusing, and counterproductive.</a:t>
+            </a:r>
+          </a:p>
+          <a:p>
+            <a:pPr>
+              <a:buNone/>
+            </a:pPr>
+            <a:r>
+              <a:rPr lang="en-US" i="1" dirty="0">
+                <a:latin typeface="Bahnschrift SemiLight" panose="020B0502040204020203" pitchFamily="34" charset="0"/>
+              </a:rPr>
+              <a:t>What’s broken?</a:t>
+            </a:r>
+          </a:p>
+          <a:p>
+            <a:pPr>
+              <a:buFont typeface="Arial" panose="020B0604020202020204" pitchFamily="34" charset="0"/>
+              <a:buChar char="•"/>
+            </a:pPr>
+            <a:r>
+              <a:rPr lang="en-US" sz="1600" dirty="0">
+                <a:latin typeface="Bahnschrift SemiLight" panose="020B0502040204020203" pitchFamily="34" charset="0"/>
+              </a:rPr>
+              <a:t>No cues for correct disposal leads to  frequent misuse since separation isn't intuitive or enforced.</a:t>
+            </a:r>
+          </a:p>
+          <a:p>
+            <a:pPr>
+              <a:buFont typeface="Arial" panose="020B0604020202020204" pitchFamily="34" charset="0"/>
+              <a:buChar char="•"/>
+            </a:pPr>
+            <a:r>
+              <a:rPr lang="en-US" sz="1600" dirty="0">
+                <a:latin typeface="Bahnschrift SemiLight" panose="020B0502040204020203" pitchFamily="34" charset="0"/>
+              </a:rPr>
+              <a:t>Design "fixes" often make things worse.</a:t>
+            </a:r>
           </a:p>
         </p:txBody>
       </p:sp>
@@ -9752,6 +10920,137 @@
               <a:t>2</a:t>
             </a:fld>
             <a:endParaRPr lang="en-US" dirty="0"/>
+          </a:p>
+        </p:txBody>
+      </p:sp>
+      <p:sp>
+        <p:nvSpPr>
+          <p:cNvPr id="6" name="Slide Number Placeholder 4">
+            <a:extLst>
+              <a:ext uri="{FF2B5EF4-FFF2-40B4-BE49-F238E27FC236}">
+                <a16:creationId xmlns:a16="http://schemas.microsoft.com/office/drawing/2014/main" id="{269B5124-98F7-E36E-19A0-060E8556CA6D}"/>
+              </a:ext>
+            </a:extLst>
+          </p:cNvPr>
+          <p:cNvSpPr txBox="1">
+            <a:spLocks/>
+          </p:cNvSpPr>
+          <p:nvPr/>
+        </p:nvSpPr>
+        <p:spPr>
+          <a:xfrm>
+            <a:off x="521208" y="6190488"/>
+            <a:ext cx="2677604" cy="210312"/>
+          </a:xfrm>
+          <a:prstGeom prst="rect">
+            <a:avLst/>
+          </a:prstGeom>
+        </p:spPr>
+        <p:txBody>
+          <a:bodyPr vert="horz" lIns="121899" tIns="60949" rIns="121899" bIns="60949" rtlCol="0" anchor="b"/>
+          <a:lstStyle>
+            <a:defPPr>
+              <a:defRPr lang="en-US"/>
+            </a:defPPr>
+            <a:lvl1pPr marL="0" algn="r" defTabSz="1218987" rtl="0" eaLnBrk="1" latinLnBrk="0" hangingPunct="1">
+              <a:defRPr sz="1000" b="1" kern="1200" spc="200" baseline="0">
+                <a:solidFill>
+                  <a:schemeClr val="tx2">
+                    <a:lumMod val="50000"/>
+                  </a:schemeClr>
+                </a:solidFill>
+                <a:latin typeface="+mn-lt"/>
+                <a:ea typeface="+mn-ea"/>
+                <a:cs typeface="+mn-cs"/>
+              </a:defRPr>
+            </a:lvl1pPr>
+            <a:lvl2pPr marL="609493" algn="l" defTabSz="1218987" rtl="0" eaLnBrk="1" latinLnBrk="0" hangingPunct="1">
+              <a:defRPr sz="2400" kern="1200">
+                <a:solidFill>
+                  <a:schemeClr val="tx1"/>
+                </a:solidFill>
+                <a:latin typeface="+mn-lt"/>
+                <a:ea typeface="+mn-ea"/>
+                <a:cs typeface="+mn-cs"/>
+              </a:defRPr>
+            </a:lvl2pPr>
+            <a:lvl3pPr marL="1218987" algn="l" defTabSz="1218987" rtl="0" eaLnBrk="1" latinLnBrk="0" hangingPunct="1">
+              <a:defRPr sz="2400" kern="1200">
+                <a:solidFill>
+                  <a:schemeClr val="tx1"/>
+                </a:solidFill>
+                <a:latin typeface="+mn-lt"/>
+                <a:ea typeface="+mn-ea"/>
+                <a:cs typeface="+mn-cs"/>
+              </a:defRPr>
+            </a:lvl3pPr>
+            <a:lvl4pPr marL="1828480" algn="l" defTabSz="1218987" rtl="0" eaLnBrk="1" latinLnBrk="0" hangingPunct="1">
+              <a:defRPr sz="2400" kern="1200">
+                <a:solidFill>
+                  <a:schemeClr val="tx1"/>
+                </a:solidFill>
+                <a:latin typeface="+mn-lt"/>
+                <a:ea typeface="+mn-ea"/>
+                <a:cs typeface="+mn-cs"/>
+              </a:defRPr>
+            </a:lvl4pPr>
+            <a:lvl5pPr marL="2437973" algn="l" defTabSz="1218987" rtl="0" eaLnBrk="1" latinLnBrk="0" hangingPunct="1">
+              <a:defRPr sz="2400" kern="1200">
+                <a:solidFill>
+                  <a:schemeClr val="tx1"/>
+                </a:solidFill>
+                <a:latin typeface="+mn-lt"/>
+                <a:ea typeface="+mn-ea"/>
+                <a:cs typeface="+mn-cs"/>
+              </a:defRPr>
+            </a:lvl5pPr>
+            <a:lvl6pPr marL="3047467" algn="l" defTabSz="1218987" rtl="0" eaLnBrk="1" latinLnBrk="0" hangingPunct="1">
+              <a:defRPr sz="2400" kern="1200">
+                <a:solidFill>
+                  <a:schemeClr val="tx1"/>
+                </a:solidFill>
+                <a:latin typeface="+mn-lt"/>
+                <a:ea typeface="+mn-ea"/>
+                <a:cs typeface="+mn-cs"/>
+              </a:defRPr>
+            </a:lvl6pPr>
+            <a:lvl7pPr marL="3656960" algn="l" defTabSz="1218987" rtl="0" eaLnBrk="1" latinLnBrk="0" hangingPunct="1">
+              <a:defRPr sz="2400" kern="1200">
+                <a:solidFill>
+                  <a:schemeClr val="tx1"/>
+                </a:solidFill>
+                <a:latin typeface="+mn-lt"/>
+                <a:ea typeface="+mn-ea"/>
+                <a:cs typeface="+mn-cs"/>
+              </a:defRPr>
+            </a:lvl7pPr>
+            <a:lvl8pPr marL="4266453" algn="l" defTabSz="1218987" rtl="0" eaLnBrk="1" latinLnBrk="0" hangingPunct="1">
+              <a:defRPr sz="2400" kern="1200">
+                <a:solidFill>
+                  <a:schemeClr val="tx1"/>
+                </a:solidFill>
+                <a:latin typeface="+mn-lt"/>
+                <a:ea typeface="+mn-ea"/>
+                <a:cs typeface="+mn-cs"/>
+              </a:defRPr>
+            </a:lvl8pPr>
+            <a:lvl9pPr marL="4875947" algn="l" defTabSz="1218987" rtl="0" eaLnBrk="1" latinLnBrk="0" hangingPunct="1">
+              <a:defRPr sz="2400" kern="1200">
+                <a:solidFill>
+                  <a:schemeClr val="tx1"/>
+                </a:solidFill>
+                <a:latin typeface="+mn-lt"/>
+                <a:ea typeface="+mn-ea"/>
+                <a:cs typeface="+mn-cs"/>
+              </a:defRPr>
+            </a:lvl9pPr>
+          </a:lstStyle>
+          <a:p>
+            <a:pPr algn="l"/>
+            <a:r>
+              <a:rPr lang="en-US" dirty="0"/>
+              <a:t>DES211 CAPSTONE PROJECT</a:t>
+            </a:r>
           </a:p>
         </p:txBody>
       </p:sp>

--- a/presentation.pptx
+++ b/presentation.pptx
@@ -5,31 +5,33 @@
     <p:sldMasterId id="2147483692" r:id="rId4"/>
   </p:sldMasterIdLst>
   <p:notesMasterIdLst>
-    <p:notesMasterId r:id="rId24"/>
+    <p:notesMasterId r:id="rId26"/>
   </p:notesMasterIdLst>
   <p:handoutMasterIdLst>
-    <p:handoutMasterId r:id="rId25"/>
+    <p:handoutMasterId r:id="rId27"/>
   </p:handoutMasterIdLst>
   <p:sldIdLst>
     <p:sldId id="354" r:id="rId5"/>
     <p:sldId id="367" r:id="rId6"/>
-    <p:sldId id="372" r:id="rId7"/>
-    <p:sldId id="374" r:id="rId8"/>
-    <p:sldId id="373" r:id="rId9"/>
-    <p:sldId id="375" r:id="rId10"/>
-    <p:sldId id="368" r:id="rId11"/>
-    <p:sldId id="369" r:id="rId12"/>
-    <p:sldId id="370" r:id="rId13"/>
-    <p:sldId id="371" r:id="rId14"/>
-    <p:sldId id="376" r:id="rId15"/>
-    <p:sldId id="377" r:id="rId16"/>
-    <p:sldId id="378" r:id="rId17"/>
-    <p:sldId id="379" r:id="rId18"/>
-    <p:sldId id="380" r:id="rId19"/>
-    <p:sldId id="381" r:id="rId20"/>
-    <p:sldId id="382" r:id="rId21"/>
-    <p:sldId id="383" r:id="rId22"/>
-    <p:sldId id="384" r:id="rId23"/>
+    <p:sldId id="385" r:id="rId7"/>
+    <p:sldId id="386" r:id="rId8"/>
+    <p:sldId id="372" r:id="rId9"/>
+    <p:sldId id="374" r:id="rId10"/>
+    <p:sldId id="373" r:id="rId11"/>
+    <p:sldId id="387" r:id="rId12"/>
+    <p:sldId id="368" r:id="rId13"/>
+    <p:sldId id="369" r:id="rId14"/>
+    <p:sldId id="370" r:id="rId15"/>
+    <p:sldId id="371" r:id="rId16"/>
+    <p:sldId id="376" r:id="rId17"/>
+    <p:sldId id="377" r:id="rId18"/>
+    <p:sldId id="378" r:id="rId19"/>
+    <p:sldId id="379" r:id="rId20"/>
+    <p:sldId id="380" r:id="rId21"/>
+    <p:sldId id="381" r:id="rId22"/>
+    <p:sldId id="382" r:id="rId23"/>
+    <p:sldId id="383" r:id="rId24"/>
+    <p:sldId id="384" r:id="rId25"/>
   </p:sldIdLst>
   <p:sldSz cx="12188825" cy="6858000"/>
   <p:notesSz cx="6858000" cy="9144000"/>
@@ -251,7 +253,7 @@
                   <a:schemeClr val="tx2"/>
                 </a:solidFill>
               </a:rPr>
-              <a:t>4/24/2025</a:t>
+              <a:t>4/25/2025</a:t>
             </a:fld>
             <a:endParaRPr dirty="0">
               <a:solidFill>
@@ -441,7 +443,7 @@
             <a:fld id="{F95CF31C-F757-429C-A789-86504F04C3BE}" type="datetimeFigureOut">
               <a:rPr lang="en-US"/>
               <a:pPr/>
-              <a:t>4/24/2025</a:t>
+              <a:t>4/25/2025</a:t>
             </a:fld>
             <a:endParaRPr dirty="0"/>
           </a:p>
@@ -9294,7 +9296,7 @@
           <p:cNvPr id="2" name="Title 1">
             <a:extLst>
               <a:ext uri="{FF2B5EF4-FFF2-40B4-BE49-F238E27FC236}">
-                <a16:creationId xmlns:a16="http://schemas.microsoft.com/office/drawing/2014/main" id="{8293087C-D9DF-6AEB-3DDD-CE6BA4742958}"/>
+                <a16:creationId xmlns:a16="http://schemas.microsoft.com/office/drawing/2014/main" id="{1DAF76BE-D861-0DEF-4ADF-A5EE483C6394}"/>
               </a:ext>
             </a:extLst>
           </p:cNvPr>
@@ -9310,7 +9312,7 @@
           <a:bodyPr/>
           <a:lstStyle/>
           <a:p>
-            <a:endParaRPr lang="en-IN"/>
+            <a:endParaRPr lang="en-IN" dirty="0"/>
           </a:p>
         </p:txBody>
       </p:sp>
@@ -9319,7 +9321,7 @@
           <p:cNvPr id="3" name="Content Placeholder 2">
             <a:extLst>
               <a:ext uri="{FF2B5EF4-FFF2-40B4-BE49-F238E27FC236}">
-                <a16:creationId xmlns:a16="http://schemas.microsoft.com/office/drawing/2014/main" id="{A5EB9FEF-DE24-2B3B-D6C5-2F664A0F932B}"/>
+                <a16:creationId xmlns:a16="http://schemas.microsoft.com/office/drawing/2014/main" id="{658554FA-E424-11D3-4CED-608F7A2DAA49}"/>
               </a:ext>
             </a:extLst>
           </p:cNvPr>
@@ -9341,89 +9343,10 @@
       </p:sp>
       <p:sp>
         <p:nvSpPr>
-          <p:cNvPr id="4" name="Content Placeholder 3">
-            <a:extLst>
-              <a:ext uri="{FF2B5EF4-FFF2-40B4-BE49-F238E27FC236}">
-                <a16:creationId xmlns:a16="http://schemas.microsoft.com/office/drawing/2014/main" id="{90AD67B7-7DE5-CFC5-8DC4-1A1C44B6049D}"/>
-              </a:ext>
-            </a:extLst>
-          </p:cNvPr>
-          <p:cNvSpPr>
-            <a:spLocks noGrp="1"/>
-          </p:cNvSpPr>
-          <p:nvPr>
-            <p:ph sz="quarter" idx="14"/>
-          </p:nvPr>
-        </p:nvSpPr>
-        <p:spPr/>
-        <p:txBody>
-          <a:bodyPr/>
-          <a:lstStyle/>
-          <a:p>
-            <a:endParaRPr lang="en-IN"/>
-          </a:p>
-        </p:txBody>
-      </p:sp>
-      <p:sp>
-        <p:nvSpPr>
-          <p:cNvPr id="5" name="Picture Placeholder 4">
-            <a:extLst>
-              <a:ext uri="{FF2B5EF4-FFF2-40B4-BE49-F238E27FC236}">
-                <a16:creationId xmlns:a16="http://schemas.microsoft.com/office/drawing/2014/main" id="{84B86DCF-4B97-9947-A1A5-CB1979819433}"/>
-              </a:ext>
-            </a:extLst>
-          </p:cNvPr>
-          <p:cNvSpPr>
-            <a:spLocks noGrp="1"/>
-          </p:cNvSpPr>
-          <p:nvPr>
-            <p:ph type="pic" sz="quarter" idx="15"/>
-          </p:nvPr>
-        </p:nvSpPr>
-        <p:spPr/>
-      </p:sp>
-      <p:sp>
-        <p:nvSpPr>
-          <p:cNvPr id="6" name="Picture Placeholder 5">
-            <a:extLst>
-              <a:ext uri="{FF2B5EF4-FFF2-40B4-BE49-F238E27FC236}">
-                <a16:creationId xmlns:a16="http://schemas.microsoft.com/office/drawing/2014/main" id="{8AB7107F-47DD-9F0D-70A4-3FF297304F55}"/>
-              </a:ext>
-            </a:extLst>
-          </p:cNvPr>
-          <p:cNvSpPr>
-            <a:spLocks noGrp="1"/>
-          </p:cNvSpPr>
-          <p:nvPr>
-            <p:ph type="pic" sz="quarter" idx="17"/>
-          </p:nvPr>
-        </p:nvSpPr>
-        <p:spPr/>
-      </p:sp>
-      <p:sp>
-        <p:nvSpPr>
-          <p:cNvPr id="7" name="Picture Placeholder 6">
-            <a:extLst>
-              <a:ext uri="{FF2B5EF4-FFF2-40B4-BE49-F238E27FC236}">
-                <a16:creationId xmlns:a16="http://schemas.microsoft.com/office/drawing/2014/main" id="{638EFBB7-E515-DA5F-08E3-9C0BE88AB6AA}"/>
-              </a:ext>
-            </a:extLst>
-          </p:cNvPr>
-          <p:cNvSpPr>
-            <a:spLocks noGrp="1"/>
-          </p:cNvSpPr>
-          <p:nvPr>
-            <p:ph type="pic" sz="quarter" idx="16"/>
-          </p:nvPr>
-        </p:nvSpPr>
-        <p:spPr/>
-      </p:sp>
-      <p:sp>
-        <p:nvSpPr>
-          <p:cNvPr id="8" name="Slide Number Placeholder 7">
-            <a:extLst>
-              <a:ext uri="{FF2B5EF4-FFF2-40B4-BE49-F238E27FC236}">
-                <a16:creationId xmlns:a16="http://schemas.microsoft.com/office/drawing/2014/main" id="{73E0A801-B1B2-373A-D748-9D9CBC514047}"/>
+          <p:cNvPr id="4" name="Slide Number Placeholder 3">
+            <a:extLst>
+              <a:ext uri="{FF2B5EF4-FFF2-40B4-BE49-F238E27FC236}">
+                <a16:creationId xmlns:a16="http://schemas.microsoft.com/office/drawing/2014/main" id="{D3EDF452-2A72-5BC1-C650-2140070FDD4D}"/>
               </a:ext>
             </a:extLst>
           </p:cNvPr>
@@ -9451,7 +9374,7 @@
     </p:spTree>
     <p:extLst>
       <p:ext uri="{BB962C8B-B14F-4D97-AF65-F5344CB8AC3E}">
-        <p14:creationId xmlns:p14="http://schemas.microsoft.com/office/powerpoint/2010/main" val="2656427420"/>
+        <p14:creationId xmlns:p14="http://schemas.microsoft.com/office/powerpoint/2010/main" val="3542959396"/>
       </p:ext>
     </p:extLst>
   </p:cSld>
@@ -9478,13 +9401,7 @@
   <p:cSld>
     <p:spTree>
       <p:nvGrpSpPr>
-        <p:cNvPr id="1" name="">
-          <a:extLst>
-            <a:ext uri="{FF2B5EF4-FFF2-40B4-BE49-F238E27FC236}">
-              <a16:creationId xmlns:a16="http://schemas.microsoft.com/office/drawing/2014/main" id="{FFB85F68-8123-6880-86CF-D39DE164CE9B}"/>
-            </a:ext>
-          </a:extLst>
-        </p:cNvPr>
+        <p:cNvPr id="1" name=""/>
         <p:cNvGrpSpPr/>
         <p:nvPr/>
       </p:nvGrpSpPr>
@@ -9501,7 +9418,7 @@
           <p:cNvPr id="2" name="Title 1">
             <a:extLst>
               <a:ext uri="{FF2B5EF4-FFF2-40B4-BE49-F238E27FC236}">
-                <a16:creationId xmlns:a16="http://schemas.microsoft.com/office/drawing/2014/main" id="{CB2FB0A1-DF3F-2C56-A9BE-2B2150E1E5F2}"/>
+                <a16:creationId xmlns:a16="http://schemas.microsoft.com/office/drawing/2014/main" id="{81A3617B-0FD5-4494-9CDA-AE370728EAD0}"/>
               </a:ext>
             </a:extLst>
           </p:cNvPr>
@@ -9517,19 +9434,16 @@
           <a:bodyPr/>
           <a:lstStyle/>
           <a:p>
-            <a:r>
-              <a:rPr lang="en-IN" dirty="0"/>
-              <a:t>Prototype Phase</a:t>
-            </a:r>
-          </a:p>
-        </p:txBody>
-      </p:sp>
-      <p:sp>
-        <p:nvSpPr>
-          <p:cNvPr id="3" name="Content Placeholder 2">
-            <a:extLst>
-              <a:ext uri="{FF2B5EF4-FFF2-40B4-BE49-F238E27FC236}">
-                <a16:creationId xmlns:a16="http://schemas.microsoft.com/office/drawing/2014/main" id="{91139623-E418-9918-37FE-C29501924A8E}"/>
+            <a:endParaRPr lang="en-IN"/>
+          </a:p>
+        </p:txBody>
+      </p:sp>
+      <p:sp>
+        <p:nvSpPr>
+          <p:cNvPr id="3" name="Picture Placeholder 2">
+            <a:extLst>
+              <a:ext uri="{FF2B5EF4-FFF2-40B4-BE49-F238E27FC236}">
+                <a16:creationId xmlns:a16="http://schemas.microsoft.com/office/drawing/2014/main" id="{41F5745F-E770-D068-578F-3CFE5F9010C6}"/>
               </a:ext>
             </a:extLst>
           </p:cNvPr>
@@ -9537,77 +9451,15 @@
             <a:spLocks noGrp="1"/>
           </p:cNvSpPr>
           <p:nvPr>
-            <p:ph sz="quarter" idx="13"/>
+            <p:ph type="pic" sz="quarter" idx="10"/>
           </p:nvPr>
         </p:nvSpPr>
         <p:spPr/>
-        <p:txBody>
-          <a:bodyPr/>
-          <a:lstStyle/>
-          <a:p>
-            <a:endParaRPr lang="en-IN" dirty="0"/>
-          </a:p>
-        </p:txBody>
-      </p:sp>
-      <p:sp>
-        <p:nvSpPr>
-          <p:cNvPr id="4" name="Content Placeholder 3">
-            <a:extLst>
-              <a:ext uri="{FF2B5EF4-FFF2-40B4-BE49-F238E27FC236}">
-                <a16:creationId xmlns:a16="http://schemas.microsoft.com/office/drawing/2014/main" id="{9B787AC9-EBC2-8A16-B408-255CE6BBC6B3}"/>
-              </a:ext>
-            </a:extLst>
-          </p:cNvPr>
-          <p:cNvSpPr>
-            <a:spLocks noGrp="1"/>
-          </p:cNvSpPr>
-          <p:nvPr>
-            <p:ph sz="quarter" idx="14"/>
-          </p:nvPr>
-        </p:nvSpPr>
-        <p:spPr/>
-        <p:txBody>
-          <a:bodyPr/>
-          <a:lstStyle/>
-          <a:p>
-            <a:endParaRPr lang="en-IN"/>
-          </a:p>
-        </p:txBody>
-      </p:sp>
-      <p:sp>
-        <p:nvSpPr>
-          <p:cNvPr id="5" name="Slide Number Placeholder 4">
-            <a:extLst>
-              <a:ext uri="{FF2B5EF4-FFF2-40B4-BE49-F238E27FC236}">
-                <a16:creationId xmlns:a16="http://schemas.microsoft.com/office/drawing/2014/main" id="{85DF273A-9AB3-B5C3-9ADB-A4CF1A4262CD}"/>
-              </a:ext>
-            </a:extLst>
-          </p:cNvPr>
-          <p:cNvSpPr>
-            <a:spLocks noGrp="1"/>
-          </p:cNvSpPr>
-          <p:nvPr>
-            <p:ph type="sldNum" sz="quarter" idx="12"/>
-          </p:nvPr>
-        </p:nvSpPr>
-        <p:spPr/>
-        <p:txBody>
-          <a:bodyPr/>
-          <a:lstStyle/>
-          <a:p>
-            <a:fld id="{EB37DED6-D4C7-42EE-AB49-D2E39E64FDE4}" type="slidenum">
-              <a:rPr lang="en-US" smtClean="0"/>
-              <a:pPr/>
-              <a:t>11</a:t>
-            </a:fld>
-            <a:endParaRPr lang="en-US" dirty="0"/>
-          </a:p>
-        </p:txBody>
       </p:sp>
     </p:spTree>
     <p:extLst>
       <p:ext uri="{BB962C8B-B14F-4D97-AF65-F5344CB8AC3E}">
-        <p14:creationId xmlns:p14="http://schemas.microsoft.com/office/powerpoint/2010/main" val="2902727585"/>
+        <p14:creationId xmlns:p14="http://schemas.microsoft.com/office/powerpoint/2010/main" val="4073682777"/>
       </p:ext>
     </p:extLst>
   </p:cSld>
@@ -9651,7 +9503,7 @@
           <p:cNvPr id="2" name="Title 1">
             <a:extLst>
               <a:ext uri="{FF2B5EF4-FFF2-40B4-BE49-F238E27FC236}">
-                <a16:creationId xmlns:a16="http://schemas.microsoft.com/office/drawing/2014/main" id="{AADB5DC0-637B-33EB-9B61-EFB3DE503900}"/>
+                <a16:creationId xmlns:a16="http://schemas.microsoft.com/office/drawing/2014/main" id="{8293087C-D9DF-6AEB-3DDD-CE6BA4742958}"/>
               </a:ext>
             </a:extLst>
           </p:cNvPr>
@@ -9676,7 +9528,7 @@
           <p:cNvPr id="3" name="Content Placeholder 2">
             <a:extLst>
               <a:ext uri="{FF2B5EF4-FFF2-40B4-BE49-F238E27FC236}">
-                <a16:creationId xmlns:a16="http://schemas.microsoft.com/office/drawing/2014/main" id="{54DEFFDB-126C-310C-5C89-434FDACA5F31}"/>
+                <a16:creationId xmlns:a16="http://schemas.microsoft.com/office/drawing/2014/main" id="{A5EB9FEF-DE24-2B3B-D6C5-2F664A0F932B}"/>
               </a:ext>
             </a:extLst>
           </p:cNvPr>
@@ -9698,10 +9550,10 @@
       </p:sp>
       <p:sp>
         <p:nvSpPr>
-          <p:cNvPr id="4" name="Picture Placeholder 3">
-            <a:extLst>
-              <a:ext uri="{FF2B5EF4-FFF2-40B4-BE49-F238E27FC236}">
-                <a16:creationId xmlns:a16="http://schemas.microsoft.com/office/drawing/2014/main" id="{84E988D3-CF35-4838-4D7E-194B8206E5F6}"/>
+          <p:cNvPr id="4" name="Content Placeholder 3">
+            <a:extLst>
+              <a:ext uri="{FF2B5EF4-FFF2-40B4-BE49-F238E27FC236}">
+                <a16:creationId xmlns:a16="http://schemas.microsoft.com/office/drawing/2014/main" id="{90AD67B7-7DE5-CFC5-8DC4-1A1C44B6049D}"/>
               </a:ext>
             </a:extLst>
           </p:cNvPr>
@@ -9709,17 +9561,78 @@
             <a:spLocks noGrp="1"/>
           </p:cNvSpPr>
           <p:nvPr>
-            <p:ph type="pic" sz="quarter" idx="14"/>
+            <p:ph sz="quarter" idx="14"/>
           </p:nvPr>
         </p:nvSpPr>
         <p:spPr/>
-      </p:sp>
-      <p:sp>
-        <p:nvSpPr>
-          <p:cNvPr id="5" name="Slide Number Placeholder 4">
-            <a:extLst>
-              <a:ext uri="{FF2B5EF4-FFF2-40B4-BE49-F238E27FC236}">
-                <a16:creationId xmlns:a16="http://schemas.microsoft.com/office/drawing/2014/main" id="{ECB92C49-500A-83A9-A98E-071CD7B4CF66}"/>
+        <p:txBody>
+          <a:bodyPr/>
+          <a:lstStyle/>
+          <a:p>
+            <a:endParaRPr lang="en-IN"/>
+          </a:p>
+        </p:txBody>
+      </p:sp>
+      <p:sp>
+        <p:nvSpPr>
+          <p:cNvPr id="5" name="Picture Placeholder 4">
+            <a:extLst>
+              <a:ext uri="{FF2B5EF4-FFF2-40B4-BE49-F238E27FC236}">
+                <a16:creationId xmlns:a16="http://schemas.microsoft.com/office/drawing/2014/main" id="{84B86DCF-4B97-9947-A1A5-CB1979819433}"/>
+              </a:ext>
+            </a:extLst>
+          </p:cNvPr>
+          <p:cNvSpPr>
+            <a:spLocks noGrp="1"/>
+          </p:cNvSpPr>
+          <p:nvPr>
+            <p:ph type="pic" sz="quarter" idx="15"/>
+          </p:nvPr>
+        </p:nvSpPr>
+        <p:spPr/>
+      </p:sp>
+      <p:sp>
+        <p:nvSpPr>
+          <p:cNvPr id="6" name="Picture Placeholder 5">
+            <a:extLst>
+              <a:ext uri="{FF2B5EF4-FFF2-40B4-BE49-F238E27FC236}">
+                <a16:creationId xmlns:a16="http://schemas.microsoft.com/office/drawing/2014/main" id="{8AB7107F-47DD-9F0D-70A4-3FF297304F55}"/>
+              </a:ext>
+            </a:extLst>
+          </p:cNvPr>
+          <p:cNvSpPr>
+            <a:spLocks noGrp="1"/>
+          </p:cNvSpPr>
+          <p:nvPr>
+            <p:ph type="pic" sz="quarter" idx="17"/>
+          </p:nvPr>
+        </p:nvSpPr>
+        <p:spPr/>
+      </p:sp>
+      <p:sp>
+        <p:nvSpPr>
+          <p:cNvPr id="7" name="Picture Placeholder 6">
+            <a:extLst>
+              <a:ext uri="{FF2B5EF4-FFF2-40B4-BE49-F238E27FC236}">
+                <a16:creationId xmlns:a16="http://schemas.microsoft.com/office/drawing/2014/main" id="{638EFBB7-E515-DA5F-08E3-9C0BE88AB6AA}"/>
+              </a:ext>
+            </a:extLst>
+          </p:cNvPr>
+          <p:cNvSpPr>
+            <a:spLocks noGrp="1"/>
+          </p:cNvSpPr>
+          <p:nvPr>
+            <p:ph type="pic" sz="quarter" idx="16"/>
+          </p:nvPr>
+        </p:nvSpPr>
+        <p:spPr/>
+      </p:sp>
+      <p:sp>
+        <p:nvSpPr>
+          <p:cNvPr id="8" name="Slide Number Placeholder 7">
+            <a:extLst>
+              <a:ext uri="{FF2B5EF4-FFF2-40B4-BE49-F238E27FC236}">
+                <a16:creationId xmlns:a16="http://schemas.microsoft.com/office/drawing/2014/main" id="{73E0A801-B1B2-373A-D748-9D9CBC514047}"/>
               </a:ext>
             </a:extLst>
           </p:cNvPr>
@@ -9747,7 +9660,7 @@
     </p:spTree>
     <p:extLst>
       <p:ext uri="{BB962C8B-B14F-4D97-AF65-F5344CB8AC3E}">
-        <p14:creationId xmlns:p14="http://schemas.microsoft.com/office/powerpoint/2010/main" val="1871765083"/>
+        <p14:creationId xmlns:p14="http://schemas.microsoft.com/office/powerpoint/2010/main" val="2656427420"/>
       </p:ext>
     </p:extLst>
   </p:cSld>
@@ -9774,7 +9687,13 @@
   <p:cSld>
     <p:spTree>
       <p:nvGrpSpPr>
-        <p:cNvPr id="1" name=""/>
+        <p:cNvPr id="1" name="">
+          <a:extLst>
+            <a:ext uri="{FF2B5EF4-FFF2-40B4-BE49-F238E27FC236}">
+              <a16:creationId xmlns:a16="http://schemas.microsoft.com/office/drawing/2014/main" id="{FFB85F68-8123-6880-86CF-D39DE164CE9B}"/>
+            </a:ext>
+          </a:extLst>
+        </p:cNvPr>
         <p:cNvGrpSpPr/>
         <p:nvPr/>
       </p:nvGrpSpPr>
@@ -9791,7 +9710,7 @@
           <p:cNvPr id="2" name="Title 1">
             <a:extLst>
               <a:ext uri="{FF2B5EF4-FFF2-40B4-BE49-F238E27FC236}">
-                <a16:creationId xmlns:a16="http://schemas.microsoft.com/office/drawing/2014/main" id="{3691652E-4125-782A-0F3D-C13ED2979900}"/>
+                <a16:creationId xmlns:a16="http://schemas.microsoft.com/office/drawing/2014/main" id="{CB2FB0A1-DF3F-2C56-A9BE-2B2150E1E5F2}"/>
               </a:ext>
             </a:extLst>
           </p:cNvPr>
@@ -9807,7 +9726,10 @@
           <a:bodyPr/>
           <a:lstStyle/>
           <a:p>
-            <a:endParaRPr lang="en-IN"/>
+            <a:r>
+              <a:rPr lang="en-IN" dirty="0"/>
+              <a:t>Prototype Phase</a:t>
+            </a:r>
           </a:p>
         </p:txBody>
       </p:sp>
@@ -9816,7 +9738,7 @@
           <p:cNvPr id="3" name="Content Placeholder 2">
             <a:extLst>
               <a:ext uri="{FF2B5EF4-FFF2-40B4-BE49-F238E27FC236}">
-                <a16:creationId xmlns:a16="http://schemas.microsoft.com/office/drawing/2014/main" id="{C7EE9B6C-C4DB-433D-ADAB-6B49E2BC80AB}"/>
+                <a16:creationId xmlns:a16="http://schemas.microsoft.com/office/drawing/2014/main" id="{91139623-E418-9918-37FE-C29501924A8E}"/>
               </a:ext>
             </a:extLst>
           </p:cNvPr>
@@ -9832,16 +9754,16 @@
           <a:bodyPr/>
           <a:lstStyle/>
           <a:p>
-            <a:endParaRPr lang="en-IN"/>
-          </a:p>
-        </p:txBody>
-      </p:sp>
-      <p:sp>
-        <p:nvSpPr>
-          <p:cNvPr id="4" name="Picture Placeholder 3">
-            <a:extLst>
-              <a:ext uri="{FF2B5EF4-FFF2-40B4-BE49-F238E27FC236}">
-                <a16:creationId xmlns:a16="http://schemas.microsoft.com/office/drawing/2014/main" id="{F26B7286-44C7-3395-7091-9C3CF7134780}"/>
+            <a:endParaRPr lang="en-IN" dirty="0"/>
+          </a:p>
+        </p:txBody>
+      </p:sp>
+      <p:sp>
+        <p:nvSpPr>
+          <p:cNvPr id="4" name="Content Placeholder 3">
+            <a:extLst>
+              <a:ext uri="{FF2B5EF4-FFF2-40B4-BE49-F238E27FC236}">
+                <a16:creationId xmlns:a16="http://schemas.microsoft.com/office/drawing/2014/main" id="{9B787AC9-EBC2-8A16-B408-255CE6BBC6B3}"/>
               </a:ext>
             </a:extLst>
           </p:cNvPr>
@@ -9849,17 +9771,24 @@
             <a:spLocks noGrp="1"/>
           </p:cNvSpPr>
           <p:nvPr>
-            <p:ph type="pic" sz="quarter" idx="14"/>
+            <p:ph sz="quarter" idx="14"/>
           </p:nvPr>
         </p:nvSpPr>
         <p:spPr/>
+        <p:txBody>
+          <a:bodyPr/>
+          <a:lstStyle/>
+          <a:p>
+            <a:endParaRPr lang="en-IN"/>
+          </a:p>
+        </p:txBody>
       </p:sp>
       <p:sp>
         <p:nvSpPr>
           <p:cNvPr id="5" name="Slide Number Placeholder 4">
             <a:extLst>
               <a:ext uri="{FF2B5EF4-FFF2-40B4-BE49-F238E27FC236}">
-                <a16:creationId xmlns:a16="http://schemas.microsoft.com/office/drawing/2014/main" id="{771CACD5-DC8F-E562-D34B-63ACEED10192}"/>
+                <a16:creationId xmlns:a16="http://schemas.microsoft.com/office/drawing/2014/main" id="{85DF273A-9AB3-B5C3-9ADB-A4CF1A4262CD}"/>
               </a:ext>
             </a:extLst>
           </p:cNvPr>
@@ -9887,7 +9816,7 @@
     </p:spTree>
     <p:extLst>
       <p:ext uri="{BB962C8B-B14F-4D97-AF65-F5344CB8AC3E}">
-        <p14:creationId xmlns:p14="http://schemas.microsoft.com/office/powerpoint/2010/main" val="2540403346"/>
+        <p14:creationId xmlns:p14="http://schemas.microsoft.com/office/powerpoint/2010/main" val="2902727585"/>
       </p:ext>
     </p:extLst>
   </p:cSld>
@@ -9931,7 +9860,7 @@
           <p:cNvPr id="2" name="Title 1">
             <a:extLst>
               <a:ext uri="{FF2B5EF4-FFF2-40B4-BE49-F238E27FC236}">
-                <a16:creationId xmlns:a16="http://schemas.microsoft.com/office/drawing/2014/main" id="{E5BB7D67-76BC-2F76-6A7E-93CF1B03CA9B}"/>
+                <a16:creationId xmlns:a16="http://schemas.microsoft.com/office/drawing/2014/main" id="{AADB5DC0-637B-33EB-9B61-EFB3DE503900}"/>
               </a:ext>
             </a:extLst>
           </p:cNvPr>
@@ -9956,7 +9885,7 @@
           <p:cNvPr id="3" name="Content Placeholder 2">
             <a:extLst>
               <a:ext uri="{FF2B5EF4-FFF2-40B4-BE49-F238E27FC236}">
-                <a16:creationId xmlns:a16="http://schemas.microsoft.com/office/drawing/2014/main" id="{481F0043-5374-9370-B17A-15CAD56ADF84}"/>
+                <a16:creationId xmlns:a16="http://schemas.microsoft.com/office/drawing/2014/main" id="{54DEFFDB-126C-310C-5C89-434FDACA5F31}"/>
               </a:ext>
             </a:extLst>
           </p:cNvPr>
@@ -9981,7 +9910,7 @@
           <p:cNvPr id="4" name="Picture Placeholder 3">
             <a:extLst>
               <a:ext uri="{FF2B5EF4-FFF2-40B4-BE49-F238E27FC236}">
-                <a16:creationId xmlns:a16="http://schemas.microsoft.com/office/drawing/2014/main" id="{B57F297D-5244-EB01-2D2D-30DC341E469D}"/>
+                <a16:creationId xmlns:a16="http://schemas.microsoft.com/office/drawing/2014/main" id="{84E988D3-CF35-4838-4D7E-194B8206E5F6}"/>
               </a:ext>
             </a:extLst>
           </p:cNvPr>
@@ -9999,7 +9928,7 @@
           <p:cNvPr id="5" name="Slide Number Placeholder 4">
             <a:extLst>
               <a:ext uri="{FF2B5EF4-FFF2-40B4-BE49-F238E27FC236}">
-                <a16:creationId xmlns:a16="http://schemas.microsoft.com/office/drawing/2014/main" id="{C6881C2A-23D8-2323-B89B-98E5EBD584F6}"/>
+                <a16:creationId xmlns:a16="http://schemas.microsoft.com/office/drawing/2014/main" id="{ECB92C49-500A-83A9-A98E-071CD7B4CF66}"/>
               </a:ext>
             </a:extLst>
           </p:cNvPr>
@@ -10027,7 +9956,7 @@
     </p:spTree>
     <p:extLst>
       <p:ext uri="{BB962C8B-B14F-4D97-AF65-F5344CB8AC3E}">
-        <p14:creationId xmlns:p14="http://schemas.microsoft.com/office/powerpoint/2010/main" val="1188192135"/>
+        <p14:creationId xmlns:p14="http://schemas.microsoft.com/office/powerpoint/2010/main" val="1871765083"/>
       </p:ext>
     </p:extLst>
   </p:cSld>
@@ -10071,7 +10000,7 @@
           <p:cNvPr id="2" name="Title 1">
             <a:extLst>
               <a:ext uri="{FF2B5EF4-FFF2-40B4-BE49-F238E27FC236}">
-                <a16:creationId xmlns:a16="http://schemas.microsoft.com/office/drawing/2014/main" id="{2BD7C78A-703A-694E-8FFC-38843E2ED0D5}"/>
+                <a16:creationId xmlns:a16="http://schemas.microsoft.com/office/drawing/2014/main" id="{3691652E-4125-782A-0F3D-C13ED2979900}"/>
               </a:ext>
             </a:extLst>
           </p:cNvPr>
@@ -10096,7 +10025,7 @@
           <p:cNvPr id="3" name="Content Placeholder 2">
             <a:extLst>
               <a:ext uri="{FF2B5EF4-FFF2-40B4-BE49-F238E27FC236}">
-                <a16:creationId xmlns:a16="http://schemas.microsoft.com/office/drawing/2014/main" id="{12D21900-DBB9-221C-76E0-EDDD133DAC6B}"/>
+                <a16:creationId xmlns:a16="http://schemas.microsoft.com/office/drawing/2014/main" id="{C7EE9B6C-C4DB-433D-ADAB-6B49E2BC80AB}"/>
               </a:ext>
             </a:extLst>
           </p:cNvPr>
@@ -10121,7 +10050,7 @@
           <p:cNvPr id="4" name="Picture Placeholder 3">
             <a:extLst>
               <a:ext uri="{FF2B5EF4-FFF2-40B4-BE49-F238E27FC236}">
-                <a16:creationId xmlns:a16="http://schemas.microsoft.com/office/drawing/2014/main" id="{32AEFEA6-A660-5D12-A8F7-5BB4222EFB74}"/>
+                <a16:creationId xmlns:a16="http://schemas.microsoft.com/office/drawing/2014/main" id="{F26B7286-44C7-3395-7091-9C3CF7134780}"/>
               </a:ext>
             </a:extLst>
           </p:cNvPr>
@@ -10139,7 +10068,7 @@
           <p:cNvPr id="5" name="Slide Number Placeholder 4">
             <a:extLst>
               <a:ext uri="{FF2B5EF4-FFF2-40B4-BE49-F238E27FC236}">
-                <a16:creationId xmlns:a16="http://schemas.microsoft.com/office/drawing/2014/main" id="{4DFB636B-8EED-D8C9-B88E-532B23AEFD21}"/>
+                <a16:creationId xmlns:a16="http://schemas.microsoft.com/office/drawing/2014/main" id="{771CACD5-DC8F-E562-D34B-63ACEED10192}"/>
               </a:ext>
             </a:extLst>
           </p:cNvPr>
@@ -10167,7 +10096,7 @@
     </p:spTree>
     <p:extLst>
       <p:ext uri="{BB962C8B-B14F-4D97-AF65-F5344CB8AC3E}">
-        <p14:creationId xmlns:p14="http://schemas.microsoft.com/office/powerpoint/2010/main" val="3262945818"/>
+        <p14:creationId xmlns:p14="http://schemas.microsoft.com/office/powerpoint/2010/main" val="2540403346"/>
       </p:ext>
     </p:extLst>
   </p:cSld>
@@ -10211,7 +10140,7 @@
           <p:cNvPr id="2" name="Title 1">
             <a:extLst>
               <a:ext uri="{FF2B5EF4-FFF2-40B4-BE49-F238E27FC236}">
-                <a16:creationId xmlns:a16="http://schemas.microsoft.com/office/drawing/2014/main" id="{0B4D0D16-67A0-9392-36C4-38AEF1EFD705}"/>
+                <a16:creationId xmlns:a16="http://schemas.microsoft.com/office/drawing/2014/main" id="{E5BB7D67-76BC-2F76-6A7E-93CF1B03CA9B}"/>
               </a:ext>
             </a:extLst>
           </p:cNvPr>
@@ -10236,7 +10165,7 @@
           <p:cNvPr id="3" name="Content Placeholder 2">
             <a:extLst>
               <a:ext uri="{FF2B5EF4-FFF2-40B4-BE49-F238E27FC236}">
-                <a16:creationId xmlns:a16="http://schemas.microsoft.com/office/drawing/2014/main" id="{639F28B0-AE40-DF8E-76CA-380B2FBF75D9}"/>
+                <a16:creationId xmlns:a16="http://schemas.microsoft.com/office/drawing/2014/main" id="{481F0043-5374-9370-B17A-15CAD56ADF84}"/>
               </a:ext>
             </a:extLst>
           </p:cNvPr>
@@ -10258,10 +10187,10 @@
       </p:sp>
       <p:sp>
         <p:nvSpPr>
-          <p:cNvPr id="4" name="Content Placeholder 3">
-            <a:extLst>
-              <a:ext uri="{FF2B5EF4-FFF2-40B4-BE49-F238E27FC236}">
-                <a16:creationId xmlns:a16="http://schemas.microsoft.com/office/drawing/2014/main" id="{E1B2001F-94BD-7F0A-56F1-F7B277AF3CC6}"/>
+          <p:cNvPr id="4" name="Picture Placeholder 3">
+            <a:extLst>
+              <a:ext uri="{FF2B5EF4-FFF2-40B4-BE49-F238E27FC236}">
+                <a16:creationId xmlns:a16="http://schemas.microsoft.com/office/drawing/2014/main" id="{B57F297D-5244-EB01-2D2D-30DC341E469D}"/>
               </a:ext>
             </a:extLst>
           </p:cNvPr>
@@ -10269,24 +10198,17 @@
             <a:spLocks noGrp="1"/>
           </p:cNvSpPr>
           <p:nvPr>
-            <p:ph sz="quarter" idx="14"/>
+            <p:ph type="pic" sz="quarter" idx="14"/>
           </p:nvPr>
         </p:nvSpPr>
         <p:spPr/>
-        <p:txBody>
-          <a:bodyPr/>
-          <a:lstStyle/>
-          <a:p>
-            <a:endParaRPr lang="en-IN"/>
-          </a:p>
-        </p:txBody>
       </p:sp>
       <p:sp>
         <p:nvSpPr>
           <p:cNvPr id="5" name="Slide Number Placeholder 4">
             <a:extLst>
               <a:ext uri="{FF2B5EF4-FFF2-40B4-BE49-F238E27FC236}">
-                <a16:creationId xmlns:a16="http://schemas.microsoft.com/office/drawing/2014/main" id="{DE249310-06ED-CE6D-9342-95110ABFA82A}"/>
+                <a16:creationId xmlns:a16="http://schemas.microsoft.com/office/drawing/2014/main" id="{C6881C2A-23D8-2323-B89B-98E5EBD584F6}"/>
               </a:ext>
             </a:extLst>
           </p:cNvPr>
@@ -10314,7 +10236,7 @@
     </p:spTree>
     <p:extLst>
       <p:ext uri="{BB962C8B-B14F-4D97-AF65-F5344CB8AC3E}">
-        <p14:creationId xmlns:p14="http://schemas.microsoft.com/office/powerpoint/2010/main" val="2633488709"/>
+        <p14:creationId xmlns:p14="http://schemas.microsoft.com/office/powerpoint/2010/main" val="1188192135"/>
       </p:ext>
     </p:extLst>
   </p:cSld>
@@ -10358,7 +10280,7 @@
           <p:cNvPr id="2" name="Title 1">
             <a:extLst>
               <a:ext uri="{FF2B5EF4-FFF2-40B4-BE49-F238E27FC236}">
-                <a16:creationId xmlns:a16="http://schemas.microsoft.com/office/drawing/2014/main" id="{3870CE6E-495D-1808-5A8C-EC4D855C5587}"/>
+                <a16:creationId xmlns:a16="http://schemas.microsoft.com/office/drawing/2014/main" id="{2BD7C78A-703A-694E-8FFC-38843E2ED0D5}"/>
               </a:ext>
             </a:extLst>
           </p:cNvPr>
@@ -10374,10 +10296,7 @@
           <a:bodyPr/>
           <a:lstStyle/>
           <a:p>
-            <a:r>
-              <a:rPr lang="en-IN" dirty="0"/>
-              <a:t>Testing Phase</a:t>
-            </a:r>
+            <a:endParaRPr lang="en-IN"/>
           </a:p>
         </p:txBody>
       </p:sp>
@@ -10386,7 +10305,7 @@
           <p:cNvPr id="3" name="Content Placeholder 2">
             <a:extLst>
               <a:ext uri="{FF2B5EF4-FFF2-40B4-BE49-F238E27FC236}">
-                <a16:creationId xmlns:a16="http://schemas.microsoft.com/office/drawing/2014/main" id="{B0EEF2E2-7250-905A-9F8E-5BB773C92FF2}"/>
+                <a16:creationId xmlns:a16="http://schemas.microsoft.com/office/drawing/2014/main" id="{12D21900-DBB9-221C-76E0-EDDD133DAC6B}"/>
               </a:ext>
             </a:extLst>
           </p:cNvPr>
@@ -10408,10 +10327,10 @@
       </p:sp>
       <p:sp>
         <p:nvSpPr>
-          <p:cNvPr id="4" name="Content Placeholder 3">
-            <a:extLst>
-              <a:ext uri="{FF2B5EF4-FFF2-40B4-BE49-F238E27FC236}">
-                <a16:creationId xmlns:a16="http://schemas.microsoft.com/office/drawing/2014/main" id="{2A8D0320-4D4B-365D-2F4F-3045D1A7C46C}"/>
+          <p:cNvPr id="4" name="Picture Placeholder 3">
+            <a:extLst>
+              <a:ext uri="{FF2B5EF4-FFF2-40B4-BE49-F238E27FC236}">
+                <a16:creationId xmlns:a16="http://schemas.microsoft.com/office/drawing/2014/main" id="{32AEFEA6-A660-5D12-A8F7-5BB4222EFB74}"/>
               </a:ext>
             </a:extLst>
           </p:cNvPr>
@@ -10419,24 +10338,17 @@
             <a:spLocks noGrp="1"/>
           </p:cNvSpPr>
           <p:nvPr>
-            <p:ph sz="quarter" idx="14"/>
+            <p:ph type="pic" sz="quarter" idx="14"/>
           </p:nvPr>
         </p:nvSpPr>
         <p:spPr/>
-        <p:txBody>
-          <a:bodyPr/>
-          <a:lstStyle/>
-          <a:p>
-            <a:endParaRPr lang="en-IN"/>
-          </a:p>
-        </p:txBody>
       </p:sp>
       <p:sp>
         <p:nvSpPr>
           <p:cNvPr id="5" name="Slide Number Placeholder 4">
             <a:extLst>
               <a:ext uri="{FF2B5EF4-FFF2-40B4-BE49-F238E27FC236}">
-                <a16:creationId xmlns:a16="http://schemas.microsoft.com/office/drawing/2014/main" id="{E7948434-32DA-F1E2-FC11-F2978017F64B}"/>
+                <a16:creationId xmlns:a16="http://schemas.microsoft.com/office/drawing/2014/main" id="{4DFB636B-8EED-D8C9-B88E-532B23AEFD21}"/>
               </a:ext>
             </a:extLst>
           </p:cNvPr>
@@ -10464,7 +10376,7 @@
     </p:spTree>
     <p:extLst>
       <p:ext uri="{BB962C8B-B14F-4D97-AF65-F5344CB8AC3E}">
-        <p14:creationId xmlns:p14="http://schemas.microsoft.com/office/powerpoint/2010/main" val="825357147"/>
+        <p14:creationId xmlns:p14="http://schemas.microsoft.com/office/powerpoint/2010/main" val="3262945818"/>
       </p:ext>
     </p:extLst>
   </p:cSld>
@@ -10508,7 +10420,7 @@
           <p:cNvPr id="2" name="Title 1">
             <a:extLst>
               <a:ext uri="{FF2B5EF4-FFF2-40B4-BE49-F238E27FC236}">
-                <a16:creationId xmlns:a16="http://schemas.microsoft.com/office/drawing/2014/main" id="{64983D13-B3DC-F5A2-EC3C-9AA3827FF06F}"/>
+                <a16:creationId xmlns:a16="http://schemas.microsoft.com/office/drawing/2014/main" id="{0B4D0D16-67A0-9392-36C4-38AEF1EFD705}"/>
               </a:ext>
             </a:extLst>
           </p:cNvPr>
@@ -10530,10 +10442,10 @@
       </p:sp>
       <p:sp>
         <p:nvSpPr>
-          <p:cNvPr id="3" name="Picture Placeholder 2">
-            <a:extLst>
-              <a:ext uri="{FF2B5EF4-FFF2-40B4-BE49-F238E27FC236}">
-                <a16:creationId xmlns:a16="http://schemas.microsoft.com/office/drawing/2014/main" id="{57620467-CA16-1C06-152E-31CFC11FAB8D}"/>
+          <p:cNvPr id="3" name="Content Placeholder 2">
+            <a:extLst>
+              <a:ext uri="{FF2B5EF4-FFF2-40B4-BE49-F238E27FC236}">
+                <a16:creationId xmlns:a16="http://schemas.microsoft.com/office/drawing/2014/main" id="{639F28B0-AE40-DF8E-76CA-380B2FBF75D9}"/>
               </a:ext>
             </a:extLst>
           </p:cNvPr>
@@ -10541,15 +10453,77 @@
             <a:spLocks noGrp="1"/>
           </p:cNvSpPr>
           <p:nvPr>
-            <p:ph type="pic" sz="quarter" idx="10"/>
+            <p:ph sz="quarter" idx="13"/>
           </p:nvPr>
         </p:nvSpPr>
         <p:spPr/>
+        <p:txBody>
+          <a:bodyPr/>
+          <a:lstStyle/>
+          <a:p>
+            <a:endParaRPr lang="en-IN"/>
+          </a:p>
+        </p:txBody>
+      </p:sp>
+      <p:sp>
+        <p:nvSpPr>
+          <p:cNvPr id="4" name="Content Placeholder 3">
+            <a:extLst>
+              <a:ext uri="{FF2B5EF4-FFF2-40B4-BE49-F238E27FC236}">
+                <a16:creationId xmlns:a16="http://schemas.microsoft.com/office/drawing/2014/main" id="{E1B2001F-94BD-7F0A-56F1-F7B277AF3CC6}"/>
+              </a:ext>
+            </a:extLst>
+          </p:cNvPr>
+          <p:cNvSpPr>
+            <a:spLocks noGrp="1"/>
+          </p:cNvSpPr>
+          <p:nvPr>
+            <p:ph sz="quarter" idx="14"/>
+          </p:nvPr>
+        </p:nvSpPr>
+        <p:spPr/>
+        <p:txBody>
+          <a:bodyPr/>
+          <a:lstStyle/>
+          <a:p>
+            <a:endParaRPr lang="en-IN"/>
+          </a:p>
+        </p:txBody>
+      </p:sp>
+      <p:sp>
+        <p:nvSpPr>
+          <p:cNvPr id="5" name="Slide Number Placeholder 4">
+            <a:extLst>
+              <a:ext uri="{FF2B5EF4-FFF2-40B4-BE49-F238E27FC236}">
+                <a16:creationId xmlns:a16="http://schemas.microsoft.com/office/drawing/2014/main" id="{DE249310-06ED-CE6D-9342-95110ABFA82A}"/>
+              </a:ext>
+            </a:extLst>
+          </p:cNvPr>
+          <p:cNvSpPr>
+            <a:spLocks noGrp="1"/>
+          </p:cNvSpPr>
+          <p:nvPr>
+            <p:ph type="sldNum" sz="quarter" idx="12"/>
+          </p:nvPr>
+        </p:nvSpPr>
+        <p:spPr/>
+        <p:txBody>
+          <a:bodyPr/>
+          <a:lstStyle/>
+          <a:p>
+            <a:fld id="{EB37DED6-D4C7-42EE-AB49-D2E39E64FDE4}" type="slidenum">
+              <a:rPr lang="en-US" smtClean="0"/>
+              <a:pPr/>
+              <a:t>18</a:t>
+            </a:fld>
+            <a:endParaRPr lang="en-US" dirty="0"/>
+          </a:p>
+        </p:txBody>
       </p:sp>
     </p:spTree>
     <p:extLst>
       <p:ext uri="{BB962C8B-B14F-4D97-AF65-F5344CB8AC3E}">
-        <p14:creationId xmlns:p14="http://schemas.microsoft.com/office/powerpoint/2010/main" val="1723280250"/>
+        <p14:creationId xmlns:p14="http://schemas.microsoft.com/office/powerpoint/2010/main" val="2633488709"/>
       </p:ext>
     </p:extLst>
   </p:cSld>
@@ -10593,7 +10567,7 @@
           <p:cNvPr id="2" name="Title 1">
             <a:extLst>
               <a:ext uri="{FF2B5EF4-FFF2-40B4-BE49-F238E27FC236}">
-                <a16:creationId xmlns:a16="http://schemas.microsoft.com/office/drawing/2014/main" id="{E9DC9FCC-4F0C-53A9-AE36-C60D0609DD96}"/>
+                <a16:creationId xmlns:a16="http://schemas.microsoft.com/office/drawing/2014/main" id="{3870CE6E-495D-1808-5A8C-EC4D855C5587}"/>
               </a:ext>
             </a:extLst>
           </p:cNvPr>
@@ -10609,7 +10583,10 @@
           <a:bodyPr/>
           <a:lstStyle/>
           <a:p>
-            <a:endParaRPr lang="en-IN"/>
+            <a:r>
+              <a:rPr lang="en-IN" dirty="0"/>
+              <a:t>Testing Phase</a:t>
+            </a:r>
           </a:p>
         </p:txBody>
       </p:sp>
@@ -10618,7 +10595,7 @@
           <p:cNvPr id="3" name="Content Placeholder 2">
             <a:extLst>
               <a:ext uri="{FF2B5EF4-FFF2-40B4-BE49-F238E27FC236}">
-                <a16:creationId xmlns:a16="http://schemas.microsoft.com/office/drawing/2014/main" id="{AA5DF3F7-8350-F924-067C-6062DEA38DC6}"/>
+                <a16:creationId xmlns:a16="http://schemas.microsoft.com/office/drawing/2014/main" id="{B0EEF2E2-7250-905A-9F8E-5BB773C92FF2}"/>
               </a:ext>
             </a:extLst>
           </p:cNvPr>
@@ -10640,10 +10617,35 @@
       </p:sp>
       <p:sp>
         <p:nvSpPr>
-          <p:cNvPr id="4" name="Slide Number Placeholder 3">
-            <a:extLst>
-              <a:ext uri="{FF2B5EF4-FFF2-40B4-BE49-F238E27FC236}">
-                <a16:creationId xmlns:a16="http://schemas.microsoft.com/office/drawing/2014/main" id="{023EA18A-7BBC-A7A5-F52F-E930F453BA58}"/>
+          <p:cNvPr id="4" name="Content Placeholder 3">
+            <a:extLst>
+              <a:ext uri="{FF2B5EF4-FFF2-40B4-BE49-F238E27FC236}">
+                <a16:creationId xmlns:a16="http://schemas.microsoft.com/office/drawing/2014/main" id="{2A8D0320-4D4B-365D-2F4F-3045D1A7C46C}"/>
+              </a:ext>
+            </a:extLst>
+          </p:cNvPr>
+          <p:cNvSpPr>
+            <a:spLocks noGrp="1"/>
+          </p:cNvSpPr>
+          <p:nvPr>
+            <p:ph sz="quarter" idx="14"/>
+          </p:nvPr>
+        </p:nvSpPr>
+        <p:spPr/>
+        <p:txBody>
+          <a:bodyPr/>
+          <a:lstStyle/>
+          <a:p>
+            <a:endParaRPr lang="en-IN"/>
+          </a:p>
+        </p:txBody>
+      </p:sp>
+      <p:sp>
+        <p:nvSpPr>
+          <p:cNvPr id="5" name="Slide Number Placeholder 4">
+            <a:extLst>
+              <a:ext uri="{FF2B5EF4-FFF2-40B4-BE49-F238E27FC236}">
+                <a16:creationId xmlns:a16="http://schemas.microsoft.com/office/drawing/2014/main" id="{E7948434-32DA-F1E2-FC11-F2978017F64B}"/>
               </a:ext>
             </a:extLst>
           </p:cNvPr>
@@ -10668,28 +10670,10 @@
           </a:p>
         </p:txBody>
       </p:sp>
-      <p:sp>
-        <p:nvSpPr>
-          <p:cNvPr id="5" name="Table Placeholder 4">
-            <a:extLst>
-              <a:ext uri="{FF2B5EF4-FFF2-40B4-BE49-F238E27FC236}">
-                <a16:creationId xmlns:a16="http://schemas.microsoft.com/office/drawing/2014/main" id="{79793A75-E549-6F40-A0AD-A1CBB6297D28}"/>
-              </a:ext>
-            </a:extLst>
-          </p:cNvPr>
-          <p:cNvSpPr>
-            <a:spLocks noGrp="1"/>
-          </p:cNvSpPr>
-          <p:nvPr>
-            <p:ph type="tbl" sz="quarter" idx="14"/>
-          </p:nvPr>
-        </p:nvSpPr>
-        <p:spPr/>
-      </p:sp>
     </p:spTree>
     <p:extLst>
       <p:ext uri="{BB962C8B-B14F-4D97-AF65-F5344CB8AC3E}">
-        <p14:creationId xmlns:p14="http://schemas.microsoft.com/office/powerpoint/2010/main" val="327274359"/>
+        <p14:creationId xmlns:p14="http://schemas.microsoft.com/office/powerpoint/2010/main" val="825357147"/>
       </p:ext>
     </p:extLst>
   </p:cSld>
@@ -10875,24 +10859,31 @@
           </a:p>
         </p:txBody>
       </p:sp>
-      <p:sp>
-        <p:nvSpPr>
-          <p:cNvPr id="4" name="Picture Placeholder 3">
-            <a:extLst>
-              <a:ext uri="{FF2B5EF4-FFF2-40B4-BE49-F238E27FC236}">
-                <a16:creationId xmlns:a16="http://schemas.microsoft.com/office/drawing/2014/main" id="{2D07D7F8-AE98-8B8D-7B4A-F0CE211D5939}"/>
-              </a:ext>
-            </a:extLst>
-          </p:cNvPr>
-          <p:cNvSpPr>
-            <a:spLocks noGrp="1"/>
-          </p:cNvSpPr>
+      <p:pic>
+        <p:nvPicPr>
+          <p:cNvPr id="8" name="Picture Placeholder 7">
+            <a:extLst>
+              <a:ext uri="{FF2B5EF4-FFF2-40B4-BE49-F238E27FC236}">
+                <a16:creationId xmlns:a16="http://schemas.microsoft.com/office/drawing/2014/main" id="{BD1EB238-A40F-8F94-1A3B-101382317076}"/>
+              </a:ext>
+            </a:extLst>
+          </p:cNvPr>
+          <p:cNvPicPr>
+            <a:picLocks noGrp="1" noChangeAspect="1"/>
+          </p:cNvPicPr>
           <p:nvPr>
             <p:ph type="pic" sz="quarter" idx="14"/>
           </p:nvPr>
-        </p:nvSpPr>
+        </p:nvPicPr>
+        <p:blipFill>
+          <a:blip r:embed="rId2"/>
+          <a:srcRect t="1048" b="1048"/>
+          <a:stretch>
+            <a:fillRect/>
+          </a:stretch>
+        </p:blipFill>
         <p:spPr/>
-      </p:sp>
+      </p:pic>
       <p:sp>
         <p:nvSpPr>
           <p:cNvPr id="5" name="Slide Number Placeholder 4">
@@ -11079,6 +11070,231 @@
 </p:sld>
 </file>
 
+<file path=ppt/slides/slide20.xml><?xml version="1.0" encoding="utf-8"?>
+<p:sld xmlns:a="http://schemas.openxmlformats.org/drawingml/2006/main" xmlns:r="http://schemas.openxmlformats.org/officeDocument/2006/relationships" xmlns:p="http://schemas.openxmlformats.org/presentationml/2006/main">
+  <p:cSld>
+    <p:spTree>
+      <p:nvGrpSpPr>
+        <p:cNvPr id="1" name=""/>
+        <p:cNvGrpSpPr/>
+        <p:nvPr/>
+      </p:nvGrpSpPr>
+      <p:grpSpPr>
+        <a:xfrm>
+          <a:off x="0" y="0"/>
+          <a:ext cx="0" cy="0"/>
+          <a:chOff x="0" y="0"/>
+          <a:chExt cx="0" cy="0"/>
+        </a:xfrm>
+      </p:grpSpPr>
+      <p:sp>
+        <p:nvSpPr>
+          <p:cNvPr id="2" name="Title 1">
+            <a:extLst>
+              <a:ext uri="{FF2B5EF4-FFF2-40B4-BE49-F238E27FC236}">
+                <a16:creationId xmlns:a16="http://schemas.microsoft.com/office/drawing/2014/main" id="{64983D13-B3DC-F5A2-EC3C-9AA3827FF06F}"/>
+              </a:ext>
+            </a:extLst>
+          </p:cNvPr>
+          <p:cNvSpPr>
+            <a:spLocks noGrp="1"/>
+          </p:cNvSpPr>
+          <p:nvPr>
+            <p:ph type="title"/>
+          </p:nvPr>
+        </p:nvSpPr>
+        <p:spPr/>
+        <p:txBody>
+          <a:bodyPr/>
+          <a:lstStyle/>
+          <a:p>
+            <a:endParaRPr lang="en-IN"/>
+          </a:p>
+        </p:txBody>
+      </p:sp>
+      <p:sp>
+        <p:nvSpPr>
+          <p:cNvPr id="3" name="Picture Placeholder 2">
+            <a:extLst>
+              <a:ext uri="{FF2B5EF4-FFF2-40B4-BE49-F238E27FC236}">
+                <a16:creationId xmlns:a16="http://schemas.microsoft.com/office/drawing/2014/main" id="{57620467-CA16-1C06-152E-31CFC11FAB8D}"/>
+              </a:ext>
+            </a:extLst>
+          </p:cNvPr>
+          <p:cNvSpPr>
+            <a:spLocks noGrp="1"/>
+          </p:cNvSpPr>
+          <p:nvPr>
+            <p:ph type="pic" sz="quarter" idx="10"/>
+          </p:nvPr>
+        </p:nvSpPr>
+        <p:spPr/>
+      </p:sp>
+    </p:spTree>
+    <p:extLst>
+      <p:ext uri="{BB962C8B-B14F-4D97-AF65-F5344CB8AC3E}">
+        <p14:creationId xmlns:p14="http://schemas.microsoft.com/office/powerpoint/2010/main" val="1723280250"/>
+      </p:ext>
+    </p:extLst>
+  </p:cSld>
+  <p:clrMapOvr>
+    <a:masterClrMapping/>
+  </p:clrMapOvr>
+  <mc:AlternateContent xmlns:mc="http://schemas.openxmlformats.org/markup-compatibility/2006" xmlns:p14="http://schemas.microsoft.com/office/powerpoint/2010/main">
+    <mc:Choice Requires="p14">
+      <p:transition spd="med" p14:dur="700">
+        <p:fade/>
+      </p:transition>
+    </mc:Choice>
+    <mc:Fallback xmlns="">
+      <p:transition spd="med">
+        <p:fade/>
+      </p:transition>
+    </mc:Fallback>
+  </mc:AlternateContent>
+</p:sld>
+</file>
+
+<file path=ppt/slides/slide21.xml><?xml version="1.0" encoding="utf-8"?>
+<p:sld xmlns:a="http://schemas.openxmlformats.org/drawingml/2006/main" xmlns:r="http://schemas.openxmlformats.org/officeDocument/2006/relationships" xmlns:p="http://schemas.openxmlformats.org/presentationml/2006/main">
+  <p:cSld>
+    <p:spTree>
+      <p:nvGrpSpPr>
+        <p:cNvPr id="1" name=""/>
+        <p:cNvGrpSpPr/>
+        <p:nvPr/>
+      </p:nvGrpSpPr>
+      <p:grpSpPr>
+        <a:xfrm>
+          <a:off x="0" y="0"/>
+          <a:ext cx="0" cy="0"/>
+          <a:chOff x="0" y="0"/>
+          <a:chExt cx="0" cy="0"/>
+        </a:xfrm>
+      </p:grpSpPr>
+      <p:sp>
+        <p:nvSpPr>
+          <p:cNvPr id="2" name="Title 1">
+            <a:extLst>
+              <a:ext uri="{FF2B5EF4-FFF2-40B4-BE49-F238E27FC236}">
+                <a16:creationId xmlns:a16="http://schemas.microsoft.com/office/drawing/2014/main" id="{E9DC9FCC-4F0C-53A9-AE36-C60D0609DD96}"/>
+              </a:ext>
+            </a:extLst>
+          </p:cNvPr>
+          <p:cNvSpPr>
+            <a:spLocks noGrp="1"/>
+          </p:cNvSpPr>
+          <p:nvPr>
+            <p:ph type="title"/>
+          </p:nvPr>
+        </p:nvSpPr>
+        <p:spPr/>
+        <p:txBody>
+          <a:bodyPr/>
+          <a:lstStyle/>
+          <a:p>
+            <a:endParaRPr lang="en-IN"/>
+          </a:p>
+        </p:txBody>
+      </p:sp>
+      <p:sp>
+        <p:nvSpPr>
+          <p:cNvPr id="3" name="Content Placeholder 2">
+            <a:extLst>
+              <a:ext uri="{FF2B5EF4-FFF2-40B4-BE49-F238E27FC236}">
+                <a16:creationId xmlns:a16="http://schemas.microsoft.com/office/drawing/2014/main" id="{AA5DF3F7-8350-F924-067C-6062DEA38DC6}"/>
+              </a:ext>
+            </a:extLst>
+          </p:cNvPr>
+          <p:cNvSpPr>
+            <a:spLocks noGrp="1"/>
+          </p:cNvSpPr>
+          <p:nvPr>
+            <p:ph sz="quarter" idx="13"/>
+          </p:nvPr>
+        </p:nvSpPr>
+        <p:spPr/>
+        <p:txBody>
+          <a:bodyPr/>
+          <a:lstStyle/>
+          <a:p>
+            <a:endParaRPr lang="en-IN"/>
+          </a:p>
+        </p:txBody>
+      </p:sp>
+      <p:sp>
+        <p:nvSpPr>
+          <p:cNvPr id="4" name="Slide Number Placeholder 3">
+            <a:extLst>
+              <a:ext uri="{FF2B5EF4-FFF2-40B4-BE49-F238E27FC236}">
+                <a16:creationId xmlns:a16="http://schemas.microsoft.com/office/drawing/2014/main" id="{023EA18A-7BBC-A7A5-F52F-E930F453BA58}"/>
+              </a:ext>
+            </a:extLst>
+          </p:cNvPr>
+          <p:cNvSpPr>
+            <a:spLocks noGrp="1"/>
+          </p:cNvSpPr>
+          <p:nvPr>
+            <p:ph type="sldNum" sz="quarter" idx="12"/>
+          </p:nvPr>
+        </p:nvSpPr>
+        <p:spPr/>
+        <p:txBody>
+          <a:bodyPr/>
+          <a:lstStyle/>
+          <a:p>
+            <a:fld id="{EB37DED6-D4C7-42EE-AB49-D2E39E64FDE4}" type="slidenum">
+              <a:rPr lang="en-US" smtClean="0"/>
+              <a:pPr/>
+              <a:t>21</a:t>
+            </a:fld>
+            <a:endParaRPr lang="en-US" dirty="0"/>
+          </a:p>
+        </p:txBody>
+      </p:sp>
+      <p:sp>
+        <p:nvSpPr>
+          <p:cNvPr id="5" name="Table Placeholder 4">
+            <a:extLst>
+              <a:ext uri="{FF2B5EF4-FFF2-40B4-BE49-F238E27FC236}">
+                <a16:creationId xmlns:a16="http://schemas.microsoft.com/office/drawing/2014/main" id="{79793A75-E549-6F40-A0AD-A1CBB6297D28}"/>
+              </a:ext>
+            </a:extLst>
+          </p:cNvPr>
+          <p:cNvSpPr>
+            <a:spLocks noGrp="1"/>
+          </p:cNvSpPr>
+          <p:nvPr>
+            <p:ph type="tbl" sz="quarter" idx="14"/>
+          </p:nvPr>
+        </p:nvSpPr>
+        <p:spPr/>
+      </p:sp>
+    </p:spTree>
+    <p:extLst>
+      <p:ext uri="{BB962C8B-B14F-4D97-AF65-F5344CB8AC3E}">
+        <p14:creationId xmlns:p14="http://schemas.microsoft.com/office/powerpoint/2010/main" val="327274359"/>
+      </p:ext>
+    </p:extLst>
+  </p:cSld>
+  <p:clrMapOvr>
+    <a:masterClrMapping/>
+  </p:clrMapOvr>
+  <mc:AlternateContent xmlns:mc="http://schemas.openxmlformats.org/markup-compatibility/2006" xmlns:p14="http://schemas.microsoft.com/office/powerpoint/2010/main">
+    <mc:Choice Requires="p14">
+      <p:transition spd="med" p14:dur="700">
+        <p:fade/>
+      </p:transition>
+    </mc:Choice>
+    <mc:Fallback xmlns="">
+      <p:transition spd="med">
+        <p:fade/>
+      </p:transition>
+    </mc:Fallback>
+  </mc:AlternateContent>
+</p:sld>
+</file>
+
 <file path=ppt/slides/slide3.xml><?xml version="1.0" encoding="utf-8"?>
 <p:sld xmlns:a="http://schemas.openxmlformats.org/drawingml/2006/main" xmlns:r="http://schemas.openxmlformats.org/officeDocument/2006/relationships" xmlns:p="http://schemas.openxmlformats.org/presentationml/2006/main">
   <p:cSld>
@@ -11096,12 +11312,40 @@
           <a:chExt cx="0" cy="0"/>
         </a:xfrm>
       </p:grpSpPr>
-      <p:sp>
-        <p:nvSpPr>
-          <p:cNvPr id="2" name="Title 1">
-            <a:extLst>
-              <a:ext uri="{FF2B5EF4-FFF2-40B4-BE49-F238E27FC236}">
-                <a16:creationId xmlns:a16="http://schemas.microsoft.com/office/drawing/2014/main" id="{DE14D1E8-093C-5EDF-367B-5A5489AF8A58}"/>
+      <p:pic>
+        <p:nvPicPr>
+          <p:cNvPr id="19" name="Picture Placeholder 18">
+            <a:extLst>
+              <a:ext uri="{FF2B5EF4-FFF2-40B4-BE49-F238E27FC236}">
+                <a16:creationId xmlns:a16="http://schemas.microsoft.com/office/drawing/2014/main" id="{01BD305D-4614-3B90-A240-19FADC432C5F}"/>
+              </a:ext>
+            </a:extLst>
+          </p:cNvPr>
+          <p:cNvPicPr>
+            <a:picLocks noGrp="1" noChangeAspect="1"/>
+          </p:cNvPicPr>
+          <p:nvPr>
+            <p:ph type="pic" sz="quarter" idx="14"/>
+          </p:nvPr>
+        </p:nvPicPr>
+        <p:blipFill>
+          <a:blip r:embed="rId2"/>
+          <a:srcRect l="10280" t="15098" r="21693" b="15139"/>
+          <a:stretch/>
+        </p:blipFill>
+        <p:spPr>
+          <a:xfrm>
+            <a:off x="943638" y="952497"/>
+            <a:ext cx="3733799" cy="5105400"/>
+          </a:xfrm>
+        </p:spPr>
+      </p:pic>
+      <p:sp>
+        <p:nvSpPr>
+          <p:cNvPr id="4" name="Text Placeholder 3">
+            <a:extLst>
+              <a:ext uri="{FF2B5EF4-FFF2-40B4-BE49-F238E27FC236}">
+                <a16:creationId xmlns:a16="http://schemas.microsoft.com/office/drawing/2014/main" id="{E665A067-FF4B-3628-152E-49749C6061B1}"/>
               </a:ext>
             </a:extLst>
           </p:cNvPr>
@@ -11109,105 +11353,423 @@
             <a:spLocks noGrp="1"/>
           </p:cNvSpPr>
           <p:nvPr>
-            <p:ph type="title"/>
-          </p:nvPr>
-        </p:nvSpPr>
-        <p:spPr/>
+            <p:ph type="body" sz="quarter" idx="13"/>
+          </p:nvPr>
+        </p:nvSpPr>
+        <p:spPr>
+          <a:xfrm>
+            <a:off x="5709980" y="952497"/>
+            <a:ext cx="5697929" cy="4876801"/>
+          </a:xfrm>
+        </p:spPr>
+        <p:txBody>
+          <a:bodyPr>
+            <a:normAutofit/>
+          </a:bodyPr>
+          <a:lstStyle/>
+          <a:p>
+            <a:pPr>
+              <a:buNone/>
+            </a:pPr>
+            <a:r>
+              <a:rPr lang="en-US" sz="1800" b="0" i="1" dirty="0">
+                <a:latin typeface="Bahnschrift SemiLight" panose="020B0502040204020203" pitchFamily="34" charset="0"/>
+              </a:rPr>
+              <a:t>Why Focus on Campus?</a:t>
+            </a:r>
+          </a:p>
+          <a:p>
+            <a:pPr marL="285750" indent="-285750">
+              <a:buFont typeface="Arial" pitchFamily="34" charset="0"/>
+              <a:buChar char="•"/>
+            </a:pPr>
+            <a:r>
+              <a:rPr lang="en-US" sz="1600" b="0" dirty="0">
+                <a:latin typeface="Bahnschrift SemiLight" panose="020B0502040204020203" pitchFamily="34" charset="0"/>
+              </a:rPr>
+              <a:t>High foot traffic, constant movement, and daily waste generation.</a:t>
+            </a:r>
+          </a:p>
+          <a:p>
+            <a:pPr marL="285750" indent="-285750">
+              <a:buFont typeface="Arial" pitchFamily="34" charset="0"/>
+              <a:buChar char="•"/>
+            </a:pPr>
+            <a:r>
+              <a:rPr lang="en-US" sz="1600" b="0" dirty="0">
+                <a:latin typeface="Bahnschrift SemiLight" panose="020B0502040204020203" pitchFamily="34" charset="0"/>
+              </a:rPr>
+              <a:t>Students juggle snacks, coffee, notebooks, e-waste, and more.</a:t>
+            </a:r>
+          </a:p>
+          <a:p>
+            <a:pPr marL="285750" indent="-285750">
+              <a:buFont typeface="Arial" pitchFamily="34" charset="0"/>
+              <a:buChar char="•"/>
+            </a:pPr>
+            <a:r>
+              <a:rPr lang="en-US" sz="1600" b="0" dirty="0">
+                <a:latin typeface="Bahnschrift SemiLight" panose="020B0502040204020203" pitchFamily="34" charset="0"/>
+              </a:rPr>
+              <a:t>A clean environment directly affects quality of life and morale.</a:t>
+            </a:r>
+          </a:p>
+          <a:p>
+            <a:pPr marL="285750" marR="0" lvl="0" indent="-285750" fontAlgn="base">
+              <a:spcAft>
+                <a:spcPct val="0"/>
+              </a:spcAft>
+              <a:buFont typeface="Arial" pitchFamily="34" charset="0"/>
+              <a:buChar char="•"/>
+              <a:tabLst/>
+            </a:pPr>
+            <a:r>
+              <a:rPr lang="en-US" altLang="en-US" sz="1600" b="0" dirty="0">
+                <a:latin typeface="Bahnschrift SemiLight" panose="020B0502040204020203" pitchFamily="34" charset="0"/>
+              </a:rPr>
+              <a:t>This affects everyone: students, faculty, admin, cleaning staff.</a:t>
+            </a:r>
+          </a:p>
+          <a:p>
+            <a:pPr marL="285750" marR="0" lvl="0" indent="-285750" fontAlgn="base">
+              <a:spcAft>
+                <a:spcPct val="0"/>
+              </a:spcAft>
+              <a:buFont typeface="Arial" pitchFamily="34" charset="0"/>
+              <a:buChar char="•"/>
+              <a:tabLst/>
+            </a:pPr>
+            <a:r>
+              <a:rPr lang="en-US" altLang="en-US" sz="1600" b="0" dirty="0">
+                <a:latin typeface="Bahnschrift SemiLight" panose="020B0502040204020203" pitchFamily="34" charset="0"/>
+              </a:rPr>
+              <a:t>A bad bin system hurts hygiene, efficiency, and morale.</a:t>
+            </a:r>
+          </a:p>
+          <a:p>
+            <a:pPr marL="285750" marR="0" lvl="0" indent="-285750" fontAlgn="base">
+              <a:spcAft>
+                <a:spcPct val="0"/>
+              </a:spcAft>
+              <a:buFont typeface="Arial" pitchFamily="34" charset="0"/>
+              <a:buChar char="•"/>
+              <a:tabLst/>
+            </a:pPr>
+            <a:r>
+              <a:rPr lang="en-US" altLang="en-US" sz="1600" b="0" dirty="0">
+                <a:latin typeface="Bahnschrift SemiLight" panose="020B0502040204020203" pitchFamily="34" charset="0"/>
+              </a:rPr>
+              <a:t>Bins are often standalone, </a:t>
+            </a:r>
+            <a:r>
+              <a:rPr lang="en-US" altLang="en-US" sz="1600" b="0" dirty="0" err="1">
+                <a:latin typeface="Bahnschrift SemiLight" panose="020B0502040204020203" pitchFamily="34" charset="0"/>
+              </a:rPr>
+              <a:t>unlabelled</a:t>
+            </a:r>
+            <a:r>
+              <a:rPr lang="en-US" altLang="en-US" sz="1600" b="0" dirty="0">
+                <a:latin typeface="Bahnschrift SemiLight" panose="020B0502040204020203" pitchFamily="34" charset="0"/>
+              </a:rPr>
+              <a:t>, and unnoticeable.</a:t>
+            </a:r>
+          </a:p>
+          <a:p>
+            <a:pPr marL="285750" marR="0" lvl="0" indent="-285750" fontAlgn="base">
+              <a:spcAft>
+                <a:spcPct val="0"/>
+              </a:spcAft>
+              <a:buFont typeface="Arial" pitchFamily="34" charset="0"/>
+              <a:buChar char="•"/>
+              <a:tabLst/>
+            </a:pPr>
+            <a:r>
+              <a:rPr lang="en-US" altLang="en-US" sz="1600" b="0" dirty="0">
+                <a:latin typeface="Bahnschrift SemiLight" panose="020B0502040204020203" pitchFamily="34" charset="0"/>
+              </a:rPr>
+              <a:t>Mixed waste is the norm, not the exception.</a:t>
+            </a:r>
+          </a:p>
+        </p:txBody>
+      </p:sp>
+      <p:sp>
+        <p:nvSpPr>
+          <p:cNvPr id="12" name="Slide Number Placeholder 4">
+            <a:extLst>
+              <a:ext uri="{FF2B5EF4-FFF2-40B4-BE49-F238E27FC236}">
+                <a16:creationId xmlns:a16="http://schemas.microsoft.com/office/drawing/2014/main" id="{88CF364A-C0BB-5CF2-CB4A-98706B83CB63}"/>
+              </a:ext>
+            </a:extLst>
+          </p:cNvPr>
+          <p:cNvSpPr txBox="1">
+            <a:spLocks/>
+          </p:cNvSpPr>
+          <p:nvPr/>
+        </p:nvSpPr>
+        <p:spPr>
+          <a:xfrm>
+            <a:off x="5709980" y="6163053"/>
+            <a:ext cx="2677604" cy="210312"/>
+          </a:xfrm>
+          <a:prstGeom prst="rect">
+            <a:avLst/>
+          </a:prstGeom>
+        </p:spPr>
+        <p:txBody>
+          <a:bodyPr vert="horz" lIns="121899" tIns="60949" rIns="121899" bIns="60949" rtlCol="0" anchor="b"/>
+          <a:lstStyle>
+            <a:defPPr>
+              <a:defRPr lang="en-US"/>
+            </a:defPPr>
+            <a:lvl1pPr marL="0" algn="r" defTabSz="1218987" rtl="0" eaLnBrk="1" latinLnBrk="0" hangingPunct="1">
+              <a:defRPr sz="1000" b="1" kern="1200" spc="200" baseline="0">
+                <a:solidFill>
+                  <a:schemeClr val="tx2">
+                    <a:lumMod val="50000"/>
+                  </a:schemeClr>
+                </a:solidFill>
+                <a:latin typeface="+mn-lt"/>
+                <a:ea typeface="+mn-ea"/>
+                <a:cs typeface="+mn-cs"/>
+              </a:defRPr>
+            </a:lvl1pPr>
+            <a:lvl2pPr marL="609493" algn="l" defTabSz="1218987" rtl="0" eaLnBrk="1" latinLnBrk="0" hangingPunct="1">
+              <a:defRPr sz="2400" kern="1200">
+                <a:solidFill>
+                  <a:schemeClr val="tx1"/>
+                </a:solidFill>
+                <a:latin typeface="+mn-lt"/>
+                <a:ea typeface="+mn-ea"/>
+                <a:cs typeface="+mn-cs"/>
+              </a:defRPr>
+            </a:lvl2pPr>
+            <a:lvl3pPr marL="1218987" algn="l" defTabSz="1218987" rtl="0" eaLnBrk="1" latinLnBrk="0" hangingPunct="1">
+              <a:defRPr sz="2400" kern="1200">
+                <a:solidFill>
+                  <a:schemeClr val="tx1"/>
+                </a:solidFill>
+                <a:latin typeface="+mn-lt"/>
+                <a:ea typeface="+mn-ea"/>
+                <a:cs typeface="+mn-cs"/>
+              </a:defRPr>
+            </a:lvl3pPr>
+            <a:lvl4pPr marL="1828480" algn="l" defTabSz="1218987" rtl="0" eaLnBrk="1" latinLnBrk="0" hangingPunct="1">
+              <a:defRPr sz="2400" kern="1200">
+                <a:solidFill>
+                  <a:schemeClr val="tx1"/>
+                </a:solidFill>
+                <a:latin typeface="+mn-lt"/>
+                <a:ea typeface="+mn-ea"/>
+                <a:cs typeface="+mn-cs"/>
+              </a:defRPr>
+            </a:lvl4pPr>
+            <a:lvl5pPr marL="2437973" algn="l" defTabSz="1218987" rtl="0" eaLnBrk="1" latinLnBrk="0" hangingPunct="1">
+              <a:defRPr sz="2400" kern="1200">
+                <a:solidFill>
+                  <a:schemeClr val="tx1"/>
+                </a:solidFill>
+                <a:latin typeface="+mn-lt"/>
+                <a:ea typeface="+mn-ea"/>
+                <a:cs typeface="+mn-cs"/>
+              </a:defRPr>
+            </a:lvl5pPr>
+            <a:lvl6pPr marL="3047467" algn="l" defTabSz="1218987" rtl="0" eaLnBrk="1" latinLnBrk="0" hangingPunct="1">
+              <a:defRPr sz="2400" kern="1200">
+                <a:solidFill>
+                  <a:schemeClr val="tx1"/>
+                </a:solidFill>
+                <a:latin typeface="+mn-lt"/>
+                <a:ea typeface="+mn-ea"/>
+                <a:cs typeface="+mn-cs"/>
+              </a:defRPr>
+            </a:lvl6pPr>
+            <a:lvl7pPr marL="3656960" algn="l" defTabSz="1218987" rtl="0" eaLnBrk="1" latinLnBrk="0" hangingPunct="1">
+              <a:defRPr sz="2400" kern="1200">
+                <a:solidFill>
+                  <a:schemeClr val="tx1"/>
+                </a:solidFill>
+                <a:latin typeface="+mn-lt"/>
+                <a:ea typeface="+mn-ea"/>
+                <a:cs typeface="+mn-cs"/>
+              </a:defRPr>
+            </a:lvl7pPr>
+            <a:lvl8pPr marL="4266453" algn="l" defTabSz="1218987" rtl="0" eaLnBrk="1" latinLnBrk="0" hangingPunct="1">
+              <a:defRPr sz="2400" kern="1200">
+                <a:solidFill>
+                  <a:schemeClr val="tx1"/>
+                </a:solidFill>
+                <a:latin typeface="+mn-lt"/>
+                <a:ea typeface="+mn-ea"/>
+                <a:cs typeface="+mn-cs"/>
+              </a:defRPr>
+            </a:lvl8pPr>
+            <a:lvl9pPr marL="4875947" algn="l" defTabSz="1218987" rtl="0" eaLnBrk="1" latinLnBrk="0" hangingPunct="1">
+              <a:defRPr sz="2400" kern="1200">
+                <a:solidFill>
+                  <a:schemeClr val="tx1"/>
+                </a:solidFill>
+                <a:latin typeface="+mn-lt"/>
+                <a:ea typeface="+mn-ea"/>
+                <a:cs typeface="+mn-cs"/>
+              </a:defRPr>
+            </a:lvl9pPr>
+          </a:lstStyle>
+          <a:p>
+            <a:pPr algn="l"/>
+            <a:r>
+              <a:rPr lang="en-US" dirty="0"/>
+              <a:t>DES211 CAPSTONE PROJECT</a:t>
+            </a:r>
+          </a:p>
+        </p:txBody>
+      </p:sp>
+      <p:sp>
+        <p:nvSpPr>
+          <p:cNvPr id="13" name="Slide Number Placeholder 4">
+            <a:extLst>
+              <a:ext uri="{FF2B5EF4-FFF2-40B4-BE49-F238E27FC236}">
+                <a16:creationId xmlns:a16="http://schemas.microsoft.com/office/drawing/2014/main" id="{4FA424AB-2D8A-1987-82AB-8BFAD96A807F}"/>
+              </a:ext>
+            </a:extLst>
+          </p:cNvPr>
+          <p:cNvSpPr txBox="1">
+            <a:spLocks/>
+          </p:cNvSpPr>
+          <p:nvPr/>
+        </p:nvSpPr>
+        <p:spPr>
+          <a:xfrm>
+            <a:off x="10488873" y="6116957"/>
+            <a:ext cx="919036" cy="210312"/>
+          </a:xfrm>
+          <a:prstGeom prst="rect">
+            <a:avLst/>
+          </a:prstGeom>
+        </p:spPr>
         <p:txBody>
           <a:bodyPr/>
-          <a:lstStyle/>
-          <a:p>
-            <a:r>
-              <a:rPr lang="en-IN" dirty="0"/>
-              <a:t>Empathy Phase</a:t>
-            </a:r>
-          </a:p>
-        </p:txBody>
-      </p:sp>
-      <p:sp>
-        <p:nvSpPr>
-          <p:cNvPr id="3" name="Content Placeholder 2">
-            <a:extLst>
-              <a:ext uri="{FF2B5EF4-FFF2-40B4-BE49-F238E27FC236}">
-                <a16:creationId xmlns:a16="http://schemas.microsoft.com/office/drawing/2014/main" id="{8D0D3942-3D95-1FB5-7F44-66EC732565E0}"/>
-              </a:ext>
-            </a:extLst>
-          </p:cNvPr>
-          <p:cNvSpPr>
-            <a:spLocks noGrp="1"/>
-          </p:cNvSpPr>
-          <p:nvPr>
-            <p:ph sz="quarter" idx="13"/>
-          </p:nvPr>
-        </p:nvSpPr>
-        <p:spPr/>
-        <p:txBody>
-          <a:bodyPr/>
-          <a:lstStyle/>
-          <a:p>
-            <a:endParaRPr lang="en-IN"/>
-          </a:p>
-        </p:txBody>
-      </p:sp>
-      <p:sp>
-        <p:nvSpPr>
-          <p:cNvPr id="4" name="Content Placeholder 3">
-            <a:extLst>
-              <a:ext uri="{FF2B5EF4-FFF2-40B4-BE49-F238E27FC236}">
-                <a16:creationId xmlns:a16="http://schemas.microsoft.com/office/drawing/2014/main" id="{A640C924-2D07-C531-0F56-BF10A6892B0E}"/>
-              </a:ext>
-            </a:extLst>
-          </p:cNvPr>
-          <p:cNvSpPr>
-            <a:spLocks noGrp="1"/>
-          </p:cNvSpPr>
-          <p:nvPr>
-            <p:ph sz="quarter" idx="14"/>
-          </p:nvPr>
-        </p:nvSpPr>
-        <p:spPr/>
-        <p:txBody>
-          <a:bodyPr/>
-          <a:lstStyle/>
-          <a:p>
-            <a:endParaRPr lang="en-IN"/>
-          </a:p>
-        </p:txBody>
-      </p:sp>
-      <p:sp>
-        <p:nvSpPr>
-          <p:cNvPr id="5" name="Slide Number Placeholder 4">
-            <a:extLst>
-              <a:ext uri="{FF2B5EF4-FFF2-40B4-BE49-F238E27FC236}">
-                <a16:creationId xmlns:a16="http://schemas.microsoft.com/office/drawing/2014/main" id="{CE38FFD6-D965-DFF4-D0C1-26B60A641477}"/>
-              </a:ext>
-            </a:extLst>
-          </p:cNvPr>
-          <p:cNvSpPr>
-            <a:spLocks noGrp="1"/>
-          </p:cNvSpPr>
-          <p:nvPr>
-            <p:ph type="sldNum" sz="quarter" idx="12"/>
-          </p:nvPr>
-        </p:nvSpPr>
-        <p:spPr/>
-        <p:txBody>
-          <a:bodyPr/>
-          <a:lstStyle/>
-          <a:p>
+          <a:lstStyle>
+            <a:defPPr>
+              <a:defRPr lang="en-US"/>
+            </a:defPPr>
+            <a:lvl1pPr marL="0" algn="l" defTabSz="1218987" rtl="0" eaLnBrk="1" latinLnBrk="0" hangingPunct="1">
+              <a:defRPr sz="2400" kern="1200">
+                <a:solidFill>
+                  <a:schemeClr val="tx1"/>
+                </a:solidFill>
+                <a:latin typeface="+mn-lt"/>
+                <a:ea typeface="+mn-ea"/>
+                <a:cs typeface="+mn-cs"/>
+              </a:defRPr>
+            </a:lvl1pPr>
+            <a:lvl2pPr marL="609493" algn="l" defTabSz="1218987" rtl="0" eaLnBrk="1" latinLnBrk="0" hangingPunct="1">
+              <a:defRPr sz="2400" kern="1200">
+                <a:solidFill>
+                  <a:schemeClr val="tx1"/>
+                </a:solidFill>
+                <a:latin typeface="+mn-lt"/>
+                <a:ea typeface="+mn-ea"/>
+                <a:cs typeface="+mn-cs"/>
+              </a:defRPr>
+            </a:lvl2pPr>
+            <a:lvl3pPr marL="1218987" algn="l" defTabSz="1218987" rtl="0" eaLnBrk="1" latinLnBrk="0" hangingPunct="1">
+              <a:defRPr sz="2400" kern="1200">
+                <a:solidFill>
+                  <a:schemeClr val="tx1"/>
+                </a:solidFill>
+                <a:latin typeface="+mn-lt"/>
+                <a:ea typeface="+mn-ea"/>
+                <a:cs typeface="+mn-cs"/>
+              </a:defRPr>
+            </a:lvl3pPr>
+            <a:lvl4pPr marL="1828480" algn="l" defTabSz="1218987" rtl="0" eaLnBrk="1" latinLnBrk="0" hangingPunct="1">
+              <a:defRPr sz="2400" kern="1200">
+                <a:solidFill>
+                  <a:schemeClr val="tx1"/>
+                </a:solidFill>
+                <a:latin typeface="+mn-lt"/>
+                <a:ea typeface="+mn-ea"/>
+                <a:cs typeface="+mn-cs"/>
+              </a:defRPr>
+            </a:lvl4pPr>
+            <a:lvl5pPr marL="2437973" algn="l" defTabSz="1218987" rtl="0" eaLnBrk="1" latinLnBrk="0" hangingPunct="1">
+              <a:defRPr sz="2400" kern="1200">
+                <a:solidFill>
+                  <a:schemeClr val="tx1"/>
+                </a:solidFill>
+                <a:latin typeface="+mn-lt"/>
+                <a:ea typeface="+mn-ea"/>
+                <a:cs typeface="+mn-cs"/>
+              </a:defRPr>
+            </a:lvl5pPr>
+            <a:lvl6pPr marL="3047467" algn="l" defTabSz="1218987" rtl="0" eaLnBrk="1" latinLnBrk="0" hangingPunct="1">
+              <a:defRPr sz="2400" kern="1200">
+                <a:solidFill>
+                  <a:schemeClr val="tx1"/>
+                </a:solidFill>
+                <a:latin typeface="+mn-lt"/>
+                <a:ea typeface="+mn-ea"/>
+                <a:cs typeface="+mn-cs"/>
+              </a:defRPr>
+            </a:lvl6pPr>
+            <a:lvl7pPr marL="3656960" algn="l" defTabSz="1218987" rtl="0" eaLnBrk="1" latinLnBrk="0" hangingPunct="1">
+              <a:defRPr sz="2400" kern="1200">
+                <a:solidFill>
+                  <a:schemeClr val="tx1"/>
+                </a:solidFill>
+                <a:latin typeface="+mn-lt"/>
+                <a:ea typeface="+mn-ea"/>
+                <a:cs typeface="+mn-cs"/>
+              </a:defRPr>
+            </a:lvl7pPr>
+            <a:lvl8pPr marL="4266453" algn="l" defTabSz="1218987" rtl="0" eaLnBrk="1" latinLnBrk="0" hangingPunct="1">
+              <a:defRPr sz="2400" kern="1200">
+                <a:solidFill>
+                  <a:schemeClr val="tx1"/>
+                </a:solidFill>
+                <a:latin typeface="+mn-lt"/>
+                <a:ea typeface="+mn-ea"/>
+                <a:cs typeface="+mn-cs"/>
+              </a:defRPr>
+            </a:lvl8pPr>
+            <a:lvl9pPr marL="4875947" algn="l" defTabSz="1218987" rtl="0" eaLnBrk="1" latinLnBrk="0" hangingPunct="1">
+              <a:defRPr sz="2400" kern="1200">
+                <a:solidFill>
+                  <a:schemeClr val="tx1"/>
+                </a:solidFill>
+                <a:latin typeface="+mn-lt"/>
+                <a:ea typeface="+mn-ea"/>
+                <a:cs typeface="+mn-cs"/>
+              </a:defRPr>
+            </a:lvl9pPr>
+          </a:lstStyle>
+          <a:p>
+            <a:pPr algn="r"/>
             <a:fld id="{EB37DED6-D4C7-42EE-AB49-D2E39E64FDE4}" type="slidenum">
-              <a:rPr lang="en-US" smtClean="0"/>
-              <a:pPr/>
+              <a:rPr lang="en-US" sz="1000" b="1" spc="200" smtClean="0">
+                <a:solidFill>
+                  <a:schemeClr val="tx2">
+                    <a:lumMod val="50000"/>
+                  </a:schemeClr>
+                </a:solidFill>
+              </a:rPr>
+              <a:pPr algn="r"/>
               <a:t>3</a:t>
             </a:fld>
-            <a:endParaRPr lang="en-US" dirty="0"/>
+            <a:endParaRPr lang="en-US" sz="1000" b="1" spc="200" dirty="0">
+              <a:solidFill>
+                <a:schemeClr val="tx2">
+                  <a:lumMod val="50000"/>
+                </a:schemeClr>
+              </a:solidFill>
+            </a:endParaRPr>
           </a:p>
         </p:txBody>
       </p:sp>
     </p:spTree>
     <p:extLst>
       <p:ext uri="{BB962C8B-B14F-4D97-AF65-F5344CB8AC3E}">
-        <p14:creationId xmlns:p14="http://schemas.microsoft.com/office/powerpoint/2010/main" val="1555678266"/>
+        <p14:creationId xmlns:p14="http://schemas.microsoft.com/office/powerpoint/2010/main" val="291686031"/>
       </p:ext>
     </p:extLst>
   </p:cSld>
@@ -11248,10 +11810,10 @@
       </p:grpSpPr>
       <p:sp>
         <p:nvSpPr>
-          <p:cNvPr id="2" name="Title 1">
-            <a:extLst>
-              <a:ext uri="{FF2B5EF4-FFF2-40B4-BE49-F238E27FC236}">
-                <a16:creationId xmlns:a16="http://schemas.microsoft.com/office/drawing/2014/main" id="{C2DD43C5-867A-1BCA-F418-DED959E1BD6A}"/>
+          <p:cNvPr id="3" name="Content Placeholder 2">
+            <a:extLst>
+              <a:ext uri="{FF2B5EF4-FFF2-40B4-BE49-F238E27FC236}">
+                <a16:creationId xmlns:a16="http://schemas.microsoft.com/office/drawing/2014/main" id="{3BD1FA98-212B-AC52-E18E-63DE09E47F21}"/>
               </a:ext>
             </a:extLst>
           </p:cNvPr>
@@ -11259,7 +11821,187 @@
             <a:spLocks noGrp="1"/>
           </p:cNvSpPr>
           <p:nvPr>
-            <p:ph type="title"/>
+            <p:ph sz="quarter" idx="13"/>
+          </p:nvPr>
+        </p:nvSpPr>
+        <p:spPr>
+          <a:xfrm>
+            <a:off x="685800" y="914400"/>
+            <a:ext cx="5715000" cy="4873752"/>
+          </a:xfrm>
+        </p:spPr>
+        <p:txBody>
+          <a:bodyPr>
+            <a:normAutofit/>
+          </a:bodyPr>
+          <a:lstStyle/>
+          <a:p>
+            <a:pPr marL="0" indent="0">
+              <a:buNone/>
+            </a:pPr>
+            <a:r>
+              <a:rPr lang="en-IN" i="1" dirty="0">
+                <a:latin typeface="Bahnschrift SemiLight" panose="020B0502040204020203" pitchFamily="34" charset="0"/>
+              </a:rPr>
+              <a:t>What does this project do?</a:t>
+            </a:r>
+          </a:p>
+          <a:p>
+            <a:pPr defTabSz="914400" eaLnBrk="0" fontAlgn="base" hangingPunct="0">
+              <a:lnSpc>
+                <a:spcPct val="100000"/>
+              </a:lnSpc>
+              <a:spcAft>
+                <a:spcPct val="0"/>
+              </a:spcAft>
+              <a:buClrTx/>
+              <a:buSzTx/>
+            </a:pPr>
+            <a:r>
+              <a:rPr kumimoji="0" lang="en-US" altLang="en-US" sz="1600" i="0" u="none" strike="noStrike" cap="none" normalizeH="0" baseline="0" dirty="0">
+                <a:ln>
+                  <a:noFill/>
+                </a:ln>
+                <a:effectLst/>
+                <a:latin typeface="Bahnschrift SemiLight" panose="020B0502040204020203" pitchFamily="34" charset="0"/>
+              </a:rPr>
+              <a:t>Investigates the root causes of improper waste segregation in public spaces, especially on campus.</a:t>
+            </a:r>
+          </a:p>
+          <a:p>
+            <a:pPr defTabSz="914400" eaLnBrk="0" fontAlgn="base" hangingPunct="0">
+              <a:lnSpc>
+                <a:spcPct val="100000"/>
+              </a:lnSpc>
+              <a:spcAft>
+                <a:spcPct val="0"/>
+              </a:spcAft>
+              <a:buClrTx/>
+              <a:buSzTx/>
+            </a:pPr>
+            <a:r>
+              <a:rPr kumimoji="0" lang="en-US" altLang="en-US" sz="1600" i="0" u="none" strike="noStrike" cap="none" normalizeH="0" baseline="0" dirty="0">
+                <a:ln>
+                  <a:noFill/>
+                </a:ln>
+                <a:effectLst/>
+                <a:latin typeface="Bahnschrift SemiLight" panose="020B0502040204020203" pitchFamily="34" charset="0"/>
+              </a:rPr>
+              <a:t>Applies human-centered design methods to understand user pain points and behavior through direct observation and interviews.</a:t>
+            </a:r>
+          </a:p>
+          <a:p>
+            <a:pPr defTabSz="914400" eaLnBrk="0" fontAlgn="base" hangingPunct="0">
+              <a:lnSpc>
+                <a:spcPct val="100000"/>
+              </a:lnSpc>
+              <a:spcAft>
+                <a:spcPct val="0"/>
+              </a:spcAft>
+              <a:buClrTx/>
+              <a:buSzTx/>
+            </a:pPr>
+            <a:r>
+              <a:rPr kumimoji="0" lang="en-US" altLang="en-US" sz="1600" i="0" u="none" strike="noStrike" cap="none" normalizeH="0" baseline="0" dirty="0">
+                <a:ln>
+                  <a:noFill/>
+                </a:ln>
+                <a:effectLst/>
+                <a:latin typeface="Bahnschrift SemiLight" panose="020B0502040204020203" pitchFamily="34" charset="0"/>
+              </a:rPr>
+              <a:t>Reframes the problem with a refined, empathy-driven problem statement and focused design brief.</a:t>
+            </a:r>
+          </a:p>
+          <a:p>
+            <a:pPr defTabSz="914400" eaLnBrk="0" fontAlgn="base" hangingPunct="0">
+              <a:lnSpc>
+                <a:spcPct val="100000"/>
+              </a:lnSpc>
+              <a:spcAft>
+                <a:spcPct val="0"/>
+              </a:spcAft>
+              <a:buClrTx/>
+              <a:buSzTx/>
+            </a:pPr>
+            <a:r>
+              <a:rPr kumimoji="0" lang="en-US" altLang="en-US" sz="1600" i="0" u="none" strike="noStrike" cap="none" normalizeH="0" baseline="0" dirty="0">
+                <a:ln>
+                  <a:noFill/>
+                </a:ln>
+                <a:effectLst/>
+                <a:latin typeface="Bahnschrift SemiLight" panose="020B0502040204020203" pitchFamily="34" charset="0"/>
+              </a:rPr>
+              <a:t>Generates multiple creative ideas using brainstorming and sketching techniques to solve core waste disposal issues.</a:t>
+            </a:r>
+          </a:p>
+          <a:p>
+            <a:pPr defTabSz="914400" eaLnBrk="0" fontAlgn="base" hangingPunct="0">
+              <a:lnSpc>
+                <a:spcPct val="100000"/>
+              </a:lnSpc>
+              <a:spcAft>
+                <a:spcPct val="0"/>
+              </a:spcAft>
+              <a:buClrTx/>
+              <a:buSzTx/>
+            </a:pPr>
+            <a:r>
+              <a:rPr lang="en-US" sz="1600" dirty="0">
+                <a:latin typeface="Bahnschrift SemiLight" panose="020B0502040204020203" pitchFamily="34" charset="0"/>
+              </a:rPr>
+              <a:t>Delivers a final solution that’s not only practical and modular, but also easy to scale across high-footfall environments.</a:t>
+            </a:r>
+            <a:endParaRPr lang="en-IN" sz="1600" dirty="0">
+              <a:latin typeface="Bahnschrift SemiLight" panose="020B0502040204020203" pitchFamily="34" charset="0"/>
+            </a:endParaRPr>
+          </a:p>
+        </p:txBody>
+      </p:sp>
+      <p:pic>
+        <p:nvPicPr>
+          <p:cNvPr id="11" name="Picture Placeholder 10" descr="Bullseye with solid fill">
+            <a:extLst>
+              <a:ext uri="{FF2B5EF4-FFF2-40B4-BE49-F238E27FC236}">
+                <a16:creationId xmlns:a16="http://schemas.microsoft.com/office/drawing/2014/main" id="{AC18305C-15EA-B62D-3FDB-8BA74A1C3844}"/>
+              </a:ext>
+            </a:extLst>
+          </p:cNvPr>
+          <p:cNvPicPr>
+            <a:picLocks noGrp="1" noChangeAspect="1"/>
+          </p:cNvPicPr>
+          <p:nvPr>
+            <p:ph type="pic" sz="quarter" idx="14"/>
+          </p:nvPr>
+        </p:nvPicPr>
+        <p:blipFill>
+          <a:blip r:embed="rId2">
+            <a:extLst>
+              <a:ext uri="{96DAC541-7B7A-43D3-8B79-37D633B846F1}">
+                <asvg:svgBlip xmlns:asvg="http://schemas.microsoft.com/office/drawing/2016/SVG/main" r:embed="rId3"/>
+              </a:ext>
+            </a:extLst>
+          </a:blip>
+          <a:srcRect t="53" b="53"/>
+          <a:stretch>
+            <a:fillRect/>
+          </a:stretch>
+        </p:blipFill>
+        <p:spPr/>
+      </p:pic>
+      <p:sp>
+        <p:nvSpPr>
+          <p:cNvPr id="5" name="Slide Number Placeholder 4">
+            <a:extLst>
+              <a:ext uri="{FF2B5EF4-FFF2-40B4-BE49-F238E27FC236}">
+                <a16:creationId xmlns:a16="http://schemas.microsoft.com/office/drawing/2014/main" id="{16296696-D367-4D95-8291-547A5724571E}"/>
+              </a:ext>
+            </a:extLst>
+          </p:cNvPr>
+          <p:cNvSpPr>
+            <a:spLocks noGrp="1"/>
+          </p:cNvSpPr>
+          <p:nvPr>
+            <p:ph type="sldNum" sz="quarter" idx="12"/>
           </p:nvPr>
         </p:nvSpPr>
         <p:spPr/>
@@ -11267,32 +12009,150 @@
           <a:bodyPr/>
           <a:lstStyle/>
           <a:p>
-            <a:endParaRPr lang="en-IN"/>
-          </a:p>
-        </p:txBody>
-      </p:sp>
-      <p:sp>
-        <p:nvSpPr>
-          <p:cNvPr id="3" name="Picture Placeholder 2">
-            <a:extLst>
-              <a:ext uri="{FF2B5EF4-FFF2-40B4-BE49-F238E27FC236}">
-                <a16:creationId xmlns:a16="http://schemas.microsoft.com/office/drawing/2014/main" id="{9613A1C2-8351-3452-56E9-7E5EC8D1166B}"/>
-              </a:ext>
-            </a:extLst>
-          </p:cNvPr>
-          <p:cNvSpPr>
-            <a:spLocks noGrp="1"/>
-          </p:cNvSpPr>
-          <p:nvPr>
-            <p:ph type="pic" sz="quarter" idx="10"/>
-          </p:nvPr>
-        </p:nvSpPr>
-        <p:spPr/>
+            <a:fld id="{EB37DED6-D4C7-42EE-AB49-D2E39E64FDE4}" type="slidenum">
+              <a:rPr lang="en-US" smtClean="0"/>
+              <a:pPr/>
+              <a:t>4</a:t>
+            </a:fld>
+            <a:endParaRPr lang="en-US" dirty="0"/>
+          </a:p>
+        </p:txBody>
+      </p:sp>
+      <p:sp>
+        <p:nvSpPr>
+          <p:cNvPr id="9" name="Slide Number Placeholder 4">
+            <a:extLst>
+              <a:ext uri="{FF2B5EF4-FFF2-40B4-BE49-F238E27FC236}">
+                <a16:creationId xmlns:a16="http://schemas.microsoft.com/office/drawing/2014/main" id="{45FE0A3B-76B7-6173-B302-7BBC0095EBFF}"/>
+              </a:ext>
+            </a:extLst>
+          </p:cNvPr>
+          <p:cNvSpPr txBox="1">
+            <a:spLocks/>
+          </p:cNvSpPr>
+          <p:nvPr/>
+        </p:nvSpPr>
+        <p:spPr>
+          <a:xfrm>
+            <a:off x="455612" y="6190488"/>
+            <a:ext cx="2677604" cy="210312"/>
+          </a:xfrm>
+          <a:prstGeom prst="rect">
+            <a:avLst/>
+          </a:prstGeom>
+        </p:spPr>
+        <p:txBody>
+          <a:bodyPr vert="horz" lIns="121899" tIns="60949" rIns="121899" bIns="60949" rtlCol="0" anchor="b"/>
+          <a:lstStyle>
+            <a:defPPr>
+              <a:defRPr lang="en-US"/>
+            </a:defPPr>
+            <a:lvl1pPr marL="0" algn="r" defTabSz="1218987" rtl="0" eaLnBrk="1" latinLnBrk="0" hangingPunct="1">
+              <a:defRPr sz="1000" b="1" kern="1200" spc="200" baseline="0">
+                <a:solidFill>
+                  <a:schemeClr val="tx2">
+                    <a:lumMod val="50000"/>
+                  </a:schemeClr>
+                </a:solidFill>
+                <a:latin typeface="+mn-lt"/>
+                <a:ea typeface="+mn-ea"/>
+                <a:cs typeface="+mn-cs"/>
+              </a:defRPr>
+            </a:lvl1pPr>
+            <a:lvl2pPr marL="609493" algn="l" defTabSz="1218987" rtl="0" eaLnBrk="1" latinLnBrk="0" hangingPunct="1">
+              <a:defRPr sz="2400" kern="1200">
+                <a:solidFill>
+                  <a:schemeClr val="tx1"/>
+                </a:solidFill>
+                <a:latin typeface="+mn-lt"/>
+                <a:ea typeface="+mn-ea"/>
+                <a:cs typeface="+mn-cs"/>
+              </a:defRPr>
+            </a:lvl2pPr>
+            <a:lvl3pPr marL="1218987" algn="l" defTabSz="1218987" rtl="0" eaLnBrk="1" latinLnBrk="0" hangingPunct="1">
+              <a:defRPr sz="2400" kern="1200">
+                <a:solidFill>
+                  <a:schemeClr val="tx1"/>
+                </a:solidFill>
+                <a:latin typeface="+mn-lt"/>
+                <a:ea typeface="+mn-ea"/>
+                <a:cs typeface="+mn-cs"/>
+              </a:defRPr>
+            </a:lvl3pPr>
+            <a:lvl4pPr marL="1828480" algn="l" defTabSz="1218987" rtl="0" eaLnBrk="1" latinLnBrk="0" hangingPunct="1">
+              <a:defRPr sz="2400" kern="1200">
+                <a:solidFill>
+                  <a:schemeClr val="tx1"/>
+                </a:solidFill>
+                <a:latin typeface="+mn-lt"/>
+                <a:ea typeface="+mn-ea"/>
+                <a:cs typeface="+mn-cs"/>
+              </a:defRPr>
+            </a:lvl4pPr>
+            <a:lvl5pPr marL="2437973" algn="l" defTabSz="1218987" rtl="0" eaLnBrk="1" latinLnBrk="0" hangingPunct="1">
+              <a:defRPr sz="2400" kern="1200">
+                <a:solidFill>
+                  <a:schemeClr val="tx1"/>
+                </a:solidFill>
+                <a:latin typeface="+mn-lt"/>
+                <a:ea typeface="+mn-ea"/>
+                <a:cs typeface="+mn-cs"/>
+              </a:defRPr>
+            </a:lvl5pPr>
+            <a:lvl6pPr marL="3047467" algn="l" defTabSz="1218987" rtl="0" eaLnBrk="1" latinLnBrk="0" hangingPunct="1">
+              <a:defRPr sz="2400" kern="1200">
+                <a:solidFill>
+                  <a:schemeClr val="tx1"/>
+                </a:solidFill>
+                <a:latin typeface="+mn-lt"/>
+                <a:ea typeface="+mn-ea"/>
+                <a:cs typeface="+mn-cs"/>
+              </a:defRPr>
+            </a:lvl6pPr>
+            <a:lvl7pPr marL="3656960" algn="l" defTabSz="1218987" rtl="0" eaLnBrk="1" latinLnBrk="0" hangingPunct="1">
+              <a:defRPr sz="2400" kern="1200">
+                <a:solidFill>
+                  <a:schemeClr val="tx1"/>
+                </a:solidFill>
+                <a:latin typeface="+mn-lt"/>
+                <a:ea typeface="+mn-ea"/>
+                <a:cs typeface="+mn-cs"/>
+              </a:defRPr>
+            </a:lvl7pPr>
+            <a:lvl8pPr marL="4266453" algn="l" defTabSz="1218987" rtl="0" eaLnBrk="1" latinLnBrk="0" hangingPunct="1">
+              <a:defRPr sz="2400" kern="1200">
+                <a:solidFill>
+                  <a:schemeClr val="tx1"/>
+                </a:solidFill>
+                <a:latin typeface="+mn-lt"/>
+                <a:ea typeface="+mn-ea"/>
+                <a:cs typeface="+mn-cs"/>
+              </a:defRPr>
+            </a:lvl8pPr>
+            <a:lvl9pPr marL="4875947" algn="l" defTabSz="1218987" rtl="0" eaLnBrk="1" latinLnBrk="0" hangingPunct="1">
+              <a:defRPr sz="2400" kern="1200">
+                <a:solidFill>
+                  <a:schemeClr val="tx1"/>
+                </a:solidFill>
+                <a:latin typeface="+mn-lt"/>
+                <a:ea typeface="+mn-ea"/>
+                <a:cs typeface="+mn-cs"/>
+              </a:defRPr>
+            </a:lvl9pPr>
+          </a:lstStyle>
+          <a:p>
+            <a:pPr algn="l"/>
+            <a:r>
+              <a:rPr lang="en-US" dirty="0"/>
+              <a:t>DES211 CAPSTONE PROJECT</a:t>
+            </a:r>
+          </a:p>
+        </p:txBody>
       </p:sp>
     </p:spTree>
     <p:extLst>
       <p:ext uri="{BB962C8B-B14F-4D97-AF65-F5344CB8AC3E}">
-        <p14:creationId xmlns:p14="http://schemas.microsoft.com/office/powerpoint/2010/main" val="3711210971"/>
+        <p14:creationId xmlns:p14="http://schemas.microsoft.com/office/powerpoint/2010/main" val="1441832276"/>
       </p:ext>
     </p:extLst>
   </p:cSld>
@@ -11336,7 +12196,7 @@
           <p:cNvPr id="2" name="Title 1">
             <a:extLst>
               <a:ext uri="{FF2B5EF4-FFF2-40B4-BE49-F238E27FC236}">
-                <a16:creationId xmlns:a16="http://schemas.microsoft.com/office/drawing/2014/main" id="{6FE9567C-4E75-B301-8F25-9DDBB0B334CF}"/>
+                <a16:creationId xmlns:a16="http://schemas.microsoft.com/office/drawing/2014/main" id="{DE14D1E8-093C-5EDF-367B-5A5489AF8A58}"/>
               </a:ext>
             </a:extLst>
           </p:cNvPr>
@@ -11352,7 +12212,10 @@
           <a:bodyPr/>
           <a:lstStyle/>
           <a:p>
-            <a:endParaRPr lang="en-IN"/>
+            <a:r>
+              <a:rPr lang="en-IN" dirty="0"/>
+              <a:t>Empathy Phase</a:t>
+            </a:r>
           </a:p>
         </p:txBody>
       </p:sp>
@@ -11361,7 +12224,7 @@
           <p:cNvPr id="3" name="Content Placeholder 2">
             <a:extLst>
               <a:ext uri="{FF2B5EF4-FFF2-40B4-BE49-F238E27FC236}">
-                <a16:creationId xmlns:a16="http://schemas.microsoft.com/office/drawing/2014/main" id="{28D6381C-2777-3059-3613-7AEF6E2BCBBB}"/>
+                <a16:creationId xmlns:a16="http://schemas.microsoft.com/office/drawing/2014/main" id="{8D0D3942-3D95-1FB5-7F44-66EC732565E0}"/>
               </a:ext>
             </a:extLst>
           </p:cNvPr>
@@ -11374,19 +12237,55 @@
         </p:nvSpPr>
         <p:spPr/>
         <p:txBody>
-          <a:bodyPr/>
+          <a:bodyPr>
+            <a:normAutofit/>
+          </a:bodyPr>
           <a:lstStyle/>
           <a:p>
-            <a:endParaRPr lang="en-IN"/>
-          </a:p>
-        </p:txBody>
-      </p:sp>
-      <p:sp>
-        <p:nvSpPr>
-          <p:cNvPr id="4" name="Slide Number Placeholder 3">
-            <a:extLst>
-              <a:ext uri="{FF2B5EF4-FFF2-40B4-BE49-F238E27FC236}">
-                <a16:creationId xmlns:a16="http://schemas.microsoft.com/office/drawing/2014/main" id="{9DA91A21-175B-83D0-2A02-52391F3DA307}"/>
+            <a:pPr marL="0" indent="0">
+              <a:buNone/>
+            </a:pPr>
+            <a:r>
+              <a:rPr lang="en-IN" sz="2000" dirty="0">
+                <a:latin typeface="Bahnschrift" panose="020B0502040204020203" pitchFamily="34" charset="0"/>
+              </a:rPr>
+              <a:t>The empathy phase is the first step in the Human Centred Design process</a:t>
+            </a:r>
+          </a:p>
+          <a:p>
+            <a:pPr marL="0" indent="0">
+              <a:buNone/>
+            </a:pPr>
+            <a:r>
+              <a:rPr lang="en-US" sz="2000" dirty="0">
+                <a:latin typeface="Bahnschrift" panose="020B0502040204020203" pitchFamily="34" charset="0"/>
+              </a:rPr>
+              <a:t>It focuses on understanding users’ needs, emotions, experiences, and challenges from </a:t>
+            </a:r>
+            <a:r>
+              <a:rPr lang="en-US" sz="2000" i="1" dirty="0">
+                <a:latin typeface="Bahnschrift" panose="020B0502040204020203" pitchFamily="34" charset="0"/>
+              </a:rPr>
+              <a:t>their</a:t>
+            </a:r>
+            <a:r>
+              <a:rPr lang="en-US" sz="2000" dirty="0">
+                <a:latin typeface="Bahnschrift" panose="020B0502040204020203" pitchFamily="34" charset="0"/>
+              </a:rPr>
+              <a:t> perspective</a:t>
+            </a:r>
+            <a:endParaRPr lang="en-IN" sz="2000" dirty="0">
+              <a:latin typeface="Bahnschrift" panose="020B0502040204020203" pitchFamily="34" charset="0"/>
+            </a:endParaRPr>
+          </a:p>
+        </p:txBody>
+      </p:sp>
+      <p:sp>
+        <p:nvSpPr>
+          <p:cNvPr id="5" name="Slide Number Placeholder 4">
+            <a:extLst>
+              <a:ext uri="{FF2B5EF4-FFF2-40B4-BE49-F238E27FC236}">
+                <a16:creationId xmlns:a16="http://schemas.microsoft.com/office/drawing/2014/main" id="{CE38FFD6-D965-DFF4-D0C1-26B60A641477}"/>
               </a:ext>
             </a:extLst>
           </p:cNvPr>
@@ -11413,26 +12312,216 @@
       </p:sp>
       <p:sp>
         <p:nvSpPr>
-          <p:cNvPr id="5" name="Table Placeholder 4">
-            <a:extLst>
-              <a:ext uri="{FF2B5EF4-FFF2-40B4-BE49-F238E27FC236}">
-                <a16:creationId xmlns:a16="http://schemas.microsoft.com/office/drawing/2014/main" id="{593E05BE-ECCB-922C-85C3-8CECFD8B32CB}"/>
+          <p:cNvPr id="6" name="Rectangle 1">
+            <a:extLst>
+              <a:ext uri="{FF2B5EF4-FFF2-40B4-BE49-F238E27FC236}">
+                <a16:creationId xmlns:a16="http://schemas.microsoft.com/office/drawing/2014/main" id="{B03B750D-F6B8-258D-D676-09BC1191BF18}"/>
               </a:ext>
             </a:extLst>
           </p:cNvPr>
           <p:cNvSpPr>
-            <a:spLocks noGrp="1"/>
+            <a:spLocks noGrp="1" noChangeArrowheads="1"/>
           </p:cNvSpPr>
           <p:nvPr>
-            <p:ph type="tbl" sz="quarter" idx="14"/>
-          </p:nvPr>
-        </p:nvSpPr>
-        <p:spPr/>
+            <p:ph sz="quarter" idx="14"/>
+          </p:nvPr>
+        </p:nvSpPr>
+        <p:spPr bwMode="auto">
+          <a:xfrm>
+            <a:off x="6099048" y="4122218"/>
+            <a:ext cx="5257800" cy="1519583"/>
+          </a:xfrm>
+          <a:prstGeom prst="rect">
+            <a:avLst/>
+          </a:prstGeom>
+          <a:noFill/>
+          <a:ln>
+            <a:noFill/>
+          </a:ln>
+          <a:effectLst/>
+          <a:extLst>
+            <a:ext uri="{909E8E84-426E-40DD-AFC4-6F175D3DCCD1}">
+              <a14:hiddenFill xmlns:a14="http://schemas.microsoft.com/office/drawing/2010/main">
+                <a:solidFill>
+                  <a:schemeClr val="accent1"/>
+                </a:solidFill>
+              </a14:hiddenFill>
+            </a:ext>
+            <a:ext uri="{91240B29-F687-4F45-9708-019B960494DF}">
+              <a14:hiddenLine xmlns:a14="http://schemas.microsoft.com/office/drawing/2010/main" w="9525">
+                <a:solidFill>
+                  <a:schemeClr val="tx1"/>
+                </a:solidFill>
+                <a:miter lim="800000"/>
+                <a:headEnd/>
+                <a:tailEnd/>
+              </a14:hiddenLine>
+            </a:ext>
+            <a:ext uri="{AF507438-7753-43E0-B8FC-AC1667EBCBE1}">
+              <a14:hiddenEffects xmlns:a14="http://schemas.microsoft.com/office/drawing/2010/main">
+                <a:effectLst>
+                  <a:outerShdw dist="35921" dir="2700000" algn="ctr" rotWithShape="0">
+                    <a:schemeClr val="bg2"/>
+                  </a:outerShdw>
+                </a:effectLst>
+              </a14:hiddenEffects>
+            </a:ext>
+          </a:extLst>
+        </p:spPr>
+        <p:txBody>
+          <a:bodyPr vert="horz" wrap="square" lIns="91440" tIns="45720" rIns="91440" bIns="45720" numCol="1" anchor="ctr" anchorCtr="0" compatLnSpc="1">
+            <a:prstTxWarp prst="textNoShape">
+              <a:avLst/>
+            </a:prstTxWarp>
+            <a:spAutoFit/>
+          </a:bodyPr>
+          <a:lstStyle/>
+          <a:p>
+            <a:pPr marL="0" indent="0" defTabSz="914400" eaLnBrk="0" fontAlgn="base" hangingPunct="0">
+              <a:lnSpc>
+                <a:spcPct val="150000"/>
+              </a:lnSpc>
+              <a:spcBef>
+                <a:spcPct val="0"/>
+              </a:spcBef>
+              <a:spcAft>
+                <a:spcPct val="0"/>
+              </a:spcAft>
+              <a:buClrTx/>
+              <a:buSzTx/>
+              <a:buFontTx/>
+              <a:buChar char="•"/>
+            </a:pPr>
+            <a:r>
+              <a:rPr lang="en-US" altLang="en-US" sz="1600" dirty="0">
+                <a:latin typeface="Bahnschrift" panose="020B0502040204020203" pitchFamily="34" charset="0"/>
+              </a:rPr>
+              <a:t> </a:t>
+            </a:r>
+            <a:r>
+              <a:rPr lang="en-US" altLang="en-US" sz="1600" b="1" i="1" dirty="0">
+                <a:latin typeface="Bahnschrift" panose="020B0502040204020203" pitchFamily="34" charset="0"/>
+              </a:rPr>
+              <a:t>Observation:</a:t>
+            </a:r>
+            <a:r>
+              <a:rPr lang="en-US" altLang="en-US" sz="1600" dirty="0">
+                <a:latin typeface="Bahnschrift" panose="020B0502040204020203" pitchFamily="34" charset="0"/>
+              </a:rPr>
+              <a:t>  Pain points in real settings</a:t>
+            </a:r>
+          </a:p>
+          <a:p>
+            <a:pPr marL="0" indent="0" defTabSz="914400" eaLnBrk="0" fontAlgn="base" hangingPunct="0">
+              <a:lnSpc>
+                <a:spcPct val="150000"/>
+              </a:lnSpc>
+              <a:spcBef>
+                <a:spcPct val="0"/>
+              </a:spcBef>
+              <a:spcAft>
+                <a:spcPct val="0"/>
+              </a:spcAft>
+              <a:buClrTx/>
+              <a:buSzTx/>
+              <a:buFontTx/>
+              <a:buChar char="•"/>
+            </a:pPr>
+            <a:r>
+              <a:rPr lang="en-US" altLang="en-US" sz="1600" dirty="0">
+                <a:latin typeface="Bahnschrift" panose="020B0502040204020203" pitchFamily="34" charset="0"/>
+              </a:rPr>
+              <a:t> </a:t>
+            </a:r>
+            <a:r>
+              <a:rPr lang="en-US" altLang="en-US" sz="1600" b="1" i="1" dirty="0">
+                <a:latin typeface="Bahnschrift" panose="020B0502040204020203" pitchFamily="34" charset="0"/>
+              </a:rPr>
+              <a:t>Interviews:</a:t>
+            </a:r>
+            <a:r>
+              <a:rPr lang="en-US" altLang="en-US" sz="1600" dirty="0">
+                <a:latin typeface="Bahnschrift" panose="020B0502040204020203" pitchFamily="34" charset="0"/>
+              </a:rPr>
+              <a:t>  Open-ended dialog about experiences</a:t>
+            </a:r>
+          </a:p>
+          <a:p>
+            <a:pPr marL="0" indent="0" defTabSz="914400" eaLnBrk="0" fontAlgn="base" hangingPunct="0">
+              <a:lnSpc>
+                <a:spcPct val="150000"/>
+              </a:lnSpc>
+              <a:spcBef>
+                <a:spcPct val="0"/>
+              </a:spcBef>
+              <a:spcAft>
+                <a:spcPct val="0"/>
+              </a:spcAft>
+              <a:buClrTx/>
+              <a:buSzTx/>
+              <a:buFontTx/>
+              <a:buChar char="•"/>
+            </a:pPr>
+            <a:r>
+              <a:rPr lang="en-US" altLang="en-US" sz="1600" dirty="0">
+                <a:latin typeface="Bahnschrift" panose="020B0502040204020203" pitchFamily="34" charset="0"/>
+              </a:rPr>
+              <a:t> </a:t>
+            </a:r>
+            <a:r>
+              <a:rPr lang="en-US" altLang="en-US" sz="1600" b="1" i="1" dirty="0">
+                <a:latin typeface="Bahnschrift" panose="020B0502040204020203" pitchFamily="34" charset="0"/>
+              </a:rPr>
+              <a:t>Shadowing:  </a:t>
+            </a:r>
+            <a:r>
+              <a:rPr lang="en-US" altLang="en-US" sz="1600" dirty="0">
+                <a:latin typeface="Bahnschrift" panose="020B0502040204020203" pitchFamily="34" charset="0"/>
+              </a:rPr>
+              <a:t>Seeing issues firsthand</a:t>
+            </a:r>
+          </a:p>
+          <a:p>
+            <a:pPr marL="0" indent="0" defTabSz="914400" eaLnBrk="0" fontAlgn="base" hangingPunct="0">
+              <a:lnSpc>
+                <a:spcPct val="150000"/>
+              </a:lnSpc>
+              <a:spcBef>
+                <a:spcPct val="0"/>
+              </a:spcBef>
+              <a:spcAft>
+                <a:spcPct val="0"/>
+              </a:spcAft>
+              <a:buClrTx/>
+              <a:buSzTx/>
+              <a:buFontTx/>
+              <a:buChar char="•"/>
+            </a:pPr>
+            <a:r>
+              <a:rPr lang="en-US" altLang="en-US" sz="1600" dirty="0">
+                <a:latin typeface="Bahnschrift" panose="020B0502040204020203" pitchFamily="34" charset="0"/>
+              </a:rPr>
+              <a:t> </a:t>
+            </a:r>
+            <a:r>
+              <a:rPr lang="en-US" altLang="en-US" sz="1600" b="1" i="1" dirty="0">
+                <a:latin typeface="Bahnschrift" panose="020B0502040204020203" pitchFamily="34" charset="0"/>
+              </a:rPr>
+              <a:t>Surveys:  </a:t>
+            </a:r>
+            <a:r>
+              <a:rPr lang="en-US" altLang="en-US" sz="1600" dirty="0">
+                <a:latin typeface="Bahnschrift" panose="020B0502040204020203" pitchFamily="34" charset="0"/>
+              </a:rPr>
+              <a:t>Broader feedback and validating patterns</a:t>
+            </a:r>
+          </a:p>
+        </p:txBody>
       </p:sp>
     </p:spTree>
     <p:extLst>
       <p:ext uri="{BB962C8B-B14F-4D97-AF65-F5344CB8AC3E}">
-        <p14:creationId xmlns:p14="http://schemas.microsoft.com/office/powerpoint/2010/main" val="2036320210"/>
+        <p14:creationId xmlns:p14="http://schemas.microsoft.com/office/powerpoint/2010/main" val="1555678266"/>
       </p:ext>
     </p:extLst>
   </p:cSld>
@@ -11473,10 +12562,10 @@
       </p:grpSpPr>
       <p:sp>
         <p:nvSpPr>
-          <p:cNvPr id="2" name="Title 1">
-            <a:extLst>
-              <a:ext uri="{FF2B5EF4-FFF2-40B4-BE49-F238E27FC236}">
-                <a16:creationId xmlns:a16="http://schemas.microsoft.com/office/drawing/2014/main" id="{B16BEB6B-B015-EDA0-8203-8A9372FF9FE3}"/>
+          <p:cNvPr id="3" name="Picture Placeholder 2">
+            <a:extLst>
+              <a:ext uri="{FF2B5EF4-FFF2-40B4-BE49-F238E27FC236}">
+                <a16:creationId xmlns:a16="http://schemas.microsoft.com/office/drawing/2014/main" id="{9613A1C2-8351-3452-56E9-7E5EC8D1166B}"/>
               </a:ext>
             </a:extLst>
           </p:cNvPr>
@@ -11484,102 +12573,203 @@
             <a:spLocks noGrp="1"/>
           </p:cNvSpPr>
           <p:nvPr>
-            <p:ph type="title"/>
+            <p:ph type="pic" sz="quarter" idx="10"/>
           </p:nvPr>
         </p:nvSpPr>
         <p:spPr/>
-        <p:txBody>
-          <a:bodyPr/>
+      </p:sp>
+      <p:sp>
+        <p:nvSpPr>
+          <p:cNvPr id="6" name="TextBox 5">
+            <a:extLst>
+              <a:ext uri="{FF2B5EF4-FFF2-40B4-BE49-F238E27FC236}">
+                <a16:creationId xmlns:a16="http://schemas.microsoft.com/office/drawing/2014/main" id="{B6E78501-D109-D2A0-E59D-2B5B579D8D62}"/>
+              </a:ext>
+            </a:extLst>
+          </p:cNvPr>
+          <p:cNvSpPr txBox="1"/>
+          <p:nvPr/>
+        </p:nvSpPr>
+        <p:spPr>
+          <a:xfrm>
+            <a:off x="608012" y="990600"/>
+            <a:ext cx="5410199" cy="4567917"/>
+          </a:xfrm>
+          <a:prstGeom prst="rect">
+            <a:avLst/>
+          </a:prstGeom>
+          <a:noFill/>
+        </p:spPr>
+        <p:txBody>
+          <a:bodyPr wrap="square" rtlCol="0">
+            <a:spAutoFit/>
+          </a:bodyPr>
           <a:lstStyle/>
           <a:p>
-            <a:endParaRPr lang="en-IN"/>
-          </a:p>
-        </p:txBody>
-      </p:sp>
-      <p:sp>
-        <p:nvSpPr>
-          <p:cNvPr id="3" name="Content Placeholder 2">
-            <a:extLst>
-              <a:ext uri="{FF2B5EF4-FFF2-40B4-BE49-F238E27FC236}">
-                <a16:creationId xmlns:a16="http://schemas.microsoft.com/office/drawing/2014/main" id="{2B82A32D-23F0-3E71-688E-36AC47897450}"/>
-              </a:ext>
-            </a:extLst>
-          </p:cNvPr>
-          <p:cNvSpPr>
-            <a:spLocks noGrp="1"/>
-          </p:cNvSpPr>
-          <p:nvPr>
-            <p:ph sz="quarter" idx="13"/>
-          </p:nvPr>
-        </p:nvSpPr>
-        <p:spPr/>
-        <p:txBody>
-          <a:bodyPr/>
-          <a:lstStyle/>
-          <a:p>
-            <a:endParaRPr lang="en-IN" dirty="0"/>
-          </a:p>
-        </p:txBody>
-      </p:sp>
-      <p:sp>
-        <p:nvSpPr>
-          <p:cNvPr id="4" name="Content Placeholder 3">
-            <a:extLst>
-              <a:ext uri="{FF2B5EF4-FFF2-40B4-BE49-F238E27FC236}">
-                <a16:creationId xmlns:a16="http://schemas.microsoft.com/office/drawing/2014/main" id="{CE803B95-4414-7A4E-140A-2264DC3646B4}"/>
-              </a:ext>
-            </a:extLst>
-          </p:cNvPr>
-          <p:cNvSpPr>
-            <a:spLocks noGrp="1"/>
-          </p:cNvSpPr>
-          <p:nvPr>
-            <p:ph sz="quarter" idx="14"/>
-          </p:nvPr>
-        </p:nvSpPr>
-        <p:spPr/>
-        <p:txBody>
-          <a:bodyPr/>
-          <a:lstStyle/>
-          <a:p>
-            <a:endParaRPr lang="en-IN"/>
-          </a:p>
-        </p:txBody>
-      </p:sp>
-      <p:sp>
-        <p:nvSpPr>
-          <p:cNvPr id="5" name="Slide Number Placeholder 4">
-            <a:extLst>
-              <a:ext uri="{FF2B5EF4-FFF2-40B4-BE49-F238E27FC236}">
-                <a16:creationId xmlns:a16="http://schemas.microsoft.com/office/drawing/2014/main" id="{161BD440-A4F5-AEAE-4F4F-3AECA3D131D2}"/>
-              </a:ext>
-            </a:extLst>
-          </p:cNvPr>
-          <p:cNvSpPr>
-            <a:spLocks noGrp="1"/>
-          </p:cNvSpPr>
-          <p:nvPr>
-            <p:ph type="sldNum" sz="quarter" idx="12"/>
-          </p:nvPr>
-        </p:nvSpPr>
-        <p:spPr/>
-        <p:txBody>
-          <a:bodyPr/>
-          <a:lstStyle/>
-          <a:p>
-            <a:fld id="{EB37DED6-D4C7-42EE-AB49-D2E39E64FDE4}" type="slidenum">
-              <a:rPr lang="en-US" smtClean="0"/>
-              <a:pPr/>
-              <a:t>6</a:t>
-            </a:fld>
-            <a:endParaRPr lang="en-US" dirty="0"/>
+            <a:pPr>
+              <a:spcBef>
+                <a:spcPts val="1866"/>
+              </a:spcBef>
+              <a:buNone/>
+            </a:pPr>
+            <a:r>
+              <a:rPr lang="en-IN" sz="1800" i="1" dirty="0">
+                <a:solidFill>
+                  <a:schemeClr val="accent2">
+                    <a:lumMod val="50000"/>
+                  </a:schemeClr>
+                </a:solidFill>
+                <a:latin typeface="Bahnschrift SemiLight" panose="020B0502040204020203" pitchFamily="34" charset="0"/>
+              </a:rPr>
+              <a:t>Key Observations</a:t>
+            </a:r>
+          </a:p>
+          <a:p>
+            <a:pPr marL="285750" indent="-285750">
+              <a:spcBef>
+                <a:spcPts val="1866"/>
+              </a:spcBef>
+              <a:buFont typeface="Arial" panose="020B0604020202020204" pitchFamily="34" charset="0"/>
+              <a:buChar char="•"/>
+            </a:pPr>
+            <a:r>
+              <a:rPr lang="en-IN" sz="1600" dirty="0">
+                <a:solidFill>
+                  <a:schemeClr val="accent2">
+                    <a:lumMod val="50000"/>
+                  </a:schemeClr>
+                </a:solidFill>
+                <a:latin typeface="Bahnschrift SemiLight" panose="020B0502040204020203" pitchFamily="34" charset="0"/>
+              </a:rPr>
+              <a:t>Bins are mostly lone-standing → mixed waste everywhere</a:t>
+            </a:r>
+          </a:p>
+          <a:p>
+            <a:pPr marL="285750" indent="-285750">
+              <a:spcBef>
+                <a:spcPts val="1866"/>
+              </a:spcBef>
+              <a:buFont typeface="Arial" panose="020B0604020202020204" pitchFamily="34" charset="0"/>
+              <a:buChar char="•"/>
+            </a:pPr>
+            <a:r>
+              <a:rPr lang="en-IN" sz="1600" dirty="0">
+                <a:solidFill>
+                  <a:schemeClr val="accent2">
+                    <a:lumMod val="50000"/>
+                  </a:schemeClr>
+                </a:solidFill>
+                <a:latin typeface="Bahnschrift SemiLight" panose="020B0502040204020203" pitchFamily="34" charset="0"/>
+              </a:rPr>
+              <a:t>E-waste disposal is unclear → zero awareness</a:t>
+            </a:r>
+          </a:p>
+          <a:p>
+            <a:pPr marL="285750" indent="-285750">
+              <a:spcBef>
+                <a:spcPts val="1866"/>
+              </a:spcBef>
+              <a:buFont typeface="Arial" panose="020B0604020202020204" pitchFamily="34" charset="0"/>
+              <a:buChar char="•"/>
+            </a:pPr>
+            <a:r>
+              <a:rPr lang="en-IN" sz="1600" dirty="0">
+                <a:solidFill>
+                  <a:schemeClr val="accent2">
+                    <a:lumMod val="50000"/>
+                  </a:schemeClr>
+                </a:solidFill>
+                <a:latin typeface="Bahnschrift SemiLight" panose="020B0502040204020203" pitchFamily="34" charset="0"/>
+              </a:rPr>
+              <a:t>Hazardous waste (e.g., glass shards) lacks proper options</a:t>
+            </a:r>
+          </a:p>
+          <a:p>
+            <a:pPr marL="285750" indent="-285750">
+              <a:spcBef>
+                <a:spcPts val="1866"/>
+              </a:spcBef>
+              <a:buFont typeface="Arial" panose="020B0604020202020204" pitchFamily="34" charset="0"/>
+              <a:buChar char="•"/>
+            </a:pPr>
+            <a:r>
+              <a:rPr lang="en-IN" sz="1600" dirty="0">
+                <a:solidFill>
+                  <a:schemeClr val="accent2">
+                    <a:lumMod val="50000"/>
+                  </a:schemeClr>
+                </a:solidFill>
+                <a:latin typeface="Bahnschrift SemiLight" panose="020B0502040204020203" pitchFamily="34" charset="0"/>
+              </a:rPr>
+              <a:t>Book disposal is a challenge post-semester</a:t>
+            </a:r>
+          </a:p>
+          <a:p>
+            <a:pPr marL="285750" indent="-285750">
+              <a:spcBef>
+                <a:spcPts val="1866"/>
+              </a:spcBef>
+              <a:buFont typeface="Arial" panose="020B0604020202020204" pitchFamily="34" charset="0"/>
+              <a:buChar char="•"/>
+            </a:pPr>
+            <a:r>
+              <a:rPr lang="en-IN" sz="1600" dirty="0">
+                <a:solidFill>
+                  <a:schemeClr val="accent2">
+                    <a:lumMod val="50000"/>
+                  </a:schemeClr>
+                </a:solidFill>
+                <a:latin typeface="Bahnschrift SemiLight" panose="020B0502040204020203" pitchFamily="34" charset="0"/>
+              </a:rPr>
+              <a:t>Graduating students generate bulk waste, no system to handle it</a:t>
+            </a:r>
+          </a:p>
+          <a:p>
+            <a:pPr marL="285750" indent="-285750">
+              <a:spcBef>
+                <a:spcPts val="1866"/>
+              </a:spcBef>
+              <a:buFont typeface="Arial" panose="020B0604020202020204" pitchFamily="34" charset="0"/>
+              <a:buChar char="•"/>
+            </a:pPr>
+            <a:r>
+              <a:rPr lang="en-IN" sz="1600" dirty="0">
+                <a:solidFill>
+                  <a:schemeClr val="accent2">
+                    <a:lumMod val="50000"/>
+                  </a:schemeClr>
+                </a:solidFill>
+                <a:latin typeface="Bahnschrift SemiLight" panose="020B0502040204020203" pitchFamily="34" charset="0"/>
+              </a:rPr>
+              <a:t>Unlabelled bins = no clarity on what goes where</a:t>
+            </a:r>
+          </a:p>
+          <a:p>
+            <a:pPr marL="285750" indent="-285750">
+              <a:spcBef>
+                <a:spcPts val="1866"/>
+              </a:spcBef>
+              <a:buFont typeface="Arial" panose="020B0604020202020204" pitchFamily="34" charset="0"/>
+              <a:buChar char="•"/>
+            </a:pPr>
+            <a:r>
+              <a:rPr lang="en-IN" sz="1600" dirty="0">
+                <a:solidFill>
+                  <a:schemeClr val="accent2">
+                    <a:lumMod val="50000"/>
+                  </a:schemeClr>
+                </a:solidFill>
+                <a:latin typeface="Bahnschrift SemiLight" panose="020B0502040204020203" pitchFamily="34" charset="0"/>
+              </a:rPr>
+              <a:t>Dogs tip bins over, ruining segregation efforts</a:t>
+            </a:r>
           </a:p>
         </p:txBody>
       </p:sp>
     </p:spTree>
     <p:extLst>
       <p:ext uri="{BB962C8B-B14F-4D97-AF65-F5344CB8AC3E}">
-        <p14:creationId xmlns:p14="http://schemas.microsoft.com/office/powerpoint/2010/main" val="1962294896"/>
+        <p14:creationId xmlns:p14="http://schemas.microsoft.com/office/powerpoint/2010/main" val="3711210971"/>
       </p:ext>
     </p:extLst>
   </p:cSld>
@@ -11620,10 +12810,10 @@
       </p:grpSpPr>
       <p:sp>
         <p:nvSpPr>
-          <p:cNvPr id="2" name="Title 1">
-            <a:extLst>
-              <a:ext uri="{FF2B5EF4-FFF2-40B4-BE49-F238E27FC236}">
-                <a16:creationId xmlns:a16="http://schemas.microsoft.com/office/drawing/2014/main" id="{0A5D6C40-0434-EBEF-14BF-1D813775EF96}"/>
+          <p:cNvPr id="3" name="Content Placeholder 2">
+            <a:extLst>
+              <a:ext uri="{FF2B5EF4-FFF2-40B4-BE49-F238E27FC236}">
+                <a16:creationId xmlns:a16="http://schemas.microsoft.com/office/drawing/2014/main" id="{28D6381C-2777-3059-3613-7AEF6E2BCBBB}"/>
               </a:ext>
             </a:extLst>
           </p:cNvPr>
@@ -11631,77 +12821,99 @@
             <a:spLocks noGrp="1"/>
           </p:cNvSpPr>
           <p:nvPr>
-            <p:ph type="title"/>
-          </p:nvPr>
-        </p:nvSpPr>
-        <p:spPr/>
-        <p:txBody>
-          <a:bodyPr/>
+            <p:ph sz="quarter" idx="13"/>
+          </p:nvPr>
+        </p:nvSpPr>
+        <p:spPr>
+          <a:xfrm>
+            <a:off x="521208" y="838200"/>
+            <a:ext cx="4434840" cy="4949952"/>
+          </a:xfrm>
+        </p:spPr>
+        <p:txBody>
+          <a:bodyPr>
+            <a:normAutofit/>
+          </a:bodyPr>
           <a:lstStyle/>
           <a:p>
-            <a:r>
-              <a:rPr lang="en-IN" dirty="0"/>
-              <a:t>Definition Phase</a:t>
-            </a:r>
-          </a:p>
-        </p:txBody>
-      </p:sp>
-      <p:sp>
-        <p:nvSpPr>
-          <p:cNvPr id="3" name="Content Placeholder 2">
-            <a:extLst>
-              <a:ext uri="{FF2B5EF4-FFF2-40B4-BE49-F238E27FC236}">
-                <a16:creationId xmlns:a16="http://schemas.microsoft.com/office/drawing/2014/main" id="{1F8B4EA7-19B5-0955-618D-BC7C3C520C0A}"/>
-              </a:ext>
-            </a:extLst>
-          </p:cNvPr>
-          <p:cNvSpPr>
-            <a:spLocks noGrp="1"/>
-          </p:cNvSpPr>
-          <p:nvPr>
-            <p:ph sz="quarter" idx="13"/>
-          </p:nvPr>
-        </p:nvSpPr>
-        <p:spPr/>
-        <p:txBody>
-          <a:bodyPr/>
-          <a:lstStyle/>
-          <a:p>
-            <a:endParaRPr lang="en-IN" dirty="0"/>
-          </a:p>
-        </p:txBody>
-      </p:sp>
-      <p:sp>
-        <p:nvSpPr>
-          <p:cNvPr id="4" name="Content Placeholder 3">
-            <a:extLst>
-              <a:ext uri="{FF2B5EF4-FFF2-40B4-BE49-F238E27FC236}">
-                <a16:creationId xmlns:a16="http://schemas.microsoft.com/office/drawing/2014/main" id="{FE2E3821-7773-A700-B250-3A6DD047DD24}"/>
-              </a:ext>
-            </a:extLst>
-          </p:cNvPr>
-          <p:cNvSpPr>
-            <a:spLocks noGrp="1"/>
-          </p:cNvSpPr>
-          <p:nvPr>
-            <p:ph sz="quarter" idx="14"/>
-          </p:nvPr>
-        </p:nvSpPr>
-        <p:spPr/>
-        <p:txBody>
-          <a:bodyPr/>
-          <a:lstStyle/>
-          <a:p>
-            <a:endParaRPr lang="en-IN"/>
-          </a:p>
-        </p:txBody>
-      </p:sp>
-      <p:sp>
-        <p:nvSpPr>
-          <p:cNvPr id="5" name="Slide Number Placeholder 4">
-            <a:extLst>
-              <a:ext uri="{FF2B5EF4-FFF2-40B4-BE49-F238E27FC236}">
-                <a16:creationId xmlns:a16="http://schemas.microsoft.com/office/drawing/2014/main" id="{44E62C45-36B8-E3B6-D4AD-080ECB2464DE}"/>
+            <a:pPr>
+              <a:buNone/>
+            </a:pPr>
+            <a:r>
+              <a:rPr lang="en-US" i="1" dirty="0">
+                <a:latin typeface="Bahnschrift SemiLight" panose="020B0502040204020203" pitchFamily="34" charset="0"/>
+              </a:rPr>
+              <a:t>User Insights via Survey </a:t>
+            </a:r>
+          </a:p>
+          <a:p>
+            <a:pPr>
+              <a:buFont typeface="Arial" panose="020B0604020202020204" pitchFamily="34" charset="0"/>
+              <a:buChar char="•"/>
+            </a:pPr>
+            <a:r>
+              <a:rPr lang="en-US" sz="1600" dirty="0">
+                <a:latin typeface="Bahnschrift SemiLight" panose="020B0502040204020203" pitchFamily="34" charset="0"/>
+              </a:rPr>
+              <a:t>Most users struggle with classifying waste</a:t>
+            </a:r>
+          </a:p>
+          <a:p>
+            <a:pPr>
+              <a:buFont typeface="Arial" panose="020B0604020202020204" pitchFamily="34" charset="0"/>
+              <a:buChar char="•"/>
+            </a:pPr>
+            <a:r>
+              <a:rPr lang="en-US" sz="1600" dirty="0">
+                <a:latin typeface="Bahnschrift SemiLight" panose="020B0502040204020203" pitchFamily="34" charset="0"/>
+              </a:rPr>
+              <a:t>E-waste disposal points unknown to majority</a:t>
+            </a:r>
+          </a:p>
+          <a:p>
+            <a:pPr>
+              <a:buFont typeface="Arial" panose="020B0604020202020204" pitchFamily="34" charset="0"/>
+              <a:buChar char="•"/>
+            </a:pPr>
+            <a:r>
+              <a:rPr lang="en-US" sz="1600" dirty="0">
+                <a:latin typeface="Bahnschrift SemiLight" panose="020B0502040204020203" pitchFamily="34" charset="0"/>
+              </a:rPr>
+              <a:t>Plastic bottles + notebooks heavily used; recyclable but untracked</a:t>
+            </a:r>
+          </a:p>
+          <a:p>
+            <a:pPr>
+              <a:buFont typeface="Arial" panose="020B0604020202020204" pitchFamily="34" charset="0"/>
+              <a:buChar char="•"/>
+            </a:pPr>
+            <a:r>
+              <a:rPr lang="en-US" sz="1600" dirty="0">
+                <a:latin typeface="Bahnschrift SemiLight" panose="020B0502040204020203" pitchFamily="34" charset="0"/>
+              </a:rPr>
+              <a:t>Users frequently see fallen or misused bins</a:t>
+            </a:r>
+          </a:p>
+          <a:p>
+            <a:pPr>
+              <a:buFont typeface="Arial" panose="020B0604020202020204" pitchFamily="34" charset="0"/>
+              <a:buChar char="•"/>
+            </a:pPr>
+            <a:r>
+              <a:rPr lang="en-US" sz="1600" dirty="0">
+                <a:latin typeface="Bahnschrift SemiLight" panose="020B0502040204020203" pitchFamily="34" charset="0"/>
+              </a:rPr>
+              <a:t>Low awareness, low engagement in day-to-day waste habits</a:t>
+            </a:r>
+          </a:p>
+        </p:txBody>
+      </p:sp>
+      <p:sp>
+        <p:nvSpPr>
+          <p:cNvPr id="4" name="Slide Number Placeholder 3">
+            <a:extLst>
+              <a:ext uri="{FF2B5EF4-FFF2-40B4-BE49-F238E27FC236}">
+                <a16:creationId xmlns:a16="http://schemas.microsoft.com/office/drawing/2014/main" id="{9DA91A21-175B-83D0-2A02-52391F3DA307}"/>
               </a:ext>
             </a:extLst>
           </p:cNvPr>
@@ -11726,10 +12938,28 @@
           </a:p>
         </p:txBody>
       </p:sp>
+      <p:sp>
+        <p:nvSpPr>
+          <p:cNvPr id="5" name="Table Placeholder 4">
+            <a:extLst>
+              <a:ext uri="{FF2B5EF4-FFF2-40B4-BE49-F238E27FC236}">
+                <a16:creationId xmlns:a16="http://schemas.microsoft.com/office/drawing/2014/main" id="{593E05BE-ECCB-922C-85C3-8CECFD8B32CB}"/>
+              </a:ext>
+            </a:extLst>
+          </p:cNvPr>
+          <p:cNvSpPr>
+            <a:spLocks noGrp="1"/>
+          </p:cNvSpPr>
+          <p:nvPr>
+            <p:ph type="tbl" sz="quarter" idx="14"/>
+          </p:nvPr>
+        </p:nvSpPr>
+        <p:spPr/>
+      </p:sp>
     </p:spTree>
     <p:extLst>
       <p:ext uri="{BB962C8B-B14F-4D97-AF65-F5344CB8AC3E}">
-        <p14:creationId xmlns:p14="http://schemas.microsoft.com/office/powerpoint/2010/main" val="3382860869"/>
+        <p14:creationId xmlns:p14="http://schemas.microsoft.com/office/powerpoint/2010/main" val="2036320210"/>
       </p:ext>
     </p:extLst>
   </p:cSld>
@@ -11773,7 +13003,7 @@
           <p:cNvPr id="2" name="Title 1">
             <a:extLst>
               <a:ext uri="{FF2B5EF4-FFF2-40B4-BE49-F238E27FC236}">
-                <a16:creationId xmlns:a16="http://schemas.microsoft.com/office/drawing/2014/main" id="{1DAF76BE-D861-0DEF-4ADF-A5EE483C6394}"/>
+                <a16:creationId xmlns:a16="http://schemas.microsoft.com/office/drawing/2014/main" id="{CF953DF6-242E-D6AE-B462-2DD34CD94951}"/>
               </a:ext>
             </a:extLst>
           </p:cNvPr>
@@ -11789,16 +13019,33 @@
           <a:bodyPr/>
           <a:lstStyle/>
           <a:p>
-            <a:endParaRPr lang="en-IN" dirty="0"/>
-          </a:p>
-        </p:txBody>
-      </p:sp>
-      <p:sp>
-        <p:nvSpPr>
-          <p:cNvPr id="3" name="Content Placeholder 2">
-            <a:extLst>
-              <a:ext uri="{FF2B5EF4-FFF2-40B4-BE49-F238E27FC236}">
-                <a16:creationId xmlns:a16="http://schemas.microsoft.com/office/drawing/2014/main" id="{658554FA-E424-11D3-4CED-608F7A2DAA49}"/>
+            <a:pPr>
+              <a:lnSpc>
+                <a:spcPct val="100000"/>
+              </a:lnSpc>
+            </a:pPr>
+            <a:r>
+              <a:rPr lang="en-IN" sz="3600" dirty="0">
+                <a:ln w="31750">
+                  <a:solidFill>
+                    <a:schemeClr val="accent2">
+                      <a:lumMod val="50000"/>
+                    </a:schemeClr>
+                  </a:solidFill>
+                </a:ln>
+                <a:noFill/>
+              </a:rPr>
+              <a:t>Existing Solutions</a:t>
+            </a:r>
+          </a:p>
+        </p:txBody>
+      </p:sp>
+      <p:sp>
+        <p:nvSpPr>
+          <p:cNvPr id="3" name="Table Placeholder 2">
+            <a:extLst>
+              <a:ext uri="{FF2B5EF4-FFF2-40B4-BE49-F238E27FC236}">
+                <a16:creationId xmlns:a16="http://schemas.microsoft.com/office/drawing/2014/main" id="{3AA1C326-F4B2-4A59-AD1A-E3E64842804D}"/>
               </a:ext>
             </a:extLst>
           </p:cNvPr>
@@ -11806,24 +13053,17 @@
             <a:spLocks noGrp="1"/>
           </p:cNvSpPr>
           <p:nvPr>
-            <p:ph sz="quarter" idx="13"/>
+            <p:ph type="tbl" sz="quarter" idx="13"/>
           </p:nvPr>
         </p:nvSpPr>
         <p:spPr/>
-        <p:txBody>
-          <a:bodyPr/>
-          <a:lstStyle/>
-          <a:p>
-            <a:endParaRPr lang="en-IN"/>
-          </a:p>
-        </p:txBody>
       </p:sp>
       <p:sp>
         <p:nvSpPr>
           <p:cNvPr id="4" name="Slide Number Placeholder 3">
             <a:extLst>
               <a:ext uri="{FF2B5EF4-FFF2-40B4-BE49-F238E27FC236}">
-                <a16:creationId xmlns:a16="http://schemas.microsoft.com/office/drawing/2014/main" id="{D3EDF452-2A72-5BC1-C650-2140070FDD4D}"/>
+                <a16:creationId xmlns:a16="http://schemas.microsoft.com/office/drawing/2014/main" id="{6C0335DD-9BC6-9B51-35E1-122630AB7B7D}"/>
               </a:ext>
             </a:extLst>
           </p:cNvPr>
@@ -11851,7 +13091,7 @@
     </p:spTree>
     <p:extLst>
       <p:ext uri="{BB962C8B-B14F-4D97-AF65-F5344CB8AC3E}">
-        <p14:creationId xmlns:p14="http://schemas.microsoft.com/office/powerpoint/2010/main" val="3542959396"/>
+        <p14:creationId xmlns:p14="http://schemas.microsoft.com/office/powerpoint/2010/main" val="2387753583"/>
       </p:ext>
     </p:extLst>
   </p:cSld>
@@ -11895,7 +13135,7 @@
           <p:cNvPr id="2" name="Title 1">
             <a:extLst>
               <a:ext uri="{FF2B5EF4-FFF2-40B4-BE49-F238E27FC236}">
-                <a16:creationId xmlns:a16="http://schemas.microsoft.com/office/drawing/2014/main" id="{81A3617B-0FD5-4494-9CDA-AE370728EAD0}"/>
+                <a16:creationId xmlns:a16="http://schemas.microsoft.com/office/drawing/2014/main" id="{0A5D6C40-0434-EBEF-14BF-1D813775EF96}"/>
               </a:ext>
             </a:extLst>
           </p:cNvPr>
@@ -11911,16 +13151,19 @@
           <a:bodyPr/>
           <a:lstStyle/>
           <a:p>
-            <a:endParaRPr lang="en-IN"/>
-          </a:p>
-        </p:txBody>
-      </p:sp>
-      <p:sp>
-        <p:nvSpPr>
-          <p:cNvPr id="3" name="Picture Placeholder 2">
-            <a:extLst>
-              <a:ext uri="{FF2B5EF4-FFF2-40B4-BE49-F238E27FC236}">
-                <a16:creationId xmlns:a16="http://schemas.microsoft.com/office/drawing/2014/main" id="{41F5745F-E770-D068-578F-3CFE5F9010C6}"/>
+            <a:r>
+              <a:rPr lang="en-IN" dirty="0"/>
+              <a:t>Definition Phase</a:t>
+            </a:r>
+          </a:p>
+        </p:txBody>
+      </p:sp>
+      <p:sp>
+        <p:nvSpPr>
+          <p:cNvPr id="3" name="Content Placeholder 2">
+            <a:extLst>
+              <a:ext uri="{FF2B5EF4-FFF2-40B4-BE49-F238E27FC236}">
+                <a16:creationId xmlns:a16="http://schemas.microsoft.com/office/drawing/2014/main" id="{1F8B4EA7-19B5-0955-618D-BC7C3C520C0A}"/>
               </a:ext>
             </a:extLst>
           </p:cNvPr>
@@ -11928,15 +13171,77 @@
             <a:spLocks noGrp="1"/>
           </p:cNvSpPr>
           <p:nvPr>
-            <p:ph type="pic" sz="quarter" idx="10"/>
+            <p:ph sz="quarter" idx="13"/>
           </p:nvPr>
         </p:nvSpPr>
         <p:spPr/>
+        <p:txBody>
+          <a:bodyPr/>
+          <a:lstStyle/>
+          <a:p>
+            <a:endParaRPr lang="en-IN" dirty="0"/>
+          </a:p>
+        </p:txBody>
+      </p:sp>
+      <p:sp>
+        <p:nvSpPr>
+          <p:cNvPr id="4" name="Content Placeholder 3">
+            <a:extLst>
+              <a:ext uri="{FF2B5EF4-FFF2-40B4-BE49-F238E27FC236}">
+                <a16:creationId xmlns:a16="http://schemas.microsoft.com/office/drawing/2014/main" id="{FE2E3821-7773-A700-B250-3A6DD047DD24}"/>
+              </a:ext>
+            </a:extLst>
+          </p:cNvPr>
+          <p:cNvSpPr>
+            <a:spLocks noGrp="1"/>
+          </p:cNvSpPr>
+          <p:nvPr>
+            <p:ph sz="quarter" idx="14"/>
+          </p:nvPr>
+        </p:nvSpPr>
+        <p:spPr/>
+        <p:txBody>
+          <a:bodyPr/>
+          <a:lstStyle/>
+          <a:p>
+            <a:endParaRPr lang="en-IN"/>
+          </a:p>
+        </p:txBody>
+      </p:sp>
+      <p:sp>
+        <p:nvSpPr>
+          <p:cNvPr id="5" name="Slide Number Placeholder 4">
+            <a:extLst>
+              <a:ext uri="{FF2B5EF4-FFF2-40B4-BE49-F238E27FC236}">
+                <a16:creationId xmlns:a16="http://schemas.microsoft.com/office/drawing/2014/main" id="{44E62C45-36B8-E3B6-D4AD-080ECB2464DE}"/>
+              </a:ext>
+            </a:extLst>
+          </p:cNvPr>
+          <p:cNvSpPr>
+            <a:spLocks noGrp="1"/>
+          </p:cNvSpPr>
+          <p:nvPr>
+            <p:ph type="sldNum" sz="quarter" idx="12"/>
+          </p:nvPr>
+        </p:nvSpPr>
+        <p:spPr/>
+        <p:txBody>
+          <a:bodyPr/>
+          <a:lstStyle/>
+          <a:p>
+            <a:fld id="{EB37DED6-D4C7-42EE-AB49-D2E39E64FDE4}" type="slidenum">
+              <a:rPr lang="en-US" smtClean="0"/>
+              <a:pPr/>
+              <a:t>9</a:t>
+            </a:fld>
+            <a:endParaRPr lang="en-US" dirty="0"/>
+          </a:p>
+        </p:txBody>
       </p:sp>
     </p:spTree>
     <p:extLst>
       <p:ext uri="{BB962C8B-B14F-4D97-AF65-F5344CB8AC3E}">
-        <p14:creationId xmlns:p14="http://schemas.microsoft.com/office/powerpoint/2010/main" val="4073682777"/>
+        <p14:creationId xmlns:p14="http://schemas.microsoft.com/office/powerpoint/2010/main" val="3382860869"/>
       </p:ext>
     </p:extLst>
   </p:cSld>
@@ -12775,6 +14080,15 @@
 </file>
 
 <file path=customXml/item1.xml><?xml version="1.0" encoding="utf-8"?>
+<?mso-contentType ?>
+<FormTemplates xmlns="http://schemas.microsoft.com/sharepoint/v3/contenttype/forms">
+  <Display>DocumentLibraryForm</Display>
+  <Edit>DocumentLibraryForm</Edit>
+  <New>DocumentLibraryForm</New>
+</FormTemplates>
+</file>
+
+<file path=customXml/item2.xml><?xml version="1.0" encoding="utf-8"?>
 <p:properties xmlns:p="http://schemas.microsoft.com/office/2006/metadata/properties" xmlns:xsi="http://www.w3.org/2001/XMLSchema-instance" xmlns:pc="http://schemas.microsoft.com/office/infopath/2007/PartnerControls">
   <documentManagement>
     <_ip_UnifiedCompliancePolicyUIAction xmlns="http://schemas.microsoft.com/sharepoint/v3" xsi:nil="true"/>
@@ -12792,15 +14106,6 @@
     <MediaServiceKeyPoints xmlns="71af3243-3dd4-4a8d-8c0d-dd76da1f02a5" xsi:nil="true"/>
   </documentManagement>
 </p:properties>
-</file>
-
-<file path=customXml/item2.xml><?xml version="1.0" encoding="utf-8"?>
-<?mso-contentType ?>
-<FormTemplates xmlns="http://schemas.microsoft.com/sharepoint/v3/contenttype/forms">
-  <Display>DocumentLibraryForm</Display>
-  <Edit>DocumentLibraryForm</Edit>
-  <New>DocumentLibraryForm</New>
-</FormTemplates>
 </file>
 
 <file path=customXml/item3.xml><?xml version="1.0" encoding="utf-8"?>
@@ -13116,6 +14421,14 @@
 </file>
 
 <file path=customXml/itemProps1.xml><?xml version="1.0" encoding="utf-8"?>
+<ds:datastoreItem xmlns:ds="http://schemas.openxmlformats.org/officeDocument/2006/customXml" ds:itemID="{F49F7C99-DB67-4EF2-86B4-C45C603BA94C}">
+  <ds:schemaRefs>
+    <ds:schemaRef ds:uri="http://schemas.microsoft.com/sharepoint/v3/contenttype/forms"/>
+  </ds:schemaRefs>
+</ds:datastoreItem>
+</file>
+
+<file path=customXml/itemProps2.xml><?xml version="1.0" encoding="utf-8"?>
 <ds:datastoreItem xmlns:ds="http://schemas.openxmlformats.org/officeDocument/2006/customXml" ds:itemID="{527F8595-6F9C-444F-81F9-1BB5383C5D01}">
   <ds:schemaRefs>
     <ds:schemaRef ds:uri="http://schemas.microsoft.com/office/2006/metadata/properties"/>
@@ -13123,14 +14436,6 @@
     <ds:schemaRef ds:uri="http://schemas.microsoft.com/sharepoint/v3"/>
     <ds:schemaRef ds:uri="71af3243-3dd4-4a8d-8c0d-dd76da1f02a5"/>
     <ds:schemaRef ds:uri="230e9df3-be65-4c73-a93b-d1236ebd677e"/>
-  </ds:schemaRefs>
-</ds:datastoreItem>
-</file>
-
-<file path=customXml/itemProps2.xml><?xml version="1.0" encoding="utf-8"?>
-<ds:datastoreItem xmlns:ds="http://schemas.openxmlformats.org/officeDocument/2006/customXml" ds:itemID="{F49F7C99-DB67-4EF2-86B4-C45C603BA94C}">
-  <ds:schemaRefs>
-    <ds:schemaRef ds:uri="http://schemas.microsoft.com/sharepoint/v3/contenttype/forms"/>
   </ds:schemaRefs>
 </ds:datastoreItem>
 </file>

--- a/presentation.pptx
+++ b/presentation.pptx
@@ -1,14 +1,14 @@
 
 <file path=ppt/presentation.xml><?xml version="1.0" encoding="utf-8"?>
-<p:presentation xmlns:a="http://schemas.openxmlformats.org/drawingml/2006/main" xmlns:r="http://schemas.openxmlformats.org/officeDocument/2006/relationships" xmlns:p="http://schemas.openxmlformats.org/presentationml/2006/main" removePersonalInfoOnSave="1" saveSubsetFonts="1" autoCompressPictures="0">
+<p:presentation xmlns:a="http://schemas.openxmlformats.org/drawingml/2006/main" xmlns:r="http://schemas.openxmlformats.org/officeDocument/2006/relationships" xmlns:p="http://schemas.openxmlformats.org/presentationml/2006/main" saveSubsetFonts="1" autoCompressPictures="0">
   <p:sldMasterIdLst>
     <p:sldMasterId id="2147483692" r:id="rId4"/>
   </p:sldMasterIdLst>
   <p:notesMasterIdLst>
-    <p:notesMasterId r:id="rId26"/>
+    <p:notesMasterId r:id="rId27"/>
   </p:notesMasterIdLst>
   <p:handoutMasterIdLst>
-    <p:handoutMasterId r:id="rId27"/>
+    <p:handoutMasterId r:id="rId28"/>
   </p:handoutMasterIdLst>
   <p:sldIdLst>
     <p:sldId id="354" r:id="rId5"/>
@@ -19,19 +19,20 @@
     <p:sldId id="374" r:id="rId10"/>
     <p:sldId id="373" r:id="rId11"/>
     <p:sldId id="387" r:id="rId12"/>
-    <p:sldId id="368" r:id="rId13"/>
-    <p:sldId id="369" r:id="rId14"/>
-    <p:sldId id="370" r:id="rId15"/>
-    <p:sldId id="371" r:id="rId16"/>
-    <p:sldId id="376" r:id="rId17"/>
-    <p:sldId id="377" r:id="rId18"/>
-    <p:sldId id="378" r:id="rId19"/>
-    <p:sldId id="379" r:id="rId20"/>
-    <p:sldId id="380" r:id="rId21"/>
-    <p:sldId id="381" r:id="rId22"/>
-    <p:sldId id="382" r:id="rId23"/>
-    <p:sldId id="383" r:id="rId24"/>
-    <p:sldId id="384" r:id="rId25"/>
+    <p:sldId id="389" r:id="rId13"/>
+    <p:sldId id="368" r:id="rId14"/>
+    <p:sldId id="369" r:id="rId15"/>
+    <p:sldId id="370" r:id="rId16"/>
+    <p:sldId id="371" r:id="rId17"/>
+    <p:sldId id="376" r:id="rId18"/>
+    <p:sldId id="377" r:id="rId19"/>
+    <p:sldId id="378" r:id="rId20"/>
+    <p:sldId id="379" r:id="rId21"/>
+    <p:sldId id="380" r:id="rId22"/>
+    <p:sldId id="381" r:id="rId23"/>
+    <p:sldId id="382" r:id="rId24"/>
+    <p:sldId id="383" r:id="rId25"/>
+    <p:sldId id="384" r:id="rId26"/>
   </p:sldIdLst>
   <p:sldSz cx="12188825" cy="6858000"/>
   <p:notesSz cx="6858000" cy="9144000"/>
@@ -9296,7 +9297,7 @@
           <p:cNvPr id="2" name="Title 1">
             <a:extLst>
               <a:ext uri="{FF2B5EF4-FFF2-40B4-BE49-F238E27FC236}">
-                <a16:creationId xmlns:a16="http://schemas.microsoft.com/office/drawing/2014/main" id="{1DAF76BE-D861-0DEF-4ADF-A5EE483C6394}"/>
+                <a16:creationId xmlns:a16="http://schemas.microsoft.com/office/drawing/2014/main" id="{0A5D6C40-0434-EBEF-14BF-1D813775EF96}"/>
               </a:ext>
             </a:extLst>
           </p:cNvPr>
@@ -9312,7 +9313,10 @@
           <a:bodyPr/>
           <a:lstStyle/>
           <a:p>
-            <a:endParaRPr lang="en-IN" dirty="0"/>
+            <a:r>
+              <a:rPr lang="en-IN" dirty="0"/>
+              <a:t>Definition Phase</a:t>
+            </a:r>
           </a:p>
         </p:txBody>
       </p:sp>
@@ -9321,7 +9325,7 @@
           <p:cNvPr id="3" name="Content Placeholder 2">
             <a:extLst>
               <a:ext uri="{FF2B5EF4-FFF2-40B4-BE49-F238E27FC236}">
-                <a16:creationId xmlns:a16="http://schemas.microsoft.com/office/drawing/2014/main" id="{658554FA-E424-11D3-4CED-608F7A2DAA49}"/>
+                <a16:creationId xmlns:a16="http://schemas.microsoft.com/office/drawing/2014/main" id="{1F8B4EA7-19B5-0955-618D-BC7C3C520C0A}"/>
               </a:ext>
             </a:extLst>
           </p:cNvPr>
@@ -9337,16 +9341,41 @@
           <a:bodyPr/>
           <a:lstStyle/>
           <a:p>
+            <a:endParaRPr lang="en-IN" dirty="0"/>
+          </a:p>
+        </p:txBody>
+      </p:sp>
+      <p:sp>
+        <p:nvSpPr>
+          <p:cNvPr id="4" name="Content Placeholder 3">
+            <a:extLst>
+              <a:ext uri="{FF2B5EF4-FFF2-40B4-BE49-F238E27FC236}">
+                <a16:creationId xmlns:a16="http://schemas.microsoft.com/office/drawing/2014/main" id="{FE2E3821-7773-A700-B250-3A6DD047DD24}"/>
+              </a:ext>
+            </a:extLst>
+          </p:cNvPr>
+          <p:cNvSpPr>
+            <a:spLocks noGrp="1"/>
+          </p:cNvSpPr>
+          <p:nvPr>
+            <p:ph sz="quarter" idx="14"/>
+          </p:nvPr>
+        </p:nvSpPr>
+        <p:spPr/>
+        <p:txBody>
+          <a:bodyPr/>
+          <a:lstStyle/>
+          <a:p>
             <a:endParaRPr lang="en-IN"/>
           </a:p>
         </p:txBody>
       </p:sp>
       <p:sp>
         <p:nvSpPr>
-          <p:cNvPr id="4" name="Slide Number Placeholder 3">
-            <a:extLst>
-              <a:ext uri="{FF2B5EF4-FFF2-40B4-BE49-F238E27FC236}">
-                <a16:creationId xmlns:a16="http://schemas.microsoft.com/office/drawing/2014/main" id="{D3EDF452-2A72-5BC1-C650-2140070FDD4D}"/>
+          <p:cNvPr id="5" name="Slide Number Placeholder 4">
+            <a:extLst>
+              <a:ext uri="{FF2B5EF4-FFF2-40B4-BE49-F238E27FC236}">
+                <a16:creationId xmlns:a16="http://schemas.microsoft.com/office/drawing/2014/main" id="{44E62C45-36B8-E3B6-D4AD-080ECB2464DE}"/>
               </a:ext>
             </a:extLst>
           </p:cNvPr>
@@ -9371,10 +9400,141 @@
           </a:p>
         </p:txBody>
       </p:sp>
+      <p:sp>
+        <p:nvSpPr>
+          <p:cNvPr id="6" name="Slide Number Placeholder 4">
+            <a:extLst>
+              <a:ext uri="{FF2B5EF4-FFF2-40B4-BE49-F238E27FC236}">
+                <a16:creationId xmlns:a16="http://schemas.microsoft.com/office/drawing/2014/main" id="{0752F8F6-0AE8-2345-FE68-F9E52EC6B15A}"/>
+              </a:ext>
+            </a:extLst>
+          </p:cNvPr>
+          <p:cNvSpPr txBox="1">
+            <a:spLocks/>
+          </p:cNvSpPr>
+          <p:nvPr/>
+        </p:nvSpPr>
+        <p:spPr>
+          <a:xfrm>
+            <a:off x="455612" y="6190488"/>
+            <a:ext cx="2677604" cy="210312"/>
+          </a:xfrm>
+          <a:prstGeom prst="rect">
+            <a:avLst/>
+          </a:prstGeom>
+        </p:spPr>
+        <p:txBody>
+          <a:bodyPr vert="horz" lIns="121899" tIns="60949" rIns="121899" bIns="60949" rtlCol="0" anchor="b"/>
+          <a:lstStyle>
+            <a:defPPr>
+              <a:defRPr lang="en-US"/>
+            </a:defPPr>
+            <a:lvl1pPr marL="0" algn="r" defTabSz="1218987" rtl="0" eaLnBrk="1" latinLnBrk="0" hangingPunct="1">
+              <a:defRPr sz="1000" b="1" kern="1200" spc="200" baseline="0">
+                <a:solidFill>
+                  <a:schemeClr val="tx2">
+                    <a:lumMod val="50000"/>
+                  </a:schemeClr>
+                </a:solidFill>
+                <a:latin typeface="+mn-lt"/>
+                <a:ea typeface="+mn-ea"/>
+                <a:cs typeface="+mn-cs"/>
+              </a:defRPr>
+            </a:lvl1pPr>
+            <a:lvl2pPr marL="609493" algn="l" defTabSz="1218987" rtl="0" eaLnBrk="1" latinLnBrk="0" hangingPunct="1">
+              <a:defRPr sz="2400" kern="1200">
+                <a:solidFill>
+                  <a:schemeClr val="tx1"/>
+                </a:solidFill>
+                <a:latin typeface="+mn-lt"/>
+                <a:ea typeface="+mn-ea"/>
+                <a:cs typeface="+mn-cs"/>
+              </a:defRPr>
+            </a:lvl2pPr>
+            <a:lvl3pPr marL="1218987" algn="l" defTabSz="1218987" rtl="0" eaLnBrk="1" latinLnBrk="0" hangingPunct="1">
+              <a:defRPr sz="2400" kern="1200">
+                <a:solidFill>
+                  <a:schemeClr val="tx1"/>
+                </a:solidFill>
+                <a:latin typeface="+mn-lt"/>
+                <a:ea typeface="+mn-ea"/>
+                <a:cs typeface="+mn-cs"/>
+              </a:defRPr>
+            </a:lvl3pPr>
+            <a:lvl4pPr marL="1828480" algn="l" defTabSz="1218987" rtl="0" eaLnBrk="1" latinLnBrk="0" hangingPunct="1">
+              <a:defRPr sz="2400" kern="1200">
+                <a:solidFill>
+                  <a:schemeClr val="tx1"/>
+                </a:solidFill>
+                <a:latin typeface="+mn-lt"/>
+                <a:ea typeface="+mn-ea"/>
+                <a:cs typeface="+mn-cs"/>
+              </a:defRPr>
+            </a:lvl4pPr>
+            <a:lvl5pPr marL="2437973" algn="l" defTabSz="1218987" rtl="0" eaLnBrk="1" latinLnBrk="0" hangingPunct="1">
+              <a:defRPr sz="2400" kern="1200">
+                <a:solidFill>
+                  <a:schemeClr val="tx1"/>
+                </a:solidFill>
+                <a:latin typeface="+mn-lt"/>
+                <a:ea typeface="+mn-ea"/>
+                <a:cs typeface="+mn-cs"/>
+              </a:defRPr>
+            </a:lvl5pPr>
+            <a:lvl6pPr marL="3047467" algn="l" defTabSz="1218987" rtl="0" eaLnBrk="1" latinLnBrk="0" hangingPunct="1">
+              <a:defRPr sz="2400" kern="1200">
+                <a:solidFill>
+                  <a:schemeClr val="tx1"/>
+                </a:solidFill>
+                <a:latin typeface="+mn-lt"/>
+                <a:ea typeface="+mn-ea"/>
+                <a:cs typeface="+mn-cs"/>
+              </a:defRPr>
+            </a:lvl6pPr>
+            <a:lvl7pPr marL="3656960" algn="l" defTabSz="1218987" rtl="0" eaLnBrk="1" latinLnBrk="0" hangingPunct="1">
+              <a:defRPr sz="2400" kern="1200">
+                <a:solidFill>
+                  <a:schemeClr val="tx1"/>
+                </a:solidFill>
+                <a:latin typeface="+mn-lt"/>
+                <a:ea typeface="+mn-ea"/>
+                <a:cs typeface="+mn-cs"/>
+              </a:defRPr>
+            </a:lvl7pPr>
+            <a:lvl8pPr marL="4266453" algn="l" defTabSz="1218987" rtl="0" eaLnBrk="1" latinLnBrk="0" hangingPunct="1">
+              <a:defRPr sz="2400" kern="1200">
+                <a:solidFill>
+                  <a:schemeClr val="tx1"/>
+                </a:solidFill>
+                <a:latin typeface="+mn-lt"/>
+                <a:ea typeface="+mn-ea"/>
+                <a:cs typeface="+mn-cs"/>
+              </a:defRPr>
+            </a:lvl8pPr>
+            <a:lvl9pPr marL="4875947" algn="l" defTabSz="1218987" rtl="0" eaLnBrk="1" latinLnBrk="0" hangingPunct="1">
+              <a:defRPr sz="2400" kern="1200">
+                <a:solidFill>
+                  <a:schemeClr val="tx1"/>
+                </a:solidFill>
+                <a:latin typeface="+mn-lt"/>
+                <a:ea typeface="+mn-ea"/>
+                <a:cs typeface="+mn-cs"/>
+              </a:defRPr>
+            </a:lvl9pPr>
+          </a:lstStyle>
+          <a:p>
+            <a:pPr algn="l"/>
+            <a:r>
+              <a:rPr lang="en-US" dirty="0"/>
+              <a:t>DES211 CAPSTONE PROJECT</a:t>
+            </a:r>
+          </a:p>
+        </p:txBody>
+      </p:sp>
     </p:spTree>
     <p:extLst>
       <p:ext uri="{BB962C8B-B14F-4D97-AF65-F5344CB8AC3E}">
-        <p14:creationId xmlns:p14="http://schemas.microsoft.com/office/powerpoint/2010/main" val="3542959396"/>
+        <p14:creationId xmlns:p14="http://schemas.microsoft.com/office/powerpoint/2010/main" val="3382860869"/>
       </p:ext>
     </p:extLst>
   </p:cSld>
@@ -9418,7 +9578,7 @@
           <p:cNvPr id="2" name="Title 1">
             <a:extLst>
               <a:ext uri="{FF2B5EF4-FFF2-40B4-BE49-F238E27FC236}">
-                <a16:creationId xmlns:a16="http://schemas.microsoft.com/office/drawing/2014/main" id="{81A3617B-0FD5-4494-9CDA-AE370728EAD0}"/>
+                <a16:creationId xmlns:a16="http://schemas.microsoft.com/office/drawing/2014/main" id="{1DAF76BE-D861-0DEF-4ADF-A5EE483C6394}"/>
               </a:ext>
             </a:extLst>
           </p:cNvPr>
@@ -9434,16 +9594,16 @@
           <a:bodyPr/>
           <a:lstStyle/>
           <a:p>
-            <a:endParaRPr lang="en-IN"/>
-          </a:p>
-        </p:txBody>
-      </p:sp>
-      <p:sp>
-        <p:nvSpPr>
-          <p:cNvPr id="3" name="Picture Placeholder 2">
-            <a:extLst>
-              <a:ext uri="{FF2B5EF4-FFF2-40B4-BE49-F238E27FC236}">
-                <a16:creationId xmlns:a16="http://schemas.microsoft.com/office/drawing/2014/main" id="{41F5745F-E770-D068-578F-3CFE5F9010C6}"/>
+            <a:endParaRPr lang="en-IN" dirty="0"/>
+          </a:p>
+        </p:txBody>
+      </p:sp>
+      <p:sp>
+        <p:nvSpPr>
+          <p:cNvPr id="3" name="Content Placeholder 2">
+            <a:extLst>
+              <a:ext uri="{FF2B5EF4-FFF2-40B4-BE49-F238E27FC236}">
+                <a16:creationId xmlns:a16="http://schemas.microsoft.com/office/drawing/2014/main" id="{658554FA-E424-11D3-4CED-608F7A2DAA49}"/>
               </a:ext>
             </a:extLst>
           </p:cNvPr>
@@ -9451,15 +9611,183 @@
             <a:spLocks noGrp="1"/>
           </p:cNvSpPr>
           <p:nvPr>
-            <p:ph type="pic" sz="quarter" idx="10"/>
+            <p:ph sz="quarter" idx="13"/>
           </p:nvPr>
         </p:nvSpPr>
         <p:spPr/>
+        <p:txBody>
+          <a:bodyPr/>
+          <a:lstStyle/>
+          <a:p>
+            <a:endParaRPr lang="en-IN"/>
+          </a:p>
+        </p:txBody>
+      </p:sp>
+      <p:sp>
+        <p:nvSpPr>
+          <p:cNvPr id="4" name="Slide Number Placeholder 3">
+            <a:extLst>
+              <a:ext uri="{FF2B5EF4-FFF2-40B4-BE49-F238E27FC236}">
+                <a16:creationId xmlns:a16="http://schemas.microsoft.com/office/drawing/2014/main" id="{D3EDF452-2A72-5BC1-C650-2140070FDD4D}"/>
+              </a:ext>
+            </a:extLst>
+          </p:cNvPr>
+          <p:cNvSpPr>
+            <a:spLocks noGrp="1"/>
+          </p:cNvSpPr>
+          <p:nvPr>
+            <p:ph type="sldNum" sz="quarter" idx="12"/>
+          </p:nvPr>
+        </p:nvSpPr>
+        <p:spPr/>
+        <p:txBody>
+          <a:bodyPr/>
+          <a:lstStyle/>
+          <a:p>
+            <a:fld id="{EB37DED6-D4C7-42EE-AB49-D2E39E64FDE4}" type="slidenum">
+              <a:rPr lang="en-US" smtClean="0"/>
+              <a:pPr/>
+              <a:t>11</a:t>
+            </a:fld>
+            <a:endParaRPr lang="en-US" dirty="0"/>
+          </a:p>
+        </p:txBody>
+      </p:sp>
+      <p:sp>
+        <p:nvSpPr>
+          <p:cNvPr id="5" name="Slide Number Placeholder 4">
+            <a:extLst>
+              <a:ext uri="{FF2B5EF4-FFF2-40B4-BE49-F238E27FC236}">
+                <a16:creationId xmlns:a16="http://schemas.microsoft.com/office/drawing/2014/main" id="{F7C1BEA9-8B0A-E664-F9E2-D7E738116FAA}"/>
+              </a:ext>
+            </a:extLst>
+          </p:cNvPr>
+          <p:cNvSpPr txBox="1">
+            <a:spLocks/>
+          </p:cNvSpPr>
+          <p:nvPr/>
+        </p:nvSpPr>
+        <p:spPr>
+          <a:xfrm>
+            <a:off x="455612" y="6190488"/>
+            <a:ext cx="2677604" cy="210312"/>
+          </a:xfrm>
+          <a:prstGeom prst="rect">
+            <a:avLst/>
+          </a:prstGeom>
+        </p:spPr>
+        <p:txBody>
+          <a:bodyPr vert="horz" lIns="121899" tIns="60949" rIns="121899" bIns="60949" rtlCol="0" anchor="b"/>
+          <a:lstStyle>
+            <a:defPPr>
+              <a:defRPr lang="en-US"/>
+            </a:defPPr>
+            <a:lvl1pPr marL="0" algn="r" defTabSz="1218987" rtl="0" eaLnBrk="1" latinLnBrk="0" hangingPunct="1">
+              <a:defRPr sz="1000" b="1" kern="1200" spc="200" baseline="0">
+                <a:solidFill>
+                  <a:schemeClr val="tx2">
+                    <a:lumMod val="50000"/>
+                  </a:schemeClr>
+                </a:solidFill>
+                <a:latin typeface="+mn-lt"/>
+                <a:ea typeface="+mn-ea"/>
+                <a:cs typeface="+mn-cs"/>
+              </a:defRPr>
+            </a:lvl1pPr>
+            <a:lvl2pPr marL="609493" algn="l" defTabSz="1218987" rtl="0" eaLnBrk="1" latinLnBrk="0" hangingPunct="1">
+              <a:defRPr sz="2400" kern="1200">
+                <a:solidFill>
+                  <a:schemeClr val="tx1"/>
+                </a:solidFill>
+                <a:latin typeface="+mn-lt"/>
+                <a:ea typeface="+mn-ea"/>
+                <a:cs typeface="+mn-cs"/>
+              </a:defRPr>
+            </a:lvl2pPr>
+            <a:lvl3pPr marL="1218987" algn="l" defTabSz="1218987" rtl="0" eaLnBrk="1" latinLnBrk="0" hangingPunct="1">
+              <a:defRPr sz="2400" kern="1200">
+                <a:solidFill>
+                  <a:schemeClr val="tx1"/>
+                </a:solidFill>
+                <a:latin typeface="+mn-lt"/>
+                <a:ea typeface="+mn-ea"/>
+                <a:cs typeface="+mn-cs"/>
+              </a:defRPr>
+            </a:lvl3pPr>
+            <a:lvl4pPr marL="1828480" algn="l" defTabSz="1218987" rtl="0" eaLnBrk="1" latinLnBrk="0" hangingPunct="1">
+              <a:defRPr sz="2400" kern="1200">
+                <a:solidFill>
+                  <a:schemeClr val="tx1"/>
+                </a:solidFill>
+                <a:latin typeface="+mn-lt"/>
+                <a:ea typeface="+mn-ea"/>
+                <a:cs typeface="+mn-cs"/>
+              </a:defRPr>
+            </a:lvl4pPr>
+            <a:lvl5pPr marL="2437973" algn="l" defTabSz="1218987" rtl="0" eaLnBrk="1" latinLnBrk="0" hangingPunct="1">
+              <a:defRPr sz="2400" kern="1200">
+                <a:solidFill>
+                  <a:schemeClr val="tx1"/>
+                </a:solidFill>
+                <a:latin typeface="+mn-lt"/>
+                <a:ea typeface="+mn-ea"/>
+                <a:cs typeface="+mn-cs"/>
+              </a:defRPr>
+            </a:lvl5pPr>
+            <a:lvl6pPr marL="3047467" algn="l" defTabSz="1218987" rtl="0" eaLnBrk="1" latinLnBrk="0" hangingPunct="1">
+              <a:defRPr sz="2400" kern="1200">
+                <a:solidFill>
+                  <a:schemeClr val="tx1"/>
+                </a:solidFill>
+                <a:latin typeface="+mn-lt"/>
+                <a:ea typeface="+mn-ea"/>
+                <a:cs typeface="+mn-cs"/>
+              </a:defRPr>
+            </a:lvl6pPr>
+            <a:lvl7pPr marL="3656960" algn="l" defTabSz="1218987" rtl="0" eaLnBrk="1" latinLnBrk="0" hangingPunct="1">
+              <a:defRPr sz="2400" kern="1200">
+                <a:solidFill>
+                  <a:schemeClr val="tx1"/>
+                </a:solidFill>
+                <a:latin typeface="+mn-lt"/>
+                <a:ea typeface="+mn-ea"/>
+                <a:cs typeface="+mn-cs"/>
+              </a:defRPr>
+            </a:lvl7pPr>
+            <a:lvl8pPr marL="4266453" algn="l" defTabSz="1218987" rtl="0" eaLnBrk="1" latinLnBrk="0" hangingPunct="1">
+              <a:defRPr sz="2400" kern="1200">
+                <a:solidFill>
+                  <a:schemeClr val="tx1"/>
+                </a:solidFill>
+                <a:latin typeface="+mn-lt"/>
+                <a:ea typeface="+mn-ea"/>
+                <a:cs typeface="+mn-cs"/>
+              </a:defRPr>
+            </a:lvl8pPr>
+            <a:lvl9pPr marL="4875947" algn="l" defTabSz="1218987" rtl="0" eaLnBrk="1" latinLnBrk="0" hangingPunct="1">
+              <a:defRPr sz="2400" kern="1200">
+                <a:solidFill>
+                  <a:schemeClr val="tx1"/>
+                </a:solidFill>
+                <a:latin typeface="+mn-lt"/>
+                <a:ea typeface="+mn-ea"/>
+                <a:cs typeface="+mn-cs"/>
+              </a:defRPr>
+            </a:lvl9pPr>
+          </a:lstStyle>
+          <a:p>
+            <a:pPr algn="l"/>
+            <a:r>
+              <a:rPr lang="en-US" dirty="0"/>
+              <a:t>DES211 CAPSTONE PROJECT</a:t>
+            </a:r>
+          </a:p>
+        </p:txBody>
       </p:sp>
     </p:spTree>
     <p:extLst>
       <p:ext uri="{BB962C8B-B14F-4D97-AF65-F5344CB8AC3E}">
-        <p14:creationId xmlns:p14="http://schemas.microsoft.com/office/powerpoint/2010/main" val="4073682777"/>
+        <p14:creationId xmlns:p14="http://schemas.microsoft.com/office/powerpoint/2010/main" val="3542959396"/>
       </p:ext>
     </p:extLst>
   </p:cSld>
@@ -9503,7 +9831,7 @@
           <p:cNvPr id="2" name="Title 1">
             <a:extLst>
               <a:ext uri="{FF2B5EF4-FFF2-40B4-BE49-F238E27FC236}">
-                <a16:creationId xmlns:a16="http://schemas.microsoft.com/office/drawing/2014/main" id="{8293087C-D9DF-6AEB-3DDD-CE6BA4742958}"/>
+                <a16:creationId xmlns:a16="http://schemas.microsoft.com/office/drawing/2014/main" id="{81A3617B-0FD5-4494-9CDA-AE370728EAD0}"/>
               </a:ext>
             </a:extLst>
           </p:cNvPr>
@@ -9525,10 +9853,10 @@
       </p:sp>
       <p:sp>
         <p:nvSpPr>
-          <p:cNvPr id="3" name="Content Placeholder 2">
-            <a:extLst>
-              <a:ext uri="{FF2B5EF4-FFF2-40B4-BE49-F238E27FC236}">
-                <a16:creationId xmlns:a16="http://schemas.microsoft.com/office/drawing/2014/main" id="{A5EB9FEF-DE24-2B3B-D6C5-2F664A0F932B}"/>
+          <p:cNvPr id="3" name="Picture Placeholder 2">
+            <a:extLst>
+              <a:ext uri="{FF2B5EF4-FFF2-40B4-BE49-F238E27FC236}">
+                <a16:creationId xmlns:a16="http://schemas.microsoft.com/office/drawing/2014/main" id="{41F5745F-E770-D068-578F-3CFE5F9010C6}"/>
               </a:ext>
             </a:extLst>
           </p:cNvPr>
@@ -9536,7 +9864,7 @@
             <a:spLocks noGrp="1"/>
           </p:cNvSpPr>
           <p:nvPr>
-            <p:ph sz="quarter" idx="13"/>
+            <p:ph type="pic" sz="quarter" idx="10"/>
           </p:nvPr>
         </p:nvSpPr>
         <p:spPr/>
@@ -9544,123 +9872,145 @@
           <a:bodyPr/>
           <a:lstStyle/>
           <a:p>
-            <a:endParaRPr lang="en-IN"/>
-          </a:p>
-        </p:txBody>
-      </p:sp>
-      <p:sp>
-        <p:nvSpPr>
-          <p:cNvPr id="4" name="Content Placeholder 3">
-            <a:extLst>
-              <a:ext uri="{FF2B5EF4-FFF2-40B4-BE49-F238E27FC236}">
-                <a16:creationId xmlns:a16="http://schemas.microsoft.com/office/drawing/2014/main" id="{90AD67B7-7DE5-CFC5-8DC4-1A1C44B6049D}"/>
-              </a:ext>
-            </a:extLst>
-          </p:cNvPr>
-          <p:cNvSpPr>
-            <a:spLocks noGrp="1"/>
+            <a:endParaRPr lang="en-US"/>
+          </a:p>
+        </p:txBody>
+      </p:sp>
+      <p:sp>
+        <p:nvSpPr>
+          <p:cNvPr id="4" name="Slide Number Placeholder 4">
+            <a:extLst>
+              <a:ext uri="{FF2B5EF4-FFF2-40B4-BE49-F238E27FC236}">
+                <a16:creationId xmlns:a16="http://schemas.microsoft.com/office/drawing/2014/main" id="{86BBD80D-924B-9698-2026-C1006CEB90DA}"/>
+              </a:ext>
+            </a:extLst>
+          </p:cNvPr>
+          <p:cNvSpPr txBox="1">
+            <a:spLocks/>
           </p:cNvSpPr>
-          <p:nvPr>
-            <p:ph sz="quarter" idx="14"/>
-          </p:nvPr>
-        </p:nvSpPr>
-        <p:spPr/>
-        <p:txBody>
-          <a:bodyPr/>
-          <a:lstStyle/>
-          <a:p>
-            <a:endParaRPr lang="en-IN"/>
-          </a:p>
-        </p:txBody>
-      </p:sp>
-      <p:sp>
-        <p:nvSpPr>
-          <p:cNvPr id="5" name="Picture Placeholder 4">
-            <a:extLst>
-              <a:ext uri="{FF2B5EF4-FFF2-40B4-BE49-F238E27FC236}">
-                <a16:creationId xmlns:a16="http://schemas.microsoft.com/office/drawing/2014/main" id="{84B86DCF-4B97-9947-A1A5-CB1979819433}"/>
-              </a:ext>
-            </a:extLst>
-          </p:cNvPr>
-          <p:cNvSpPr>
-            <a:spLocks noGrp="1"/>
-          </p:cNvSpPr>
-          <p:nvPr>
-            <p:ph type="pic" sz="quarter" idx="15"/>
-          </p:nvPr>
-        </p:nvSpPr>
-        <p:spPr/>
-      </p:sp>
-      <p:sp>
-        <p:nvSpPr>
-          <p:cNvPr id="6" name="Picture Placeholder 5">
-            <a:extLst>
-              <a:ext uri="{FF2B5EF4-FFF2-40B4-BE49-F238E27FC236}">
-                <a16:creationId xmlns:a16="http://schemas.microsoft.com/office/drawing/2014/main" id="{8AB7107F-47DD-9F0D-70A4-3FF297304F55}"/>
-              </a:ext>
-            </a:extLst>
-          </p:cNvPr>
-          <p:cNvSpPr>
-            <a:spLocks noGrp="1"/>
-          </p:cNvSpPr>
-          <p:nvPr>
-            <p:ph type="pic" sz="quarter" idx="17"/>
-          </p:nvPr>
-        </p:nvSpPr>
-        <p:spPr/>
-      </p:sp>
-      <p:sp>
-        <p:nvSpPr>
-          <p:cNvPr id="7" name="Picture Placeholder 6">
-            <a:extLst>
-              <a:ext uri="{FF2B5EF4-FFF2-40B4-BE49-F238E27FC236}">
-                <a16:creationId xmlns:a16="http://schemas.microsoft.com/office/drawing/2014/main" id="{638EFBB7-E515-DA5F-08E3-9C0BE88AB6AA}"/>
-              </a:ext>
-            </a:extLst>
-          </p:cNvPr>
-          <p:cNvSpPr>
-            <a:spLocks noGrp="1"/>
-          </p:cNvSpPr>
-          <p:nvPr>
-            <p:ph type="pic" sz="quarter" idx="16"/>
-          </p:nvPr>
-        </p:nvSpPr>
-        <p:spPr/>
-      </p:sp>
-      <p:sp>
-        <p:nvSpPr>
-          <p:cNvPr id="8" name="Slide Number Placeholder 7">
-            <a:extLst>
-              <a:ext uri="{FF2B5EF4-FFF2-40B4-BE49-F238E27FC236}">
-                <a16:creationId xmlns:a16="http://schemas.microsoft.com/office/drawing/2014/main" id="{73E0A801-B1B2-373A-D748-9D9CBC514047}"/>
-              </a:ext>
-            </a:extLst>
-          </p:cNvPr>
-          <p:cNvSpPr>
-            <a:spLocks noGrp="1"/>
-          </p:cNvSpPr>
-          <p:nvPr>
-            <p:ph type="sldNum" sz="quarter" idx="12"/>
-          </p:nvPr>
-        </p:nvSpPr>
-        <p:spPr/>
-        <p:txBody>
-          <a:bodyPr/>
-          <a:lstStyle/>
-          <a:p>
-            <a:fld id="{EB37DED6-D4C7-42EE-AB49-D2E39E64FDE4}" type="slidenum">
-              <a:rPr lang="en-US" smtClean="0"/>
-              <a:pPr/>
-              <a:t>12</a:t>
-            </a:fld>
-            <a:endParaRPr lang="en-US" dirty="0"/>
+          <p:nvPr/>
+        </p:nvSpPr>
+        <p:spPr>
+          <a:xfrm>
+            <a:off x="-3278188" y="6172200"/>
+            <a:ext cx="2677604" cy="210312"/>
+          </a:xfrm>
+          <a:prstGeom prst="rect">
+            <a:avLst/>
+          </a:prstGeom>
+        </p:spPr>
+        <p:txBody>
+          <a:bodyPr vert="horz" lIns="121899" tIns="60949" rIns="121899" bIns="60949" rtlCol="0" anchor="b"/>
+          <a:lstStyle>
+            <a:defPPr>
+              <a:defRPr lang="en-US"/>
+            </a:defPPr>
+            <a:lvl1pPr marL="0" algn="r" defTabSz="1218987" rtl="0" eaLnBrk="1" latinLnBrk="0" hangingPunct="1">
+              <a:defRPr sz="1000" b="1" kern="1200" spc="200" baseline="0">
+                <a:solidFill>
+                  <a:schemeClr val="tx2">
+                    <a:lumMod val="50000"/>
+                  </a:schemeClr>
+                </a:solidFill>
+                <a:latin typeface="+mn-lt"/>
+                <a:ea typeface="+mn-ea"/>
+                <a:cs typeface="+mn-cs"/>
+              </a:defRPr>
+            </a:lvl1pPr>
+            <a:lvl2pPr marL="609493" algn="l" defTabSz="1218987" rtl="0" eaLnBrk="1" latinLnBrk="0" hangingPunct="1">
+              <a:defRPr sz="2400" kern="1200">
+                <a:solidFill>
+                  <a:schemeClr val="tx1"/>
+                </a:solidFill>
+                <a:latin typeface="+mn-lt"/>
+                <a:ea typeface="+mn-ea"/>
+                <a:cs typeface="+mn-cs"/>
+              </a:defRPr>
+            </a:lvl2pPr>
+            <a:lvl3pPr marL="1218987" algn="l" defTabSz="1218987" rtl="0" eaLnBrk="1" latinLnBrk="0" hangingPunct="1">
+              <a:defRPr sz="2400" kern="1200">
+                <a:solidFill>
+                  <a:schemeClr val="tx1"/>
+                </a:solidFill>
+                <a:latin typeface="+mn-lt"/>
+                <a:ea typeface="+mn-ea"/>
+                <a:cs typeface="+mn-cs"/>
+              </a:defRPr>
+            </a:lvl3pPr>
+            <a:lvl4pPr marL="1828480" algn="l" defTabSz="1218987" rtl="0" eaLnBrk="1" latinLnBrk="0" hangingPunct="1">
+              <a:defRPr sz="2400" kern="1200">
+                <a:solidFill>
+                  <a:schemeClr val="tx1"/>
+                </a:solidFill>
+                <a:latin typeface="+mn-lt"/>
+                <a:ea typeface="+mn-ea"/>
+                <a:cs typeface="+mn-cs"/>
+              </a:defRPr>
+            </a:lvl4pPr>
+            <a:lvl5pPr marL="2437973" algn="l" defTabSz="1218987" rtl="0" eaLnBrk="1" latinLnBrk="0" hangingPunct="1">
+              <a:defRPr sz="2400" kern="1200">
+                <a:solidFill>
+                  <a:schemeClr val="tx1"/>
+                </a:solidFill>
+                <a:latin typeface="+mn-lt"/>
+                <a:ea typeface="+mn-ea"/>
+                <a:cs typeface="+mn-cs"/>
+              </a:defRPr>
+            </a:lvl5pPr>
+            <a:lvl6pPr marL="3047467" algn="l" defTabSz="1218987" rtl="0" eaLnBrk="1" latinLnBrk="0" hangingPunct="1">
+              <a:defRPr sz="2400" kern="1200">
+                <a:solidFill>
+                  <a:schemeClr val="tx1"/>
+                </a:solidFill>
+                <a:latin typeface="+mn-lt"/>
+                <a:ea typeface="+mn-ea"/>
+                <a:cs typeface="+mn-cs"/>
+              </a:defRPr>
+            </a:lvl6pPr>
+            <a:lvl7pPr marL="3656960" algn="l" defTabSz="1218987" rtl="0" eaLnBrk="1" latinLnBrk="0" hangingPunct="1">
+              <a:defRPr sz="2400" kern="1200">
+                <a:solidFill>
+                  <a:schemeClr val="tx1"/>
+                </a:solidFill>
+                <a:latin typeface="+mn-lt"/>
+                <a:ea typeface="+mn-ea"/>
+                <a:cs typeface="+mn-cs"/>
+              </a:defRPr>
+            </a:lvl7pPr>
+            <a:lvl8pPr marL="4266453" algn="l" defTabSz="1218987" rtl="0" eaLnBrk="1" latinLnBrk="0" hangingPunct="1">
+              <a:defRPr sz="2400" kern="1200">
+                <a:solidFill>
+                  <a:schemeClr val="tx1"/>
+                </a:solidFill>
+                <a:latin typeface="+mn-lt"/>
+                <a:ea typeface="+mn-ea"/>
+                <a:cs typeface="+mn-cs"/>
+              </a:defRPr>
+            </a:lvl8pPr>
+            <a:lvl9pPr marL="4875947" algn="l" defTabSz="1218987" rtl="0" eaLnBrk="1" latinLnBrk="0" hangingPunct="1">
+              <a:defRPr sz="2400" kern="1200">
+                <a:solidFill>
+                  <a:schemeClr val="tx1"/>
+                </a:solidFill>
+                <a:latin typeface="+mn-lt"/>
+                <a:ea typeface="+mn-ea"/>
+                <a:cs typeface="+mn-cs"/>
+              </a:defRPr>
+            </a:lvl9pPr>
+          </a:lstStyle>
+          <a:p>
+            <a:pPr algn="l"/>
+            <a:r>
+              <a:rPr lang="en-US" dirty="0"/>
+              <a:t>DES211 CAPSTONE PROJECT</a:t>
+            </a:r>
           </a:p>
         </p:txBody>
       </p:sp>
     </p:spTree>
     <p:extLst>
       <p:ext uri="{BB962C8B-B14F-4D97-AF65-F5344CB8AC3E}">
-        <p14:creationId xmlns:p14="http://schemas.microsoft.com/office/powerpoint/2010/main" val="2656427420"/>
+        <p14:creationId xmlns:p14="http://schemas.microsoft.com/office/powerpoint/2010/main" val="4073682777"/>
       </p:ext>
     </p:extLst>
   </p:cSld>
@@ -9687,13 +10037,7 @@
   <p:cSld>
     <p:spTree>
       <p:nvGrpSpPr>
-        <p:cNvPr id="1" name="">
-          <a:extLst>
-            <a:ext uri="{FF2B5EF4-FFF2-40B4-BE49-F238E27FC236}">
-              <a16:creationId xmlns:a16="http://schemas.microsoft.com/office/drawing/2014/main" id="{FFB85F68-8123-6880-86CF-D39DE164CE9B}"/>
-            </a:ext>
-          </a:extLst>
-        </p:cNvPr>
+        <p:cNvPr id="1" name=""/>
         <p:cNvGrpSpPr/>
         <p:nvPr/>
       </p:nvGrpSpPr>
@@ -9710,7 +10054,7 @@
           <p:cNvPr id="2" name="Title 1">
             <a:extLst>
               <a:ext uri="{FF2B5EF4-FFF2-40B4-BE49-F238E27FC236}">
-                <a16:creationId xmlns:a16="http://schemas.microsoft.com/office/drawing/2014/main" id="{CB2FB0A1-DF3F-2C56-A9BE-2B2150E1E5F2}"/>
+                <a16:creationId xmlns:a16="http://schemas.microsoft.com/office/drawing/2014/main" id="{8293087C-D9DF-6AEB-3DDD-CE6BA4742958}"/>
               </a:ext>
             </a:extLst>
           </p:cNvPr>
@@ -9726,10 +10070,7 @@
           <a:bodyPr/>
           <a:lstStyle/>
           <a:p>
-            <a:r>
-              <a:rPr lang="en-IN" dirty="0"/>
-              <a:t>Prototype Phase</a:t>
-            </a:r>
+            <a:endParaRPr lang="en-IN"/>
           </a:p>
         </p:txBody>
       </p:sp>
@@ -9738,7 +10079,7 @@
           <p:cNvPr id="3" name="Content Placeholder 2">
             <a:extLst>
               <a:ext uri="{FF2B5EF4-FFF2-40B4-BE49-F238E27FC236}">
-                <a16:creationId xmlns:a16="http://schemas.microsoft.com/office/drawing/2014/main" id="{91139623-E418-9918-37FE-C29501924A8E}"/>
+                <a16:creationId xmlns:a16="http://schemas.microsoft.com/office/drawing/2014/main" id="{A5EB9FEF-DE24-2B3B-D6C5-2F664A0F932B}"/>
               </a:ext>
             </a:extLst>
           </p:cNvPr>
@@ -9754,7 +10095,7 @@
           <a:bodyPr/>
           <a:lstStyle/>
           <a:p>
-            <a:endParaRPr lang="en-IN" dirty="0"/>
+            <a:endParaRPr lang="en-IN"/>
           </a:p>
         </p:txBody>
       </p:sp>
@@ -9763,7 +10104,7 @@
           <p:cNvPr id="4" name="Content Placeholder 3">
             <a:extLst>
               <a:ext uri="{FF2B5EF4-FFF2-40B4-BE49-F238E27FC236}">
-                <a16:creationId xmlns:a16="http://schemas.microsoft.com/office/drawing/2014/main" id="{9B787AC9-EBC2-8A16-B408-255CE6BBC6B3}"/>
+                <a16:creationId xmlns:a16="http://schemas.microsoft.com/office/drawing/2014/main" id="{90AD67B7-7DE5-CFC5-8DC4-1A1C44B6049D}"/>
               </a:ext>
             </a:extLst>
           </p:cNvPr>
@@ -9785,10 +10126,85 @@
       </p:sp>
       <p:sp>
         <p:nvSpPr>
-          <p:cNvPr id="5" name="Slide Number Placeholder 4">
-            <a:extLst>
-              <a:ext uri="{FF2B5EF4-FFF2-40B4-BE49-F238E27FC236}">
-                <a16:creationId xmlns:a16="http://schemas.microsoft.com/office/drawing/2014/main" id="{85DF273A-9AB3-B5C3-9ADB-A4CF1A4262CD}"/>
+          <p:cNvPr id="5" name="Picture Placeholder 4">
+            <a:extLst>
+              <a:ext uri="{FF2B5EF4-FFF2-40B4-BE49-F238E27FC236}">
+                <a16:creationId xmlns:a16="http://schemas.microsoft.com/office/drawing/2014/main" id="{84B86DCF-4B97-9947-A1A5-CB1979819433}"/>
+              </a:ext>
+            </a:extLst>
+          </p:cNvPr>
+          <p:cNvSpPr>
+            <a:spLocks noGrp="1"/>
+          </p:cNvSpPr>
+          <p:nvPr>
+            <p:ph type="pic" sz="quarter" idx="15"/>
+          </p:nvPr>
+        </p:nvSpPr>
+        <p:spPr/>
+        <p:txBody>
+          <a:bodyPr/>
+          <a:lstStyle/>
+          <a:p>
+            <a:endParaRPr lang="en-US"/>
+          </a:p>
+        </p:txBody>
+      </p:sp>
+      <p:sp>
+        <p:nvSpPr>
+          <p:cNvPr id="6" name="Picture Placeholder 5">
+            <a:extLst>
+              <a:ext uri="{FF2B5EF4-FFF2-40B4-BE49-F238E27FC236}">
+                <a16:creationId xmlns:a16="http://schemas.microsoft.com/office/drawing/2014/main" id="{8AB7107F-47DD-9F0D-70A4-3FF297304F55}"/>
+              </a:ext>
+            </a:extLst>
+          </p:cNvPr>
+          <p:cNvSpPr>
+            <a:spLocks noGrp="1"/>
+          </p:cNvSpPr>
+          <p:nvPr>
+            <p:ph type="pic" sz="quarter" idx="17"/>
+          </p:nvPr>
+        </p:nvSpPr>
+        <p:spPr/>
+        <p:txBody>
+          <a:bodyPr/>
+          <a:lstStyle/>
+          <a:p>
+            <a:endParaRPr lang="en-US"/>
+          </a:p>
+        </p:txBody>
+      </p:sp>
+      <p:sp>
+        <p:nvSpPr>
+          <p:cNvPr id="7" name="Picture Placeholder 6">
+            <a:extLst>
+              <a:ext uri="{FF2B5EF4-FFF2-40B4-BE49-F238E27FC236}">
+                <a16:creationId xmlns:a16="http://schemas.microsoft.com/office/drawing/2014/main" id="{638EFBB7-E515-DA5F-08E3-9C0BE88AB6AA}"/>
+              </a:ext>
+            </a:extLst>
+          </p:cNvPr>
+          <p:cNvSpPr>
+            <a:spLocks noGrp="1"/>
+          </p:cNvSpPr>
+          <p:nvPr>
+            <p:ph type="pic" sz="quarter" idx="16"/>
+          </p:nvPr>
+        </p:nvSpPr>
+        <p:spPr/>
+        <p:txBody>
+          <a:bodyPr/>
+          <a:lstStyle/>
+          <a:p>
+            <a:endParaRPr lang="en-US"/>
+          </a:p>
+        </p:txBody>
+      </p:sp>
+      <p:sp>
+        <p:nvSpPr>
+          <p:cNvPr id="8" name="Slide Number Placeholder 7">
+            <a:extLst>
+              <a:ext uri="{FF2B5EF4-FFF2-40B4-BE49-F238E27FC236}">
+                <a16:creationId xmlns:a16="http://schemas.microsoft.com/office/drawing/2014/main" id="{73E0A801-B1B2-373A-D748-9D9CBC514047}"/>
               </a:ext>
             </a:extLst>
           </p:cNvPr>
@@ -9813,10 +10229,141 @@
           </a:p>
         </p:txBody>
       </p:sp>
+      <p:sp>
+        <p:nvSpPr>
+          <p:cNvPr id="9" name="Slide Number Placeholder 4">
+            <a:extLst>
+              <a:ext uri="{FF2B5EF4-FFF2-40B4-BE49-F238E27FC236}">
+                <a16:creationId xmlns:a16="http://schemas.microsoft.com/office/drawing/2014/main" id="{B83451FF-8081-707C-0922-6A67FAC34CDB}"/>
+              </a:ext>
+            </a:extLst>
+          </p:cNvPr>
+          <p:cNvSpPr txBox="1">
+            <a:spLocks/>
+          </p:cNvSpPr>
+          <p:nvPr/>
+        </p:nvSpPr>
+        <p:spPr>
+          <a:xfrm>
+            <a:off x="455612" y="6190488"/>
+            <a:ext cx="2677604" cy="210312"/>
+          </a:xfrm>
+          <a:prstGeom prst="rect">
+            <a:avLst/>
+          </a:prstGeom>
+        </p:spPr>
+        <p:txBody>
+          <a:bodyPr vert="horz" lIns="121899" tIns="60949" rIns="121899" bIns="60949" rtlCol="0" anchor="b"/>
+          <a:lstStyle>
+            <a:defPPr>
+              <a:defRPr lang="en-US"/>
+            </a:defPPr>
+            <a:lvl1pPr marL="0" algn="r" defTabSz="1218987" rtl="0" eaLnBrk="1" latinLnBrk="0" hangingPunct="1">
+              <a:defRPr sz="1000" b="1" kern="1200" spc="200" baseline="0">
+                <a:solidFill>
+                  <a:schemeClr val="tx2">
+                    <a:lumMod val="50000"/>
+                  </a:schemeClr>
+                </a:solidFill>
+                <a:latin typeface="+mn-lt"/>
+                <a:ea typeface="+mn-ea"/>
+                <a:cs typeface="+mn-cs"/>
+              </a:defRPr>
+            </a:lvl1pPr>
+            <a:lvl2pPr marL="609493" algn="l" defTabSz="1218987" rtl="0" eaLnBrk="1" latinLnBrk="0" hangingPunct="1">
+              <a:defRPr sz="2400" kern="1200">
+                <a:solidFill>
+                  <a:schemeClr val="tx1"/>
+                </a:solidFill>
+                <a:latin typeface="+mn-lt"/>
+                <a:ea typeface="+mn-ea"/>
+                <a:cs typeface="+mn-cs"/>
+              </a:defRPr>
+            </a:lvl2pPr>
+            <a:lvl3pPr marL="1218987" algn="l" defTabSz="1218987" rtl="0" eaLnBrk="1" latinLnBrk="0" hangingPunct="1">
+              <a:defRPr sz="2400" kern="1200">
+                <a:solidFill>
+                  <a:schemeClr val="tx1"/>
+                </a:solidFill>
+                <a:latin typeface="+mn-lt"/>
+                <a:ea typeface="+mn-ea"/>
+                <a:cs typeface="+mn-cs"/>
+              </a:defRPr>
+            </a:lvl3pPr>
+            <a:lvl4pPr marL="1828480" algn="l" defTabSz="1218987" rtl="0" eaLnBrk="1" latinLnBrk="0" hangingPunct="1">
+              <a:defRPr sz="2400" kern="1200">
+                <a:solidFill>
+                  <a:schemeClr val="tx1"/>
+                </a:solidFill>
+                <a:latin typeface="+mn-lt"/>
+                <a:ea typeface="+mn-ea"/>
+                <a:cs typeface="+mn-cs"/>
+              </a:defRPr>
+            </a:lvl4pPr>
+            <a:lvl5pPr marL="2437973" algn="l" defTabSz="1218987" rtl="0" eaLnBrk="1" latinLnBrk="0" hangingPunct="1">
+              <a:defRPr sz="2400" kern="1200">
+                <a:solidFill>
+                  <a:schemeClr val="tx1"/>
+                </a:solidFill>
+                <a:latin typeface="+mn-lt"/>
+                <a:ea typeface="+mn-ea"/>
+                <a:cs typeface="+mn-cs"/>
+              </a:defRPr>
+            </a:lvl5pPr>
+            <a:lvl6pPr marL="3047467" algn="l" defTabSz="1218987" rtl="0" eaLnBrk="1" latinLnBrk="0" hangingPunct="1">
+              <a:defRPr sz="2400" kern="1200">
+                <a:solidFill>
+                  <a:schemeClr val="tx1"/>
+                </a:solidFill>
+                <a:latin typeface="+mn-lt"/>
+                <a:ea typeface="+mn-ea"/>
+                <a:cs typeface="+mn-cs"/>
+              </a:defRPr>
+            </a:lvl6pPr>
+            <a:lvl7pPr marL="3656960" algn="l" defTabSz="1218987" rtl="0" eaLnBrk="1" latinLnBrk="0" hangingPunct="1">
+              <a:defRPr sz="2400" kern="1200">
+                <a:solidFill>
+                  <a:schemeClr val="tx1"/>
+                </a:solidFill>
+                <a:latin typeface="+mn-lt"/>
+                <a:ea typeface="+mn-ea"/>
+                <a:cs typeface="+mn-cs"/>
+              </a:defRPr>
+            </a:lvl7pPr>
+            <a:lvl8pPr marL="4266453" algn="l" defTabSz="1218987" rtl="0" eaLnBrk="1" latinLnBrk="0" hangingPunct="1">
+              <a:defRPr sz="2400" kern="1200">
+                <a:solidFill>
+                  <a:schemeClr val="tx1"/>
+                </a:solidFill>
+                <a:latin typeface="+mn-lt"/>
+                <a:ea typeface="+mn-ea"/>
+                <a:cs typeface="+mn-cs"/>
+              </a:defRPr>
+            </a:lvl8pPr>
+            <a:lvl9pPr marL="4875947" algn="l" defTabSz="1218987" rtl="0" eaLnBrk="1" latinLnBrk="0" hangingPunct="1">
+              <a:defRPr sz="2400" kern="1200">
+                <a:solidFill>
+                  <a:schemeClr val="tx1"/>
+                </a:solidFill>
+                <a:latin typeface="+mn-lt"/>
+                <a:ea typeface="+mn-ea"/>
+                <a:cs typeface="+mn-cs"/>
+              </a:defRPr>
+            </a:lvl9pPr>
+          </a:lstStyle>
+          <a:p>
+            <a:pPr algn="l"/>
+            <a:r>
+              <a:rPr lang="en-US" dirty="0"/>
+              <a:t>DES211 CAPSTONE PROJECT</a:t>
+            </a:r>
+          </a:p>
+        </p:txBody>
+      </p:sp>
     </p:spTree>
     <p:extLst>
       <p:ext uri="{BB962C8B-B14F-4D97-AF65-F5344CB8AC3E}">
-        <p14:creationId xmlns:p14="http://schemas.microsoft.com/office/powerpoint/2010/main" val="2902727585"/>
+        <p14:creationId xmlns:p14="http://schemas.microsoft.com/office/powerpoint/2010/main" val="2656427420"/>
       </p:ext>
     </p:extLst>
   </p:cSld>
@@ -9843,7 +10390,13 @@
   <p:cSld>
     <p:spTree>
       <p:nvGrpSpPr>
-        <p:cNvPr id="1" name=""/>
+        <p:cNvPr id="1" name="">
+          <a:extLst>
+            <a:ext uri="{FF2B5EF4-FFF2-40B4-BE49-F238E27FC236}">
+              <a16:creationId xmlns:a16="http://schemas.microsoft.com/office/drawing/2014/main" id="{FFB85F68-8123-6880-86CF-D39DE164CE9B}"/>
+            </a:ext>
+          </a:extLst>
+        </p:cNvPr>
         <p:cNvGrpSpPr/>
         <p:nvPr/>
       </p:nvGrpSpPr>
@@ -9860,7 +10413,7 @@
           <p:cNvPr id="2" name="Title 1">
             <a:extLst>
               <a:ext uri="{FF2B5EF4-FFF2-40B4-BE49-F238E27FC236}">
-                <a16:creationId xmlns:a16="http://schemas.microsoft.com/office/drawing/2014/main" id="{AADB5DC0-637B-33EB-9B61-EFB3DE503900}"/>
+                <a16:creationId xmlns:a16="http://schemas.microsoft.com/office/drawing/2014/main" id="{CB2FB0A1-DF3F-2C56-A9BE-2B2150E1E5F2}"/>
               </a:ext>
             </a:extLst>
           </p:cNvPr>
@@ -9876,7 +10429,10 @@
           <a:bodyPr/>
           <a:lstStyle/>
           <a:p>
-            <a:endParaRPr lang="en-IN"/>
+            <a:r>
+              <a:rPr lang="en-IN" dirty="0"/>
+              <a:t>Prototype Phase</a:t>
+            </a:r>
           </a:p>
         </p:txBody>
       </p:sp>
@@ -9885,7 +10441,7 @@
           <p:cNvPr id="3" name="Content Placeholder 2">
             <a:extLst>
               <a:ext uri="{FF2B5EF4-FFF2-40B4-BE49-F238E27FC236}">
-                <a16:creationId xmlns:a16="http://schemas.microsoft.com/office/drawing/2014/main" id="{54DEFFDB-126C-310C-5C89-434FDACA5F31}"/>
+                <a16:creationId xmlns:a16="http://schemas.microsoft.com/office/drawing/2014/main" id="{91139623-E418-9918-37FE-C29501924A8E}"/>
               </a:ext>
             </a:extLst>
           </p:cNvPr>
@@ -9901,16 +10457,16 @@
           <a:bodyPr/>
           <a:lstStyle/>
           <a:p>
-            <a:endParaRPr lang="en-IN"/>
-          </a:p>
-        </p:txBody>
-      </p:sp>
-      <p:sp>
-        <p:nvSpPr>
-          <p:cNvPr id="4" name="Picture Placeholder 3">
-            <a:extLst>
-              <a:ext uri="{FF2B5EF4-FFF2-40B4-BE49-F238E27FC236}">
-                <a16:creationId xmlns:a16="http://schemas.microsoft.com/office/drawing/2014/main" id="{84E988D3-CF35-4838-4D7E-194B8206E5F6}"/>
+            <a:endParaRPr lang="en-IN" dirty="0"/>
+          </a:p>
+        </p:txBody>
+      </p:sp>
+      <p:sp>
+        <p:nvSpPr>
+          <p:cNvPr id="4" name="Content Placeholder 3">
+            <a:extLst>
+              <a:ext uri="{FF2B5EF4-FFF2-40B4-BE49-F238E27FC236}">
+                <a16:creationId xmlns:a16="http://schemas.microsoft.com/office/drawing/2014/main" id="{9B787AC9-EBC2-8A16-B408-255CE6BBC6B3}"/>
               </a:ext>
             </a:extLst>
           </p:cNvPr>
@@ -9918,17 +10474,24 @@
             <a:spLocks noGrp="1"/>
           </p:cNvSpPr>
           <p:nvPr>
-            <p:ph type="pic" sz="quarter" idx="14"/>
+            <p:ph sz="quarter" idx="14"/>
           </p:nvPr>
         </p:nvSpPr>
         <p:spPr/>
+        <p:txBody>
+          <a:bodyPr/>
+          <a:lstStyle/>
+          <a:p>
+            <a:endParaRPr lang="en-IN"/>
+          </a:p>
+        </p:txBody>
       </p:sp>
       <p:sp>
         <p:nvSpPr>
           <p:cNvPr id="5" name="Slide Number Placeholder 4">
             <a:extLst>
               <a:ext uri="{FF2B5EF4-FFF2-40B4-BE49-F238E27FC236}">
-                <a16:creationId xmlns:a16="http://schemas.microsoft.com/office/drawing/2014/main" id="{ECB92C49-500A-83A9-A98E-071CD7B4CF66}"/>
+                <a16:creationId xmlns:a16="http://schemas.microsoft.com/office/drawing/2014/main" id="{85DF273A-9AB3-B5C3-9ADB-A4CF1A4262CD}"/>
               </a:ext>
             </a:extLst>
           </p:cNvPr>
@@ -9953,10 +10516,141 @@
           </a:p>
         </p:txBody>
       </p:sp>
+      <p:sp>
+        <p:nvSpPr>
+          <p:cNvPr id="6" name="Slide Number Placeholder 4">
+            <a:extLst>
+              <a:ext uri="{FF2B5EF4-FFF2-40B4-BE49-F238E27FC236}">
+                <a16:creationId xmlns:a16="http://schemas.microsoft.com/office/drawing/2014/main" id="{2C10F4A0-3974-7A60-C519-09E70A08BDEC}"/>
+              </a:ext>
+            </a:extLst>
+          </p:cNvPr>
+          <p:cNvSpPr txBox="1">
+            <a:spLocks/>
+          </p:cNvSpPr>
+          <p:nvPr/>
+        </p:nvSpPr>
+        <p:spPr>
+          <a:xfrm>
+            <a:off x="455612" y="6190488"/>
+            <a:ext cx="2677604" cy="210312"/>
+          </a:xfrm>
+          <a:prstGeom prst="rect">
+            <a:avLst/>
+          </a:prstGeom>
+        </p:spPr>
+        <p:txBody>
+          <a:bodyPr vert="horz" lIns="121899" tIns="60949" rIns="121899" bIns="60949" rtlCol="0" anchor="b"/>
+          <a:lstStyle>
+            <a:defPPr>
+              <a:defRPr lang="en-US"/>
+            </a:defPPr>
+            <a:lvl1pPr marL="0" algn="r" defTabSz="1218987" rtl="0" eaLnBrk="1" latinLnBrk="0" hangingPunct="1">
+              <a:defRPr sz="1000" b="1" kern="1200" spc="200" baseline="0">
+                <a:solidFill>
+                  <a:schemeClr val="tx2">
+                    <a:lumMod val="50000"/>
+                  </a:schemeClr>
+                </a:solidFill>
+                <a:latin typeface="+mn-lt"/>
+                <a:ea typeface="+mn-ea"/>
+                <a:cs typeface="+mn-cs"/>
+              </a:defRPr>
+            </a:lvl1pPr>
+            <a:lvl2pPr marL="609493" algn="l" defTabSz="1218987" rtl="0" eaLnBrk="1" latinLnBrk="0" hangingPunct="1">
+              <a:defRPr sz="2400" kern="1200">
+                <a:solidFill>
+                  <a:schemeClr val="tx1"/>
+                </a:solidFill>
+                <a:latin typeface="+mn-lt"/>
+                <a:ea typeface="+mn-ea"/>
+                <a:cs typeface="+mn-cs"/>
+              </a:defRPr>
+            </a:lvl2pPr>
+            <a:lvl3pPr marL="1218987" algn="l" defTabSz="1218987" rtl="0" eaLnBrk="1" latinLnBrk="0" hangingPunct="1">
+              <a:defRPr sz="2400" kern="1200">
+                <a:solidFill>
+                  <a:schemeClr val="tx1"/>
+                </a:solidFill>
+                <a:latin typeface="+mn-lt"/>
+                <a:ea typeface="+mn-ea"/>
+                <a:cs typeface="+mn-cs"/>
+              </a:defRPr>
+            </a:lvl3pPr>
+            <a:lvl4pPr marL="1828480" algn="l" defTabSz="1218987" rtl="0" eaLnBrk="1" latinLnBrk="0" hangingPunct="1">
+              <a:defRPr sz="2400" kern="1200">
+                <a:solidFill>
+                  <a:schemeClr val="tx1"/>
+                </a:solidFill>
+                <a:latin typeface="+mn-lt"/>
+                <a:ea typeface="+mn-ea"/>
+                <a:cs typeface="+mn-cs"/>
+              </a:defRPr>
+            </a:lvl4pPr>
+            <a:lvl5pPr marL="2437973" algn="l" defTabSz="1218987" rtl="0" eaLnBrk="1" latinLnBrk="0" hangingPunct="1">
+              <a:defRPr sz="2400" kern="1200">
+                <a:solidFill>
+                  <a:schemeClr val="tx1"/>
+                </a:solidFill>
+                <a:latin typeface="+mn-lt"/>
+                <a:ea typeface="+mn-ea"/>
+                <a:cs typeface="+mn-cs"/>
+              </a:defRPr>
+            </a:lvl5pPr>
+            <a:lvl6pPr marL="3047467" algn="l" defTabSz="1218987" rtl="0" eaLnBrk="1" latinLnBrk="0" hangingPunct="1">
+              <a:defRPr sz="2400" kern="1200">
+                <a:solidFill>
+                  <a:schemeClr val="tx1"/>
+                </a:solidFill>
+                <a:latin typeface="+mn-lt"/>
+                <a:ea typeface="+mn-ea"/>
+                <a:cs typeface="+mn-cs"/>
+              </a:defRPr>
+            </a:lvl6pPr>
+            <a:lvl7pPr marL="3656960" algn="l" defTabSz="1218987" rtl="0" eaLnBrk="1" latinLnBrk="0" hangingPunct="1">
+              <a:defRPr sz="2400" kern="1200">
+                <a:solidFill>
+                  <a:schemeClr val="tx1"/>
+                </a:solidFill>
+                <a:latin typeface="+mn-lt"/>
+                <a:ea typeface="+mn-ea"/>
+                <a:cs typeface="+mn-cs"/>
+              </a:defRPr>
+            </a:lvl7pPr>
+            <a:lvl8pPr marL="4266453" algn="l" defTabSz="1218987" rtl="0" eaLnBrk="1" latinLnBrk="0" hangingPunct="1">
+              <a:defRPr sz="2400" kern="1200">
+                <a:solidFill>
+                  <a:schemeClr val="tx1"/>
+                </a:solidFill>
+                <a:latin typeface="+mn-lt"/>
+                <a:ea typeface="+mn-ea"/>
+                <a:cs typeface="+mn-cs"/>
+              </a:defRPr>
+            </a:lvl8pPr>
+            <a:lvl9pPr marL="4875947" algn="l" defTabSz="1218987" rtl="0" eaLnBrk="1" latinLnBrk="0" hangingPunct="1">
+              <a:defRPr sz="2400" kern="1200">
+                <a:solidFill>
+                  <a:schemeClr val="tx1"/>
+                </a:solidFill>
+                <a:latin typeface="+mn-lt"/>
+                <a:ea typeface="+mn-ea"/>
+                <a:cs typeface="+mn-cs"/>
+              </a:defRPr>
+            </a:lvl9pPr>
+          </a:lstStyle>
+          <a:p>
+            <a:pPr algn="l"/>
+            <a:r>
+              <a:rPr lang="en-US" dirty="0"/>
+              <a:t>DES211 CAPSTONE PROJECT</a:t>
+            </a:r>
+          </a:p>
+        </p:txBody>
+      </p:sp>
     </p:spTree>
     <p:extLst>
       <p:ext uri="{BB962C8B-B14F-4D97-AF65-F5344CB8AC3E}">
-        <p14:creationId xmlns:p14="http://schemas.microsoft.com/office/powerpoint/2010/main" val="1871765083"/>
+        <p14:creationId xmlns:p14="http://schemas.microsoft.com/office/powerpoint/2010/main" val="2902727585"/>
       </p:ext>
     </p:extLst>
   </p:cSld>
@@ -10000,7 +10694,7 @@
           <p:cNvPr id="2" name="Title 1">
             <a:extLst>
               <a:ext uri="{FF2B5EF4-FFF2-40B4-BE49-F238E27FC236}">
-                <a16:creationId xmlns:a16="http://schemas.microsoft.com/office/drawing/2014/main" id="{3691652E-4125-782A-0F3D-C13ED2979900}"/>
+                <a16:creationId xmlns:a16="http://schemas.microsoft.com/office/drawing/2014/main" id="{AADB5DC0-637B-33EB-9B61-EFB3DE503900}"/>
               </a:ext>
             </a:extLst>
           </p:cNvPr>
@@ -10025,7 +10719,7 @@
           <p:cNvPr id="3" name="Content Placeholder 2">
             <a:extLst>
               <a:ext uri="{FF2B5EF4-FFF2-40B4-BE49-F238E27FC236}">
-                <a16:creationId xmlns:a16="http://schemas.microsoft.com/office/drawing/2014/main" id="{C7EE9B6C-C4DB-433D-ADAB-6B49E2BC80AB}"/>
+                <a16:creationId xmlns:a16="http://schemas.microsoft.com/office/drawing/2014/main" id="{54DEFFDB-126C-310C-5C89-434FDACA5F31}"/>
               </a:ext>
             </a:extLst>
           </p:cNvPr>
@@ -10050,7 +10744,7 @@
           <p:cNvPr id="4" name="Picture Placeholder 3">
             <a:extLst>
               <a:ext uri="{FF2B5EF4-FFF2-40B4-BE49-F238E27FC236}">
-                <a16:creationId xmlns:a16="http://schemas.microsoft.com/office/drawing/2014/main" id="{F26B7286-44C7-3395-7091-9C3CF7134780}"/>
+                <a16:creationId xmlns:a16="http://schemas.microsoft.com/office/drawing/2014/main" id="{84E988D3-CF35-4838-4D7E-194B8206E5F6}"/>
               </a:ext>
             </a:extLst>
           </p:cNvPr>
@@ -10062,13 +10756,20 @@
           </p:nvPr>
         </p:nvSpPr>
         <p:spPr/>
+        <p:txBody>
+          <a:bodyPr/>
+          <a:lstStyle/>
+          <a:p>
+            <a:endParaRPr lang="en-US"/>
+          </a:p>
+        </p:txBody>
       </p:sp>
       <p:sp>
         <p:nvSpPr>
           <p:cNvPr id="5" name="Slide Number Placeholder 4">
             <a:extLst>
               <a:ext uri="{FF2B5EF4-FFF2-40B4-BE49-F238E27FC236}">
-                <a16:creationId xmlns:a16="http://schemas.microsoft.com/office/drawing/2014/main" id="{771CACD5-DC8F-E562-D34B-63ACEED10192}"/>
+                <a16:creationId xmlns:a16="http://schemas.microsoft.com/office/drawing/2014/main" id="{ECB92C49-500A-83A9-A98E-071CD7B4CF66}"/>
               </a:ext>
             </a:extLst>
           </p:cNvPr>
@@ -10093,10 +10794,141 @@
           </a:p>
         </p:txBody>
       </p:sp>
+      <p:sp>
+        <p:nvSpPr>
+          <p:cNvPr id="6" name="Slide Number Placeholder 4">
+            <a:extLst>
+              <a:ext uri="{FF2B5EF4-FFF2-40B4-BE49-F238E27FC236}">
+                <a16:creationId xmlns:a16="http://schemas.microsoft.com/office/drawing/2014/main" id="{3F841A1B-DBD5-E8AC-6353-E738060B9317}"/>
+              </a:ext>
+            </a:extLst>
+          </p:cNvPr>
+          <p:cNvSpPr txBox="1">
+            <a:spLocks/>
+          </p:cNvSpPr>
+          <p:nvPr/>
+        </p:nvSpPr>
+        <p:spPr>
+          <a:xfrm>
+            <a:off x="455612" y="6190488"/>
+            <a:ext cx="2677604" cy="210312"/>
+          </a:xfrm>
+          <a:prstGeom prst="rect">
+            <a:avLst/>
+          </a:prstGeom>
+        </p:spPr>
+        <p:txBody>
+          <a:bodyPr vert="horz" lIns="121899" tIns="60949" rIns="121899" bIns="60949" rtlCol="0" anchor="b"/>
+          <a:lstStyle>
+            <a:defPPr>
+              <a:defRPr lang="en-US"/>
+            </a:defPPr>
+            <a:lvl1pPr marL="0" algn="r" defTabSz="1218987" rtl="0" eaLnBrk="1" latinLnBrk="0" hangingPunct="1">
+              <a:defRPr sz="1000" b="1" kern="1200" spc="200" baseline="0">
+                <a:solidFill>
+                  <a:schemeClr val="tx2">
+                    <a:lumMod val="50000"/>
+                  </a:schemeClr>
+                </a:solidFill>
+                <a:latin typeface="+mn-lt"/>
+                <a:ea typeface="+mn-ea"/>
+                <a:cs typeface="+mn-cs"/>
+              </a:defRPr>
+            </a:lvl1pPr>
+            <a:lvl2pPr marL="609493" algn="l" defTabSz="1218987" rtl="0" eaLnBrk="1" latinLnBrk="0" hangingPunct="1">
+              <a:defRPr sz="2400" kern="1200">
+                <a:solidFill>
+                  <a:schemeClr val="tx1"/>
+                </a:solidFill>
+                <a:latin typeface="+mn-lt"/>
+                <a:ea typeface="+mn-ea"/>
+                <a:cs typeface="+mn-cs"/>
+              </a:defRPr>
+            </a:lvl2pPr>
+            <a:lvl3pPr marL="1218987" algn="l" defTabSz="1218987" rtl="0" eaLnBrk="1" latinLnBrk="0" hangingPunct="1">
+              <a:defRPr sz="2400" kern="1200">
+                <a:solidFill>
+                  <a:schemeClr val="tx1"/>
+                </a:solidFill>
+                <a:latin typeface="+mn-lt"/>
+                <a:ea typeface="+mn-ea"/>
+                <a:cs typeface="+mn-cs"/>
+              </a:defRPr>
+            </a:lvl3pPr>
+            <a:lvl4pPr marL="1828480" algn="l" defTabSz="1218987" rtl="0" eaLnBrk="1" latinLnBrk="0" hangingPunct="1">
+              <a:defRPr sz="2400" kern="1200">
+                <a:solidFill>
+                  <a:schemeClr val="tx1"/>
+                </a:solidFill>
+                <a:latin typeface="+mn-lt"/>
+                <a:ea typeface="+mn-ea"/>
+                <a:cs typeface="+mn-cs"/>
+              </a:defRPr>
+            </a:lvl4pPr>
+            <a:lvl5pPr marL="2437973" algn="l" defTabSz="1218987" rtl="0" eaLnBrk="1" latinLnBrk="0" hangingPunct="1">
+              <a:defRPr sz="2400" kern="1200">
+                <a:solidFill>
+                  <a:schemeClr val="tx1"/>
+                </a:solidFill>
+                <a:latin typeface="+mn-lt"/>
+                <a:ea typeface="+mn-ea"/>
+                <a:cs typeface="+mn-cs"/>
+              </a:defRPr>
+            </a:lvl5pPr>
+            <a:lvl6pPr marL="3047467" algn="l" defTabSz="1218987" rtl="0" eaLnBrk="1" latinLnBrk="0" hangingPunct="1">
+              <a:defRPr sz="2400" kern="1200">
+                <a:solidFill>
+                  <a:schemeClr val="tx1"/>
+                </a:solidFill>
+                <a:latin typeface="+mn-lt"/>
+                <a:ea typeface="+mn-ea"/>
+                <a:cs typeface="+mn-cs"/>
+              </a:defRPr>
+            </a:lvl6pPr>
+            <a:lvl7pPr marL="3656960" algn="l" defTabSz="1218987" rtl="0" eaLnBrk="1" latinLnBrk="0" hangingPunct="1">
+              <a:defRPr sz="2400" kern="1200">
+                <a:solidFill>
+                  <a:schemeClr val="tx1"/>
+                </a:solidFill>
+                <a:latin typeface="+mn-lt"/>
+                <a:ea typeface="+mn-ea"/>
+                <a:cs typeface="+mn-cs"/>
+              </a:defRPr>
+            </a:lvl7pPr>
+            <a:lvl8pPr marL="4266453" algn="l" defTabSz="1218987" rtl="0" eaLnBrk="1" latinLnBrk="0" hangingPunct="1">
+              <a:defRPr sz="2400" kern="1200">
+                <a:solidFill>
+                  <a:schemeClr val="tx1"/>
+                </a:solidFill>
+                <a:latin typeface="+mn-lt"/>
+                <a:ea typeface="+mn-ea"/>
+                <a:cs typeface="+mn-cs"/>
+              </a:defRPr>
+            </a:lvl8pPr>
+            <a:lvl9pPr marL="4875947" algn="l" defTabSz="1218987" rtl="0" eaLnBrk="1" latinLnBrk="0" hangingPunct="1">
+              <a:defRPr sz="2400" kern="1200">
+                <a:solidFill>
+                  <a:schemeClr val="tx1"/>
+                </a:solidFill>
+                <a:latin typeface="+mn-lt"/>
+                <a:ea typeface="+mn-ea"/>
+                <a:cs typeface="+mn-cs"/>
+              </a:defRPr>
+            </a:lvl9pPr>
+          </a:lstStyle>
+          <a:p>
+            <a:pPr algn="l"/>
+            <a:r>
+              <a:rPr lang="en-US" dirty="0"/>
+              <a:t>DES211 CAPSTONE PROJECT</a:t>
+            </a:r>
+          </a:p>
+        </p:txBody>
+      </p:sp>
     </p:spTree>
     <p:extLst>
       <p:ext uri="{BB962C8B-B14F-4D97-AF65-F5344CB8AC3E}">
-        <p14:creationId xmlns:p14="http://schemas.microsoft.com/office/powerpoint/2010/main" val="2540403346"/>
+        <p14:creationId xmlns:p14="http://schemas.microsoft.com/office/powerpoint/2010/main" val="1871765083"/>
       </p:ext>
     </p:extLst>
   </p:cSld>
@@ -10140,7 +10972,7 @@
           <p:cNvPr id="2" name="Title 1">
             <a:extLst>
               <a:ext uri="{FF2B5EF4-FFF2-40B4-BE49-F238E27FC236}">
-                <a16:creationId xmlns:a16="http://schemas.microsoft.com/office/drawing/2014/main" id="{E5BB7D67-76BC-2F76-6A7E-93CF1B03CA9B}"/>
+                <a16:creationId xmlns:a16="http://schemas.microsoft.com/office/drawing/2014/main" id="{3691652E-4125-782A-0F3D-C13ED2979900}"/>
               </a:ext>
             </a:extLst>
           </p:cNvPr>
@@ -10165,7 +10997,7 @@
           <p:cNvPr id="3" name="Content Placeholder 2">
             <a:extLst>
               <a:ext uri="{FF2B5EF4-FFF2-40B4-BE49-F238E27FC236}">
-                <a16:creationId xmlns:a16="http://schemas.microsoft.com/office/drawing/2014/main" id="{481F0043-5374-9370-B17A-15CAD56ADF84}"/>
+                <a16:creationId xmlns:a16="http://schemas.microsoft.com/office/drawing/2014/main" id="{C7EE9B6C-C4DB-433D-ADAB-6B49E2BC80AB}"/>
               </a:ext>
             </a:extLst>
           </p:cNvPr>
@@ -10190,7 +11022,7 @@
           <p:cNvPr id="4" name="Picture Placeholder 3">
             <a:extLst>
               <a:ext uri="{FF2B5EF4-FFF2-40B4-BE49-F238E27FC236}">
-                <a16:creationId xmlns:a16="http://schemas.microsoft.com/office/drawing/2014/main" id="{B57F297D-5244-EB01-2D2D-30DC341E469D}"/>
+                <a16:creationId xmlns:a16="http://schemas.microsoft.com/office/drawing/2014/main" id="{F26B7286-44C7-3395-7091-9C3CF7134780}"/>
               </a:ext>
             </a:extLst>
           </p:cNvPr>
@@ -10202,13 +11034,20 @@
           </p:nvPr>
         </p:nvSpPr>
         <p:spPr/>
+        <p:txBody>
+          <a:bodyPr/>
+          <a:lstStyle/>
+          <a:p>
+            <a:endParaRPr lang="en-US"/>
+          </a:p>
+        </p:txBody>
       </p:sp>
       <p:sp>
         <p:nvSpPr>
           <p:cNvPr id="5" name="Slide Number Placeholder 4">
             <a:extLst>
               <a:ext uri="{FF2B5EF4-FFF2-40B4-BE49-F238E27FC236}">
-                <a16:creationId xmlns:a16="http://schemas.microsoft.com/office/drawing/2014/main" id="{C6881C2A-23D8-2323-B89B-98E5EBD584F6}"/>
+                <a16:creationId xmlns:a16="http://schemas.microsoft.com/office/drawing/2014/main" id="{771CACD5-DC8F-E562-D34B-63ACEED10192}"/>
               </a:ext>
             </a:extLst>
           </p:cNvPr>
@@ -10233,10 +11072,141 @@
           </a:p>
         </p:txBody>
       </p:sp>
+      <p:sp>
+        <p:nvSpPr>
+          <p:cNvPr id="6" name="Slide Number Placeholder 4">
+            <a:extLst>
+              <a:ext uri="{FF2B5EF4-FFF2-40B4-BE49-F238E27FC236}">
+                <a16:creationId xmlns:a16="http://schemas.microsoft.com/office/drawing/2014/main" id="{FC397AB4-E7B3-064C-48F7-B4F336380CBA}"/>
+              </a:ext>
+            </a:extLst>
+          </p:cNvPr>
+          <p:cNvSpPr txBox="1">
+            <a:spLocks/>
+          </p:cNvSpPr>
+          <p:nvPr/>
+        </p:nvSpPr>
+        <p:spPr>
+          <a:xfrm>
+            <a:off x="455612" y="6190488"/>
+            <a:ext cx="2677604" cy="210312"/>
+          </a:xfrm>
+          <a:prstGeom prst="rect">
+            <a:avLst/>
+          </a:prstGeom>
+        </p:spPr>
+        <p:txBody>
+          <a:bodyPr vert="horz" lIns="121899" tIns="60949" rIns="121899" bIns="60949" rtlCol="0" anchor="b"/>
+          <a:lstStyle>
+            <a:defPPr>
+              <a:defRPr lang="en-US"/>
+            </a:defPPr>
+            <a:lvl1pPr marL="0" algn="r" defTabSz="1218987" rtl="0" eaLnBrk="1" latinLnBrk="0" hangingPunct="1">
+              <a:defRPr sz="1000" b="1" kern="1200" spc="200" baseline="0">
+                <a:solidFill>
+                  <a:schemeClr val="tx2">
+                    <a:lumMod val="50000"/>
+                  </a:schemeClr>
+                </a:solidFill>
+                <a:latin typeface="+mn-lt"/>
+                <a:ea typeface="+mn-ea"/>
+                <a:cs typeface="+mn-cs"/>
+              </a:defRPr>
+            </a:lvl1pPr>
+            <a:lvl2pPr marL="609493" algn="l" defTabSz="1218987" rtl="0" eaLnBrk="1" latinLnBrk="0" hangingPunct="1">
+              <a:defRPr sz="2400" kern="1200">
+                <a:solidFill>
+                  <a:schemeClr val="tx1"/>
+                </a:solidFill>
+                <a:latin typeface="+mn-lt"/>
+                <a:ea typeface="+mn-ea"/>
+                <a:cs typeface="+mn-cs"/>
+              </a:defRPr>
+            </a:lvl2pPr>
+            <a:lvl3pPr marL="1218987" algn="l" defTabSz="1218987" rtl="0" eaLnBrk="1" latinLnBrk="0" hangingPunct="1">
+              <a:defRPr sz="2400" kern="1200">
+                <a:solidFill>
+                  <a:schemeClr val="tx1"/>
+                </a:solidFill>
+                <a:latin typeface="+mn-lt"/>
+                <a:ea typeface="+mn-ea"/>
+                <a:cs typeface="+mn-cs"/>
+              </a:defRPr>
+            </a:lvl3pPr>
+            <a:lvl4pPr marL="1828480" algn="l" defTabSz="1218987" rtl="0" eaLnBrk="1" latinLnBrk="0" hangingPunct="1">
+              <a:defRPr sz="2400" kern="1200">
+                <a:solidFill>
+                  <a:schemeClr val="tx1"/>
+                </a:solidFill>
+                <a:latin typeface="+mn-lt"/>
+                <a:ea typeface="+mn-ea"/>
+                <a:cs typeface="+mn-cs"/>
+              </a:defRPr>
+            </a:lvl4pPr>
+            <a:lvl5pPr marL="2437973" algn="l" defTabSz="1218987" rtl="0" eaLnBrk="1" latinLnBrk="0" hangingPunct="1">
+              <a:defRPr sz="2400" kern="1200">
+                <a:solidFill>
+                  <a:schemeClr val="tx1"/>
+                </a:solidFill>
+                <a:latin typeface="+mn-lt"/>
+                <a:ea typeface="+mn-ea"/>
+                <a:cs typeface="+mn-cs"/>
+              </a:defRPr>
+            </a:lvl5pPr>
+            <a:lvl6pPr marL="3047467" algn="l" defTabSz="1218987" rtl="0" eaLnBrk="1" latinLnBrk="0" hangingPunct="1">
+              <a:defRPr sz="2400" kern="1200">
+                <a:solidFill>
+                  <a:schemeClr val="tx1"/>
+                </a:solidFill>
+                <a:latin typeface="+mn-lt"/>
+                <a:ea typeface="+mn-ea"/>
+                <a:cs typeface="+mn-cs"/>
+              </a:defRPr>
+            </a:lvl6pPr>
+            <a:lvl7pPr marL="3656960" algn="l" defTabSz="1218987" rtl="0" eaLnBrk="1" latinLnBrk="0" hangingPunct="1">
+              <a:defRPr sz="2400" kern="1200">
+                <a:solidFill>
+                  <a:schemeClr val="tx1"/>
+                </a:solidFill>
+                <a:latin typeface="+mn-lt"/>
+                <a:ea typeface="+mn-ea"/>
+                <a:cs typeface="+mn-cs"/>
+              </a:defRPr>
+            </a:lvl7pPr>
+            <a:lvl8pPr marL="4266453" algn="l" defTabSz="1218987" rtl="0" eaLnBrk="1" latinLnBrk="0" hangingPunct="1">
+              <a:defRPr sz="2400" kern="1200">
+                <a:solidFill>
+                  <a:schemeClr val="tx1"/>
+                </a:solidFill>
+                <a:latin typeface="+mn-lt"/>
+                <a:ea typeface="+mn-ea"/>
+                <a:cs typeface="+mn-cs"/>
+              </a:defRPr>
+            </a:lvl8pPr>
+            <a:lvl9pPr marL="4875947" algn="l" defTabSz="1218987" rtl="0" eaLnBrk="1" latinLnBrk="0" hangingPunct="1">
+              <a:defRPr sz="2400" kern="1200">
+                <a:solidFill>
+                  <a:schemeClr val="tx1"/>
+                </a:solidFill>
+                <a:latin typeface="+mn-lt"/>
+                <a:ea typeface="+mn-ea"/>
+                <a:cs typeface="+mn-cs"/>
+              </a:defRPr>
+            </a:lvl9pPr>
+          </a:lstStyle>
+          <a:p>
+            <a:pPr algn="l"/>
+            <a:r>
+              <a:rPr lang="en-US" dirty="0"/>
+              <a:t>DES211 CAPSTONE PROJECT</a:t>
+            </a:r>
+          </a:p>
+        </p:txBody>
+      </p:sp>
     </p:spTree>
     <p:extLst>
       <p:ext uri="{BB962C8B-B14F-4D97-AF65-F5344CB8AC3E}">
-        <p14:creationId xmlns:p14="http://schemas.microsoft.com/office/powerpoint/2010/main" val="1188192135"/>
+        <p14:creationId xmlns:p14="http://schemas.microsoft.com/office/powerpoint/2010/main" val="2540403346"/>
       </p:ext>
     </p:extLst>
   </p:cSld>
@@ -10280,7 +11250,7 @@
           <p:cNvPr id="2" name="Title 1">
             <a:extLst>
               <a:ext uri="{FF2B5EF4-FFF2-40B4-BE49-F238E27FC236}">
-                <a16:creationId xmlns:a16="http://schemas.microsoft.com/office/drawing/2014/main" id="{2BD7C78A-703A-694E-8FFC-38843E2ED0D5}"/>
+                <a16:creationId xmlns:a16="http://schemas.microsoft.com/office/drawing/2014/main" id="{E5BB7D67-76BC-2F76-6A7E-93CF1B03CA9B}"/>
               </a:ext>
             </a:extLst>
           </p:cNvPr>
@@ -10305,7 +11275,7 @@
           <p:cNvPr id="3" name="Content Placeholder 2">
             <a:extLst>
               <a:ext uri="{FF2B5EF4-FFF2-40B4-BE49-F238E27FC236}">
-                <a16:creationId xmlns:a16="http://schemas.microsoft.com/office/drawing/2014/main" id="{12D21900-DBB9-221C-76E0-EDDD133DAC6B}"/>
+                <a16:creationId xmlns:a16="http://schemas.microsoft.com/office/drawing/2014/main" id="{481F0043-5374-9370-B17A-15CAD56ADF84}"/>
               </a:ext>
             </a:extLst>
           </p:cNvPr>
@@ -10330,7 +11300,7 @@
           <p:cNvPr id="4" name="Picture Placeholder 3">
             <a:extLst>
               <a:ext uri="{FF2B5EF4-FFF2-40B4-BE49-F238E27FC236}">
-                <a16:creationId xmlns:a16="http://schemas.microsoft.com/office/drawing/2014/main" id="{32AEFEA6-A660-5D12-A8F7-5BB4222EFB74}"/>
+                <a16:creationId xmlns:a16="http://schemas.microsoft.com/office/drawing/2014/main" id="{B57F297D-5244-EB01-2D2D-30DC341E469D}"/>
               </a:ext>
             </a:extLst>
           </p:cNvPr>
@@ -10342,13 +11312,20 @@
           </p:nvPr>
         </p:nvSpPr>
         <p:spPr/>
+        <p:txBody>
+          <a:bodyPr/>
+          <a:lstStyle/>
+          <a:p>
+            <a:endParaRPr lang="en-US"/>
+          </a:p>
+        </p:txBody>
       </p:sp>
       <p:sp>
         <p:nvSpPr>
           <p:cNvPr id="5" name="Slide Number Placeholder 4">
             <a:extLst>
               <a:ext uri="{FF2B5EF4-FFF2-40B4-BE49-F238E27FC236}">
-                <a16:creationId xmlns:a16="http://schemas.microsoft.com/office/drawing/2014/main" id="{4DFB636B-8EED-D8C9-B88E-532B23AEFD21}"/>
+                <a16:creationId xmlns:a16="http://schemas.microsoft.com/office/drawing/2014/main" id="{C6881C2A-23D8-2323-B89B-98E5EBD584F6}"/>
               </a:ext>
             </a:extLst>
           </p:cNvPr>
@@ -10373,10 +11350,141 @@
           </a:p>
         </p:txBody>
       </p:sp>
+      <p:sp>
+        <p:nvSpPr>
+          <p:cNvPr id="6" name="Slide Number Placeholder 4">
+            <a:extLst>
+              <a:ext uri="{FF2B5EF4-FFF2-40B4-BE49-F238E27FC236}">
+                <a16:creationId xmlns:a16="http://schemas.microsoft.com/office/drawing/2014/main" id="{1466C1CC-3C62-38E8-78DE-98C589A6C039}"/>
+              </a:ext>
+            </a:extLst>
+          </p:cNvPr>
+          <p:cNvSpPr txBox="1">
+            <a:spLocks/>
+          </p:cNvSpPr>
+          <p:nvPr/>
+        </p:nvSpPr>
+        <p:spPr>
+          <a:xfrm>
+            <a:off x="455612" y="6190488"/>
+            <a:ext cx="2677604" cy="210312"/>
+          </a:xfrm>
+          <a:prstGeom prst="rect">
+            <a:avLst/>
+          </a:prstGeom>
+        </p:spPr>
+        <p:txBody>
+          <a:bodyPr vert="horz" lIns="121899" tIns="60949" rIns="121899" bIns="60949" rtlCol="0" anchor="b"/>
+          <a:lstStyle>
+            <a:defPPr>
+              <a:defRPr lang="en-US"/>
+            </a:defPPr>
+            <a:lvl1pPr marL="0" algn="r" defTabSz="1218987" rtl="0" eaLnBrk="1" latinLnBrk="0" hangingPunct="1">
+              <a:defRPr sz="1000" b="1" kern="1200" spc="200" baseline="0">
+                <a:solidFill>
+                  <a:schemeClr val="tx2">
+                    <a:lumMod val="50000"/>
+                  </a:schemeClr>
+                </a:solidFill>
+                <a:latin typeface="+mn-lt"/>
+                <a:ea typeface="+mn-ea"/>
+                <a:cs typeface="+mn-cs"/>
+              </a:defRPr>
+            </a:lvl1pPr>
+            <a:lvl2pPr marL="609493" algn="l" defTabSz="1218987" rtl="0" eaLnBrk="1" latinLnBrk="0" hangingPunct="1">
+              <a:defRPr sz="2400" kern="1200">
+                <a:solidFill>
+                  <a:schemeClr val="tx1"/>
+                </a:solidFill>
+                <a:latin typeface="+mn-lt"/>
+                <a:ea typeface="+mn-ea"/>
+                <a:cs typeface="+mn-cs"/>
+              </a:defRPr>
+            </a:lvl2pPr>
+            <a:lvl3pPr marL="1218987" algn="l" defTabSz="1218987" rtl="0" eaLnBrk="1" latinLnBrk="0" hangingPunct="1">
+              <a:defRPr sz="2400" kern="1200">
+                <a:solidFill>
+                  <a:schemeClr val="tx1"/>
+                </a:solidFill>
+                <a:latin typeface="+mn-lt"/>
+                <a:ea typeface="+mn-ea"/>
+                <a:cs typeface="+mn-cs"/>
+              </a:defRPr>
+            </a:lvl3pPr>
+            <a:lvl4pPr marL="1828480" algn="l" defTabSz="1218987" rtl="0" eaLnBrk="1" latinLnBrk="0" hangingPunct="1">
+              <a:defRPr sz="2400" kern="1200">
+                <a:solidFill>
+                  <a:schemeClr val="tx1"/>
+                </a:solidFill>
+                <a:latin typeface="+mn-lt"/>
+                <a:ea typeface="+mn-ea"/>
+                <a:cs typeface="+mn-cs"/>
+              </a:defRPr>
+            </a:lvl4pPr>
+            <a:lvl5pPr marL="2437973" algn="l" defTabSz="1218987" rtl="0" eaLnBrk="1" latinLnBrk="0" hangingPunct="1">
+              <a:defRPr sz="2400" kern="1200">
+                <a:solidFill>
+                  <a:schemeClr val="tx1"/>
+                </a:solidFill>
+                <a:latin typeface="+mn-lt"/>
+                <a:ea typeface="+mn-ea"/>
+                <a:cs typeface="+mn-cs"/>
+              </a:defRPr>
+            </a:lvl5pPr>
+            <a:lvl6pPr marL="3047467" algn="l" defTabSz="1218987" rtl="0" eaLnBrk="1" latinLnBrk="0" hangingPunct="1">
+              <a:defRPr sz="2400" kern="1200">
+                <a:solidFill>
+                  <a:schemeClr val="tx1"/>
+                </a:solidFill>
+                <a:latin typeface="+mn-lt"/>
+                <a:ea typeface="+mn-ea"/>
+                <a:cs typeface="+mn-cs"/>
+              </a:defRPr>
+            </a:lvl6pPr>
+            <a:lvl7pPr marL="3656960" algn="l" defTabSz="1218987" rtl="0" eaLnBrk="1" latinLnBrk="0" hangingPunct="1">
+              <a:defRPr sz="2400" kern="1200">
+                <a:solidFill>
+                  <a:schemeClr val="tx1"/>
+                </a:solidFill>
+                <a:latin typeface="+mn-lt"/>
+                <a:ea typeface="+mn-ea"/>
+                <a:cs typeface="+mn-cs"/>
+              </a:defRPr>
+            </a:lvl7pPr>
+            <a:lvl8pPr marL="4266453" algn="l" defTabSz="1218987" rtl="0" eaLnBrk="1" latinLnBrk="0" hangingPunct="1">
+              <a:defRPr sz="2400" kern="1200">
+                <a:solidFill>
+                  <a:schemeClr val="tx1"/>
+                </a:solidFill>
+                <a:latin typeface="+mn-lt"/>
+                <a:ea typeface="+mn-ea"/>
+                <a:cs typeface="+mn-cs"/>
+              </a:defRPr>
+            </a:lvl8pPr>
+            <a:lvl9pPr marL="4875947" algn="l" defTabSz="1218987" rtl="0" eaLnBrk="1" latinLnBrk="0" hangingPunct="1">
+              <a:defRPr sz="2400" kern="1200">
+                <a:solidFill>
+                  <a:schemeClr val="tx1"/>
+                </a:solidFill>
+                <a:latin typeface="+mn-lt"/>
+                <a:ea typeface="+mn-ea"/>
+                <a:cs typeface="+mn-cs"/>
+              </a:defRPr>
+            </a:lvl9pPr>
+          </a:lstStyle>
+          <a:p>
+            <a:pPr algn="l"/>
+            <a:r>
+              <a:rPr lang="en-US" dirty="0"/>
+              <a:t>DES211 CAPSTONE PROJECT</a:t>
+            </a:r>
+          </a:p>
+        </p:txBody>
+      </p:sp>
     </p:spTree>
     <p:extLst>
       <p:ext uri="{BB962C8B-B14F-4D97-AF65-F5344CB8AC3E}">
-        <p14:creationId xmlns:p14="http://schemas.microsoft.com/office/powerpoint/2010/main" val="3262945818"/>
+        <p14:creationId xmlns:p14="http://schemas.microsoft.com/office/powerpoint/2010/main" val="1188192135"/>
       </p:ext>
     </p:extLst>
   </p:cSld>
@@ -10420,7 +11528,7 @@
           <p:cNvPr id="2" name="Title 1">
             <a:extLst>
               <a:ext uri="{FF2B5EF4-FFF2-40B4-BE49-F238E27FC236}">
-                <a16:creationId xmlns:a16="http://schemas.microsoft.com/office/drawing/2014/main" id="{0B4D0D16-67A0-9392-36C4-38AEF1EFD705}"/>
+                <a16:creationId xmlns:a16="http://schemas.microsoft.com/office/drawing/2014/main" id="{2BD7C78A-703A-694E-8FFC-38843E2ED0D5}"/>
               </a:ext>
             </a:extLst>
           </p:cNvPr>
@@ -10445,7 +11553,7 @@
           <p:cNvPr id="3" name="Content Placeholder 2">
             <a:extLst>
               <a:ext uri="{FF2B5EF4-FFF2-40B4-BE49-F238E27FC236}">
-                <a16:creationId xmlns:a16="http://schemas.microsoft.com/office/drawing/2014/main" id="{639F28B0-AE40-DF8E-76CA-380B2FBF75D9}"/>
+                <a16:creationId xmlns:a16="http://schemas.microsoft.com/office/drawing/2014/main" id="{12D21900-DBB9-221C-76E0-EDDD133DAC6B}"/>
               </a:ext>
             </a:extLst>
           </p:cNvPr>
@@ -10467,10 +11575,10 @@
       </p:sp>
       <p:sp>
         <p:nvSpPr>
-          <p:cNvPr id="4" name="Content Placeholder 3">
-            <a:extLst>
-              <a:ext uri="{FF2B5EF4-FFF2-40B4-BE49-F238E27FC236}">
-                <a16:creationId xmlns:a16="http://schemas.microsoft.com/office/drawing/2014/main" id="{E1B2001F-94BD-7F0A-56F1-F7B277AF3CC6}"/>
+          <p:cNvPr id="4" name="Picture Placeholder 3">
+            <a:extLst>
+              <a:ext uri="{FF2B5EF4-FFF2-40B4-BE49-F238E27FC236}">
+                <a16:creationId xmlns:a16="http://schemas.microsoft.com/office/drawing/2014/main" id="{32AEFEA6-A660-5D12-A8F7-5BB4222EFB74}"/>
               </a:ext>
             </a:extLst>
           </p:cNvPr>
@@ -10478,7 +11586,7 @@
             <a:spLocks noGrp="1"/>
           </p:cNvSpPr>
           <p:nvPr>
-            <p:ph sz="quarter" idx="14"/>
+            <p:ph type="pic" sz="quarter" idx="14"/>
           </p:nvPr>
         </p:nvSpPr>
         <p:spPr/>
@@ -10486,7 +11594,7 @@
           <a:bodyPr/>
           <a:lstStyle/>
           <a:p>
-            <a:endParaRPr lang="en-IN"/>
+            <a:endParaRPr lang="en-US"/>
           </a:p>
         </p:txBody>
       </p:sp>
@@ -10495,7 +11603,7 @@
           <p:cNvPr id="5" name="Slide Number Placeholder 4">
             <a:extLst>
               <a:ext uri="{FF2B5EF4-FFF2-40B4-BE49-F238E27FC236}">
-                <a16:creationId xmlns:a16="http://schemas.microsoft.com/office/drawing/2014/main" id="{DE249310-06ED-CE6D-9342-95110ABFA82A}"/>
+                <a16:creationId xmlns:a16="http://schemas.microsoft.com/office/drawing/2014/main" id="{4DFB636B-8EED-D8C9-B88E-532B23AEFD21}"/>
               </a:ext>
             </a:extLst>
           </p:cNvPr>
@@ -10520,10 +11628,141 @@
           </a:p>
         </p:txBody>
       </p:sp>
+      <p:sp>
+        <p:nvSpPr>
+          <p:cNvPr id="6" name="Slide Number Placeholder 4">
+            <a:extLst>
+              <a:ext uri="{FF2B5EF4-FFF2-40B4-BE49-F238E27FC236}">
+                <a16:creationId xmlns:a16="http://schemas.microsoft.com/office/drawing/2014/main" id="{36B8F459-6F30-1450-5D41-1997E9CEE977}"/>
+              </a:ext>
+            </a:extLst>
+          </p:cNvPr>
+          <p:cNvSpPr txBox="1">
+            <a:spLocks/>
+          </p:cNvSpPr>
+          <p:nvPr/>
+        </p:nvSpPr>
+        <p:spPr>
+          <a:xfrm>
+            <a:off x="455612" y="6190488"/>
+            <a:ext cx="2677604" cy="210312"/>
+          </a:xfrm>
+          <a:prstGeom prst="rect">
+            <a:avLst/>
+          </a:prstGeom>
+        </p:spPr>
+        <p:txBody>
+          <a:bodyPr vert="horz" lIns="121899" tIns="60949" rIns="121899" bIns="60949" rtlCol="0" anchor="b"/>
+          <a:lstStyle>
+            <a:defPPr>
+              <a:defRPr lang="en-US"/>
+            </a:defPPr>
+            <a:lvl1pPr marL="0" algn="r" defTabSz="1218987" rtl="0" eaLnBrk="1" latinLnBrk="0" hangingPunct="1">
+              <a:defRPr sz="1000" b="1" kern="1200" spc="200" baseline="0">
+                <a:solidFill>
+                  <a:schemeClr val="tx2">
+                    <a:lumMod val="50000"/>
+                  </a:schemeClr>
+                </a:solidFill>
+                <a:latin typeface="+mn-lt"/>
+                <a:ea typeface="+mn-ea"/>
+                <a:cs typeface="+mn-cs"/>
+              </a:defRPr>
+            </a:lvl1pPr>
+            <a:lvl2pPr marL="609493" algn="l" defTabSz="1218987" rtl="0" eaLnBrk="1" latinLnBrk="0" hangingPunct="1">
+              <a:defRPr sz="2400" kern="1200">
+                <a:solidFill>
+                  <a:schemeClr val="tx1"/>
+                </a:solidFill>
+                <a:latin typeface="+mn-lt"/>
+                <a:ea typeface="+mn-ea"/>
+                <a:cs typeface="+mn-cs"/>
+              </a:defRPr>
+            </a:lvl2pPr>
+            <a:lvl3pPr marL="1218987" algn="l" defTabSz="1218987" rtl="0" eaLnBrk="1" latinLnBrk="0" hangingPunct="1">
+              <a:defRPr sz="2400" kern="1200">
+                <a:solidFill>
+                  <a:schemeClr val="tx1"/>
+                </a:solidFill>
+                <a:latin typeface="+mn-lt"/>
+                <a:ea typeface="+mn-ea"/>
+                <a:cs typeface="+mn-cs"/>
+              </a:defRPr>
+            </a:lvl3pPr>
+            <a:lvl4pPr marL="1828480" algn="l" defTabSz="1218987" rtl="0" eaLnBrk="1" latinLnBrk="0" hangingPunct="1">
+              <a:defRPr sz="2400" kern="1200">
+                <a:solidFill>
+                  <a:schemeClr val="tx1"/>
+                </a:solidFill>
+                <a:latin typeface="+mn-lt"/>
+                <a:ea typeface="+mn-ea"/>
+                <a:cs typeface="+mn-cs"/>
+              </a:defRPr>
+            </a:lvl4pPr>
+            <a:lvl5pPr marL="2437973" algn="l" defTabSz="1218987" rtl="0" eaLnBrk="1" latinLnBrk="0" hangingPunct="1">
+              <a:defRPr sz="2400" kern="1200">
+                <a:solidFill>
+                  <a:schemeClr val="tx1"/>
+                </a:solidFill>
+                <a:latin typeface="+mn-lt"/>
+                <a:ea typeface="+mn-ea"/>
+                <a:cs typeface="+mn-cs"/>
+              </a:defRPr>
+            </a:lvl5pPr>
+            <a:lvl6pPr marL="3047467" algn="l" defTabSz="1218987" rtl="0" eaLnBrk="1" latinLnBrk="0" hangingPunct="1">
+              <a:defRPr sz="2400" kern="1200">
+                <a:solidFill>
+                  <a:schemeClr val="tx1"/>
+                </a:solidFill>
+                <a:latin typeface="+mn-lt"/>
+                <a:ea typeface="+mn-ea"/>
+                <a:cs typeface="+mn-cs"/>
+              </a:defRPr>
+            </a:lvl6pPr>
+            <a:lvl7pPr marL="3656960" algn="l" defTabSz="1218987" rtl="0" eaLnBrk="1" latinLnBrk="0" hangingPunct="1">
+              <a:defRPr sz="2400" kern="1200">
+                <a:solidFill>
+                  <a:schemeClr val="tx1"/>
+                </a:solidFill>
+                <a:latin typeface="+mn-lt"/>
+                <a:ea typeface="+mn-ea"/>
+                <a:cs typeface="+mn-cs"/>
+              </a:defRPr>
+            </a:lvl7pPr>
+            <a:lvl8pPr marL="4266453" algn="l" defTabSz="1218987" rtl="0" eaLnBrk="1" latinLnBrk="0" hangingPunct="1">
+              <a:defRPr sz="2400" kern="1200">
+                <a:solidFill>
+                  <a:schemeClr val="tx1"/>
+                </a:solidFill>
+                <a:latin typeface="+mn-lt"/>
+                <a:ea typeface="+mn-ea"/>
+                <a:cs typeface="+mn-cs"/>
+              </a:defRPr>
+            </a:lvl8pPr>
+            <a:lvl9pPr marL="4875947" algn="l" defTabSz="1218987" rtl="0" eaLnBrk="1" latinLnBrk="0" hangingPunct="1">
+              <a:defRPr sz="2400" kern="1200">
+                <a:solidFill>
+                  <a:schemeClr val="tx1"/>
+                </a:solidFill>
+                <a:latin typeface="+mn-lt"/>
+                <a:ea typeface="+mn-ea"/>
+                <a:cs typeface="+mn-cs"/>
+              </a:defRPr>
+            </a:lvl9pPr>
+          </a:lstStyle>
+          <a:p>
+            <a:pPr algn="l"/>
+            <a:r>
+              <a:rPr lang="en-US" dirty="0"/>
+              <a:t>DES211 CAPSTONE PROJECT</a:t>
+            </a:r>
+          </a:p>
+        </p:txBody>
+      </p:sp>
     </p:spTree>
     <p:extLst>
       <p:ext uri="{BB962C8B-B14F-4D97-AF65-F5344CB8AC3E}">
-        <p14:creationId xmlns:p14="http://schemas.microsoft.com/office/powerpoint/2010/main" val="2633488709"/>
+        <p14:creationId xmlns:p14="http://schemas.microsoft.com/office/powerpoint/2010/main" val="3262945818"/>
       </p:ext>
     </p:extLst>
   </p:cSld>
@@ -10567,7 +11806,7 @@
           <p:cNvPr id="2" name="Title 1">
             <a:extLst>
               <a:ext uri="{FF2B5EF4-FFF2-40B4-BE49-F238E27FC236}">
-                <a16:creationId xmlns:a16="http://schemas.microsoft.com/office/drawing/2014/main" id="{3870CE6E-495D-1808-5A8C-EC4D855C5587}"/>
+                <a16:creationId xmlns:a16="http://schemas.microsoft.com/office/drawing/2014/main" id="{0B4D0D16-67A0-9392-36C4-38AEF1EFD705}"/>
               </a:ext>
             </a:extLst>
           </p:cNvPr>
@@ -10583,10 +11822,7 @@
           <a:bodyPr/>
           <a:lstStyle/>
           <a:p>
-            <a:r>
-              <a:rPr lang="en-IN" dirty="0"/>
-              <a:t>Testing Phase</a:t>
-            </a:r>
+            <a:endParaRPr lang="en-IN"/>
           </a:p>
         </p:txBody>
       </p:sp>
@@ -10595,7 +11831,7 @@
           <p:cNvPr id="3" name="Content Placeholder 2">
             <a:extLst>
               <a:ext uri="{FF2B5EF4-FFF2-40B4-BE49-F238E27FC236}">
-                <a16:creationId xmlns:a16="http://schemas.microsoft.com/office/drawing/2014/main" id="{B0EEF2E2-7250-905A-9F8E-5BB773C92FF2}"/>
+                <a16:creationId xmlns:a16="http://schemas.microsoft.com/office/drawing/2014/main" id="{639F28B0-AE40-DF8E-76CA-380B2FBF75D9}"/>
               </a:ext>
             </a:extLst>
           </p:cNvPr>
@@ -10620,7 +11856,7 @@
           <p:cNvPr id="4" name="Content Placeholder 3">
             <a:extLst>
               <a:ext uri="{FF2B5EF4-FFF2-40B4-BE49-F238E27FC236}">
-                <a16:creationId xmlns:a16="http://schemas.microsoft.com/office/drawing/2014/main" id="{2A8D0320-4D4B-365D-2F4F-3045D1A7C46C}"/>
+                <a16:creationId xmlns:a16="http://schemas.microsoft.com/office/drawing/2014/main" id="{E1B2001F-94BD-7F0A-56F1-F7B277AF3CC6}"/>
               </a:ext>
             </a:extLst>
           </p:cNvPr>
@@ -10645,7 +11881,7 @@
           <p:cNvPr id="5" name="Slide Number Placeholder 4">
             <a:extLst>
               <a:ext uri="{FF2B5EF4-FFF2-40B4-BE49-F238E27FC236}">
-                <a16:creationId xmlns:a16="http://schemas.microsoft.com/office/drawing/2014/main" id="{E7948434-32DA-F1E2-FC11-F2978017F64B}"/>
+                <a16:creationId xmlns:a16="http://schemas.microsoft.com/office/drawing/2014/main" id="{DE249310-06ED-CE6D-9342-95110ABFA82A}"/>
               </a:ext>
             </a:extLst>
           </p:cNvPr>
@@ -10670,10 +11906,141 @@
           </a:p>
         </p:txBody>
       </p:sp>
+      <p:sp>
+        <p:nvSpPr>
+          <p:cNvPr id="6" name="Slide Number Placeholder 4">
+            <a:extLst>
+              <a:ext uri="{FF2B5EF4-FFF2-40B4-BE49-F238E27FC236}">
+                <a16:creationId xmlns:a16="http://schemas.microsoft.com/office/drawing/2014/main" id="{150241C0-6662-9989-D473-E5D8BFD58F6F}"/>
+              </a:ext>
+            </a:extLst>
+          </p:cNvPr>
+          <p:cNvSpPr txBox="1">
+            <a:spLocks/>
+          </p:cNvSpPr>
+          <p:nvPr/>
+        </p:nvSpPr>
+        <p:spPr>
+          <a:xfrm>
+            <a:off x="455612" y="6190488"/>
+            <a:ext cx="2677604" cy="210312"/>
+          </a:xfrm>
+          <a:prstGeom prst="rect">
+            <a:avLst/>
+          </a:prstGeom>
+        </p:spPr>
+        <p:txBody>
+          <a:bodyPr vert="horz" lIns="121899" tIns="60949" rIns="121899" bIns="60949" rtlCol="0" anchor="b"/>
+          <a:lstStyle>
+            <a:defPPr>
+              <a:defRPr lang="en-US"/>
+            </a:defPPr>
+            <a:lvl1pPr marL="0" algn="r" defTabSz="1218987" rtl="0" eaLnBrk="1" latinLnBrk="0" hangingPunct="1">
+              <a:defRPr sz="1000" b="1" kern="1200" spc="200" baseline="0">
+                <a:solidFill>
+                  <a:schemeClr val="tx2">
+                    <a:lumMod val="50000"/>
+                  </a:schemeClr>
+                </a:solidFill>
+                <a:latin typeface="+mn-lt"/>
+                <a:ea typeface="+mn-ea"/>
+                <a:cs typeface="+mn-cs"/>
+              </a:defRPr>
+            </a:lvl1pPr>
+            <a:lvl2pPr marL="609493" algn="l" defTabSz="1218987" rtl="0" eaLnBrk="1" latinLnBrk="0" hangingPunct="1">
+              <a:defRPr sz="2400" kern="1200">
+                <a:solidFill>
+                  <a:schemeClr val="tx1"/>
+                </a:solidFill>
+                <a:latin typeface="+mn-lt"/>
+                <a:ea typeface="+mn-ea"/>
+                <a:cs typeface="+mn-cs"/>
+              </a:defRPr>
+            </a:lvl2pPr>
+            <a:lvl3pPr marL="1218987" algn="l" defTabSz="1218987" rtl="0" eaLnBrk="1" latinLnBrk="0" hangingPunct="1">
+              <a:defRPr sz="2400" kern="1200">
+                <a:solidFill>
+                  <a:schemeClr val="tx1"/>
+                </a:solidFill>
+                <a:latin typeface="+mn-lt"/>
+                <a:ea typeface="+mn-ea"/>
+                <a:cs typeface="+mn-cs"/>
+              </a:defRPr>
+            </a:lvl3pPr>
+            <a:lvl4pPr marL="1828480" algn="l" defTabSz="1218987" rtl="0" eaLnBrk="1" latinLnBrk="0" hangingPunct="1">
+              <a:defRPr sz="2400" kern="1200">
+                <a:solidFill>
+                  <a:schemeClr val="tx1"/>
+                </a:solidFill>
+                <a:latin typeface="+mn-lt"/>
+                <a:ea typeface="+mn-ea"/>
+                <a:cs typeface="+mn-cs"/>
+              </a:defRPr>
+            </a:lvl4pPr>
+            <a:lvl5pPr marL="2437973" algn="l" defTabSz="1218987" rtl="0" eaLnBrk="1" latinLnBrk="0" hangingPunct="1">
+              <a:defRPr sz="2400" kern="1200">
+                <a:solidFill>
+                  <a:schemeClr val="tx1"/>
+                </a:solidFill>
+                <a:latin typeface="+mn-lt"/>
+                <a:ea typeface="+mn-ea"/>
+                <a:cs typeface="+mn-cs"/>
+              </a:defRPr>
+            </a:lvl5pPr>
+            <a:lvl6pPr marL="3047467" algn="l" defTabSz="1218987" rtl="0" eaLnBrk="1" latinLnBrk="0" hangingPunct="1">
+              <a:defRPr sz="2400" kern="1200">
+                <a:solidFill>
+                  <a:schemeClr val="tx1"/>
+                </a:solidFill>
+                <a:latin typeface="+mn-lt"/>
+                <a:ea typeface="+mn-ea"/>
+                <a:cs typeface="+mn-cs"/>
+              </a:defRPr>
+            </a:lvl6pPr>
+            <a:lvl7pPr marL="3656960" algn="l" defTabSz="1218987" rtl="0" eaLnBrk="1" latinLnBrk="0" hangingPunct="1">
+              <a:defRPr sz="2400" kern="1200">
+                <a:solidFill>
+                  <a:schemeClr val="tx1"/>
+                </a:solidFill>
+                <a:latin typeface="+mn-lt"/>
+                <a:ea typeface="+mn-ea"/>
+                <a:cs typeface="+mn-cs"/>
+              </a:defRPr>
+            </a:lvl7pPr>
+            <a:lvl8pPr marL="4266453" algn="l" defTabSz="1218987" rtl="0" eaLnBrk="1" latinLnBrk="0" hangingPunct="1">
+              <a:defRPr sz="2400" kern="1200">
+                <a:solidFill>
+                  <a:schemeClr val="tx1"/>
+                </a:solidFill>
+                <a:latin typeface="+mn-lt"/>
+                <a:ea typeface="+mn-ea"/>
+                <a:cs typeface="+mn-cs"/>
+              </a:defRPr>
+            </a:lvl8pPr>
+            <a:lvl9pPr marL="4875947" algn="l" defTabSz="1218987" rtl="0" eaLnBrk="1" latinLnBrk="0" hangingPunct="1">
+              <a:defRPr sz="2400" kern="1200">
+                <a:solidFill>
+                  <a:schemeClr val="tx1"/>
+                </a:solidFill>
+                <a:latin typeface="+mn-lt"/>
+                <a:ea typeface="+mn-ea"/>
+                <a:cs typeface="+mn-cs"/>
+              </a:defRPr>
+            </a:lvl9pPr>
+          </a:lstStyle>
+          <a:p>
+            <a:pPr algn="l"/>
+            <a:r>
+              <a:rPr lang="en-US" dirty="0"/>
+              <a:t>DES211 CAPSTONE PROJECT</a:t>
+            </a:r>
+          </a:p>
+        </p:txBody>
+      </p:sp>
     </p:spTree>
     <p:extLst>
       <p:ext uri="{BB962C8B-B14F-4D97-AF65-F5344CB8AC3E}">
-        <p14:creationId xmlns:p14="http://schemas.microsoft.com/office/powerpoint/2010/main" val="825357147"/>
+        <p14:creationId xmlns:p14="http://schemas.microsoft.com/office/powerpoint/2010/main" val="2633488709"/>
       </p:ext>
     </p:extLst>
   </p:cSld>
@@ -11092,7 +12459,7 @@
           <p:cNvPr id="2" name="Title 1">
             <a:extLst>
               <a:ext uri="{FF2B5EF4-FFF2-40B4-BE49-F238E27FC236}">
-                <a16:creationId xmlns:a16="http://schemas.microsoft.com/office/drawing/2014/main" id="{64983D13-B3DC-F5A2-EC3C-9AA3827FF06F}"/>
+                <a16:creationId xmlns:a16="http://schemas.microsoft.com/office/drawing/2014/main" id="{3870CE6E-495D-1808-5A8C-EC4D855C5587}"/>
               </a:ext>
             </a:extLst>
           </p:cNvPr>
@@ -11108,16 +12475,19 @@
           <a:bodyPr/>
           <a:lstStyle/>
           <a:p>
-            <a:endParaRPr lang="en-IN"/>
-          </a:p>
-        </p:txBody>
-      </p:sp>
-      <p:sp>
-        <p:nvSpPr>
-          <p:cNvPr id="3" name="Picture Placeholder 2">
-            <a:extLst>
-              <a:ext uri="{FF2B5EF4-FFF2-40B4-BE49-F238E27FC236}">
-                <a16:creationId xmlns:a16="http://schemas.microsoft.com/office/drawing/2014/main" id="{57620467-CA16-1C06-152E-31CFC11FAB8D}"/>
+            <a:r>
+              <a:rPr lang="en-IN" dirty="0"/>
+              <a:t>Testing Phase</a:t>
+            </a:r>
+          </a:p>
+        </p:txBody>
+      </p:sp>
+      <p:sp>
+        <p:nvSpPr>
+          <p:cNvPr id="3" name="Content Placeholder 2">
+            <a:extLst>
+              <a:ext uri="{FF2B5EF4-FFF2-40B4-BE49-F238E27FC236}">
+                <a16:creationId xmlns:a16="http://schemas.microsoft.com/office/drawing/2014/main" id="{B0EEF2E2-7250-905A-9F8E-5BB773C92FF2}"/>
               </a:ext>
             </a:extLst>
           </p:cNvPr>
@@ -11125,15 +12495,208 @@
             <a:spLocks noGrp="1"/>
           </p:cNvSpPr>
           <p:nvPr>
-            <p:ph type="pic" sz="quarter" idx="10"/>
+            <p:ph sz="quarter" idx="13"/>
           </p:nvPr>
         </p:nvSpPr>
         <p:spPr/>
+        <p:txBody>
+          <a:bodyPr/>
+          <a:lstStyle/>
+          <a:p>
+            <a:endParaRPr lang="en-IN"/>
+          </a:p>
+        </p:txBody>
+      </p:sp>
+      <p:sp>
+        <p:nvSpPr>
+          <p:cNvPr id="4" name="Content Placeholder 3">
+            <a:extLst>
+              <a:ext uri="{FF2B5EF4-FFF2-40B4-BE49-F238E27FC236}">
+                <a16:creationId xmlns:a16="http://schemas.microsoft.com/office/drawing/2014/main" id="{2A8D0320-4D4B-365D-2F4F-3045D1A7C46C}"/>
+              </a:ext>
+            </a:extLst>
+          </p:cNvPr>
+          <p:cNvSpPr>
+            <a:spLocks noGrp="1"/>
+          </p:cNvSpPr>
+          <p:nvPr>
+            <p:ph sz="quarter" idx="14"/>
+          </p:nvPr>
+        </p:nvSpPr>
+        <p:spPr/>
+        <p:txBody>
+          <a:bodyPr/>
+          <a:lstStyle/>
+          <a:p>
+            <a:endParaRPr lang="en-IN"/>
+          </a:p>
+        </p:txBody>
+      </p:sp>
+      <p:sp>
+        <p:nvSpPr>
+          <p:cNvPr id="5" name="Slide Number Placeholder 4">
+            <a:extLst>
+              <a:ext uri="{FF2B5EF4-FFF2-40B4-BE49-F238E27FC236}">
+                <a16:creationId xmlns:a16="http://schemas.microsoft.com/office/drawing/2014/main" id="{E7948434-32DA-F1E2-FC11-F2978017F64B}"/>
+              </a:ext>
+            </a:extLst>
+          </p:cNvPr>
+          <p:cNvSpPr>
+            <a:spLocks noGrp="1"/>
+          </p:cNvSpPr>
+          <p:nvPr>
+            <p:ph type="sldNum" sz="quarter" idx="12"/>
+          </p:nvPr>
+        </p:nvSpPr>
+        <p:spPr/>
+        <p:txBody>
+          <a:bodyPr/>
+          <a:lstStyle/>
+          <a:p>
+            <a:fld id="{EB37DED6-D4C7-42EE-AB49-D2E39E64FDE4}" type="slidenum">
+              <a:rPr lang="en-US" smtClean="0"/>
+              <a:pPr/>
+              <a:t>20</a:t>
+            </a:fld>
+            <a:endParaRPr lang="en-US" dirty="0"/>
+          </a:p>
+        </p:txBody>
+      </p:sp>
+      <p:sp>
+        <p:nvSpPr>
+          <p:cNvPr id="6" name="Slide Number Placeholder 4">
+            <a:extLst>
+              <a:ext uri="{FF2B5EF4-FFF2-40B4-BE49-F238E27FC236}">
+                <a16:creationId xmlns:a16="http://schemas.microsoft.com/office/drawing/2014/main" id="{5ECD9DAA-C767-07CC-5C79-8738D4F306A7}"/>
+              </a:ext>
+            </a:extLst>
+          </p:cNvPr>
+          <p:cNvSpPr txBox="1">
+            <a:spLocks/>
+          </p:cNvSpPr>
+          <p:nvPr/>
+        </p:nvSpPr>
+        <p:spPr>
+          <a:xfrm>
+            <a:off x="455612" y="6190488"/>
+            <a:ext cx="2677604" cy="210312"/>
+          </a:xfrm>
+          <a:prstGeom prst="rect">
+            <a:avLst/>
+          </a:prstGeom>
+        </p:spPr>
+        <p:txBody>
+          <a:bodyPr vert="horz" lIns="121899" tIns="60949" rIns="121899" bIns="60949" rtlCol="0" anchor="b"/>
+          <a:lstStyle>
+            <a:defPPr>
+              <a:defRPr lang="en-US"/>
+            </a:defPPr>
+            <a:lvl1pPr marL="0" algn="r" defTabSz="1218987" rtl="0" eaLnBrk="1" latinLnBrk="0" hangingPunct="1">
+              <a:defRPr sz="1000" b="1" kern="1200" spc="200" baseline="0">
+                <a:solidFill>
+                  <a:schemeClr val="tx2">
+                    <a:lumMod val="50000"/>
+                  </a:schemeClr>
+                </a:solidFill>
+                <a:latin typeface="+mn-lt"/>
+                <a:ea typeface="+mn-ea"/>
+                <a:cs typeface="+mn-cs"/>
+              </a:defRPr>
+            </a:lvl1pPr>
+            <a:lvl2pPr marL="609493" algn="l" defTabSz="1218987" rtl="0" eaLnBrk="1" latinLnBrk="0" hangingPunct="1">
+              <a:defRPr sz="2400" kern="1200">
+                <a:solidFill>
+                  <a:schemeClr val="tx1"/>
+                </a:solidFill>
+                <a:latin typeface="+mn-lt"/>
+                <a:ea typeface="+mn-ea"/>
+                <a:cs typeface="+mn-cs"/>
+              </a:defRPr>
+            </a:lvl2pPr>
+            <a:lvl3pPr marL="1218987" algn="l" defTabSz="1218987" rtl="0" eaLnBrk="1" latinLnBrk="0" hangingPunct="1">
+              <a:defRPr sz="2400" kern="1200">
+                <a:solidFill>
+                  <a:schemeClr val="tx1"/>
+                </a:solidFill>
+                <a:latin typeface="+mn-lt"/>
+                <a:ea typeface="+mn-ea"/>
+                <a:cs typeface="+mn-cs"/>
+              </a:defRPr>
+            </a:lvl3pPr>
+            <a:lvl4pPr marL="1828480" algn="l" defTabSz="1218987" rtl="0" eaLnBrk="1" latinLnBrk="0" hangingPunct="1">
+              <a:defRPr sz="2400" kern="1200">
+                <a:solidFill>
+                  <a:schemeClr val="tx1"/>
+                </a:solidFill>
+                <a:latin typeface="+mn-lt"/>
+                <a:ea typeface="+mn-ea"/>
+                <a:cs typeface="+mn-cs"/>
+              </a:defRPr>
+            </a:lvl4pPr>
+            <a:lvl5pPr marL="2437973" algn="l" defTabSz="1218987" rtl="0" eaLnBrk="1" latinLnBrk="0" hangingPunct="1">
+              <a:defRPr sz="2400" kern="1200">
+                <a:solidFill>
+                  <a:schemeClr val="tx1"/>
+                </a:solidFill>
+                <a:latin typeface="+mn-lt"/>
+                <a:ea typeface="+mn-ea"/>
+                <a:cs typeface="+mn-cs"/>
+              </a:defRPr>
+            </a:lvl5pPr>
+            <a:lvl6pPr marL="3047467" algn="l" defTabSz="1218987" rtl="0" eaLnBrk="1" latinLnBrk="0" hangingPunct="1">
+              <a:defRPr sz="2400" kern="1200">
+                <a:solidFill>
+                  <a:schemeClr val="tx1"/>
+                </a:solidFill>
+                <a:latin typeface="+mn-lt"/>
+                <a:ea typeface="+mn-ea"/>
+                <a:cs typeface="+mn-cs"/>
+              </a:defRPr>
+            </a:lvl6pPr>
+            <a:lvl7pPr marL="3656960" algn="l" defTabSz="1218987" rtl="0" eaLnBrk="1" latinLnBrk="0" hangingPunct="1">
+              <a:defRPr sz="2400" kern="1200">
+                <a:solidFill>
+                  <a:schemeClr val="tx1"/>
+                </a:solidFill>
+                <a:latin typeface="+mn-lt"/>
+                <a:ea typeface="+mn-ea"/>
+                <a:cs typeface="+mn-cs"/>
+              </a:defRPr>
+            </a:lvl7pPr>
+            <a:lvl8pPr marL="4266453" algn="l" defTabSz="1218987" rtl="0" eaLnBrk="1" latinLnBrk="0" hangingPunct="1">
+              <a:defRPr sz="2400" kern="1200">
+                <a:solidFill>
+                  <a:schemeClr val="tx1"/>
+                </a:solidFill>
+                <a:latin typeface="+mn-lt"/>
+                <a:ea typeface="+mn-ea"/>
+                <a:cs typeface="+mn-cs"/>
+              </a:defRPr>
+            </a:lvl8pPr>
+            <a:lvl9pPr marL="4875947" algn="l" defTabSz="1218987" rtl="0" eaLnBrk="1" latinLnBrk="0" hangingPunct="1">
+              <a:defRPr sz="2400" kern="1200">
+                <a:solidFill>
+                  <a:schemeClr val="tx1"/>
+                </a:solidFill>
+                <a:latin typeface="+mn-lt"/>
+                <a:ea typeface="+mn-ea"/>
+                <a:cs typeface="+mn-cs"/>
+              </a:defRPr>
+            </a:lvl9pPr>
+          </a:lstStyle>
+          <a:p>
+            <a:pPr algn="l"/>
+            <a:r>
+              <a:rPr lang="en-US" dirty="0"/>
+              <a:t>DES211 CAPSTONE PROJECT</a:t>
+            </a:r>
+          </a:p>
+        </p:txBody>
       </p:sp>
     </p:spTree>
     <p:extLst>
       <p:ext uri="{BB962C8B-B14F-4D97-AF65-F5344CB8AC3E}">
-        <p14:creationId xmlns:p14="http://schemas.microsoft.com/office/powerpoint/2010/main" val="1723280250"/>
+        <p14:creationId xmlns:p14="http://schemas.microsoft.com/office/powerpoint/2010/main" val="825357147"/>
       </p:ext>
     </p:extLst>
   </p:cSld>
@@ -11177,7 +12740,7 @@
           <p:cNvPr id="2" name="Title 1">
             <a:extLst>
               <a:ext uri="{FF2B5EF4-FFF2-40B4-BE49-F238E27FC236}">
-                <a16:creationId xmlns:a16="http://schemas.microsoft.com/office/drawing/2014/main" id="{E9DC9FCC-4F0C-53A9-AE36-C60D0609DD96}"/>
+                <a16:creationId xmlns:a16="http://schemas.microsoft.com/office/drawing/2014/main" id="{64983D13-B3DC-F5A2-EC3C-9AA3827FF06F}"/>
               </a:ext>
             </a:extLst>
           </p:cNvPr>
@@ -11199,6 +12762,229 @@
       </p:sp>
       <p:sp>
         <p:nvSpPr>
+          <p:cNvPr id="3" name="Picture Placeholder 2">
+            <a:extLst>
+              <a:ext uri="{FF2B5EF4-FFF2-40B4-BE49-F238E27FC236}">
+                <a16:creationId xmlns:a16="http://schemas.microsoft.com/office/drawing/2014/main" id="{57620467-CA16-1C06-152E-31CFC11FAB8D}"/>
+              </a:ext>
+            </a:extLst>
+          </p:cNvPr>
+          <p:cNvSpPr>
+            <a:spLocks noGrp="1"/>
+          </p:cNvSpPr>
+          <p:nvPr>
+            <p:ph type="pic" sz="quarter" idx="10"/>
+          </p:nvPr>
+        </p:nvSpPr>
+        <p:spPr/>
+        <p:txBody>
+          <a:bodyPr/>
+          <a:lstStyle/>
+          <a:p>
+            <a:endParaRPr lang="en-US"/>
+          </a:p>
+        </p:txBody>
+      </p:sp>
+      <p:sp>
+        <p:nvSpPr>
+          <p:cNvPr id="5" name="Slide Number Placeholder 4">
+            <a:extLst>
+              <a:ext uri="{FF2B5EF4-FFF2-40B4-BE49-F238E27FC236}">
+                <a16:creationId xmlns:a16="http://schemas.microsoft.com/office/drawing/2014/main" id="{19257D08-7BDC-2EFF-F790-09A4B6BCCC7B}"/>
+              </a:ext>
+            </a:extLst>
+          </p:cNvPr>
+          <p:cNvSpPr txBox="1">
+            <a:spLocks/>
+          </p:cNvSpPr>
+          <p:nvPr/>
+        </p:nvSpPr>
+        <p:spPr>
+          <a:xfrm>
+            <a:off x="455612" y="6190488"/>
+            <a:ext cx="2677604" cy="210312"/>
+          </a:xfrm>
+          <a:prstGeom prst="rect">
+            <a:avLst/>
+          </a:prstGeom>
+        </p:spPr>
+        <p:txBody>
+          <a:bodyPr vert="horz" lIns="121899" tIns="60949" rIns="121899" bIns="60949" rtlCol="0" anchor="b"/>
+          <a:lstStyle>
+            <a:defPPr>
+              <a:defRPr lang="en-US"/>
+            </a:defPPr>
+            <a:lvl1pPr marL="0" algn="r" defTabSz="1218987" rtl="0" eaLnBrk="1" latinLnBrk="0" hangingPunct="1">
+              <a:defRPr sz="1000" b="1" kern="1200" spc="200" baseline="0">
+                <a:solidFill>
+                  <a:schemeClr val="tx2">
+                    <a:lumMod val="50000"/>
+                  </a:schemeClr>
+                </a:solidFill>
+                <a:latin typeface="+mn-lt"/>
+                <a:ea typeface="+mn-ea"/>
+                <a:cs typeface="+mn-cs"/>
+              </a:defRPr>
+            </a:lvl1pPr>
+            <a:lvl2pPr marL="609493" algn="l" defTabSz="1218987" rtl="0" eaLnBrk="1" latinLnBrk="0" hangingPunct="1">
+              <a:defRPr sz="2400" kern="1200">
+                <a:solidFill>
+                  <a:schemeClr val="tx1"/>
+                </a:solidFill>
+                <a:latin typeface="+mn-lt"/>
+                <a:ea typeface="+mn-ea"/>
+                <a:cs typeface="+mn-cs"/>
+              </a:defRPr>
+            </a:lvl2pPr>
+            <a:lvl3pPr marL="1218987" algn="l" defTabSz="1218987" rtl="0" eaLnBrk="1" latinLnBrk="0" hangingPunct="1">
+              <a:defRPr sz="2400" kern="1200">
+                <a:solidFill>
+                  <a:schemeClr val="tx1"/>
+                </a:solidFill>
+                <a:latin typeface="+mn-lt"/>
+                <a:ea typeface="+mn-ea"/>
+                <a:cs typeface="+mn-cs"/>
+              </a:defRPr>
+            </a:lvl3pPr>
+            <a:lvl4pPr marL="1828480" algn="l" defTabSz="1218987" rtl="0" eaLnBrk="1" latinLnBrk="0" hangingPunct="1">
+              <a:defRPr sz="2400" kern="1200">
+                <a:solidFill>
+                  <a:schemeClr val="tx1"/>
+                </a:solidFill>
+                <a:latin typeface="+mn-lt"/>
+                <a:ea typeface="+mn-ea"/>
+                <a:cs typeface="+mn-cs"/>
+              </a:defRPr>
+            </a:lvl4pPr>
+            <a:lvl5pPr marL="2437973" algn="l" defTabSz="1218987" rtl="0" eaLnBrk="1" latinLnBrk="0" hangingPunct="1">
+              <a:defRPr sz="2400" kern="1200">
+                <a:solidFill>
+                  <a:schemeClr val="tx1"/>
+                </a:solidFill>
+                <a:latin typeface="+mn-lt"/>
+                <a:ea typeface="+mn-ea"/>
+                <a:cs typeface="+mn-cs"/>
+              </a:defRPr>
+            </a:lvl5pPr>
+            <a:lvl6pPr marL="3047467" algn="l" defTabSz="1218987" rtl="0" eaLnBrk="1" latinLnBrk="0" hangingPunct="1">
+              <a:defRPr sz="2400" kern="1200">
+                <a:solidFill>
+                  <a:schemeClr val="tx1"/>
+                </a:solidFill>
+                <a:latin typeface="+mn-lt"/>
+                <a:ea typeface="+mn-ea"/>
+                <a:cs typeface="+mn-cs"/>
+              </a:defRPr>
+            </a:lvl6pPr>
+            <a:lvl7pPr marL="3656960" algn="l" defTabSz="1218987" rtl="0" eaLnBrk="1" latinLnBrk="0" hangingPunct="1">
+              <a:defRPr sz="2400" kern="1200">
+                <a:solidFill>
+                  <a:schemeClr val="tx1"/>
+                </a:solidFill>
+                <a:latin typeface="+mn-lt"/>
+                <a:ea typeface="+mn-ea"/>
+                <a:cs typeface="+mn-cs"/>
+              </a:defRPr>
+            </a:lvl7pPr>
+            <a:lvl8pPr marL="4266453" algn="l" defTabSz="1218987" rtl="0" eaLnBrk="1" latinLnBrk="0" hangingPunct="1">
+              <a:defRPr sz="2400" kern="1200">
+                <a:solidFill>
+                  <a:schemeClr val="tx1"/>
+                </a:solidFill>
+                <a:latin typeface="+mn-lt"/>
+                <a:ea typeface="+mn-ea"/>
+                <a:cs typeface="+mn-cs"/>
+              </a:defRPr>
+            </a:lvl8pPr>
+            <a:lvl9pPr marL="4875947" algn="l" defTabSz="1218987" rtl="0" eaLnBrk="1" latinLnBrk="0" hangingPunct="1">
+              <a:defRPr sz="2400" kern="1200">
+                <a:solidFill>
+                  <a:schemeClr val="tx1"/>
+                </a:solidFill>
+                <a:latin typeface="+mn-lt"/>
+                <a:ea typeface="+mn-ea"/>
+                <a:cs typeface="+mn-cs"/>
+              </a:defRPr>
+            </a:lvl9pPr>
+          </a:lstStyle>
+          <a:p>
+            <a:pPr algn="l"/>
+            <a:r>
+              <a:rPr lang="en-US" dirty="0"/>
+              <a:t>DES211 CAPSTONE PROJECT</a:t>
+            </a:r>
+          </a:p>
+        </p:txBody>
+      </p:sp>
+    </p:spTree>
+    <p:extLst>
+      <p:ext uri="{BB962C8B-B14F-4D97-AF65-F5344CB8AC3E}">
+        <p14:creationId xmlns:p14="http://schemas.microsoft.com/office/powerpoint/2010/main" val="1723280250"/>
+      </p:ext>
+    </p:extLst>
+  </p:cSld>
+  <p:clrMapOvr>
+    <a:masterClrMapping/>
+  </p:clrMapOvr>
+  <mc:AlternateContent xmlns:mc="http://schemas.openxmlformats.org/markup-compatibility/2006" xmlns:p14="http://schemas.microsoft.com/office/powerpoint/2010/main">
+    <mc:Choice Requires="p14">
+      <p:transition spd="med" p14:dur="700">
+        <p:fade/>
+      </p:transition>
+    </mc:Choice>
+    <mc:Fallback xmlns="">
+      <p:transition spd="med">
+        <p:fade/>
+      </p:transition>
+    </mc:Fallback>
+  </mc:AlternateContent>
+</p:sld>
+</file>
+
+<file path=ppt/slides/slide22.xml><?xml version="1.0" encoding="utf-8"?>
+<p:sld xmlns:a="http://schemas.openxmlformats.org/drawingml/2006/main" xmlns:r="http://schemas.openxmlformats.org/officeDocument/2006/relationships" xmlns:p="http://schemas.openxmlformats.org/presentationml/2006/main">
+  <p:cSld>
+    <p:spTree>
+      <p:nvGrpSpPr>
+        <p:cNvPr id="1" name=""/>
+        <p:cNvGrpSpPr/>
+        <p:nvPr/>
+      </p:nvGrpSpPr>
+      <p:grpSpPr>
+        <a:xfrm>
+          <a:off x="0" y="0"/>
+          <a:ext cx="0" cy="0"/>
+          <a:chOff x="0" y="0"/>
+          <a:chExt cx="0" cy="0"/>
+        </a:xfrm>
+      </p:grpSpPr>
+      <p:sp>
+        <p:nvSpPr>
+          <p:cNvPr id="2" name="Title 1">
+            <a:extLst>
+              <a:ext uri="{FF2B5EF4-FFF2-40B4-BE49-F238E27FC236}">
+                <a16:creationId xmlns:a16="http://schemas.microsoft.com/office/drawing/2014/main" id="{E9DC9FCC-4F0C-53A9-AE36-C60D0609DD96}"/>
+              </a:ext>
+            </a:extLst>
+          </p:cNvPr>
+          <p:cNvSpPr>
+            <a:spLocks noGrp="1"/>
+          </p:cNvSpPr>
+          <p:nvPr>
+            <p:ph type="title"/>
+          </p:nvPr>
+        </p:nvSpPr>
+        <p:spPr/>
+        <p:txBody>
+          <a:bodyPr/>
+          <a:lstStyle/>
+          <a:p>
+            <a:endParaRPr lang="en-IN"/>
+          </a:p>
+        </p:txBody>
+      </p:sp>
+      <p:sp>
+        <p:nvSpPr>
           <p:cNvPr id="3" name="Content Placeholder 2">
             <a:extLst>
               <a:ext uri="{FF2B5EF4-FFF2-40B4-BE49-F238E27FC236}">
@@ -11246,7 +13032,7 @@
             <a:fld id="{EB37DED6-D4C7-42EE-AB49-D2E39E64FDE4}" type="slidenum">
               <a:rPr lang="en-US" smtClean="0"/>
               <a:pPr/>
-              <a:t>21</a:t>
+              <a:t>22</a:t>
             </a:fld>
             <a:endParaRPr lang="en-US" dirty="0"/>
           </a:p>
@@ -11269,6 +13055,144 @@
           </p:nvPr>
         </p:nvSpPr>
         <p:spPr/>
+        <p:txBody>
+          <a:bodyPr/>
+          <a:lstStyle/>
+          <a:p>
+            <a:endParaRPr lang="en-US"/>
+          </a:p>
+        </p:txBody>
+      </p:sp>
+      <p:sp>
+        <p:nvSpPr>
+          <p:cNvPr id="6" name="Slide Number Placeholder 4">
+            <a:extLst>
+              <a:ext uri="{FF2B5EF4-FFF2-40B4-BE49-F238E27FC236}">
+                <a16:creationId xmlns:a16="http://schemas.microsoft.com/office/drawing/2014/main" id="{4528D0A7-F482-D3DE-3F57-80240745CFC5}"/>
+              </a:ext>
+            </a:extLst>
+          </p:cNvPr>
+          <p:cNvSpPr txBox="1">
+            <a:spLocks/>
+          </p:cNvSpPr>
+          <p:nvPr/>
+        </p:nvSpPr>
+        <p:spPr>
+          <a:xfrm>
+            <a:off x="455612" y="6190488"/>
+            <a:ext cx="2677604" cy="210312"/>
+          </a:xfrm>
+          <a:prstGeom prst="rect">
+            <a:avLst/>
+          </a:prstGeom>
+        </p:spPr>
+        <p:txBody>
+          <a:bodyPr vert="horz" lIns="121899" tIns="60949" rIns="121899" bIns="60949" rtlCol="0" anchor="b"/>
+          <a:lstStyle>
+            <a:defPPr>
+              <a:defRPr lang="en-US"/>
+            </a:defPPr>
+            <a:lvl1pPr marL="0" algn="r" defTabSz="1218987" rtl="0" eaLnBrk="1" latinLnBrk="0" hangingPunct="1">
+              <a:defRPr sz="1000" b="1" kern="1200" spc="200" baseline="0">
+                <a:solidFill>
+                  <a:schemeClr val="tx2">
+                    <a:lumMod val="50000"/>
+                  </a:schemeClr>
+                </a:solidFill>
+                <a:latin typeface="+mn-lt"/>
+                <a:ea typeface="+mn-ea"/>
+                <a:cs typeface="+mn-cs"/>
+              </a:defRPr>
+            </a:lvl1pPr>
+            <a:lvl2pPr marL="609493" algn="l" defTabSz="1218987" rtl="0" eaLnBrk="1" latinLnBrk="0" hangingPunct="1">
+              <a:defRPr sz="2400" kern="1200">
+                <a:solidFill>
+                  <a:schemeClr val="tx1"/>
+                </a:solidFill>
+                <a:latin typeface="+mn-lt"/>
+                <a:ea typeface="+mn-ea"/>
+                <a:cs typeface="+mn-cs"/>
+              </a:defRPr>
+            </a:lvl2pPr>
+            <a:lvl3pPr marL="1218987" algn="l" defTabSz="1218987" rtl="0" eaLnBrk="1" latinLnBrk="0" hangingPunct="1">
+              <a:defRPr sz="2400" kern="1200">
+                <a:solidFill>
+                  <a:schemeClr val="tx1"/>
+                </a:solidFill>
+                <a:latin typeface="+mn-lt"/>
+                <a:ea typeface="+mn-ea"/>
+                <a:cs typeface="+mn-cs"/>
+              </a:defRPr>
+            </a:lvl3pPr>
+            <a:lvl4pPr marL="1828480" algn="l" defTabSz="1218987" rtl="0" eaLnBrk="1" latinLnBrk="0" hangingPunct="1">
+              <a:defRPr sz="2400" kern="1200">
+                <a:solidFill>
+                  <a:schemeClr val="tx1"/>
+                </a:solidFill>
+                <a:latin typeface="+mn-lt"/>
+                <a:ea typeface="+mn-ea"/>
+                <a:cs typeface="+mn-cs"/>
+              </a:defRPr>
+            </a:lvl4pPr>
+            <a:lvl5pPr marL="2437973" algn="l" defTabSz="1218987" rtl="0" eaLnBrk="1" latinLnBrk="0" hangingPunct="1">
+              <a:defRPr sz="2400" kern="1200">
+                <a:solidFill>
+                  <a:schemeClr val="tx1"/>
+                </a:solidFill>
+                <a:latin typeface="+mn-lt"/>
+                <a:ea typeface="+mn-ea"/>
+                <a:cs typeface="+mn-cs"/>
+              </a:defRPr>
+            </a:lvl5pPr>
+            <a:lvl6pPr marL="3047467" algn="l" defTabSz="1218987" rtl="0" eaLnBrk="1" latinLnBrk="0" hangingPunct="1">
+              <a:defRPr sz="2400" kern="1200">
+                <a:solidFill>
+                  <a:schemeClr val="tx1"/>
+                </a:solidFill>
+                <a:latin typeface="+mn-lt"/>
+                <a:ea typeface="+mn-ea"/>
+                <a:cs typeface="+mn-cs"/>
+              </a:defRPr>
+            </a:lvl6pPr>
+            <a:lvl7pPr marL="3656960" algn="l" defTabSz="1218987" rtl="0" eaLnBrk="1" latinLnBrk="0" hangingPunct="1">
+              <a:defRPr sz="2400" kern="1200">
+                <a:solidFill>
+                  <a:schemeClr val="tx1"/>
+                </a:solidFill>
+                <a:latin typeface="+mn-lt"/>
+                <a:ea typeface="+mn-ea"/>
+                <a:cs typeface="+mn-cs"/>
+              </a:defRPr>
+            </a:lvl7pPr>
+            <a:lvl8pPr marL="4266453" algn="l" defTabSz="1218987" rtl="0" eaLnBrk="1" latinLnBrk="0" hangingPunct="1">
+              <a:defRPr sz="2400" kern="1200">
+                <a:solidFill>
+                  <a:schemeClr val="tx1"/>
+                </a:solidFill>
+                <a:latin typeface="+mn-lt"/>
+                <a:ea typeface="+mn-ea"/>
+                <a:cs typeface="+mn-cs"/>
+              </a:defRPr>
+            </a:lvl8pPr>
+            <a:lvl9pPr marL="4875947" algn="l" defTabSz="1218987" rtl="0" eaLnBrk="1" latinLnBrk="0" hangingPunct="1">
+              <a:defRPr sz="2400" kern="1200">
+                <a:solidFill>
+                  <a:schemeClr val="tx1"/>
+                </a:solidFill>
+                <a:latin typeface="+mn-lt"/>
+                <a:ea typeface="+mn-ea"/>
+                <a:cs typeface="+mn-cs"/>
+              </a:defRPr>
+            </a:lvl9pPr>
+          </a:lstStyle>
+          <a:p>
+            <a:pPr algn="l"/>
+            <a:r>
+              <a:rPr lang="en-US" dirty="0"/>
+              <a:t>DES211 CAPSTONE PROJECT</a:t>
+            </a:r>
+          </a:p>
+        </p:txBody>
       </p:sp>
     </p:spTree>
     <p:extLst>
@@ -12518,6 +14442,137 @@
           </a:p>
         </p:txBody>
       </p:sp>
+      <p:sp>
+        <p:nvSpPr>
+          <p:cNvPr id="4" name="Slide Number Placeholder 4">
+            <a:extLst>
+              <a:ext uri="{FF2B5EF4-FFF2-40B4-BE49-F238E27FC236}">
+                <a16:creationId xmlns:a16="http://schemas.microsoft.com/office/drawing/2014/main" id="{C6ABE3FD-DB28-538C-3CD8-8E51B39E9775}"/>
+              </a:ext>
+            </a:extLst>
+          </p:cNvPr>
+          <p:cNvSpPr txBox="1">
+            <a:spLocks/>
+          </p:cNvSpPr>
+          <p:nvPr/>
+        </p:nvSpPr>
+        <p:spPr>
+          <a:xfrm>
+            <a:off x="455612" y="6190488"/>
+            <a:ext cx="2677604" cy="210312"/>
+          </a:xfrm>
+          <a:prstGeom prst="rect">
+            <a:avLst/>
+          </a:prstGeom>
+        </p:spPr>
+        <p:txBody>
+          <a:bodyPr vert="horz" lIns="121899" tIns="60949" rIns="121899" bIns="60949" rtlCol="0" anchor="b"/>
+          <a:lstStyle>
+            <a:defPPr>
+              <a:defRPr lang="en-US"/>
+            </a:defPPr>
+            <a:lvl1pPr marL="0" algn="r" defTabSz="1218987" rtl="0" eaLnBrk="1" latinLnBrk="0" hangingPunct="1">
+              <a:defRPr sz="1000" b="1" kern="1200" spc="200" baseline="0">
+                <a:solidFill>
+                  <a:schemeClr val="tx2">
+                    <a:lumMod val="50000"/>
+                  </a:schemeClr>
+                </a:solidFill>
+                <a:latin typeface="+mn-lt"/>
+                <a:ea typeface="+mn-ea"/>
+                <a:cs typeface="+mn-cs"/>
+              </a:defRPr>
+            </a:lvl1pPr>
+            <a:lvl2pPr marL="609493" algn="l" defTabSz="1218987" rtl="0" eaLnBrk="1" latinLnBrk="0" hangingPunct="1">
+              <a:defRPr sz="2400" kern="1200">
+                <a:solidFill>
+                  <a:schemeClr val="tx1"/>
+                </a:solidFill>
+                <a:latin typeface="+mn-lt"/>
+                <a:ea typeface="+mn-ea"/>
+                <a:cs typeface="+mn-cs"/>
+              </a:defRPr>
+            </a:lvl2pPr>
+            <a:lvl3pPr marL="1218987" algn="l" defTabSz="1218987" rtl="0" eaLnBrk="1" latinLnBrk="0" hangingPunct="1">
+              <a:defRPr sz="2400" kern="1200">
+                <a:solidFill>
+                  <a:schemeClr val="tx1"/>
+                </a:solidFill>
+                <a:latin typeface="+mn-lt"/>
+                <a:ea typeface="+mn-ea"/>
+                <a:cs typeface="+mn-cs"/>
+              </a:defRPr>
+            </a:lvl3pPr>
+            <a:lvl4pPr marL="1828480" algn="l" defTabSz="1218987" rtl="0" eaLnBrk="1" latinLnBrk="0" hangingPunct="1">
+              <a:defRPr sz="2400" kern="1200">
+                <a:solidFill>
+                  <a:schemeClr val="tx1"/>
+                </a:solidFill>
+                <a:latin typeface="+mn-lt"/>
+                <a:ea typeface="+mn-ea"/>
+                <a:cs typeface="+mn-cs"/>
+              </a:defRPr>
+            </a:lvl4pPr>
+            <a:lvl5pPr marL="2437973" algn="l" defTabSz="1218987" rtl="0" eaLnBrk="1" latinLnBrk="0" hangingPunct="1">
+              <a:defRPr sz="2400" kern="1200">
+                <a:solidFill>
+                  <a:schemeClr val="tx1"/>
+                </a:solidFill>
+                <a:latin typeface="+mn-lt"/>
+                <a:ea typeface="+mn-ea"/>
+                <a:cs typeface="+mn-cs"/>
+              </a:defRPr>
+            </a:lvl5pPr>
+            <a:lvl6pPr marL="3047467" algn="l" defTabSz="1218987" rtl="0" eaLnBrk="1" latinLnBrk="0" hangingPunct="1">
+              <a:defRPr sz="2400" kern="1200">
+                <a:solidFill>
+                  <a:schemeClr val="tx1"/>
+                </a:solidFill>
+                <a:latin typeface="+mn-lt"/>
+                <a:ea typeface="+mn-ea"/>
+                <a:cs typeface="+mn-cs"/>
+              </a:defRPr>
+            </a:lvl6pPr>
+            <a:lvl7pPr marL="3656960" algn="l" defTabSz="1218987" rtl="0" eaLnBrk="1" latinLnBrk="0" hangingPunct="1">
+              <a:defRPr sz="2400" kern="1200">
+                <a:solidFill>
+                  <a:schemeClr val="tx1"/>
+                </a:solidFill>
+                <a:latin typeface="+mn-lt"/>
+                <a:ea typeface="+mn-ea"/>
+                <a:cs typeface="+mn-cs"/>
+              </a:defRPr>
+            </a:lvl7pPr>
+            <a:lvl8pPr marL="4266453" algn="l" defTabSz="1218987" rtl="0" eaLnBrk="1" latinLnBrk="0" hangingPunct="1">
+              <a:defRPr sz="2400" kern="1200">
+                <a:solidFill>
+                  <a:schemeClr val="tx1"/>
+                </a:solidFill>
+                <a:latin typeface="+mn-lt"/>
+                <a:ea typeface="+mn-ea"/>
+                <a:cs typeface="+mn-cs"/>
+              </a:defRPr>
+            </a:lvl8pPr>
+            <a:lvl9pPr marL="4875947" algn="l" defTabSz="1218987" rtl="0" eaLnBrk="1" latinLnBrk="0" hangingPunct="1">
+              <a:defRPr sz="2400" kern="1200">
+                <a:solidFill>
+                  <a:schemeClr val="tx1"/>
+                </a:solidFill>
+                <a:latin typeface="+mn-lt"/>
+                <a:ea typeface="+mn-ea"/>
+                <a:cs typeface="+mn-cs"/>
+              </a:defRPr>
+            </a:lvl9pPr>
+          </a:lstStyle>
+          <a:p>
+            <a:pPr algn="l"/>
+            <a:r>
+              <a:rPr lang="en-US" dirty="0"/>
+              <a:t>DES211 CAPSTONE PROJECT</a:t>
+            </a:r>
+          </a:p>
+        </p:txBody>
+      </p:sp>
     </p:spTree>
     <p:extLst>
       <p:ext uri="{BB962C8B-B14F-4D97-AF65-F5344CB8AC3E}">
@@ -12577,6 +14632,13 @@
           </p:nvPr>
         </p:nvSpPr>
         <p:spPr/>
+        <p:txBody>
+          <a:bodyPr/>
+          <a:lstStyle/>
+          <a:p>
+            <a:endParaRPr lang="en-US"/>
+          </a:p>
+        </p:txBody>
       </p:sp>
       <p:sp>
         <p:nvSpPr>
@@ -12762,6 +14824,137 @@
                 <a:latin typeface="Bahnschrift SemiLight" panose="020B0502040204020203" pitchFamily="34" charset="0"/>
               </a:rPr>
               <a:t>Dogs tip bins over, ruining segregation efforts</a:t>
+            </a:r>
+          </a:p>
+        </p:txBody>
+      </p:sp>
+      <p:sp>
+        <p:nvSpPr>
+          <p:cNvPr id="2" name="Slide Number Placeholder 4">
+            <a:extLst>
+              <a:ext uri="{FF2B5EF4-FFF2-40B4-BE49-F238E27FC236}">
+                <a16:creationId xmlns:a16="http://schemas.microsoft.com/office/drawing/2014/main" id="{9F784091-9CC0-0428-47BD-C6327D2BFE12}"/>
+              </a:ext>
+            </a:extLst>
+          </p:cNvPr>
+          <p:cNvSpPr txBox="1">
+            <a:spLocks/>
+          </p:cNvSpPr>
+          <p:nvPr/>
+        </p:nvSpPr>
+        <p:spPr>
+          <a:xfrm>
+            <a:off x="455612" y="6190488"/>
+            <a:ext cx="2677604" cy="210312"/>
+          </a:xfrm>
+          <a:prstGeom prst="rect">
+            <a:avLst/>
+          </a:prstGeom>
+        </p:spPr>
+        <p:txBody>
+          <a:bodyPr vert="horz" lIns="121899" tIns="60949" rIns="121899" bIns="60949" rtlCol="0" anchor="b"/>
+          <a:lstStyle>
+            <a:defPPr>
+              <a:defRPr lang="en-US"/>
+            </a:defPPr>
+            <a:lvl1pPr marL="0" algn="r" defTabSz="1218987" rtl="0" eaLnBrk="1" latinLnBrk="0" hangingPunct="1">
+              <a:defRPr sz="1000" b="1" kern="1200" spc="200" baseline="0">
+                <a:solidFill>
+                  <a:schemeClr val="tx2">
+                    <a:lumMod val="50000"/>
+                  </a:schemeClr>
+                </a:solidFill>
+                <a:latin typeface="+mn-lt"/>
+                <a:ea typeface="+mn-ea"/>
+                <a:cs typeface="+mn-cs"/>
+              </a:defRPr>
+            </a:lvl1pPr>
+            <a:lvl2pPr marL="609493" algn="l" defTabSz="1218987" rtl="0" eaLnBrk="1" latinLnBrk="0" hangingPunct="1">
+              <a:defRPr sz="2400" kern="1200">
+                <a:solidFill>
+                  <a:schemeClr val="tx1"/>
+                </a:solidFill>
+                <a:latin typeface="+mn-lt"/>
+                <a:ea typeface="+mn-ea"/>
+                <a:cs typeface="+mn-cs"/>
+              </a:defRPr>
+            </a:lvl2pPr>
+            <a:lvl3pPr marL="1218987" algn="l" defTabSz="1218987" rtl="0" eaLnBrk="1" latinLnBrk="0" hangingPunct="1">
+              <a:defRPr sz="2400" kern="1200">
+                <a:solidFill>
+                  <a:schemeClr val="tx1"/>
+                </a:solidFill>
+                <a:latin typeface="+mn-lt"/>
+                <a:ea typeface="+mn-ea"/>
+                <a:cs typeface="+mn-cs"/>
+              </a:defRPr>
+            </a:lvl3pPr>
+            <a:lvl4pPr marL="1828480" algn="l" defTabSz="1218987" rtl="0" eaLnBrk="1" latinLnBrk="0" hangingPunct="1">
+              <a:defRPr sz="2400" kern="1200">
+                <a:solidFill>
+                  <a:schemeClr val="tx1"/>
+                </a:solidFill>
+                <a:latin typeface="+mn-lt"/>
+                <a:ea typeface="+mn-ea"/>
+                <a:cs typeface="+mn-cs"/>
+              </a:defRPr>
+            </a:lvl4pPr>
+            <a:lvl5pPr marL="2437973" algn="l" defTabSz="1218987" rtl="0" eaLnBrk="1" latinLnBrk="0" hangingPunct="1">
+              <a:defRPr sz="2400" kern="1200">
+                <a:solidFill>
+                  <a:schemeClr val="tx1"/>
+                </a:solidFill>
+                <a:latin typeface="+mn-lt"/>
+                <a:ea typeface="+mn-ea"/>
+                <a:cs typeface="+mn-cs"/>
+              </a:defRPr>
+            </a:lvl5pPr>
+            <a:lvl6pPr marL="3047467" algn="l" defTabSz="1218987" rtl="0" eaLnBrk="1" latinLnBrk="0" hangingPunct="1">
+              <a:defRPr sz="2400" kern="1200">
+                <a:solidFill>
+                  <a:schemeClr val="tx1"/>
+                </a:solidFill>
+                <a:latin typeface="+mn-lt"/>
+                <a:ea typeface="+mn-ea"/>
+                <a:cs typeface="+mn-cs"/>
+              </a:defRPr>
+            </a:lvl6pPr>
+            <a:lvl7pPr marL="3656960" algn="l" defTabSz="1218987" rtl="0" eaLnBrk="1" latinLnBrk="0" hangingPunct="1">
+              <a:defRPr sz="2400" kern="1200">
+                <a:solidFill>
+                  <a:schemeClr val="tx1"/>
+                </a:solidFill>
+                <a:latin typeface="+mn-lt"/>
+                <a:ea typeface="+mn-ea"/>
+                <a:cs typeface="+mn-cs"/>
+              </a:defRPr>
+            </a:lvl7pPr>
+            <a:lvl8pPr marL="4266453" algn="l" defTabSz="1218987" rtl="0" eaLnBrk="1" latinLnBrk="0" hangingPunct="1">
+              <a:defRPr sz="2400" kern="1200">
+                <a:solidFill>
+                  <a:schemeClr val="tx1"/>
+                </a:solidFill>
+                <a:latin typeface="+mn-lt"/>
+                <a:ea typeface="+mn-ea"/>
+                <a:cs typeface="+mn-cs"/>
+              </a:defRPr>
+            </a:lvl8pPr>
+            <a:lvl9pPr marL="4875947" algn="l" defTabSz="1218987" rtl="0" eaLnBrk="1" latinLnBrk="0" hangingPunct="1">
+              <a:defRPr sz="2400" kern="1200">
+                <a:solidFill>
+                  <a:schemeClr val="tx1"/>
+                </a:solidFill>
+                <a:latin typeface="+mn-lt"/>
+                <a:ea typeface="+mn-ea"/>
+                <a:cs typeface="+mn-cs"/>
+              </a:defRPr>
+            </a:lvl9pPr>
+          </a:lstStyle>
+          <a:p>
+            <a:pPr algn="l"/>
+            <a:r>
+              <a:rPr lang="en-US" dirty="0"/>
+              <a:t>DES211 CAPSTONE PROJECT</a:t>
             </a:r>
           </a:p>
         </p:txBody>
@@ -12955,6 +15148,144 @@
           </p:nvPr>
         </p:nvSpPr>
         <p:spPr/>
+        <p:txBody>
+          <a:bodyPr/>
+          <a:lstStyle/>
+          <a:p>
+            <a:endParaRPr lang="en-US"/>
+          </a:p>
+        </p:txBody>
+      </p:sp>
+      <p:sp>
+        <p:nvSpPr>
+          <p:cNvPr id="7" name="Slide Number Placeholder 4">
+            <a:extLst>
+              <a:ext uri="{FF2B5EF4-FFF2-40B4-BE49-F238E27FC236}">
+                <a16:creationId xmlns:a16="http://schemas.microsoft.com/office/drawing/2014/main" id="{0EAAF75C-A93F-3797-39FD-F3D2C62487D3}"/>
+              </a:ext>
+            </a:extLst>
+          </p:cNvPr>
+          <p:cNvSpPr txBox="1">
+            <a:spLocks/>
+          </p:cNvSpPr>
+          <p:nvPr/>
+        </p:nvSpPr>
+        <p:spPr>
+          <a:xfrm>
+            <a:off x="455612" y="6190488"/>
+            <a:ext cx="2677604" cy="210312"/>
+          </a:xfrm>
+          <a:prstGeom prst="rect">
+            <a:avLst/>
+          </a:prstGeom>
+        </p:spPr>
+        <p:txBody>
+          <a:bodyPr vert="horz" lIns="121899" tIns="60949" rIns="121899" bIns="60949" rtlCol="0" anchor="b"/>
+          <a:lstStyle>
+            <a:defPPr>
+              <a:defRPr lang="en-US"/>
+            </a:defPPr>
+            <a:lvl1pPr marL="0" algn="r" defTabSz="1218987" rtl="0" eaLnBrk="1" latinLnBrk="0" hangingPunct="1">
+              <a:defRPr sz="1000" b="1" kern="1200" spc="200" baseline="0">
+                <a:solidFill>
+                  <a:schemeClr val="tx2">
+                    <a:lumMod val="50000"/>
+                  </a:schemeClr>
+                </a:solidFill>
+                <a:latin typeface="+mn-lt"/>
+                <a:ea typeface="+mn-ea"/>
+                <a:cs typeface="+mn-cs"/>
+              </a:defRPr>
+            </a:lvl1pPr>
+            <a:lvl2pPr marL="609493" algn="l" defTabSz="1218987" rtl="0" eaLnBrk="1" latinLnBrk="0" hangingPunct="1">
+              <a:defRPr sz="2400" kern="1200">
+                <a:solidFill>
+                  <a:schemeClr val="tx1"/>
+                </a:solidFill>
+                <a:latin typeface="+mn-lt"/>
+                <a:ea typeface="+mn-ea"/>
+                <a:cs typeface="+mn-cs"/>
+              </a:defRPr>
+            </a:lvl2pPr>
+            <a:lvl3pPr marL="1218987" algn="l" defTabSz="1218987" rtl="0" eaLnBrk="1" latinLnBrk="0" hangingPunct="1">
+              <a:defRPr sz="2400" kern="1200">
+                <a:solidFill>
+                  <a:schemeClr val="tx1"/>
+                </a:solidFill>
+                <a:latin typeface="+mn-lt"/>
+                <a:ea typeface="+mn-ea"/>
+                <a:cs typeface="+mn-cs"/>
+              </a:defRPr>
+            </a:lvl3pPr>
+            <a:lvl4pPr marL="1828480" algn="l" defTabSz="1218987" rtl="0" eaLnBrk="1" latinLnBrk="0" hangingPunct="1">
+              <a:defRPr sz="2400" kern="1200">
+                <a:solidFill>
+                  <a:schemeClr val="tx1"/>
+                </a:solidFill>
+                <a:latin typeface="+mn-lt"/>
+                <a:ea typeface="+mn-ea"/>
+                <a:cs typeface="+mn-cs"/>
+              </a:defRPr>
+            </a:lvl4pPr>
+            <a:lvl5pPr marL="2437973" algn="l" defTabSz="1218987" rtl="0" eaLnBrk="1" latinLnBrk="0" hangingPunct="1">
+              <a:defRPr sz="2400" kern="1200">
+                <a:solidFill>
+                  <a:schemeClr val="tx1"/>
+                </a:solidFill>
+                <a:latin typeface="+mn-lt"/>
+                <a:ea typeface="+mn-ea"/>
+                <a:cs typeface="+mn-cs"/>
+              </a:defRPr>
+            </a:lvl5pPr>
+            <a:lvl6pPr marL="3047467" algn="l" defTabSz="1218987" rtl="0" eaLnBrk="1" latinLnBrk="0" hangingPunct="1">
+              <a:defRPr sz="2400" kern="1200">
+                <a:solidFill>
+                  <a:schemeClr val="tx1"/>
+                </a:solidFill>
+                <a:latin typeface="+mn-lt"/>
+                <a:ea typeface="+mn-ea"/>
+                <a:cs typeface="+mn-cs"/>
+              </a:defRPr>
+            </a:lvl6pPr>
+            <a:lvl7pPr marL="3656960" algn="l" defTabSz="1218987" rtl="0" eaLnBrk="1" latinLnBrk="0" hangingPunct="1">
+              <a:defRPr sz="2400" kern="1200">
+                <a:solidFill>
+                  <a:schemeClr val="tx1"/>
+                </a:solidFill>
+                <a:latin typeface="+mn-lt"/>
+                <a:ea typeface="+mn-ea"/>
+                <a:cs typeface="+mn-cs"/>
+              </a:defRPr>
+            </a:lvl7pPr>
+            <a:lvl8pPr marL="4266453" algn="l" defTabSz="1218987" rtl="0" eaLnBrk="1" latinLnBrk="0" hangingPunct="1">
+              <a:defRPr sz="2400" kern="1200">
+                <a:solidFill>
+                  <a:schemeClr val="tx1"/>
+                </a:solidFill>
+                <a:latin typeface="+mn-lt"/>
+                <a:ea typeface="+mn-ea"/>
+                <a:cs typeface="+mn-cs"/>
+              </a:defRPr>
+            </a:lvl8pPr>
+            <a:lvl9pPr marL="4875947" algn="l" defTabSz="1218987" rtl="0" eaLnBrk="1" latinLnBrk="0" hangingPunct="1">
+              <a:defRPr sz="2400" kern="1200">
+                <a:solidFill>
+                  <a:schemeClr val="tx1"/>
+                </a:solidFill>
+                <a:latin typeface="+mn-lt"/>
+                <a:ea typeface="+mn-ea"/>
+                <a:cs typeface="+mn-cs"/>
+              </a:defRPr>
+            </a:lvl9pPr>
+          </a:lstStyle>
+          <a:p>
+            <a:pPr algn="l"/>
+            <a:r>
+              <a:rPr lang="en-US" dirty="0"/>
+              <a:t>DES211 CAPSTONE PROJECT</a:t>
+            </a:r>
+          </a:p>
+        </p:txBody>
       </p:sp>
     </p:spTree>
     <p:extLst>
@@ -13040,24 +15371,363 @@
           </a:p>
         </p:txBody>
       </p:sp>
-      <p:sp>
-        <p:nvSpPr>
-          <p:cNvPr id="3" name="Table Placeholder 2">
-            <a:extLst>
-              <a:ext uri="{FF2B5EF4-FFF2-40B4-BE49-F238E27FC236}">
-                <a16:creationId xmlns:a16="http://schemas.microsoft.com/office/drawing/2014/main" id="{3AA1C326-F4B2-4A59-AD1A-E3E64842804D}"/>
-              </a:ext>
-            </a:extLst>
-          </p:cNvPr>
-          <p:cNvSpPr>
-            <a:spLocks noGrp="1"/>
-          </p:cNvSpPr>
+      <p:graphicFrame>
+        <p:nvGraphicFramePr>
+          <p:cNvPr id="6" name="Table Placeholder 5">
+            <a:extLst>
+              <a:ext uri="{FF2B5EF4-FFF2-40B4-BE49-F238E27FC236}">
+                <a16:creationId xmlns:a16="http://schemas.microsoft.com/office/drawing/2014/main" id="{DEE40FCE-70CA-5BBA-ACD8-1A7757443BDE}"/>
+              </a:ext>
+            </a:extLst>
+          </p:cNvPr>
+          <p:cNvGraphicFramePr>
+            <a:graphicFrameLocks noGrp="1"/>
+          </p:cNvGraphicFramePr>
           <p:nvPr>
             <p:ph type="tbl" sz="quarter" idx="13"/>
+            <p:extLst>
+              <p:ext uri="{D42A27DB-BD31-4B8C-83A1-F6EECF244321}">
+                <p14:modId xmlns:p14="http://schemas.microsoft.com/office/powerpoint/2010/main" val="611619493"/>
+              </p:ext>
+            </p:extLst>
           </p:nvPr>
-        </p:nvSpPr>
-        <p:spPr/>
-      </p:sp>
+        </p:nvGraphicFramePr>
+        <p:xfrm>
+          <a:off x="593725" y="1809750"/>
+          <a:ext cx="10771188" cy="3829049"/>
+        </p:xfrm>
+        <a:graphic>
+          <a:graphicData uri="http://schemas.openxmlformats.org/drawingml/2006/table">
+            <a:tbl>
+              <a:tblPr firstRow="1" bandRow="1">
+                <a:tableStyleId>{8A107856-5554-42FB-B03E-39F5DBC370BA}</a:tableStyleId>
+              </a:tblPr>
+              <a:tblGrid>
+                <a:gridCol w="5385594">
+                  <a:extLst>
+                    <a:ext uri="{9D8B030D-6E8A-4147-A177-3AD203B41FA5}">
+                      <a16:colId xmlns:a16="http://schemas.microsoft.com/office/drawing/2014/main" val="3676582090"/>
+                    </a:ext>
+                  </a:extLst>
+                </a:gridCol>
+                <a:gridCol w="5385594">
+                  <a:extLst>
+                    <a:ext uri="{9D8B030D-6E8A-4147-A177-3AD203B41FA5}">
+                      <a16:colId xmlns:a16="http://schemas.microsoft.com/office/drawing/2014/main" val="3458197918"/>
+                    </a:ext>
+                  </a:extLst>
+                </a:gridCol>
+              </a:tblGrid>
+              <a:tr h="533621">
+                <a:tc>
+                  <a:txBody>
+                    <a:bodyPr/>
+                    <a:lstStyle/>
+                    <a:p>
+                      <a:pPr algn="ctr"/>
+                      <a:r>
+                        <a:rPr lang="en-US" i="0" dirty="0">
+                          <a:solidFill>
+                            <a:srgbClr val="435F30"/>
+                          </a:solidFill>
+                          <a:latin typeface="Bahnschrift" panose="020B0502040204020203" pitchFamily="34" charset="0"/>
+                        </a:rPr>
+                        <a:t>Prop Up Rails</a:t>
+                      </a:r>
+                    </a:p>
+                  </a:txBody>
+                  <a:tcPr anchor="ctr"/>
+                </a:tc>
+                <a:tc>
+                  <a:txBody>
+                    <a:bodyPr/>
+                    <a:lstStyle/>
+                    <a:p>
+                      <a:pPr algn="ctr"/>
+                      <a:r>
+                        <a:rPr lang="en-US" dirty="0">
+                          <a:solidFill>
+                            <a:srgbClr val="435F30"/>
+                          </a:solidFill>
+                          <a:latin typeface="Bahnschrift" panose="020B0502040204020203" pitchFamily="34" charset="0"/>
+                        </a:rPr>
+                        <a:t>Color Coded Bins</a:t>
+                      </a:r>
+                    </a:p>
+                  </a:txBody>
+                  <a:tcPr anchor="ctr"/>
+                </a:tc>
+                <a:extLst>
+                  <a:ext uri="{0D108BD9-81ED-4DB2-BD59-A6C34878D82A}">
+                    <a16:rowId xmlns:a16="http://schemas.microsoft.com/office/drawing/2014/main" val="1299871446"/>
+                  </a:ext>
+                </a:extLst>
+              </a:tr>
+              <a:tr h="3295428">
+                <a:tc>
+                  <a:txBody>
+                    <a:bodyPr/>
+                    <a:lstStyle/>
+                    <a:p>
+                      <a:endParaRPr lang="en-US" sz="1600" b="1" dirty="0">
+                        <a:latin typeface="Bahnschrift SemiLight" panose="020B0502040204020203" pitchFamily="34" charset="0"/>
+                      </a:endParaRPr>
+                    </a:p>
+                    <a:p>
+                      <a:r>
+                        <a:rPr lang="en-US" sz="1800" b="0" i="1" dirty="0">
+                          <a:solidFill>
+                            <a:srgbClr val="435F30"/>
+                          </a:solidFill>
+                          <a:latin typeface="Bahnschrift SemiLight" panose="020B0502040204020203" pitchFamily="34" charset="0"/>
+                        </a:rPr>
+                        <a:t>Pros:</a:t>
+                      </a:r>
+                      <a:br>
+                        <a:rPr lang="en-US" sz="1600" dirty="0">
+                          <a:solidFill>
+                            <a:srgbClr val="435F30"/>
+                          </a:solidFill>
+                          <a:latin typeface="Bahnschrift SemiLight" panose="020B0502040204020203" pitchFamily="34" charset="0"/>
+                        </a:rPr>
+                      </a:br>
+                      <a:r>
+                        <a:rPr lang="en-US" sz="1600" dirty="0">
+                          <a:solidFill>
+                            <a:srgbClr val="435F30"/>
+                          </a:solidFill>
+                          <a:latin typeface="Bahnschrift SemiLight" panose="020B0502040204020203" pitchFamily="34" charset="0"/>
+                        </a:rPr>
+                        <a:t>• Adds stability against tipping</a:t>
+                      </a:r>
+                      <a:br>
+                        <a:rPr lang="en-US" sz="1600" dirty="0">
+                          <a:solidFill>
+                            <a:srgbClr val="435F30"/>
+                          </a:solidFill>
+                          <a:latin typeface="Bahnschrift SemiLight" panose="020B0502040204020203" pitchFamily="34" charset="0"/>
+                        </a:rPr>
+                      </a:br>
+                      <a:r>
+                        <a:rPr lang="en-US" sz="1600" dirty="0">
+                          <a:solidFill>
+                            <a:srgbClr val="435F30"/>
+                          </a:solidFill>
+                          <a:latin typeface="Bahnschrift SemiLight" panose="020B0502040204020203" pitchFamily="34" charset="0"/>
+                        </a:rPr>
+                        <a:t>• Durable &amp; low-maintenance (stainless steel)</a:t>
+                      </a:r>
+                    </a:p>
+                    <a:p>
+                      <a:r>
+                        <a:rPr lang="en-US" sz="1600" dirty="0">
+                          <a:solidFill>
+                            <a:srgbClr val="435F30"/>
+                          </a:solidFill>
+                          <a:latin typeface="Bahnschrift SemiLight" panose="020B0502040204020203" pitchFamily="34" charset="0"/>
+                        </a:rPr>
+                        <a:t>• Swinging bins ease trash removal</a:t>
+                      </a:r>
+                    </a:p>
+                    <a:p>
+                      <a:endParaRPr lang="en-US" sz="1600" b="1" dirty="0">
+                        <a:solidFill>
+                          <a:srgbClr val="435F30"/>
+                        </a:solidFill>
+                        <a:latin typeface="Bahnschrift SemiLight" panose="020B0502040204020203" pitchFamily="34" charset="0"/>
+                      </a:endParaRPr>
+                    </a:p>
+                    <a:p>
+                      <a:endParaRPr lang="en-US" sz="1600" b="1" dirty="0">
+                        <a:solidFill>
+                          <a:srgbClr val="435F30"/>
+                        </a:solidFill>
+                        <a:latin typeface="Bahnschrift SemiLight" panose="020B0502040204020203" pitchFamily="34" charset="0"/>
+                      </a:endParaRPr>
+                    </a:p>
+                    <a:p>
+                      <a:r>
+                        <a:rPr lang="en-US" sz="1800" b="0" i="1" dirty="0">
+                          <a:solidFill>
+                            <a:srgbClr val="435F30"/>
+                          </a:solidFill>
+                          <a:latin typeface="Bahnschrift SemiLight" panose="020B0502040204020203" pitchFamily="34" charset="0"/>
+                        </a:rPr>
+                        <a:t>Cons:</a:t>
+                      </a:r>
+                      <a:br>
+                        <a:rPr lang="en-US" sz="1600" dirty="0">
+                          <a:solidFill>
+                            <a:srgbClr val="435F30"/>
+                          </a:solidFill>
+                          <a:latin typeface="Bahnschrift SemiLight" panose="020B0502040204020203" pitchFamily="34" charset="0"/>
+                        </a:rPr>
+                      </a:br>
+                      <a:r>
+                        <a:rPr lang="en-US" sz="1600" dirty="0">
+                          <a:solidFill>
+                            <a:srgbClr val="435F30"/>
+                          </a:solidFill>
+                          <a:latin typeface="Bahnschrift SemiLight" panose="020B0502040204020203" pitchFamily="34" charset="0"/>
+                        </a:rPr>
+                        <a:t>• Bins swing too freely — waste may fall out</a:t>
+                      </a:r>
+                    </a:p>
+                    <a:p>
+                      <a:r>
+                        <a:rPr lang="en-US" sz="1600" dirty="0">
+                          <a:solidFill>
+                            <a:srgbClr val="435F30"/>
+                          </a:solidFill>
+                          <a:latin typeface="Bahnschrift SemiLight" panose="020B0502040204020203" pitchFamily="34" charset="0"/>
+                        </a:rPr>
+                        <a:t>• Heavy, hard to assemble/transport</a:t>
+                      </a:r>
+                    </a:p>
+                    <a:p>
+                      <a:r>
+                        <a:rPr lang="en-US" sz="1600" dirty="0">
+                          <a:solidFill>
+                            <a:srgbClr val="435F30"/>
+                          </a:solidFill>
+                          <a:latin typeface="Bahnschrift SemiLight" panose="020B0502040204020203" pitchFamily="34" charset="0"/>
+                        </a:rPr>
+                        <a:t>• Rarely implemented campus-wide</a:t>
+                      </a:r>
+                    </a:p>
+                  </a:txBody>
+                  <a:tcPr/>
+                </a:tc>
+                <a:tc>
+                  <a:txBody>
+                    <a:bodyPr/>
+                    <a:lstStyle/>
+                    <a:p>
+                      <a:endParaRPr lang="en-US" sz="1800" b="0" i="1" dirty="0">
+                        <a:latin typeface="Bahnschrift SemiLight" panose="020B0502040204020203" pitchFamily="34" charset="0"/>
+                      </a:endParaRPr>
+                    </a:p>
+                    <a:p>
+                      <a:r>
+                        <a:rPr lang="en-US" sz="1800" b="0" i="1" dirty="0">
+                          <a:solidFill>
+                            <a:srgbClr val="435F30"/>
+                          </a:solidFill>
+                          <a:latin typeface="Bahnschrift SemiLight" panose="020B0502040204020203" pitchFamily="34" charset="0"/>
+                        </a:rPr>
+                        <a:t>Pros:</a:t>
+                      </a:r>
+                      <a:br>
+                        <a:rPr lang="en-US" sz="1600" b="0" dirty="0">
+                          <a:solidFill>
+                            <a:srgbClr val="435F30"/>
+                          </a:solidFill>
+                          <a:latin typeface="Bahnschrift SemiLight" panose="020B0502040204020203" pitchFamily="34" charset="0"/>
+                        </a:rPr>
+                      </a:br>
+                      <a:r>
+                        <a:rPr lang="en-US" sz="1600" b="0" dirty="0">
+                          <a:solidFill>
+                            <a:srgbClr val="435F30"/>
+                          </a:solidFill>
+                          <a:latin typeface="Bahnschrift SemiLight" panose="020B0502040204020203" pitchFamily="34" charset="0"/>
+                        </a:rPr>
+                        <a:t>• Clear color distinctions aid sorting</a:t>
+                      </a:r>
+                    </a:p>
+                    <a:p>
+                      <a:endParaRPr lang="en-US" sz="1800" b="0" i="1" dirty="0">
+                        <a:solidFill>
+                          <a:srgbClr val="435F30"/>
+                        </a:solidFill>
+                        <a:latin typeface="Bahnschrift SemiLight" panose="020B0502040204020203" pitchFamily="34" charset="0"/>
+                      </a:endParaRPr>
+                    </a:p>
+                    <a:p>
+                      <a:endParaRPr lang="en-US" sz="1800" b="0" i="1" dirty="0">
+                        <a:solidFill>
+                          <a:srgbClr val="435F30"/>
+                        </a:solidFill>
+                        <a:latin typeface="Bahnschrift SemiLight" panose="020B0502040204020203" pitchFamily="34" charset="0"/>
+                      </a:endParaRPr>
+                    </a:p>
+                    <a:p>
+                      <a:endParaRPr lang="en-US" sz="1800" b="0" i="1" dirty="0">
+                        <a:solidFill>
+                          <a:srgbClr val="435F30"/>
+                        </a:solidFill>
+                        <a:latin typeface="Bahnschrift SemiLight" panose="020B0502040204020203" pitchFamily="34" charset="0"/>
+                      </a:endParaRPr>
+                    </a:p>
+                    <a:p>
+                      <a:endParaRPr lang="en-US" sz="1000" b="0" i="1" dirty="0">
+                        <a:solidFill>
+                          <a:srgbClr val="435F30"/>
+                        </a:solidFill>
+                        <a:latin typeface="Bahnschrift SemiLight" panose="020B0502040204020203" pitchFamily="34" charset="0"/>
+                      </a:endParaRPr>
+                    </a:p>
+                    <a:p>
+                      <a:r>
+                        <a:rPr lang="en-US" sz="1800" b="0" i="1" dirty="0">
+                          <a:solidFill>
+                            <a:srgbClr val="435F30"/>
+                          </a:solidFill>
+                          <a:latin typeface="Bahnschrift SemiLight" panose="020B0502040204020203" pitchFamily="34" charset="0"/>
+                        </a:rPr>
+                        <a:t>Cons:</a:t>
+                      </a:r>
+                      <a:br>
+                        <a:rPr lang="en-US" sz="1600" b="0" dirty="0">
+                          <a:solidFill>
+                            <a:srgbClr val="435F30"/>
+                          </a:solidFill>
+                          <a:latin typeface="Bahnschrift SemiLight" panose="020B0502040204020203" pitchFamily="34" charset="0"/>
+                        </a:rPr>
+                      </a:br>
+                      <a:r>
+                        <a:rPr lang="en-US" sz="1600" b="0" dirty="0">
+                          <a:solidFill>
+                            <a:srgbClr val="435F30"/>
+                          </a:solidFill>
+                          <a:latin typeface="Bahnschrift SemiLight" panose="020B0502040204020203" pitchFamily="34" charset="0"/>
+                        </a:rPr>
+                        <a:t>• Over-reliance on color — bad for colorblind users</a:t>
+                      </a:r>
+                      <a:br>
+                        <a:rPr lang="en-US" sz="1600" b="0" dirty="0">
+                          <a:solidFill>
+                            <a:srgbClr val="435F30"/>
+                          </a:solidFill>
+                          <a:latin typeface="Bahnschrift SemiLight" panose="020B0502040204020203" pitchFamily="34" charset="0"/>
+                        </a:rPr>
+                      </a:br>
+                      <a:r>
+                        <a:rPr lang="en-US" sz="1600" b="0" dirty="0">
+                          <a:solidFill>
+                            <a:srgbClr val="435F30"/>
+                          </a:solidFill>
+                          <a:latin typeface="Bahnschrift SemiLight" panose="020B0502040204020203" pitchFamily="34" charset="0"/>
+                        </a:rPr>
+                        <a:t>• Poor labeling; often placed alone, leading to mixed waste</a:t>
+                      </a:r>
+                    </a:p>
+                    <a:p>
+                      <a:endParaRPr lang="en-US" dirty="0"/>
+                    </a:p>
+                  </a:txBody>
+                  <a:tcPr/>
+                </a:tc>
+                <a:extLst>
+                  <a:ext uri="{0D108BD9-81ED-4DB2-BD59-A6C34878D82A}">
+                    <a16:rowId xmlns:a16="http://schemas.microsoft.com/office/drawing/2014/main" val="3708049680"/>
+                  </a:ext>
+                </a:extLst>
+              </a:tr>
+            </a:tbl>
+          </a:graphicData>
+        </a:graphic>
+      </p:graphicFrame>
       <p:sp>
         <p:nvSpPr>
           <p:cNvPr id="4" name="Slide Number Placeholder 3">
@@ -13085,6 +15755,137 @@
               <a:t>8</a:t>
             </a:fld>
             <a:endParaRPr lang="en-US" dirty="0"/>
+          </a:p>
+        </p:txBody>
+      </p:sp>
+      <p:sp>
+        <p:nvSpPr>
+          <p:cNvPr id="5" name="Slide Number Placeholder 4">
+            <a:extLst>
+              <a:ext uri="{FF2B5EF4-FFF2-40B4-BE49-F238E27FC236}">
+                <a16:creationId xmlns:a16="http://schemas.microsoft.com/office/drawing/2014/main" id="{903DE30F-6AB6-D1D8-9C58-3CA807C00A09}"/>
+              </a:ext>
+            </a:extLst>
+          </p:cNvPr>
+          <p:cNvSpPr txBox="1">
+            <a:spLocks/>
+          </p:cNvSpPr>
+          <p:nvPr/>
+        </p:nvSpPr>
+        <p:spPr>
+          <a:xfrm>
+            <a:off x="455612" y="6190488"/>
+            <a:ext cx="2677604" cy="210312"/>
+          </a:xfrm>
+          <a:prstGeom prst="rect">
+            <a:avLst/>
+          </a:prstGeom>
+        </p:spPr>
+        <p:txBody>
+          <a:bodyPr vert="horz" lIns="121899" tIns="60949" rIns="121899" bIns="60949" rtlCol="0" anchor="b"/>
+          <a:lstStyle>
+            <a:defPPr>
+              <a:defRPr lang="en-US"/>
+            </a:defPPr>
+            <a:lvl1pPr marL="0" algn="r" defTabSz="1218987" rtl="0" eaLnBrk="1" latinLnBrk="0" hangingPunct="1">
+              <a:defRPr sz="1000" b="1" kern="1200" spc="200" baseline="0">
+                <a:solidFill>
+                  <a:schemeClr val="tx2">
+                    <a:lumMod val="50000"/>
+                  </a:schemeClr>
+                </a:solidFill>
+                <a:latin typeface="+mn-lt"/>
+                <a:ea typeface="+mn-ea"/>
+                <a:cs typeface="+mn-cs"/>
+              </a:defRPr>
+            </a:lvl1pPr>
+            <a:lvl2pPr marL="609493" algn="l" defTabSz="1218987" rtl="0" eaLnBrk="1" latinLnBrk="0" hangingPunct="1">
+              <a:defRPr sz="2400" kern="1200">
+                <a:solidFill>
+                  <a:schemeClr val="tx1"/>
+                </a:solidFill>
+                <a:latin typeface="+mn-lt"/>
+                <a:ea typeface="+mn-ea"/>
+                <a:cs typeface="+mn-cs"/>
+              </a:defRPr>
+            </a:lvl2pPr>
+            <a:lvl3pPr marL="1218987" algn="l" defTabSz="1218987" rtl="0" eaLnBrk="1" latinLnBrk="0" hangingPunct="1">
+              <a:defRPr sz="2400" kern="1200">
+                <a:solidFill>
+                  <a:schemeClr val="tx1"/>
+                </a:solidFill>
+                <a:latin typeface="+mn-lt"/>
+                <a:ea typeface="+mn-ea"/>
+                <a:cs typeface="+mn-cs"/>
+              </a:defRPr>
+            </a:lvl3pPr>
+            <a:lvl4pPr marL="1828480" algn="l" defTabSz="1218987" rtl="0" eaLnBrk="1" latinLnBrk="0" hangingPunct="1">
+              <a:defRPr sz="2400" kern="1200">
+                <a:solidFill>
+                  <a:schemeClr val="tx1"/>
+                </a:solidFill>
+                <a:latin typeface="+mn-lt"/>
+                <a:ea typeface="+mn-ea"/>
+                <a:cs typeface="+mn-cs"/>
+              </a:defRPr>
+            </a:lvl4pPr>
+            <a:lvl5pPr marL="2437973" algn="l" defTabSz="1218987" rtl="0" eaLnBrk="1" latinLnBrk="0" hangingPunct="1">
+              <a:defRPr sz="2400" kern="1200">
+                <a:solidFill>
+                  <a:schemeClr val="tx1"/>
+                </a:solidFill>
+                <a:latin typeface="+mn-lt"/>
+                <a:ea typeface="+mn-ea"/>
+                <a:cs typeface="+mn-cs"/>
+              </a:defRPr>
+            </a:lvl5pPr>
+            <a:lvl6pPr marL="3047467" algn="l" defTabSz="1218987" rtl="0" eaLnBrk="1" latinLnBrk="0" hangingPunct="1">
+              <a:defRPr sz="2400" kern="1200">
+                <a:solidFill>
+                  <a:schemeClr val="tx1"/>
+                </a:solidFill>
+                <a:latin typeface="+mn-lt"/>
+                <a:ea typeface="+mn-ea"/>
+                <a:cs typeface="+mn-cs"/>
+              </a:defRPr>
+            </a:lvl6pPr>
+            <a:lvl7pPr marL="3656960" algn="l" defTabSz="1218987" rtl="0" eaLnBrk="1" latinLnBrk="0" hangingPunct="1">
+              <a:defRPr sz="2400" kern="1200">
+                <a:solidFill>
+                  <a:schemeClr val="tx1"/>
+                </a:solidFill>
+                <a:latin typeface="+mn-lt"/>
+                <a:ea typeface="+mn-ea"/>
+                <a:cs typeface="+mn-cs"/>
+              </a:defRPr>
+            </a:lvl7pPr>
+            <a:lvl8pPr marL="4266453" algn="l" defTabSz="1218987" rtl="0" eaLnBrk="1" latinLnBrk="0" hangingPunct="1">
+              <a:defRPr sz="2400" kern="1200">
+                <a:solidFill>
+                  <a:schemeClr val="tx1"/>
+                </a:solidFill>
+                <a:latin typeface="+mn-lt"/>
+                <a:ea typeface="+mn-ea"/>
+                <a:cs typeface="+mn-cs"/>
+              </a:defRPr>
+            </a:lvl8pPr>
+            <a:lvl9pPr marL="4875947" algn="l" defTabSz="1218987" rtl="0" eaLnBrk="1" latinLnBrk="0" hangingPunct="1">
+              <a:defRPr sz="2400" kern="1200">
+                <a:solidFill>
+                  <a:schemeClr val="tx1"/>
+                </a:solidFill>
+                <a:latin typeface="+mn-lt"/>
+                <a:ea typeface="+mn-ea"/>
+                <a:cs typeface="+mn-cs"/>
+              </a:defRPr>
+            </a:lvl9pPr>
+          </a:lstStyle>
+          <a:p>
+            <a:pPr algn="l"/>
+            <a:r>
+              <a:rPr lang="en-US" dirty="0"/>
+              <a:t>DES211 CAPSTONE PROJECT</a:t>
+            </a:r>
           </a:p>
         </p:txBody>
       </p:sp>
@@ -13118,7 +15919,13 @@
   <p:cSld>
     <p:spTree>
       <p:nvGrpSpPr>
-        <p:cNvPr id="1" name=""/>
+        <p:cNvPr id="1" name="">
+          <a:extLst>
+            <a:ext uri="{FF2B5EF4-FFF2-40B4-BE49-F238E27FC236}">
+              <a16:creationId xmlns:a16="http://schemas.microsoft.com/office/drawing/2014/main" id="{D9709A75-0F94-07A0-8439-3E6821F92D82}"/>
+            </a:ext>
+          </a:extLst>
+        </p:cNvPr>
         <p:cNvGrpSpPr/>
         <p:nvPr/>
       </p:nvGrpSpPr>
@@ -13135,7 +15942,7 @@
           <p:cNvPr id="2" name="Title 1">
             <a:extLst>
               <a:ext uri="{FF2B5EF4-FFF2-40B4-BE49-F238E27FC236}">
-                <a16:creationId xmlns:a16="http://schemas.microsoft.com/office/drawing/2014/main" id="{0A5D6C40-0434-EBEF-14BF-1D813775EF96}"/>
+                <a16:creationId xmlns:a16="http://schemas.microsoft.com/office/drawing/2014/main" id="{0469C44E-ED47-1446-F9CD-512BAFCD4186}"/>
               </a:ext>
             </a:extLst>
           </p:cNvPr>
@@ -13151,69 +15958,419 @@
           <a:bodyPr/>
           <a:lstStyle/>
           <a:p>
+            <a:pPr>
+              <a:lnSpc>
+                <a:spcPct val="100000"/>
+              </a:lnSpc>
+            </a:pPr>
             <a:r>
-              <a:rPr lang="en-IN" dirty="0"/>
-              <a:t>Definition Phase</a:t>
+              <a:rPr lang="en-IN" sz="3600" dirty="0">
+                <a:ln w="31750">
+                  <a:solidFill>
+                    <a:schemeClr val="accent2">
+                      <a:lumMod val="50000"/>
+                    </a:schemeClr>
+                  </a:solidFill>
+                </a:ln>
+                <a:noFill/>
+              </a:rPr>
+              <a:t>Existing Solutions</a:t>
             </a:r>
           </a:p>
         </p:txBody>
       </p:sp>
-      <p:sp>
-        <p:nvSpPr>
-          <p:cNvPr id="3" name="Content Placeholder 2">
-            <a:extLst>
-              <a:ext uri="{FF2B5EF4-FFF2-40B4-BE49-F238E27FC236}">
-                <a16:creationId xmlns:a16="http://schemas.microsoft.com/office/drawing/2014/main" id="{1F8B4EA7-19B5-0955-618D-BC7C3C520C0A}"/>
-              </a:ext>
-            </a:extLst>
-          </p:cNvPr>
-          <p:cNvSpPr>
-            <a:spLocks noGrp="1"/>
-          </p:cNvSpPr>
+      <p:graphicFrame>
+        <p:nvGraphicFramePr>
+          <p:cNvPr id="6" name="Table Placeholder 5">
+            <a:extLst>
+              <a:ext uri="{FF2B5EF4-FFF2-40B4-BE49-F238E27FC236}">
+                <a16:creationId xmlns:a16="http://schemas.microsoft.com/office/drawing/2014/main" id="{FD7C14D6-D938-510E-B6A6-7A9C1F47EBDA}"/>
+              </a:ext>
+            </a:extLst>
+          </p:cNvPr>
+          <p:cNvGraphicFramePr>
+            <a:graphicFrameLocks noGrp="1"/>
+          </p:cNvGraphicFramePr>
           <p:nvPr>
-            <p:ph sz="quarter" idx="13"/>
+            <p:ph type="tbl" sz="quarter" idx="13"/>
+            <p:extLst>
+              <p:ext uri="{D42A27DB-BD31-4B8C-83A1-F6EECF244321}">
+                <p14:modId xmlns:p14="http://schemas.microsoft.com/office/powerpoint/2010/main" val="3776900152"/>
+              </p:ext>
+            </p:extLst>
           </p:nvPr>
-        </p:nvSpPr>
-        <p:spPr/>
-        <p:txBody>
-          <a:bodyPr/>
-          <a:lstStyle/>
-          <a:p>
-            <a:endParaRPr lang="en-IN" dirty="0"/>
-          </a:p>
-        </p:txBody>
-      </p:sp>
-      <p:sp>
-        <p:nvSpPr>
-          <p:cNvPr id="4" name="Content Placeholder 3">
-            <a:extLst>
-              <a:ext uri="{FF2B5EF4-FFF2-40B4-BE49-F238E27FC236}">
-                <a16:creationId xmlns:a16="http://schemas.microsoft.com/office/drawing/2014/main" id="{FE2E3821-7773-A700-B250-3A6DD047DD24}"/>
-              </a:ext>
-            </a:extLst>
-          </p:cNvPr>
-          <p:cNvSpPr>
-            <a:spLocks noGrp="1"/>
-          </p:cNvSpPr>
-          <p:nvPr>
-            <p:ph sz="quarter" idx="14"/>
-          </p:nvPr>
-        </p:nvSpPr>
-        <p:spPr/>
-        <p:txBody>
-          <a:bodyPr/>
-          <a:lstStyle/>
-          <a:p>
-            <a:endParaRPr lang="en-IN"/>
-          </a:p>
-        </p:txBody>
-      </p:sp>
-      <p:sp>
-        <p:nvSpPr>
-          <p:cNvPr id="5" name="Slide Number Placeholder 4">
-            <a:extLst>
-              <a:ext uri="{FF2B5EF4-FFF2-40B4-BE49-F238E27FC236}">
-                <a16:creationId xmlns:a16="http://schemas.microsoft.com/office/drawing/2014/main" id="{44E62C45-36B8-E3B6-D4AD-080ECB2464DE}"/>
+        </p:nvGraphicFramePr>
+        <p:xfrm>
+          <a:off x="593725" y="1809750"/>
+          <a:ext cx="10771188" cy="3829049"/>
+        </p:xfrm>
+        <a:graphic>
+          <a:graphicData uri="http://schemas.openxmlformats.org/drawingml/2006/table">
+            <a:tbl>
+              <a:tblPr firstRow="1" bandRow="1">
+                <a:tableStyleId>{8A107856-5554-42FB-B03E-39F5DBC370BA}</a:tableStyleId>
+              </a:tblPr>
+              <a:tblGrid>
+                <a:gridCol w="5385594">
+                  <a:extLst>
+                    <a:ext uri="{9D8B030D-6E8A-4147-A177-3AD203B41FA5}">
+                      <a16:colId xmlns:a16="http://schemas.microsoft.com/office/drawing/2014/main" val="3676582090"/>
+                    </a:ext>
+                  </a:extLst>
+                </a:gridCol>
+                <a:gridCol w="5385594">
+                  <a:extLst>
+                    <a:ext uri="{9D8B030D-6E8A-4147-A177-3AD203B41FA5}">
+                      <a16:colId xmlns:a16="http://schemas.microsoft.com/office/drawing/2014/main" val="3458197918"/>
+                    </a:ext>
+                  </a:extLst>
+                </a:gridCol>
+              </a:tblGrid>
+              <a:tr h="533621">
+                <a:tc>
+                  <a:txBody>
+                    <a:bodyPr/>
+                    <a:lstStyle/>
+                    <a:p>
+                      <a:pPr algn="ctr"/>
+                      <a:r>
+                        <a:rPr lang="en-US" i="0" dirty="0">
+                          <a:solidFill>
+                            <a:srgbClr val="435F30"/>
+                          </a:solidFill>
+                          <a:latin typeface="Bahnschrift" panose="020B0502040204020203" pitchFamily="34" charset="0"/>
+                        </a:rPr>
+                        <a:t>Meme Campaign</a:t>
+                      </a:r>
+                    </a:p>
+                  </a:txBody>
+                  <a:tcPr anchor="ctr"/>
+                </a:tc>
+                <a:tc>
+                  <a:txBody>
+                    <a:bodyPr/>
+                    <a:lstStyle/>
+                    <a:p>
+                      <a:pPr algn="ctr"/>
+                      <a:r>
+                        <a:rPr lang="en-US" dirty="0">
+                          <a:solidFill>
+                            <a:srgbClr val="435F30"/>
+                          </a:solidFill>
+                          <a:latin typeface="Bahnschrift" panose="020B0502040204020203" pitchFamily="34" charset="0"/>
+                        </a:rPr>
+                        <a:t>Trashcan Lids</a:t>
+                      </a:r>
+                    </a:p>
+                  </a:txBody>
+                  <a:tcPr anchor="ctr"/>
+                </a:tc>
+                <a:extLst>
+                  <a:ext uri="{0D108BD9-81ED-4DB2-BD59-A6C34878D82A}">
+                    <a16:rowId xmlns:a16="http://schemas.microsoft.com/office/drawing/2014/main" val="1299871446"/>
+                  </a:ext>
+                </a:extLst>
+              </a:tr>
+              <a:tr h="3295428">
+                <a:tc>
+                  <a:txBody>
+                    <a:bodyPr/>
+                    <a:lstStyle/>
+                    <a:p>
+                      <a:endParaRPr lang="en-US" sz="1600" b="1" dirty="0">
+                        <a:latin typeface="Bahnschrift SemiLight" panose="020B0502040204020203" pitchFamily="34" charset="0"/>
+                      </a:endParaRPr>
+                    </a:p>
+                    <a:p>
+                      <a:r>
+                        <a:rPr lang="en-US" sz="1800" b="0" i="1" dirty="0">
+                          <a:solidFill>
+                            <a:srgbClr val="435F30"/>
+                          </a:solidFill>
+                          <a:latin typeface="Bahnschrift SemiLight" panose="020B0502040204020203" pitchFamily="34" charset="0"/>
+                        </a:rPr>
+                        <a:t>Pros:</a:t>
+                      </a:r>
+                      <a:br>
+                        <a:rPr lang="en-US" sz="1600" dirty="0">
+                          <a:solidFill>
+                            <a:srgbClr val="435F30"/>
+                          </a:solidFill>
+                          <a:latin typeface="Bahnschrift SemiLight" panose="020B0502040204020203" pitchFamily="34" charset="0"/>
+                        </a:rPr>
+                      </a:br>
+                      <a:r>
+                        <a:rPr lang="en-US" sz="1600" dirty="0">
+                          <a:solidFill>
+                            <a:srgbClr val="435F30"/>
+                          </a:solidFill>
+                          <a:latin typeface="Bahnschrift SemiLight" panose="020B0502040204020203" pitchFamily="34" charset="0"/>
+                        </a:rPr>
+                        <a:t>• Creative, non-guilt-based engagement</a:t>
+                      </a:r>
+                      <a:br>
+                        <a:rPr lang="en-US" sz="1600" dirty="0">
+                          <a:solidFill>
+                            <a:srgbClr val="435F30"/>
+                          </a:solidFill>
+                          <a:latin typeface="Bahnschrift SemiLight" panose="020B0502040204020203" pitchFamily="34" charset="0"/>
+                        </a:rPr>
+                      </a:br>
+                      <a:r>
+                        <a:rPr lang="en-US" sz="1600" dirty="0">
+                          <a:solidFill>
+                            <a:srgbClr val="435F30"/>
+                          </a:solidFill>
+                          <a:latin typeface="Bahnschrift SemiLight" panose="020B0502040204020203" pitchFamily="34" charset="0"/>
+                        </a:rPr>
+                        <a:t>• Targeted high-litter zones</a:t>
+                      </a:r>
+                    </a:p>
+                    <a:p>
+                      <a:endParaRPr lang="en-US" sz="1600" b="1" dirty="0">
+                        <a:solidFill>
+                          <a:srgbClr val="435F30"/>
+                        </a:solidFill>
+                        <a:latin typeface="Bahnschrift SemiLight" panose="020B0502040204020203" pitchFamily="34" charset="0"/>
+                      </a:endParaRPr>
+                    </a:p>
+                    <a:p>
+                      <a:endParaRPr lang="en-US" sz="1600" b="1" dirty="0">
+                        <a:solidFill>
+                          <a:srgbClr val="435F30"/>
+                        </a:solidFill>
+                        <a:latin typeface="Bahnschrift SemiLight" panose="020B0502040204020203" pitchFamily="34" charset="0"/>
+                      </a:endParaRPr>
+                    </a:p>
+                    <a:p>
+                      <a:endParaRPr lang="en-US" sz="1600" b="1" dirty="0">
+                        <a:solidFill>
+                          <a:srgbClr val="435F30"/>
+                        </a:solidFill>
+                        <a:latin typeface="Bahnschrift SemiLight" panose="020B0502040204020203" pitchFamily="34" charset="0"/>
+                      </a:endParaRPr>
+                    </a:p>
+                    <a:p>
+                      <a:r>
+                        <a:rPr lang="en-US" sz="1800" b="0" i="1" dirty="0">
+                          <a:solidFill>
+                            <a:srgbClr val="435F30"/>
+                          </a:solidFill>
+                          <a:latin typeface="Bahnschrift SemiLight" panose="020B0502040204020203" pitchFamily="34" charset="0"/>
+                        </a:rPr>
+                        <a:t>Cons:</a:t>
+                      </a:r>
+                      <a:br>
+                        <a:rPr lang="en-US" sz="1600" dirty="0">
+                          <a:solidFill>
+                            <a:srgbClr val="435F30"/>
+                          </a:solidFill>
+                          <a:latin typeface="Bahnschrift SemiLight" panose="020B0502040204020203" pitchFamily="34" charset="0"/>
+                        </a:rPr>
+                      </a:br>
+                      <a:r>
+                        <a:rPr lang="en-US" sz="1600" dirty="0">
+                          <a:solidFill>
+                            <a:srgbClr val="435F30"/>
+                          </a:solidFill>
+                          <a:latin typeface="Bahnschrift SemiLight" panose="020B0502040204020203" pitchFamily="34" charset="0"/>
+                        </a:rPr>
+                        <a:t>• Unfunny memes (had to say it)</a:t>
+                      </a:r>
+                    </a:p>
+                    <a:p>
+                      <a:r>
+                        <a:rPr lang="en-US" sz="1600" dirty="0">
+                          <a:solidFill>
+                            <a:srgbClr val="435F30"/>
+                          </a:solidFill>
+                          <a:latin typeface="Bahnschrift SemiLight" panose="020B0502040204020203" pitchFamily="34" charset="0"/>
+                        </a:rPr>
+                        <a:t>• Memes were too verbose.</a:t>
+                      </a:r>
+                      <a:br>
+                        <a:rPr lang="en-US" sz="1600" dirty="0">
+                          <a:solidFill>
+                            <a:srgbClr val="435F30"/>
+                          </a:solidFill>
+                          <a:latin typeface="Bahnschrift SemiLight" panose="020B0502040204020203" pitchFamily="34" charset="0"/>
+                        </a:rPr>
+                      </a:br>
+                      <a:r>
+                        <a:rPr lang="en-US" sz="1600" dirty="0">
+                          <a:solidFill>
+                            <a:srgbClr val="435F30"/>
+                          </a:solidFill>
+                          <a:latin typeface="Bahnschrift SemiLight" panose="020B0502040204020203" pitchFamily="34" charset="0"/>
+                        </a:rPr>
+                        <a:t>• Poor pasting led to fungal growth (biohazard)</a:t>
+                      </a:r>
+                    </a:p>
+                  </a:txBody>
+                  <a:tcPr/>
+                </a:tc>
+                <a:tc>
+                  <a:txBody>
+                    <a:bodyPr/>
+                    <a:lstStyle/>
+                    <a:p>
+                      <a:endParaRPr lang="en-US" sz="1800" b="0" i="1" dirty="0">
+                        <a:latin typeface="Bahnschrift SemiLight" panose="020B0502040204020203" pitchFamily="34" charset="0"/>
+                      </a:endParaRPr>
+                    </a:p>
+                    <a:p>
+                      <a:r>
+                        <a:rPr lang="en-US" sz="1800" b="0" i="1" dirty="0">
+                          <a:solidFill>
+                            <a:srgbClr val="435F30"/>
+                          </a:solidFill>
+                          <a:latin typeface="Bahnschrift SemiLight" panose="020B0502040204020203" pitchFamily="34" charset="0"/>
+                        </a:rPr>
+                        <a:t>Pros:</a:t>
+                      </a:r>
+                      <a:br>
+                        <a:rPr lang="en-US" sz="1600" b="0" dirty="0">
+                          <a:solidFill>
+                            <a:srgbClr val="435F30"/>
+                          </a:solidFill>
+                          <a:latin typeface="Bahnschrift SemiLight" panose="020B0502040204020203" pitchFamily="34" charset="0"/>
+                        </a:rPr>
+                      </a:br>
+                      <a:r>
+                        <a:rPr lang="en-US" sz="1600" b="0" dirty="0">
+                          <a:solidFill>
+                            <a:srgbClr val="435F30"/>
+                          </a:solidFill>
+                          <a:latin typeface="Bahnschrift SemiLight" panose="020B0502040204020203" pitchFamily="34" charset="0"/>
+                        </a:rPr>
+                        <a:t>• Reduces fly exposure</a:t>
+                      </a:r>
+                      <a:br>
+                        <a:rPr lang="en-US" sz="1600" b="0" dirty="0">
+                          <a:solidFill>
+                            <a:srgbClr val="435F30"/>
+                          </a:solidFill>
+                          <a:latin typeface="Bahnschrift SemiLight" panose="020B0502040204020203" pitchFamily="34" charset="0"/>
+                        </a:rPr>
+                      </a:br>
+                      <a:r>
+                        <a:rPr lang="en-US" sz="1600" b="0" dirty="0">
+                          <a:solidFill>
+                            <a:srgbClr val="435F30"/>
+                          </a:solidFill>
+                          <a:latin typeface="Bahnschrift SemiLight" panose="020B0502040204020203" pitchFamily="34" charset="0"/>
+                        </a:rPr>
+                        <a:t>• Visually conceals waste</a:t>
+                      </a:r>
+                    </a:p>
+                    <a:p>
+                      <a:endParaRPr lang="en-US" sz="1800" b="0" i="1" dirty="0">
+                        <a:solidFill>
+                          <a:srgbClr val="435F30"/>
+                        </a:solidFill>
+                        <a:latin typeface="Bahnschrift SemiLight" panose="020B0502040204020203" pitchFamily="34" charset="0"/>
+                      </a:endParaRPr>
+                    </a:p>
+                    <a:p>
+                      <a:endParaRPr lang="en-US" sz="1800" b="0" i="1" dirty="0">
+                        <a:solidFill>
+                          <a:srgbClr val="435F30"/>
+                        </a:solidFill>
+                        <a:latin typeface="Bahnschrift SemiLight" panose="020B0502040204020203" pitchFamily="34" charset="0"/>
+                      </a:endParaRPr>
+                    </a:p>
+                    <a:p>
+                      <a:endParaRPr lang="en-US" sz="1200" b="0" i="1" dirty="0">
+                        <a:solidFill>
+                          <a:srgbClr val="435F30"/>
+                        </a:solidFill>
+                        <a:latin typeface="Bahnschrift SemiLight" panose="020B0502040204020203" pitchFamily="34" charset="0"/>
+                      </a:endParaRPr>
+                    </a:p>
+                    <a:p>
+                      <a:r>
+                        <a:rPr lang="en-US" sz="1800" b="0" i="1" dirty="0">
+                          <a:solidFill>
+                            <a:srgbClr val="435F30"/>
+                          </a:solidFill>
+                          <a:latin typeface="Bahnschrift SemiLight" panose="020B0502040204020203" pitchFamily="34" charset="0"/>
+                        </a:rPr>
+                        <a:t>Cons:</a:t>
+                      </a:r>
+                      <a:br>
+                        <a:rPr lang="en-US" sz="1600" b="0" dirty="0">
+                          <a:solidFill>
+                            <a:srgbClr val="435F30"/>
+                          </a:solidFill>
+                          <a:latin typeface="Bahnschrift SemiLight" panose="020B0502040204020203" pitchFamily="34" charset="0"/>
+                        </a:rPr>
+                      </a:br>
+                      <a:r>
+                        <a:rPr lang="en-US" sz="1600" b="0" dirty="0">
+                          <a:solidFill>
+                            <a:srgbClr val="435F30"/>
+                          </a:solidFill>
+                          <a:latin typeface="Bahnschrift SemiLight" panose="020B0502040204020203" pitchFamily="34" charset="0"/>
+                        </a:rPr>
+                        <a:t>• Loose-fitting, fall off easily</a:t>
+                      </a:r>
+                      <a:br>
+                        <a:rPr lang="en-US" sz="1600" b="0" dirty="0">
+                          <a:solidFill>
+                            <a:srgbClr val="435F30"/>
+                          </a:solidFill>
+                          <a:latin typeface="Bahnschrift SemiLight" panose="020B0502040204020203" pitchFamily="34" charset="0"/>
+                        </a:rPr>
+                      </a:br>
+                      <a:r>
+                        <a:rPr lang="en-US" sz="1600" b="0" dirty="0">
+                          <a:solidFill>
+                            <a:srgbClr val="435F30"/>
+                          </a:solidFill>
+                          <a:latin typeface="Bahnschrift SemiLight" panose="020B0502040204020203" pitchFamily="34" charset="0"/>
+                        </a:rPr>
+                        <a:t>• Hinders trash removal</a:t>
+                      </a:r>
+                      <a:br>
+                        <a:rPr lang="en-US" sz="1600" b="0" dirty="0">
+                          <a:solidFill>
+                            <a:srgbClr val="435F30"/>
+                          </a:solidFill>
+                          <a:latin typeface="Bahnschrift SemiLight" panose="020B0502040204020203" pitchFamily="34" charset="0"/>
+                        </a:rPr>
+                      </a:br>
+                      <a:r>
+                        <a:rPr lang="en-US" sz="1600" b="0" dirty="0">
+                          <a:solidFill>
+                            <a:srgbClr val="435F30"/>
+                          </a:solidFill>
+                          <a:latin typeface="Bahnschrift SemiLight" panose="020B0502040204020203" pitchFamily="34" charset="0"/>
+                        </a:rPr>
+                        <a:t>• Design causes spills, poor accessibility</a:t>
+                      </a:r>
+                    </a:p>
+                    <a:p>
+                      <a:endParaRPr lang="en-US" dirty="0"/>
+                    </a:p>
+                  </a:txBody>
+                  <a:tcPr/>
+                </a:tc>
+                <a:extLst>
+                  <a:ext uri="{0D108BD9-81ED-4DB2-BD59-A6C34878D82A}">
+                    <a16:rowId xmlns:a16="http://schemas.microsoft.com/office/drawing/2014/main" val="3708049680"/>
+                  </a:ext>
+                </a:extLst>
+              </a:tr>
+            </a:tbl>
+          </a:graphicData>
+        </a:graphic>
+      </p:graphicFrame>
+      <p:sp>
+        <p:nvSpPr>
+          <p:cNvPr id="4" name="Slide Number Placeholder 3">
+            <a:extLst>
+              <a:ext uri="{FF2B5EF4-FFF2-40B4-BE49-F238E27FC236}">
+                <a16:creationId xmlns:a16="http://schemas.microsoft.com/office/drawing/2014/main" id="{77F131AA-C0BD-A3B5-20BE-7D42A1FB739A}"/>
               </a:ext>
             </a:extLst>
           </p:cNvPr>
@@ -13238,23 +16395,154 @@
           </a:p>
         </p:txBody>
       </p:sp>
+      <p:sp>
+        <p:nvSpPr>
+          <p:cNvPr id="5" name="Slide Number Placeholder 4">
+            <a:extLst>
+              <a:ext uri="{FF2B5EF4-FFF2-40B4-BE49-F238E27FC236}">
+                <a16:creationId xmlns:a16="http://schemas.microsoft.com/office/drawing/2014/main" id="{8DDB3B2A-951D-E47A-3485-4670423FC56D}"/>
+              </a:ext>
+            </a:extLst>
+          </p:cNvPr>
+          <p:cNvSpPr txBox="1">
+            <a:spLocks/>
+          </p:cNvSpPr>
+          <p:nvPr/>
+        </p:nvSpPr>
+        <p:spPr>
+          <a:xfrm>
+            <a:off x="455612" y="6190488"/>
+            <a:ext cx="2677604" cy="210312"/>
+          </a:xfrm>
+          <a:prstGeom prst="rect">
+            <a:avLst/>
+          </a:prstGeom>
+        </p:spPr>
+        <p:txBody>
+          <a:bodyPr vert="horz" lIns="121899" tIns="60949" rIns="121899" bIns="60949" rtlCol="0" anchor="b"/>
+          <a:lstStyle>
+            <a:defPPr>
+              <a:defRPr lang="en-US"/>
+            </a:defPPr>
+            <a:lvl1pPr marL="0" algn="r" defTabSz="1218987" rtl="0" eaLnBrk="1" latinLnBrk="0" hangingPunct="1">
+              <a:defRPr sz="1000" b="1" kern="1200" spc="200" baseline="0">
+                <a:solidFill>
+                  <a:schemeClr val="tx2">
+                    <a:lumMod val="50000"/>
+                  </a:schemeClr>
+                </a:solidFill>
+                <a:latin typeface="+mn-lt"/>
+                <a:ea typeface="+mn-ea"/>
+                <a:cs typeface="+mn-cs"/>
+              </a:defRPr>
+            </a:lvl1pPr>
+            <a:lvl2pPr marL="609493" algn="l" defTabSz="1218987" rtl="0" eaLnBrk="1" latinLnBrk="0" hangingPunct="1">
+              <a:defRPr sz="2400" kern="1200">
+                <a:solidFill>
+                  <a:schemeClr val="tx1"/>
+                </a:solidFill>
+                <a:latin typeface="+mn-lt"/>
+                <a:ea typeface="+mn-ea"/>
+                <a:cs typeface="+mn-cs"/>
+              </a:defRPr>
+            </a:lvl2pPr>
+            <a:lvl3pPr marL="1218987" algn="l" defTabSz="1218987" rtl="0" eaLnBrk="1" latinLnBrk="0" hangingPunct="1">
+              <a:defRPr sz="2400" kern="1200">
+                <a:solidFill>
+                  <a:schemeClr val="tx1"/>
+                </a:solidFill>
+                <a:latin typeface="+mn-lt"/>
+                <a:ea typeface="+mn-ea"/>
+                <a:cs typeface="+mn-cs"/>
+              </a:defRPr>
+            </a:lvl3pPr>
+            <a:lvl4pPr marL="1828480" algn="l" defTabSz="1218987" rtl="0" eaLnBrk="1" latinLnBrk="0" hangingPunct="1">
+              <a:defRPr sz="2400" kern="1200">
+                <a:solidFill>
+                  <a:schemeClr val="tx1"/>
+                </a:solidFill>
+                <a:latin typeface="+mn-lt"/>
+                <a:ea typeface="+mn-ea"/>
+                <a:cs typeface="+mn-cs"/>
+              </a:defRPr>
+            </a:lvl4pPr>
+            <a:lvl5pPr marL="2437973" algn="l" defTabSz="1218987" rtl="0" eaLnBrk="1" latinLnBrk="0" hangingPunct="1">
+              <a:defRPr sz="2400" kern="1200">
+                <a:solidFill>
+                  <a:schemeClr val="tx1"/>
+                </a:solidFill>
+                <a:latin typeface="+mn-lt"/>
+                <a:ea typeface="+mn-ea"/>
+                <a:cs typeface="+mn-cs"/>
+              </a:defRPr>
+            </a:lvl5pPr>
+            <a:lvl6pPr marL="3047467" algn="l" defTabSz="1218987" rtl="0" eaLnBrk="1" latinLnBrk="0" hangingPunct="1">
+              <a:defRPr sz="2400" kern="1200">
+                <a:solidFill>
+                  <a:schemeClr val="tx1"/>
+                </a:solidFill>
+                <a:latin typeface="+mn-lt"/>
+                <a:ea typeface="+mn-ea"/>
+                <a:cs typeface="+mn-cs"/>
+              </a:defRPr>
+            </a:lvl6pPr>
+            <a:lvl7pPr marL="3656960" algn="l" defTabSz="1218987" rtl="0" eaLnBrk="1" latinLnBrk="0" hangingPunct="1">
+              <a:defRPr sz="2400" kern="1200">
+                <a:solidFill>
+                  <a:schemeClr val="tx1"/>
+                </a:solidFill>
+                <a:latin typeface="+mn-lt"/>
+                <a:ea typeface="+mn-ea"/>
+                <a:cs typeface="+mn-cs"/>
+              </a:defRPr>
+            </a:lvl7pPr>
+            <a:lvl8pPr marL="4266453" algn="l" defTabSz="1218987" rtl="0" eaLnBrk="1" latinLnBrk="0" hangingPunct="1">
+              <a:defRPr sz="2400" kern="1200">
+                <a:solidFill>
+                  <a:schemeClr val="tx1"/>
+                </a:solidFill>
+                <a:latin typeface="+mn-lt"/>
+                <a:ea typeface="+mn-ea"/>
+                <a:cs typeface="+mn-cs"/>
+              </a:defRPr>
+            </a:lvl8pPr>
+            <a:lvl9pPr marL="4875947" algn="l" defTabSz="1218987" rtl="0" eaLnBrk="1" latinLnBrk="0" hangingPunct="1">
+              <a:defRPr sz="2400" kern="1200">
+                <a:solidFill>
+                  <a:schemeClr val="tx1"/>
+                </a:solidFill>
+                <a:latin typeface="+mn-lt"/>
+                <a:ea typeface="+mn-ea"/>
+                <a:cs typeface="+mn-cs"/>
+              </a:defRPr>
+            </a:lvl9pPr>
+          </a:lstStyle>
+          <a:p>
+            <a:pPr algn="l"/>
+            <a:r>
+              <a:rPr lang="en-US" dirty="0"/>
+              <a:t>DES211 CAPSTONE PROJECT</a:t>
+            </a:r>
+          </a:p>
+        </p:txBody>
+      </p:sp>
     </p:spTree>
     <p:extLst>
       <p:ext uri="{BB962C8B-B14F-4D97-AF65-F5344CB8AC3E}">
-        <p14:creationId xmlns:p14="http://schemas.microsoft.com/office/powerpoint/2010/main" val="3382860869"/>
+        <p14:creationId xmlns:p14="http://schemas.microsoft.com/office/powerpoint/2010/main" val="3826853309"/>
       </p:ext>
     </p:extLst>
   </p:cSld>
   <p:clrMapOvr>
     <a:masterClrMapping/>
   </p:clrMapOvr>
-  <mc:AlternateContent xmlns:mc="http://schemas.openxmlformats.org/markup-compatibility/2006" xmlns:p14="http://schemas.microsoft.com/office/powerpoint/2010/main">
-    <mc:Choice Requires="p14">
+  <mc:AlternateContent xmlns:mc="http://schemas.openxmlformats.org/markup-compatibility/2006">
+    <mc:Choice xmlns:p14="http://schemas.microsoft.com/office/powerpoint/2010/main" Requires="p14">
       <p:transition spd="med" p14:dur="700">
         <p:fade/>
       </p:transition>
     </mc:Choice>
-    <mc:Fallback xmlns="">
+    <mc:Fallback>
       <p:transition spd="med">
         <p:fade/>
       </p:transition>
@@ -14080,15 +17368,6 @@
 </file>
 
 <file path=customXml/item1.xml><?xml version="1.0" encoding="utf-8"?>
-<?mso-contentType ?>
-<FormTemplates xmlns="http://schemas.microsoft.com/sharepoint/v3/contenttype/forms">
-  <Display>DocumentLibraryForm</Display>
-  <Edit>DocumentLibraryForm</Edit>
-  <New>DocumentLibraryForm</New>
-</FormTemplates>
-</file>
-
-<file path=customXml/item2.xml><?xml version="1.0" encoding="utf-8"?>
 <p:properties xmlns:p="http://schemas.microsoft.com/office/2006/metadata/properties" xmlns:xsi="http://www.w3.org/2001/XMLSchema-instance" xmlns:pc="http://schemas.microsoft.com/office/infopath/2007/PartnerControls">
   <documentManagement>
     <_ip_UnifiedCompliancePolicyUIAction xmlns="http://schemas.microsoft.com/sharepoint/v3" xsi:nil="true"/>
@@ -14106,6 +17385,15 @@
     <MediaServiceKeyPoints xmlns="71af3243-3dd4-4a8d-8c0d-dd76da1f02a5" xsi:nil="true"/>
   </documentManagement>
 </p:properties>
+</file>
+
+<file path=customXml/item2.xml><?xml version="1.0" encoding="utf-8"?>
+<?mso-contentType ?>
+<FormTemplates xmlns="http://schemas.microsoft.com/sharepoint/v3/contenttype/forms">
+  <Display>DocumentLibraryForm</Display>
+  <Edit>DocumentLibraryForm</Edit>
+  <New>DocumentLibraryForm</New>
+</FormTemplates>
 </file>
 
 <file path=customXml/item3.xml><?xml version="1.0" encoding="utf-8"?>
@@ -14421,14 +17709,6 @@
 </file>
 
 <file path=customXml/itemProps1.xml><?xml version="1.0" encoding="utf-8"?>
-<ds:datastoreItem xmlns:ds="http://schemas.openxmlformats.org/officeDocument/2006/customXml" ds:itemID="{F49F7C99-DB67-4EF2-86B4-C45C603BA94C}">
-  <ds:schemaRefs>
-    <ds:schemaRef ds:uri="http://schemas.microsoft.com/sharepoint/v3/contenttype/forms"/>
-  </ds:schemaRefs>
-</ds:datastoreItem>
-</file>
-
-<file path=customXml/itemProps2.xml><?xml version="1.0" encoding="utf-8"?>
 <ds:datastoreItem xmlns:ds="http://schemas.openxmlformats.org/officeDocument/2006/customXml" ds:itemID="{527F8595-6F9C-444F-81F9-1BB5383C5D01}">
   <ds:schemaRefs>
     <ds:schemaRef ds:uri="http://schemas.microsoft.com/office/2006/metadata/properties"/>
@@ -14436,6 +17716,14 @@
     <ds:schemaRef ds:uri="http://schemas.microsoft.com/sharepoint/v3"/>
     <ds:schemaRef ds:uri="71af3243-3dd4-4a8d-8c0d-dd76da1f02a5"/>
     <ds:schemaRef ds:uri="230e9df3-be65-4c73-a93b-d1236ebd677e"/>
+  </ds:schemaRefs>
+</ds:datastoreItem>
+</file>
+
+<file path=customXml/itemProps2.xml><?xml version="1.0" encoding="utf-8"?>
+<ds:datastoreItem xmlns:ds="http://schemas.openxmlformats.org/officeDocument/2006/customXml" ds:itemID="{F49F7C99-DB67-4EF2-86B4-C45C603BA94C}">
+  <ds:schemaRefs>
+    <ds:schemaRef ds:uri="http://schemas.microsoft.com/sharepoint/v3/contenttype/forms"/>
   </ds:schemaRefs>
 </ds:datastoreItem>
 </file>

--- a/presentation.pptx
+++ b/presentation.pptx
@@ -5,10 +5,10 @@
     <p:sldMasterId id="2147483692" r:id="rId4"/>
   </p:sldMasterIdLst>
   <p:notesMasterIdLst>
-    <p:notesMasterId r:id="rId27"/>
+    <p:notesMasterId r:id="rId28"/>
   </p:notesMasterIdLst>
   <p:handoutMasterIdLst>
-    <p:handoutMasterId r:id="rId28"/>
+    <p:handoutMasterId r:id="rId29"/>
   </p:handoutMasterIdLst>
   <p:sldIdLst>
     <p:sldId id="354" r:id="rId5"/>
@@ -21,18 +21,19 @@
     <p:sldId id="387" r:id="rId12"/>
     <p:sldId id="389" r:id="rId13"/>
     <p:sldId id="368" r:id="rId14"/>
-    <p:sldId id="369" r:id="rId15"/>
-    <p:sldId id="370" r:id="rId16"/>
+    <p:sldId id="391" r:id="rId15"/>
+    <p:sldId id="392" r:id="rId16"/>
     <p:sldId id="371" r:id="rId17"/>
-    <p:sldId id="376" r:id="rId18"/>
-    <p:sldId id="377" r:id="rId19"/>
-    <p:sldId id="378" r:id="rId20"/>
-    <p:sldId id="379" r:id="rId21"/>
-    <p:sldId id="380" r:id="rId22"/>
-    <p:sldId id="381" r:id="rId23"/>
-    <p:sldId id="382" r:id="rId24"/>
-    <p:sldId id="383" r:id="rId25"/>
-    <p:sldId id="384" r:id="rId26"/>
+    <p:sldId id="390" r:id="rId18"/>
+    <p:sldId id="376" r:id="rId19"/>
+    <p:sldId id="377" r:id="rId20"/>
+    <p:sldId id="378" r:id="rId21"/>
+    <p:sldId id="379" r:id="rId22"/>
+    <p:sldId id="380" r:id="rId23"/>
+    <p:sldId id="381" r:id="rId24"/>
+    <p:sldId id="382" r:id="rId25"/>
+    <p:sldId id="383" r:id="rId26"/>
+    <p:sldId id="384" r:id="rId27"/>
   </p:sldIdLst>
   <p:sldSz cx="12188825" cy="6858000"/>
   <p:notesSz cx="6858000" cy="9144000"/>
@@ -9338,10 +9339,42 @@
         </p:nvSpPr>
         <p:spPr/>
         <p:txBody>
-          <a:bodyPr/>
+          <a:bodyPr>
+            <a:normAutofit/>
+          </a:bodyPr>
           <a:lstStyle/>
           <a:p>
-            <a:endParaRPr lang="en-IN" dirty="0"/>
+            <a:pPr marL="0" indent="0">
+              <a:buNone/>
+            </a:pPr>
+            <a:r>
+              <a:rPr lang="en-US" dirty="0">
+                <a:latin typeface="Bahnschrift SemiBold" panose="020B0502040204020203" pitchFamily="34" charset="0"/>
+              </a:rPr>
+              <a:t>The Definition phase is the second step in the Human-Centered Design process. </a:t>
+            </a:r>
+          </a:p>
+          <a:p>
+            <a:pPr marL="0" indent="0">
+              <a:buNone/>
+            </a:pPr>
+            <a:endParaRPr lang="en-US" dirty="0">
+              <a:latin typeface="Bahnschrift SemiBold" panose="020B0502040204020203" pitchFamily="34" charset="0"/>
+            </a:endParaRPr>
+          </a:p>
+          <a:p>
+            <a:pPr marL="0" indent="0">
+              <a:buNone/>
+            </a:pPr>
+            <a:r>
+              <a:rPr lang="en-US" dirty="0">
+                <a:latin typeface="Bahnschrift SemiBold" panose="020B0502040204020203" pitchFamily="34" charset="0"/>
+              </a:rPr>
+              <a:t>Insights from the Empathy phase are used to clearly define the user’s core problem or need.</a:t>
+            </a:r>
+            <a:endParaRPr lang="en-IN" dirty="0">
+              <a:latin typeface="Bahnschrift SemiBold" panose="020B0502040204020203" pitchFamily="34" charset="0"/>
+            </a:endParaRPr>
           </a:p>
         </p:txBody>
       </p:sp>
@@ -9561,7 +9594,13 @@
   <p:cSld>
     <p:spTree>
       <p:nvGrpSpPr>
-        <p:cNvPr id="1" name=""/>
+        <p:cNvPr id="1" name="">
+          <a:extLst>
+            <a:ext uri="{FF2B5EF4-FFF2-40B4-BE49-F238E27FC236}">
+              <a16:creationId xmlns:a16="http://schemas.microsoft.com/office/drawing/2014/main" id="{4BE813CF-51D3-5CBF-3869-EF188CBACA0A}"/>
+            </a:ext>
+          </a:extLst>
+        </p:cNvPr>
         <p:cNvGrpSpPr/>
         <p:nvPr/>
       </p:nvGrpSpPr>
@@ -9575,10 +9614,10 @@
       </p:grpSpPr>
       <p:sp>
         <p:nvSpPr>
-          <p:cNvPr id="2" name="Title 1">
-            <a:extLst>
-              <a:ext uri="{FF2B5EF4-FFF2-40B4-BE49-F238E27FC236}">
-                <a16:creationId xmlns:a16="http://schemas.microsoft.com/office/drawing/2014/main" id="{1DAF76BE-D861-0DEF-4ADF-A5EE483C6394}"/>
+          <p:cNvPr id="3" name="Picture Placeholder 2">
+            <a:extLst>
+              <a:ext uri="{FF2B5EF4-FFF2-40B4-BE49-F238E27FC236}">
+                <a16:creationId xmlns:a16="http://schemas.microsoft.com/office/drawing/2014/main" id="{598213EA-AD07-108F-47C6-99F6983D38E5}"/>
               </a:ext>
             </a:extLst>
           </p:cNvPr>
@@ -9586,7 +9625,7 @@
             <a:spLocks noGrp="1"/>
           </p:cNvSpPr>
           <p:nvPr>
-            <p:ph type="title"/>
+            <p:ph type="pic" sz="quarter" idx="10"/>
           </p:nvPr>
         </p:nvSpPr>
         <p:spPr/>
@@ -9594,71 +9633,16 @@
           <a:bodyPr/>
           <a:lstStyle/>
           <a:p>
-            <a:endParaRPr lang="en-IN" dirty="0"/>
-          </a:p>
-        </p:txBody>
-      </p:sp>
-      <p:sp>
-        <p:nvSpPr>
-          <p:cNvPr id="3" name="Content Placeholder 2">
-            <a:extLst>
-              <a:ext uri="{FF2B5EF4-FFF2-40B4-BE49-F238E27FC236}">
-                <a16:creationId xmlns:a16="http://schemas.microsoft.com/office/drawing/2014/main" id="{658554FA-E424-11D3-4CED-608F7A2DAA49}"/>
-              </a:ext>
-            </a:extLst>
-          </p:cNvPr>
-          <p:cNvSpPr>
-            <a:spLocks noGrp="1"/>
-          </p:cNvSpPr>
-          <p:nvPr>
-            <p:ph sz="quarter" idx="13"/>
-          </p:nvPr>
-        </p:nvSpPr>
-        <p:spPr/>
-        <p:txBody>
-          <a:bodyPr/>
-          <a:lstStyle/>
-          <a:p>
-            <a:endParaRPr lang="en-IN"/>
-          </a:p>
-        </p:txBody>
-      </p:sp>
-      <p:sp>
-        <p:nvSpPr>
-          <p:cNvPr id="4" name="Slide Number Placeholder 3">
-            <a:extLst>
-              <a:ext uri="{FF2B5EF4-FFF2-40B4-BE49-F238E27FC236}">
-                <a16:creationId xmlns:a16="http://schemas.microsoft.com/office/drawing/2014/main" id="{D3EDF452-2A72-5BC1-C650-2140070FDD4D}"/>
-              </a:ext>
-            </a:extLst>
-          </p:cNvPr>
-          <p:cNvSpPr>
-            <a:spLocks noGrp="1"/>
-          </p:cNvSpPr>
-          <p:nvPr>
-            <p:ph type="sldNum" sz="quarter" idx="12"/>
-          </p:nvPr>
-        </p:nvSpPr>
-        <p:spPr/>
-        <p:txBody>
-          <a:bodyPr/>
-          <a:lstStyle/>
-          <a:p>
-            <a:fld id="{EB37DED6-D4C7-42EE-AB49-D2E39E64FDE4}" type="slidenum">
-              <a:rPr lang="en-US" smtClean="0"/>
-              <a:pPr/>
-              <a:t>11</a:t>
-            </a:fld>
-            <a:endParaRPr lang="en-US" dirty="0"/>
-          </a:p>
-        </p:txBody>
-      </p:sp>
-      <p:sp>
-        <p:nvSpPr>
-          <p:cNvPr id="5" name="Slide Number Placeholder 4">
-            <a:extLst>
-              <a:ext uri="{FF2B5EF4-FFF2-40B4-BE49-F238E27FC236}">
-                <a16:creationId xmlns:a16="http://schemas.microsoft.com/office/drawing/2014/main" id="{F7C1BEA9-8B0A-E664-F9E2-D7E738116FAA}"/>
+            <a:endParaRPr lang="en-US"/>
+          </a:p>
+        </p:txBody>
+      </p:sp>
+      <p:sp>
+        <p:nvSpPr>
+          <p:cNvPr id="8" name="Slide Number Placeholder 4">
+            <a:extLst>
+              <a:ext uri="{FF2B5EF4-FFF2-40B4-BE49-F238E27FC236}">
+                <a16:creationId xmlns:a16="http://schemas.microsoft.com/office/drawing/2014/main" id="{2FA00807-A0B6-AD75-9DEB-FAFE9147E660}"/>
               </a:ext>
             </a:extLst>
           </p:cNvPr>
@@ -9784,23 +9768,295 @@
           </a:p>
         </p:txBody>
       </p:sp>
+      <p:sp>
+        <p:nvSpPr>
+          <p:cNvPr id="9" name="TextBox 8">
+            <a:extLst>
+              <a:ext uri="{FF2B5EF4-FFF2-40B4-BE49-F238E27FC236}">
+                <a16:creationId xmlns:a16="http://schemas.microsoft.com/office/drawing/2014/main" id="{241F6D85-A827-4426-2C90-88C0EC207C28}"/>
+              </a:ext>
+            </a:extLst>
+          </p:cNvPr>
+          <p:cNvSpPr txBox="1"/>
+          <p:nvPr/>
+        </p:nvSpPr>
+        <p:spPr>
+          <a:xfrm>
+            <a:off x="531812" y="937728"/>
+            <a:ext cx="4800600" cy="4867999"/>
+          </a:xfrm>
+          <a:prstGeom prst="rect">
+            <a:avLst/>
+          </a:prstGeom>
+          <a:noFill/>
+        </p:spPr>
+        <p:txBody>
+          <a:bodyPr wrap="square" rtlCol="0">
+            <a:spAutoFit/>
+          </a:bodyPr>
+          <a:lstStyle/>
+          <a:p>
+            <a:pPr marL="304747" indent="-304747">
+              <a:lnSpc>
+                <a:spcPct val="95000"/>
+              </a:lnSpc>
+              <a:spcBef>
+                <a:spcPts val="1866"/>
+              </a:spcBef>
+              <a:buClr>
+                <a:schemeClr val="accent6">
+                  <a:lumMod val="50000"/>
+                </a:schemeClr>
+              </a:buClr>
+              <a:buSzPct val="100000"/>
+              <a:buFont typeface="Arial" pitchFamily="34" charset="0"/>
+              <a:buNone/>
+            </a:pPr>
+            <a:r>
+              <a:rPr lang="en-US" sz="1800" i="1" dirty="0">
+                <a:solidFill>
+                  <a:schemeClr val="accent2">
+                    <a:lumMod val="50000"/>
+                  </a:schemeClr>
+                </a:solidFill>
+                <a:latin typeface="Bahnschrift SemiLight" panose="020B0502040204020203" pitchFamily="34" charset="0"/>
+              </a:rPr>
+              <a:t>Specification of Problem Statement</a:t>
+            </a:r>
+          </a:p>
+          <a:p>
+            <a:pPr marL="304747" indent="-304747">
+              <a:lnSpc>
+                <a:spcPct val="95000"/>
+              </a:lnSpc>
+              <a:spcBef>
+                <a:spcPts val="1866"/>
+              </a:spcBef>
+              <a:buClr>
+                <a:schemeClr val="accent6">
+                  <a:lumMod val="50000"/>
+                </a:schemeClr>
+              </a:buClr>
+              <a:buSzPct val="100000"/>
+              <a:buFont typeface="Arial" pitchFamily="34" charset="0"/>
+              <a:buChar char="•"/>
+            </a:pPr>
+            <a:r>
+              <a:rPr lang="en-US" sz="1600" dirty="0">
+                <a:solidFill>
+                  <a:schemeClr val="accent2">
+                    <a:lumMod val="50000"/>
+                  </a:schemeClr>
+                </a:solidFill>
+                <a:latin typeface="Bahnschrift SemiLight" panose="020B0502040204020203" pitchFamily="34" charset="0"/>
+              </a:rPr>
+              <a:t>No clear bin purpose or labeling</a:t>
+            </a:r>
+          </a:p>
+          <a:p>
+            <a:pPr marL="304747" indent="-304747">
+              <a:lnSpc>
+                <a:spcPct val="95000"/>
+              </a:lnSpc>
+              <a:spcBef>
+                <a:spcPts val="1866"/>
+              </a:spcBef>
+              <a:buClr>
+                <a:schemeClr val="accent6">
+                  <a:lumMod val="50000"/>
+                </a:schemeClr>
+              </a:buClr>
+              <a:buSzPct val="100000"/>
+              <a:buFont typeface="Arial" pitchFamily="34" charset="0"/>
+              <a:buChar char="•"/>
+            </a:pPr>
+            <a:r>
+              <a:rPr lang="en-US" sz="1600" dirty="0">
+                <a:solidFill>
+                  <a:schemeClr val="accent2">
+                    <a:lumMod val="50000"/>
+                  </a:schemeClr>
+                </a:solidFill>
+                <a:latin typeface="Bahnschrift SemiLight" panose="020B0502040204020203" pitchFamily="34" charset="0"/>
+              </a:rPr>
+              <a:t>Tipping nullifies waste segregation</a:t>
+            </a:r>
+          </a:p>
+          <a:p>
+            <a:pPr marL="304747" indent="-304747">
+              <a:lnSpc>
+                <a:spcPct val="95000"/>
+              </a:lnSpc>
+              <a:spcBef>
+                <a:spcPts val="1866"/>
+              </a:spcBef>
+              <a:buClr>
+                <a:schemeClr val="accent6">
+                  <a:lumMod val="50000"/>
+                </a:schemeClr>
+              </a:buClr>
+              <a:buSzPct val="100000"/>
+              <a:buFont typeface="Arial" pitchFamily="34" charset="0"/>
+              <a:buChar char="•"/>
+            </a:pPr>
+            <a:r>
+              <a:rPr lang="en-US" sz="1600" dirty="0">
+                <a:solidFill>
+                  <a:schemeClr val="accent2">
+                    <a:lumMod val="50000"/>
+                  </a:schemeClr>
+                </a:solidFill>
+                <a:latin typeface="Bahnschrift SemiLight" panose="020B0502040204020203" pitchFamily="34" charset="0"/>
+              </a:rPr>
+              <a:t>Lone bins lack modularity &amp; expansion</a:t>
+            </a:r>
+          </a:p>
+          <a:p>
+            <a:pPr marL="304747" indent="-304747">
+              <a:lnSpc>
+                <a:spcPct val="95000"/>
+              </a:lnSpc>
+              <a:spcBef>
+                <a:spcPts val="1866"/>
+              </a:spcBef>
+              <a:buClr>
+                <a:schemeClr val="accent6">
+                  <a:lumMod val="50000"/>
+                </a:schemeClr>
+              </a:buClr>
+              <a:buSzPct val="100000"/>
+              <a:buFont typeface="Arial" pitchFamily="34" charset="0"/>
+              <a:buChar char="•"/>
+            </a:pPr>
+            <a:r>
+              <a:rPr lang="en-US" sz="1600" dirty="0">
+                <a:solidFill>
+                  <a:schemeClr val="accent2">
+                    <a:lumMod val="50000"/>
+                  </a:schemeClr>
+                </a:solidFill>
+                <a:latin typeface="Bahnschrift SemiLight" panose="020B0502040204020203" pitchFamily="34" charset="0"/>
+              </a:rPr>
+              <a:t>Must be low-cost, high-capacity, and easy to install</a:t>
+            </a:r>
+          </a:p>
+          <a:p>
+            <a:pPr marL="304747" indent="-304747">
+              <a:lnSpc>
+                <a:spcPct val="95000"/>
+              </a:lnSpc>
+              <a:spcBef>
+                <a:spcPts val="1866"/>
+              </a:spcBef>
+              <a:buClr>
+                <a:schemeClr val="accent6">
+                  <a:lumMod val="50000"/>
+                </a:schemeClr>
+              </a:buClr>
+              <a:buSzPct val="100000"/>
+              <a:buFont typeface="Arial" pitchFamily="34" charset="0"/>
+              <a:buChar char="•"/>
+            </a:pPr>
+            <a:r>
+              <a:rPr lang="en-US" sz="1600" dirty="0">
+                <a:solidFill>
+                  <a:schemeClr val="accent2">
+                    <a:lumMod val="50000"/>
+                  </a:schemeClr>
+                </a:solidFill>
+                <a:latin typeface="Bahnschrift SemiLight" panose="020B0502040204020203" pitchFamily="34" charset="0"/>
+              </a:rPr>
+              <a:t>Floor-wise segregation needed (room-wise unfeasible)</a:t>
+            </a:r>
+          </a:p>
+          <a:p>
+            <a:pPr marL="304747" indent="-304747">
+              <a:lnSpc>
+                <a:spcPct val="95000"/>
+              </a:lnSpc>
+              <a:spcBef>
+                <a:spcPts val="1866"/>
+              </a:spcBef>
+              <a:buClr>
+                <a:schemeClr val="accent6">
+                  <a:lumMod val="50000"/>
+                </a:schemeClr>
+              </a:buClr>
+              <a:buSzPct val="100000"/>
+              <a:buFont typeface="Arial" pitchFamily="34" charset="0"/>
+              <a:buChar char="•"/>
+            </a:pPr>
+            <a:r>
+              <a:rPr lang="en-US" sz="1600" dirty="0">
+                <a:solidFill>
+                  <a:schemeClr val="accent2">
+                    <a:lumMod val="50000"/>
+                  </a:schemeClr>
+                </a:solidFill>
+                <a:latin typeface="Bahnschrift SemiLight" panose="020B0502040204020203" pitchFamily="34" charset="0"/>
+              </a:rPr>
+              <a:t>No incentive system for segregation</a:t>
+            </a:r>
+          </a:p>
+          <a:p>
+            <a:pPr marL="304747" indent="-304747">
+              <a:lnSpc>
+                <a:spcPct val="95000"/>
+              </a:lnSpc>
+              <a:spcBef>
+                <a:spcPts val="1866"/>
+              </a:spcBef>
+              <a:buClr>
+                <a:schemeClr val="accent6">
+                  <a:lumMod val="50000"/>
+                </a:schemeClr>
+              </a:buClr>
+              <a:buSzPct val="100000"/>
+              <a:buFont typeface="Arial" pitchFamily="34" charset="0"/>
+              <a:buChar char="•"/>
+            </a:pPr>
+            <a:r>
+              <a:rPr lang="en-US" sz="1600" dirty="0">
+                <a:solidFill>
+                  <a:srgbClr val="435F30"/>
+                </a:solidFill>
+                <a:latin typeface="Bahnschrift SemiLight" panose="020B0502040204020203" pitchFamily="34" charset="0"/>
+              </a:rPr>
+              <a:t>Bin placement often ignores foot traffic patterns, reducing visibility and usage opportunities.</a:t>
+            </a:r>
+          </a:p>
+          <a:p>
+            <a:pPr>
+              <a:lnSpc>
+                <a:spcPct val="95000"/>
+              </a:lnSpc>
+            </a:pPr>
+            <a:endParaRPr lang="en-US" sz="1600" dirty="0">
+              <a:solidFill>
+                <a:srgbClr val="435F30"/>
+              </a:solidFill>
+              <a:latin typeface="Bahnschrift SemiBold" panose="020B0502040204020203" pitchFamily="34" charset="0"/>
+            </a:endParaRPr>
+          </a:p>
+        </p:txBody>
+      </p:sp>
     </p:spTree>
     <p:extLst>
       <p:ext uri="{BB962C8B-B14F-4D97-AF65-F5344CB8AC3E}">
-        <p14:creationId xmlns:p14="http://schemas.microsoft.com/office/powerpoint/2010/main" val="3542959396"/>
+        <p14:creationId xmlns:p14="http://schemas.microsoft.com/office/powerpoint/2010/main" val="3540321416"/>
       </p:ext>
     </p:extLst>
   </p:cSld>
   <p:clrMapOvr>
     <a:masterClrMapping/>
   </p:clrMapOvr>
-  <mc:AlternateContent xmlns:mc="http://schemas.openxmlformats.org/markup-compatibility/2006" xmlns:p14="http://schemas.microsoft.com/office/powerpoint/2010/main">
-    <mc:Choice Requires="p14">
+  <mc:AlternateContent xmlns:mc="http://schemas.openxmlformats.org/markup-compatibility/2006">
+    <mc:Choice xmlns:p14="http://schemas.microsoft.com/office/powerpoint/2010/main" Requires="p14">
       <p:transition spd="med" p14:dur="700">
         <p:fade/>
       </p:transition>
     </mc:Choice>
-    <mc:Fallback xmlns="">
+    <mc:Fallback>
       <p:transition spd="med">
         <p:fade/>
       </p:transition>
@@ -9814,7 +10070,13 @@
   <p:cSld>
     <p:spTree>
       <p:nvGrpSpPr>
-        <p:cNvPr id="1" name=""/>
+        <p:cNvPr id="1" name="">
+          <a:extLst>
+            <a:ext uri="{FF2B5EF4-FFF2-40B4-BE49-F238E27FC236}">
+              <a16:creationId xmlns:a16="http://schemas.microsoft.com/office/drawing/2014/main" id="{86DEB1F0-7C19-4219-5724-73F454A16438}"/>
+            </a:ext>
+          </a:extLst>
+        </p:cNvPr>
         <p:cNvGrpSpPr/>
         <p:nvPr/>
       </p:nvGrpSpPr>
@@ -9828,35 +10090,10 @@
       </p:grpSpPr>
       <p:sp>
         <p:nvSpPr>
-          <p:cNvPr id="2" name="Title 1">
-            <a:extLst>
-              <a:ext uri="{FF2B5EF4-FFF2-40B4-BE49-F238E27FC236}">
-                <a16:creationId xmlns:a16="http://schemas.microsoft.com/office/drawing/2014/main" id="{81A3617B-0FD5-4494-9CDA-AE370728EAD0}"/>
-              </a:ext>
-            </a:extLst>
-          </p:cNvPr>
-          <p:cNvSpPr>
-            <a:spLocks noGrp="1"/>
-          </p:cNvSpPr>
-          <p:nvPr>
-            <p:ph type="title"/>
-          </p:nvPr>
-        </p:nvSpPr>
-        <p:spPr/>
-        <p:txBody>
-          <a:bodyPr/>
-          <a:lstStyle/>
-          <a:p>
-            <a:endParaRPr lang="en-IN"/>
-          </a:p>
-        </p:txBody>
-      </p:sp>
-      <p:sp>
-        <p:nvSpPr>
           <p:cNvPr id="3" name="Picture Placeholder 2">
             <a:extLst>
               <a:ext uri="{FF2B5EF4-FFF2-40B4-BE49-F238E27FC236}">
-                <a16:creationId xmlns:a16="http://schemas.microsoft.com/office/drawing/2014/main" id="{41F5745F-E770-D068-578F-3CFE5F9010C6}"/>
+                <a16:creationId xmlns:a16="http://schemas.microsoft.com/office/drawing/2014/main" id="{5BB9C49B-DCF1-143A-A6D1-697430514496}"/>
               </a:ext>
             </a:extLst>
           </p:cNvPr>
@@ -9878,10 +10115,10 @@
       </p:sp>
       <p:sp>
         <p:nvSpPr>
-          <p:cNvPr id="4" name="Slide Number Placeholder 4">
-            <a:extLst>
-              <a:ext uri="{FF2B5EF4-FFF2-40B4-BE49-F238E27FC236}">
-                <a16:creationId xmlns:a16="http://schemas.microsoft.com/office/drawing/2014/main" id="{86BBD80D-924B-9698-2026-C1006CEB90DA}"/>
+          <p:cNvPr id="8" name="Slide Number Placeholder 4">
+            <a:extLst>
+              <a:ext uri="{FF2B5EF4-FFF2-40B4-BE49-F238E27FC236}">
+                <a16:creationId xmlns:a16="http://schemas.microsoft.com/office/drawing/2014/main" id="{EDE1152F-175C-20F7-CC6E-942DEEDE492B}"/>
               </a:ext>
             </a:extLst>
           </p:cNvPr>
@@ -9892,7 +10129,7 @@
         </p:nvSpPr>
         <p:spPr>
           <a:xfrm>
-            <a:off x="-3278188" y="6172200"/>
+            <a:off x="455612" y="6190488"/>
             <a:ext cx="2677604" cy="210312"/>
           </a:xfrm>
           <a:prstGeom prst="rect">
@@ -10007,23 +10244,326 @@
           </a:p>
         </p:txBody>
       </p:sp>
+      <p:sp>
+        <p:nvSpPr>
+          <p:cNvPr id="9" name="TextBox 8">
+            <a:extLst>
+              <a:ext uri="{FF2B5EF4-FFF2-40B4-BE49-F238E27FC236}">
+                <a16:creationId xmlns:a16="http://schemas.microsoft.com/office/drawing/2014/main" id="{3FB093B5-258F-7C19-DD44-80C1304BE3A0}"/>
+              </a:ext>
+            </a:extLst>
+          </p:cNvPr>
+          <p:cNvSpPr txBox="1"/>
+          <p:nvPr/>
+        </p:nvSpPr>
+        <p:spPr>
+          <a:xfrm>
+            <a:off x="531812" y="937728"/>
+            <a:ext cx="4800600" cy="5111656"/>
+          </a:xfrm>
+          <a:prstGeom prst="rect">
+            <a:avLst/>
+          </a:prstGeom>
+          <a:noFill/>
+        </p:spPr>
+        <p:txBody>
+          <a:bodyPr wrap="square" rtlCol="0">
+            <a:spAutoFit/>
+          </a:bodyPr>
+          <a:lstStyle/>
+          <a:p>
+            <a:pPr marL="304747" indent="-304747">
+              <a:lnSpc>
+                <a:spcPct val="95000"/>
+              </a:lnSpc>
+              <a:spcBef>
+                <a:spcPts val="1866"/>
+              </a:spcBef>
+              <a:buClr>
+                <a:schemeClr val="accent6">
+                  <a:lumMod val="50000"/>
+                </a:schemeClr>
+              </a:buClr>
+              <a:buSzPct val="100000"/>
+              <a:buFont typeface="Arial" pitchFamily="34" charset="0"/>
+              <a:buNone/>
+            </a:pPr>
+            <a:r>
+              <a:rPr lang="en-US" sz="1800" i="1" dirty="0">
+                <a:solidFill>
+                  <a:schemeClr val="accent2">
+                    <a:lumMod val="50000"/>
+                  </a:schemeClr>
+                </a:solidFill>
+                <a:latin typeface="Bahnschrift SemiLight" panose="020B0502040204020203" pitchFamily="34" charset="0"/>
+              </a:rPr>
+              <a:t>Design Brief</a:t>
+            </a:r>
+          </a:p>
+          <a:p>
+            <a:pPr marL="304747" indent="-304747">
+              <a:lnSpc>
+                <a:spcPct val="95000"/>
+              </a:lnSpc>
+              <a:spcBef>
+                <a:spcPts val="1866"/>
+              </a:spcBef>
+              <a:buClr>
+                <a:schemeClr val="accent6">
+                  <a:lumMod val="50000"/>
+                </a:schemeClr>
+              </a:buClr>
+              <a:buSzPct val="100000"/>
+              <a:buFont typeface="Arial" pitchFamily="34" charset="0"/>
+              <a:buChar char="•"/>
+            </a:pPr>
+            <a:r>
+              <a:rPr lang="en-US" sz="1600" dirty="0">
+                <a:solidFill>
+                  <a:schemeClr val="accent2">
+                    <a:lumMod val="50000"/>
+                  </a:schemeClr>
+                </a:solidFill>
+                <a:latin typeface="Bahnschrift SemiLight" panose="020B0502040204020203" pitchFamily="34" charset="0"/>
+              </a:rPr>
+              <a:t>Compatible with all bin types (single/multi, supported/unsupported)</a:t>
+            </a:r>
+          </a:p>
+          <a:p>
+            <a:pPr marL="304747" indent="-304747">
+              <a:lnSpc>
+                <a:spcPct val="95000"/>
+              </a:lnSpc>
+              <a:spcBef>
+                <a:spcPts val="1866"/>
+              </a:spcBef>
+              <a:buClr>
+                <a:schemeClr val="accent6">
+                  <a:lumMod val="50000"/>
+                </a:schemeClr>
+              </a:buClr>
+              <a:buSzPct val="100000"/>
+              <a:buFont typeface="Arial" pitchFamily="34" charset="0"/>
+              <a:buChar char="•"/>
+            </a:pPr>
+            <a:r>
+              <a:rPr lang="en-US" sz="1600" dirty="0">
+                <a:solidFill>
+                  <a:schemeClr val="accent2">
+                    <a:lumMod val="50000"/>
+                  </a:schemeClr>
+                </a:solidFill>
+                <a:latin typeface="Bahnschrift SemiLight" panose="020B0502040204020203" pitchFamily="34" charset="0"/>
+              </a:rPr>
+              <a:t>Quick lid install/removal for reconfiguration</a:t>
+            </a:r>
+          </a:p>
+          <a:p>
+            <a:pPr marL="304747" indent="-304747">
+              <a:lnSpc>
+                <a:spcPct val="95000"/>
+              </a:lnSpc>
+              <a:spcBef>
+                <a:spcPts val="1866"/>
+              </a:spcBef>
+              <a:buClr>
+                <a:schemeClr val="accent6">
+                  <a:lumMod val="50000"/>
+                </a:schemeClr>
+              </a:buClr>
+              <a:buSzPct val="100000"/>
+              <a:buFont typeface="Arial" pitchFamily="34" charset="0"/>
+              <a:buChar char="•"/>
+            </a:pPr>
+            <a:r>
+              <a:rPr lang="en-US" sz="1600" dirty="0">
+                <a:solidFill>
+                  <a:schemeClr val="accent2">
+                    <a:lumMod val="50000"/>
+                  </a:schemeClr>
+                </a:solidFill>
+                <a:latin typeface="Bahnschrift SemiLight" panose="020B0502040204020203" pitchFamily="34" charset="0"/>
+              </a:rPr>
+              <a:t>Angled (non-vertical) openings to prevent overflow</a:t>
+            </a:r>
+          </a:p>
+          <a:p>
+            <a:pPr marL="304747" indent="-304747">
+              <a:lnSpc>
+                <a:spcPct val="95000"/>
+              </a:lnSpc>
+              <a:spcBef>
+                <a:spcPts val="1866"/>
+              </a:spcBef>
+              <a:buClr>
+                <a:schemeClr val="accent6">
+                  <a:lumMod val="50000"/>
+                </a:schemeClr>
+              </a:buClr>
+              <a:buSzPct val="100000"/>
+              <a:buFont typeface="Arial" pitchFamily="34" charset="0"/>
+              <a:buChar char="•"/>
+            </a:pPr>
+            <a:r>
+              <a:rPr lang="en-US" sz="1600" dirty="0">
+                <a:solidFill>
+                  <a:schemeClr val="accent2">
+                    <a:lumMod val="50000"/>
+                  </a:schemeClr>
+                </a:solidFill>
+                <a:latin typeface="Bahnschrift SemiLight" panose="020B0502040204020203" pitchFamily="34" charset="0"/>
+              </a:rPr>
+              <a:t>Low-contact user interaction</a:t>
+            </a:r>
+          </a:p>
+          <a:p>
+            <a:pPr marL="304747" indent="-304747">
+              <a:lnSpc>
+                <a:spcPct val="95000"/>
+              </a:lnSpc>
+              <a:spcBef>
+                <a:spcPts val="1866"/>
+              </a:spcBef>
+              <a:buClr>
+                <a:schemeClr val="accent6">
+                  <a:lumMod val="50000"/>
+                </a:schemeClr>
+              </a:buClr>
+              <a:buSzPct val="100000"/>
+              <a:buFont typeface="Arial" pitchFamily="34" charset="0"/>
+              <a:buChar char="•"/>
+            </a:pPr>
+            <a:r>
+              <a:rPr lang="en-US" sz="1600" dirty="0">
+                <a:solidFill>
+                  <a:schemeClr val="accent2">
+                    <a:lumMod val="50000"/>
+                  </a:schemeClr>
+                </a:solidFill>
+                <a:latin typeface="Bahnschrift SemiLight" panose="020B0502040204020203" pitchFamily="34" charset="0"/>
+              </a:rPr>
+              <a:t>Clear visual cues: color, text, and design</a:t>
+            </a:r>
+          </a:p>
+          <a:p>
+            <a:pPr marL="304747" indent="-304747">
+              <a:lnSpc>
+                <a:spcPct val="95000"/>
+              </a:lnSpc>
+              <a:spcBef>
+                <a:spcPts val="1866"/>
+              </a:spcBef>
+              <a:buClr>
+                <a:schemeClr val="accent6">
+                  <a:lumMod val="50000"/>
+                </a:schemeClr>
+              </a:buClr>
+              <a:buSzPct val="100000"/>
+              <a:buFont typeface="Arial" pitchFamily="34" charset="0"/>
+              <a:buChar char="•"/>
+            </a:pPr>
+            <a:r>
+              <a:rPr lang="en-US" sz="1600" dirty="0">
+                <a:solidFill>
+                  <a:schemeClr val="accent2">
+                    <a:lumMod val="50000"/>
+                  </a:schemeClr>
+                </a:solidFill>
+                <a:latin typeface="Bahnschrift SemiLight" panose="020B0502040204020203" pitchFamily="34" charset="0"/>
+              </a:rPr>
+              <a:t>Flexible segregation logic based on context/location</a:t>
+            </a:r>
+          </a:p>
+          <a:p>
+            <a:pPr marL="304747" indent="-304747">
+              <a:lnSpc>
+                <a:spcPct val="95000"/>
+              </a:lnSpc>
+              <a:spcBef>
+                <a:spcPts val="1866"/>
+              </a:spcBef>
+              <a:buClr>
+                <a:schemeClr val="accent6">
+                  <a:lumMod val="50000"/>
+                </a:schemeClr>
+              </a:buClr>
+              <a:buSzPct val="100000"/>
+              <a:buFont typeface="Arial" pitchFamily="34" charset="0"/>
+              <a:buChar char="•"/>
+            </a:pPr>
+            <a:r>
+              <a:rPr lang="en-US" sz="1600" dirty="0">
+                <a:solidFill>
+                  <a:schemeClr val="accent2">
+                    <a:lumMod val="50000"/>
+                  </a:schemeClr>
+                </a:solidFill>
+                <a:latin typeface="Bahnschrift SemiLight" panose="020B0502040204020203" pitchFamily="34" charset="0"/>
+              </a:rPr>
+              <a:t>Swappable labels for dynamic use cases</a:t>
+            </a:r>
+          </a:p>
+          <a:p>
+            <a:pPr marL="304747" indent="-304747">
+              <a:lnSpc>
+                <a:spcPct val="95000"/>
+              </a:lnSpc>
+              <a:spcBef>
+                <a:spcPts val="1866"/>
+              </a:spcBef>
+              <a:buClr>
+                <a:schemeClr val="accent6">
+                  <a:lumMod val="50000"/>
+                </a:schemeClr>
+              </a:buClr>
+              <a:buSzPct val="100000"/>
+              <a:buFont typeface="Arial" pitchFamily="34" charset="0"/>
+              <a:buChar char="•"/>
+            </a:pPr>
+            <a:r>
+              <a:rPr lang="en-US" sz="1600" dirty="0">
+                <a:solidFill>
+                  <a:schemeClr val="accent2">
+                    <a:lumMod val="50000"/>
+                  </a:schemeClr>
+                </a:solidFill>
+                <a:latin typeface="Bahnschrift SemiLight" panose="020B0502040204020203" pitchFamily="34" charset="0"/>
+              </a:rPr>
+              <a:t>Multiple color options for intuitive sorting</a:t>
+            </a:r>
+          </a:p>
+          <a:p>
+            <a:pPr>
+              <a:lnSpc>
+                <a:spcPct val="95000"/>
+              </a:lnSpc>
+            </a:pPr>
+            <a:endParaRPr lang="en-US" sz="1600" dirty="0">
+              <a:solidFill>
+                <a:srgbClr val="435F30"/>
+              </a:solidFill>
+              <a:latin typeface="Bahnschrift SemiBold" panose="020B0502040204020203" pitchFamily="34" charset="0"/>
+            </a:endParaRPr>
+          </a:p>
+        </p:txBody>
+      </p:sp>
     </p:spTree>
     <p:extLst>
       <p:ext uri="{BB962C8B-B14F-4D97-AF65-F5344CB8AC3E}">
-        <p14:creationId xmlns:p14="http://schemas.microsoft.com/office/powerpoint/2010/main" val="4073682777"/>
+        <p14:creationId xmlns:p14="http://schemas.microsoft.com/office/powerpoint/2010/main" val="904556556"/>
       </p:ext>
     </p:extLst>
   </p:cSld>
   <p:clrMapOvr>
     <a:masterClrMapping/>
   </p:clrMapOvr>
-  <mc:AlternateContent xmlns:mc="http://schemas.openxmlformats.org/markup-compatibility/2006" xmlns:p14="http://schemas.microsoft.com/office/powerpoint/2010/main">
-    <mc:Choice Requires="p14">
+  <mc:AlternateContent xmlns:mc="http://schemas.openxmlformats.org/markup-compatibility/2006">
+    <mc:Choice xmlns:p14="http://schemas.microsoft.com/office/powerpoint/2010/main" Requires="p14">
       <p:transition spd="med" p14:dur="700">
         <p:fade/>
       </p:transition>
     </mc:Choice>
-    <mc:Fallback xmlns="">
+    <mc:Fallback>
       <p:transition spd="med">
         <p:fade/>
       </p:transition>
@@ -10390,13 +10930,7 @@
   <p:cSld>
     <p:spTree>
       <p:nvGrpSpPr>
-        <p:cNvPr id="1" name="">
-          <a:extLst>
-            <a:ext uri="{FF2B5EF4-FFF2-40B4-BE49-F238E27FC236}">
-              <a16:creationId xmlns:a16="http://schemas.microsoft.com/office/drawing/2014/main" id="{FFB85F68-8123-6880-86CF-D39DE164CE9B}"/>
-            </a:ext>
-          </a:extLst>
-        </p:cNvPr>
+        <p:cNvPr id="1" name=""/>
         <p:cNvGrpSpPr/>
         <p:nvPr/>
       </p:nvGrpSpPr>
@@ -10413,7 +10947,7 @@
           <p:cNvPr id="2" name="Title 1">
             <a:extLst>
               <a:ext uri="{FF2B5EF4-FFF2-40B4-BE49-F238E27FC236}">
-                <a16:creationId xmlns:a16="http://schemas.microsoft.com/office/drawing/2014/main" id="{CB2FB0A1-DF3F-2C56-A9BE-2B2150E1E5F2}"/>
+                <a16:creationId xmlns:a16="http://schemas.microsoft.com/office/drawing/2014/main" id="{8C8292A8-8F69-9053-C83E-CFA06088F1A2}"/>
               </a:ext>
             </a:extLst>
           </p:cNvPr>
@@ -10429,10 +10963,7 @@
           <a:bodyPr/>
           <a:lstStyle/>
           <a:p>
-            <a:r>
-              <a:rPr lang="en-IN" dirty="0"/>
-              <a:t>Prototype Phase</a:t>
-            </a:r>
+            <a:endParaRPr lang="en-US"/>
           </a:p>
         </p:txBody>
       </p:sp>
@@ -10441,7 +10972,7 @@
           <p:cNvPr id="3" name="Content Placeholder 2">
             <a:extLst>
               <a:ext uri="{FF2B5EF4-FFF2-40B4-BE49-F238E27FC236}">
-                <a16:creationId xmlns:a16="http://schemas.microsoft.com/office/drawing/2014/main" id="{91139623-E418-9918-37FE-C29501924A8E}"/>
+                <a16:creationId xmlns:a16="http://schemas.microsoft.com/office/drawing/2014/main" id="{BC96A423-4923-1AF4-7E3F-AF6C5E29581C}"/>
               </a:ext>
             </a:extLst>
           </p:cNvPr>
@@ -10457,7 +10988,7 @@
           <a:bodyPr/>
           <a:lstStyle/>
           <a:p>
-            <a:endParaRPr lang="en-IN" dirty="0"/>
+            <a:endParaRPr lang="en-US"/>
           </a:p>
         </p:txBody>
       </p:sp>
@@ -10466,7 +10997,7 @@
           <p:cNvPr id="4" name="Content Placeholder 3">
             <a:extLst>
               <a:ext uri="{FF2B5EF4-FFF2-40B4-BE49-F238E27FC236}">
-                <a16:creationId xmlns:a16="http://schemas.microsoft.com/office/drawing/2014/main" id="{9B787AC9-EBC2-8A16-B408-255CE6BBC6B3}"/>
+                <a16:creationId xmlns:a16="http://schemas.microsoft.com/office/drawing/2014/main" id="{5333AA6C-63B3-5DB6-2FA1-8405388E36AA}"/>
               </a:ext>
             </a:extLst>
           </p:cNvPr>
@@ -10482,7 +11013,7 @@
           <a:bodyPr/>
           <a:lstStyle/>
           <a:p>
-            <a:endParaRPr lang="en-IN"/>
+            <a:endParaRPr lang="en-US"/>
           </a:p>
         </p:txBody>
       </p:sp>
@@ -10491,7 +11022,7 @@
           <p:cNvPr id="5" name="Slide Number Placeholder 4">
             <a:extLst>
               <a:ext uri="{FF2B5EF4-FFF2-40B4-BE49-F238E27FC236}">
-                <a16:creationId xmlns:a16="http://schemas.microsoft.com/office/drawing/2014/main" id="{85DF273A-9AB3-B5C3-9ADB-A4CF1A4262CD}"/>
+                <a16:creationId xmlns:a16="http://schemas.microsoft.com/office/drawing/2014/main" id="{4029AADF-761F-448B-FC64-9FCE69A1BED1}"/>
               </a:ext>
             </a:extLst>
           </p:cNvPr>
@@ -10516,141 +11047,10 @@
           </a:p>
         </p:txBody>
       </p:sp>
-      <p:sp>
-        <p:nvSpPr>
-          <p:cNvPr id="6" name="Slide Number Placeholder 4">
-            <a:extLst>
-              <a:ext uri="{FF2B5EF4-FFF2-40B4-BE49-F238E27FC236}">
-                <a16:creationId xmlns:a16="http://schemas.microsoft.com/office/drawing/2014/main" id="{2C10F4A0-3974-7A60-C519-09E70A08BDEC}"/>
-              </a:ext>
-            </a:extLst>
-          </p:cNvPr>
-          <p:cNvSpPr txBox="1">
-            <a:spLocks/>
-          </p:cNvSpPr>
-          <p:nvPr/>
-        </p:nvSpPr>
-        <p:spPr>
-          <a:xfrm>
-            <a:off x="455612" y="6190488"/>
-            <a:ext cx="2677604" cy="210312"/>
-          </a:xfrm>
-          <a:prstGeom prst="rect">
-            <a:avLst/>
-          </a:prstGeom>
-        </p:spPr>
-        <p:txBody>
-          <a:bodyPr vert="horz" lIns="121899" tIns="60949" rIns="121899" bIns="60949" rtlCol="0" anchor="b"/>
-          <a:lstStyle>
-            <a:defPPr>
-              <a:defRPr lang="en-US"/>
-            </a:defPPr>
-            <a:lvl1pPr marL="0" algn="r" defTabSz="1218987" rtl="0" eaLnBrk="1" latinLnBrk="0" hangingPunct="1">
-              <a:defRPr sz="1000" b="1" kern="1200" spc="200" baseline="0">
-                <a:solidFill>
-                  <a:schemeClr val="tx2">
-                    <a:lumMod val="50000"/>
-                  </a:schemeClr>
-                </a:solidFill>
-                <a:latin typeface="+mn-lt"/>
-                <a:ea typeface="+mn-ea"/>
-                <a:cs typeface="+mn-cs"/>
-              </a:defRPr>
-            </a:lvl1pPr>
-            <a:lvl2pPr marL="609493" algn="l" defTabSz="1218987" rtl="0" eaLnBrk="1" latinLnBrk="0" hangingPunct="1">
-              <a:defRPr sz="2400" kern="1200">
-                <a:solidFill>
-                  <a:schemeClr val="tx1"/>
-                </a:solidFill>
-                <a:latin typeface="+mn-lt"/>
-                <a:ea typeface="+mn-ea"/>
-                <a:cs typeface="+mn-cs"/>
-              </a:defRPr>
-            </a:lvl2pPr>
-            <a:lvl3pPr marL="1218987" algn="l" defTabSz="1218987" rtl="0" eaLnBrk="1" latinLnBrk="0" hangingPunct="1">
-              <a:defRPr sz="2400" kern="1200">
-                <a:solidFill>
-                  <a:schemeClr val="tx1"/>
-                </a:solidFill>
-                <a:latin typeface="+mn-lt"/>
-                <a:ea typeface="+mn-ea"/>
-                <a:cs typeface="+mn-cs"/>
-              </a:defRPr>
-            </a:lvl3pPr>
-            <a:lvl4pPr marL="1828480" algn="l" defTabSz="1218987" rtl="0" eaLnBrk="1" latinLnBrk="0" hangingPunct="1">
-              <a:defRPr sz="2400" kern="1200">
-                <a:solidFill>
-                  <a:schemeClr val="tx1"/>
-                </a:solidFill>
-                <a:latin typeface="+mn-lt"/>
-                <a:ea typeface="+mn-ea"/>
-                <a:cs typeface="+mn-cs"/>
-              </a:defRPr>
-            </a:lvl4pPr>
-            <a:lvl5pPr marL="2437973" algn="l" defTabSz="1218987" rtl="0" eaLnBrk="1" latinLnBrk="0" hangingPunct="1">
-              <a:defRPr sz="2400" kern="1200">
-                <a:solidFill>
-                  <a:schemeClr val="tx1"/>
-                </a:solidFill>
-                <a:latin typeface="+mn-lt"/>
-                <a:ea typeface="+mn-ea"/>
-                <a:cs typeface="+mn-cs"/>
-              </a:defRPr>
-            </a:lvl5pPr>
-            <a:lvl6pPr marL="3047467" algn="l" defTabSz="1218987" rtl="0" eaLnBrk="1" latinLnBrk="0" hangingPunct="1">
-              <a:defRPr sz="2400" kern="1200">
-                <a:solidFill>
-                  <a:schemeClr val="tx1"/>
-                </a:solidFill>
-                <a:latin typeface="+mn-lt"/>
-                <a:ea typeface="+mn-ea"/>
-                <a:cs typeface="+mn-cs"/>
-              </a:defRPr>
-            </a:lvl6pPr>
-            <a:lvl7pPr marL="3656960" algn="l" defTabSz="1218987" rtl="0" eaLnBrk="1" latinLnBrk="0" hangingPunct="1">
-              <a:defRPr sz="2400" kern="1200">
-                <a:solidFill>
-                  <a:schemeClr val="tx1"/>
-                </a:solidFill>
-                <a:latin typeface="+mn-lt"/>
-                <a:ea typeface="+mn-ea"/>
-                <a:cs typeface="+mn-cs"/>
-              </a:defRPr>
-            </a:lvl7pPr>
-            <a:lvl8pPr marL="4266453" algn="l" defTabSz="1218987" rtl="0" eaLnBrk="1" latinLnBrk="0" hangingPunct="1">
-              <a:defRPr sz="2400" kern="1200">
-                <a:solidFill>
-                  <a:schemeClr val="tx1"/>
-                </a:solidFill>
-                <a:latin typeface="+mn-lt"/>
-                <a:ea typeface="+mn-ea"/>
-                <a:cs typeface="+mn-cs"/>
-              </a:defRPr>
-            </a:lvl8pPr>
-            <a:lvl9pPr marL="4875947" algn="l" defTabSz="1218987" rtl="0" eaLnBrk="1" latinLnBrk="0" hangingPunct="1">
-              <a:defRPr sz="2400" kern="1200">
-                <a:solidFill>
-                  <a:schemeClr val="tx1"/>
-                </a:solidFill>
-                <a:latin typeface="+mn-lt"/>
-                <a:ea typeface="+mn-ea"/>
-                <a:cs typeface="+mn-cs"/>
-              </a:defRPr>
-            </a:lvl9pPr>
-          </a:lstStyle>
-          <a:p>
-            <a:pPr algn="l"/>
-            <a:r>
-              <a:rPr lang="en-US" dirty="0"/>
-              <a:t>DES211 CAPSTONE PROJECT</a:t>
-            </a:r>
-          </a:p>
-        </p:txBody>
-      </p:sp>
     </p:spTree>
     <p:extLst>
       <p:ext uri="{BB962C8B-B14F-4D97-AF65-F5344CB8AC3E}">
-        <p14:creationId xmlns:p14="http://schemas.microsoft.com/office/powerpoint/2010/main" val="2902727585"/>
+        <p14:creationId xmlns:p14="http://schemas.microsoft.com/office/powerpoint/2010/main" val="3132027166"/>
       </p:ext>
     </p:extLst>
   </p:cSld>
@@ -10677,7 +11077,13 @@
   <p:cSld>
     <p:spTree>
       <p:nvGrpSpPr>
-        <p:cNvPr id="1" name=""/>
+        <p:cNvPr id="1" name="">
+          <a:extLst>
+            <a:ext uri="{FF2B5EF4-FFF2-40B4-BE49-F238E27FC236}">
+              <a16:creationId xmlns:a16="http://schemas.microsoft.com/office/drawing/2014/main" id="{FFB85F68-8123-6880-86CF-D39DE164CE9B}"/>
+            </a:ext>
+          </a:extLst>
+        </p:cNvPr>
         <p:cNvGrpSpPr/>
         <p:nvPr/>
       </p:nvGrpSpPr>
@@ -10694,7 +11100,7 @@
           <p:cNvPr id="2" name="Title 1">
             <a:extLst>
               <a:ext uri="{FF2B5EF4-FFF2-40B4-BE49-F238E27FC236}">
-                <a16:creationId xmlns:a16="http://schemas.microsoft.com/office/drawing/2014/main" id="{AADB5DC0-637B-33EB-9B61-EFB3DE503900}"/>
+                <a16:creationId xmlns:a16="http://schemas.microsoft.com/office/drawing/2014/main" id="{CB2FB0A1-DF3F-2C56-A9BE-2B2150E1E5F2}"/>
               </a:ext>
             </a:extLst>
           </p:cNvPr>
@@ -10710,7 +11116,10 @@
           <a:bodyPr/>
           <a:lstStyle/>
           <a:p>
-            <a:endParaRPr lang="en-IN"/>
+            <a:r>
+              <a:rPr lang="en-IN" dirty="0"/>
+              <a:t>Prototype Phase</a:t>
+            </a:r>
           </a:p>
         </p:txBody>
       </p:sp>
@@ -10719,7 +11128,7 @@
           <p:cNvPr id="3" name="Content Placeholder 2">
             <a:extLst>
               <a:ext uri="{FF2B5EF4-FFF2-40B4-BE49-F238E27FC236}">
-                <a16:creationId xmlns:a16="http://schemas.microsoft.com/office/drawing/2014/main" id="{54DEFFDB-126C-310C-5C89-434FDACA5F31}"/>
+                <a16:creationId xmlns:a16="http://schemas.microsoft.com/office/drawing/2014/main" id="{91139623-E418-9918-37FE-C29501924A8E}"/>
               </a:ext>
             </a:extLst>
           </p:cNvPr>
@@ -10735,16 +11144,16 @@
           <a:bodyPr/>
           <a:lstStyle/>
           <a:p>
-            <a:endParaRPr lang="en-IN"/>
-          </a:p>
-        </p:txBody>
-      </p:sp>
-      <p:sp>
-        <p:nvSpPr>
-          <p:cNvPr id="4" name="Picture Placeholder 3">
-            <a:extLst>
-              <a:ext uri="{FF2B5EF4-FFF2-40B4-BE49-F238E27FC236}">
-                <a16:creationId xmlns:a16="http://schemas.microsoft.com/office/drawing/2014/main" id="{84E988D3-CF35-4838-4D7E-194B8206E5F6}"/>
+            <a:endParaRPr lang="en-IN" dirty="0"/>
+          </a:p>
+        </p:txBody>
+      </p:sp>
+      <p:sp>
+        <p:nvSpPr>
+          <p:cNvPr id="4" name="Content Placeholder 3">
+            <a:extLst>
+              <a:ext uri="{FF2B5EF4-FFF2-40B4-BE49-F238E27FC236}">
+                <a16:creationId xmlns:a16="http://schemas.microsoft.com/office/drawing/2014/main" id="{9B787AC9-EBC2-8A16-B408-255CE6BBC6B3}"/>
               </a:ext>
             </a:extLst>
           </p:cNvPr>
@@ -10752,7 +11161,7 @@
             <a:spLocks noGrp="1"/>
           </p:cNvSpPr>
           <p:nvPr>
-            <p:ph type="pic" sz="quarter" idx="14"/>
+            <p:ph sz="quarter" idx="14"/>
           </p:nvPr>
         </p:nvSpPr>
         <p:spPr/>
@@ -10760,7 +11169,7 @@
           <a:bodyPr/>
           <a:lstStyle/>
           <a:p>
-            <a:endParaRPr lang="en-US"/>
+            <a:endParaRPr lang="en-IN"/>
           </a:p>
         </p:txBody>
       </p:sp>
@@ -10769,7 +11178,7 @@
           <p:cNvPr id="5" name="Slide Number Placeholder 4">
             <a:extLst>
               <a:ext uri="{FF2B5EF4-FFF2-40B4-BE49-F238E27FC236}">
-                <a16:creationId xmlns:a16="http://schemas.microsoft.com/office/drawing/2014/main" id="{ECB92C49-500A-83A9-A98E-071CD7B4CF66}"/>
+                <a16:creationId xmlns:a16="http://schemas.microsoft.com/office/drawing/2014/main" id="{85DF273A-9AB3-B5C3-9ADB-A4CF1A4262CD}"/>
               </a:ext>
             </a:extLst>
           </p:cNvPr>
@@ -10799,7 +11208,7 @@
           <p:cNvPr id="6" name="Slide Number Placeholder 4">
             <a:extLst>
               <a:ext uri="{FF2B5EF4-FFF2-40B4-BE49-F238E27FC236}">
-                <a16:creationId xmlns:a16="http://schemas.microsoft.com/office/drawing/2014/main" id="{3F841A1B-DBD5-E8AC-6353-E738060B9317}"/>
+                <a16:creationId xmlns:a16="http://schemas.microsoft.com/office/drawing/2014/main" id="{2C10F4A0-3974-7A60-C519-09E70A08BDEC}"/>
               </a:ext>
             </a:extLst>
           </p:cNvPr>
@@ -10928,7 +11337,7 @@
     </p:spTree>
     <p:extLst>
       <p:ext uri="{BB962C8B-B14F-4D97-AF65-F5344CB8AC3E}">
-        <p14:creationId xmlns:p14="http://schemas.microsoft.com/office/powerpoint/2010/main" val="1871765083"/>
+        <p14:creationId xmlns:p14="http://schemas.microsoft.com/office/powerpoint/2010/main" val="2902727585"/>
       </p:ext>
     </p:extLst>
   </p:cSld>
@@ -10972,7 +11381,7 @@
           <p:cNvPr id="2" name="Title 1">
             <a:extLst>
               <a:ext uri="{FF2B5EF4-FFF2-40B4-BE49-F238E27FC236}">
-                <a16:creationId xmlns:a16="http://schemas.microsoft.com/office/drawing/2014/main" id="{3691652E-4125-782A-0F3D-C13ED2979900}"/>
+                <a16:creationId xmlns:a16="http://schemas.microsoft.com/office/drawing/2014/main" id="{AADB5DC0-637B-33EB-9B61-EFB3DE503900}"/>
               </a:ext>
             </a:extLst>
           </p:cNvPr>
@@ -10997,7 +11406,7 @@
           <p:cNvPr id="3" name="Content Placeholder 2">
             <a:extLst>
               <a:ext uri="{FF2B5EF4-FFF2-40B4-BE49-F238E27FC236}">
-                <a16:creationId xmlns:a16="http://schemas.microsoft.com/office/drawing/2014/main" id="{C7EE9B6C-C4DB-433D-ADAB-6B49E2BC80AB}"/>
+                <a16:creationId xmlns:a16="http://schemas.microsoft.com/office/drawing/2014/main" id="{54DEFFDB-126C-310C-5C89-434FDACA5F31}"/>
               </a:ext>
             </a:extLst>
           </p:cNvPr>
@@ -11022,7 +11431,7 @@
           <p:cNvPr id="4" name="Picture Placeholder 3">
             <a:extLst>
               <a:ext uri="{FF2B5EF4-FFF2-40B4-BE49-F238E27FC236}">
-                <a16:creationId xmlns:a16="http://schemas.microsoft.com/office/drawing/2014/main" id="{F26B7286-44C7-3395-7091-9C3CF7134780}"/>
+                <a16:creationId xmlns:a16="http://schemas.microsoft.com/office/drawing/2014/main" id="{84E988D3-CF35-4838-4D7E-194B8206E5F6}"/>
               </a:ext>
             </a:extLst>
           </p:cNvPr>
@@ -11047,7 +11456,7 @@
           <p:cNvPr id="5" name="Slide Number Placeholder 4">
             <a:extLst>
               <a:ext uri="{FF2B5EF4-FFF2-40B4-BE49-F238E27FC236}">
-                <a16:creationId xmlns:a16="http://schemas.microsoft.com/office/drawing/2014/main" id="{771CACD5-DC8F-E562-D34B-63ACEED10192}"/>
+                <a16:creationId xmlns:a16="http://schemas.microsoft.com/office/drawing/2014/main" id="{ECB92C49-500A-83A9-A98E-071CD7B4CF66}"/>
               </a:ext>
             </a:extLst>
           </p:cNvPr>
@@ -11077,7 +11486,7 @@
           <p:cNvPr id="6" name="Slide Number Placeholder 4">
             <a:extLst>
               <a:ext uri="{FF2B5EF4-FFF2-40B4-BE49-F238E27FC236}">
-                <a16:creationId xmlns:a16="http://schemas.microsoft.com/office/drawing/2014/main" id="{FC397AB4-E7B3-064C-48F7-B4F336380CBA}"/>
+                <a16:creationId xmlns:a16="http://schemas.microsoft.com/office/drawing/2014/main" id="{3F841A1B-DBD5-E8AC-6353-E738060B9317}"/>
               </a:ext>
             </a:extLst>
           </p:cNvPr>
@@ -11206,7 +11615,7 @@
     </p:spTree>
     <p:extLst>
       <p:ext uri="{BB962C8B-B14F-4D97-AF65-F5344CB8AC3E}">
-        <p14:creationId xmlns:p14="http://schemas.microsoft.com/office/powerpoint/2010/main" val="2540403346"/>
+        <p14:creationId xmlns:p14="http://schemas.microsoft.com/office/powerpoint/2010/main" val="1871765083"/>
       </p:ext>
     </p:extLst>
   </p:cSld>
@@ -11250,7 +11659,7 @@
           <p:cNvPr id="2" name="Title 1">
             <a:extLst>
               <a:ext uri="{FF2B5EF4-FFF2-40B4-BE49-F238E27FC236}">
-                <a16:creationId xmlns:a16="http://schemas.microsoft.com/office/drawing/2014/main" id="{E5BB7D67-76BC-2F76-6A7E-93CF1B03CA9B}"/>
+                <a16:creationId xmlns:a16="http://schemas.microsoft.com/office/drawing/2014/main" id="{3691652E-4125-782A-0F3D-C13ED2979900}"/>
               </a:ext>
             </a:extLst>
           </p:cNvPr>
@@ -11275,7 +11684,7 @@
           <p:cNvPr id="3" name="Content Placeholder 2">
             <a:extLst>
               <a:ext uri="{FF2B5EF4-FFF2-40B4-BE49-F238E27FC236}">
-                <a16:creationId xmlns:a16="http://schemas.microsoft.com/office/drawing/2014/main" id="{481F0043-5374-9370-B17A-15CAD56ADF84}"/>
+                <a16:creationId xmlns:a16="http://schemas.microsoft.com/office/drawing/2014/main" id="{C7EE9B6C-C4DB-433D-ADAB-6B49E2BC80AB}"/>
               </a:ext>
             </a:extLst>
           </p:cNvPr>
@@ -11300,7 +11709,7 @@
           <p:cNvPr id="4" name="Picture Placeholder 3">
             <a:extLst>
               <a:ext uri="{FF2B5EF4-FFF2-40B4-BE49-F238E27FC236}">
-                <a16:creationId xmlns:a16="http://schemas.microsoft.com/office/drawing/2014/main" id="{B57F297D-5244-EB01-2D2D-30DC341E469D}"/>
+                <a16:creationId xmlns:a16="http://schemas.microsoft.com/office/drawing/2014/main" id="{F26B7286-44C7-3395-7091-9C3CF7134780}"/>
               </a:ext>
             </a:extLst>
           </p:cNvPr>
@@ -11325,7 +11734,7 @@
           <p:cNvPr id="5" name="Slide Number Placeholder 4">
             <a:extLst>
               <a:ext uri="{FF2B5EF4-FFF2-40B4-BE49-F238E27FC236}">
-                <a16:creationId xmlns:a16="http://schemas.microsoft.com/office/drawing/2014/main" id="{C6881C2A-23D8-2323-B89B-98E5EBD584F6}"/>
+                <a16:creationId xmlns:a16="http://schemas.microsoft.com/office/drawing/2014/main" id="{771CACD5-DC8F-E562-D34B-63ACEED10192}"/>
               </a:ext>
             </a:extLst>
           </p:cNvPr>
@@ -11355,7 +11764,7 @@
           <p:cNvPr id="6" name="Slide Number Placeholder 4">
             <a:extLst>
               <a:ext uri="{FF2B5EF4-FFF2-40B4-BE49-F238E27FC236}">
-                <a16:creationId xmlns:a16="http://schemas.microsoft.com/office/drawing/2014/main" id="{1466C1CC-3C62-38E8-78DE-98C589A6C039}"/>
+                <a16:creationId xmlns:a16="http://schemas.microsoft.com/office/drawing/2014/main" id="{FC397AB4-E7B3-064C-48F7-B4F336380CBA}"/>
               </a:ext>
             </a:extLst>
           </p:cNvPr>
@@ -11484,7 +11893,7 @@
     </p:spTree>
     <p:extLst>
       <p:ext uri="{BB962C8B-B14F-4D97-AF65-F5344CB8AC3E}">
-        <p14:creationId xmlns:p14="http://schemas.microsoft.com/office/powerpoint/2010/main" val="1188192135"/>
+        <p14:creationId xmlns:p14="http://schemas.microsoft.com/office/powerpoint/2010/main" val="2540403346"/>
       </p:ext>
     </p:extLst>
   </p:cSld>
@@ -11528,7 +11937,7 @@
           <p:cNvPr id="2" name="Title 1">
             <a:extLst>
               <a:ext uri="{FF2B5EF4-FFF2-40B4-BE49-F238E27FC236}">
-                <a16:creationId xmlns:a16="http://schemas.microsoft.com/office/drawing/2014/main" id="{2BD7C78A-703A-694E-8FFC-38843E2ED0D5}"/>
+                <a16:creationId xmlns:a16="http://schemas.microsoft.com/office/drawing/2014/main" id="{E5BB7D67-76BC-2F76-6A7E-93CF1B03CA9B}"/>
               </a:ext>
             </a:extLst>
           </p:cNvPr>
@@ -11553,7 +11962,7 @@
           <p:cNvPr id="3" name="Content Placeholder 2">
             <a:extLst>
               <a:ext uri="{FF2B5EF4-FFF2-40B4-BE49-F238E27FC236}">
-                <a16:creationId xmlns:a16="http://schemas.microsoft.com/office/drawing/2014/main" id="{12D21900-DBB9-221C-76E0-EDDD133DAC6B}"/>
+                <a16:creationId xmlns:a16="http://schemas.microsoft.com/office/drawing/2014/main" id="{481F0043-5374-9370-B17A-15CAD56ADF84}"/>
               </a:ext>
             </a:extLst>
           </p:cNvPr>
@@ -11578,7 +11987,7 @@
           <p:cNvPr id="4" name="Picture Placeholder 3">
             <a:extLst>
               <a:ext uri="{FF2B5EF4-FFF2-40B4-BE49-F238E27FC236}">
-                <a16:creationId xmlns:a16="http://schemas.microsoft.com/office/drawing/2014/main" id="{32AEFEA6-A660-5D12-A8F7-5BB4222EFB74}"/>
+                <a16:creationId xmlns:a16="http://schemas.microsoft.com/office/drawing/2014/main" id="{B57F297D-5244-EB01-2D2D-30DC341E469D}"/>
               </a:ext>
             </a:extLst>
           </p:cNvPr>
@@ -11603,7 +12012,7 @@
           <p:cNvPr id="5" name="Slide Number Placeholder 4">
             <a:extLst>
               <a:ext uri="{FF2B5EF4-FFF2-40B4-BE49-F238E27FC236}">
-                <a16:creationId xmlns:a16="http://schemas.microsoft.com/office/drawing/2014/main" id="{4DFB636B-8EED-D8C9-B88E-532B23AEFD21}"/>
+                <a16:creationId xmlns:a16="http://schemas.microsoft.com/office/drawing/2014/main" id="{C6881C2A-23D8-2323-B89B-98E5EBD584F6}"/>
               </a:ext>
             </a:extLst>
           </p:cNvPr>
@@ -11633,7 +12042,7 @@
           <p:cNvPr id="6" name="Slide Number Placeholder 4">
             <a:extLst>
               <a:ext uri="{FF2B5EF4-FFF2-40B4-BE49-F238E27FC236}">
-                <a16:creationId xmlns:a16="http://schemas.microsoft.com/office/drawing/2014/main" id="{36B8F459-6F30-1450-5D41-1997E9CEE977}"/>
+                <a16:creationId xmlns:a16="http://schemas.microsoft.com/office/drawing/2014/main" id="{1466C1CC-3C62-38E8-78DE-98C589A6C039}"/>
               </a:ext>
             </a:extLst>
           </p:cNvPr>
@@ -11762,7 +12171,7 @@
     </p:spTree>
     <p:extLst>
       <p:ext uri="{BB962C8B-B14F-4D97-AF65-F5344CB8AC3E}">
-        <p14:creationId xmlns:p14="http://schemas.microsoft.com/office/powerpoint/2010/main" val="3262945818"/>
+        <p14:creationId xmlns:p14="http://schemas.microsoft.com/office/powerpoint/2010/main" val="1188192135"/>
       </p:ext>
     </p:extLst>
   </p:cSld>
@@ -11806,7 +12215,7 @@
           <p:cNvPr id="2" name="Title 1">
             <a:extLst>
               <a:ext uri="{FF2B5EF4-FFF2-40B4-BE49-F238E27FC236}">
-                <a16:creationId xmlns:a16="http://schemas.microsoft.com/office/drawing/2014/main" id="{0B4D0D16-67A0-9392-36C4-38AEF1EFD705}"/>
+                <a16:creationId xmlns:a16="http://schemas.microsoft.com/office/drawing/2014/main" id="{2BD7C78A-703A-694E-8FFC-38843E2ED0D5}"/>
               </a:ext>
             </a:extLst>
           </p:cNvPr>
@@ -11831,7 +12240,7 @@
           <p:cNvPr id="3" name="Content Placeholder 2">
             <a:extLst>
               <a:ext uri="{FF2B5EF4-FFF2-40B4-BE49-F238E27FC236}">
-                <a16:creationId xmlns:a16="http://schemas.microsoft.com/office/drawing/2014/main" id="{639F28B0-AE40-DF8E-76CA-380B2FBF75D9}"/>
+                <a16:creationId xmlns:a16="http://schemas.microsoft.com/office/drawing/2014/main" id="{12D21900-DBB9-221C-76E0-EDDD133DAC6B}"/>
               </a:ext>
             </a:extLst>
           </p:cNvPr>
@@ -11853,10 +12262,10 @@
       </p:sp>
       <p:sp>
         <p:nvSpPr>
-          <p:cNvPr id="4" name="Content Placeholder 3">
-            <a:extLst>
-              <a:ext uri="{FF2B5EF4-FFF2-40B4-BE49-F238E27FC236}">
-                <a16:creationId xmlns:a16="http://schemas.microsoft.com/office/drawing/2014/main" id="{E1B2001F-94BD-7F0A-56F1-F7B277AF3CC6}"/>
+          <p:cNvPr id="4" name="Picture Placeholder 3">
+            <a:extLst>
+              <a:ext uri="{FF2B5EF4-FFF2-40B4-BE49-F238E27FC236}">
+                <a16:creationId xmlns:a16="http://schemas.microsoft.com/office/drawing/2014/main" id="{32AEFEA6-A660-5D12-A8F7-5BB4222EFB74}"/>
               </a:ext>
             </a:extLst>
           </p:cNvPr>
@@ -11864,7 +12273,7 @@
             <a:spLocks noGrp="1"/>
           </p:cNvSpPr>
           <p:nvPr>
-            <p:ph sz="quarter" idx="14"/>
+            <p:ph type="pic" sz="quarter" idx="14"/>
           </p:nvPr>
         </p:nvSpPr>
         <p:spPr/>
@@ -11872,7 +12281,7 @@
           <a:bodyPr/>
           <a:lstStyle/>
           <a:p>
-            <a:endParaRPr lang="en-IN"/>
+            <a:endParaRPr lang="en-US"/>
           </a:p>
         </p:txBody>
       </p:sp>
@@ -11881,7 +12290,7 @@
           <p:cNvPr id="5" name="Slide Number Placeholder 4">
             <a:extLst>
               <a:ext uri="{FF2B5EF4-FFF2-40B4-BE49-F238E27FC236}">
-                <a16:creationId xmlns:a16="http://schemas.microsoft.com/office/drawing/2014/main" id="{DE249310-06ED-CE6D-9342-95110ABFA82A}"/>
+                <a16:creationId xmlns:a16="http://schemas.microsoft.com/office/drawing/2014/main" id="{4DFB636B-8EED-D8C9-B88E-532B23AEFD21}"/>
               </a:ext>
             </a:extLst>
           </p:cNvPr>
@@ -11911,7 +12320,7 @@
           <p:cNvPr id="6" name="Slide Number Placeholder 4">
             <a:extLst>
               <a:ext uri="{FF2B5EF4-FFF2-40B4-BE49-F238E27FC236}">
-                <a16:creationId xmlns:a16="http://schemas.microsoft.com/office/drawing/2014/main" id="{150241C0-6662-9989-D473-E5D8BFD58F6F}"/>
+                <a16:creationId xmlns:a16="http://schemas.microsoft.com/office/drawing/2014/main" id="{36B8F459-6F30-1450-5D41-1997E9CEE977}"/>
               </a:ext>
             </a:extLst>
           </p:cNvPr>
@@ -12040,7 +12449,7 @@
     </p:spTree>
     <p:extLst>
       <p:ext uri="{BB962C8B-B14F-4D97-AF65-F5344CB8AC3E}">
-        <p14:creationId xmlns:p14="http://schemas.microsoft.com/office/powerpoint/2010/main" val="2633488709"/>
+        <p14:creationId xmlns:p14="http://schemas.microsoft.com/office/powerpoint/2010/main" val="3262945818"/>
       </p:ext>
     </p:extLst>
   </p:cSld>
@@ -12459,7 +12868,7 @@
           <p:cNvPr id="2" name="Title 1">
             <a:extLst>
               <a:ext uri="{FF2B5EF4-FFF2-40B4-BE49-F238E27FC236}">
-                <a16:creationId xmlns:a16="http://schemas.microsoft.com/office/drawing/2014/main" id="{3870CE6E-495D-1808-5A8C-EC4D855C5587}"/>
+                <a16:creationId xmlns:a16="http://schemas.microsoft.com/office/drawing/2014/main" id="{0B4D0D16-67A0-9392-36C4-38AEF1EFD705}"/>
               </a:ext>
             </a:extLst>
           </p:cNvPr>
@@ -12475,10 +12884,7 @@
           <a:bodyPr/>
           <a:lstStyle/>
           <a:p>
-            <a:r>
-              <a:rPr lang="en-IN" dirty="0"/>
-              <a:t>Testing Phase</a:t>
-            </a:r>
+            <a:endParaRPr lang="en-IN"/>
           </a:p>
         </p:txBody>
       </p:sp>
@@ -12487,7 +12893,7 @@
           <p:cNvPr id="3" name="Content Placeholder 2">
             <a:extLst>
               <a:ext uri="{FF2B5EF4-FFF2-40B4-BE49-F238E27FC236}">
-                <a16:creationId xmlns:a16="http://schemas.microsoft.com/office/drawing/2014/main" id="{B0EEF2E2-7250-905A-9F8E-5BB773C92FF2}"/>
+                <a16:creationId xmlns:a16="http://schemas.microsoft.com/office/drawing/2014/main" id="{639F28B0-AE40-DF8E-76CA-380B2FBF75D9}"/>
               </a:ext>
             </a:extLst>
           </p:cNvPr>
@@ -12512,7 +12918,7 @@
           <p:cNvPr id="4" name="Content Placeholder 3">
             <a:extLst>
               <a:ext uri="{FF2B5EF4-FFF2-40B4-BE49-F238E27FC236}">
-                <a16:creationId xmlns:a16="http://schemas.microsoft.com/office/drawing/2014/main" id="{2A8D0320-4D4B-365D-2F4F-3045D1A7C46C}"/>
+                <a16:creationId xmlns:a16="http://schemas.microsoft.com/office/drawing/2014/main" id="{E1B2001F-94BD-7F0A-56F1-F7B277AF3CC6}"/>
               </a:ext>
             </a:extLst>
           </p:cNvPr>
@@ -12537,7 +12943,7 @@
           <p:cNvPr id="5" name="Slide Number Placeholder 4">
             <a:extLst>
               <a:ext uri="{FF2B5EF4-FFF2-40B4-BE49-F238E27FC236}">
-                <a16:creationId xmlns:a16="http://schemas.microsoft.com/office/drawing/2014/main" id="{E7948434-32DA-F1E2-FC11-F2978017F64B}"/>
+                <a16:creationId xmlns:a16="http://schemas.microsoft.com/office/drawing/2014/main" id="{DE249310-06ED-CE6D-9342-95110ABFA82A}"/>
               </a:ext>
             </a:extLst>
           </p:cNvPr>
@@ -12567,7 +12973,7 @@
           <p:cNvPr id="6" name="Slide Number Placeholder 4">
             <a:extLst>
               <a:ext uri="{FF2B5EF4-FFF2-40B4-BE49-F238E27FC236}">
-                <a16:creationId xmlns:a16="http://schemas.microsoft.com/office/drawing/2014/main" id="{5ECD9DAA-C767-07CC-5C79-8738D4F306A7}"/>
+                <a16:creationId xmlns:a16="http://schemas.microsoft.com/office/drawing/2014/main" id="{150241C0-6662-9989-D473-E5D8BFD58F6F}"/>
               </a:ext>
             </a:extLst>
           </p:cNvPr>
@@ -12696,7 +13102,7 @@
     </p:spTree>
     <p:extLst>
       <p:ext uri="{BB962C8B-B14F-4D97-AF65-F5344CB8AC3E}">
-        <p14:creationId xmlns:p14="http://schemas.microsoft.com/office/powerpoint/2010/main" val="825357147"/>
+        <p14:creationId xmlns:p14="http://schemas.microsoft.com/office/powerpoint/2010/main" val="2633488709"/>
       </p:ext>
     </p:extLst>
   </p:cSld>
@@ -12740,7 +13146,7 @@
           <p:cNvPr id="2" name="Title 1">
             <a:extLst>
               <a:ext uri="{FF2B5EF4-FFF2-40B4-BE49-F238E27FC236}">
-                <a16:creationId xmlns:a16="http://schemas.microsoft.com/office/drawing/2014/main" id="{64983D13-B3DC-F5A2-EC3C-9AA3827FF06F}"/>
+                <a16:creationId xmlns:a16="http://schemas.microsoft.com/office/drawing/2014/main" id="{3870CE6E-495D-1808-5A8C-EC4D855C5587}"/>
               </a:ext>
             </a:extLst>
           </p:cNvPr>
@@ -12756,16 +13162,19 @@
           <a:bodyPr/>
           <a:lstStyle/>
           <a:p>
-            <a:endParaRPr lang="en-IN"/>
-          </a:p>
-        </p:txBody>
-      </p:sp>
-      <p:sp>
-        <p:nvSpPr>
-          <p:cNvPr id="3" name="Picture Placeholder 2">
-            <a:extLst>
-              <a:ext uri="{FF2B5EF4-FFF2-40B4-BE49-F238E27FC236}">
-                <a16:creationId xmlns:a16="http://schemas.microsoft.com/office/drawing/2014/main" id="{57620467-CA16-1C06-152E-31CFC11FAB8D}"/>
+            <a:r>
+              <a:rPr lang="en-IN" dirty="0"/>
+              <a:t>Testing Phase</a:t>
+            </a:r>
+          </a:p>
+        </p:txBody>
+      </p:sp>
+      <p:sp>
+        <p:nvSpPr>
+          <p:cNvPr id="3" name="Content Placeholder 2">
+            <a:extLst>
+              <a:ext uri="{FF2B5EF4-FFF2-40B4-BE49-F238E27FC236}">
+                <a16:creationId xmlns:a16="http://schemas.microsoft.com/office/drawing/2014/main" id="{B0EEF2E2-7250-905A-9F8E-5BB773C92FF2}"/>
               </a:ext>
             </a:extLst>
           </p:cNvPr>
@@ -12773,7 +13182,7 @@
             <a:spLocks noGrp="1"/>
           </p:cNvSpPr>
           <p:nvPr>
-            <p:ph type="pic" sz="quarter" idx="10"/>
+            <p:ph sz="quarter" idx="13"/>
           </p:nvPr>
         </p:nvSpPr>
         <p:spPr/>
@@ -12781,7 +13190,32 @@
           <a:bodyPr/>
           <a:lstStyle/>
           <a:p>
-            <a:endParaRPr lang="en-US"/>
+            <a:endParaRPr lang="en-IN"/>
+          </a:p>
+        </p:txBody>
+      </p:sp>
+      <p:sp>
+        <p:nvSpPr>
+          <p:cNvPr id="4" name="Content Placeholder 3">
+            <a:extLst>
+              <a:ext uri="{FF2B5EF4-FFF2-40B4-BE49-F238E27FC236}">
+                <a16:creationId xmlns:a16="http://schemas.microsoft.com/office/drawing/2014/main" id="{2A8D0320-4D4B-365D-2F4F-3045D1A7C46C}"/>
+              </a:ext>
+            </a:extLst>
+          </p:cNvPr>
+          <p:cNvSpPr>
+            <a:spLocks noGrp="1"/>
+          </p:cNvSpPr>
+          <p:nvPr>
+            <p:ph sz="quarter" idx="14"/>
+          </p:nvPr>
+        </p:nvSpPr>
+        <p:spPr/>
+        <p:txBody>
+          <a:bodyPr/>
+          <a:lstStyle/>
+          <a:p>
+            <a:endParaRPr lang="en-IN"/>
           </a:p>
         </p:txBody>
       </p:sp>
@@ -12790,7 +13224,37 @@
           <p:cNvPr id="5" name="Slide Number Placeholder 4">
             <a:extLst>
               <a:ext uri="{FF2B5EF4-FFF2-40B4-BE49-F238E27FC236}">
-                <a16:creationId xmlns:a16="http://schemas.microsoft.com/office/drawing/2014/main" id="{19257D08-7BDC-2EFF-F790-09A4B6BCCC7B}"/>
+                <a16:creationId xmlns:a16="http://schemas.microsoft.com/office/drawing/2014/main" id="{E7948434-32DA-F1E2-FC11-F2978017F64B}"/>
+              </a:ext>
+            </a:extLst>
+          </p:cNvPr>
+          <p:cNvSpPr>
+            <a:spLocks noGrp="1"/>
+          </p:cNvSpPr>
+          <p:nvPr>
+            <p:ph type="sldNum" sz="quarter" idx="12"/>
+          </p:nvPr>
+        </p:nvSpPr>
+        <p:spPr/>
+        <p:txBody>
+          <a:bodyPr/>
+          <a:lstStyle/>
+          <a:p>
+            <a:fld id="{EB37DED6-D4C7-42EE-AB49-D2E39E64FDE4}" type="slidenum">
+              <a:rPr lang="en-US" smtClean="0"/>
+              <a:pPr/>
+              <a:t>21</a:t>
+            </a:fld>
+            <a:endParaRPr lang="en-US" dirty="0"/>
+          </a:p>
+        </p:txBody>
+      </p:sp>
+      <p:sp>
+        <p:nvSpPr>
+          <p:cNvPr id="6" name="Slide Number Placeholder 4">
+            <a:extLst>
+              <a:ext uri="{FF2B5EF4-FFF2-40B4-BE49-F238E27FC236}">
+                <a16:creationId xmlns:a16="http://schemas.microsoft.com/office/drawing/2014/main" id="{5ECD9DAA-C767-07CC-5C79-8738D4F306A7}"/>
               </a:ext>
             </a:extLst>
           </p:cNvPr>
@@ -12919,7 +13383,7 @@
     </p:spTree>
     <p:extLst>
       <p:ext uri="{BB962C8B-B14F-4D97-AF65-F5344CB8AC3E}">
-        <p14:creationId xmlns:p14="http://schemas.microsoft.com/office/powerpoint/2010/main" val="1723280250"/>
+        <p14:creationId xmlns:p14="http://schemas.microsoft.com/office/powerpoint/2010/main" val="825357147"/>
       </p:ext>
     </p:extLst>
   </p:cSld>
@@ -12963,7 +13427,7 @@
           <p:cNvPr id="2" name="Title 1">
             <a:extLst>
               <a:ext uri="{FF2B5EF4-FFF2-40B4-BE49-F238E27FC236}">
-                <a16:creationId xmlns:a16="http://schemas.microsoft.com/office/drawing/2014/main" id="{E9DC9FCC-4F0C-53A9-AE36-C60D0609DD96}"/>
+                <a16:creationId xmlns:a16="http://schemas.microsoft.com/office/drawing/2014/main" id="{64983D13-B3DC-F5A2-EC3C-9AA3827FF06F}"/>
               </a:ext>
             </a:extLst>
           </p:cNvPr>
@@ -12985,6 +13449,229 @@
       </p:sp>
       <p:sp>
         <p:nvSpPr>
+          <p:cNvPr id="3" name="Picture Placeholder 2">
+            <a:extLst>
+              <a:ext uri="{FF2B5EF4-FFF2-40B4-BE49-F238E27FC236}">
+                <a16:creationId xmlns:a16="http://schemas.microsoft.com/office/drawing/2014/main" id="{57620467-CA16-1C06-152E-31CFC11FAB8D}"/>
+              </a:ext>
+            </a:extLst>
+          </p:cNvPr>
+          <p:cNvSpPr>
+            <a:spLocks noGrp="1"/>
+          </p:cNvSpPr>
+          <p:nvPr>
+            <p:ph type="pic" sz="quarter" idx="10"/>
+          </p:nvPr>
+        </p:nvSpPr>
+        <p:spPr/>
+        <p:txBody>
+          <a:bodyPr/>
+          <a:lstStyle/>
+          <a:p>
+            <a:endParaRPr lang="en-US"/>
+          </a:p>
+        </p:txBody>
+      </p:sp>
+      <p:sp>
+        <p:nvSpPr>
+          <p:cNvPr id="5" name="Slide Number Placeholder 4">
+            <a:extLst>
+              <a:ext uri="{FF2B5EF4-FFF2-40B4-BE49-F238E27FC236}">
+                <a16:creationId xmlns:a16="http://schemas.microsoft.com/office/drawing/2014/main" id="{19257D08-7BDC-2EFF-F790-09A4B6BCCC7B}"/>
+              </a:ext>
+            </a:extLst>
+          </p:cNvPr>
+          <p:cNvSpPr txBox="1">
+            <a:spLocks/>
+          </p:cNvSpPr>
+          <p:nvPr/>
+        </p:nvSpPr>
+        <p:spPr>
+          <a:xfrm>
+            <a:off x="455612" y="6190488"/>
+            <a:ext cx="2677604" cy="210312"/>
+          </a:xfrm>
+          <a:prstGeom prst="rect">
+            <a:avLst/>
+          </a:prstGeom>
+        </p:spPr>
+        <p:txBody>
+          <a:bodyPr vert="horz" lIns="121899" tIns="60949" rIns="121899" bIns="60949" rtlCol="0" anchor="b"/>
+          <a:lstStyle>
+            <a:defPPr>
+              <a:defRPr lang="en-US"/>
+            </a:defPPr>
+            <a:lvl1pPr marL="0" algn="r" defTabSz="1218987" rtl="0" eaLnBrk="1" latinLnBrk="0" hangingPunct="1">
+              <a:defRPr sz="1000" b="1" kern="1200" spc="200" baseline="0">
+                <a:solidFill>
+                  <a:schemeClr val="tx2">
+                    <a:lumMod val="50000"/>
+                  </a:schemeClr>
+                </a:solidFill>
+                <a:latin typeface="+mn-lt"/>
+                <a:ea typeface="+mn-ea"/>
+                <a:cs typeface="+mn-cs"/>
+              </a:defRPr>
+            </a:lvl1pPr>
+            <a:lvl2pPr marL="609493" algn="l" defTabSz="1218987" rtl="0" eaLnBrk="1" latinLnBrk="0" hangingPunct="1">
+              <a:defRPr sz="2400" kern="1200">
+                <a:solidFill>
+                  <a:schemeClr val="tx1"/>
+                </a:solidFill>
+                <a:latin typeface="+mn-lt"/>
+                <a:ea typeface="+mn-ea"/>
+                <a:cs typeface="+mn-cs"/>
+              </a:defRPr>
+            </a:lvl2pPr>
+            <a:lvl3pPr marL="1218987" algn="l" defTabSz="1218987" rtl="0" eaLnBrk="1" latinLnBrk="0" hangingPunct="1">
+              <a:defRPr sz="2400" kern="1200">
+                <a:solidFill>
+                  <a:schemeClr val="tx1"/>
+                </a:solidFill>
+                <a:latin typeface="+mn-lt"/>
+                <a:ea typeface="+mn-ea"/>
+                <a:cs typeface="+mn-cs"/>
+              </a:defRPr>
+            </a:lvl3pPr>
+            <a:lvl4pPr marL="1828480" algn="l" defTabSz="1218987" rtl="0" eaLnBrk="1" latinLnBrk="0" hangingPunct="1">
+              <a:defRPr sz="2400" kern="1200">
+                <a:solidFill>
+                  <a:schemeClr val="tx1"/>
+                </a:solidFill>
+                <a:latin typeface="+mn-lt"/>
+                <a:ea typeface="+mn-ea"/>
+                <a:cs typeface="+mn-cs"/>
+              </a:defRPr>
+            </a:lvl4pPr>
+            <a:lvl5pPr marL="2437973" algn="l" defTabSz="1218987" rtl="0" eaLnBrk="1" latinLnBrk="0" hangingPunct="1">
+              <a:defRPr sz="2400" kern="1200">
+                <a:solidFill>
+                  <a:schemeClr val="tx1"/>
+                </a:solidFill>
+                <a:latin typeface="+mn-lt"/>
+                <a:ea typeface="+mn-ea"/>
+                <a:cs typeface="+mn-cs"/>
+              </a:defRPr>
+            </a:lvl5pPr>
+            <a:lvl6pPr marL="3047467" algn="l" defTabSz="1218987" rtl="0" eaLnBrk="1" latinLnBrk="0" hangingPunct="1">
+              <a:defRPr sz="2400" kern="1200">
+                <a:solidFill>
+                  <a:schemeClr val="tx1"/>
+                </a:solidFill>
+                <a:latin typeface="+mn-lt"/>
+                <a:ea typeface="+mn-ea"/>
+                <a:cs typeface="+mn-cs"/>
+              </a:defRPr>
+            </a:lvl6pPr>
+            <a:lvl7pPr marL="3656960" algn="l" defTabSz="1218987" rtl="0" eaLnBrk="1" latinLnBrk="0" hangingPunct="1">
+              <a:defRPr sz="2400" kern="1200">
+                <a:solidFill>
+                  <a:schemeClr val="tx1"/>
+                </a:solidFill>
+                <a:latin typeface="+mn-lt"/>
+                <a:ea typeface="+mn-ea"/>
+                <a:cs typeface="+mn-cs"/>
+              </a:defRPr>
+            </a:lvl7pPr>
+            <a:lvl8pPr marL="4266453" algn="l" defTabSz="1218987" rtl="0" eaLnBrk="1" latinLnBrk="0" hangingPunct="1">
+              <a:defRPr sz="2400" kern="1200">
+                <a:solidFill>
+                  <a:schemeClr val="tx1"/>
+                </a:solidFill>
+                <a:latin typeface="+mn-lt"/>
+                <a:ea typeface="+mn-ea"/>
+                <a:cs typeface="+mn-cs"/>
+              </a:defRPr>
+            </a:lvl8pPr>
+            <a:lvl9pPr marL="4875947" algn="l" defTabSz="1218987" rtl="0" eaLnBrk="1" latinLnBrk="0" hangingPunct="1">
+              <a:defRPr sz="2400" kern="1200">
+                <a:solidFill>
+                  <a:schemeClr val="tx1"/>
+                </a:solidFill>
+                <a:latin typeface="+mn-lt"/>
+                <a:ea typeface="+mn-ea"/>
+                <a:cs typeface="+mn-cs"/>
+              </a:defRPr>
+            </a:lvl9pPr>
+          </a:lstStyle>
+          <a:p>
+            <a:pPr algn="l"/>
+            <a:r>
+              <a:rPr lang="en-US" dirty="0"/>
+              <a:t>DES211 CAPSTONE PROJECT</a:t>
+            </a:r>
+          </a:p>
+        </p:txBody>
+      </p:sp>
+    </p:spTree>
+    <p:extLst>
+      <p:ext uri="{BB962C8B-B14F-4D97-AF65-F5344CB8AC3E}">
+        <p14:creationId xmlns:p14="http://schemas.microsoft.com/office/powerpoint/2010/main" val="1723280250"/>
+      </p:ext>
+    </p:extLst>
+  </p:cSld>
+  <p:clrMapOvr>
+    <a:masterClrMapping/>
+  </p:clrMapOvr>
+  <mc:AlternateContent xmlns:mc="http://schemas.openxmlformats.org/markup-compatibility/2006" xmlns:p14="http://schemas.microsoft.com/office/powerpoint/2010/main">
+    <mc:Choice Requires="p14">
+      <p:transition spd="med" p14:dur="700">
+        <p:fade/>
+      </p:transition>
+    </mc:Choice>
+    <mc:Fallback xmlns="">
+      <p:transition spd="med">
+        <p:fade/>
+      </p:transition>
+    </mc:Fallback>
+  </mc:AlternateContent>
+</p:sld>
+</file>
+
+<file path=ppt/slides/slide23.xml><?xml version="1.0" encoding="utf-8"?>
+<p:sld xmlns:a="http://schemas.openxmlformats.org/drawingml/2006/main" xmlns:r="http://schemas.openxmlformats.org/officeDocument/2006/relationships" xmlns:p="http://schemas.openxmlformats.org/presentationml/2006/main">
+  <p:cSld>
+    <p:spTree>
+      <p:nvGrpSpPr>
+        <p:cNvPr id="1" name=""/>
+        <p:cNvGrpSpPr/>
+        <p:nvPr/>
+      </p:nvGrpSpPr>
+      <p:grpSpPr>
+        <a:xfrm>
+          <a:off x="0" y="0"/>
+          <a:ext cx="0" cy="0"/>
+          <a:chOff x="0" y="0"/>
+          <a:chExt cx="0" cy="0"/>
+        </a:xfrm>
+      </p:grpSpPr>
+      <p:sp>
+        <p:nvSpPr>
+          <p:cNvPr id="2" name="Title 1">
+            <a:extLst>
+              <a:ext uri="{FF2B5EF4-FFF2-40B4-BE49-F238E27FC236}">
+                <a16:creationId xmlns:a16="http://schemas.microsoft.com/office/drawing/2014/main" id="{E9DC9FCC-4F0C-53A9-AE36-C60D0609DD96}"/>
+              </a:ext>
+            </a:extLst>
+          </p:cNvPr>
+          <p:cNvSpPr>
+            <a:spLocks noGrp="1"/>
+          </p:cNvSpPr>
+          <p:nvPr>
+            <p:ph type="title"/>
+          </p:nvPr>
+        </p:nvSpPr>
+        <p:spPr/>
+        <p:txBody>
+          <a:bodyPr/>
+          <a:lstStyle/>
+          <a:p>
+            <a:endParaRPr lang="en-IN"/>
+          </a:p>
+        </p:txBody>
+      </p:sp>
+      <p:sp>
+        <p:nvSpPr>
           <p:cNvPr id="3" name="Content Placeholder 2">
             <a:extLst>
               <a:ext uri="{FF2B5EF4-FFF2-40B4-BE49-F238E27FC236}">
@@ -13032,7 +13719,7 @@
             <a:fld id="{EB37DED6-D4C7-42EE-AB49-D2E39E64FDE4}" type="slidenum">
               <a:rPr lang="en-US" smtClean="0"/>
               <a:pPr/>
-              <a:t>22</a:t>
+              <a:t>23</a:t>
             </a:fld>
             <a:endParaRPr lang="en-US" dirty="0"/>
           </a:p>
@@ -13383,19 +14070,7 @@
               <a:rPr lang="en-US" altLang="en-US" sz="1600" b="0" dirty="0">
                 <a:latin typeface="Bahnschrift SemiLight" panose="020B0502040204020203" pitchFamily="34" charset="0"/>
               </a:rPr>
-              <a:t>Bins are often standalone, </a:t>
-            </a:r>
-            <a:r>
-              <a:rPr lang="en-US" altLang="en-US" sz="1600" b="0" dirty="0" err="1">
-                <a:latin typeface="Bahnschrift SemiLight" panose="020B0502040204020203" pitchFamily="34" charset="0"/>
-              </a:rPr>
-              <a:t>unlabelled</a:t>
-            </a:r>
-            <a:r>
-              <a:rPr lang="en-US" altLang="en-US" sz="1600" b="0" dirty="0">
-                <a:latin typeface="Bahnschrift SemiLight" panose="020B0502040204020203" pitchFamily="34" charset="0"/>
-              </a:rPr>
-              <a:t>, and unnoticeable.</a:t>
+              <a:t>Bins are often standalone, unlabeled, and unnoticeable.</a:t>
             </a:r>
           </a:p>
           <a:p>
@@ -15995,14 +16670,14 @@
             <p:ph type="tbl" sz="quarter" idx="13"/>
             <p:extLst>
               <p:ext uri="{D42A27DB-BD31-4B8C-83A1-F6EECF244321}">
-                <p14:modId xmlns:p14="http://schemas.microsoft.com/office/powerpoint/2010/main" val="3776900152"/>
+                <p14:modId xmlns:p14="http://schemas.microsoft.com/office/powerpoint/2010/main" val="2353462957"/>
               </p:ext>
             </p:extLst>
           </p:nvPr>
         </p:nvGraphicFramePr>
         <p:xfrm>
           <a:off x="593725" y="1809750"/>
-          <a:ext cx="10771188" cy="3829049"/>
+          <a:ext cx="9838849" cy="3829049"/>
         </p:xfrm>
         <a:graphic>
           <a:graphicData uri="http://schemas.openxmlformats.org/drawingml/2006/table">
@@ -16011,7 +16686,7 @@
                 <a:tableStyleId>{8A107856-5554-42FB-B03E-39F5DBC370BA}</a:tableStyleId>
               </a:tblPr>
               <a:tblGrid>
-                <a:gridCol w="5385594">
+                <a:gridCol w="4453255">
                   <a:extLst>
                     <a:ext uri="{9D8B030D-6E8A-4147-A177-3AD203B41FA5}">
                       <a16:colId xmlns:a16="http://schemas.microsoft.com/office/drawing/2014/main" val="3676582090"/>
@@ -16536,13 +17211,13 @@
   <p:clrMapOvr>
     <a:masterClrMapping/>
   </p:clrMapOvr>
-  <mc:AlternateContent xmlns:mc="http://schemas.openxmlformats.org/markup-compatibility/2006">
-    <mc:Choice xmlns:p14="http://schemas.microsoft.com/office/powerpoint/2010/main" Requires="p14">
+  <mc:AlternateContent xmlns:mc="http://schemas.openxmlformats.org/markup-compatibility/2006" xmlns:p14="http://schemas.microsoft.com/office/powerpoint/2010/main">
+    <mc:Choice Requires="p14">
       <p:transition spd="med" p14:dur="700">
         <p:fade/>
       </p:transition>
     </mc:Choice>
-    <mc:Fallback>
+    <mc:Fallback xmlns="">
       <p:transition spd="med">
         <p:fade/>
       </p:transition>
@@ -17368,6 +18043,15 @@
 </file>
 
 <file path=customXml/item1.xml><?xml version="1.0" encoding="utf-8"?>
+<?mso-contentType ?>
+<FormTemplates xmlns="http://schemas.microsoft.com/sharepoint/v3/contenttype/forms">
+  <Display>DocumentLibraryForm</Display>
+  <Edit>DocumentLibraryForm</Edit>
+  <New>DocumentLibraryForm</New>
+</FormTemplates>
+</file>
+
+<file path=customXml/item2.xml><?xml version="1.0" encoding="utf-8"?>
 <p:properties xmlns:p="http://schemas.microsoft.com/office/2006/metadata/properties" xmlns:xsi="http://www.w3.org/2001/XMLSchema-instance" xmlns:pc="http://schemas.microsoft.com/office/infopath/2007/PartnerControls">
   <documentManagement>
     <_ip_UnifiedCompliancePolicyUIAction xmlns="http://schemas.microsoft.com/sharepoint/v3" xsi:nil="true"/>
@@ -17385,15 +18069,6 @@
     <MediaServiceKeyPoints xmlns="71af3243-3dd4-4a8d-8c0d-dd76da1f02a5" xsi:nil="true"/>
   </documentManagement>
 </p:properties>
-</file>
-
-<file path=customXml/item2.xml><?xml version="1.0" encoding="utf-8"?>
-<?mso-contentType ?>
-<FormTemplates xmlns="http://schemas.microsoft.com/sharepoint/v3/contenttype/forms">
-  <Display>DocumentLibraryForm</Display>
-  <Edit>DocumentLibraryForm</Edit>
-  <New>DocumentLibraryForm</New>
-</FormTemplates>
 </file>
 
 <file path=customXml/item3.xml><?xml version="1.0" encoding="utf-8"?>
@@ -17709,6 +18384,14 @@
 </file>
 
 <file path=customXml/itemProps1.xml><?xml version="1.0" encoding="utf-8"?>
+<ds:datastoreItem xmlns:ds="http://schemas.openxmlformats.org/officeDocument/2006/customXml" ds:itemID="{F49F7C99-DB67-4EF2-86B4-C45C603BA94C}">
+  <ds:schemaRefs>
+    <ds:schemaRef ds:uri="http://schemas.microsoft.com/sharepoint/v3/contenttype/forms"/>
+  </ds:schemaRefs>
+</ds:datastoreItem>
+</file>
+
+<file path=customXml/itemProps2.xml><?xml version="1.0" encoding="utf-8"?>
 <ds:datastoreItem xmlns:ds="http://schemas.openxmlformats.org/officeDocument/2006/customXml" ds:itemID="{527F8595-6F9C-444F-81F9-1BB5383C5D01}">
   <ds:schemaRefs>
     <ds:schemaRef ds:uri="http://schemas.microsoft.com/office/2006/metadata/properties"/>
@@ -17716,14 +18399,6 @@
     <ds:schemaRef ds:uri="http://schemas.microsoft.com/sharepoint/v3"/>
     <ds:schemaRef ds:uri="71af3243-3dd4-4a8d-8c0d-dd76da1f02a5"/>
     <ds:schemaRef ds:uri="230e9df3-be65-4c73-a93b-d1236ebd677e"/>
-  </ds:schemaRefs>
-</ds:datastoreItem>
-</file>
-
-<file path=customXml/itemProps2.xml><?xml version="1.0" encoding="utf-8"?>
-<ds:datastoreItem xmlns:ds="http://schemas.openxmlformats.org/officeDocument/2006/customXml" ds:itemID="{F49F7C99-DB67-4EF2-86B4-C45C603BA94C}">
-  <ds:schemaRefs>
-    <ds:schemaRef ds:uri="http://schemas.microsoft.com/sharepoint/v3/contenttype/forms"/>
   </ds:schemaRefs>
 </ds:datastoreItem>
 </file>

--- a/presentation.pptx
+++ b/presentation.pptx
@@ -5,10 +5,10 @@
     <p:sldMasterId id="2147483692" r:id="rId4"/>
   </p:sldMasterIdLst>
   <p:notesMasterIdLst>
-    <p:notesMasterId r:id="rId28"/>
+    <p:notesMasterId r:id="rId27"/>
   </p:notesMasterIdLst>
   <p:handoutMasterIdLst>
-    <p:handoutMasterId r:id="rId29"/>
+    <p:handoutMasterId r:id="rId28"/>
   </p:handoutMasterIdLst>
   <p:sldIdLst>
     <p:sldId id="354" r:id="rId5"/>
@@ -23,17 +23,16 @@
     <p:sldId id="368" r:id="rId14"/>
     <p:sldId id="391" r:id="rId15"/>
     <p:sldId id="392" r:id="rId16"/>
-    <p:sldId id="371" r:id="rId17"/>
-    <p:sldId id="390" r:id="rId18"/>
-    <p:sldId id="376" r:id="rId19"/>
-    <p:sldId id="377" r:id="rId20"/>
-    <p:sldId id="378" r:id="rId21"/>
-    <p:sldId id="379" r:id="rId22"/>
-    <p:sldId id="380" r:id="rId23"/>
-    <p:sldId id="381" r:id="rId24"/>
-    <p:sldId id="382" r:id="rId25"/>
-    <p:sldId id="383" r:id="rId26"/>
-    <p:sldId id="384" r:id="rId27"/>
+    <p:sldId id="393" r:id="rId17"/>
+    <p:sldId id="376" r:id="rId18"/>
+    <p:sldId id="377" r:id="rId19"/>
+    <p:sldId id="378" r:id="rId20"/>
+    <p:sldId id="379" r:id="rId21"/>
+    <p:sldId id="380" r:id="rId22"/>
+    <p:sldId id="381" r:id="rId23"/>
+    <p:sldId id="382" r:id="rId24"/>
+    <p:sldId id="383" r:id="rId25"/>
+    <p:sldId id="384" r:id="rId26"/>
   </p:sldIdLst>
   <p:sldSz cx="12188825" cy="6858000"/>
   <p:notesSz cx="6858000" cy="9144000"/>
@@ -165,6 +164,3868 @@
 </p:presentation>
 </file>
 
+<file path=ppt/revisionInfo.xml><?xml version="1.0" encoding="utf-8"?>
+<p1510:revInfo xmlns:a="http://schemas.openxmlformats.org/drawingml/2006/main" xmlns:r="http://schemas.openxmlformats.org/officeDocument/2006/relationships" xmlns:p1510="http://schemas.microsoft.com/office/powerpoint/2015/10/main">
+  <p1510:revLst>
+    <p1510:client id="{7E287CE7-76CA-45D2-AD53-128B95C942C2}" v="437" dt="2025-04-26T17:37:42.172"/>
+  </p1510:revLst>
+</p1510:revInfo>
+</file>
+
+<file path=ppt/diagrams/colors1.xml><?xml version="1.0" encoding="utf-8"?>
+<dgm:colorsDef xmlns:dgm="http://schemas.openxmlformats.org/drawingml/2006/diagram" xmlns:a="http://schemas.openxmlformats.org/drawingml/2006/main" uniqueId="urn:microsoft.com/office/officeart/2005/8/colors/accent2_4">
+  <dgm:title val=""/>
+  <dgm:desc val=""/>
+  <dgm:catLst>
+    <dgm:cat type="accent2" pri="11400"/>
+  </dgm:catLst>
+  <dgm:styleLbl name="node0">
+    <dgm:fillClrLst meth="cycle">
+      <a:schemeClr val="accent2">
+        <a:shade val="60000"/>
+      </a:schemeClr>
+    </dgm:fillClrLst>
+    <dgm:linClrLst meth="repeat">
+      <a:schemeClr val="lt1"/>
+    </dgm:linClrLst>
+    <dgm:effectClrLst/>
+    <dgm:txLinClrLst/>
+    <dgm:txFillClrLst/>
+    <dgm:txEffectClrLst/>
+  </dgm:styleLbl>
+  <dgm:styleLbl name="node1">
+    <dgm:fillClrLst meth="cycle">
+      <a:schemeClr val="accent2">
+        <a:shade val="50000"/>
+      </a:schemeClr>
+      <a:schemeClr val="accent2">
+        <a:tint val="45000"/>
+      </a:schemeClr>
+    </dgm:fillClrLst>
+    <dgm:linClrLst meth="repeat">
+      <a:schemeClr val="lt1"/>
+    </dgm:linClrLst>
+    <dgm:effectClrLst/>
+    <dgm:txLinClrLst/>
+    <dgm:txFillClrLst/>
+    <dgm:txEffectClrLst/>
+  </dgm:styleLbl>
+  <dgm:styleLbl name="alignNode1">
+    <dgm:fillClrLst meth="cycle">
+      <a:schemeClr val="accent2">
+        <a:shade val="50000"/>
+      </a:schemeClr>
+      <a:schemeClr val="accent2">
+        <a:tint val="45000"/>
+      </a:schemeClr>
+    </dgm:fillClrLst>
+    <dgm:linClrLst meth="cycle">
+      <a:schemeClr val="accent2">
+        <a:shade val="50000"/>
+      </a:schemeClr>
+      <a:schemeClr val="accent2">
+        <a:tint val="45000"/>
+      </a:schemeClr>
+    </dgm:linClrLst>
+    <dgm:effectClrLst/>
+    <dgm:txLinClrLst/>
+    <dgm:txFillClrLst/>
+    <dgm:txEffectClrLst/>
+  </dgm:styleLbl>
+  <dgm:styleLbl name="lnNode1">
+    <dgm:fillClrLst meth="cycle">
+      <a:schemeClr val="accent2">
+        <a:shade val="50000"/>
+      </a:schemeClr>
+      <a:schemeClr val="accent2">
+        <a:tint val="45000"/>
+      </a:schemeClr>
+    </dgm:fillClrLst>
+    <dgm:linClrLst meth="repeat">
+      <a:schemeClr val="lt1"/>
+    </dgm:linClrLst>
+    <dgm:effectClrLst/>
+    <dgm:txLinClrLst/>
+    <dgm:txFillClrLst/>
+    <dgm:txEffectClrLst/>
+  </dgm:styleLbl>
+  <dgm:styleLbl name="vennNode1">
+    <dgm:fillClrLst meth="cycle">
+      <a:schemeClr val="accent2">
+        <a:shade val="80000"/>
+        <a:alpha val="50000"/>
+      </a:schemeClr>
+      <a:schemeClr val="accent2">
+        <a:tint val="45000"/>
+        <a:alpha val="50000"/>
+      </a:schemeClr>
+    </dgm:fillClrLst>
+    <dgm:linClrLst meth="repeat">
+      <a:schemeClr val="lt1"/>
+    </dgm:linClrLst>
+    <dgm:effectClrLst/>
+    <dgm:txLinClrLst/>
+    <dgm:txFillClrLst/>
+    <dgm:txEffectClrLst/>
+  </dgm:styleLbl>
+  <dgm:styleLbl name="node2">
+    <dgm:fillClrLst>
+      <a:schemeClr val="accent2">
+        <a:shade val="80000"/>
+      </a:schemeClr>
+    </dgm:fillClrLst>
+    <dgm:linClrLst meth="repeat">
+      <a:schemeClr val="lt1"/>
+    </dgm:linClrLst>
+    <dgm:effectClrLst/>
+    <dgm:txLinClrLst/>
+    <dgm:txFillClrLst/>
+    <dgm:txEffectClrLst/>
+  </dgm:styleLbl>
+  <dgm:styleLbl name="node3">
+    <dgm:fillClrLst>
+      <a:schemeClr val="accent2">
+        <a:tint val="99000"/>
+      </a:schemeClr>
+    </dgm:fillClrLst>
+    <dgm:linClrLst meth="repeat">
+      <a:schemeClr val="lt1"/>
+    </dgm:linClrLst>
+    <dgm:effectClrLst/>
+    <dgm:txLinClrLst/>
+    <dgm:txFillClrLst/>
+    <dgm:txEffectClrLst/>
+  </dgm:styleLbl>
+  <dgm:styleLbl name="node4">
+    <dgm:fillClrLst>
+      <a:schemeClr val="accent2">
+        <a:tint val="70000"/>
+      </a:schemeClr>
+    </dgm:fillClrLst>
+    <dgm:linClrLst meth="repeat">
+      <a:schemeClr val="lt1"/>
+    </dgm:linClrLst>
+    <dgm:effectClrLst/>
+    <dgm:txLinClrLst/>
+    <dgm:txFillClrLst/>
+    <dgm:txEffectClrLst/>
+  </dgm:styleLbl>
+  <dgm:styleLbl name="fgImgPlace1">
+    <dgm:fillClrLst>
+      <a:schemeClr val="accent2">
+        <a:tint val="50000"/>
+      </a:schemeClr>
+      <a:schemeClr val="accent2">
+        <a:tint val="55000"/>
+      </a:schemeClr>
+    </dgm:fillClrLst>
+    <dgm:linClrLst meth="repeat">
+      <a:schemeClr val="lt1"/>
+    </dgm:linClrLst>
+    <dgm:effectClrLst/>
+    <dgm:txLinClrLst/>
+    <dgm:txFillClrLst meth="repeat">
+      <a:schemeClr val="lt1"/>
+    </dgm:txFillClrLst>
+    <dgm:txEffectClrLst/>
+  </dgm:styleLbl>
+  <dgm:styleLbl name="alignImgPlace1">
+    <dgm:fillClrLst>
+      <a:schemeClr val="accent2">
+        <a:tint val="50000"/>
+      </a:schemeClr>
+      <a:schemeClr val="accent2">
+        <a:tint val="55000"/>
+      </a:schemeClr>
+    </dgm:fillClrLst>
+    <dgm:linClrLst meth="repeat">
+      <a:schemeClr val="lt1"/>
+    </dgm:linClrLst>
+    <dgm:effectClrLst/>
+    <dgm:txLinClrLst/>
+    <dgm:txFillClrLst meth="repeat">
+      <a:schemeClr val="lt1"/>
+    </dgm:txFillClrLst>
+    <dgm:txEffectClrLst/>
+  </dgm:styleLbl>
+  <dgm:styleLbl name="bgImgPlace1">
+    <dgm:fillClrLst>
+      <a:schemeClr val="accent2">
+        <a:tint val="50000"/>
+      </a:schemeClr>
+      <a:schemeClr val="accent2">
+        <a:tint val="55000"/>
+      </a:schemeClr>
+    </dgm:fillClrLst>
+    <dgm:linClrLst meth="repeat">
+      <a:schemeClr val="lt1"/>
+    </dgm:linClrLst>
+    <dgm:effectClrLst/>
+    <dgm:txLinClrLst/>
+    <dgm:txFillClrLst meth="repeat">
+      <a:schemeClr val="lt1"/>
+    </dgm:txFillClrLst>
+    <dgm:txEffectClrLst/>
+  </dgm:styleLbl>
+  <dgm:styleLbl name="sibTrans2D1">
+    <dgm:fillClrLst meth="cycle">
+      <a:schemeClr val="accent2">
+        <a:shade val="90000"/>
+      </a:schemeClr>
+      <a:schemeClr val="accent2">
+        <a:tint val="50000"/>
+      </a:schemeClr>
+    </dgm:fillClrLst>
+    <dgm:linClrLst meth="cycle">
+      <a:schemeClr val="accent2">
+        <a:shade val="90000"/>
+      </a:schemeClr>
+      <a:schemeClr val="accent2">
+        <a:tint val="50000"/>
+      </a:schemeClr>
+    </dgm:linClrLst>
+    <dgm:effectClrLst/>
+    <dgm:txLinClrLst/>
+    <dgm:txFillClrLst/>
+    <dgm:txEffectClrLst/>
+  </dgm:styleLbl>
+  <dgm:styleLbl name="fgSibTrans2D1">
+    <dgm:fillClrLst meth="cycle">
+      <a:schemeClr val="accent2">
+        <a:shade val="90000"/>
+      </a:schemeClr>
+      <a:schemeClr val="accent2">
+        <a:tint val="50000"/>
+      </a:schemeClr>
+    </dgm:fillClrLst>
+    <dgm:linClrLst meth="cycle">
+      <a:schemeClr val="accent2">
+        <a:shade val="90000"/>
+      </a:schemeClr>
+      <a:schemeClr val="accent2">
+        <a:tint val="50000"/>
+      </a:schemeClr>
+    </dgm:linClrLst>
+    <dgm:effectClrLst/>
+    <dgm:txLinClrLst/>
+    <dgm:txFillClrLst/>
+    <dgm:txEffectClrLst/>
+  </dgm:styleLbl>
+  <dgm:styleLbl name="bgSibTrans2D1">
+    <dgm:fillClrLst meth="cycle">
+      <a:schemeClr val="accent2">
+        <a:shade val="90000"/>
+      </a:schemeClr>
+      <a:schemeClr val="accent2">
+        <a:tint val="50000"/>
+      </a:schemeClr>
+    </dgm:fillClrLst>
+    <dgm:linClrLst meth="cycle">
+      <a:schemeClr val="accent2">
+        <a:shade val="90000"/>
+      </a:schemeClr>
+      <a:schemeClr val="accent2">
+        <a:tint val="50000"/>
+      </a:schemeClr>
+    </dgm:linClrLst>
+    <dgm:effectClrLst/>
+    <dgm:txLinClrLst/>
+    <dgm:txFillClrLst/>
+    <dgm:txEffectClrLst/>
+  </dgm:styleLbl>
+  <dgm:styleLbl name="sibTrans1D1">
+    <dgm:fillClrLst meth="cycle">
+      <a:schemeClr val="accent2">
+        <a:shade val="90000"/>
+      </a:schemeClr>
+      <a:schemeClr val="accent2">
+        <a:tint val="50000"/>
+      </a:schemeClr>
+    </dgm:fillClrLst>
+    <dgm:linClrLst meth="cycle">
+      <a:schemeClr val="accent2">
+        <a:shade val="90000"/>
+      </a:schemeClr>
+      <a:schemeClr val="accent2">
+        <a:tint val="50000"/>
+      </a:schemeClr>
+    </dgm:linClrLst>
+    <dgm:effectClrLst/>
+    <dgm:txLinClrLst/>
+    <dgm:txFillClrLst meth="repeat">
+      <a:schemeClr val="tx1"/>
+    </dgm:txFillClrLst>
+    <dgm:txEffectClrLst/>
+  </dgm:styleLbl>
+  <dgm:styleLbl name="callout">
+    <dgm:fillClrLst meth="repeat">
+      <a:schemeClr val="accent2"/>
+    </dgm:fillClrLst>
+    <dgm:linClrLst meth="repeat">
+      <a:schemeClr val="accent2"/>
+    </dgm:linClrLst>
+    <dgm:effectClrLst/>
+    <dgm:txLinClrLst/>
+    <dgm:txFillClrLst meth="repeat">
+      <a:schemeClr val="tx1"/>
+    </dgm:txFillClrLst>
+    <dgm:txEffectClrLst/>
+  </dgm:styleLbl>
+  <dgm:styleLbl name="asst0">
+    <dgm:fillClrLst meth="repeat">
+      <a:schemeClr val="accent2">
+        <a:shade val="80000"/>
+      </a:schemeClr>
+    </dgm:fillClrLst>
+    <dgm:linClrLst meth="repeat">
+      <a:schemeClr val="lt1"/>
+    </dgm:linClrLst>
+    <dgm:effectClrLst/>
+    <dgm:txLinClrLst/>
+    <dgm:txFillClrLst/>
+    <dgm:txEffectClrLst/>
+  </dgm:styleLbl>
+  <dgm:styleLbl name="asst1">
+    <dgm:fillClrLst meth="repeat">
+      <a:schemeClr val="accent2">
+        <a:shade val="80000"/>
+      </a:schemeClr>
+    </dgm:fillClrLst>
+    <dgm:linClrLst meth="repeat">
+      <a:schemeClr val="lt1"/>
+    </dgm:linClrLst>
+    <dgm:effectClrLst/>
+    <dgm:txLinClrLst/>
+    <dgm:txFillClrLst/>
+    <dgm:txEffectClrLst/>
+  </dgm:styleLbl>
+  <dgm:styleLbl name="asst2">
+    <dgm:fillClrLst>
+      <a:schemeClr val="accent2">
+        <a:tint val="90000"/>
+      </a:schemeClr>
+    </dgm:fillClrLst>
+    <dgm:linClrLst meth="repeat">
+      <a:schemeClr val="lt1"/>
+    </dgm:linClrLst>
+    <dgm:effectClrLst/>
+    <dgm:txLinClrLst/>
+    <dgm:txFillClrLst/>
+    <dgm:txEffectClrLst/>
+  </dgm:styleLbl>
+  <dgm:styleLbl name="asst3">
+    <dgm:fillClrLst>
+      <a:schemeClr val="accent2">
+        <a:tint val="70000"/>
+      </a:schemeClr>
+    </dgm:fillClrLst>
+    <dgm:linClrLst meth="repeat">
+      <a:schemeClr val="lt1"/>
+    </dgm:linClrLst>
+    <dgm:effectClrLst/>
+    <dgm:txLinClrLst/>
+    <dgm:txFillClrLst/>
+    <dgm:txEffectClrLst/>
+  </dgm:styleLbl>
+  <dgm:styleLbl name="asst4">
+    <dgm:fillClrLst>
+      <a:schemeClr val="accent2">
+        <a:tint val="50000"/>
+      </a:schemeClr>
+    </dgm:fillClrLst>
+    <dgm:linClrLst meth="repeat">
+      <a:schemeClr val="lt1"/>
+    </dgm:linClrLst>
+    <dgm:effectClrLst/>
+    <dgm:txLinClrLst/>
+    <dgm:txFillClrLst/>
+    <dgm:txEffectClrLst/>
+  </dgm:styleLbl>
+  <dgm:styleLbl name="parChTrans2D1">
+    <dgm:fillClrLst meth="repeat">
+      <a:schemeClr val="accent2">
+        <a:tint val="60000"/>
+      </a:schemeClr>
+    </dgm:fillClrLst>
+    <dgm:linClrLst meth="repeat">
+      <a:schemeClr val="accent2">
+        <a:shade val="80000"/>
+      </a:schemeClr>
+    </dgm:linClrLst>
+    <dgm:effectClrLst/>
+    <dgm:txLinClrLst/>
+    <dgm:txFillClrLst/>
+    <dgm:txEffectClrLst/>
+  </dgm:styleLbl>
+  <dgm:styleLbl name="parChTrans2D2">
+    <dgm:fillClrLst meth="repeat">
+      <a:schemeClr val="accent2">
+        <a:tint val="90000"/>
+      </a:schemeClr>
+    </dgm:fillClrLst>
+    <dgm:linClrLst meth="repeat">
+      <a:schemeClr val="accent2">
+        <a:tint val="90000"/>
+      </a:schemeClr>
+    </dgm:linClrLst>
+    <dgm:effectClrLst/>
+    <dgm:txLinClrLst/>
+    <dgm:txFillClrLst/>
+    <dgm:txEffectClrLst/>
+  </dgm:styleLbl>
+  <dgm:styleLbl name="parChTrans2D3">
+    <dgm:fillClrLst meth="repeat">
+      <a:schemeClr val="accent2">
+        <a:tint val="70000"/>
+      </a:schemeClr>
+    </dgm:fillClrLst>
+    <dgm:linClrLst meth="repeat">
+      <a:schemeClr val="accent2">
+        <a:tint val="70000"/>
+      </a:schemeClr>
+    </dgm:linClrLst>
+    <dgm:effectClrLst/>
+    <dgm:txLinClrLst/>
+    <dgm:txFillClrLst/>
+    <dgm:txEffectClrLst/>
+  </dgm:styleLbl>
+  <dgm:styleLbl name="parChTrans2D4">
+    <dgm:fillClrLst meth="repeat">
+      <a:schemeClr val="accent2">
+        <a:tint val="50000"/>
+      </a:schemeClr>
+    </dgm:fillClrLst>
+    <dgm:linClrLst meth="repeat">
+      <a:schemeClr val="accent2">
+        <a:tint val="50000"/>
+      </a:schemeClr>
+    </dgm:linClrLst>
+    <dgm:effectClrLst/>
+    <dgm:txLinClrLst/>
+    <dgm:txFillClrLst meth="repeat">
+      <a:schemeClr val="dk1"/>
+    </dgm:txFillClrLst>
+    <dgm:txEffectClrLst/>
+  </dgm:styleLbl>
+  <dgm:styleLbl name="parChTrans1D1">
+    <dgm:fillClrLst meth="repeat">
+      <a:schemeClr val="accent2">
+        <a:shade val="80000"/>
+      </a:schemeClr>
+    </dgm:fillClrLst>
+    <dgm:linClrLst meth="repeat">
+      <a:schemeClr val="accent2">
+        <a:shade val="80000"/>
+      </a:schemeClr>
+    </dgm:linClrLst>
+    <dgm:effectClrLst/>
+    <dgm:txLinClrLst/>
+    <dgm:txFillClrLst meth="repeat">
+      <a:schemeClr val="tx1"/>
+    </dgm:txFillClrLst>
+    <dgm:txEffectClrLst/>
+  </dgm:styleLbl>
+  <dgm:styleLbl name="parChTrans1D2">
+    <dgm:fillClrLst meth="repeat">
+      <a:schemeClr val="accent2">
+        <a:tint val="90000"/>
+      </a:schemeClr>
+    </dgm:fillClrLst>
+    <dgm:linClrLst meth="repeat">
+      <a:schemeClr val="accent2">
+        <a:tint val="90000"/>
+      </a:schemeClr>
+    </dgm:linClrLst>
+    <dgm:effectClrLst/>
+    <dgm:txLinClrLst/>
+    <dgm:txFillClrLst meth="repeat">
+      <a:schemeClr val="tx1"/>
+    </dgm:txFillClrLst>
+    <dgm:txEffectClrLst/>
+  </dgm:styleLbl>
+  <dgm:styleLbl name="parChTrans1D3">
+    <dgm:fillClrLst meth="repeat">
+      <a:schemeClr val="accent2">
+        <a:tint val="70000"/>
+      </a:schemeClr>
+    </dgm:fillClrLst>
+    <dgm:linClrLst meth="repeat">
+      <a:schemeClr val="accent2">
+        <a:tint val="70000"/>
+      </a:schemeClr>
+    </dgm:linClrLst>
+    <dgm:effectClrLst/>
+    <dgm:txLinClrLst/>
+    <dgm:txFillClrLst meth="repeat">
+      <a:schemeClr val="tx1"/>
+    </dgm:txFillClrLst>
+    <dgm:txEffectClrLst/>
+  </dgm:styleLbl>
+  <dgm:styleLbl name="parChTrans1D4">
+    <dgm:fillClrLst meth="repeat">
+      <a:schemeClr val="accent2">
+        <a:tint val="50000"/>
+      </a:schemeClr>
+    </dgm:fillClrLst>
+    <dgm:linClrLst meth="repeat">
+      <a:schemeClr val="accent2">
+        <a:tint val="50000"/>
+      </a:schemeClr>
+    </dgm:linClrLst>
+    <dgm:effectClrLst/>
+    <dgm:txLinClrLst/>
+    <dgm:txFillClrLst meth="repeat">
+      <a:schemeClr val="tx1"/>
+    </dgm:txFillClrLst>
+    <dgm:txEffectClrLst/>
+  </dgm:styleLbl>
+  <dgm:styleLbl name="fgAcc1">
+    <dgm:fillClrLst meth="repeat">
+      <a:schemeClr val="lt1">
+        <a:alpha val="90000"/>
+      </a:schemeClr>
+    </dgm:fillClrLst>
+    <dgm:linClrLst meth="cycle">
+      <a:schemeClr val="accent2">
+        <a:shade val="50000"/>
+      </a:schemeClr>
+      <a:schemeClr val="accent2">
+        <a:tint val="55000"/>
+      </a:schemeClr>
+    </dgm:linClrLst>
+    <dgm:effectClrLst/>
+    <dgm:txLinClrLst/>
+    <dgm:txFillClrLst meth="repeat">
+      <a:schemeClr val="dk1"/>
+    </dgm:txFillClrLst>
+    <dgm:txEffectClrLst/>
+  </dgm:styleLbl>
+  <dgm:styleLbl name="conFgAcc1">
+    <dgm:fillClrLst meth="repeat">
+      <a:schemeClr val="lt1">
+        <a:alpha val="90000"/>
+      </a:schemeClr>
+    </dgm:fillClrLst>
+    <dgm:linClrLst meth="cycle">
+      <a:schemeClr val="accent2">
+        <a:shade val="50000"/>
+      </a:schemeClr>
+      <a:schemeClr val="accent2">
+        <a:tint val="55000"/>
+      </a:schemeClr>
+    </dgm:linClrLst>
+    <dgm:effectClrLst/>
+    <dgm:txLinClrLst/>
+    <dgm:txFillClrLst meth="repeat">
+      <a:schemeClr val="dk1"/>
+    </dgm:txFillClrLst>
+    <dgm:txEffectClrLst/>
+  </dgm:styleLbl>
+  <dgm:styleLbl name="alignAcc1">
+    <dgm:fillClrLst meth="repeat">
+      <a:schemeClr val="lt1">
+        <a:alpha val="90000"/>
+      </a:schemeClr>
+    </dgm:fillClrLst>
+    <dgm:linClrLst meth="cycle">
+      <a:schemeClr val="accent2">
+        <a:shade val="50000"/>
+      </a:schemeClr>
+      <a:schemeClr val="accent2">
+        <a:tint val="55000"/>
+      </a:schemeClr>
+    </dgm:linClrLst>
+    <dgm:effectClrLst/>
+    <dgm:txLinClrLst/>
+    <dgm:txFillClrLst meth="repeat">
+      <a:schemeClr val="dk1"/>
+    </dgm:txFillClrLst>
+    <dgm:txEffectClrLst/>
+  </dgm:styleLbl>
+  <dgm:styleLbl name="trAlignAcc1">
+    <dgm:fillClrLst meth="repeat">
+      <a:schemeClr val="lt1">
+        <a:alpha val="55000"/>
+      </a:schemeClr>
+    </dgm:fillClrLst>
+    <dgm:linClrLst meth="repeat">
+      <a:schemeClr val="accent2"/>
+    </dgm:linClrLst>
+    <dgm:effectClrLst/>
+    <dgm:txLinClrLst/>
+    <dgm:txFillClrLst meth="repeat">
+      <a:schemeClr val="dk1"/>
+    </dgm:txFillClrLst>
+    <dgm:txEffectClrLst/>
+  </dgm:styleLbl>
+  <dgm:styleLbl name="bgAcc1">
+    <dgm:fillClrLst meth="repeat">
+      <a:schemeClr val="lt1">
+        <a:alpha val="90000"/>
+      </a:schemeClr>
+    </dgm:fillClrLst>
+    <dgm:linClrLst meth="cycle">
+      <a:schemeClr val="accent2">
+        <a:shade val="50000"/>
+      </a:schemeClr>
+      <a:schemeClr val="accent2">
+        <a:tint val="55000"/>
+      </a:schemeClr>
+    </dgm:linClrLst>
+    <dgm:effectClrLst/>
+    <dgm:txLinClrLst/>
+    <dgm:txFillClrLst meth="repeat">
+      <a:schemeClr val="dk1"/>
+    </dgm:txFillClrLst>
+    <dgm:txEffectClrLst/>
+  </dgm:styleLbl>
+  <dgm:styleLbl name="solidFgAcc1">
+    <dgm:fillClrLst meth="repeat">
+      <a:schemeClr val="lt1"/>
+    </dgm:fillClrLst>
+    <dgm:linClrLst meth="cycle">
+      <a:schemeClr val="accent2">
+        <a:shade val="50000"/>
+      </a:schemeClr>
+      <a:schemeClr val="accent2">
+        <a:tint val="55000"/>
+      </a:schemeClr>
+    </dgm:linClrLst>
+    <dgm:effectClrLst/>
+    <dgm:txLinClrLst/>
+    <dgm:txFillClrLst meth="repeat">
+      <a:schemeClr val="dk1"/>
+    </dgm:txFillClrLst>
+    <dgm:txEffectClrLst/>
+  </dgm:styleLbl>
+  <dgm:styleLbl name="solidAlignAcc1">
+    <dgm:fillClrLst meth="repeat">
+      <a:schemeClr val="lt1"/>
+    </dgm:fillClrLst>
+    <dgm:linClrLst meth="repeat">
+      <a:schemeClr val="accent2"/>
+    </dgm:linClrLst>
+    <dgm:effectClrLst/>
+    <dgm:txLinClrLst/>
+    <dgm:txFillClrLst meth="repeat">
+      <a:schemeClr val="dk1"/>
+    </dgm:txFillClrLst>
+    <dgm:txEffectClrLst/>
+  </dgm:styleLbl>
+  <dgm:styleLbl name="solidBgAcc1">
+    <dgm:fillClrLst meth="repeat">
+      <a:schemeClr val="lt1"/>
+    </dgm:fillClrLst>
+    <dgm:linClrLst meth="repeat">
+      <a:schemeClr val="accent2"/>
+    </dgm:linClrLst>
+    <dgm:effectClrLst/>
+    <dgm:txLinClrLst/>
+    <dgm:txFillClrLst meth="repeat">
+      <a:schemeClr val="dk1"/>
+    </dgm:txFillClrLst>
+    <dgm:txEffectClrLst/>
+  </dgm:styleLbl>
+  <dgm:styleLbl name="fgAccFollowNode1">
+    <dgm:fillClrLst meth="repeat">
+      <a:schemeClr val="accent2">
+        <a:alpha val="90000"/>
+        <a:tint val="55000"/>
+      </a:schemeClr>
+    </dgm:fillClrLst>
+    <dgm:linClrLst meth="repeat">
+      <a:schemeClr val="accent2">
+        <a:alpha val="90000"/>
+        <a:tint val="55000"/>
+      </a:schemeClr>
+    </dgm:linClrLst>
+    <dgm:effectClrLst/>
+    <dgm:txLinClrLst/>
+    <dgm:txFillClrLst meth="repeat">
+      <a:schemeClr val="dk1"/>
+    </dgm:txFillClrLst>
+    <dgm:txEffectClrLst/>
+  </dgm:styleLbl>
+  <dgm:styleLbl name="alignAccFollowNode1">
+    <dgm:fillClrLst meth="repeat">
+      <a:schemeClr val="accent2">
+        <a:alpha val="90000"/>
+        <a:tint val="55000"/>
+      </a:schemeClr>
+    </dgm:fillClrLst>
+    <dgm:linClrLst meth="repeat">
+      <a:schemeClr val="accent2">
+        <a:alpha val="90000"/>
+        <a:tint val="55000"/>
+      </a:schemeClr>
+    </dgm:linClrLst>
+    <dgm:effectClrLst/>
+    <dgm:txLinClrLst/>
+    <dgm:txFillClrLst meth="repeat">
+      <a:schemeClr val="dk1"/>
+    </dgm:txFillClrLst>
+    <dgm:txEffectClrLst/>
+  </dgm:styleLbl>
+  <dgm:styleLbl name="bgAccFollowNode1">
+    <dgm:fillClrLst meth="repeat">
+      <a:schemeClr val="accent2">
+        <a:alpha val="90000"/>
+        <a:tint val="55000"/>
+      </a:schemeClr>
+    </dgm:fillClrLst>
+    <dgm:linClrLst meth="repeat">
+      <a:schemeClr val="lt1"/>
+    </dgm:linClrLst>
+    <dgm:effectClrLst/>
+    <dgm:txLinClrLst/>
+    <dgm:txFillClrLst meth="repeat">
+      <a:schemeClr val="dk1"/>
+    </dgm:txFillClrLst>
+    <dgm:txEffectClrLst/>
+  </dgm:styleLbl>
+  <dgm:styleLbl name="fgAcc0">
+    <dgm:fillClrLst meth="repeat">
+      <a:schemeClr val="lt1">
+        <a:alpha val="90000"/>
+      </a:schemeClr>
+    </dgm:fillClrLst>
+    <dgm:linClrLst meth="repeat">
+      <a:schemeClr val="accent2">
+        <a:shade val="80000"/>
+      </a:schemeClr>
+    </dgm:linClrLst>
+    <dgm:effectClrLst/>
+    <dgm:txLinClrLst/>
+    <dgm:txFillClrLst meth="repeat">
+      <a:schemeClr val="dk1"/>
+    </dgm:txFillClrLst>
+    <dgm:txEffectClrLst/>
+  </dgm:styleLbl>
+  <dgm:styleLbl name="fgAcc2">
+    <dgm:fillClrLst meth="repeat">
+      <a:schemeClr val="lt1">
+        <a:alpha val="90000"/>
+      </a:schemeClr>
+    </dgm:fillClrLst>
+    <dgm:linClrLst meth="repeat">
+      <a:schemeClr val="accent2">
+        <a:tint val="90000"/>
+      </a:schemeClr>
+    </dgm:linClrLst>
+    <dgm:effectClrLst/>
+    <dgm:txLinClrLst/>
+    <dgm:txFillClrLst meth="repeat">
+      <a:schemeClr val="dk1"/>
+    </dgm:txFillClrLst>
+    <dgm:txEffectClrLst/>
+  </dgm:styleLbl>
+  <dgm:styleLbl name="fgAcc3">
+    <dgm:fillClrLst meth="repeat">
+      <a:schemeClr val="lt1">
+        <a:alpha val="90000"/>
+      </a:schemeClr>
+    </dgm:fillClrLst>
+    <dgm:linClrLst meth="repeat">
+      <a:schemeClr val="accent2">
+        <a:tint val="70000"/>
+      </a:schemeClr>
+    </dgm:linClrLst>
+    <dgm:effectClrLst/>
+    <dgm:txLinClrLst/>
+    <dgm:txFillClrLst meth="repeat">
+      <a:schemeClr val="dk1"/>
+    </dgm:txFillClrLst>
+    <dgm:txEffectClrLst/>
+  </dgm:styleLbl>
+  <dgm:styleLbl name="fgAcc4">
+    <dgm:fillClrLst meth="repeat">
+      <a:schemeClr val="lt1">
+        <a:alpha val="90000"/>
+      </a:schemeClr>
+    </dgm:fillClrLst>
+    <dgm:linClrLst meth="repeat">
+      <a:schemeClr val="accent2">
+        <a:tint val="50000"/>
+      </a:schemeClr>
+    </dgm:linClrLst>
+    <dgm:effectClrLst/>
+    <dgm:txLinClrLst/>
+    <dgm:txFillClrLst meth="repeat">
+      <a:schemeClr val="dk1"/>
+    </dgm:txFillClrLst>
+    <dgm:txEffectClrLst/>
+  </dgm:styleLbl>
+  <dgm:styleLbl name="bgShp">
+    <dgm:fillClrLst meth="repeat">
+      <a:schemeClr val="accent2">
+        <a:tint val="55000"/>
+      </a:schemeClr>
+    </dgm:fillClrLst>
+    <dgm:linClrLst meth="repeat">
+      <a:schemeClr val="dk1"/>
+    </dgm:linClrLst>
+    <dgm:effectClrLst/>
+    <dgm:txLinClrLst/>
+    <dgm:txFillClrLst meth="repeat">
+      <a:schemeClr val="dk1"/>
+    </dgm:txFillClrLst>
+    <dgm:txEffectClrLst/>
+  </dgm:styleLbl>
+  <dgm:styleLbl name="dkBgShp">
+    <dgm:fillClrLst meth="repeat">
+      <a:schemeClr val="accent2">
+        <a:shade val="90000"/>
+      </a:schemeClr>
+    </dgm:fillClrLst>
+    <dgm:linClrLst meth="repeat">
+      <a:schemeClr val="dk1"/>
+    </dgm:linClrLst>
+    <dgm:effectClrLst/>
+    <dgm:txLinClrLst/>
+    <dgm:txFillClrLst meth="repeat">
+      <a:schemeClr val="lt1"/>
+    </dgm:txFillClrLst>
+    <dgm:txEffectClrLst/>
+  </dgm:styleLbl>
+  <dgm:styleLbl name="trBgShp">
+    <dgm:fillClrLst meth="repeat">
+      <a:schemeClr val="accent2">
+        <a:tint val="50000"/>
+        <a:alpha val="55000"/>
+      </a:schemeClr>
+    </dgm:fillClrLst>
+    <dgm:linClrLst meth="repeat">
+      <a:schemeClr val="accent2"/>
+    </dgm:linClrLst>
+    <dgm:effectClrLst/>
+    <dgm:txLinClrLst/>
+    <dgm:txFillClrLst meth="repeat">
+      <a:schemeClr val="lt1"/>
+    </dgm:txFillClrLst>
+    <dgm:txEffectClrLst/>
+  </dgm:styleLbl>
+  <dgm:styleLbl name="fgShp">
+    <dgm:fillClrLst meth="repeat">
+      <a:schemeClr val="accent2">
+        <a:tint val="55000"/>
+      </a:schemeClr>
+    </dgm:fillClrLst>
+    <dgm:linClrLst meth="repeat">
+      <a:schemeClr val="lt1"/>
+    </dgm:linClrLst>
+    <dgm:effectClrLst/>
+    <dgm:txLinClrLst/>
+    <dgm:txFillClrLst meth="repeat">
+      <a:schemeClr val="dk1"/>
+    </dgm:txFillClrLst>
+    <dgm:txEffectClrLst/>
+  </dgm:styleLbl>
+  <dgm:styleLbl name="revTx">
+    <dgm:fillClrLst meth="repeat">
+      <a:schemeClr val="lt1">
+        <a:alpha val="0"/>
+      </a:schemeClr>
+    </dgm:fillClrLst>
+    <dgm:linClrLst meth="repeat">
+      <a:schemeClr val="dk1">
+        <a:alpha val="0"/>
+      </a:schemeClr>
+    </dgm:linClrLst>
+    <dgm:effectClrLst/>
+    <dgm:txLinClrLst/>
+    <dgm:txFillClrLst meth="repeat">
+      <a:schemeClr val="tx1"/>
+    </dgm:txFillClrLst>
+    <dgm:txEffectClrLst/>
+  </dgm:styleLbl>
+</dgm:colorsDef>
+</file>
+
+<file path=ppt/diagrams/data1.xml><?xml version="1.0" encoding="utf-8"?>
+<dgm:dataModel xmlns:dgm="http://schemas.openxmlformats.org/drawingml/2006/diagram" xmlns:a="http://schemas.openxmlformats.org/drawingml/2006/main">
+  <dgm:ptLst>
+    <dgm:pt modelId="{DF2E88BD-932F-4595-A6D4-BDEB685AD5D5}" type="doc">
+      <dgm:prSet loTypeId="urn:microsoft.com/office/officeart/2005/8/layout/hProcess7" loCatId="list" qsTypeId="urn:microsoft.com/office/officeart/2005/8/quickstyle/simple1" qsCatId="simple" csTypeId="urn:microsoft.com/office/officeart/2005/8/colors/accent2_4" csCatId="accent2" phldr="1"/>
+      <dgm:spPr/>
+      <dgm:t>
+        <a:bodyPr/>
+        <a:lstStyle/>
+        <a:p>
+          <a:endParaRPr lang="en-IN"/>
+        </a:p>
+      </dgm:t>
+    </dgm:pt>
+    <dgm:pt modelId="{6E395BA6-5BD8-45F0-9ED4-E803485B103C}">
+      <dgm:prSet phldrT="[Text]" custT="1"/>
+      <dgm:spPr/>
+      <dgm:t>
+        <a:bodyPr/>
+        <a:lstStyle/>
+        <a:p>
+          <a:r>
+            <a:rPr lang="en-IN" sz="2000" dirty="0">
+              <a:solidFill>
+                <a:schemeClr val="accent2">
+                  <a:lumMod val="60000"/>
+                  <a:lumOff val="40000"/>
+                </a:schemeClr>
+              </a:solidFill>
+              <a:latin typeface="Bahnschrift Light" panose="020B0502040204020203" pitchFamily="34" charset="0"/>
+            </a:rPr>
+            <a:t>Iteration 1</a:t>
+          </a:r>
+        </a:p>
+      </dgm:t>
+    </dgm:pt>
+    <dgm:pt modelId="{FCC45686-E550-4A45-8BC4-EE5F00F2C2CF}" type="parTrans" cxnId="{ED9CD052-2F3D-4F4D-BD75-9B5582D127FE}">
+      <dgm:prSet/>
+      <dgm:spPr/>
+      <dgm:t>
+        <a:bodyPr/>
+        <a:lstStyle/>
+        <a:p>
+          <a:endParaRPr lang="en-IN" sz="2000">
+            <a:latin typeface="Bahnschrift Light" panose="020B0502040204020203" pitchFamily="34" charset="0"/>
+          </a:endParaRPr>
+        </a:p>
+      </dgm:t>
+    </dgm:pt>
+    <dgm:pt modelId="{62C6AB51-91E1-459D-BB7B-5E9A8D636CDB}" type="sibTrans" cxnId="{ED9CD052-2F3D-4F4D-BD75-9B5582D127FE}">
+      <dgm:prSet/>
+      <dgm:spPr/>
+      <dgm:t>
+        <a:bodyPr/>
+        <a:lstStyle/>
+        <a:p>
+          <a:endParaRPr lang="en-IN" sz="2000">
+            <a:latin typeface="Bahnschrift Light" panose="020B0502040204020203" pitchFamily="34" charset="0"/>
+          </a:endParaRPr>
+        </a:p>
+      </dgm:t>
+    </dgm:pt>
+    <dgm:pt modelId="{EB949AF4-38BD-47F8-8EEE-88B81BDF8D4C}">
+      <dgm:prSet phldrT="[Text]" custT="1"/>
+      <dgm:spPr/>
+      <dgm:t>
+        <a:bodyPr/>
+        <a:lstStyle/>
+        <a:p>
+          <a:pPr>
+            <a:buFont typeface="Arial" panose="020B0604020202020204" pitchFamily="34" charset="0"/>
+            <a:buChar char="•"/>
+          </a:pPr>
+          <a:endParaRPr lang="en-IN" sz="1800" dirty="0">
+            <a:latin typeface="Bahnschrift Light" panose="020B0502040204020203" pitchFamily="34" charset="0"/>
+          </a:endParaRPr>
+        </a:p>
+        <a:p>
+          <a:pPr>
+            <a:buFont typeface="Arial" panose="020B0604020202020204" pitchFamily="34" charset="0"/>
+            <a:buChar char="•"/>
+          </a:pPr>
+          <a:r>
+            <a:rPr lang="en-IN" sz="1800" dirty="0">
+              <a:latin typeface="Bahnschrift Light" panose="020B0502040204020203" pitchFamily="34" charset="0"/>
+            </a:rPr>
+            <a:t>- Needs stability and sturdy design</a:t>
+          </a:r>
+        </a:p>
+      </dgm:t>
+    </dgm:pt>
+    <dgm:pt modelId="{7B185384-5E0F-47EE-BBDB-6ACF693B9B66}" type="parTrans" cxnId="{ED92172D-685A-43A3-99DB-87D0A2D99D4D}">
+      <dgm:prSet/>
+      <dgm:spPr/>
+      <dgm:t>
+        <a:bodyPr/>
+        <a:lstStyle/>
+        <a:p>
+          <a:endParaRPr lang="en-IN" sz="2000">
+            <a:latin typeface="Bahnschrift Light" panose="020B0502040204020203" pitchFamily="34" charset="0"/>
+          </a:endParaRPr>
+        </a:p>
+      </dgm:t>
+    </dgm:pt>
+    <dgm:pt modelId="{3125341C-FC0E-4FFE-AED5-8F67E3A66DE3}" type="sibTrans" cxnId="{ED92172D-685A-43A3-99DB-87D0A2D99D4D}">
+      <dgm:prSet/>
+      <dgm:spPr/>
+      <dgm:t>
+        <a:bodyPr/>
+        <a:lstStyle/>
+        <a:p>
+          <a:endParaRPr lang="en-IN" sz="2000">
+            <a:latin typeface="Bahnschrift Light" panose="020B0502040204020203" pitchFamily="34" charset="0"/>
+          </a:endParaRPr>
+        </a:p>
+      </dgm:t>
+    </dgm:pt>
+    <dgm:pt modelId="{4057F4D8-C6B8-465F-A693-11A8E8F57FFB}">
+      <dgm:prSet phldrT="[Text]" custT="1"/>
+      <dgm:spPr/>
+      <dgm:t>
+        <a:bodyPr/>
+        <a:lstStyle/>
+        <a:p>
+          <a:r>
+            <a:rPr lang="en-IN" sz="2000" dirty="0">
+              <a:solidFill>
+                <a:schemeClr val="accent2">
+                  <a:lumMod val="75000"/>
+                </a:schemeClr>
+              </a:solidFill>
+              <a:latin typeface="Bahnschrift Light" panose="020B0502040204020203" pitchFamily="34" charset="0"/>
+            </a:rPr>
+            <a:t>Iteration 2</a:t>
+          </a:r>
+        </a:p>
+      </dgm:t>
+    </dgm:pt>
+    <dgm:pt modelId="{6F129044-359B-47D5-82C6-D81EB5DD974D}" type="parTrans" cxnId="{23461C8E-10B8-4F35-B6B0-783416A8A170}">
+      <dgm:prSet/>
+      <dgm:spPr/>
+      <dgm:t>
+        <a:bodyPr/>
+        <a:lstStyle/>
+        <a:p>
+          <a:endParaRPr lang="en-IN" sz="2000">
+            <a:latin typeface="Bahnschrift Light" panose="020B0502040204020203" pitchFamily="34" charset="0"/>
+          </a:endParaRPr>
+        </a:p>
+      </dgm:t>
+    </dgm:pt>
+    <dgm:pt modelId="{1BDC2697-6C4B-4AD9-8B9D-4E0F1175FF72}" type="sibTrans" cxnId="{23461C8E-10B8-4F35-B6B0-783416A8A170}">
+      <dgm:prSet/>
+      <dgm:spPr/>
+      <dgm:t>
+        <a:bodyPr/>
+        <a:lstStyle/>
+        <a:p>
+          <a:endParaRPr lang="en-IN" sz="2000">
+            <a:latin typeface="Bahnschrift Light" panose="020B0502040204020203" pitchFamily="34" charset="0"/>
+          </a:endParaRPr>
+        </a:p>
+      </dgm:t>
+    </dgm:pt>
+    <dgm:pt modelId="{D40FB409-9552-41C2-81C2-AC9CC6F06D5A}">
+      <dgm:prSet phldrT="[Text]" custT="1"/>
+      <dgm:spPr/>
+      <dgm:t>
+        <a:bodyPr/>
+        <a:lstStyle/>
+        <a:p>
+          <a:pPr>
+            <a:buNone/>
+          </a:pPr>
+          <a:endParaRPr lang="en-IN" sz="1800" dirty="0">
+            <a:latin typeface="Bahnschrift Light" panose="020B0502040204020203" pitchFamily="34" charset="0"/>
+          </a:endParaRPr>
+        </a:p>
+        <a:p>
+          <a:pPr>
+            <a:buNone/>
+          </a:pPr>
+          <a:r>
+            <a:rPr lang="en-IN" sz="1800" dirty="0">
+              <a:latin typeface="Bahnschrift Light" panose="020B0502040204020203" pitchFamily="34" charset="0"/>
+            </a:rPr>
+            <a:t>- Touch = gross</a:t>
+          </a:r>
+        </a:p>
+      </dgm:t>
+    </dgm:pt>
+    <dgm:pt modelId="{7ECFE9F3-72E8-4E29-B1FD-4AD1CF193B7C}" type="parTrans" cxnId="{474EF795-102F-4EA8-8411-DD15BC052D37}">
+      <dgm:prSet/>
+      <dgm:spPr/>
+      <dgm:t>
+        <a:bodyPr/>
+        <a:lstStyle/>
+        <a:p>
+          <a:endParaRPr lang="en-IN" sz="2000">
+            <a:latin typeface="Bahnschrift Light" panose="020B0502040204020203" pitchFamily="34" charset="0"/>
+          </a:endParaRPr>
+        </a:p>
+      </dgm:t>
+    </dgm:pt>
+    <dgm:pt modelId="{E63B9ED3-0208-4482-912E-1D8C60B89A37}" type="sibTrans" cxnId="{474EF795-102F-4EA8-8411-DD15BC052D37}">
+      <dgm:prSet/>
+      <dgm:spPr/>
+      <dgm:t>
+        <a:bodyPr/>
+        <a:lstStyle/>
+        <a:p>
+          <a:endParaRPr lang="en-IN" sz="2000">
+            <a:latin typeface="Bahnschrift Light" panose="020B0502040204020203" pitchFamily="34" charset="0"/>
+          </a:endParaRPr>
+        </a:p>
+      </dgm:t>
+    </dgm:pt>
+    <dgm:pt modelId="{7F896003-D456-435B-8DA1-FC0080F337A8}">
+      <dgm:prSet phldrT="[Text]" custT="1"/>
+      <dgm:spPr/>
+      <dgm:t>
+        <a:bodyPr/>
+        <a:lstStyle/>
+        <a:p>
+          <a:r>
+            <a:rPr lang="en-IN" sz="2000" dirty="0">
+              <a:solidFill>
+                <a:schemeClr val="accent2">
+                  <a:lumMod val="40000"/>
+                  <a:lumOff val="60000"/>
+                </a:schemeClr>
+              </a:solidFill>
+              <a:latin typeface="Bahnschrift Light" panose="020B0502040204020203" pitchFamily="34" charset="0"/>
+            </a:rPr>
+            <a:t>Iteration 3</a:t>
+          </a:r>
+        </a:p>
+      </dgm:t>
+    </dgm:pt>
+    <dgm:pt modelId="{EF30EC9F-E6F2-4164-B9B1-7A1F12F42DB3}" type="parTrans" cxnId="{D79C5D14-AFF9-4C7D-8317-28142F28853A}">
+      <dgm:prSet/>
+      <dgm:spPr/>
+      <dgm:t>
+        <a:bodyPr/>
+        <a:lstStyle/>
+        <a:p>
+          <a:endParaRPr lang="en-IN" sz="2000">
+            <a:latin typeface="Bahnschrift Light" panose="020B0502040204020203" pitchFamily="34" charset="0"/>
+          </a:endParaRPr>
+        </a:p>
+      </dgm:t>
+    </dgm:pt>
+    <dgm:pt modelId="{39F19C32-5805-486A-9F62-1FB272685044}" type="sibTrans" cxnId="{D79C5D14-AFF9-4C7D-8317-28142F28853A}">
+      <dgm:prSet/>
+      <dgm:spPr/>
+      <dgm:t>
+        <a:bodyPr/>
+        <a:lstStyle/>
+        <a:p>
+          <a:endParaRPr lang="en-IN" sz="2000">
+            <a:latin typeface="Bahnschrift Light" panose="020B0502040204020203" pitchFamily="34" charset="0"/>
+          </a:endParaRPr>
+        </a:p>
+      </dgm:t>
+    </dgm:pt>
+    <dgm:pt modelId="{1A068659-B68C-4E37-8E92-78DBA5C9F7B9}">
+      <dgm:prSet phldrT="[Text]" custT="1"/>
+      <dgm:spPr/>
+      <dgm:t>
+        <a:bodyPr/>
+        <a:lstStyle/>
+        <a:p>
+          <a:pPr>
+            <a:buNone/>
+          </a:pPr>
+          <a:endParaRPr lang="en-IN" sz="1800" dirty="0">
+            <a:latin typeface="Bahnschrift Light" panose="020B0502040204020203" pitchFamily="34" charset="0"/>
+          </a:endParaRPr>
+        </a:p>
+        <a:p>
+          <a:pPr>
+            <a:buNone/>
+          </a:pPr>
+          <a:r>
+            <a:rPr lang="en-IN" sz="1800" dirty="0">
+              <a:latin typeface="Bahnschrift Light" panose="020B0502040204020203" pitchFamily="34" charset="0"/>
+            </a:rPr>
+            <a:t>- Needs adaptable, attachable design</a:t>
+          </a:r>
+        </a:p>
+        <a:p>
+          <a:pPr>
+            <a:buNone/>
+          </a:pPr>
+          <a:r>
+            <a:rPr lang="en-IN" sz="1800" dirty="0">
+              <a:latin typeface="Bahnschrift Light" panose="020B0502040204020203" pitchFamily="34" charset="0"/>
+            </a:rPr>
+            <a:t>- Needs convenient lids</a:t>
+          </a:r>
+        </a:p>
+        <a:p>
+          <a:pPr>
+            <a:buNone/>
+          </a:pPr>
+          <a:r>
+            <a:rPr lang="en-IN" sz="1800" dirty="0">
+              <a:latin typeface="Bahnschrift Light" panose="020B0502040204020203" pitchFamily="34" charset="0"/>
+            </a:rPr>
+            <a:t>- Low steepness openings required</a:t>
+          </a:r>
+        </a:p>
+        <a:p>
+          <a:pPr>
+            <a:buNone/>
+          </a:pPr>
+          <a:r>
+            <a:rPr lang="en-IN" sz="1800" dirty="0">
+              <a:latin typeface="Bahnschrift Light" panose="020B0502040204020203" pitchFamily="34" charset="0"/>
+            </a:rPr>
+            <a:t>- Color + text cues required</a:t>
+          </a:r>
+        </a:p>
+        <a:p>
+          <a:pPr>
+            <a:buNone/>
+          </a:pPr>
+          <a:endParaRPr lang="en-IN" sz="1800" dirty="0">
+            <a:latin typeface="Bahnschrift Light" panose="020B0502040204020203" pitchFamily="34" charset="0"/>
+          </a:endParaRPr>
+        </a:p>
+      </dgm:t>
+    </dgm:pt>
+    <dgm:pt modelId="{50875454-A970-491E-9B6F-755CE65E4A14}" type="parTrans" cxnId="{1268A425-5A75-4D04-9C63-C83E12E60229}">
+      <dgm:prSet/>
+      <dgm:spPr/>
+      <dgm:t>
+        <a:bodyPr/>
+        <a:lstStyle/>
+        <a:p>
+          <a:endParaRPr lang="en-IN" sz="2000">
+            <a:latin typeface="Bahnschrift Light" panose="020B0502040204020203" pitchFamily="34" charset="0"/>
+          </a:endParaRPr>
+        </a:p>
+      </dgm:t>
+    </dgm:pt>
+    <dgm:pt modelId="{CA1EDF66-E1B2-4584-9710-B3DA8F8644FB}" type="sibTrans" cxnId="{1268A425-5A75-4D04-9C63-C83E12E60229}">
+      <dgm:prSet/>
+      <dgm:spPr/>
+      <dgm:t>
+        <a:bodyPr/>
+        <a:lstStyle/>
+        <a:p>
+          <a:endParaRPr lang="en-IN" sz="2000">
+            <a:latin typeface="Bahnschrift Light" panose="020B0502040204020203" pitchFamily="34" charset="0"/>
+          </a:endParaRPr>
+        </a:p>
+      </dgm:t>
+    </dgm:pt>
+    <dgm:pt modelId="{1CD9069F-C3DE-482D-B021-6BC08AF3D27E}">
+      <dgm:prSet custT="1"/>
+      <dgm:spPr/>
+      <dgm:t>
+        <a:bodyPr/>
+        <a:lstStyle/>
+        <a:p>
+          <a:pPr>
+            <a:buFont typeface="Arial" panose="020B0604020202020204" pitchFamily="34" charset="0"/>
+            <a:buChar char="•"/>
+          </a:pPr>
+          <a:r>
+            <a:rPr lang="en-IN" sz="1800" dirty="0">
+              <a:latin typeface="Bahnschrift Light" panose="020B0502040204020203" pitchFamily="34" charset="0"/>
+            </a:rPr>
+            <a:t>- Needs modularity</a:t>
+          </a:r>
+        </a:p>
+      </dgm:t>
+    </dgm:pt>
+    <dgm:pt modelId="{F5E4815E-5E34-437A-9C18-057C671D89AE}" type="parTrans" cxnId="{CAFABA4A-10F1-4FA8-807A-9E45388805C4}">
+      <dgm:prSet/>
+      <dgm:spPr/>
+      <dgm:t>
+        <a:bodyPr/>
+        <a:lstStyle/>
+        <a:p>
+          <a:endParaRPr lang="en-IN"/>
+        </a:p>
+      </dgm:t>
+    </dgm:pt>
+    <dgm:pt modelId="{BF1C0193-89C2-4350-BE76-EDB339F1AE29}" type="sibTrans" cxnId="{CAFABA4A-10F1-4FA8-807A-9E45388805C4}">
+      <dgm:prSet/>
+      <dgm:spPr/>
+      <dgm:t>
+        <a:bodyPr/>
+        <a:lstStyle/>
+        <a:p>
+          <a:endParaRPr lang="en-IN"/>
+        </a:p>
+      </dgm:t>
+    </dgm:pt>
+    <dgm:pt modelId="{BA7E3C19-211F-4B56-92F8-C72A7CCD7BDB}">
+      <dgm:prSet custT="1"/>
+      <dgm:spPr/>
+      <dgm:t>
+        <a:bodyPr/>
+        <a:lstStyle/>
+        <a:p>
+          <a:pPr>
+            <a:buFont typeface="Arial" panose="020B0604020202020204" pitchFamily="34" charset="0"/>
+            <a:buChar char="•"/>
+          </a:pPr>
+          <a:r>
+            <a:rPr lang="en-IN" sz="1800" dirty="0">
+              <a:latin typeface="Bahnschrift Light" panose="020B0502040204020203" pitchFamily="34" charset="0"/>
+            </a:rPr>
+            <a:t>- Needs floor-wise sorting</a:t>
+          </a:r>
+        </a:p>
+      </dgm:t>
+    </dgm:pt>
+    <dgm:pt modelId="{DBB6E0A4-BB0E-4028-BDFD-B994EE2785B4}" type="parTrans" cxnId="{6BC726E7-4FE5-4C3F-85D8-4808778B5FB7}">
+      <dgm:prSet/>
+      <dgm:spPr/>
+      <dgm:t>
+        <a:bodyPr/>
+        <a:lstStyle/>
+        <a:p>
+          <a:endParaRPr lang="en-IN"/>
+        </a:p>
+      </dgm:t>
+    </dgm:pt>
+    <dgm:pt modelId="{C3A5FAA3-CF47-4B34-8E4A-78B3E4BC9998}" type="sibTrans" cxnId="{6BC726E7-4FE5-4C3F-85D8-4808778B5FB7}">
+      <dgm:prSet/>
+      <dgm:spPr/>
+      <dgm:t>
+        <a:bodyPr/>
+        <a:lstStyle/>
+        <a:p>
+          <a:endParaRPr lang="en-IN"/>
+        </a:p>
+      </dgm:t>
+    </dgm:pt>
+    <dgm:pt modelId="{929761D0-F410-434B-883E-51109707E080}">
+      <dgm:prSet custT="1"/>
+      <dgm:spPr/>
+      <dgm:t>
+        <a:bodyPr/>
+        <a:lstStyle/>
+        <a:p>
+          <a:pPr>
+            <a:buFont typeface="Arial" panose="020B0604020202020204" pitchFamily="34" charset="0"/>
+            <a:buChar char="•"/>
+          </a:pPr>
+          <a:r>
+            <a:rPr lang="en-IN" sz="1800" dirty="0">
+              <a:latin typeface="Bahnschrift Light" panose="020B0502040204020203" pitchFamily="34" charset="0"/>
+            </a:rPr>
+            <a:t>- Not enough segregation push</a:t>
+          </a:r>
+        </a:p>
+      </dgm:t>
+    </dgm:pt>
+    <dgm:pt modelId="{2C513E99-6B04-42DC-825D-B3499D1525AB}" type="parTrans" cxnId="{FD778E5F-8A5F-43CB-864A-6C2279B5ED44}">
+      <dgm:prSet/>
+      <dgm:spPr/>
+      <dgm:t>
+        <a:bodyPr/>
+        <a:lstStyle/>
+        <a:p>
+          <a:endParaRPr lang="en-IN"/>
+        </a:p>
+      </dgm:t>
+    </dgm:pt>
+    <dgm:pt modelId="{3AF68CFB-D0D3-4A4D-9771-0EE37C4DD428}" type="sibTrans" cxnId="{FD778E5F-8A5F-43CB-864A-6C2279B5ED44}">
+      <dgm:prSet/>
+      <dgm:spPr/>
+      <dgm:t>
+        <a:bodyPr/>
+        <a:lstStyle/>
+        <a:p>
+          <a:endParaRPr lang="en-IN"/>
+        </a:p>
+      </dgm:t>
+    </dgm:pt>
+    <dgm:pt modelId="{F7469256-D16F-4361-BD83-37A97F51CB48}">
+      <dgm:prSet custT="1"/>
+      <dgm:spPr/>
+      <dgm:t>
+        <a:bodyPr/>
+        <a:lstStyle/>
+        <a:p>
+          <a:pPr>
+            <a:buNone/>
+          </a:pPr>
+          <a:r>
+            <a:rPr lang="en-IN" sz="1800" dirty="0">
+              <a:latin typeface="Bahnschrift Light" panose="020B0502040204020203" pitchFamily="34" charset="0"/>
+            </a:rPr>
+            <a:t>- Lids are badly designed due to vertical openings</a:t>
+          </a:r>
+        </a:p>
+        <a:p>
+          <a:pPr>
+            <a:buNone/>
+          </a:pPr>
+          <a:r>
+            <a:rPr lang="en-IN" sz="1800" dirty="0">
+              <a:latin typeface="Bahnschrift Light" panose="020B0502040204020203" pitchFamily="34" charset="0"/>
+            </a:rPr>
+            <a:t>- Need to hide trash</a:t>
+          </a:r>
+        </a:p>
+      </dgm:t>
+    </dgm:pt>
+    <dgm:pt modelId="{928D5AEA-B86D-43EE-B8DD-1BF2D5D3F9D1}" type="parTrans" cxnId="{58B56558-C91A-4C32-88A1-FD870FB4950F}">
+      <dgm:prSet/>
+      <dgm:spPr/>
+      <dgm:t>
+        <a:bodyPr/>
+        <a:lstStyle/>
+        <a:p>
+          <a:endParaRPr lang="en-IN"/>
+        </a:p>
+      </dgm:t>
+    </dgm:pt>
+    <dgm:pt modelId="{E7DCBF9C-C9DF-4602-81B7-868929C0DEA6}" type="sibTrans" cxnId="{58B56558-C91A-4C32-88A1-FD870FB4950F}">
+      <dgm:prSet/>
+      <dgm:spPr/>
+      <dgm:t>
+        <a:bodyPr/>
+        <a:lstStyle/>
+        <a:p>
+          <a:endParaRPr lang="en-IN"/>
+        </a:p>
+      </dgm:t>
+    </dgm:pt>
+    <dgm:pt modelId="{20BD7547-CD38-4015-BD0B-9038FF9FC4CA}">
+      <dgm:prSet custT="1"/>
+      <dgm:spPr/>
+      <dgm:t>
+        <a:bodyPr/>
+        <a:lstStyle/>
+        <a:p>
+          <a:r>
+            <a:rPr lang="en-IN" sz="1800" dirty="0">
+              <a:latin typeface="Bahnschrift Light" panose="020B0502040204020203" pitchFamily="34" charset="0"/>
+            </a:rPr>
+            <a:t>- Hygiene issues due to insects</a:t>
+          </a:r>
+        </a:p>
+      </dgm:t>
+    </dgm:pt>
+    <dgm:pt modelId="{9F407EC3-ACDF-4210-92CC-9B97875E44AB}" type="parTrans" cxnId="{01997FD2-DB70-4B4C-A27B-F5C531AFBD68}">
+      <dgm:prSet/>
+      <dgm:spPr/>
+      <dgm:t>
+        <a:bodyPr/>
+        <a:lstStyle/>
+        <a:p>
+          <a:endParaRPr lang="en-IN"/>
+        </a:p>
+      </dgm:t>
+    </dgm:pt>
+    <dgm:pt modelId="{48B27455-8F4E-4FDE-B6C3-4DFEDFADC21A}" type="sibTrans" cxnId="{01997FD2-DB70-4B4C-A27B-F5C531AFBD68}">
+      <dgm:prSet/>
+      <dgm:spPr/>
+      <dgm:t>
+        <a:bodyPr/>
+        <a:lstStyle/>
+        <a:p>
+          <a:endParaRPr lang="en-IN"/>
+        </a:p>
+      </dgm:t>
+    </dgm:pt>
+    <dgm:pt modelId="{860DEE3D-D69B-45FE-BB74-7207CCD622FE}" type="pres">
+      <dgm:prSet presAssocID="{DF2E88BD-932F-4595-A6D4-BDEB685AD5D5}" presName="Name0" presStyleCnt="0">
+        <dgm:presLayoutVars>
+          <dgm:dir/>
+          <dgm:animLvl val="lvl"/>
+          <dgm:resizeHandles val="exact"/>
+        </dgm:presLayoutVars>
+      </dgm:prSet>
+      <dgm:spPr/>
+    </dgm:pt>
+    <dgm:pt modelId="{8BA19FFB-8EE7-44B2-96FD-62E2C25E32F5}" type="pres">
+      <dgm:prSet presAssocID="{6E395BA6-5BD8-45F0-9ED4-E803485B103C}" presName="compositeNode" presStyleCnt="0">
+        <dgm:presLayoutVars>
+          <dgm:bulletEnabled val="1"/>
+        </dgm:presLayoutVars>
+      </dgm:prSet>
+      <dgm:spPr/>
+    </dgm:pt>
+    <dgm:pt modelId="{C0BF0F7F-FB56-4493-998C-DF6119D6A742}" type="pres">
+      <dgm:prSet presAssocID="{6E395BA6-5BD8-45F0-9ED4-E803485B103C}" presName="bgRect" presStyleLbl="node1" presStyleIdx="0" presStyleCnt="3"/>
+      <dgm:spPr/>
+    </dgm:pt>
+    <dgm:pt modelId="{A9DC81BC-3F2A-4BE9-8AE3-59A46CB8BA97}" type="pres">
+      <dgm:prSet presAssocID="{6E395BA6-5BD8-45F0-9ED4-E803485B103C}" presName="parentNode" presStyleLbl="node1" presStyleIdx="0" presStyleCnt="3">
+        <dgm:presLayoutVars>
+          <dgm:chMax val="0"/>
+          <dgm:bulletEnabled val="1"/>
+        </dgm:presLayoutVars>
+      </dgm:prSet>
+      <dgm:spPr/>
+    </dgm:pt>
+    <dgm:pt modelId="{E5D47C8C-A4F0-4230-ACD6-EECECED82EF0}" type="pres">
+      <dgm:prSet presAssocID="{6E395BA6-5BD8-45F0-9ED4-E803485B103C}" presName="childNode" presStyleLbl="node1" presStyleIdx="0" presStyleCnt="3">
+        <dgm:presLayoutVars>
+          <dgm:bulletEnabled val="1"/>
+        </dgm:presLayoutVars>
+      </dgm:prSet>
+      <dgm:spPr/>
+    </dgm:pt>
+    <dgm:pt modelId="{0D115710-05C8-4233-A4DC-828615A06049}" type="pres">
+      <dgm:prSet presAssocID="{62C6AB51-91E1-459D-BB7B-5E9A8D636CDB}" presName="hSp" presStyleCnt="0"/>
+      <dgm:spPr/>
+    </dgm:pt>
+    <dgm:pt modelId="{4F21BAE7-54EF-4CB5-B7E7-BE1D9EDAA7F4}" type="pres">
+      <dgm:prSet presAssocID="{62C6AB51-91E1-459D-BB7B-5E9A8D636CDB}" presName="vProcSp" presStyleCnt="0"/>
+      <dgm:spPr/>
+    </dgm:pt>
+    <dgm:pt modelId="{E41C0927-7DE0-420B-92D1-A85B693C7FE7}" type="pres">
+      <dgm:prSet presAssocID="{62C6AB51-91E1-459D-BB7B-5E9A8D636CDB}" presName="vSp1" presStyleCnt="0"/>
+      <dgm:spPr/>
+    </dgm:pt>
+    <dgm:pt modelId="{6145A5F3-9CA4-452B-9F6E-CA540C6F654A}" type="pres">
+      <dgm:prSet presAssocID="{62C6AB51-91E1-459D-BB7B-5E9A8D636CDB}" presName="simulatedConn" presStyleLbl="solidFgAcc1" presStyleIdx="0" presStyleCnt="2"/>
+      <dgm:spPr/>
+    </dgm:pt>
+    <dgm:pt modelId="{9D702148-EA4A-4489-881B-E862590585FD}" type="pres">
+      <dgm:prSet presAssocID="{62C6AB51-91E1-459D-BB7B-5E9A8D636CDB}" presName="vSp2" presStyleCnt="0"/>
+      <dgm:spPr/>
+    </dgm:pt>
+    <dgm:pt modelId="{7F7A2F76-2564-4AE1-9742-18D8D6875C1E}" type="pres">
+      <dgm:prSet presAssocID="{62C6AB51-91E1-459D-BB7B-5E9A8D636CDB}" presName="sibTrans" presStyleCnt="0"/>
+      <dgm:spPr/>
+    </dgm:pt>
+    <dgm:pt modelId="{F91C0C24-3B3B-48E8-9F02-EDF96786DB18}" type="pres">
+      <dgm:prSet presAssocID="{4057F4D8-C6B8-465F-A693-11A8E8F57FFB}" presName="compositeNode" presStyleCnt="0">
+        <dgm:presLayoutVars>
+          <dgm:bulletEnabled val="1"/>
+        </dgm:presLayoutVars>
+      </dgm:prSet>
+      <dgm:spPr/>
+    </dgm:pt>
+    <dgm:pt modelId="{5B023AAA-8506-42F7-8B21-FF9FEB2C56B0}" type="pres">
+      <dgm:prSet presAssocID="{4057F4D8-C6B8-465F-A693-11A8E8F57FFB}" presName="bgRect" presStyleLbl="node1" presStyleIdx="1" presStyleCnt="3"/>
+      <dgm:spPr/>
+    </dgm:pt>
+    <dgm:pt modelId="{C3B0B2C3-8594-45F7-891B-E9161F2387D6}" type="pres">
+      <dgm:prSet presAssocID="{4057F4D8-C6B8-465F-A693-11A8E8F57FFB}" presName="parentNode" presStyleLbl="node1" presStyleIdx="1" presStyleCnt="3">
+        <dgm:presLayoutVars>
+          <dgm:chMax val="0"/>
+          <dgm:bulletEnabled val="1"/>
+        </dgm:presLayoutVars>
+      </dgm:prSet>
+      <dgm:spPr/>
+    </dgm:pt>
+    <dgm:pt modelId="{2818BF0F-F524-4FB1-AE33-58BCE6CD0685}" type="pres">
+      <dgm:prSet presAssocID="{4057F4D8-C6B8-465F-A693-11A8E8F57FFB}" presName="childNode" presStyleLbl="node1" presStyleIdx="1" presStyleCnt="3">
+        <dgm:presLayoutVars>
+          <dgm:bulletEnabled val="1"/>
+        </dgm:presLayoutVars>
+      </dgm:prSet>
+      <dgm:spPr/>
+    </dgm:pt>
+    <dgm:pt modelId="{4875D8B4-6091-42E5-8960-EBF7ACCC6ED2}" type="pres">
+      <dgm:prSet presAssocID="{1BDC2697-6C4B-4AD9-8B9D-4E0F1175FF72}" presName="hSp" presStyleCnt="0"/>
+      <dgm:spPr/>
+    </dgm:pt>
+    <dgm:pt modelId="{843323B1-5D58-4D7B-BEBA-1A98E6DAAD2B}" type="pres">
+      <dgm:prSet presAssocID="{1BDC2697-6C4B-4AD9-8B9D-4E0F1175FF72}" presName="vProcSp" presStyleCnt="0"/>
+      <dgm:spPr/>
+    </dgm:pt>
+    <dgm:pt modelId="{57A8A524-652B-4957-B429-9F9E048A81D9}" type="pres">
+      <dgm:prSet presAssocID="{1BDC2697-6C4B-4AD9-8B9D-4E0F1175FF72}" presName="vSp1" presStyleCnt="0"/>
+      <dgm:spPr/>
+    </dgm:pt>
+    <dgm:pt modelId="{F0F4B03F-36E6-4A52-85A0-1F945BA14A7B}" type="pres">
+      <dgm:prSet presAssocID="{1BDC2697-6C4B-4AD9-8B9D-4E0F1175FF72}" presName="simulatedConn" presStyleLbl="solidFgAcc1" presStyleIdx="1" presStyleCnt="2"/>
+      <dgm:spPr/>
+    </dgm:pt>
+    <dgm:pt modelId="{D9311087-9BF4-4D2B-87D7-1D66D29806C1}" type="pres">
+      <dgm:prSet presAssocID="{1BDC2697-6C4B-4AD9-8B9D-4E0F1175FF72}" presName="vSp2" presStyleCnt="0"/>
+      <dgm:spPr/>
+    </dgm:pt>
+    <dgm:pt modelId="{5BE41090-40A5-48C9-899D-AE49E3F12E26}" type="pres">
+      <dgm:prSet presAssocID="{1BDC2697-6C4B-4AD9-8B9D-4E0F1175FF72}" presName="sibTrans" presStyleCnt="0"/>
+      <dgm:spPr/>
+    </dgm:pt>
+    <dgm:pt modelId="{465FD491-121F-45EF-A86F-F537958AA108}" type="pres">
+      <dgm:prSet presAssocID="{7F896003-D456-435B-8DA1-FC0080F337A8}" presName="compositeNode" presStyleCnt="0">
+        <dgm:presLayoutVars>
+          <dgm:bulletEnabled val="1"/>
+        </dgm:presLayoutVars>
+      </dgm:prSet>
+      <dgm:spPr/>
+    </dgm:pt>
+    <dgm:pt modelId="{F3E78AF8-A999-46B0-9F9F-7FB1913EA98C}" type="pres">
+      <dgm:prSet presAssocID="{7F896003-D456-435B-8DA1-FC0080F337A8}" presName="bgRect" presStyleLbl="node1" presStyleIdx="2" presStyleCnt="3"/>
+      <dgm:spPr/>
+    </dgm:pt>
+    <dgm:pt modelId="{8B6EBF78-2E91-46BF-B44C-792CA6FA45CD}" type="pres">
+      <dgm:prSet presAssocID="{7F896003-D456-435B-8DA1-FC0080F337A8}" presName="parentNode" presStyleLbl="node1" presStyleIdx="2" presStyleCnt="3">
+        <dgm:presLayoutVars>
+          <dgm:chMax val="0"/>
+          <dgm:bulletEnabled val="1"/>
+        </dgm:presLayoutVars>
+      </dgm:prSet>
+      <dgm:spPr/>
+    </dgm:pt>
+    <dgm:pt modelId="{722A917F-F4A7-4F5B-AD4D-63C4A5061E43}" type="pres">
+      <dgm:prSet presAssocID="{7F896003-D456-435B-8DA1-FC0080F337A8}" presName="childNode" presStyleLbl="node1" presStyleIdx="2" presStyleCnt="3">
+        <dgm:presLayoutVars>
+          <dgm:bulletEnabled val="1"/>
+        </dgm:presLayoutVars>
+      </dgm:prSet>
+      <dgm:spPr/>
+    </dgm:pt>
+  </dgm:ptLst>
+  <dgm:cxnLst>
+    <dgm:cxn modelId="{91388E0B-E062-488F-A2F5-D28C7BAC49B4}" type="presOf" srcId="{6E395BA6-5BD8-45F0-9ED4-E803485B103C}" destId="{A9DC81BC-3F2A-4BE9-8AE3-59A46CB8BA97}" srcOrd="1" destOrd="0" presId="urn:microsoft.com/office/officeart/2005/8/layout/hProcess7"/>
+    <dgm:cxn modelId="{D79C5D14-AFF9-4C7D-8317-28142F28853A}" srcId="{DF2E88BD-932F-4595-A6D4-BDEB685AD5D5}" destId="{7F896003-D456-435B-8DA1-FC0080F337A8}" srcOrd="2" destOrd="0" parTransId="{EF30EC9F-E6F2-4164-B9B1-7A1F12F42DB3}" sibTransId="{39F19C32-5805-486A-9F62-1FB272685044}"/>
+    <dgm:cxn modelId="{1268A425-5A75-4D04-9C63-C83E12E60229}" srcId="{7F896003-D456-435B-8DA1-FC0080F337A8}" destId="{1A068659-B68C-4E37-8E92-78DBA5C9F7B9}" srcOrd="0" destOrd="0" parTransId="{50875454-A970-491E-9B6F-755CE65E4A14}" sibTransId="{CA1EDF66-E1B2-4584-9710-B3DA8F8644FB}"/>
+    <dgm:cxn modelId="{67B7562B-5CFE-496B-934B-FB530F347CD6}" type="presOf" srcId="{929761D0-F410-434B-883E-51109707E080}" destId="{E5D47C8C-A4F0-4230-ACD6-EECECED82EF0}" srcOrd="0" destOrd="3" presId="urn:microsoft.com/office/officeart/2005/8/layout/hProcess7"/>
+    <dgm:cxn modelId="{ED92172D-685A-43A3-99DB-87D0A2D99D4D}" srcId="{6E395BA6-5BD8-45F0-9ED4-E803485B103C}" destId="{EB949AF4-38BD-47F8-8EEE-88B81BDF8D4C}" srcOrd="0" destOrd="0" parTransId="{7B185384-5E0F-47EE-BBDB-6ACF693B9B66}" sibTransId="{3125341C-FC0E-4FFE-AED5-8F67E3A66DE3}"/>
+    <dgm:cxn modelId="{1ECA0A2E-306D-46BF-B95F-0D22F313419F}" type="presOf" srcId="{D40FB409-9552-41C2-81C2-AC9CC6F06D5A}" destId="{2818BF0F-F524-4FB1-AE33-58BCE6CD0685}" srcOrd="0" destOrd="0" presId="urn:microsoft.com/office/officeart/2005/8/layout/hProcess7"/>
+    <dgm:cxn modelId="{FD778E5F-8A5F-43CB-864A-6C2279B5ED44}" srcId="{6E395BA6-5BD8-45F0-9ED4-E803485B103C}" destId="{929761D0-F410-434B-883E-51109707E080}" srcOrd="3" destOrd="0" parTransId="{2C513E99-6B04-42DC-825D-B3499D1525AB}" sibTransId="{3AF68CFB-D0D3-4A4D-9771-0EE37C4DD428}"/>
+    <dgm:cxn modelId="{CAFABA4A-10F1-4FA8-807A-9E45388805C4}" srcId="{6E395BA6-5BD8-45F0-9ED4-E803485B103C}" destId="{1CD9069F-C3DE-482D-B021-6BC08AF3D27E}" srcOrd="1" destOrd="0" parTransId="{F5E4815E-5E34-437A-9C18-057C671D89AE}" sibTransId="{BF1C0193-89C2-4350-BE76-EDB339F1AE29}"/>
+    <dgm:cxn modelId="{2C860C4B-4B2D-4651-811D-911F051E295B}" type="presOf" srcId="{DF2E88BD-932F-4595-A6D4-BDEB685AD5D5}" destId="{860DEE3D-D69B-45FE-BB74-7207CCD622FE}" srcOrd="0" destOrd="0" presId="urn:microsoft.com/office/officeart/2005/8/layout/hProcess7"/>
+    <dgm:cxn modelId="{215C7A6E-AF3E-46BC-8247-91AB80AAFCE8}" type="presOf" srcId="{7F896003-D456-435B-8DA1-FC0080F337A8}" destId="{8B6EBF78-2E91-46BF-B44C-792CA6FA45CD}" srcOrd="1" destOrd="0" presId="urn:microsoft.com/office/officeart/2005/8/layout/hProcess7"/>
+    <dgm:cxn modelId="{ED9CD052-2F3D-4F4D-BD75-9B5582D127FE}" srcId="{DF2E88BD-932F-4595-A6D4-BDEB685AD5D5}" destId="{6E395BA6-5BD8-45F0-9ED4-E803485B103C}" srcOrd="0" destOrd="0" parTransId="{FCC45686-E550-4A45-8BC4-EE5F00F2C2CF}" sibTransId="{62C6AB51-91E1-459D-BB7B-5E9A8D636CDB}"/>
+    <dgm:cxn modelId="{58B56558-C91A-4C32-88A1-FD870FB4950F}" srcId="{4057F4D8-C6B8-465F-A693-11A8E8F57FFB}" destId="{F7469256-D16F-4361-BD83-37A97F51CB48}" srcOrd="1" destOrd="0" parTransId="{928D5AEA-B86D-43EE-B8DD-1BF2D5D3F9D1}" sibTransId="{E7DCBF9C-C9DF-4602-81B7-868929C0DEA6}"/>
+    <dgm:cxn modelId="{FE7E2D80-94B2-437E-BD8F-F582F963DCF7}" type="presOf" srcId="{1A068659-B68C-4E37-8E92-78DBA5C9F7B9}" destId="{722A917F-F4A7-4F5B-AD4D-63C4A5061E43}" srcOrd="0" destOrd="0" presId="urn:microsoft.com/office/officeart/2005/8/layout/hProcess7"/>
+    <dgm:cxn modelId="{4D484782-91EA-4E79-9C1F-CB3993C48187}" type="presOf" srcId="{1CD9069F-C3DE-482D-B021-6BC08AF3D27E}" destId="{E5D47C8C-A4F0-4230-ACD6-EECECED82EF0}" srcOrd="0" destOrd="1" presId="urn:microsoft.com/office/officeart/2005/8/layout/hProcess7"/>
+    <dgm:cxn modelId="{23461C8E-10B8-4F35-B6B0-783416A8A170}" srcId="{DF2E88BD-932F-4595-A6D4-BDEB685AD5D5}" destId="{4057F4D8-C6B8-465F-A693-11A8E8F57FFB}" srcOrd="1" destOrd="0" parTransId="{6F129044-359B-47D5-82C6-D81EB5DD974D}" sibTransId="{1BDC2697-6C4B-4AD9-8B9D-4E0F1175FF72}"/>
+    <dgm:cxn modelId="{474EF795-102F-4EA8-8411-DD15BC052D37}" srcId="{4057F4D8-C6B8-465F-A693-11A8E8F57FFB}" destId="{D40FB409-9552-41C2-81C2-AC9CC6F06D5A}" srcOrd="0" destOrd="0" parTransId="{7ECFE9F3-72E8-4E29-B1FD-4AD1CF193B7C}" sibTransId="{E63B9ED3-0208-4482-912E-1D8C60B89A37}"/>
+    <dgm:cxn modelId="{8C09BDA1-AF90-4C1B-B8E3-0C67AB3A7B6A}" type="presOf" srcId="{F7469256-D16F-4361-BD83-37A97F51CB48}" destId="{2818BF0F-F524-4FB1-AE33-58BCE6CD0685}" srcOrd="0" destOrd="1" presId="urn:microsoft.com/office/officeart/2005/8/layout/hProcess7"/>
+    <dgm:cxn modelId="{B5897AC0-9532-43DC-AEAD-76E1FA520F38}" type="presOf" srcId="{7F896003-D456-435B-8DA1-FC0080F337A8}" destId="{F3E78AF8-A999-46B0-9F9F-7FB1913EA98C}" srcOrd="0" destOrd="0" presId="urn:microsoft.com/office/officeart/2005/8/layout/hProcess7"/>
+    <dgm:cxn modelId="{F17960C2-B88F-41BE-9B72-1B54945E9DE8}" type="presOf" srcId="{4057F4D8-C6B8-465F-A693-11A8E8F57FFB}" destId="{C3B0B2C3-8594-45F7-891B-E9161F2387D6}" srcOrd="1" destOrd="0" presId="urn:microsoft.com/office/officeart/2005/8/layout/hProcess7"/>
+    <dgm:cxn modelId="{0EC753C6-D8CB-476C-BE22-E39B68222C5C}" type="presOf" srcId="{BA7E3C19-211F-4B56-92F8-C72A7CCD7BDB}" destId="{E5D47C8C-A4F0-4230-ACD6-EECECED82EF0}" srcOrd="0" destOrd="2" presId="urn:microsoft.com/office/officeart/2005/8/layout/hProcess7"/>
+    <dgm:cxn modelId="{01997FD2-DB70-4B4C-A27B-F5C531AFBD68}" srcId="{4057F4D8-C6B8-465F-A693-11A8E8F57FFB}" destId="{20BD7547-CD38-4015-BD0B-9038FF9FC4CA}" srcOrd="2" destOrd="0" parTransId="{9F407EC3-ACDF-4210-92CC-9B97875E44AB}" sibTransId="{48B27455-8F4E-4FDE-B6C3-4DFEDFADC21A}"/>
+    <dgm:cxn modelId="{DA9DA4D8-FA70-4D17-B317-0E620E9E9B28}" type="presOf" srcId="{20BD7547-CD38-4015-BD0B-9038FF9FC4CA}" destId="{2818BF0F-F524-4FB1-AE33-58BCE6CD0685}" srcOrd="0" destOrd="2" presId="urn:microsoft.com/office/officeart/2005/8/layout/hProcess7"/>
+    <dgm:cxn modelId="{792A9BDB-0C7A-40DD-A595-CCA77EB2A135}" type="presOf" srcId="{6E395BA6-5BD8-45F0-9ED4-E803485B103C}" destId="{C0BF0F7F-FB56-4493-998C-DF6119D6A742}" srcOrd="0" destOrd="0" presId="urn:microsoft.com/office/officeart/2005/8/layout/hProcess7"/>
+    <dgm:cxn modelId="{6BC726E7-4FE5-4C3F-85D8-4808778B5FB7}" srcId="{6E395BA6-5BD8-45F0-9ED4-E803485B103C}" destId="{BA7E3C19-211F-4B56-92F8-C72A7CCD7BDB}" srcOrd="2" destOrd="0" parTransId="{DBB6E0A4-BB0E-4028-BDFD-B994EE2785B4}" sibTransId="{C3A5FAA3-CF47-4B34-8E4A-78B3E4BC9998}"/>
+    <dgm:cxn modelId="{AB8236F4-FC8E-4D14-BE78-7269F5AD9021}" type="presOf" srcId="{4057F4D8-C6B8-465F-A693-11A8E8F57FFB}" destId="{5B023AAA-8506-42F7-8B21-FF9FEB2C56B0}" srcOrd="0" destOrd="0" presId="urn:microsoft.com/office/officeart/2005/8/layout/hProcess7"/>
+    <dgm:cxn modelId="{D8DDEDFD-CDCB-4E23-B3CB-03AABD10539D}" type="presOf" srcId="{EB949AF4-38BD-47F8-8EEE-88B81BDF8D4C}" destId="{E5D47C8C-A4F0-4230-ACD6-EECECED82EF0}" srcOrd="0" destOrd="0" presId="urn:microsoft.com/office/officeart/2005/8/layout/hProcess7"/>
+    <dgm:cxn modelId="{F03501A5-EDF8-4BFB-9B8E-E54194BC316D}" type="presParOf" srcId="{860DEE3D-D69B-45FE-BB74-7207CCD622FE}" destId="{8BA19FFB-8EE7-44B2-96FD-62E2C25E32F5}" srcOrd="0" destOrd="0" presId="urn:microsoft.com/office/officeart/2005/8/layout/hProcess7"/>
+    <dgm:cxn modelId="{26F5C568-0E20-4978-AD84-3A528B1DA2AF}" type="presParOf" srcId="{8BA19FFB-8EE7-44B2-96FD-62E2C25E32F5}" destId="{C0BF0F7F-FB56-4493-998C-DF6119D6A742}" srcOrd="0" destOrd="0" presId="urn:microsoft.com/office/officeart/2005/8/layout/hProcess7"/>
+    <dgm:cxn modelId="{468EE0CF-975C-4E01-86C1-762C7FBF9509}" type="presParOf" srcId="{8BA19FFB-8EE7-44B2-96FD-62E2C25E32F5}" destId="{A9DC81BC-3F2A-4BE9-8AE3-59A46CB8BA97}" srcOrd="1" destOrd="0" presId="urn:microsoft.com/office/officeart/2005/8/layout/hProcess7"/>
+    <dgm:cxn modelId="{EAB97D00-A9F5-406F-B3B2-1CDB75707BFE}" type="presParOf" srcId="{8BA19FFB-8EE7-44B2-96FD-62E2C25E32F5}" destId="{E5D47C8C-A4F0-4230-ACD6-EECECED82EF0}" srcOrd="2" destOrd="0" presId="urn:microsoft.com/office/officeart/2005/8/layout/hProcess7"/>
+    <dgm:cxn modelId="{9F5F911D-58C5-42BC-A110-189F28FAB175}" type="presParOf" srcId="{860DEE3D-D69B-45FE-BB74-7207CCD622FE}" destId="{0D115710-05C8-4233-A4DC-828615A06049}" srcOrd="1" destOrd="0" presId="urn:microsoft.com/office/officeart/2005/8/layout/hProcess7"/>
+    <dgm:cxn modelId="{1CDF13B1-675D-48A5-9A75-3B9641DAA5ED}" type="presParOf" srcId="{860DEE3D-D69B-45FE-BB74-7207CCD622FE}" destId="{4F21BAE7-54EF-4CB5-B7E7-BE1D9EDAA7F4}" srcOrd="2" destOrd="0" presId="urn:microsoft.com/office/officeart/2005/8/layout/hProcess7"/>
+    <dgm:cxn modelId="{E9879C84-8025-4008-88CB-F16B1661F2E4}" type="presParOf" srcId="{4F21BAE7-54EF-4CB5-B7E7-BE1D9EDAA7F4}" destId="{E41C0927-7DE0-420B-92D1-A85B693C7FE7}" srcOrd="0" destOrd="0" presId="urn:microsoft.com/office/officeart/2005/8/layout/hProcess7"/>
+    <dgm:cxn modelId="{2E441896-BA57-4956-918D-024A292469DB}" type="presParOf" srcId="{4F21BAE7-54EF-4CB5-B7E7-BE1D9EDAA7F4}" destId="{6145A5F3-9CA4-452B-9F6E-CA540C6F654A}" srcOrd="1" destOrd="0" presId="urn:microsoft.com/office/officeart/2005/8/layout/hProcess7"/>
+    <dgm:cxn modelId="{28DAE493-061C-4DB5-9287-022D52ECC265}" type="presParOf" srcId="{4F21BAE7-54EF-4CB5-B7E7-BE1D9EDAA7F4}" destId="{9D702148-EA4A-4489-881B-E862590585FD}" srcOrd="2" destOrd="0" presId="urn:microsoft.com/office/officeart/2005/8/layout/hProcess7"/>
+    <dgm:cxn modelId="{76191861-44D9-4DEE-80E6-4E344720AA54}" type="presParOf" srcId="{860DEE3D-D69B-45FE-BB74-7207CCD622FE}" destId="{7F7A2F76-2564-4AE1-9742-18D8D6875C1E}" srcOrd="3" destOrd="0" presId="urn:microsoft.com/office/officeart/2005/8/layout/hProcess7"/>
+    <dgm:cxn modelId="{FC986471-BC6C-4E4C-9C85-086FDC319F4C}" type="presParOf" srcId="{860DEE3D-D69B-45FE-BB74-7207CCD622FE}" destId="{F91C0C24-3B3B-48E8-9F02-EDF96786DB18}" srcOrd="4" destOrd="0" presId="urn:microsoft.com/office/officeart/2005/8/layout/hProcess7"/>
+    <dgm:cxn modelId="{F9015CE3-7A92-4F58-9DD3-5E138F925D31}" type="presParOf" srcId="{F91C0C24-3B3B-48E8-9F02-EDF96786DB18}" destId="{5B023AAA-8506-42F7-8B21-FF9FEB2C56B0}" srcOrd="0" destOrd="0" presId="urn:microsoft.com/office/officeart/2005/8/layout/hProcess7"/>
+    <dgm:cxn modelId="{79D9E236-55CC-4AFE-A1ED-038354763984}" type="presParOf" srcId="{F91C0C24-3B3B-48E8-9F02-EDF96786DB18}" destId="{C3B0B2C3-8594-45F7-891B-E9161F2387D6}" srcOrd="1" destOrd="0" presId="urn:microsoft.com/office/officeart/2005/8/layout/hProcess7"/>
+    <dgm:cxn modelId="{8B89C206-8049-430C-8E94-B8309DEA9F4A}" type="presParOf" srcId="{F91C0C24-3B3B-48E8-9F02-EDF96786DB18}" destId="{2818BF0F-F524-4FB1-AE33-58BCE6CD0685}" srcOrd="2" destOrd="0" presId="urn:microsoft.com/office/officeart/2005/8/layout/hProcess7"/>
+    <dgm:cxn modelId="{5D3E77C1-204E-4ACF-9171-D109888CF020}" type="presParOf" srcId="{860DEE3D-D69B-45FE-BB74-7207CCD622FE}" destId="{4875D8B4-6091-42E5-8960-EBF7ACCC6ED2}" srcOrd="5" destOrd="0" presId="urn:microsoft.com/office/officeart/2005/8/layout/hProcess7"/>
+    <dgm:cxn modelId="{6A7878DD-1EB5-4FDC-BA9C-96F71D2BB86F}" type="presParOf" srcId="{860DEE3D-D69B-45FE-BB74-7207CCD622FE}" destId="{843323B1-5D58-4D7B-BEBA-1A98E6DAAD2B}" srcOrd="6" destOrd="0" presId="urn:microsoft.com/office/officeart/2005/8/layout/hProcess7"/>
+    <dgm:cxn modelId="{D936A123-4BAC-45F1-AAFC-335AC279A58A}" type="presParOf" srcId="{843323B1-5D58-4D7B-BEBA-1A98E6DAAD2B}" destId="{57A8A524-652B-4957-B429-9F9E048A81D9}" srcOrd="0" destOrd="0" presId="urn:microsoft.com/office/officeart/2005/8/layout/hProcess7"/>
+    <dgm:cxn modelId="{27B4829C-20CD-481C-9710-47775F95AC1B}" type="presParOf" srcId="{843323B1-5D58-4D7B-BEBA-1A98E6DAAD2B}" destId="{F0F4B03F-36E6-4A52-85A0-1F945BA14A7B}" srcOrd="1" destOrd="0" presId="urn:microsoft.com/office/officeart/2005/8/layout/hProcess7"/>
+    <dgm:cxn modelId="{2D946812-5B80-493E-85C8-73643E23A0C2}" type="presParOf" srcId="{843323B1-5D58-4D7B-BEBA-1A98E6DAAD2B}" destId="{D9311087-9BF4-4D2B-87D7-1D66D29806C1}" srcOrd="2" destOrd="0" presId="urn:microsoft.com/office/officeart/2005/8/layout/hProcess7"/>
+    <dgm:cxn modelId="{37D65C3B-25B5-46A2-9240-A96CF687F90F}" type="presParOf" srcId="{860DEE3D-D69B-45FE-BB74-7207CCD622FE}" destId="{5BE41090-40A5-48C9-899D-AE49E3F12E26}" srcOrd="7" destOrd="0" presId="urn:microsoft.com/office/officeart/2005/8/layout/hProcess7"/>
+    <dgm:cxn modelId="{94F15141-A969-42C5-82FA-3BE243B4DB93}" type="presParOf" srcId="{860DEE3D-D69B-45FE-BB74-7207CCD622FE}" destId="{465FD491-121F-45EF-A86F-F537958AA108}" srcOrd="8" destOrd="0" presId="urn:microsoft.com/office/officeart/2005/8/layout/hProcess7"/>
+    <dgm:cxn modelId="{4D88F87B-F552-4340-B74C-A221F03CE2A1}" type="presParOf" srcId="{465FD491-121F-45EF-A86F-F537958AA108}" destId="{F3E78AF8-A999-46B0-9F9F-7FB1913EA98C}" srcOrd="0" destOrd="0" presId="urn:microsoft.com/office/officeart/2005/8/layout/hProcess7"/>
+    <dgm:cxn modelId="{3C8635C7-FA33-499D-B084-296A31181F63}" type="presParOf" srcId="{465FD491-121F-45EF-A86F-F537958AA108}" destId="{8B6EBF78-2E91-46BF-B44C-792CA6FA45CD}" srcOrd="1" destOrd="0" presId="urn:microsoft.com/office/officeart/2005/8/layout/hProcess7"/>
+    <dgm:cxn modelId="{6C519EAE-020F-4DC8-A634-803EA3FFD925}" type="presParOf" srcId="{465FD491-121F-45EF-A86F-F537958AA108}" destId="{722A917F-F4A7-4F5B-AD4D-63C4A5061E43}" srcOrd="2" destOrd="0" presId="urn:microsoft.com/office/officeart/2005/8/layout/hProcess7"/>
+  </dgm:cxnLst>
+  <dgm:bg/>
+  <dgm:whole/>
+  <dgm:extLst>
+    <a:ext uri="http://schemas.microsoft.com/office/drawing/2008/diagram">
+      <dsp:dataModelExt xmlns:dsp="http://schemas.microsoft.com/office/drawing/2008/diagram" relId="rId6" minVer="http://schemas.openxmlformats.org/drawingml/2006/diagram"/>
+    </a:ext>
+  </dgm:extLst>
+</dgm:dataModel>
+</file>
+
+<file path=ppt/diagrams/drawing1.xml><?xml version="1.0" encoding="utf-8"?>
+<dsp:drawing xmlns:dgm="http://schemas.openxmlformats.org/drawingml/2006/diagram" xmlns:dsp="http://schemas.microsoft.com/office/drawing/2008/diagram" xmlns:a="http://schemas.openxmlformats.org/drawingml/2006/main">
+  <dsp:spTree>
+    <dsp:nvGrpSpPr>
+      <dsp:cNvPr id="0" name=""/>
+      <dsp:cNvGrpSpPr/>
+    </dsp:nvGrpSpPr>
+    <dsp:grpSpPr/>
+    <dsp:sp modelId="{C0BF0F7F-FB56-4493-998C-DF6119D6A742}">
+      <dsp:nvSpPr>
+        <dsp:cNvPr id="0" name=""/>
+        <dsp:cNvSpPr/>
+      </dsp:nvSpPr>
+      <dsp:spPr>
+        <a:xfrm>
+          <a:off x="614" y="1120747"/>
+          <a:ext cx="2646466" cy="3175760"/>
+        </a:xfrm>
+        <a:prstGeom prst="roundRect">
+          <a:avLst>
+            <a:gd name="adj" fmla="val 5000"/>
+          </a:avLst>
+        </a:prstGeom>
+        <a:solidFill>
+          <a:schemeClr val="accent2">
+            <a:shade val="50000"/>
+            <a:hueOff val="0"/>
+            <a:satOff val="0"/>
+            <a:lumOff val="0"/>
+            <a:alphaOff val="0"/>
+          </a:schemeClr>
+        </a:solidFill>
+        <a:ln w="12700" cap="flat" cmpd="sng" algn="ctr">
+          <a:solidFill>
+            <a:schemeClr val="lt1">
+              <a:hueOff val="0"/>
+              <a:satOff val="0"/>
+              <a:lumOff val="0"/>
+              <a:alphaOff val="0"/>
+            </a:schemeClr>
+          </a:solidFill>
+          <a:prstDash val="solid"/>
+          <a:miter lim="800000"/>
+        </a:ln>
+        <a:effectLst/>
+      </dsp:spPr>
+      <dsp:style>
+        <a:lnRef idx="2">
+          <a:scrgbClr r="0" g="0" b="0"/>
+        </a:lnRef>
+        <a:fillRef idx="1">
+          <a:scrgbClr r="0" g="0" b="0"/>
+        </a:fillRef>
+        <a:effectRef idx="0">
+          <a:scrgbClr r="0" g="0" b="0"/>
+        </a:effectRef>
+        <a:fontRef idx="minor">
+          <a:schemeClr val="lt1"/>
+        </a:fontRef>
+      </dsp:style>
+      <dsp:txBody>
+        <a:bodyPr spcFirstLastPara="0" vert="horz" wrap="square" lIns="0" tIns="68580" rIns="88900" bIns="0" numCol="1" spcCol="1270" anchor="t" anchorCtr="0">
+          <a:noAutofit/>
+        </a:bodyPr>
+        <a:lstStyle/>
+        <a:p>
+          <a:pPr marL="0" lvl="0" indent="0" algn="r" defTabSz="889000">
+            <a:lnSpc>
+              <a:spcPct val="90000"/>
+            </a:lnSpc>
+            <a:spcBef>
+              <a:spcPct val="0"/>
+            </a:spcBef>
+            <a:spcAft>
+              <a:spcPct val="35000"/>
+            </a:spcAft>
+            <a:buNone/>
+          </a:pPr>
+          <a:r>
+            <a:rPr lang="en-IN" sz="2000" kern="1200" dirty="0">
+              <a:solidFill>
+                <a:schemeClr val="accent2">
+                  <a:lumMod val="60000"/>
+                  <a:lumOff val="40000"/>
+                </a:schemeClr>
+              </a:solidFill>
+              <a:latin typeface="Bahnschrift Light" panose="020B0502040204020203" pitchFamily="34" charset="0"/>
+            </a:rPr>
+            <a:t>Iteration 1</a:t>
+          </a:r>
+        </a:p>
+      </dsp:txBody>
+      <dsp:txXfrm rot="16200000">
+        <a:off x="-1036799" y="2158162"/>
+        <a:ext cx="2604123" cy="529293"/>
+      </dsp:txXfrm>
+    </dsp:sp>
+    <dsp:sp modelId="{E5D47C8C-A4F0-4230-ACD6-EECECED82EF0}">
+      <dsp:nvSpPr>
+        <dsp:cNvPr id="0" name=""/>
+        <dsp:cNvSpPr/>
+      </dsp:nvSpPr>
+      <dsp:spPr>
+        <a:xfrm>
+          <a:off x="529908" y="1120747"/>
+          <a:ext cx="1971617" cy="3175760"/>
+        </a:xfrm>
+        <a:prstGeom prst="rect">
+          <a:avLst/>
+        </a:prstGeom>
+        <a:noFill/>
+        <a:ln w="12700" cap="flat" cmpd="sng" algn="ctr">
+          <a:noFill/>
+          <a:prstDash val="solid"/>
+          <a:miter lim="800000"/>
+        </a:ln>
+        <a:effectLst/>
+        <a:sp3d/>
+      </dsp:spPr>
+      <dsp:style>
+        <a:lnRef idx="2">
+          <a:scrgbClr r="0" g="0" b="0"/>
+        </a:lnRef>
+        <a:fillRef idx="1">
+          <a:scrgbClr r="0" g="0" b="0"/>
+        </a:fillRef>
+        <a:effectRef idx="0">
+          <a:scrgbClr r="0" g="0" b="0"/>
+        </a:effectRef>
+        <a:fontRef idx="minor">
+          <a:schemeClr val="lt1"/>
+        </a:fontRef>
+      </dsp:style>
+      <dsp:txBody>
+        <a:bodyPr spcFirstLastPara="0" vert="horz" wrap="square" lIns="0" tIns="61722" rIns="0" bIns="0" numCol="1" spcCol="1270" anchor="t" anchorCtr="0">
+          <a:noAutofit/>
+        </a:bodyPr>
+        <a:lstStyle/>
+        <a:p>
+          <a:pPr marL="0" lvl="0" indent="0" algn="l" defTabSz="800100">
+            <a:lnSpc>
+              <a:spcPct val="90000"/>
+            </a:lnSpc>
+            <a:spcBef>
+              <a:spcPct val="0"/>
+            </a:spcBef>
+            <a:spcAft>
+              <a:spcPct val="35000"/>
+            </a:spcAft>
+            <a:buFont typeface="Arial" panose="020B0604020202020204" pitchFamily="34" charset="0"/>
+            <a:buNone/>
+          </a:pPr>
+          <a:endParaRPr lang="en-IN" sz="1800" kern="1200" dirty="0">
+            <a:latin typeface="Bahnschrift Light" panose="020B0502040204020203" pitchFamily="34" charset="0"/>
+          </a:endParaRPr>
+        </a:p>
+        <a:p>
+          <a:pPr marL="0" lvl="0" indent="0" algn="l" defTabSz="800100">
+            <a:lnSpc>
+              <a:spcPct val="90000"/>
+            </a:lnSpc>
+            <a:spcBef>
+              <a:spcPct val="0"/>
+            </a:spcBef>
+            <a:spcAft>
+              <a:spcPct val="35000"/>
+            </a:spcAft>
+            <a:buFont typeface="Arial" panose="020B0604020202020204" pitchFamily="34" charset="0"/>
+            <a:buNone/>
+          </a:pPr>
+          <a:r>
+            <a:rPr lang="en-IN" sz="1800" kern="1200" dirty="0">
+              <a:latin typeface="Bahnschrift Light" panose="020B0502040204020203" pitchFamily="34" charset="0"/>
+            </a:rPr>
+            <a:t>- Needs stability and sturdy design</a:t>
+          </a:r>
+        </a:p>
+        <a:p>
+          <a:pPr marL="0" lvl="0" indent="0" algn="l" defTabSz="800100">
+            <a:lnSpc>
+              <a:spcPct val="90000"/>
+            </a:lnSpc>
+            <a:spcBef>
+              <a:spcPct val="0"/>
+            </a:spcBef>
+            <a:spcAft>
+              <a:spcPct val="35000"/>
+            </a:spcAft>
+            <a:buFont typeface="Arial" panose="020B0604020202020204" pitchFamily="34" charset="0"/>
+            <a:buNone/>
+          </a:pPr>
+          <a:r>
+            <a:rPr lang="en-IN" sz="1800" kern="1200" dirty="0">
+              <a:latin typeface="Bahnschrift Light" panose="020B0502040204020203" pitchFamily="34" charset="0"/>
+            </a:rPr>
+            <a:t>- Needs modularity</a:t>
+          </a:r>
+        </a:p>
+        <a:p>
+          <a:pPr marL="0" lvl="0" indent="0" algn="l" defTabSz="800100">
+            <a:lnSpc>
+              <a:spcPct val="90000"/>
+            </a:lnSpc>
+            <a:spcBef>
+              <a:spcPct val="0"/>
+            </a:spcBef>
+            <a:spcAft>
+              <a:spcPct val="35000"/>
+            </a:spcAft>
+            <a:buFont typeface="Arial" panose="020B0604020202020204" pitchFamily="34" charset="0"/>
+            <a:buNone/>
+          </a:pPr>
+          <a:r>
+            <a:rPr lang="en-IN" sz="1800" kern="1200" dirty="0">
+              <a:latin typeface="Bahnschrift Light" panose="020B0502040204020203" pitchFamily="34" charset="0"/>
+            </a:rPr>
+            <a:t>- Needs floor-wise sorting</a:t>
+          </a:r>
+        </a:p>
+        <a:p>
+          <a:pPr marL="0" lvl="0" indent="0" algn="l" defTabSz="800100">
+            <a:lnSpc>
+              <a:spcPct val="90000"/>
+            </a:lnSpc>
+            <a:spcBef>
+              <a:spcPct val="0"/>
+            </a:spcBef>
+            <a:spcAft>
+              <a:spcPct val="35000"/>
+            </a:spcAft>
+            <a:buFont typeface="Arial" panose="020B0604020202020204" pitchFamily="34" charset="0"/>
+            <a:buNone/>
+          </a:pPr>
+          <a:r>
+            <a:rPr lang="en-IN" sz="1800" kern="1200" dirty="0">
+              <a:latin typeface="Bahnschrift Light" panose="020B0502040204020203" pitchFamily="34" charset="0"/>
+            </a:rPr>
+            <a:t>- Not enough segregation push</a:t>
+          </a:r>
+        </a:p>
+      </dsp:txBody>
+      <dsp:txXfrm>
+        <a:off x="529908" y="1120747"/>
+        <a:ext cx="1971617" cy="3175760"/>
+      </dsp:txXfrm>
+    </dsp:sp>
+    <dsp:sp modelId="{5B023AAA-8506-42F7-8B21-FF9FEB2C56B0}">
+      <dsp:nvSpPr>
+        <dsp:cNvPr id="0" name=""/>
+        <dsp:cNvSpPr/>
+      </dsp:nvSpPr>
+      <dsp:spPr>
+        <a:xfrm>
+          <a:off x="2739708" y="1120747"/>
+          <a:ext cx="2646466" cy="3175760"/>
+        </a:xfrm>
+        <a:prstGeom prst="roundRect">
+          <a:avLst>
+            <a:gd name="adj" fmla="val 5000"/>
+          </a:avLst>
+        </a:prstGeom>
+        <a:solidFill>
+          <a:schemeClr val="accent2">
+            <a:shade val="50000"/>
+            <a:hueOff val="207503"/>
+            <a:satOff val="-7999"/>
+            <a:lumOff val="31613"/>
+            <a:alphaOff val="0"/>
+          </a:schemeClr>
+        </a:solidFill>
+        <a:ln w="12700" cap="flat" cmpd="sng" algn="ctr">
+          <a:solidFill>
+            <a:schemeClr val="lt1">
+              <a:hueOff val="0"/>
+              <a:satOff val="0"/>
+              <a:lumOff val="0"/>
+              <a:alphaOff val="0"/>
+            </a:schemeClr>
+          </a:solidFill>
+          <a:prstDash val="solid"/>
+          <a:miter lim="800000"/>
+        </a:ln>
+        <a:effectLst/>
+      </dsp:spPr>
+      <dsp:style>
+        <a:lnRef idx="2">
+          <a:scrgbClr r="0" g="0" b="0"/>
+        </a:lnRef>
+        <a:fillRef idx="1">
+          <a:scrgbClr r="0" g="0" b="0"/>
+        </a:fillRef>
+        <a:effectRef idx="0">
+          <a:scrgbClr r="0" g="0" b="0"/>
+        </a:effectRef>
+        <a:fontRef idx="minor">
+          <a:schemeClr val="lt1"/>
+        </a:fontRef>
+      </dsp:style>
+      <dsp:txBody>
+        <a:bodyPr spcFirstLastPara="0" vert="horz" wrap="square" lIns="0" tIns="68580" rIns="88900" bIns="0" numCol="1" spcCol="1270" anchor="t" anchorCtr="0">
+          <a:noAutofit/>
+        </a:bodyPr>
+        <a:lstStyle/>
+        <a:p>
+          <a:pPr marL="0" lvl="0" indent="0" algn="r" defTabSz="889000">
+            <a:lnSpc>
+              <a:spcPct val="90000"/>
+            </a:lnSpc>
+            <a:spcBef>
+              <a:spcPct val="0"/>
+            </a:spcBef>
+            <a:spcAft>
+              <a:spcPct val="35000"/>
+            </a:spcAft>
+            <a:buNone/>
+          </a:pPr>
+          <a:r>
+            <a:rPr lang="en-IN" sz="2000" kern="1200" dirty="0">
+              <a:solidFill>
+                <a:schemeClr val="accent2">
+                  <a:lumMod val="75000"/>
+                </a:schemeClr>
+              </a:solidFill>
+              <a:latin typeface="Bahnschrift Light" panose="020B0502040204020203" pitchFamily="34" charset="0"/>
+            </a:rPr>
+            <a:t>Iteration 2</a:t>
+          </a:r>
+        </a:p>
+      </dsp:txBody>
+      <dsp:txXfrm rot="16200000">
+        <a:off x="1702293" y="2158162"/>
+        <a:ext cx="2604123" cy="529293"/>
+      </dsp:txXfrm>
+    </dsp:sp>
+    <dsp:sp modelId="{6145A5F3-9CA4-452B-9F6E-CA540C6F654A}">
+      <dsp:nvSpPr>
+        <dsp:cNvPr id="0" name=""/>
+        <dsp:cNvSpPr/>
+      </dsp:nvSpPr>
+      <dsp:spPr>
+        <a:xfrm rot="5400000">
+          <a:off x="2519643" y="3644062"/>
+          <a:ext cx="466594" cy="396970"/>
+        </a:xfrm>
+        <a:prstGeom prst="flowChartExtract">
+          <a:avLst/>
+        </a:prstGeom>
+        <a:solidFill>
+          <a:schemeClr val="lt1">
+            <a:hueOff val="0"/>
+            <a:satOff val="0"/>
+            <a:lumOff val="0"/>
+            <a:alphaOff val="0"/>
+          </a:schemeClr>
+        </a:solidFill>
+        <a:ln w="12700" cap="flat" cmpd="sng" algn="ctr">
+          <a:solidFill>
+            <a:schemeClr val="accent2">
+              <a:shade val="50000"/>
+              <a:hueOff val="0"/>
+              <a:satOff val="0"/>
+              <a:lumOff val="0"/>
+              <a:alphaOff val="0"/>
+            </a:schemeClr>
+          </a:solidFill>
+          <a:prstDash val="solid"/>
+          <a:miter lim="800000"/>
+        </a:ln>
+        <a:effectLst/>
+      </dsp:spPr>
+      <dsp:style>
+        <a:lnRef idx="2">
+          <a:scrgbClr r="0" g="0" b="0"/>
+        </a:lnRef>
+        <a:fillRef idx="1">
+          <a:scrgbClr r="0" g="0" b="0"/>
+        </a:fillRef>
+        <a:effectRef idx="0">
+          <a:scrgbClr r="0" g="0" b="0"/>
+        </a:effectRef>
+        <a:fontRef idx="minor"/>
+      </dsp:style>
+    </dsp:sp>
+    <dsp:sp modelId="{2818BF0F-F524-4FB1-AE33-58BCE6CD0685}">
+      <dsp:nvSpPr>
+        <dsp:cNvPr id="0" name=""/>
+        <dsp:cNvSpPr/>
+      </dsp:nvSpPr>
+      <dsp:spPr>
+        <a:xfrm>
+          <a:off x="3269001" y="1120747"/>
+          <a:ext cx="1971617" cy="3175760"/>
+        </a:xfrm>
+        <a:prstGeom prst="rect">
+          <a:avLst/>
+        </a:prstGeom>
+        <a:noFill/>
+        <a:ln w="12700" cap="flat" cmpd="sng" algn="ctr">
+          <a:noFill/>
+          <a:prstDash val="solid"/>
+          <a:miter lim="800000"/>
+        </a:ln>
+        <a:effectLst/>
+        <a:sp3d/>
+      </dsp:spPr>
+      <dsp:style>
+        <a:lnRef idx="2">
+          <a:scrgbClr r="0" g="0" b="0"/>
+        </a:lnRef>
+        <a:fillRef idx="1">
+          <a:scrgbClr r="0" g="0" b="0"/>
+        </a:fillRef>
+        <a:effectRef idx="0">
+          <a:scrgbClr r="0" g="0" b="0"/>
+        </a:effectRef>
+        <a:fontRef idx="minor">
+          <a:schemeClr val="lt1"/>
+        </a:fontRef>
+      </dsp:style>
+      <dsp:txBody>
+        <a:bodyPr spcFirstLastPara="0" vert="horz" wrap="square" lIns="0" tIns="61722" rIns="0" bIns="0" numCol="1" spcCol="1270" anchor="t" anchorCtr="0">
+          <a:noAutofit/>
+        </a:bodyPr>
+        <a:lstStyle/>
+        <a:p>
+          <a:pPr marL="0" lvl="0" indent="0" algn="l" defTabSz="800100">
+            <a:lnSpc>
+              <a:spcPct val="90000"/>
+            </a:lnSpc>
+            <a:spcBef>
+              <a:spcPct val="0"/>
+            </a:spcBef>
+            <a:spcAft>
+              <a:spcPct val="35000"/>
+            </a:spcAft>
+            <a:buNone/>
+          </a:pPr>
+          <a:endParaRPr lang="en-IN" sz="1800" kern="1200" dirty="0">
+            <a:latin typeface="Bahnschrift Light" panose="020B0502040204020203" pitchFamily="34" charset="0"/>
+          </a:endParaRPr>
+        </a:p>
+        <a:p>
+          <a:pPr marL="0" lvl="0" indent="0" algn="l" defTabSz="800100">
+            <a:lnSpc>
+              <a:spcPct val="90000"/>
+            </a:lnSpc>
+            <a:spcBef>
+              <a:spcPct val="0"/>
+            </a:spcBef>
+            <a:spcAft>
+              <a:spcPct val="35000"/>
+            </a:spcAft>
+            <a:buNone/>
+          </a:pPr>
+          <a:r>
+            <a:rPr lang="en-IN" sz="1800" kern="1200" dirty="0">
+              <a:latin typeface="Bahnschrift Light" panose="020B0502040204020203" pitchFamily="34" charset="0"/>
+            </a:rPr>
+            <a:t>- Touch = gross</a:t>
+          </a:r>
+        </a:p>
+        <a:p>
+          <a:pPr marL="0" lvl="0" indent="0" algn="l" defTabSz="800100">
+            <a:lnSpc>
+              <a:spcPct val="90000"/>
+            </a:lnSpc>
+            <a:spcBef>
+              <a:spcPct val="0"/>
+            </a:spcBef>
+            <a:spcAft>
+              <a:spcPct val="35000"/>
+            </a:spcAft>
+            <a:buNone/>
+          </a:pPr>
+          <a:r>
+            <a:rPr lang="en-IN" sz="1800" kern="1200" dirty="0">
+              <a:latin typeface="Bahnschrift Light" panose="020B0502040204020203" pitchFamily="34" charset="0"/>
+            </a:rPr>
+            <a:t>- Lids are badly designed due to vertical openings</a:t>
+          </a:r>
+        </a:p>
+        <a:p>
+          <a:pPr marL="0" lvl="0" indent="0" algn="l" defTabSz="800100">
+            <a:lnSpc>
+              <a:spcPct val="90000"/>
+            </a:lnSpc>
+            <a:spcBef>
+              <a:spcPct val="0"/>
+            </a:spcBef>
+            <a:spcAft>
+              <a:spcPct val="35000"/>
+            </a:spcAft>
+            <a:buNone/>
+          </a:pPr>
+          <a:r>
+            <a:rPr lang="en-IN" sz="1800" kern="1200" dirty="0">
+              <a:latin typeface="Bahnschrift Light" panose="020B0502040204020203" pitchFamily="34" charset="0"/>
+            </a:rPr>
+            <a:t>- Need to hide trash</a:t>
+          </a:r>
+        </a:p>
+        <a:p>
+          <a:pPr marL="0" lvl="0" indent="0" algn="l" defTabSz="800100">
+            <a:lnSpc>
+              <a:spcPct val="90000"/>
+            </a:lnSpc>
+            <a:spcBef>
+              <a:spcPct val="0"/>
+            </a:spcBef>
+            <a:spcAft>
+              <a:spcPct val="35000"/>
+            </a:spcAft>
+            <a:buNone/>
+          </a:pPr>
+          <a:r>
+            <a:rPr lang="en-IN" sz="1800" kern="1200" dirty="0">
+              <a:latin typeface="Bahnschrift Light" panose="020B0502040204020203" pitchFamily="34" charset="0"/>
+            </a:rPr>
+            <a:t>- Hygiene issues due to insects</a:t>
+          </a:r>
+        </a:p>
+      </dsp:txBody>
+      <dsp:txXfrm>
+        <a:off x="3269001" y="1120747"/>
+        <a:ext cx="1971617" cy="3175760"/>
+      </dsp:txXfrm>
+    </dsp:sp>
+    <dsp:sp modelId="{F3E78AF8-A999-46B0-9F9F-7FB1913EA98C}">
+      <dsp:nvSpPr>
+        <dsp:cNvPr id="0" name=""/>
+        <dsp:cNvSpPr/>
+      </dsp:nvSpPr>
+      <dsp:spPr>
+        <a:xfrm>
+          <a:off x="5478801" y="1120747"/>
+          <a:ext cx="2646466" cy="3175760"/>
+        </a:xfrm>
+        <a:prstGeom prst="roundRect">
+          <a:avLst>
+            <a:gd name="adj" fmla="val 5000"/>
+          </a:avLst>
+        </a:prstGeom>
+        <a:solidFill>
+          <a:schemeClr val="accent2">
+            <a:shade val="50000"/>
+            <a:hueOff val="207503"/>
+            <a:satOff val="-7999"/>
+            <a:lumOff val="31613"/>
+            <a:alphaOff val="0"/>
+          </a:schemeClr>
+        </a:solidFill>
+        <a:ln w="12700" cap="flat" cmpd="sng" algn="ctr">
+          <a:solidFill>
+            <a:schemeClr val="lt1">
+              <a:hueOff val="0"/>
+              <a:satOff val="0"/>
+              <a:lumOff val="0"/>
+              <a:alphaOff val="0"/>
+            </a:schemeClr>
+          </a:solidFill>
+          <a:prstDash val="solid"/>
+          <a:miter lim="800000"/>
+        </a:ln>
+        <a:effectLst/>
+      </dsp:spPr>
+      <dsp:style>
+        <a:lnRef idx="2">
+          <a:scrgbClr r="0" g="0" b="0"/>
+        </a:lnRef>
+        <a:fillRef idx="1">
+          <a:scrgbClr r="0" g="0" b="0"/>
+        </a:fillRef>
+        <a:effectRef idx="0">
+          <a:scrgbClr r="0" g="0" b="0"/>
+        </a:effectRef>
+        <a:fontRef idx="minor">
+          <a:schemeClr val="lt1"/>
+        </a:fontRef>
+      </dsp:style>
+      <dsp:txBody>
+        <a:bodyPr spcFirstLastPara="0" vert="horz" wrap="square" lIns="0" tIns="68580" rIns="88900" bIns="0" numCol="1" spcCol="1270" anchor="t" anchorCtr="0">
+          <a:noAutofit/>
+        </a:bodyPr>
+        <a:lstStyle/>
+        <a:p>
+          <a:pPr marL="0" lvl="0" indent="0" algn="r" defTabSz="889000">
+            <a:lnSpc>
+              <a:spcPct val="90000"/>
+            </a:lnSpc>
+            <a:spcBef>
+              <a:spcPct val="0"/>
+            </a:spcBef>
+            <a:spcAft>
+              <a:spcPct val="35000"/>
+            </a:spcAft>
+            <a:buNone/>
+          </a:pPr>
+          <a:r>
+            <a:rPr lang="en-IN" sz="2000" kern="1200" dirty="0">
+              <a:solidFill>
+                <a:schemeClr val="accent2">
+                  <a:lumMod val="40000"/>
+                  <a:lumOff val="60000"/>
+                </a:schemeClr>
+              </a:solidFill>
+              <a:latin typeface="Bahnschrift Light" panose="020B0502040204020203" pitchFamily="34" charset="0"/>
+            </a:rPr>
+            <a:t>Iteration 3</a:t>
+          </a:r>
+        </a:p>
+      </dsp:txBody>
+      <dsp:txXfrm rot="16200000">
+        <a:off x="4441386" y="2158162"/>
+        <a:ext cx="2604123" cy="529293"/>
+      </dsp:txXfrm>
+    </dsp:sp>
+    <dsp:sp modelId="{F0F4B03F-36E6-4A52-85A0-1F945BA14A7B}">
+      <dsp:nvSpPr>
+        <dsp:cNvPr id="0" name=""/>
+        <dsp:cNvSpPr/>
+      </dsp:nvSpPr>
+      <dsp:spPr>
+        <a:xfrm rot="5400000">
+          <a:off x="5258736" y="3644062"/>
+          <a:ext cx="466594" cy="396970"/>
+        </a:xfrm>
+        <a:prstGeom prst="flowChartExtract">
+          <a:avLst/>
+        </a:prstGeom>
+        <a:solidFill>
+          <a:schemeClr val="lt1">
+            <a:hueOff val="0"/>
+            <a:satOff val="0"/>
+            <a:lumOff val="0"/>
+            <a:alphaOff val="0"/>
+          </a:schemeClr>
+        </a:solidFill>
+        <a:ln w="12700" cap="flat" cmpd="sng" algn="ctr">
+          <a:solidFill>
+            <a:schemeClr val="accent2">
+              <a:shade val="50000"/>
+              <a:hueOff val="291418"/>
+              <a:satOff val="-11147"/>
+              <a:lumOff val="42882"/>
+              <a:alphaOff val="0"/>
+            </a:schemeClr>
+          </a:solidFill>
+          <a:prstDash val="solid"/>
+          <a:miter lim="800000"/>
+        </a:ln>
+        <a:effectLst/>
+      </dsp:spPr>
+      <dsp:style>
+        <a:lnRef idx="2">
+          <a:scrgbClr r="0" g="0" b="0"/>
+        </a:lnRef>
+        <a:fillRef idx="1">
+          <a:scrgbClr r="0" g="0" b="0"/>
+        </a:fillRef>
+        <a:effectRef idx="0">
+          <a:scrgbClr r="0" g="0" b="0"/>
+        </a:effectRef>
+        <a:fontRef idx="minor"/>
+      </dsp:style>
+    </dsp:sp>
+    <dsp:sp modelId="{722A917F-F4A7-4F5B-AD4D-63C4A5061E43}">
+      <dsp:nvSpPr>
+        <dsp:cNvPr id="0" name=""/>
+        <dsp:cNvSpPr/>
+      </dsp:nvSpPr>
+      <dsp:spPr>
+        <a:xfrm>
+          <a:off x="6008094" y="1120747"/>
+          <a:ext cx="1971617" cy="3175760"/>
+        </a:xfrm>
+        <a:prstGeom prst="rect">
+          <a:avLst/>
+        </a:prstGeom>
+        <a:noFill/>
+        <a:ln w="12700" cap="flat" cmpd="sng" algn="ctr">
+          <a:noFill/>
+          <a:prstDash val="solid"/>
+          <a:miter lim="800000"/>
+        </a:ln>
+        <a:effectLst/>
+        <a:sp3d/>
+      </dsp:spPr>
+      <dsp:style>
+        <a:lnRef idx="2">
+          <a:scrgbClr r="0" g="0" b="0"/>
+        </a:lnRef>
+        <a:fillRef idx="1">
+          <a:scrgbClr r="0" g="0" b="0"/>
+        </a:fillRef>
+        <a:effectRef idx="0">
+          <a:scrgbClr r="0" g="0" b="0"/>
+        </a:effectRef>
+        <a:fontRef idx="minor">
+          <a:schemeClr val="lt1"/>
+        </a:fontRef>
+      </dsp:style>
+      <dsp:txBody>
+        <a:bodyPr spcFirstLastPara="0" vert="horz" wrap="square" lIns="0" tIns="61722" rIns="0" bIns="0" numCol="1" spcCol="1270" anchor="t" anchorCtr="0">
+          <a:noAutofit/>
+        </a:bodyPr>
+        <a:lstStyle/>
+        <a:p>
+          <a:pPr marL="0" lvl="0" indent="0" algn="l" defTabSz="800100">
+            <a:lnSpc>
+              <a:spcPct val="90000"/>
+            </a:lnSpc>
+            <a:spcBef>
+              <a:spcPct val="0"/>
+            </a:spcBef>
+            <a:spcAft>
+              <a:spcPct val="35000"/>
+            </a:spcAft>
+            <a:buNone/>
+          </a:pPr>
+          <a:endParaRPr lang="en-IN" sz="1800" kern="1200" dirty="0">
+            <a:latin typeface="Bahnschrift Light" panose="020B0502040204020203" pitchFamily="34" charset="0"/>
+          </a:endParaRPr>
+        </a:p>
+        <a:p>
+          <a:pPr marL="0" lvl="0" indent="0" algn="l" defTabSz="800100">
+            <a:lnSpc>
+              <a:spcPct val="90000"/>
+            </a:lnSpc>
+            <a:spcBef>
+              <a:spcPct val="0"/>
+            </a:spcBef>
+            <a:spcAft>
+              <a:spcPct val="35000"/>
+            </a:spcAft>
+            <a:buNone/>
+          </a:pPr>
+          <a:r>
+            <a:rPr lang="en-IN" sz="1800" kern="1200" dirty="0">
+              <a:latin typeface="Bahnschrift Light" panose="020B0502040204020203" pitchFamily="34" charset="0"/>
+            </a:rPr>
+            <a:t>- Needs adaptable, attachable design</a:t>
+          </a:r>
+        </a:p>
+        <a:p>
+          <a:pPr marL="0" lvl="0" indent="0" algn="l" defTabSz="800100">
+            <a:lnSpc>
+              <a:spcPct val="90000"/>
+            </a:lnSpc>
+            <a:spcBef>
+              <a:spcPct val="0"/>
+            </a:spcBef>
+            <a:spcAft>
+              <a:spcPct val="35000"/>
+            </a:spcAft>
+            <a:buNone/>
+          </a:pPr>
+          <a:r>
+            <a:rPr lang="en-IN" sz="1800" kern="1200" dirty="0">
+              <a:latin typeface="Bahnschrift Light" panose="020B0502040204020203" pitchFamily="34" charset="0"/>
+            </a:rPr>
+            <a:t>- Needs convenient lids</a:t>
+          </a:r>
+        </a:p>
+        <a:p>
+          <a:pPr marL="0" lvl="0" indent="0" algn="l" defTabSz="800100">
+            <a:lnSpc>
+              <a:spcPct val="90000"/>
+            </a:lnSpc>
+            <a:spcBef>
+              <a:spcPct val="0"/>
+            </a:spcBef>
+            <a:spcAft>
+              <a:spcPct val="35000"/>
+            </a:spcAft>
+            <a:buNone/>
+          </a:pPr>
+          <a:r>
+            <a:rPr lang="en-IN" sz="1800" kern="1200" dirty="0">
+              <a:latin typeface="Bahnschrift Light" panose="020B0502040204020203" pitchFamily="34" charset="0"/>
+            </a:rPr>
+            <a:t>- Low steepness openings required</a:t>
+          </a:r>
+        </a:p>
+        <a:p>
+          <a:pPr marL="0" lvl="0" indent="0" algn="l" defTabSz="800100">
+            <a:lnSpc>
+              <a:spcPct val="90000"/>
+            </a:lnSpc>
+            <a:spcBef>
+              <a:spcPct val="0"/>
+            </a:spcBef>
+            <a:spcAft>
+              <a:spcPct val="35000"/>
+            </a:spcAft>
+            <a:buNone/>
+          </a:pPr>
+          <a:r>
+            <a:rPr lang="en-IN" sz="1800" kern="1200" dirty="0">
+              <a:latin typeface="Bahnschrift Light" panose="020B0502040204020203" pitchFamily="34" charset="0"/>
+            </a:rPr>
+            <a:t>- Color + text cues required</a:t>
+          </a:r>
+        </a:p>
+        <a:p>
+          <a:pPr marL="0" lvl="0" indent="0" algn="l" defTabSz="800100">
+            <a:lnSpc>
+              <a:spcPct val="90000"/>
+            </a:lnSpc>
+            <a:spcBef>
+              <a:spcPct val="0"/>
+            </a:spcBef>
+            <a:spcAft>
+              <a:spcPct val="35000"/>
+            </a:spcAft>
+            <a:buNone/>
+          </a:pPr>
+          <a:endParaRPr lang="en-IN" sz="1800" kern="1200" dirty="0">
+            <a:latin typeface="Bahnschrift Light" panose="020B0502040204020203" pitchFamily="34" charset="0"/>
+          </a:endParaRPr>
+        </a:p>
+      </dsp:txBody>
+      <dsp:txXfrm>
+        <a:off x="6008094" y="1120747"/>
+        <a:ext cx="1971617" cy="3175760"/>
+      </dsp:txXfrm>
+    </dsp:sp>
+  </dsp:spTree>
+</dsp:drawing>
+</file>
+
+<file path=ppt/diagrams/layout1.xml><?xml version="1.0" encoding="utf-8"?>
+<dgm:layoutDef xmlns:dgm="http://schemas.openxmlformats.org/drawingml/2006/diagram" xmlns:a="http://schemas.openxmlformats.org/drawingml/2006/main" uniqueId="urn:microsoft.com/office/officeart/2005/8/layout/hProcess7">
+  <dgm:title val=""/>
+  <dgm:desc val=""/>
+  <dgm:catLst>
+    <dgm:cat type="process" pri="21000"/>
+    <dgm:cat type="list" pri="9000"/>
+  </dgm:catLst>
+  <dgm:sampData>
+    <dgm:dataModel>
+      <dgm:ptLst>
+        <dgm:pt modelId="0" type="doc"/>
+        <dgm:pt modelId="1">
+          <dgm:prSet phldr="1"/>
+        </dgm:pt>
+        <dgm:pt modelId="11">
+          <dgm:prSet phldr="1"/>
+        </dgm:pt>
+        <dgm:pt modelId="2">
+          <dgm:prSet phldr="1"/>
+        </dgm:pt>
+        <dgm:pt modelId="21">
+          <dgm:prSet phldr="1"/>
+        </dgm:pt>
+        <dgm:pt modelId="3">
+          <dgm:prSet phldr="1"/>
+        </dgm:pt>
+        <dgm:pt modelId="31">
+          <dgm:prSet phldr="1"/>
+        </dgm:pt>
+      </dgm:ptLst>
+      <dgm:cxnLst>
+        <dgm:cxn modelId="4" srcId="0" destId="1" srcOrd="0" destOrd="0"/>
+        <dgm:cxn modelId="5" srcId="0" destId="2" srcOrd="1" destOrd="0"/>
+        <dgm:cxn modelId="6" srcId="0" destId="3" srcOrd="2" destOrd="0"/>
+        <dgm:cxn modelId="13" srcId="1" destId="11" srcOrd="0" destOrd="0"/>
+        <dgm:cxn modelId="23" srcId="2" destId="21" srcOrd="0" destOrd="0"/>
+        <dgm:cxn modelId="33" srcId="3" destId="31" srcOrd="0" destOrd="0"/>
+      </dgm:cxnLst>
+      <dgm:bg/>
+      <dgm:whole/>
+    </dgm:dataModel>
+  </dgm:sampData>
+  <dgm:styleData>
+    <dgm:dataModel>
+      <dgm:ptLst>
+        <dgm:pt modelId="0" type="doc"/>
+        <dgm:pt modelId="1"/>
+        <dgm:pt modelId="11"/>
+        <dgm:pt modelId="2"/>
+        <dgm:pt modelId="21"/>
+      </dgm:ptLst>
+      <dgm:cxnLst>
+        <dgm:cxn modelId="4" srcId="0" destId="1" srcOrd="0" destOrd="0"/>
+        <dgm:cxn modelId="5" srcId="0" destId="2" srcOrd="1" destOrd="0"/>
+        <dgm:cxn modelId="13" srcId="1" destId="11" srcOrd="0" destOrd="0"/>
+        <dgm:cxn modelId="23" srcId="2" destId="21" srcOrd="0" destOrd="0"/>
+      </dgm:cxnLst>
+      <dgm:bg/>
+      <dgm:whole/>
+    </dgm:dataModel>
+  </dgm:styleData>
+  <dgm:clrData>
+    <dgm:dataModel>
+      <dgm:ptLst>
+        <dgm:pt modelId="0" type="doc"/>
+        <dgm:pt modelId="1"/>
+        <dgm:pt modelId="11"/>
+        <dgm:pt modelId="2"/>
+        <dgm:pt modelId="21"/>
+        <dgm:pt modelId="3"/>
+        <dgm:pt modelId="31"/>
+        <dgm:pt modelId="4"/>
+        <dgm:pt modelId="41"/>
+      </dgm:ptLst>
+      <dgm:cxnLst>
+        <dgm:cxn modelId="5" srcId="0" destId="1" srcOrd="0" destOrd="0"/>
+        <dgm:cxn modelId="6" srcId="0" destId="2" srcOrd="1" destOrd="0"/>
+        <dgm:cxn modelId="7" srcId="0" destId="3" srcOrd="2" destOrd="0"/>
+        <dgm:cxn modelId="8" srcId="0" destId="4" srcOrd="3" destOrd="0"/>
+        <dgm:cxn modelId="13" srcId="1" destId="11" srcOrd="0" destOrd="0"/>
+        <dgm:cxn modelId="23" srcId="2" destId="21" srcOrd="0" destOrd="0"/>
+        <dgm:cxn modelId="33" srcId="3" destId="31" srcOrd="0" destOrd="0"/>
+        <dgm:cxn modelId="43" srcId="4" destId="41" srcOrd="0" destOrd="0"/>
+      </dgm:cxnLst>
+      <dgm:bg/>
+      <dgm:whole/>
+    </dgm:dataModel>
+  </dgm:clrData>
+  <dgm:layoutNode name="Name0">
+    <dgm:varLst>
+      <dgm:dir/>
+      <dgm:animLvl val="lvl"/>
+      <dgm:resizeHandles val="exact"/>
+    </dgm:varLst>
+    <dgm:choose name="Name1">
+      <dgm:if name="Name2" func="var" arg="dir" op="equ" val="norm">
+        <dgm:alg type="lin">
+          <dgm:param type="linDir" val="fromL"/>
+          <dgm:param type="nodeVertAlign" val="t"/>
+        </dgm:alg>
+      </dgm:if>
+      <dgm:else name="Name3">
+        <dgm:alg type="lin">
+          <dgm:param type="linDir" val="fromR"/>
+          <dgm:param type="nodeVertAlign" val="t"/>
+        </dgm:alg>
+      </dgm:else>
+    </dgm:choose>
+    <dgm:shape xmlns:r="http://schemas.openxmlformats.org/officeDocument/2006/relationships" r:blip="">
+      <dgm:adjLst/>
+    </dgm:shape>
+    <dgm:presOf/>
+    <dgm:constrLst>
+      <dgm:constr type="h" for="ch" forName="compositeNode" refType="h"/>
+      <dgm:constr type="w" for="ch" forName="compositeNode" refType="w"/>
+      <dgm:constr type="w" for="ch" forName="hSp" refType="w" refFor="ch" refForName="compositeNode" fact="-0.035"/>
+      <dgm:constr type="w" for="des" forName="simulatedConn" refType="w" refFor="ch" refForName="compositeNode" fact="0.15"/>
+      <dgm:constr type="h" for="des" forName="simulatedConn" refType="w" refFor="des" refForName="simulatedConn"/>
+      <dgm:constr type="h" for="des" forName="vSp1" refType="w" refFor="ch" refForName="compositeNode" fact="0.8"/>
+      <dgm:constr type="h" for="des" forName="vSp2" refType="w" refFor="ch" refForName="compositeNode" fact="0.07"/>
+      <dgm:constr type="w" for="ch" forName="vProcSp" refType="w" refFor="des" refForName="simulatedConn" op="equ"/>
+      <dgm:constr type="h" for="ch" forName="vProcSp" refType="h" refFor="ch" refForName="compositeNode" op="equ"/>
+      <dgm:constr type="w" for="ch" forName="sibTrans" refType="w" refFor="ch" refForName="compositeNode" fact="-0.08"/>
+      <dgm:constr type="primFontSz" for="des" forName="parentNode" op="equ"/>
+      <dgm:constr type="primFontSz" for="des" forName="childNode" op="equ"/>
+    </dgm:constrLst>
+    <dgm:ruleLst/>
+    <dgm:forEach name="Name4" axis="ch" ptType="node">
+      <dgm:layoutNode name="compositeNode">
+        <dgm:varLst>
+          <dgm:bulletEnabled val="1"/>
+        </dgm:varLst>
+        <dgm:alg type="composite"/>
+        <dgm:choose name="Name5">
+          <dgm:if name="Name6" func="var" arg="dir" op="equ" val="norm">
+            <dgm:constrLst>
+              <dgm:constr type="h" refType="w" op="lte" fact="1.2"/>
+              <dgm:constr type="w" for="ch" forName="bgRect" refType="w"/>
+              <dgm:constr type="h" for="ch" forName="bgRect" refType="h"/>
+              <dgm:constr type="t" for="ch" forName="bgRect"/>
+              <dgm:constr type="l" for="ch" forName="bgRect"/>
+              <dgm:constr type="w" for="ch" forName="parentNode" refType="w" refFor="ch" refForName="bgRect" fact="0.2"/>
+              <dgm:constr type="h" for="ch" forName="parentNode" refType="h" fact="0.82"/>
+              <dgm:constr type="t" for="ch" forName="parentNode"/>
+              <dgm:constr type="l" for="ch" forName="parentNode"/>
+              <dgm:constr type="r" for="ch" forName="childNode" refType="r" refFor="ch" refForName="bgRect" fact="0.945"/>
+              <dgm:constr type="h" for="ch" forName="childNode" refType="h" refFor="ch" refForName="bgRect" op="equ"/>
+              <dgm:constr type="t" for="ch" forName="childNode"/>
+              <dgm:constr type="l" for="ch" forName="childNode" refType="r" refFor="ch" refForName="parentNode"/>
+            </dgm:constrLst>
+          </dgm:if>
+          <dgm:else name="Name7">
+            <dgm:constrLst>
+              <dgm:constr type="h" refType="w" op="lte" fact="1.2"/>
+              <dgm:constr type="w" for="ch" forName="bgRect" refType="w"/>
+              <dgm:constr type="h" for="ch" forName="bgRect" refType="h"/>
+              <dgm:constr type="t" for="ch" forName="bgRect"/>
+              <dgm:constr type="r" for="ch" forName="bgRect" refType="w"/>
+              <dgm:constr type="w" for="ch" forName="parentNode" refType="w" refFor="ch" refForName="bgRect" fact="0.2"/>
+              <dgm:constr type="h" for="ch" forName="parentNode" refType="h" fact="0.82"/>
+              <dgm:constr type="t" for="ch" forName="parentNode"/>
+              <dgm:constr type="r" for="ch" forName="parentNode" refType="w"/>
+              <dgm:constr type="h" for="ch" forName="childNode" refType="h" refFor="ch" refForName="bgRect"/>
+              <dgm:constr type="t" for="ch" forName="childNode"/>
+              <dgm:constr type="r" for="ch" forName="childNode" refType="l" refFor="ch" refForName="parentNode"/>
+              <dgm:constr type="l" for="ch" forName="childNode" refType="w" refFor="ch" refForName="bgRect" fact="0.055"/>
+            </dgm:constrLst>
+          </dgm:else>
+        </dgm:choose>
+        <dgm:ruleLst>
+          <dgm:rule type="w" for="ch" forName="childNode" val="NaN" fact="NaN" max="30"/>
+        </dgm:ruleLst>
+        <dgm:layoutNode name="bgRect" styleLbl="node1">
+          <dgm:alg type="sp"/>
+          <dgm:shape xmlns:r="http://schemas.openxmlformats.org/officeDocument/2006/relationships" type="roundRect" r:blip="" zOrderOff="-1">
+            <dgm:adjLst>
+              <dgm:adj idx="1" val="0.05"/>
+            </dgm:adjLst>
+          </dgm:shape>
+          <dgm:presOf axis="self"/>
+          <dgm:constrLst/>
+          <dgm:ruleLst/>
+        </dgm:layoutNode>
+        <dgm:layoutNode name="parentNode" styleLbl="node1">
+          <dgm:varLst>
+            <dgm:chMax val="0"/>
+            <dgm:bulletEnabled val="1"/>
+          </dgm:varLst>
+          <dgm:presOf axis="self"/>
+          <dgm:choose name="Name8">
+            <dgm:if name="Name9" func="var" arg="dir" op="equ" val="norm">
+              <dgm:alg type="tx">
+                <dgm:param type="autoTxRot" val="grav"/>
+                <dgm:param type="txAnchorVert" val="t"/>
+                <dgm:param type="parTxLTRAlign" val="r"/>
+                <dgm:param type="parTxRTLAlign" val="r"/>
+              </dgm:alg>
+              <dgm:shape xmlns:r="http://schemas.openxmlformats.org/officeDocument/2006/relationships" rot="270" type="rect" r:blip="" hideGeom="1">
+                <dgm:adjLst/>
+              </dgm:shape>
+              <dgm:constrLst>
+                <dgm:constr type="primFontSz" val="65"/>
+                <dgm:constr type="lMarg"/>
+                <dgm:constr type="rMarg" refType="primFontSz" fact="0.35"/>
+                <dgm:constr type="tMarg" refType="primFontSz" fact="0.27"/>
+                <dgm:constr type="bMarg"/>
+              </dgm:constrLst>
+            </dgm:if>
+            <dgm:else name="Name10">
+              <dgm:alg type="tx">
+                <dgm:param type="autoTxRot" val="grav"/>
+                <dgm:param type="txAnchorVert" val="t"/>
+                <dgm:param type="parTxLTRAlign" val="l"/>
+                <dgm:param type="parTxRTLAlign" val="l"/>
+              </dgm:alg>
+              <dgm:shape xmlns:r="http://schemas.openxmlformats.org/officeDocument/2006/relationships" rot="90" type="rect" r:blip="" hideGeom="1">
+                <dgm:adjLst/>
+              </dgm:shape>
+              <dgm:constrLst>
+                <dgm:constr type="primFontSz" val="65"/>
+                <dgm:constr type="lMarg" refType="primFontSz" fact="0.35"/>
+                <dgm:constr type="rMarg"/>
+                <dgm:constr type="tMarg" refType="primFontSz" fact="0.27"/>
+                <dgm:constr type="bMarg"/>
+              </dgm:constrLst>
+            </dgm:else>
+          </dgm:choose>
+          <dgm:ruleLst>
+            <dgm:rule type="primFontSz" val="5" fact="NaN" max="NaN"/>
+          </dgm:ruleLst>
+        </dgm:layoutNode>
+        <dgm:choose name="Name11">
+          <dgm:if name="Name12" axis="ch" ptType="node" func="cnt" op="gte" val="1">
+            <dgm:layoutNode name="childNode" styleLbl="node1" moveWith="bgRect">
+              <dgm:varLst>
+                <dgm:bulletEnabled val="1"/>
+              </dgm:varLst>
+              <dgm:alg type="tx">
+                <dgm:param type="parTxLTRAlign" val="l"/>
+                <dgm:param type="parTxRTLAlign" val="r"/>
+                <dgm:param type="txAnchorVert" val="t"/>
+              </dgm:alg>
+              <dgm:shape xmlns:r="http://schemas.openxmlformats.org/officeDocument/2006/relationships" type="rect" r:blip="" hideGeom="1">
+                <dgm:adjLst/>
+              </dgm:shape>
+              <dgm:presOf axis="des" ptType="node"/>
+              <dgm:constrLst>
+                <dgm:constr type="primFontSz" val="65"/>
+                <dgm:constr type="lMarg"/>
+                <dgm:constr type="bMarg"/>
+                <dgm:constr type="tMarg" refType="primFontSz" fact="0.27"/>
+                <dgm:constr type="rMarg"/>
+              </dgm:constrLst>
+              <dgm:ruleLst>
+                <dgm:rule type="primFontSz" val="5" fact="NaN" max="NaN"/>
+              </dgm:ruleLst>
+            </dgm:layoutNode>
+          </dgm:if>
+          <dgm:else name="Name13"/>
+        </dgm:choose>
+      </dgm:layoutNode>
+      <dgm:forEach name="Name14" axis="followSib" ptType="sibTrans" cnt="1">
+        <dgm:layoutNode name="hSp">
+          <dgm:alg type="sp"/>
+          <dgm:shape xmlns:r="http://schemas.openxmlformats.org/officeDocument/2006/relationships" r:blip="">
+            <dgm:adjLst/>
+          </dgm:shape>
+          <dgm:presOf/>
+          <dgm:constrLst/>
+          <dgm:ruleLst/>
+        </dgm:layoutNode>
+        <dgm:layoutNode name="vProcSp" moveWith="bgRect">
+          <dgm:alg type="lin">
+            <dgm:param type="linDir" val="fromT"/>
+          </dgm:alg>
+          <dgm:shape xmlns:r="http://schemas.openxmlformats.org/officeDocument/2006/relationships" r:blip="">
+            <dgm:adjLst/>
+          </dgm:shape>
+          <dgm:presOf/>
+          <dgm:constrLst>
+            <dgm:constr type="w" for="ch" forName="vSp1" refType="w"/>
+            <dgm:constr type="w" for="ch" forName="simulatedConn" refType="w"/>
+            <dgm:constr type="w" for="ch" forName="vSp2" refType="w"/>
+          </dgm:constrLst>
+          <dgm:ruleLst/>
+          <dgm:layoutNode name="vSp1">
+            <dgm:alg type="sp"/>
+            <dgm:shape xmlns:r="http://schemas.openxmlformats.org/officeDocument/2006/relationships" r:blip="">
+              <dgm:adjLst/>
+            </dgm:shape>
+            <dgm:presOf/>
+            <dgm:constrLst/>
+            <dgm:ruleLst/>
+          </dgm:layoutNode>
+          <dgm:layoutNode name="simulatedConn" styleLbl="solidFgAcc1">
+            <dgm:alg type="sp"/>
+            <dgm:choose name="Name15">
+              <dgm:if name="Name16" func="var" arg="dir" op="equ" val="norm">
+                <dgm:shape xmlns:r="http://schemas.openxmlformats.org/officeDocument/2006/relationships" rot="90" type="flowChartExtract" r:blip="">
+                  <dgm:adjLst/>
+                </dgm:shape>
+              </dgm:if>
+              <dgm:else name="Name17">
+                <dgm:shape xmlns:r="http://schemas.openxmlformats.org/officeDocument/2006/relationships" rot="-90" type="flowChartExtract" r:blip="">
+                  <dgm:adjLst/>
+                </dgm:shape>
+              </dgm:else>
+            </dgm:choose>
+            <dgm:presOf/>
+            <dgm:constrLst/>
+            <dgm:ruleLst/>
+          </dgm:layoutNode>
+          <dgm:layoutNode name="vSp2">
+            <dgm:alg type="sp"/>
+            <dgm:shape xmlns:r="http://schemas.openxmlformats.org/officeDocument/2006/relationships" r:blip="">
+              <dgm:adjLst/>
+            </dgm:shape>
+            <dgm:presOf/>
+            <dgm:constrLst/>
+            <dgm:ruleLst/>
+          </dgm:layoutNode>
+        </dgm:layoutNode>
+        <dgm:layoutNode name="sibTrans">
+          <dgm:alg type="sp"/>
+          <dgm:shape xmlns:r="http://schemas.openxmlformats.org/officeDocument/2006/relationships" r:blip="">
+            <dgm:adjLst/>
+          </dgm:shape>
+          <dgm:presOf/>
+          <dgm:constrLst/>
+          <dgm:ruleLst/>
+        </dgm:layoutNode>
+      </dgm:forEach>
+    </dgm:forEach>
+  </dgm:layoutNode>
+</dgm:layoutDef>
+</file>
+
+<file path=ppt/diagrams/quickStyle1.xml><?xml version="1.0" encoding="utf-8"?>
+<dgm:styleDef xmlns:dgm="http://schemas.openxmlformats.org/drawingml/2006/diagram" xmlns:a="http://schemas.openxmlformats.org/drawingml/2006/main" uniqueId="urn:microsoft.com/office/officeart/2005/8/quickstyle/simple1">
+  <dgm:title val=""/>
+  <dgm:desc val=""/>
+  <dgm:catLst>
+    <dgm:cat type="simple" pri="10100"/>
+  </dgm:catLst>
+  <dgm:scene3d>
+    <a:camera prst="orthographicFront"/>
+    <a:lightRig rig="threePt" dir="t"/>
+  </dgm:scene3d>
+  <dgm:styleLbl name="node0">
+    <dgm:scene3d>
+      <a:camera prst="orthographicFront"/>
+      <a:lightRig rig="threePt" dir="t"/>
+    </dgm:scene3d>
+    <dgm:sp3d/>
+    <dgm:txPr/>
+    <dgm:style>
+      <a:lnRef idx="2">
+        <a:scrgbClr r="0" g="0" b="0"/>
+      </a:lnRef>
+      <a:fillRef idx="1">
+        <a:scrgbClr r="0" g="0" b="0"/>
+      </a:fillRef>
+      <a:effectRef idx="0">
+        <a:scrgbClr r="0" g="0" b="0"/>
+      </a:effectRef>
+      <a:fontRef idx="minor">
+        <a:schemeClr val="lt1"/>
+      </a:fontRef>
+    </dgm:style>
+  </dgm:styleLbl>
+  <dgm:styleLbl name="lnNode1">
+    <dgm:scene3d>
+      <a:camera prst="orthographicFront"/>
+      <a:lightRig rig="threePt" dir="t"/>
+    </dgm:scene3d>
+    <dgm:sp3d/>
+    <dgm:txPr/>
+    <dgm:style>
+      <a:lnRef idx="2">
+        <a:scrgbClr r="0" g="0" b="0"/>
+      </a:lnRef>
+      <a:fillRef idx="1">
+        <a:scrgbClr r="0" g="0" b="0"/>
+      </a:fillRef>
+      <a:effectRef idx="0">
+        <a:scrgbClr r="0" g="0" b="0"/>
+      </a:effectRef>
+      <a:fontRef idx="minor">
+        <a:schemeClr val="lt1"/>
+      </a:fontRef>
+    </dgm:style>
+  </dgm:styleLbl>
+  <dgm:styleLbl name="vennNode1">
+    <dgm:scene3d>
+      <a:camera prst="orthographicFront"/>
+      <a:lightRig rig="threePt" dir="t"/>
+    </dgm:scene3d>
+    <dgm:sp3d/>
+    <dgm:txPr/>
+    <dgm:style>
+      <a:lnRef idx="2">
+        <a:scrgbClr r="0" g="0" b="0"/>
+      </a:lnRef>
+      <a:fillRef idx="1">
+        <a:scrgbClr r="0" g="0" b="0"/>
+      </a:fillRef>
+      <a:effectRef idx="0">
+        <a:scrgbClr r="0" g="0" b="0"/>
+      </a:effectRef>
+      <a:fontRef idx="minor">
+        <a:schemeClr val="tx1"/>
+      </a:fontRef>
+    </dgm:style>
+  </dgm:styleLbl>
+  <dgm:styleLbl name="alignNode1">
+    <dgm:scene3d>
+      <a:camera prst="orthographicFront"/>
+      <a:lightRig rig="threePt" dir="t"/>
+    </dgm:scene3d>
+    <dgm:sp3d/>
+    <dgm:txPr/>
+    <dgm:style>
+      <a:lnRef idx="2">
+        <a:scrgbClr r="0" g="0" b="0"/>
+      </a:lnRef>
+      <a:fillRef idx="1">
+        <a:scrgbClr r="0" g="0" b="0"/>
+      </a:fillRef>
+      <a:effectRef idx="0">
+        <a:scrgbClr r="0" g="0" b="0"/>
+      </a:effectRef>
+      <a:fontRef idx="minor">
+        <a:schemeClr val="lt1"/>
+      </a:fontRef>
+    </dgm:style>
+  </dgm:styleLbl>
+  <dgm:styleLbl name="node1">
+    <dgm:scene3d>
+      <a:camera prst="orthographicFront"/>
+      <a:lightRig rig="threePt" dir="t"/>
+    </dgm:scene3d>
+    <dgm:sp3d/>
+    <dgm:txPr/>
+    <dgm:style>
+      <a:lnRef idx="2">
+        <a:scrgbClr r="0" g="0" b="0"/>
+      </a:lnRef>
+      <a:fillRef idx="1">
+        <a:scrgbClr r="0" g="0" b="0"/>
+      </a:fillRef>
+      <a:effectRef idx="0">
+        <a:scrgbClr r="0" g="0" b="0"/>
+      </a:effectRef>
+      <a:fontRef idx="minor">
+        <a:schemeClr val="lt1"/>
+      </a:fontRef>
+    </dgm:style>
+  </dgm:styleLbl>
+  <dgm:styleLbl name="node2">
+    <dgm:scene3d>
+      <a:camera prst="orthographicFront"/>
+      <a:lightRig rig="threePt" dir="t"/>
+    </dgm:scene3d>
+    <dgm:sp3d/>
+    <dgm:txPr/>
+    <dgm:style>
+      <a:lnRef idx="2">
+        <a:scrgbClr r="0" g="0" b="0"/>
+      </a:lnRef>
+      <a:fillRef idx="1">
+        <a:scrgbClr r="0" g="0" b="0"/>
+      </a:fillRef>
+      <a:effectRef idx="0">
+        <a:scrgbClr r="0" g="0" b="0"/>
+      </a:effectRef>
+      <a:fontRef idx="minor">
+        <a:schemeClr val="lt1"/>
+      </a:fontRef>
+    </dgm:style>
+  </dgm:styleLbl>
+  <dgm:styleLbl name="node3">
+    <dgm:scene3d>
+      <a:camera prst="orthographicFront"/>
+      <a:lightRig rig="threePt" dir="t"/>
+    </dgm:scene3d>
+    <dgm:sp3d/>
+    <dgm:txPr/>
+    <dgm:style>
+      <a:lnRef idx="2">
+        <a:scrgbClr r="0" g="0" b="0"/>
+      </a:lnRef>
+      <a:fillRef idx="1">
+        <a:scrgbClr r="0" g="0" b="0"/>
+      </a:fillRef>
+      <a:effectRef idx="0">
+        <a:scrgbClr r="0" g="0" b="0"/>
+      </a:effectRef>
+      <a:fontRef idx="minor">
+        <a:schemeClr val="lt1"/>
+      </a:fontRef>
+    </dgm:style>
+  </dgm:styleLbl>
+  <dgm:styleLbl name="node4">
+    <dgm:scene3d>
+      <a:camera prst="orthographicFront"/>
+      <a:lightRig rig="threePt" dir="t"/>
+    </dgm:scene3d>
+    <dgm:sp3d/>
+    <dgm:txPr/>
+    <dgm:style>
+      <a:lnRef idx="2">
+        <a:scrgbClr r="0" g="0" b="0"/>
+      </a:lnRef>
+      <a:fillRef idx="1">
+        <a:scrgbClr r="0" g="0" b="0"/>
+      </a:fillRef>
+      <a:effectRef idx="0">
+        <a:scrgbClr r="0" g="0" b="0"/>
+      </a:effectRef>
+      <a:fontRef idx="minor">
+        <a:schemeClr val="lt1"/>
+      </a:fontRef>
+    </dgm:style>
+  </dgm:styleLbl>
+  <dgm:styleLbl name="fgImgPlace1">
+    <dgm:scene3d>
+      <a:camera prst="orthographicFront"/>
+      <a:lightRig rig="threePt" dir="t"/>
+    </dgm:scene3d>
+    <dgm:sp3d/>
+    <dgm:txPr/>
+    <dgm:style>
+      <a:lnRef idx="2">
+        <a:scrgbClr r="0" g="0" b="0"/>
+      </a:lnRef>
+      <a:fillRef idx="1">
+        <a:scrgbClr r="0" g="0" b="0"/>
+      </a:fillRef>
+      <a:effectRef idx="0">
+        <a:scrgbClr r="0" g="0" b="0"/>
+      </a:effectRef>
+      <a:fontRef idx="minor"/>
+    </dgm:style>
+  </dgm:styleLbl>
+  <dgm:styleLbl name="alignImgPlace1">
+    <dgm:scene3d>
+      <a:camera prst="orthographicFront"/>
+      <a:lightRig rig="threePt" dir="t"/>
+    </dgm:scene3d>
+    <dgm:sp3d/>
+    <dgm:txPr/>
+    <dgm:style>
+      <a:lnRef idx="2">
+        <a:scrgbClr r="0" g="0" b="0"/>
+      </a:lnRef>
+      <a:fillRef idx="1">
+        <a:scrgbClr r="0" g="0" b="0"/>
+      </a:fillRef>
+      <a:effectRef idx="0">
+        <a:scrgbClr r="0" g="0" b="0"/>
+      </a:effectRef>
+      <a:fontRef idx="minor"/>
+    </dgm:style>
+  </dgm:styleLbl>
+  <dgm:styleLbl name="bgImgPlace1">
+    <dgm:scene3d>
+      <a:camera prst="orthographicFront"/>
+      <a:lightRig rig="threePt" dir="t"/>
+    </dgm:scene3d>
+    <dgm:sp3d/>
+    <dgm:txPr/>
+    <dgm:style>
+      <a:lnRef idx="2">
+        <a:scrgbClr r="0" g="0" b="0"/>
+      </a:lnRef>
+      <a:fillRef idx="1">
+        <a:scrgbClr r="0" g="0" b="0"/>
+      </a:fillRef>
+      <a:effectRef idx="0">
+        <a:scrgbClr r="0" g="0" b="0"/>
+      </a:effectRef>
+      <a:fontRef idx="minor"/>
+    </dgm:style>
+  </dgm:styleLbl>
+  <dgm:styleLbl name="sibTrans2D1">
+    <dgm:scene3d>
+      <a:camera prst="orthographicFront"/>
+      <a:lightRig rig="threePt" dir="t"/>
+    </dgm:scene3d>
+    <dgm:sp3d/>
+    <dgm:txPr/>
+    <dgm:style>
+      <a:lnRef idx="0">
+        <a:scrgbClr r="0" g="0" b="0"/>
+      </a:lnRef>
+      <a:fillRef idx="1">
+        <a:scrgbClr r="0" g="0" b="0"/>
+      </a:fillRef>
+      <a:effectRef idx="0">
+        <a:scrgbClr r="0" g="0" b="0"/>
+      </a:effectRef>
+      <a:fontRef idx="minor">
+        <a:schemeClr val="lt1"/>
+      </a:fontRef>
+    </dgm:style>
+  </dgm:styleLbl>
+  <dgm:styleLbl name="fgSibTrans2D1">
+    <dgm:scene3d>
+      <a:camera prst="orthographicFront"/>
+      <a:lightRig rig="threePt" dir="t"/>
+    </dgm:scene3d>
+    <dgm:sp3d/>
+    <dgm:txPr/>
+    <dgm:style>
+      <a:lnRef idx="0">
+        <a:scrgbClr r="0" g="0" b="0"/>
+      </a:lnRef>
+      <a:fillRef idx="1">
+        <a:scrgbClr r="0" g="0" b="0"/>
+      </a:fillRef>
+      <a:effectRef idx="0">
+        <a:scrgbClr r="0" g="0" b="0"/>
+      </a:effectRef>
+      <a:fontRef idx="minor">
+        <a:schemeClr val="lt1"/>
+      </a:fontRef>
+    </dgm:style>
+  </dgm:styleLbl>
+  <dgm:styleLbl name="bgSibTrans2D1">
+    <dgm:scene3d>
+      <a:camera prst="orthographicFront"/>
+      <a:lightRig rig="threePt" dir="t"/>
+    </dgm:scene3d>
+    <dgm:sp3d/>
+    <dgm:txPr/>
+    <dgm:style>
+      <a:lnRef idx="0">
+        <a:scrgbClr r="0" g="0" b="0"/>
+      </a:lnRef>
+      <a:fillRef idx="1">
+        <a:scrgbClr r="0" g="0" b="0"/>
+      </a:fillRef>
+      <a:effectRef idx="0">
+        <a:scrgbClr r="0" g="0" b="0"/>
+      </a:effectRef>
+      <a:fontRef idx="minor">
+        <a:schemeClr val="lt1"/>
+      </a:fontRef>
+    </dgm:style>
+  </dgm:styleLbl>
+  <dgm:styleLbl name="sibTrans1D1">
+    <dgm:scene3d>
+      <a:camera prst="orthographicFront"/>
+      <a:lightRig rig="threePt" dir="t"/>
+    </dgm:scene3d>
+    <dgm:sp3d/>
+    <dgm:txPr/>
+    <dgm:style>
+      <a:lnRef idx="1">
+        <a:scrgbClr r="0" g="0" b="0"/>
+      </a:lnRef>
+      <a:fillRef idx="0">
+        <a:scrgbClr r="0" g="0" b="0"/>
+      </a:fillRef>
+      <a:effectRef idx="0">
+        <a:scrgbClr r="0" g="0" b="0"/>
+      </a:effectRef>
+      <a:fontRef idx="minor"/>
+    </dgm:style>
+  </dgm:styleLbl>
+  <dgm:styleLbl name="callout">
+    <dgm:scene3d>
+      <a:camera prst="orthographicFront"/>
+      <a:lightRig rig="threePt" dir="t"/>
+    </dgm:scene3d>
+    <dgm:sp3d/>
+    <dgm:txPr/>
+    <dgm:style>
+      <a:lnRef idx="2">
+        <a:scrgbClr r="0" g="0" b="0"/>
+      </a:lnRef>
+      <a:fillRef idx="1">
+        <a:scrgbClr r="0" g="0" b="0"/>
+      </a:fillRef>
+      <a:effectRef idx="0">
+        <a:scrgbClr r="0" g="0" b="0"/>
+      </a:effectRef>
+      <a:fontRef idx="minor"/>
+    </dgm:style>
+  </dgm:styleLbl>
+  <dgm:styleLbl name="asst0">
+    <dgm:scene3d>
+      <a:camera prst="orthographicFront"/>
+      <a:lightRig rig="threePt" dir="t"/>
+    </dgm:scene3d>
+    <dgm:sp3d/>
+    <dgm:txPr/>
+    <dgm:style>
+      <a:lnRef idx="2">
+        <a:scrgbClr r="0" g="0" b="0"/>
+      </a:lnRef>
+      <a:fillRef idx="1">
+        <a:scrgbClr r="0" g="0" b="0"/>
+      </a:fillRef>
+      <a:effectRef idx="0">
+        <a:scrgbClr r="0" g="0" b="0"/>
+      </a:effectRef>
+      <a:fontRef idx="minor">
+        <a:schemeClr val="lt1"/>
+      </a:fontRef>
+    </dgm:style>
+  </dgm:styleLbl>
+  <dgm:styleLbl name="asst1">
+    <dgm:scene3d>
+      <a:camera prst="orthographicFront"/>
+      <a:lightRig rig="threePt" dir="t"/>
+    </dgm:scene3d>
+    <dgm:sp3d/>
+    <dgm:txPr/>
+    <dgm:style>
+      <a:lnRef idx="2">
+        <a:scrgbClr r="0" g="0" b="0"/>
+      </a:lnRef>
+      <a:fillRef idx="1">
+        <a:scrgbClr r="0" g="0" b="0"/>
+      </a:fillRef>
+      <a:effectRef idx="0">
+        <a:scrgbClr r="0" g="0" b="0"/>
+      </a:effectRef>
+      <a:fontRef idx="minor">
+        <a:schemeClr val="lt1"/>
+      </a:fontRef>
+    </dgm:style>
+  </dgm:styleLbl>
+  <dgm:styleLbl name="asst2">
+    <dgm:scene3d>
+      <a:camera prst="orthographicFront"/>
+      <a:lightRig rig="threePt" dir="t"/>
+    </dgm:scene3d>
+    <dgm:sp3d/>
+    <dgm:txPr/>
+    <dgm:style>
+      <a:lnRef idx="2">
+        <a:scrgbClr r="0" g="0" b="0"/>
+      </a:lnRef>
+      <a:fillRef idx="1">
+        <a:scrgbClr r="0" g="0" b="0"/>
+      </a:fillRef>
+      <a:effectRef idx="0">
+        <a:scrgbClr r="0" g="0" b="0"/>
+      </a:effectRef>
+      <a:fontRef idx="minor">
+        <a:schemeClr val="lt1"/>
+      </a:fontRef>
+    </dgm:style>
+  </dgm:styleLbl>
+  <dgm:styleLbl name="asst3">
+    <dgm:scene3d>
+      <a:camera prst="orthographicFront"/>
+      <a:lightRig rig="threePt" dir="t"/>
+    </dgm:scene3d>
+    <dgm:sp3d/>
+    <dgm:txPr/>
+    <dgm:style>
+      <a:lnRef idx="2">
+        <a:scrgbClr r="0" g="0" b="0"/>
+      </a:lnRef>
+      <a:fillRef idx="1">
+        <a:scrgbClr r="0" g="0" b="0"/>
+      </a:fillRef>
+      <a:effectRef idx="0">
+        <a:scrgbClr r="0" g="0" b="0"/>
+      </a:effectRef>
+      <a:fontRef idx="minor">
+        <a:schemeClr val="lt1"/>
+      </a:fontRef>
+    </dgm:style>
+  </dgm:styleLbl>
+  <dgm:styleLbl name="asst4">
+    <dgm:scene3d>
+      <a:camera prst="orthographicFront"/>
+      <a:lightRig rig="threePt" dir="t"/>
+    </dgm:scene3d>
+    <dgm:sp3d/>
+    <dgm:txPr/>
+    <dgm:style>
+      <a:lnRef idx="2">
+        <a:scrgbClr r="0" g="0" b="0"/>
+      </a:lnRef>
+      <a:fillRef idx="1">
+        <a:scrgbClr r="0" g="0" b="0"/>
+      </a:fillRef>
+      <a:effectRef idx="0">
+        <a:scrgbClr r="0" g="0" b="0"/>
+      </a:effectRef>
+      <a:fontRef idx="minor">
+        <a:schemeClr val="lt1"/>
+      </a:fontRef>
+    </dgm:style>
+  </dgm:styleLbl>
+  <dgm:styleLbl name="parChTrans2D1">
+    <dgm:scene3d>
+      <a:camera prst="orthographicFront"/>
+      <a:lightRig rig="threePt" dir="t"/>
+    </dgm:scene3d>
+    <dgm:sp3d/>
+    <dgm:txPr/>
+    <dgm:style>
+      <a:lnRef idx="2">
+        <a:scrgbClr r="0" g="0" b="0"/>
+      </a:lnRef>
+      <a:fillRef idx="1">
+        <a:scrgbClr r="0" g="0" b="0"/>
+      </a:fillRef>
+      <a:effectRef idx="0">
+        <a:scrgbClr r="0" g="0" b="0"/>
+      </a:effectRef>
+      <a:fontRef idx="minor">
+        <a:schemeClr val="lt1"/>
+      </a:fontRef>
+    </dgm:style>
+  </dgm:styleLbl>
+  <dgm:styleLbl name="parChTrans2D2">
+    <dgm:scene3d>
+      <a:camera prst="orthographicFront"/>
+      <a:lightRig rig="threePt" dir="t"/>
+    </dgm:scene3d>
+    <dgm:sp3d/>
+    <dgm:txPr/>
+    <dgm:style>
+      <a:lnRef idx="2">
+        <a:scrgbClr r="0" g="0" b="0"/>
+      </a:lnRef>
+      <a:fillRef idx="1">
+        <a:scrgbClr r="0" g="0" b="0"/>
+      </a:fillRef>
+      <a:effectRef idx="0">
+        <a:scrgbClr r="0" g="0" b="0"/>
+      </a:effectRef>
+      <a:fontRef idx="minor">
+        <a:schemeClr val="lt1"/>
+      </a:fontRef>
+    </dgm:style>
+  </dgm:styleLbl>
+  <dgm:styleLbl name="parChTrans2D3">
+    <dgm:scene3d>
+      <a:camera prst="orthographicFront"/>
+      <a:lightRig rig="threePt" dir="t"/>
+    </dgm:scene3d>
+    <dgm:sp3d/>
+    <dgm:txPr/>
+    <dgm:style>
+      <a:lnRef idx="2">
+        <a:scrgbClr r="0" g="0" b="0"/>
+      </a:lnRef>
+      <a:fillRef idx="1">
+        <a:scrgbClr r="0" g="0" b="0"/>
+      </a:fillRef>
+      <a:effectRef idx="0">
+        <a:scrgbClr r="0" g="0" b="0"/>
+      </a:effectRef>
+      <a:fontRef idx="minor">
+        <a:schemeClr val="lt1"/>
+      </a:fontRef>
+    </dgm:style>
+  </dgm:styleLbl>
+  <dgm:styleLbl name="parChTrans2D4">
+    <dgm:scene3d>
+      <a:camera prst="orthographicFront"/>
+      <a:lightRig rig="threePt" dir="t"/>
+    </dgm:scene3d>
+    <dgm:sp3d/>
+    <dgm:txPr/>
+    <dgm:style>
+      <a:lnRef idx="2">
+        <a:scrgbClr r="0" g="0" b="0"/>
+      </a:lnRef>
+      <a:fillRef idx="1">
+        <a:scrgbClr r="0" g="0" b="0"/>
+      </a:fillRef>
+      <a:effectRef idx="0">
+        <a:scrgbClr r="0" g="0" b="0"/>
+      </a:effectRef>
+      <a:fontRef idx="minor">
+        <a:schemeClr val="lt1"/>
+      </a:fontRef>
+    </dgm:style>
+  </dgm:styleLbl>
+  <dgm:styleLbl name="parChTrans1D1">
+    <dgm:scene3d>
+      <a:camera prst="orthographicFront"/>
+      <a:lightRig rig="threePt" dir="t"/>
+    </dgm:scene3d>
+    <dgm:sp3d/>
+    <dgm:txPr/>
+    <dgm:style>
+      <a:lnRef idx="2">
+        <a:scrgbClr r="0" g="0" b="0"/>
+      </a:lnRef>
+      <a:fillRef idx="0">
+        <a:scrgbClr r="0" g="0" b="0"/>
+      </a:fillRef>
+      <a:effectRef idx="0">
+        <a:scrgbClr r="0" g="0" b="0"/>
+      </a:effectRef>
+      <a:fontRef idx="minor"/>
+    </dgm:style>
+  </dgm:styleLbl>
+  <dgm:styleLbl name="parChTrans1D2">
+    <dgm:scene3d>
+      <a:camera prst="orthographicFront"/>
+      <a:lightRig rig="threePt" dir="t"/>
+    </dgm:scene3d>
+    <dgm:sp3d/>
+    <dgm:txPr/>
+    <dgm:style>
+      <a:lnRef idx="2">
+        <a:scrgbClr r="0" g="0" b="0"/>
+      </a:lnRef>
+      <a:fillRef idx="0">
+        <a:scrgbClr r="0" g="0" b="0"/>
+      </a:fillRef>
+      <a:effectRef idx="0">
+        <a:scrgbClr r="0" g="0" b="0"/>
+      </a:effectRef>
+      <a:fontRef idx="minor"/>
+    </dgm:style>
+  </dgm:styleLbl>
+  <dgm:styleLbl name="parChTrans1D3">
+    <dgm:scene3d>
+      <a:camera prst="orthographicFront"/>
+      <a:lightRig rig="threePt" dir="t"/>
+    </dgm:scene3d>
+    <dgm:sp3d/>
+    <dgm:txPr/>
+    <dgm:style>
+      <a:lnRef idx="2">
+        <a:scrgbClr r="0" g="0" b="0"/>
+      </a:lnRef>
+      <a:fillRef idx="0">
+        <a:scrgbClr r="0" g="0" b="0"/>
+      </a:fillRef>
+      <a:effectRef idx="0">
+        <a:scrgbClr r="0" g="0" b="0"/>
+      </a:effectRef>
+      <a:fontRef idx="minor"/>
+    </dgm:style>
+  </dgm:styleLbl>
+  <dgm:styleLbl name="parChTrans1D4">
+    <dgm:scene3d>
+      <a:camera prst="orthographicFront"/>
+      <a:lightRig rig="threePt" dir="t"/>
+    </dgm:scene3d>
+    <dgm:sp3d/>
+    <dgm:txPr/>
+    <dgm:style>
+      <a:lnRef idx="2">
+        <a:scrgbClr r="0" g="0" b="0"/>
+      </a:lnRef>
+      <a:fillRef idx="0">
+        <a:scrgbClr r="0" g="0" b="0"/>
+      </a:fillRef>
+      <a:effectRef idx="0">
+        <a:scrgbClr r="0" g="0" b="0"/>
+      </a:effectRef>
+      <a:fontRef idx="minor"/>
+    </dgm:style>
+  </dgm:styleLbl>
+  <dgm:styleLbl name="fgAcc1">
+    <dgm:scene3d>
+      <a:camera prst="orthographicFront"/>
+      <a:lightRig rig="threePt" dir="t"/>
+    </dgm:scene3d>
+    <dgm:sp3d/>
+    <dgm:txPr/>
+    <dgm:style>
+      <a:lnRef idx="2">
+        <a:scrgbClr r="0" g="0" b="0"/>
+      </a:lnRef>
+      <a:fillRef idx="1">
+        <a:scrgbClr r="0" g="0" b="0"/>
+      </a:fillRef>
+      <a:effectRef idx="0">
+        <a:scrgbClr r="0" g="0" b="0"/>
+      </a:effectRef>
+      <a:fontRef idx="minor"/>
+    </dgm:style>
+  </dgm:styleLbl>
+  <dgm:styleLbl name="conFgAcc1">
+    <dgm:scene3d>
+      <a:camera prst="orthographicFront"/>
+      <a:lightRig rig="threePt" dir="t"/>
+    </dgm:scene3d>
+    <dgm:sp3d/>
+    <dgm:txPr/>
+    <dgm:style>
+      <a:lnRef idx="2">
+        <a:scrgbClr r="0" g="0" b="0"/>
+      </a:lnRef>
+      <a:fillRef idx="1">
+        <a:scrgbClr r="0" g="0" b="0"/>
+      </a:fillRef>
+      <a:effectRef idx="0">
+        <a:scrgbClr r="0" g="0" b="0"/>
+      </a:effectRef>
+      <a:fontRef idx="minor"/>
+    </dgm:style>
+  </dgm:styleLbl>
+  <dgm:styleLbl name="alignAcc1">
+    <dgm:scene3d>
+      <a:camera prst="orthographicFront"/>
+      <a:lightRig rig="threePt" dir="t"/>
+    </dgm:scene3d>
+    <dgm:sp3d/>
+    <dgm:txPr/>
+    <dgm:style>
+      <a:lnRef idx="2">
+        <a:scrgbClr r="0" g="0" b="0"/>
+      </a:lnRef>
+      <a:fillRef idx="1">
+        <a:scrgbClr r="0" g="0" b="0"/>
+      </a:fillRef>
+      <a:effectRef idx="0">
+        <a:scrgbClr r="0" g="0" b="0"/>
+      </a:effectRef>
+      <a:fontRef idx="minor"/>
+    </dgm:style>
+  </dgm:styleLbl>
+  <dgm:styleLbl name="trAlignAcc1">
+    <dgm:scene3d>
+      <a:camera prst="orthographicFront"/>
+      <a:lightRig rig="threePt" dir="t"/>
+    </dgm:scene3d>
+    <dgm:sp3d/>
+    <dgm:txPr/>
+    <dgm:style>
+      <a:lnRef idx="1">
+        <a:scrgbClr r="0" g="0" b="0"/>
+      </a:lnRef>
+      <a:fillRef idx="1">
+        <a:scrgbClr r="0" g="0" b="0"/>
+      </a:fillRef>
+      <a:effectRef idx="0">
+        <a:scrgbClr r="0" g="0" b="0"/>
+      </a:effectRef>
+      <a:fontRef idx="minor"/>
+    </dgm:style>
+  </dgm:styleLbl>
+  <dgm:styleLbl name="bgAcc1">
+    <dgm:scene3d>
+      <a:camera prst="orthographicFront"/>
+      <a:lightRig rig="threePt" dir="t"/>
+    </dgm:scene3d>
+    <dgm:sp3d/>
+    <dgm:txPr/>
+    <dgm:style>
+      <a:lnRef idx="2">
+        <a:scrgbClr r="0" g="0" b="0"/>
+      </a:lnRef>
+      <a:fillRef idx="1">
+        <a:scrgbClr r="0" g="0" b="0"/>
+      </a:fillRef>
+      <a:effectRef idx="0">
+        <a:scrgbClr r="0" g="0" b="0"/>
+      </a:effectRef>
+      <a:fontRef idx="minor"/>
+    </dgm:style>
+  </dgm:styleLbl>
+  <dgm:styleLbl name="solidFgAcc1">
+    <dgm:scene3d>
+      <a:camera prst="orthographicFront"/>
+      <a:lightRig rig="threePt" dir="t"/>
+    </dgm:scene3d>
+    <dgm:sp3d/>
+    <dgm:txPr/>
+    <dgm:style>
+      <a:lnRef idx="2">
+        <a:scrgbClr r="0" g="0" b="0"/>
+      </a:lnRef>
+      <a:fillRef idx="1">
+        <a:scrgbClr r="0" g="0" b="0"/>
+      </a:fillRef>
+      <a:effectRef idx="0">
+        <a:scrgbClr r="0" g="0" b="0"/>
+      </a:effectRef>
+      <a:fontRef idx="minor"/>
+    </dgm:style>
+  </dgm:styleLbl>
+  <dgm:styleLbl name="solidAlignAcc1">
+    <dgm:scene3d>
+      <a:camera prst="orthographicFront"/>
+      <a:lightRig rig="threePt" dir="t"/>
+    </dgm:scene3d>
+    <dgm:sp3d/>
+    <dgm:txPr/>
+    <dgm:style>
+      <a:lnRef idx="2">
+        <a:scrgbClr r="0" g="0" b="0"/>
+      </a:lnRef>
+      <a:fillRef idx="1">
+        <a:scrgbClr r="0" g="0" b="0"/>
+      </a:fillRef>
+      <a:effectRef idx="0">
+        <a:scrgbClr r="0" g="0" b="0"/>
+      </a:effectRef>
+      <a:fontRef idx="minor"/>
+    </dgm:style>
+  </dgm:styleLbl>
+  <dgm:styleLbl name="solidBgAcc1">
+    <dgm:scene3d>
+      <a:camera prst="orthographicFront"/>
+      <a:lightRig rig="threePt" dir="t"/>
+    </dgm:scene3d>
+    <dgm:sp3d/>
+    <dgm:txPr/>
+    <dgm:style>
+      <a:lnRef idx="2">
+        <a:scrgbClr r="0" g="0" b="0"/>
+      </a:lnRef>
+      <a:fillRef idx="1">
+        <a:scrgbClr r="0" g="0" b="0"/>
+      </a:fillRef>
+      <a:effectRef idx="0">
+        <a:scrgbClr r="0" g="0" b="0"/>
+      </a:effectRef>
+      <a:fontRef idx="minor"/>
+    </dgm:style>
+  </dgm:styleLbl>
+  <dgm:styleLbl name="fgAccFollowNode1">
+    <dgm:scene3d>
+      <a:camera prst="orthographicFront"/>
+      <a:lightRig rig="threePt" dir="t"/>
+    </dgm:scene3d>
+    <dgm:sp3d/>
+    <dgm:txPr/>
+    <dgm:style>
+      <a:lnRef idx="2">
+        <a:scrgbClr r="0" g="0" b="0"/>
+      </a:lnRef>
+      <a:fillRef idx="1">
+        <a:scrgbClr r="0" g="0" b="0"/>
+      </a:fillRef>
+      <a:effectRef idx="0">
+        <a:scrgbClr r="0" g="0" b="0"/>
+      </a:effectRef>
+      <a:fontRef idx="minor"/>
+    </dgm:style>
+  </dgm:styleLbl>
+  <dgm:styleLbl name="alignAccFollowNode1">
+    <dgm:scene3d>
+      <a:camera prst="orthographicFront"/>
+      <a:lightRig rig="threePt" dir="t"/>
+    </dgm:scene3d>
+    <dgm:sp3d/>
+    <dgm:txPr/>
+    <dgm:style>
+      <a:lnRef idx="2">
+        <a:scrgbClr r="0" g="0" b="0"/>
+      </a:lnRef>
+      <a:fillRef idx="1">
+        <a:scrgbClr r="0" g="0" b="0"/>
+      </a:fillRef>
+      <a:effectRef idx="0">
+        <a:scrgbClr r="0" g="0" b="0"/>
+      </a:effectRef>
+      <a:fontRef idx="minor"/>
+    </dgm:style>
+  </dgm:styleLbl>
+  <dgm:styleLbl name="bgAccFollowNode1">
+    <dgm:scene3d>
+      <a:camera prst="orthographicFront"/>
+      <a:lightRig rig="threePt" dir="t"/>
+    </dgm:scene3d>
+    <dgm:sp3d/>
+    <dgm:txPr/>
+    <dgm:style>
+      <a:lnRef idx="2">
+        <a:scrgbClr r="0" g="0" b="0"/>
+      </a:lnRef>
+      <a:fillRef idx="1">
+        <a:scrgbClr r="0" g="0" b="0"/>
+      </a:fillRef>
+      <a:effectRef idx="0">
+        <a:scrgbClr r="0" g="0" b="0"/>
+      </a:effectRef>
+      <a:fontRef idx="minor"/>
+    </dgm:style>
+  </dgm:styleLbl>
+  <dgm:styleLbl name="fgAcc0">
+    <dgm:scene3d>
+      <a:camera prst="orthographicFront"/>
+      <a:lightRig rig="threePt" dir="t"/>
+    </dgm:scene3d>
+    <dgm:sp3d/>
+    <dgm:txPr/>
+    <dgm:style>
+      <a:lnRef idx="2">
+        <a:scrgbClr r="0" g="0" b="0"/>
+      </a:lnRef>
+      <a:fillRef idx="1">
+        <a:scrgbClr r="0" g="0" b="0"/>
+      </a:fillRef>
+      <a:effectRef idx="0">
+        <a:scrgbClr r="0" g="0" b="0"/>
+      </a:effectRef>
+      <a:fontRef idx="minor"/>
+    </dgm:style>
+  </dgm:styleLbl>
+  <dgm:styleLbl name="fgAcc2">
+    <dgm:scene3d>
+      <a:camera prst="orthographicFront"/>
+      <a:lightRig rig="threePt" dir="t"/>
+    </dgm:scene3d>
+    <dgm:sp3d/>
+    <dgm:txPr/>
+    <dgm:style>
+      <a:lnRef idx="2">
+        <a:scrgbClr r="0" g="0" b="0"/>
+      </a:lnRef>
+      <a:fillRef idx="1">
+        <a:scrgbClr r="0" g="0" b="0"/>
+      </a:fillRef>
+      <a:effectRef idx="0">
+        <a:scrgbClr r="0" g="0" b="0"/>
+      </a:effectRef>
+      <a:fontRef idx="minor"/>
+    </dgm:style>
+  </dgm:styleLbl>
+  <dgm:styleLbl name="fgAcc3">
+    <dgm:scene3d>
+      <a:camera prst="orthographicFront"/>
+      <a:lightRig rig="threePt" dir="t"/>
+    </dgm:scene3d>
+    <dgm:sp3d/>
+    <dgm:txPr/>
+    <dgm:style>
+      <a:lnRef idx="2">
+        <a:scrgbClr r="0" g="0" b="0"/>
+      </a:lnRef>
+      <a:fillRef idx="1">
+        <a:scrgbClr r="0" g="0" b="0"/>
+      </a:fillRef>
+      <a:effectRef idx="0">
+        <a:scrgbClr r="0" g="0" b="0"/>
+      </a:effectRef>
+      <a:fontRef idx="minor"/>
+    </dgm:style>
+  </dgm:styleLbl>
+  <dgm:styleLbl name="fgAcc4">
+    <dgm:scene3d>
+      <a:camera prst="orthographicFront"/>
+      <a:lightRig rig="threePt" dir="t"/>
+    </dgm:scene3d>
+    <dgm:sp3d/>
+    <dgm:txPr/>
+    <dgm:style>
+      <a:lnRef idx="2">
+        <a:scrgbClr r="0" g="0" b="0"/>
+      </a:lnRef>
+      <a:fillRef idx="1">
+        <a:scrgbClr r="0" g="0" b="0"/>
+      </a:fillRef>
+      <a:effectRef idx="0">
+        <a:scrgbClr r="0" g="0" b="0"/>
+      </a:effectRef>
+      <a:fontRef idx="minor"/>
+    </dgm:style>
+  </dgm:styleLbl>
+  <dgm:styleLbl name="bgShp">
+    <dgm:scene3d>
+      <a:camera prst="orthographicFront"/>
+      <a:lightRig rig="threePt" dir="t"/>
+    </dgm:scene3d>
+    <dgm:sp3d/>
+    <dgm:txPr/>
+    <dgm:style>
+      <a:lnRef idx="0">
+        <a:scrgbClr r="0" g="0" b="0"/>
+      </a:lnRef>
+      <a:fillRef idx="1">
+        <a:scrgbClr r="0" g="0" b="0"/>
+      </a:fillRef>
+      <a:effectRef idx="0">
+        <a:scrgbClr r="0" g="0" b="0"/>
+      </a:effectRef>
+      <a:fontRef idx="minor"/>
+    </dgm:style>
+  </dgm:styleLbl>
+  <dgm:styleLbl name="dkBgShp">
+    <dgm:scene3d>
+      <a:camera prst="orthographicFront"/>
+      <a:lightRig rig="threePt" dir="t"/>
+    </dgm:scene3d>
+    <dgm:sp3d/>
+    <dgm:txPr/>
+    <dgm:style>
+      <a:lnRef idx="0">
+        <a:scrgbClr r="0" g="0" b="0"/>
+      </a:lnRef>
+      <a:fillRef idx="1">
+        <a:scrgbClr r="0" g="0" b="0"/>
+      </a:fillRef>
+      <a:effectRef idx="0">
+        <a:scrgbClr r="0" g="0" b="0"/>
+      </a:effectRef>
+      <a:fontRef idx="minor"/>
+    </dgm:style>
+  </dgm:styleLbl>
+  <dgm:styleLbl name="trBgShp">
+    <dgm:scene3d>
+      <a:camera prst="orthographicFront"/>
+      <a:lightRig rig="threePt" dir="t"/>
+    </dgm:scene3d>
+    <dgm:sp3d/>
+    <dgm:txPr/>
+    <dgm:style>
+      <a:lnRef idx="0">
+        <a:scrgbClr r="0" g="0" b="0"/>
+      </a:lnRef>
+      <a:fillRef idx="1">
+        <a:scrgbClr r="0" g="0" b="0"/>
+      </a:fillRef>
+      <a:effectRef idx="0">
+        <a:scrgbClr r="0" g="0" b="0"/>
+      </a:effectRef>
+      <a:fontRef idx="minor"/>
+    </dgm:style>
+  </dgm:styleLbl>
+  <dgm:styleLbl name="fgShp">
+    <dgm:scene3d>
+      <a:camera prst="orthographicFront"/>
+      <a:lightRig rig="threePt" dir="t"/>
+    </dgm:scene3d>
+    <dgm:sp3d/>
+    <dgm:txPr/>
+    <dgm:style>
+      <a:lnRef idx="2">
+        <a:scrgbClr r="0" g="0" b="0"/>
+      </a:lnRef>
+      <a:fillRef idx="1">
+        <a:scrgbClr r="0" g="0" b="0"/>
+      </a:fillRef>
+      <a:effectRef idx="0">
+        <a:scrgbClr r="0" g="0" b="0"/>
+      </a:effectRef>
+      <a:fontRef idx="minor"/>
+    </dgm:style>
+  </dgm:styleLbl>
+  <dgm:styleLbl name="revTx">
+    <dgm:scene3d>
+      <a:camera prst="orthographicFront"/>
+      <a:lightRig rig="threePt" dir="t"/>
+    </dgm:scene3d>
+    <dgm:sp3d/>
+    <dgm:txPr/>
+    <dgm:style>
+      <a:lnRef idx="0">
+        <a:scrgbClr r="0" g="0" b="0"/>
+      </a:lnRef>
+      <a:fillRef idx="0">
+        <a:scrgbClr r="0" g="0" b="0"/>
+      </a:fillRef>
+      <a:effectRef idx="0">
+        <a:scrgbClr r="0" g="0" b="0"/>
+      </a:effectRef>
+      <a:fontRef idx="minor"/>
+    </dgm:style>
+  </dgm:styleLbl>
+</dgm:styleDef>
+</file>
+
 <file path=ppt/handoutMasters/handoutMaster1.xml><?xml version="1.0" encoding="utf-8"?>
 <p:handoutMaster xmlns:a="http://schemas.openxmlformats.org/drawingml/2006/main" xmlns:r="http://schemas.openxmlformats.org/officeDocument/2006/relationships" xmlns:p="http://schemas.openxmlformats.org/presentationml/2006/main">
   <p:cSld>
@@ -255,7 +4116,7 @@
                   <a:schemeClr val="tx2"/>
                 </a:solidFill>
               </a:rPr>
-              <a:t>4/25/2025</a:t>
+              <a:t>4/26/2025</a:t>
             </a:fld>
             <a:endParaRPr dirty="0">
               <a:solidFill>
@@ -445,7 +4306,7 @@
             <a:fld id="{F95CF31C-F757-429C-A789-86504F04C3BE}" type="datetimeFigureOut">
               <a:rPr lang="en-US"/>
               <a:pPr/>
-              <a:t>4/25/2025</a:t>
+              <a:t>4/26/2025</a:t>
             </a:fld>
             <a:endParaRPr dirty="0"/>
           </a:p>
@@ -9348,32 +13209,24 @@
               <a:buNone/>
             </a:pPr>
             <a:r>
-              <a:rPr lang="en-US" dirty="0">
-                <a:latin typeface="Bahnschrift SemiBold" panose="020B0502040204020203" pitchFamily="34" charset="0"/>
+              <a:rPr lang="en-US" sz="2000" dirty="0">
+                <a:latin typeface="Bahnschrift" panose="020B0502040204020203" pitchFamily="34" charset="0"/>
               </a:rPr>
               <a:t>The Definition phase is the second step in the Human-Centered Design process. </a:t>
             </a:r>
-          </a:p>
-          <a:p>
-            <a:pPr marL="0" indent="0">
-              <a:buNone/>
-            </a:pPr>
-            <a:endParaRPr lang="en-US" dirty="0">
-              <a:latin typeface="Bahnschrift SemiBold" panose="020B0502040204020203" pitchFamily="34" charset="0"/>
-            </a:endParaRPr>
           </a:p>
           <a:p>
             <a:pPr marL="0" indent="0">
               <a:buNone/>
             </a:pPr>
             <a:r>
-              <a:rPr lang="en-US" dirty="0">
-                <a:latin typeface="Bahnschrift SemiBold" panose="020B0502040204020203" pitchFamily="34" charset="0"/>
+              <a:rPr lang="en-US" sz="2000" dirty="0">
+                <a:latin typeface="Bahnschrift" panose="020B0502040204020203" pitchFamily="34" charset="0"/>
               </a:rPr>
               <a:t>Insights from the Empathy phase are used to clearly define the user’s core problem or need.</a:t>
             </a:r>
-            <a:endParaRPr lang="en-IN" dirty="0">
-              <a:latin typeface="Bahnschrift SemiBold" panose="020B0502040204020203" pitchFamily="34" charset="0"/>
+            <a:endParaRPr lang="en-IN" sz="2000" dirty="0">
+              <a:latin typeface="Bahnschrift" panose="020B0502040204020203" pitchFamily="34" charset="0"/>
             </a:endParaRPr>
           </a:p>
         </p:txBody>
@@ -9399,7 +13252,108 @@
           <a:bodyPr/>
           <a:lstStyle/>
           <a:p>
-            <a:endParaRPr lang="en-IN"/>
+            <a:pPr algn="r" defTabSz="914400" eaLnBrk="0" fontAlgn="base" hangingPunct="0">
+              <a:lnSpc>
+                <a:spcPct val="150000"/>
+              </a:lnSpc>
+              <a:spcBef>
+                <a:spcPct val="0"/>
+              </a:spcBef>
+              <a:spcAft>
+                <a:spcPct val="0"/>
+              </a:spcAft>
+              <a:buClrTx/>
+              <a:buSzTx/>
+            </a:pPr>
+            <a:r>
+              <a:rPr lang="en-US" altLang="en-US" sz="1600" i="1" dirty="0">
+                <a:latin typeface="Bahnschrift" panose="020B0502040204020203" pitchFamily="34" charset="0"/>
+              </a:rPr>
+              <a:t>Define the real problem.</a:t>
+            </a:r>
+          </a:p>
+          <a:p>
+            <a:pPr algn="r" defTabSz="914400" eaLnBrk="0" fontAlgn="base" hangingPunct="0">
+              <a:lnSpc>
+                <a:spcPct val="150000"/>
+              </a:lnSpc>
+              <a:spcBef>
+                <a:spcPct val="0"/>
+              </a:spcBef>
+              <a:spcAft>
+                <a:spcPct val="0"/>
+              </a:spcAft>
+              <a:buClrTx/>
+              <a:buSzTx/>
+            </a:pPr>
+            <a:r>
+              <a:rPr lang="en-US" altLang="en-US" sz="1600" i="1" dirty="0">
+                <a:latin typeface="Bahnschrift" panose="020B0502040204020203" pitchFamily="34" charset="0"/>
+              </a:rPr>
+              <a:t>Write a clear design brief.</a:t>
+            </a:r>
+          </a:p>
+          <a:p>
+            <a:pPr algn="r" defTabSz="914400" eaLnBrk="0" fontAlgn="base" hangingPunct="0">
+              <a:lnSpc>
+                <a:spcPct val="150000"/>
+              </a:lnSpc>
+              <a:spcBef>
+                <a:spcPct val="0"/>
+              </a:spcBef>
+              <a:spcAft>
+                <a:spcPct val="0"/>
+              </a:spcAft>
+              <a:buClrTx/>
+              <a:buSzTx/>
+            </a:pPr>
+            <a:r>
+              <a:rPr lang="en-US" altLang="en-US" sz="1600" i="1" dirty="0">
+                <a:latin typeface="Bahnschrift" panose="020B0502040204020203" pitchFamily="34" charset="0"/>
+              </a:rPr>
+              <a:t>List broad solution specs.</a:t>
+            </a:r>
+          </a:p>
+          <a:p>
+            <a:pPr algn="r" defTabSz="914400" eaLnBrk="0" fontAlgn="base" hangingPunct="0">
+              <a:lnSpc>
+                <a:spcPct val="150000"/>
+              </a:lnSpc>
+              <a:spcBef>
+                <a:spcPct val="0"/>
+              </a:spcBef>
+              <a:spcAft>
+                <a:spcPct val="0"/>
+              </a:spcAft>
+              <a:buClrTx/>
+              <a:buSzTx/>
+            </a:pPr>
+            <a:r>
+              <a:rPr lang="en-US" altLang="en-US" sz="1600" i="1" dirty="0">
+                <a:latin typeface="Bahnschrift" panose="020B0502040204020203" pitchFamily="34" charset="0"/>
+              </a:rPr>
+              <a:t>Focus on user needs.</a:t>
+            </a:r>
+          </a:p>
+          <a:p>
+            <a:pPr marL="0" indent="0" algn="r" defTabSz="914400" eaLnBrk="0" fontAlgn="base" hangingPunct="0">
+              <a:lnSpc>
+                <a:spcPct val="150000"/>
+              </a:lnSpc>
+              <a:spcBef>
+                <a:spcPct val="0"/>
+              </a:spcBef>
+              <a:spcAft>
+                <a:spcPct val="0"/>
+              </a:spcAft>
+              <a:buClrTx/>
+              <a:buSzTx/>
+              <a:buFontTx/>
+              <a:buChar char="•"/>
+            </a:pPr>
+            <a:endParaRPr lang="en-IN" sz="1600" i="1" dirty="0">
+              <a:latin typeface="Bahnschrift" panose="020B0502040204020203" pitchFamily="34" charset="0"/>
+            </a:endParaRPr>
           </a:p>
         </p:txBody>
       </p:sp>
@@ -9612,31 +13566,31 @@
           <a:chExt cx="0" cy="0"/>
         </a:xfrm>
       </p:grpSpPr>
-      <p:sp>
-        <p:nvSpPr>
-          <p:cNvPr id="3" name="Picture Placeholder 2">
+      <p:pic>
+        <p:nvPicPr>
+          <p:cNvPr id="4" name="Picture Placeholder 3">
             <a:extLst>
               <a:ext uri="{FF2B5EF4-FFF2-40B4-BE49-F238E27FC236}">
-                <a16:creationId xmlns:a16="http://schemas.microsoft.com/office/drawing/2014/main" id="{598213EA-AD07-108F-47C6-99F6983D38E5}"/>
+                <a16:creationId xmlns:a16="http://schemas.microsoft.com/office/drawing/2014/main" id="{05380EF5-0F0E-BDF5-3703-8680FC69C56C}"/>
               </a:ext>
             </a:extLst>
           </p:cNvPr>
-          <p:cNvSpPr>
-            <a:spLocks noGrp="1"/>
-          </p:cNvSpPr>
+          <p:cNvPicPr>
+            <a:picLocks noGrp="1" noChangeAspect="1"/>
+          </p:cNvPicPr>
           <p:nvPr>
             <p:ph type="pic" sz="quarter" idx="10"/>
           </p:nvPr>
-        </p:nvSpPr>
+        </p:nvPicPr>
+        <p:blipFill>
+          <a:blip r:embed="rId2"/>
+          <a:srcRect l="5112" r="5112"/>
+          <a:stretch>
+            <a:fillRect/>
+          </a:stretch>
+        </p:blipFill>
         <p:spPr/>
-        <p:txBody>
-          <a:bodyPr/>
-          <a:lstStyle/>
-          <a:p>
-            <a:endParaRPr lang="en-US"/>
-          </a:p>
-        </p:txBody>
-      </p:sp>
+      </p:pic>
       <p:sp>
         <p:nvSpPr>
           <p:cNvPr id="8" name="Slide Number Placeholder 4">
@@ -10050,13 +14004,13 @@
   <p:clrMapOvr>
     <a:masterClrMapping/>
   </p:clrMapOvr>
-  <mc:AlternateContent xmlns:mc="http://schemas.openxmlformats.org/markup-compatibility/2006">
-    <mc:Choice xmlns:p14="http://schemas.microsoft.com/office/powerpoint/2010/main" Requires="p14">
+  <mc:AlternateContent xmlns:mc="http://schemas.openxmlformats.org/markup-compatibility/2006" xmlns:p14="http://schemas.microsoft.com/office/powerpoint/2010/main">
+    <mc:Choice Requires="p14">
       <p:transition spd="med" p14:dur="700">
         <p:fade/>
       </p:transition>
     </mc:Choice>
-    <mc:Fallback>
+    <mc:Fallback xmlns="">
       <p:transition spd="med">
         <p:fade/>
       </p:transition>
@@ -10088,31 +14042,31 @@
           <a:chExt cx="0" cy="0"/>
         </a:xfrm>
       </p:grpSpPr>
-      <p:sp>
-        <p:nvSpPr>
-          <p:cNvPr id="3" name="Picture Placeholder 2">
+      <p:pic>
+        <p:nvPicPr>
+          <p:cNvPr id="4" name="Picture Placeholder 3">
             <a:extLst>
               <a:ext uri="{FF2B5EF4-FFF2-40B4-BE49-F238E27FC236}">
-                <a16:creationId xmlns:a16="http://schemas.microsoft.com/office/drawing/2014/main" id="{5BB9C49B-DCF1-143A-A6D1-697430514496}"/>
+                <a16:creationId xmlns:a16="http://schemas.microsoft.com/office/drawing/2014/main" id="{03E7D0C2-E758-F638-E180-6DC3AB45DA0D}"/>
               </a:ext>
             </a:extLst>
           </p:cNvPr>
-          <p:cNvSpPr>
-            <a:spLocks noGrp="1"/>
-          </p:cNvSpPr>
+          <p:cNvPicPr>
+            <a:picLocks noGrp="1" noChangeAspect="1"/>
+          </p:cNvPicPr>
           <p:nvPr>
             <p:ph type="pic" sz="quarter" idx="10"/>
           </p:nvPr>
-        </p:nvSpPr>
+        </p:nvPicPr>
+        <p:blipFill>
+          <a:blip r:embed="rId2"/>
+          <a:srcRect l="24750" r="24750"/>
+          <a:stretch>
+            <a:fillRect/>
+          </a:stretch>
+        </p:blipFill>
         <p:spPr/>
-        <p:txBody>
-          <a:bodyPr/>
-          <a:lstStyle/>
-          <a:p>
-            <a:endParaRPr lang="en-US"/>
-          </a:p>
-        </p:txBody>
-      </p:sp>
+      </p:pic>
       <p:sp>
         <p:nvSpPr>
           <p:cNvPr id="8" name="Slide Number Placeholder 4">
@@ -10557,13 +14511,13 @@
   <p:clrMapOvr>
     <a:masterClrMapping/>
   </p:clrMapOvr>
-  <mc:AlternateContent xmlns:mc="http://schemas.openxmlformats.org/markup-compatibility/2006">
-    <mc:Choice xmlns:p14="http://schemas.microsoft.com/office/powerpoint/2010/main" Requires="p14">
+  <mc:AlternateContent xmlns:mc="http://schemas.openxmlformats.org/markup-compatibility/2006" xmlns:p14="http://schemas.microsoft.com/office/powerpoint/2010/main">
+    <mc:Choice Requires="p14">
       <p:transition spd="med" p14:dur="700">
         <p:fade/>
       </p:transition>
     </mc:Choice>
-    <mc:Fallback>
+    <mc:Fallback xmlns="">
       <p:transition spd="med">
         <p:fade/>
       </p:transition>
@@ -10589,12 +14543,111 @@
           <a:chExt cx="0" cy="0"/>
         </a:xfrm>
       </p:grpSpPr>
+      <p:graphicFrame>
+        <p:nvGraphicFramePr>
+          <p:cNvPr id="3" name="Diagram 2">
+            <a:extLst>
+              <a:ext uri="{FF2B5EF4-FFF2-40B4-BE49-F238E27FC236}">
+                <a16:creationId xmlns:a16="http://schemas.microsoft.com/office/drawing/2014/main" id="{A3E2D052-23F2-1751-35C9-A09A72F79373}"/>
+              </a:ext>
+            </a:extLst>
+          </p:cNvPr>
+          <p:cNvGraphicFramePr/>
+          <p:nvPr>
+            <p:extLst>
+              <p:ext uri="{D42A27DB-BD31-4B8C-83A1-F6EECF244321}">
+                <p14:modId xmlns:p14="http://schemas.microsoft.com/office/powerpoint/2010/main" val="444005220"/>
+              </p:ext>
+            </p:extLst>
+          </p:nvPr>
+        </p:nvGraphicFramePr>
+        <p:xfrm>
+          <a:off x="2031470" y="1295400"/>
+          <a:ext cx="8125883" cy="5417256"/>
+        </p:xfrm>
+        <a:graphic>
+          <a:graphicData uri="http://schemas.openxmlformats.org/drawingml/2006/diagram">
+            <dgm:relIds xmlns:dgm="http://schemas.openxmlformats.org/drawingml/2006/diagram" xmlns:r="http://schemas.openxmlformats.org/officeDocument/2006/relationships" r:dm="rId2" r:lo="rId3" r:qs="rId4" r:cs="rId5"/>
+          </a:graphicData>
+        </a:graphic>
+      </p:graphicFrame>
+      <p:sp>
+        <p:nvSpPr>
+          <p:cNvPr id="4" name="Title 1">
+            <a:extLst>
+              <a:ext uri="{FF2B5EF4-FFF2-40B4-BE49-F238E27FC236}">
+                <a16:creationId xmlns:a16="http://schemas.microsoft.com/office/drawing/2014/main" id="{8C8C87B7-BEBA-22B9-C4C4-510C623C6A26}"/>
+              </a:ext>
+            </a:extLst>
+          </p:cNvPr>
+          <p:cNvSpPr>
+            <a:spLocks noGrp="1"/>
+          </p:cNvSpPr>
+          <p:nvPr>
+            <p:ph type="title"/>
+          </p:nvPr>
+        </p:nvSpPr>
+        <p:spPr>
+          <a:xfrm>
+            <a:off x="836612" y="1143000"/>
+            <a:ext cx="5663142" cy="917448"/>
+          </a:xfrm>
+        </p:spPr>
+        <p:txBody>
+          <a:bodyPr>
+            <a:normAutofit fontScale="90000"/>
+          </a:bodyPr>
+          <a:lstStyle/>
+          <a:p>
+            <a:r>
+              <a:rPr lang="en-IN" sz="4400" dirty="0"/>
+              <a:t>Definition Process Iterations</a:t>
+            </a:r>
+          </a:p>
+        </p:txBody>
+      </p:sp>
+    </p:spTree>
+    <p:extLst>
+      <p:ext uri="{BB962C8B-B14F-4D97-AF65-F5344CB8AC3E}">
+        <p14:creationId xmlns:p14="http://schemas.microsoft.com/office/powerpoint/2010/main" val="113973247"/>
+      </p:ext>
+    </p:extLst>
+  </p:cSld>
+  <p:clrMapOvr>
+    <a:masterClrMapping/>
+  </p:clrMapOvr>
+</p:sld>
+</file>
+
+<file path=ppt/slides/slide14.xml><?xml version="1.0" encoding="utf-8"?>
+<p:sld xmlns:a="http://schemas.openxmlformats.org/drawingml/2006/main" xmlns:r="http://schemas.openxmlformats.org/officeDocument/2006/relationships" xmlns:p="http://schemas.openxmlformats.org/presentationml/2006/main">
+  <p:cSld>
+    <p:spTree>
+      <p:nvGrpSpPr>
+        <p:cNvPr id="1" name="">
+          <a:extLst>
+            <a:ext uri="{FF2B5EF4-FFF2-40B4-BE49-F238E27FC236}">
+              <a16:creationId xmlns:a16="http://schemas.microsoft.com/office/drawing/2014/main" id="{FFB85F68-8123-6880-86CF-D39DE164CE9B}"/>
+            </a:ext>
+          </a:extLst>
+        </p:cNvPr>
+        <p:cNvGrpSpPr/>
+        <p:nvPr/>
+      </p:nvGrpSpPr>
+      <p:grpSpPr>
+        <a:xfrm>
+          <a:off x="0" y="0"/>
+          <a:ext cx="0" cy="0"/>
+          <a:chOff x="0" y="0"/>
+          <a:chExt cx="0" cy="0"/>
+        </a:xfrm>
+      </p:grpSpPr>
       <p:sp>
         <p:nvSpPr>
           <p:cNvPr id="2" name="Title 1">
             <a:extLst>
               <a:ext uri="{FF2B5EF4-FFF2-40B4-BE49-F238E27FC236}">
-                <a16:creationId xmlns:a16="http://schemas.microsoft.com/office/drawing/2014/main" id="{8293087C-D9DF-6AEB-3DDD-CE6BA4742958}"/>
+                <a16:creationId xmlns:a16="http://schemas.microsoft.com/office/drawing/2014/main" id="{CB2FB0A1-DF3F-2C56-A9BE-2B2150E1E5F2}"/>
               </a:ext>
             </a:extLst>
           </p:cNvPr>
@@ -10610,7 +14663,10 @@
           <a:bodyPr/>
           <a:lstStyle/>
           <a:p>
-            <a:endParaRPr lang="en-IN"/>
+            <a:r>
+              <a:rPr lang="en-IN" dirty="0"/>
+              <a:t>Prototype Phase</a:t>
+            </a:r>
           </a:p>
         </p:txBody>
       </p:sp>
@@ -10619,7 +14675,7 @@
           <p:cNvPr id="3" name="Content Placeholder 2">
             <a:extLst>
               <a:ext uri="{FF2B5EF4-FFF2-40B4-BE49-F238E27FC236}">
-                <a16:creationId xmlns:a16="http://schemas.microsoft.com/office/drawing/2014/main" id="{A5EB9FEF-DE24-2B3B-D6C5-2F664A0F932B}"/>
+                <a16:creationId xmlns:a16="http://schemas.microsoft.com/office/drawing/2014/main" id="{91139623-E418-9918-37FE-C29501924A8E}"/>
               </a:ext>
             </a:extLst>
           </p:cNvPr>
@@ -10635,7 +14691,7 @@
           <a:bodyPr/>
           <a:lstStyle/>
           <a:p>
-            <a:endParaRPr lang="en-IN"/>
+            <a:endParaRPr lang="en-IN" dirty="0"/>
           </a:p>
         </p:txBody>
       </p:sp>
@@ -10644,7 +14700,7 @@
           <p:cNvPr id="4" name="Content Placeholder 3">
             <a:extLst>
               <a:ext uri="{FF2B5EF4-FFF2-40B4-BE49-F238E27FC236}">
-                <a16:creationId xmlns:a16="http://schemas.microsoft.com/office/drawing/2014/main" id="{90AD67B7-7DE5-CFC5-8DC4-1A1C44B6049D}"/>
+                <a16:creationId xmlns:a16="http://schemas.microsoft.com/office/drawing/2014/main" id="{9B787AC9-EBC2-8A16-B408-255CE6BBC6B3}"/>
               </a:ext>
             </a:extLst>
           </p:cNvPr>
@@ -10666,85 +14722,10 @@
       </p:sp>
       <p:sp>
         <p:nvSpPr>
-          <p:cNvPr id="5" name="Picture Placeholder 4">
+          <p:cNvPr id="5" name="Slide Number Placeholder 4">
             <a:extLst>
               <a:ext uri="{FF2B5EF4-FFF2-40B4-BE49-F238E27FC236}">
-                <a16:creationId xmlns:a16="http://schemas.microsoft.com/office/drawing/2014/main" id="{84B86DCF-4B97-9947-A1A5-CB1979819433}"/>
-              </a:ext>
-            </a:extLst>
-          </p:cNvPr>
-          <p:cNvSpPr>
-            <a:spLocks noGrp="1"/>
-          </p:cNvSpPr>
-          <p:nvPr>
-            <p:ph type="pic" sz="quarter" idx="15"/>
-          </p:nvPr>
-        </p:nvSpPr>
-        <p:spPr/>
-        <p:txBody>
-          <a:bodyPr/>
-          <a:lstStyle/>
-          <a:p>
-            <a:endParaRPr lang="en-US"/>
-          </a:p>
-        </p:txBody>
-      </p:sp>
-      <p:sp>
-        <p:nvSpPr>
-          <p:cNvPr id="6" name="Picture Placeholder 5">
-            <a:extLst>
-              <a:ext uri="{FF2B5EF4-FFF2-40B4-BE49-F238E27FC236}">
-                <a16:creationId xmlns:a16="http://schemas.microsoft.com/office/drawing/2014/main" id="{8AB7107F-47DD-9F0D-70A4-3FF297304F55}"/>
-              </a:ext>
-            </a:extLst>
-          </p:cNvPr>
-          <p:cNvSpPr>
-            <a:spLocks noGrp="1"/>
-          </p:cNvSpPr>
-          <p:nvPr>
-            <p:ph type="pic" sz="quarter" idx="17"/>
-          </p:nvPr>
-        </p:nvSpPr>
-        <p:spPr/>
-        <p:txBody>
-          <a:bodyPr/>
-          <a:lstStyle/>
-          <a:p>
-            <a:endParaRPr lang="en-US"/>
-          </a:p>
-        </p:txBody>
-      </p:sp>
-      <p:sp>
-        <p:nvSpPr>
-          <p:cNvPr id="7" name="Picture Placeholder 6">
-            <a:extLst>
-              <a:ext uri="{FF2B5EF4-FFF2-40B4-BE49-F238E27FC236}">
-                <a16:creationId xmlns:a16="http://schemas.microsoft.com/office/drawing/2014/main" id="{638EFBB7-E515-DA5F-08E3-9C0BE88AB6AA}"/>
-              </a:ext>
-            </a:extLst>
-          </p:cNvPr>
-          <p:cNvSpPr>
-            <a:spLocks noGrp="1"/>
-          </p:cNvSpPr>
-          <p:nvPr>
-            <p:ph type="pic" sz="quarter" idx="16"/>
-          </p:nvPr>
-        </p:nvSpPr>
-        <p:spPr/>
-        <p:txBody>
-          <a:bodyPr/>
-          <a:lstStyle/>
-          <a:p>
-            <a:endParaRPr lang="en-US"/>
-          </a:p>
-        </p:txBody>
-      </p:sp>
-      <p:sp>
-        <p:nvSpPr>
-          <p:cNvPr id="8" name="Slide Number Placeholder 7">
-            <a:extLst>
-              <a:ext uri="{FF2B5EF4-FFF2-40B4-BE49-F238E27FC236}">
-                <a16:creationId xmlns:a16="http://schemas.microsoft.com/office/drawing/2014/main" id="{73E0A801-B1B2-373A-D748-9D9CBC514047}"/>
+                <a16:creationId xmlns:a16="http://schemas.microsoft.com/office/drawing/2014/main" id="{85DF273A-9AB3-B5C3-9ADB-A4CF1A4262CD}"/>
               </a:ext>
             </a:extLst>
           </p:cNvPr>
@@ -10763,7 +14744,7 @@
             <a:fld id="{EB37DED6-D4C7-42EE-AB49-D2E39E64FDE4}" type="slidenum">
               <a:rPr lang="en-US" smtClean="0"/>
               <a:pPr/>
-              <a:t>13</a:t>
+              <a:t>14</a:t>
             </a:fld>
             <a:endParaRPr lang="en-US" dirty="0"/>
           </a:p>
@@ -10771,10 +14752,10 @@
       </p:sp>
       <p:sp>
         <p:nvSpPr>
-          <p:cNvPr id="9" name="Slide Number Placeholder 4">
+          <p:cNvPr id="6" name="Slide Number Placeholder 4">
             <a:extLst>
               <a:ext uri="{FF2B5EF4-FFF2-40B4-BE49-F238E27FC236}">
-                <a16:creationId xmlns:a16="http://schemas.microsoft.com/office/drawing/2014/main" id="{B83451FF-8081-707C-0922-6A67FAC34CDB}"/>
+                <a16:creationId xmlns:a16="http://schemas.microsoft.com/office/drawing/2014/main" id="{2C10F4A0-3974-7A60-C519-09E70A08BDEC}"/>
               </a:ext>
             </a:extLst>
           </p:cNvPr>
@@ -10903,154 +14884,7 @@
     </p:spTree>
     <p:extLst>
       <p:ext uri="{BB962C8B-B14F-4D97-AF65-F5344CB8AC3E}">
-        <p14:creationId xmlns:p14="http://schemas.microsoft.com/office/powerpoint/2010/main" val="2656427420"/>
-      </p:ext>
-    </p:extLst>
-  </p:cSld>
-  <p:clrMapOvr>
-    <a:masterClrMapping/>
-  </p:clrMapOvr>
-  <mc:AlternateContent xmlns:mc="http://schemas.openxmlformats.org/markup-compatibility/2006" xmlns:p14="http://schemas.microsoft.com/office/powerpoint/2010/main">
-    <mc:Choice Requires="p14">
-      <p:transition spd="med" p14:dur="700">
-        <p:fade/>
-      </p:transition>
-    </mc:Choice>
-    <mc:Fallback xmlns="">
-      <p:transition spd="med">
-        <p:fade/>
-      </p:transition>
-    </mc:Fallback>
-  </mc:AlternateContent>
-</p:sld>
-</file>
-
-<file path=ppt/slides/slide14.xml><?xml version="1.0" encoding="utf-8"?>
-<p:sld xmlns:a="http://schemas.openxmlformats.org/drawingml/2006/main" xmlns:r="http://schemas.openxmlformats.org/officeDocument/2006/relationships" xmlns:p="http://schemas.openxmlformats.org/presentationml/2006/main">
-  <p:cSld>
-    <p:spTree>
-      <p:nvGrpSpPr>
-        <p:cNvPr id="1" name=""/>
-        <p:cNvGrpSpPr/>
-        <p:nvPr/>
-      </p:nvGrpSpPr>
-      <p:grpSpPr>
-        <a:xfrm>
-          <a:off x="0" y="0"/>
-          <a:ext cx="0" cy="0"/>
-          <a:chOff x="0" y="0"/>
-          <a:chExt cx="0" cy="0"/>
-        </a:xfrm>
-      </p:grpSpPr>
-      <p:sp>
-        <p:nvSpPr>
-          <p:cNvPr id="2" name="Title 1">
-            <a:extLst>
-              <a:ext uri="{FF2B5EF4-FFF2-40B4-BE49-F238E27FC236}">
-                <a16:creationId xmlns:a16="http://schemas.microsoft.com/office/drawing/2014/main" id="{8C8292A8-8F69-9053-C83E-CFA06088F1A2}"/>
-              </a:ext>
-            </a:extLst>
-          </p:cNvPr>
-          <p:cNvSpPr>
-            <a:spLocks noGrp="1"/>
-          </p:cNvSpPr>
-          <p:nvPr>
-            <p:ph type="title"/>
-          </p:nvPr>
-        </p:nvSpPr>
-        <p:spPr/>
-        <p:txBody>
-          <a:bodyPr/>
-          <a:lstStyle/>
-          <a:p>
-            <a:endParaRPr lang="en-US"/>
-          </a:p>
-        </p:txBody>
-      </p:sp>
-      <p:sp>
-        <p:nvSpPr>
-          <p:cNvPr id="3" name="Content Placeholder 2">
-            <a:extLst>
-              <a:ext uri="{FF2B5EF4-FFF2-40B4-BE49-F238E27FC236}">
-                <a16:creationId xmlns:a16="http://schemas.microsoft.com/office/drawing/2014/main" id="{BC96A423-4923-1AF4-7E3F-AF6C5E29581C}"/>
-              </a:ext>
-            </a:extLst>
-          </p:cNvPr>
-          <p:cNvSpPr>
-            <a:spLocks noGrp="1"/>
-          </p:cNvSpPr>
-          <p:nvPr>
-            <p:ph sz="quarter" idx="13"/>
-          </p:nvPr>
-        </p:nvSpPr>
-        <p:spPr/>
-        <p:txBody>
-          <a:bodyPr/>
-          <a:lstStyle/>
-          <a:p>
-            <a:endParaRPr lang="en-US"/>
-          </a:p>
-        </p:txBody>
-      </p:sp>
-      <p:sp>
-        <p:nvSpPr>
-          <p:cNvPr id="4" name="Content Placeholder 3">
-            <a:extLst>
-              <a:ext uri="{FF2B5EF4-FFF2-40B4-BE49-F238E27FC236}">
-                <a16:creationId xmlns:a16="http://schemas.microsoft.com/office/drawing/2014/main" id="{5333AA6C-63B3-5DB6-2FA1-8405388E36AA}"/>
-              </a:ext>
-            </a:extLst>
-          </p:cNvPr>
-          <p:cNvSpPr>
-            <a:spLocks noGrp="1"/>
-          </p:cNvSpPr>
-          <p:nvPr>
-            <p:ph sz="quarter" idx="14"/>
-          </p:nvPr>
-        </p:nvSpPr>
-        <p:spPr/>
-        <p:txBody>
-          <a:bodyPr/>
-          <a:lstStyle/>
-          <a:p>
-            <a:endParaRPr lang="en-US"/>
-          </a:p>
-        </p:txBody>
-      </p:sp>
-      <p:sp>
-        <p:nvSpPr>
-          <p:cNvPr id="5" name="Slide Number Placeholder 4">
-            <a:extLst>
-              <a:ext uri="{FF2B5EF4-FFF2-40B4-BE49-F238E27FC236}">
-                <a16:creationId xmlns:a16="http://schemas.microsoft.com/office/drawing/2014/main" id="{4029AADF-761F-448B-FC64-9FCE69A1BED1}"/>
-              </a:ext>
-            </a:extLst>
-          </p:cNvPr>
-          <p:cNvSpPr>
-            <a:spLocks noGrp="1"/>
-          </p:cNvSpPr>
-          <p:nvPr>
-            <p:ph type="sldNum" sz="quarter" idx="12"/>
-          </p:nvPr>
-        </p:nvSpPr>
-        <p:spPr/>
-        <p:txBody>
-          <a:bodyPr/>
-          <a:lstStyle/>
-          <a:p>
-            <a:fld id="{EB37DED6-D4C7-42EE-AB49-D2E39E64FDE4}" type="slidenum">
-              <a:rPr lang="en-US" smtClean="0"/>
-              <a:pPr/>
-              <a:t>14</a:t>
-            </a:fld>
-            <a:endParaRPr lang="en-US" dirty="0"/>
-          </a:p>
-        </p:txBody>
-      </p:sp>
-    </p:spTree>
-    <p:extLst>
-      <p:ext uri="{BB962C8B-B14F-4D97-AF65-F5344CB8AC3E}">
-        <p14:creationId xmlns:p14="http://schemas.microsoft.com/office/powerpoint/2010/main" val="3132027166"/>
+        <p14:creationId xmlns:p14="http://schemas.microsoft.com/office/powerpoint/2010/main" val="2902727585"/>
       </p:ext>
     </p:extLst>
   </p:cSld>
@@ -11077,13 +14911,7 @@
   <p:cSld>
     <p:spTree>
       <p:nvGrpSpPr>
-        <p:cNvPr id="1" name="">
-          <a:extLst>
-            <a:ext uri="{FF2B5EF4-FFF2-40B4-BE49-F238E27FC236}">
-              <a16:creationId xmlns:a16="http://schemas.microsoft.com/office/drawing/2014/main" id="{FFB85F68-8123-6880-86CF-D39DE164CE9B}"/>
-            </a:ext>
-          </a:extLst>
-        </p:cNvPr>
+        <p:cNvPr id="1" name=""/>
         <p:cNvGrpSpPr/>
         <p:nvPr/>
       </p:nvGrpSpPr>
@@ -11100,7 +14928,7 @@
           <p:cNvPr id="2" name="Title 1">
             <a:extLst>
               <a:ext uri="{FF2B5EF4-FFF2-40B4-BE49-F238E27FC236}">
-                <a16:creationId xmlns:a16="http://schemas.microsoft.com/office/drawing/2014/main" id="{CB2FB0A1-DF3F-2C56-A9BE-2B2150E1E5F2}"/>
+                <a16:creationId xmlns:a16="http://schemas.microsoft.com/office/drawing/2014/main" id="{AADB5DC0-637B-33EB-9B61-EFB3DE503900}"/>
               </a:ext>
             </a:extLst>
           </p:cNvPr>
@@ -11116,10 +14944,7 @@
           <a:bodyPr/>
           <a:lstStyle/>
           <a:p>
-            <a:r>
-              <a:rPr lang="en-IN" dirty="0"/>
-              <a:t>Prototype Phase</a:t>
-            </a:r>
+            <a:endParaRPr lang="en-IN"/>
           </a:p>
         </p:txBody>
       </p:sp>
@@ -11128,7 +14953,7 @@
           <p:cNvPr id="3" name="Content Placeholder 2">
             <a:extLst>
               <a:ext uri="{FF2B5EF4-FFF2-40B4-BE49-F238E27FC236}">
-                <a16:creationId xmlns:a16="http://schemas.microsoft.com/office/drawing/2014/main" id="{91139623-E418-9918-37FE-C29501924A8E}"/>
+                <a16:creationId xmlns:a16="http://schemas.microsoft.com/office/drawing/2014/main" id="{54DEFFDB-126C-310C-5C89-434FDACA5F31}"/>
               </a:ext>
             </a:extLst>
           </p:cNvPr>
@@ -11144,16 +14969,16 @@
           <a:bodyPr/>
           <a:lstStyle/>
           <a:p>
-            <a:endParaRPr lang="en-IN" dirty="0"/>
+            <a:endParaRPr lang="en-IN"/>
           </a:p>
         </p:txBody>
       </p:sp>
       <p:sp>
         <p:nvSpPr>
-          <p:cNvPr id="4" name="Content Placeholder 3">
+          <p:cNvPr id="4" name="Picture Placeholder 3">
             <a:extLst>
               <a:ext uri="{FF2B5EF4-FFF2-40B4-BE49-F238E27FC236}">
-                <a16:creationId xmlns:a16="http://schemas.microsoft.com/office/drawing/2014/main" id="{9B787AC9-EBC2-8A16-B408-255CE6BBC6B3}"/>
+                <a16:creationId xmlns:a16="http://schemas.microsoft.com/office/drawing/2014/main" id="{84E988D3-CF35-4838-4D7E-194B8206E5F6}"/>
               </a:ext>
             </a:extLst>
           </p:cNvPr>
@@ -11161,7 +14986,7 @@
             <a:spLocks noGrp="1"/>
           </p:cNvSpPr>
           <p:nvPr>
-            <p:ph sz="quarter" idx="14"/>
+            <p:ph type="pic" sz="quarter" idx="14"/>
           </p:nvPr>
         </p:nvSpPr>
         <p:spPr/>
@@ -11169,7 +14994,7 @@
           <a:bodyPr/>
           <a:lstStyle/>
           <a:p>
-            <a:endParaRPr lang="en-IN"/>
+            <a:endParaRPr lang="en-US"/>
           </a:p>
         </p:txBody>
       </p:sp>
@@ -11178,7 +15003,7 @@
           <p:cNvPr id="5" name="Slide Number Placeholder 4">
             <a:extLst>
               <a:ext uri="{FF2B5EF4-FFF2-40B4-BE49-F238E27FC236}">
-                <a16:creationId xmlns:a16="http://schemas.microsoft.com/office/drawing/2014/main" id="{85DF273A-9AB3-B5C3-9ADB-A4CF1A4262CD}"/>
+                <a16:creationId xmlns:a16="http://schemas.microsoft.com/office/drawing/2014/main" id="{ECB92C49-500A-83A9-A98E-071CD7B4CF66}"/>
               </a:ext>
             </a:extLst>
           </p:cNvPr>
@@ -11208,7 +15033,7 @@
           <p:cNvPr id="6" name="Slide Number Placeholder 4">
             <a:extLst>
               <a:ext uri="{FF2B5EF4-FFF2-40B4-BE49-F238E27FC236}">
-                <a16:creationId xmlns:a16="http://schemas.microsoft.com/office/drawing/2014/main" id="{2C10F4A0-3974-7A60-C519-09E70A08BDEC}"/>
+                <a16:creationId xmlns:a16="http://schemas.microsoft.com/office/drawing/2014/main" id="{3F841A1B-DBD5-E8AC-6353-E738060B9317}"/>
               </a:ext>
             </a:extLst>
           </p:cNvPr>
@@ -11337,7 +15162,7 @@
     </p:spTree>
     <p:extLst>
       <p:ext uri="{BB962C8B-B14F-4D97-AF65-F5344CB8AC3E}">
-        <p14:creationId xmlns:p14="http://schemas.microsoft.com/office/powerpoint/2010/main" val="2902727585"/>
+        <p14:creationId xmlns:p14="http://schemas.microsoft.com/office/powerpoint/2010/main" val="1871765083"/>
       </p:ext>
     </p:extLst>
   </p:cSld>
@@ -11381,7 +15206,7 @@
           <p:cNvPr id="2" name="Title 1">
             <a:extLst>
               <a:ext uri="{FF2B5EF4-FFF2-40B4-BE49-F238E27FC236}">
-                <a16:creationId xmlns:a16="http://schemas.microsoft.com/office/drawing/2014/main" id="{AADB5DC0-637B-33EB-9B61-EFB3DE503900}"/>
+                <a16:creationId xmlns:a16="http://schemas.microsoft.com/office/drawing/2014/main" id="{3691652E-4125-782A-0F3D-C13ED2979900}"/>
               </a:ext>
             </a:extLst>
           </p:cNvPr>
@@ -11406,7 +15231,7 @@
           <p:cNvPr id="3" name="Content Placeholder 2">
             <a:extLst>
               <a:ext uri="{FF2B5EF4-FFF2-40B4-BE49-F238E27FC236}">
-                <a16:creationId xmlns:a16="http://schemas.microsoft.com/office/drawing/2014/main" id="{54DEFFDB-126C-310C-5C89-434FDACA5F31}"/>
+                <a16:creationId xmlns:a16="http://schemas.microsoft.com/office/drawing/2014/main" id="{C7EE9B6C-C4DB-433D-ADAB-6B49E2BC80AB}"/>
               </a:ext>
             </a:extLst>
           </p:cNvPr>
@@ -11431,7 +15256,7 @@
           <p:cNvPr id="4" name="Picture Placeholder 3">
             <a:extLst>
               <a:ext uri="{FF2B5EF4-FFF2-40B4-BE49-F238E27FC236}">
-                <a16:creationId xmlns:a16="http://schemas.microsoft.com/office/drawing/2014/main" id="{84E988D3-CF35-4838-4D7E-194B8206E5F6}"/>
+                <a16:creationId xmlns:a16="http://schemas.microsoft.com/office/drawing/2014/main" id="{F26B7286-44C7-3395-7091-9C3CF7134780}"/>
               </a:ext>
             </a:extLst>
           </p:cNvPr>
@@ -11456,7 +15281,7 @@
           <p:cNvPr id="5" name="Slide Number Placeholder 4">
             <a:extLst>
               <a:ext uri="{FF2B5EF4-FFF2-40B4-BE49-F238E27FC236}">
-                <a16:creationId xmlns:a16="http://schemas.microsoft.com/office/drawing/2014/main" id="{ECB92C49-500A-83A9-A98E-071CD7B4CF66}"/>
+                <a16:creationId xmlns:a16="http://schemas.microsoft.com/office/drawing/2014/main" id="{771CACD5-DC8F-E562-D34B-63ACEED10192}"/>
               </a:ext>
             </a:extLst>
           </p:cNvPr>
@@ -11486,7 +15311,7 @@
           <p:cNvPr id="6" name="Slide Number Placeholder 4">
             <a:extLst>
               <a:ext uri="{FF2B5EF4-FFF2-40B4-BE49-F238E27FC236}">
-                <a16:creationId xmlns:a16="http://schemas.microsoft.com/office/drawing/2014/main" id="{3F841A1B-DBD5-E8AC-6353-E738060B9317}"/>
+                <a16:creationId xmlns:a16="http://schemas.microsoft.com/office/drawing/2014/main" id="{FC397AB4-E7B3-064C-48F7-B4F336380CBA}"/>
               </a:ext>
             </a:extLst>
           </p:cNvPr>
@@ -11615,7 +15440,7 @@
     </p:spTree>
     <p:extLst>
       <p:ext uri="{BB962C8B-B14F-4D97-AF65-F5344CB8AC3E}">
-        <p14:creationId xmlns:p14="http://schemas.microsoft.com/office/powerpoint/2010/main" val="1871765083"/>
+        <p14:creationId xmlns:p14="http://schemas.microsoft.com/office/powerpoint/2010/main" val="2540403346"/>
       </p:ext>
     </p:extLst>
   </p:cSld>
@@ -11659,7 +15484,7 @@
           <p:cNvPr id="2" name="Title 1">
             <a:extLst>
               <a:ext uri="{FF2B5EF4-FFF2-40B4-BE49-F238E27FC236}">
-                <a16:creationId xmlns:a16="http://schemas.microsoft.com/office/drawing/2014/main" id="{3691652E-4125-782A-0F3D-C13ED2979900}"/>
+                <a16:creationId xmlns:a16="http://schemas.microsoft.com/office/drawing/2014/main" id="{E5BB7D67-76BC-2F76-6A7E-93CF1B03CA9B}"/>
               </a:ext>
             </a:extLst>
           </p:cNvPr>
@@ -11684,7 +15509,7 @@
           <p:cNvPr id="3" name="Content Placeholder 2">
             <a:extLst>
               <a:ext uri="{FF2B5EF4-FFF2-40B4-BE49-F238E27FC236}">
-                <a16:creationId xmlns:a16="http://schemas.microsoft.com/office/drawing/2014/main" id="{C7EE9B6C-C4DB-433D-ADAB-6B49E2BC80AB}"/>
+                <a16:creationId xmlns:a16="http://schemas.microsoft.com/office/drawing/2014/main" id="{481F0043-5374-9370-B17A-15CAD56ADF84}"/>
               </a:ext>
             </a:extLst>
           </p:cNvPr>
@@ -11709,7 +15534,7 @@
           <p:cNvPr id="4" name="Picture Placeholder 3">
             <a:extLst>
               <a:ext uri="{FF2B5EF4-FFF2-40B4-BE49-F238E27FC236}">
-                <a16:creationId xmlns:a16="http://schemas.microsoft.com/office/drawing/2014/main" id="{F26B7286-44C7-3395-7091-9C3CF7134780}"/>
+                <a16:creationId xmlns:a16="http://schemas.microsoft.com/office/drawing/2014/main" id="{B57F297D-5244-EB01-2D2D-30DC341E469D}"/>
               </a:ext>
             </a:extLst>
           </p:cNvPr>
@@ -11734,7 +15559,7 @@
           <p:cNvPr id="5" name="Slide Number Placeholder 4">
             <a:extLst>
               <a:ext uri="{FF2B5EF4-FFF2-40B4-BE49-F238E27FC236}">
-                <a16:creationId xmlns:a16="http://schemas.microsoft.com/office/drawing/2014/main" id="{771CACD5-DC8F-E562-D34B-63ACEED10192}"/>
+                <a16:creationId xmlns:a16="http://schemas.microsoft.com/office/drawing/2014/main" id="{C6881C2A-23D8-2323-B89B-98E5EBD584F6}"/>
               </a:ext>
             </a:extLst>
           </p:cNvPr>
@@ -11764,7 +15589,7 @@
           <p:cNvPr id="6" name="Slide Number Placeholder 4">
             <a:extLst>
               <a:ext uri="{FF2B5EF4-FFF2-40B4-BE49-F238E27FC236}">
-                <a16:creationId xmlns:a16="http://schemas.microsoft.com/office/drawing/2014/main" id="{FC397AB4-E7B3-064C-48F7-B4F336380CBA}"/>
+                <a16:creationId xmlns:a16="http://schemas.microsoft.com/office/drawing/2014/main" id="{1466C1CC-3C62-38E8-78DE-98C589A6C039}"/>
               </a:ext>
             </a:extLst>
           </p:cNvPr>
@@ -11893,7 +15718,7 @@
     </p:spTree>
     <p:extLst>
       <p:ext uri="{BB962C8B-B14F-4D97-AF65-F5344CB8AC3E}">
-        <p14:creationId xmlns:p14="http://schemas.microsoft.com/office/powerpoint/2010/main" val="2540403346"/>
+        <p14:creationId xmlns:p14="http://schemas.microsoft.com/office/powerpoint/2010/main" val="1188192135"/>
       </p:ext>
     </p:extLst>
   </p:cSld>
@@ -11937,7 +15762,7 @@
           <p:cNvPr id="2" name="Title 1">
             <a:extLst>
               <a:ext uri="{FF2B5EF4-FFF2-40B4-BE49-F238E27FC236}">
-                <a16:creationId xmlns:a16="http://schemas.microsoft.com/office/drawing/2014/main" id="{E5BB7D67-76BC-2F76-6A7E-93CF1B03CA9B}"/>
+                <a16:creationId xmlns:a16="http://schemas.microsoft.com/office/drawing/2014/main" id="{2BD7C78A-703A-694E-8FFC-38843E2ED0D5}"/>
               </a:ext>
             </a:extLst>
           </p:cNvPr>
@@ -11962,7 +15787,7 @@
           <p:cNvPr id="3" name="Content Placeholder 2">
             <a:extLst>
               <a:ext uri="{FF2B5EF4-FFF2-40B4-BE49-F238E27FC236}">
-                <a16:creationId xmlns:a16="http://schemas.microsoft.com/office/drawing/2014/main" id="{481F0043-5374-9370-B17A-15CAD56ADF84}"/>
+                <a16:creationId xmlns:a16="http://schemas.microsoft.com/office/drawing/2014/main" id="{12D21900-DBB9-221C-76E0-EDDD133DAC6B}"/>
               </a:ext>
             </a:extLst>
           </p:cNvPr>
@@ -11987,7 +15812,7 @@
           <p:cNvPr id="4" name="Picture Placeholder 3">
             <a:extLst>
               <a:ext uri="{FF2B5EF4-FFF2-40B4-BE49-F238E27FC236}">
-                <a16:creationId xmlns:a16="http://schemas.microsoft.com/office/drawing/2014/main" id="{B57F297D-5244-EB01-2D2D-30DC341E469D}"/>
+                <a16:creationId xmlns:a16="http://schemas.microsoft.com/office/drawing/2014/main" id="{32AEFEA6-A660-5D12-A8F7-5BB4222EFB74}"/>
               </a:ext>
             </a:extLst>
           </p:cNvPr>
@@ -12012,7 +15837,7 @@
           <p:cNvPr id="5" name="Slide Number Placeholder 4">
             <a:extLst>
               <a:ext uri="{FF2B5EF4-FFF2-40B4-BE49-F238E27FC236}">
-                <a16:creationId xmlns:a16="http://schemas.microsoft.com/office/drawing/2014/main" id="{C6881C2A-23D8-2323-B89B-98E5EBD584F6}"/>
+                <a16:creationId xmlns:a16="http://schemas.microsoft.com/office/drawing/2014/main" id="{4DFB636B-8EED-D8C9-B88E-532B23AEFD21}"/>
               </a:ext>
             </a:extLst>
           </p:cNvPr>
@@ -12042,7 +15867,7 @@
           <p:cNvPr id="6" name="Slide Number Placeholder 4">
             <a:extLst>
               <a:ext uri="{FF2B5EF4-FFF2-40B4-BE49-F238E27FC236}">
-                <a16:creationId xmlns:a16="http://schemas.microsoft.com/office/drawing/2014/main" id="{1466C1CC-3C62-38E8-78DE-98C589A6C039}"/>
+                <a16:creationId xmlns:a16="http://schemas.microsoft.com/office/drawing/2014/main" id="{36B8F459-6F30-1450-5D41-1997E9CEE977}"/>
               </a:ext>
             </a:extLst>
           </p:cNvPr>
@@ -12171,7 +15996,7 @@
     </p:spTree>
     <p:extLst>
       <p:ext uri="{BB962C8B-B14F-4D97-AF65-F5344CB8AC3E}">
-        <p14:creationId xmlns:p14="http://schemas.microsoft.com/office/powerpoint/2010/main" val="1188192135"/>
+        <p14:creationId xmlns:p14="http://schemas.microsoft.com/office/powerpoint/2010/main" val="3262945818"/>
       </p:ext>
     </p:extLst>
   </p:cSld>
@@ -12215,7 +16040,7 @@
           <p:cNvPr id="2" name="Title 1">
             <a:extLst>
               <a:ext uri="{FF2B5EF4-FFF2-40B4-BE49-F238E27FC236}">
-                <a16:creationId xmlns:a16="http://schemas.microsoft.com/office/drawing/2014/main" id="{2BD7C78A-703A-694E-8FFC-38843E2ED0D5}"/>
+                <a16:creationId xmlns:a16="http://schemas.microsoft.com/office/drawing/2014/main" id="{0B4D0D16-67A0-9392-36C4-38AEF1EFD705}"/>
               </a:ext>
             </a:extLst>
           </p:cNvPr>
@@ -12240,7 +16065,7 @@
           <p:cNvPr id="3" name="Content Placeholder 2">
             <a:extLst>
               <a:ext uri="{FF2B5EF4-FFF2-40B4-BE49-F238E27FC236}">
-                <a16:creationId xmlns:a16="http://schemas.microsoft.com/office/drawing/2014/main" id="{12D21900-DBB9-221C-76E0-EDDD133DAC6B}"/>
+                <a16:creationId xmlns:a16="http://schemas.microsoft.com/office/drawing/2014/main" id="{639F28B0-AE40-DF8E-76CA-380B2FBF75D9}"/>
               </a:ext>
             </a:extLst>
           </p:cNvPr>
@@ -12262,10 +16087,10 @@
       </p:sp>
       <p:sp>
         <p:nvSpPr>
-          <p:cNvPr id="4" name="Picture Placeholder 3">
+          <p:cNvPr id="4" name="Content Placeholder 3">
             <a:extLst>
               <a:ext uri="{FF2B5EF4-FFF2-40B4-BE49-F238E27FC236}">
-                <a16:creationId xmlns:a16="http://schemas.microsoft.com/office/drawing/2014/main" id="{32AEFEA6-A660-5D12-A8F7-5BB4222EFB74}"/>
+                <a16:creationId xmlns:a16="http://schemas.microsoft.com/office/drawing/2014/main" id="{E1B2001F-94BD-7F0A-56F1-F7B277AF3CC6}"/>
               </a:ext>
             </a:extLst>
           </p:cNvPr>
@@ -12273,7 +16098,7 @@
             <a:spLocks noGrp="1"/>
           </p:cNvSpPr>
           <p:nvPr>
-            <p:ph type="pic" sz="quarter" idx="14"/>
+            <p:ph sz="quarter" idx="14"/>
           </p:nvPr>
         </p:nvSpPr>
         <p:spPr/>
@@ -12281,7 +16106,7 @@
           <a:bodyPr/>
           <a:lstStyle/>
           <a:p>
-            <a:endParaRPr lang="en-US"/>
+            <a:endParaRPr lang="en-IN"/>
           </a:p>
         </p:txBody>
       </p:sp>
@@ -12290,7 +16115,7 @@
           <p:cNvPr id="5" name="Slide Number Placeholder 4">
             <a:extLst>
               <a:ext uri="{FF2B5EF4-FFF2-40B4-BE49-F238E27FC236}">
-                <a16:creationId xmlns:a16="http://schemas.microsoft.com/office/drawing/2014/main" id="{4DFB636B-8EED-D8C9-B88E-532B23AEFD21}"/>
+                <a16:creationId xmlns:a16="http://schemas.microsoft.com/office/drawing/2014/main" id="{DE249310-06ED-CE6D-9342-95110ABFA82A}"/>
               </a:ext>
             </a:extLst>
           </p:cNvPr>
@@ -12320,7 +16145,7 @@
           <p:cNvPr id="6" name="Slide Number Placeholder 4">
             <a:extLst>
               <a:ext uri="{FF2B5EF4-FFF2-40B4-BE49-F238E27FC236}">
-                <a16:creationId xmlns:a16="http://schemas.microsoft.com/office/drawing/2014/main" id="{36B8F459-6F30-1450-5D41-1997E9CEE977}"/>
+                <a16:creationId xmlns:a16="http://schemas.microsoft.com/office/drawing/2014/main" id="{150241C0-6662-9989-D473-E5D8BFD58F6F}"/>
               </a:ext>
             </a:extLst>
           </p:cNvPr>
@@ -12449,7 +16274,7 @@
     </p:spTree>
     <p:extLst>
       <p:ext uri="{BB962C8B-B14F-4D97-AF65-F5344CB8AC3E}">
-        <p14:creationId xmlns:p14="http://schemas.microsoft.com/office/powerpoint/2010/main" val="3262945818"/>
+        <p14:creationId xmlns:p14="http://schemas.microsoft.com/office/powerpoint/2010/main" val="2633488709"/>
       </p:ext>
     </p:extLst>
   </p:cSld>
@@ -12868,7 +16693,7 @@
           <p:cNvPr id="2" name="Title 1">
             <a:extLst>
               <a:ext uri="{FF2B5EF4-FFF2-40B4-BE49-F238E27FC236}">
-                <a16:creationId xmlns:a16="http://schemas.microsoft.com/office/drawing/2014/main" id="{0B4D0D16-67A0-9392-36C4-38AEF1EFD705}"/>
+                <a16:creationId xmlns:a16="http://schemas.microsoft.com/office/drawing/2014/main" id="{3870CE6E-495D-1808-5A8C-EC4D855C5587}"/>
               </a:ext>
             </a:extLst>
           </p:cNvPr>
@@ -12884,7 +16709,10 @@
           <a:bodyPr/>
           <a:lstStyle/>
           <a:p>
-            <a:endParaRPr lang="en-IN"/>
+            <a:r>
+              <a:rPr lang="en-IN" dirty="0"/>
+              <a:t>Testing Phase</a:t>
+            </a:r>
           </a:p>
         </p:txBody>
       </p:sp>
@@ -12893,7 +16721,7 @@
           <p:cNvPr id="3" name="Content Placeholder 2">
             <a:extLst>
               <a:ext uri="{FF2B5EF4-FFF2-40B4-BE49-F238E27FC236}">
-                <a16:creationId xmlns:a16="http://schemas.microsoft.com/office/drawing/2014/main" id="{639F28B0-AE40-DF8E-76CA-380B2FBF75D9}"/>
+                <a16:creationId xmlns:a16="http://schemas.microsoft.com/office/drawing/2014/main" id="{B0EEF2E2-7250-905A-9F8E-5BB773C92FF2}"/>
               </a:ext>
             </a:extLst>
           </p:cNvPr>
@@ -12918,7 +16746,7 @@
           <p:cNvPr id="4" name="Content Placeholder 3">
             <a:extLst>
               <a:ext uri="{FF2B5EF4-FFF2-40B4-BE49-F238E27FC236}">
-                <a16:creationId xmlns:a16="http://schemas.microsoft.com/office/drawing/2014/main" id="{E1B2001F-94BD-7F0A-56F1-F7B277AF3CC6}"/>
+                <a16:creationId xmlns:a16="http://schemas.microsoft.com/office/drawing/2014/main" id="{2A8D0320-4D4B-365D-2F4F-3045D1A7C46C}"/>
               </a:ext>
             </a:extLst>
           </p:cNvPr>
@@ -12943,7 +16771,7 @@
           <p:cNvPr id="5" name="Slide Number Placeholder 4">
             <a:extLst>
               <a:ext uri="{FF2B5EF4-FFF2-40B4-BE49-F238E27FC236}">
-                <a16:creationId xmlns:a16="http://schemas.microsoft.com/office/drawing/2014/main" id="{DE249310-06ED-CE6D-9342-95110ABFA82A}"/>
+                <a16:creationId xmlns:a16="http://schemas.microsoft.com/office/drawing/2014/main" id="{E7948434-32DA-F1E2-FC11-F2978017F64B}"/>
               </a:ext>
             </a:extLst>
           </p:cNvPr>
@@ -12973,7 +16801,7 @@
           <p:cNvPr id="6" name="Slide Number Placeholder 4">
             <a:extLst>
               <a:ext uri="{FF2B5EF4-FFF2-40B4-BE49-F238E27FC236}">
-                <a16:creationId xmlns:a16="http://schemas.microsoft.com/office/drawing/2014/main" id="{150241C0-6662-9989-D473-E5D8BFD58F6F}"/>
+                <a16:creationId xmlns:a16="http://schemas.microsoft.com/office/drawing/2014/main" id="{5ECD9DAA-C767-07CC-5C79-8738D4F306A7}"/>
               </a:ext>
             </a:extLst>
           </p:cNvPr>
@@ -13102,7 +16930,7 @@
     </p:spTree>
     <p:extLst>
       <p:ext uri="{BB962C8B-B14F-4D97-AF65-F5344CB8AC3E}">
-        <p14:creationId xmlns:p14="http://schemas.microsoft.com/office/powerpoint/2010/main" val="2633488709"/>
+        <p14:creationId xmlns:p14="http://schemas.microsoft.com/office/powerpoint/2010/main" val="825357147"/>
       </p:ext>
     </p:extLst>
   </p:cSld>
@@ -13146,7 +16974,7 @@
           <p:cNvPr id="2" name="Title 1">
             <a:extLst>
               <a:ext uri="{FF2B5EF4-FFF2-40B4-BE49-F238E27FC236}">
-                <a16:creationId xmlns:a16="http://schemas.microsoft.com/office/drawing/2014/main" id="{3870CE6E-495D-1808-5A8C-EC4D855C5587}"/>
+                <a16:creationId xmlns:a16="http://schemas.microsoft.com/office/drawing/2014/main" id="{64983D13-B3DC-F5A2-EC3C-9AA3827FF06F}"/>
               </a:ext>
             </a:extLst>
           </p:cNvPr>
@@ -13162,19 +16990,16 @@
           <a:bodyPr/>
           <a:lstStyle/>
           <a:p>
-            <a:r>
-              <a:rPr lang="en-IN" dirty="0"/>
-              <a:t>Testing Phase</a:t>
-            </a:r>
+            <a:endParaRPr lang="en-IN"/>
           </a:p>
         </p:txBody>
       </p:sp>
       <p:sp>
         <p:nvSpPr>
-          <p:cNvPr id="3" name="Content Placeholder 2">
+          <p:cNvPr id="3" name="Picture Placeholder 2">
             <a:extLst>
               <a:ext uri="{FF2B5EF4-FFF2-40B4-BE49-F238E27FC236}">
-                <a16:creationId xmlns:a16="http://schemas.microsoft.com/office/drawing/2014/main" id="{B0EEF2E2-7250-905A-9F8E-5BB773C92FF2}"/>
+                <a16:creationId xmlns:a16="http://schemas.microsoft.com/office/drawing/2014/main" id="{57620467-CA16-1C06-152E-31CFC11FAB8D}"/>
               </a:ext>
             </a:extLst>
           </p:cNvPr>
@@ -13182,7 +17007,7 @@
             <a:spLocks noGrp="1"/>
           </p:cNvSpPr>
           <p:nvPr>
-            <p:ph sz="quarter" idx="13"/>
+            <p:ph type="pic" sz="quarter" idx="10"/>
           </p:nvPr>
         </p:nvSpPr>
         <p:spPr/>
@@ -13190,32 +17015,7 @@
           <a:bodyPr/>
           <a:lstStyle/>
           <a:p>
-            <a:endParaRPr lang="en-IN"/>
-          </a:p>
-        </p:txBody>
-      </p:sp>
-      <p:sp>
-        <p:nvSpPr>
-          <p:cNvPr id="4" name="Content Placeholder 3">
-            <a:extLst>
-              <a:ext uri="{FF2B5EF4-FFF2-40B4-BE49-F238E27FC236}">
-                <a16:creationId xmlns:a16="http://schemas.microsoft.com/office/drawing/2014/main" id="{2A8D0320-4D4B-365D-2F4F-3045D1A7C46C}"/>
-              </a:ext>
-            </a:extLst>
-          </p:cNvPr>
-          <p:cNvSpPr>
-            <a:spLocks noGrp="1"/>
-          </p:cNvSpPr>
-          <p:nvPr>
-            <p:ph sz="quarter" idx="14"/>
-          </p:nvPr>
-        </p:nvSpPr>
-        <p:spPr/>
-        <p:txBody>
-          <a:bodyPr/>
-          <a:lstStyle/>
-          <a:p>
-            <a:endParaRPr lang="en-IN"/>
+            <a:endParaRPr lang="en-US"/>
           </a:p>
         </p:txBody>
       </p:sp>
@@ -13224,37 +17024,7 @@
           <p:cNvPr id="5" name="Slide Number Placeholder 4">
             <a:extLst>
               <a:ext uri="{FF2B5EF4-FFF2-40B4-BE49-F238E27FC236}">
-                <a16:creationId xmlns:a16="http://schemas.microsoft.com/office/drawing/2014/main" id="{E7948434-32DA-F1E2-FC11-F2978017F64B}"/>
-              </a:ext>
-            </a:extLst>
-          </p:cNvPr>
-          <p:cNvSpPr>
-            <a:spLocks noGrp="1"/>
-          </p:cNvSpPr>
-          <p:nvPr>
-            <p:ph type="sldNum" sz="quarter" idx="12"/>
-          </p:nvPr>
-        </p:nvSpPr>
-        <p:spPr/>
-        <p:txBody>
-          <a:bodyPr/>
-          <a:lstStyle/>
-          <a:p>
-            <a:fld id="{EB37DED6-D4C7-42EE-AB49-D2E39E64FDE4}" type="slidenum">
-              <a:rPr lang="en-US" smtClean="0"/>
-              <a:pPr/>
-              <a:t>21</a:t>
-            </a:fld>
-            <a:endParaRPr lang="en-US" dirty="0"/>
-          </a:p>
-        </p:txBody>
-      </p:sp>
-      <p:sp>
-        <p:nvSpPr>
-          <p:cNvPr id="6" name="Slide Number Placeholder 4">
-            <a:extLst>
-              <a:ext uri="{FF2B5EF4-FFF2-40B4-BE49-F238E27FC236}">
-                <a16:creationId xmlns:a16="http://schemas.microsoft.com/office/drawing/2014/main" id="{5ECD9DAA-C767-07CC-5C79-8738D4F306A7}"/>
+                <a16:creationId xmlns:a16="http://schemas.microsoft.com/office/drawing/2014/main" id="{19257D08-7BDC-2EFF-F790-09A4B6BCCC7B}"/>
               </a:ext>
             </a:extLst>
           </p:cNvPr>
@@ -13383,7 +17153,7 @@
     </p:spTree>
     <p:extLst>
       <p:ext uri="{BB962C8B-B14F-4D97-AF65-F5344CB8AC3E}">
-        <p14:creationId xmlns:p14="http://schemas.microsoft.com/office/powerpoint/2010/main" val="825357147"/>
+        <p14:creationId xmlns:p14="http://schemas.microsoft.com/office/powerpoint/2010/main" val="1723280250"/>
       </p:ext>
     </p:extLst>
   </p:cSld>
@@ -13427,7 +17197,7 @@
           <p:cNvPr id="2" name="Title 1">
             <a:extLst>
               <a:ext uri="{FF2B5EF4-FFF2-40B4-BE49-F238E27FC236}">
-                <a16:creationId xmlns:a16="http://schemas.microsoft.com/office/drawing/2014/main" id="{64983D13-B3DC-F5A2-EC3C-9AA3827FF06F}"/>
+                <a16:creationId xmlns:a16="http://schemas.microsoft.com/office/drawing/2014/main" id="{E9DC9FCC-4F0C-53A9-AE36-C60D0609DD96}"/>
               </a:ext>
             </a:extLst>
           </p:cNvPr>
@@ -13449,229 +17219,6 @@
       </p:sp>
       <p:sp>
         <p:nvSpPr>
-          <p:cNvPr id="3" name="Picture Placeholder 2">
-            <a:extLst>
-              <a:ext uri="{FF2B5EF4-FFF2-40B4-BE49-F238E27FC236}">
-                <a16:creationId xmlns:a16="http://schemas.microsoft.com/office/drawing/2014/main" id="{57620467-CA16-1C06-152E-31CFC11FAB8D}"/>
-              </a:ext>
-            </a:extLst>
-          </p:cNvPr>
-          <p:cNvSpPr>
-            <a:spLocks noGrp="1"/>
-          </p:cNvSpPr>
-          <p:nvPr>
-            <p:ph type="pic" sz="quarter" idx="10"/>
-          </p:nvPr>
-        </p:nvSpPr>
-        <p:spPr/>
-        <p:txBody>
-          <a:bodyPr/>
-          <a:lstStyle/>
-          <a:p>
-            <a:endParaRPr lang="en-US"/>
-          </a:p>
-        </p:txBody>
-      </p:sp>
-      <p:sp>
-        <p:nvSpPr>
-          <p:cNvPr id="5" name="Slide Number Placeholder 4">
-            <a:extLst>
-              <a:ext uri="{FF2B5EF4-FFF2-40B4-BE49-F238E27FC236}">
-                <a16:creationId xmlns:a16="http://schemas.microsoft.com/office/drawing/2014/main" id="{19257D08-7BDC-2EFF-F790-09A4B6BCCC7B}"/>
-              </a:ext>
-            </a:extLst>
-          </p:cNvPr>
-          <p:cNvSpPr txBox="1">
-            <a:spLocks/>
-          </p:cNvSpPr>
-          <p:nvPr/>
-        </p:nvSpPr>
-        <p:spPr>
-          <a:xfrm>
-            <a:off x="455612" y="6190488"/>
-            <a:ext cx="2677604" cy="210312"/>
-          </a:xfrm>
-          <a:prstGeom prst="rect">
-            <a:avLst/>
-          </a:prstGeom>
-        </p:spPr>
-        <p:txBody>
-          <a:bodyPr vert="horz" lIns="121899" tIns="60949" rIns="121899" bIns="60949" rtlCol="0" anchor="b"/>
-          <a:lstStyle>
-            <a:defPPr>
-              <a:defRPr lang="en-US"/>
-            </a:defPPr>
-            <a:lvl1pPr marL="0" algn="r" defTabSz="1218987" rtl="0" eaLnBrk="1" latinLnBrk="0" hangingPunct="1">
-              <a:defRPr sz="1000" b="1" kern="1200" spc="200" baseline="0">
-                <a:solidFill>
-                  <a:schemeClr val="tx2">
-                    <a:lumMod val="50000"/>
-                  </a:schemeClr>
-                </a:solidFill>
-                <a:latin typeface="+mn-lt"/>
-                <a:ea typeface="+mn-ea"/>
-                <a:cs typeface="+mn-cs"/>
-              </a:defRPr>
-            </a:lvl1pPr>
-            <a:lvl2pPr marL="609493" algn="l" defTabSz="1218987" rtl="0" eaLnBrk="1" latinLnBrk="0" hangingPunct="1">
-              <a:defRPr sz="2400" kern="1200">
-                <a:solidFill>
-                  <a:schemeClr val="tx1"/>
-                </a:solidFill>
-                <a:latin typeface="+mn-lt"/>
-                <a:ea typeface="+mn-ea"/>
-                <a:cs typeface="+mn-cs"/>
-              </a:defRPr>
-            </a:lvl2pPr>
-            <a:lvl3pPr marL="1218987" algn="l" defTabSz="1218987" rtl="0" eaLnBrk="1" latinLnBrk="0" hangingPunct="1">
-              <a:defRPr sz="2400" kern="1200">
-                <a:solidFill>
-                  <a:schemeClr val="tx1"/>
-                </a:solidFill>
-                <a:latin typeface="+mn-lt"/>
-                <a:ea typeface="+mn-ea"/>
-                <a:cs typeface="+mn-cs"/>
-              </a:defRPr>
-            </a:lvl3pPr>
-            <a:lvl4pPr marL="1828480" algn="l" defTabSz="1218987" rtl="0" eaLnBrk="1" latinLnBrk="0" hangingPunct="1">
-              <a:defRPr sz="2400" kern="1200">
-                <a:solidFill>
-                  <a:schemeClr val="tx1"/>
-                </a:solidFill>
-                <a:latin typeface="+mn-lt"/>
-                <a:ea typeface="+mn-ea"/>
-                <a:cs typeface="+mn-cs"/>
-              </a:defRPr>
-            </a:lvl4pPr>
-            <a:lvl5pPr marL="2437973" algn="l" defTabSz="1218987" rtl="0" eaLnBrk="1" latinLnBrk="0" hangingPunct="1">
-              <a:defRPr sz="2400" kern="1200">
-                <a:solidFill>
-                  <a:schemeClr val="tx1"/>
-                </a:solidFill>
-                <a:latin typeface="+mn-lt"/>
-                <a:ea typeface="+mn-ea"/>
-                <a:cs typeface="+mn-cs"/>
-              </a:defRPr>
-            </a:lvl5pPr>
-            <a:lvl6pPr marL="3047467" algn="l" defTabSz="1218987" rtl="0" eaLnBrk="1" latinLnBrk="0" hangingPunct="1">
-              <a:defRPr sz="2400" kern="1200">
-                <a:solidFill>
-                  <a:schemeClr val="tx1"/>
-                </a:solidFill>
-                <a:latin typeface="+mn-lt"/>
-                <a:ea typeface="+mn-ea"/>
-                <a:cs typeface="+mn-cs"/>
-              </a:defRPr>
-            </a:lvl6pPr>
-            <a:lvl7pPr marL="3656960" algn="l" defTabSz="1218987" rtl="0" eaLnBrk="1" latinLnBrk="0" hangingPunct="1">
-              <a:defRPr sz="2400" kern="1200">
-                <a:solidFill>
-                  <a:schemeClr val="tx1"/>
-                </a:solidFill>
-                <a:latin typeface="+mn-lt"/>
-                <a:ea typeface="+mn-ea"/>
-                <a:cs typeface="+mn-cs"/>
-              </a:defRPr>
-            </a:lvl7pPr>
-            <a:lvl8pPr marL="4266453" algn="l" defTabSz="1218987" rtl="0" eaLnBrk="1" latinLnBrk="0" hangingPunct="1">
-              <a:defRPr sz="2400" kern="1200">
-                <a:solidFill>
-                  <a:schemeClr val="tx1"/>
-                </a:solidFill>
-                <a:latin typeface="+mn-lt"/>
-                <a:ea typeface="+mn-ea"/>
-                <a:cs typeface="+mn-cs"/>
-              </a:defRPr>
-            </a:lvl8pPr>
-            <a:lvl9pPr marL="4875947" algn="l" defTabSz="1218987" rtl="0" eaLnBrk="1" latinLnBrk="0" hangingPunct="1">
-              <a:defRPr sz="2400" kern="1200">
-                <a:solidFill>
-                  <a:schemeClr val="tx1"/>
-                </a:solidFill>
-                <a:latin typeface="+mn-lt"/>
-                <a:ea typeface="+mn-ea"/>
-                <a:cs typeface="+mn-cs"/>
-              </a:defRPr>
-            </a:lvl9pPr>
-          </a:lstStyle>
-          <a:p>
-            <a:pPr algn="l"/>
-            <a:r>
-              <a:rPr lang="en-US" dirty="0"/>
-              <a:t>DES211 CAPSTONE PROJECT</a:t>
-            </a:r>
-          </a:p>
-        </p:txBody>
-      </p:sp>
-    </p:spTree>
-    <p:extLst>
-      <p:ext uri="{BB962C8B-B14F-4D97-AF65-F5344CB8AC3E}">
-        <p14:creationId xmlns:p14="http://schemas.microsoft.com/office/powerpoint/2010/main" val="1723280250"/>
-      </p:ext>
-    </p:extLst>
-  </p:cSld>
-  <p:clrMapOvr>
-    <a:masterClrMapping/>
-  </p:clrMapOvr>
-  <mc:AlternateContent xmlns:mc="http://schemas.openxmlformats.org/markup-compatibility/2006" xmlns:p14="http://schemas.microsoft.com/office/powerpoint/2010/main">
-    <mc:Choice Requires="p14">
-      <p:transition spd="med" p14:dur="700">
-        <p:fade/>
-      </p:transition>
-    </mc:Choice>
-    <mc:Fallback xmlns="">
-      <p:transition spd="med">
-        <p:fade/>
-      </p:transition>
-    </mc:Fallback>
-  </mc:AlternateContent>
-</p:sld>
-</file>
-
-<file path=ppt/slides/slide23.xml><?xml version="1.0" encoding="utf-8"?>
-<p:sld xmlns:a="http://schemas.openxmlformats.org/drawingml/2006/main" xmlns:r="http://schemas.openxmlformats.org/officeDocument/2006/relationships" xmlns:p="http://schemas.openxmlformats.org/presentationml/2006/main">
-  <p:cSld>
-    <p:spTree>
-      <p:nvGrpSpPr>
-        <p:cNvPr id="1" name=""/>
-        <p:cNvGrpSpPr/>
-        <p:nvPr/>
-      </p:nvGrpSpPr>
-      <p:grpSpPr>
-        <a:xfrm>
-          <a:off x="0" y="0"/>
-          <a:ext cx="0" cy="0"/>
-          <a:chOff x="0" y="0"/>
-          <a:chExt cx="0" cy="0"/>
-        </a:xfrm>
-      </p:grpSpPr>
-      <p:sp>
-        <p:nvSpPr>
-          <p:cNvPr id="2" name="Title 1">
-            <a:extLst>
-              <a:ext uri="{FF2B5EF4-FFF2-40B4-BE49-F238E27FC236}">
-                <a16:creationId xmlns:a16="http://schemas.microsoft.com/office/drawing/2014/main" id="{E9DC9FCC-4F0C-53A9-AE36-C60D0609DD96}"/>
-              </a:ext>
-            </a:extLst>
-          </p:cNvPr>
-          <p:cNvSpPr>
-            <a:spLocks noGrp="1"/>
-          </p:cNvSpPr>
-          <p:nvPr>
-            <p:ph type="title"/>
-          </p:nvPr>
-        </p:nvSpPr>
-        <p:spPr/>
-        <p:txBody>
-          <a:bodyPr/>
-          <a:lstStyle/>
-          <a:p>
-            <a:endParaRPr lang="en-IN"/>
-          </a:p>
-        </p:txBody>
-      </p:sp>
-      <p:sp>
-        <p:nvSpPr>
           <p:cNvPr id="3" name="Content Placeholder 2">
             <a:extLst>
               <a:ext uri="{FF2B5EF4-FFF2-40B4-BE49-F238E27FC236}">
@@ -13719,7 +17266,7 @@
             <a:fld id="{EB37DED6-D4C7-42EE-AB49-D2E39E64FDE4}" type="slidenum">
               <a:rPr lang="en-US" smtClean="0"/>
               <a:pPr/>
-              <a:t>23</a:t>
+              <a:t>22</a:t>
             </a:fld>
             <a:endParaRPr lang="en-US" dirty="0"/>
           </a:p>
@@ -14976,7 +18523,7 @@
           </a:bodyPr>
           <a:lstStyle/>
           <a:p>
-            <a:pPr marL="0" indent="0" defTabSz="914400" eaLnBrk="0" fontAlgn="base" hangingPunct="0">
+            <a:pPr marL="0" indent="0" algn="r" defTabSz="914400" eaLnBrk="0" fontAlgn="base" hangingPunct="0">
               <a:lnSpc>
                 <a:spcPct val="150000"/>
               </a:lnSpc>
@@ -15011,7 +18558,7 @@
             </a:r>
           </a:p>
           <a:p>
-            <a:pPr marL="0" indent="0" defTabSz="914400" eaLnBrk="0" fontAlgn="base" hangingPunct="0">
+            <a:pPr marL="0" indent="0" algn="r" defTabSz="914400" eaLnBrk="0" fontAlgn="base" hangingPunct="0">
               <a:lnSpc>
                 <a:spcPct val="150000"/>
               </a:lnSpc>
@@ -15046,7 +18593,7 @@
             </a:r>
           </a:p>
           <a:p>
-            <a:pPr marL="0" indent="0" defTabSz="914400" eaLnBrk="0" fontAlgn="base" hangingPunct="0">
+            <a:pPr marL="0" indent="0" algn="r" defTabSz="914400" eaLnBrk="0" fontAlgn="base" hangingPunct="0">
               <a:lnSpc>
                 <a:spcPct val="150000"/>
               </a:lnSpc>
@@ -15081,7 +18628,7 @@
             </a:r>
           </a:p>
           <a:p>
-            <a:pPr marL="0" indent="0" defTabSz="914400" eaLnBrk="0" fontAlgn="base" hangingPunct="0">
+            <a:pPr marL="0" indent="0" algn="r" defTabSz="914400" eaLnBrk="0" fontAlgn="base" hangingPunct="0">
               <a:lnSpc>
                 <a:spcPct val="150000"/>
               </a:lnSpc>
@@ -16062,7 +19609,7 @@
             <p:ph type="tbl" sz="quarter" idx="13"/>
             <p:extLst>
               <p:ext uri="{D42A27DB-BD31-4B8C-83A1-F6EECF244321}">
-                <p14:modId xmlns:p14="http://schemas.microsoft.com/office/powerpoint/2010/main" val="611619493"/>
+                <p14:modId xmlns:p14="http://schemas.microsoft.com/office/powerpoint/2010/main" val="1699664757"/>
               </p:ext>
             </p:extLst>
           </p:nvPr>
@@ -16078,14 +19625,14 @@
                 <a:tableStyleId>{8A107856-5554-42FB-B03E-39F5DBC370BA}</a:tableStyleId>
               </a:tblPr>
               <a:tblGrid>
-                <a:gridCol w="5385594">
+                <a:gridCol w="5424487">
                   <a:extLst>
                     <a:ext uri="{9D8B030D-6E8A-4147-A177-3AD203B41FA5}">
                       <a16:colId xmlns:a16="http://schemas.microsoft.com/office/drawing/2014/main" val="3676582090"/>
                     </a:ext>
                   </a:extLst>
                 </a:gridCol>
-                <a:gridCol w="5385594">
+                <a:gridCol w="5346701">
                   <a:extLst>
                     <a:ext uri="{9D8B030D-6E8A-4147-A177-3AD203B41FA5}">
                       <a16:colId xmlns:a16="http://schemas.microsoft.com/office/drawing/2014/main" val="3458197918"/>
@@ -16158,6 +19705,8 @@
                         </a:rPr>
                         <a:t>Pros:</a:t>
                       </a:r>
+                    </a:p>
+                    <a:p>
                       <a:br>
                         <a:rPr lang="en-US" sz="1600" dirty="0">
                           <a:solidFill>
@@ -16203,8 +19752,6 @@
                         </a:rPr>
                         <a:t>• Swinging bins ease trash removal</a:t>
                       </a:r>
-                    </a:p>
-                    <a:p>
                       <a:endParaRPr lang="en-US" sz="1600" b="1" dirty="0">
                         <a:solidFill>
                           <a:srgbClr val="435F30"/>
@@ -16230,6 +19777,8 @@
                         </a:rPr>
                         <a:t>Cons:</a:t>
                       </a:r>
+                    </a:p>
+                    <a:p>
                       <a:br>
                         <a:rPr lang="en-US" sz="1600" dirty="0">
                           <a:solidFill>
@@ -16292,6 +19841,8 @@
                         </a:rPr>
                         <a:t>Pros:</a:t>
                       </a:r>
+                    </a:p>
+                    <a:p>
                       <a:br>
                         <a:rPr lang="en-US" sz="1600" b="0" dirty="0">
                           <a:solidFill>
@@ -16319,22 +19870,6 @@
                       </a:endParaRPr>
                     </a:p>
                     <a:p>
-                      <a:endParaRPr lang="en-US" sz="1800" b="0" i="1" dirty="0">
-                        <a:solidFill>
-                          <a:srgbClr val="435F30"/>
-                        </a:solidFill>
-                        <a:latin typeface="Bahnschrift SemiLight" panose="020B0502040204020203" pitchFamily="34" charset="0"/>
-                      </a:endParaRPr>
-                    </a:p>
-                    <a:p>
-                      <a:endParaRPr lang="en-US" sz="1800" b="0" i="1" dirty="0">
-                        <a:solidFill>
-                          <a:srgbClr val="435F30"/>
-                        </a:solidFill>
-                        <a:latin typeface="Bahnschrift SemiLight" panose="020B0502040204020203" pitchFamily="34" charset="0"/>
-                      </a:endParaRPr>
-                    </a:p>
-                    <a:p>
                       <a:endParaRPr lang="en-US" sz="1000" b="0" i="1" dirty="0">
                         <a:solidFill>
                           <a:srgbClr val="435F30"/>
@@ -16352,6 +19887,8 @@
                         </a:rPr>
                         <a:t>Cons:</a:t>
                       </a:r>
+                    </a:p>
+                    <a:p>
                       <a:br>
                         <a:rPr lang="en-US" sz="1600" b="0" dirty="0">
                           <a:solidFill>
@@ -16670,14 +20207,14 @@
             <p:ph type="tbl" sz="quarter" idx="13"/>
             <p:extLst>
               <p:ext uri="{D42A27DB-BD31-4B8C-83A1-F6EECF244321}">
-                <p14:modId xmlns:p14="http://schemas.microsoft.com/office/powerpoint/2010/main" val="2353462957"/>
+                <p14:modId xmlns:p14="http://schemas.microsoft.com/office/powerpoint/2010/main" val="837675823"/>
               </p:ext>
             </p:extLst>
           </p:nvPr>
         </p:nvGraphicFramePr>
         <p:xfrm>
           <a:off x="593725" y="1809750"/>
-          <a:ext cx="9838849" cy="3829049"/>
+          <a:ext cx="10758487" cy="3829049"/>
         </p:xfrm>
         <a:graphic>
           <a:graphicData uri="http://schemas.openxmlformats.org/drawingml/2006/table">
@@ -16686,14 +20223,14 @@
                 <a:tableStyleId>{8A107856-5554-42FB-B03E-39F5DBC370BA}</a:tableStyleId>
               </a:tblPr>
               <a:tblGrid>
-                <a:gridCol w="4453255">
+                <a:gridCol w="5424487">
                   <a:extLst>
                     <a:ext uri="{9D8B030D-6E8A-4147-A177-3AD203B41FA5}">
                       <a16:colId xmlns:a16="http://schemas.microsoft.com/office/drawing/2014/main" val="3676582090"/>
                     </a:ext>
                   </a:extLst>
                 </a:gridCol>
-                <a:gridCol w="5385594">
+                <a:gridCol w="5334000">
                   <a:extLst>
                     <a:ext uri="{9D8B030D-6E8A-4147-A177-3AD203B41FA5}">
                       <a16:colId xmlns:a16="http://schemas.microsoft.com/office/drawing/2014/main" val="3458197918"/>
@@ -16766,6 +20303,8 @@
                         </a:rPr>
                         <a:t>Pros:</a:t>
                       </a:r>
+                    </a:p>
+                    <a:p>
                       <a:br>
                         <a:rPr lang="en-US" sz="1600" dirty="0">
                           <a:solidFill>
@@ -16800,16 +20339,6 @@
                         </a:rPr>
                         <a:t>• Targeted high-litter zones</a:t>
                       </a:r>
-                    </a:p>
-                    <a:p>
-                      <a:endParaRPr lang="en-US" sz="1600" b="1" dirty="0">
-                        <a:solidFill>
-                          <a:srgbClr val="435F30"/>
-                        </a:solidFill>
-                        <a:latin typeface="Bahnschrift SemiLight" panose="020B0502040204020203" pitchFamily="34" charset="0"/>
-                      </a:endParaRPr>
-                    </a:p>
-                    <a:p>
                       <a:endParaRPr lang="en-US" sz="1600" b="1" dirty="0">
                         <a:solidFill>
                           <a:srgbClr val="435F30"/>
@@ -16835,6 +20364,8 @@
                         </a:rPr>
                         <a:t>Cons:</a:t>
                       </a:r>
+                    </a:p>
+                    <a:p>
                       <a:br>
                         <a:rPr lang="en-US" sz="1600" dirty="0">
                           <a:solidFill>
@@ -16903,6 +20434,8 @@
                         </a:rPr>
                         <a:t>Pros:</a:t>
                       </a:r>
+                    </a:p>
+                    <a:p>
                       <a:br>
                         <a:rPr lang="en-US" sz="1600" b="0" dirty="0">
                           <a:solidFill>
@@ -16937,16 +20470,6 @@
                         </a:rPr>
                         <a:t>• Visually conceals waste</a:t>
                       </a:r>
-                    </a:p>
-                    <a:p>
-                      <a:endParaRPr lang="en-US" sz="1800" b="0" i="1" dirty="0">
-                        <a:solidFill>
-                          <a:srgbClr val="435F30"/>
-                        </a:solidFill>
-                        <a:latin typeface="Bahnschrift SemiLight" panose="020B0502040204020203" pitchFamily="34" charset="0"/>
-                      </a:endParaRPr>
-                    </a:p>
-                    <a:p>
                       <a:endParaRPr lang="en-US" sz="1800" b="0" i="1" dirty="0">
                         <a:solidFill>
                           <a:srgbClr val="435F30"/>
@@ -16972,6 +20495,8 @@
                         </a:rPr>
                         <a:t>Cons:</a:t>
                       </a:r>
+                    </a:p>
+                    <a:p>
                       <a:br>
                         <a:rPr lang="en-US" sz="1600" b="0" dirty="0">
                           <a:solidFill>

--- a/presentation.pptx
+++ b/presentation.pptx
@@ -5,10 +5,10 @@
     <p:sldMasterId id="2147483692" r:id="rId4"/>
   </p:sldMasterIdLst>
   <p:notesMasterIdLst>
-    <p:notesMasterId r:id="rId27"/>
+    <p:notesMasterId r:id="rId30"/>
   </p:notesMasterIdLst>
   <p:handoutMasterIdLst>
-    <p:handoutMasterId r:id="rId28"/>
+    <p:handoutMasterId r:id="rId31"/>
   </p:handoutMasterIdLst>
   <p:sldIdLst>
     <p:sldId id="354" r:id="rId5"/>
@@ -25,14 +25,17 @@
     <p:sldId id="392" r:id="rId16"/>
     <p:sldId id="393" r:id="rId17"/>
     <p:sldId id="376" r:id="rId18"/>
-    <p:sldId id="377" r:id="rId19"/>
-    <p:sldId id="378" r:id="rId20"/>
-    <p:sldId id="379" r:id="rId21"/>
-    <p:sldId id="380" r:id="rId22"/>
-    <p:sldId id="381" r:id="rId23"/>
-    <p:sldId id="382" r:id="rId24"/>
-    <p:sldId id="383" r:id="rId25"/>
-    <p:sldId id="384" r:id="rId26"/>
+    <p:sldId id="394" r:id="rId19"/>
+    <p:sldId id="395" r:id="rId20"/>
+    <p:sldId id="396" r:id="rId21"/>
+    <p:sldId id="377" r:id="rId22"/>
+    <p:sldId id="378" r:id="rId23"/>
+    <p:sldId id="379" r:id="rId24"/>
+    <p:sldId id="380" r:id="rId25"/>
+    <p:sldId id="381" r:id="rId26"/>
+    <p:sldId id="382" r:id="rId27"/>
+    <p:sldId id="383" r:id="rId28"/>
+    <p:sldId id="384" r:id="rId29"/>
   </p:sldIdLst>
   <p:sldSz cx="12188825" cy="6858000"/>
   <p:notesSz cx="6858000" cy="9144000"/>
@@ -14925,85 +14928,10 @@
       </p:grpSpPr>
       <p:sp>
         <p:nvSpPr>
-          <p:cNvPr id="2" name="Title 1">
+          <p:cNvPr id="4" name="Slide Number Placeholder 3">
             <a:extLst>
               <a:ext uri="{FF2B5EF4-FFF2-40B4-BE49-F238E27FC236}">
-                <a16:creationId xmlns:a16="http://schemas.microsoft.com/office/drawing/2014/main" id="{AADB5DC0-637B-33EB-9B61-EFB3DE503900}"/>
-              </a:ext>
-            </a:extLst>
-          </p:cNvPr>
-          <p:cNvSpPr>
-            <a:spLocks noGrp="1"/>
-          </p:cNvSpPr>
-          <p:nvPr>
-            <p:ph type="title"/>
-          </p:nvPr>
-        </p:nvSpPr>
-        <p:spPr/>
-        <p:txBody>
-          <a:bodyPr/>
-          <a:lstStyle/>
-          <a:p>
-            <a:endParaRPr lang="en-IN"/>
-          </a:p>
-        </p:txBody>
-      </p:sp>
-      <p:sp>
-        <p:nvSpPr>
-          <p:cNvPr id="3" name="Content Placeholder 2">
-            <a:extLst>
-              <a:ext uri="{FF2B5EF4-FFF2-40B4-BE49-F238E27FC236}">
-                <a16:creationId xmlns:a16="http://schemas.microsoft.com/office/drawing/2014/main" id="{54DEFFDB-126C-310C-5C89-434FDACA5F31}"/>
-              </a:ext>
-            </a:extLst>
-          </p:cNvPr>
-          <p:cNvSpPr>
-            <a:spLocks noGrp="1"/>
-          </p:cNvSpPr>
-          <p:nvPr>
-            <p:ph sz="quarter" idx="13"/>
-          </p:nvPr>
-        </p:nvSpPr>
-        <p:spPr/>
-        <p:txBody>
-          <a:bodyPr/>
-          <a:lstStyle/>
-          <a:p>
-            <a:endParaRPr lang="en-IN"/>
-          </a:p>
-        </p:txBody>
-      </p:sp>
-      <p:sp>
-        <p:nvSpPr>
-          <p:cNvPr id="4" name="Picture Placeholder 3">
-            <a:extLst>
-              <a:ext uri="{FF2B5EF4-FFF2-40B4-BE49-F238E27FC236}">
-                <a16:creationId xmlns:a16="http://schemas.microsoft.com/office/drawing/2014/main" id="{84E988D3-CF35-4838-4D7E-194B8206E5F6}"/>
-              </a:ext>
-            </a:extLst>
-          </p:cNvPr>
-          <p:cNvSpPr>
-            <a:spLocks noGrp="1"/>
-          </p:cNvSpPr>
-          <p:nvPr>
-            <p:ph type="pic" sz="quarter" idx="14"/>
-          </p:nvPr>
-        </p:nvSpPr>
-        <p:spPr/>
-        <p:txBody>
-          <a:bodyPr/>
-          <a:lstStyle/>
-          <a:p>
-            <a:endParaRPr lang="en-US"/>
-          </a:p>
-        </p:txBody>
-      </p:sp>
-      <p:sp>
-        <p:nvSpPr>
-          <p:cNvPr id="5" name="Slide Number Placeholder 4">
-            <a:extLst>
-              <a:ext uri="{FF2B5EF4-FFF2-40B4-BE49-F238E27FC236}">
-                <a16:creationId xmlns:a16="http://schemas.microsoft.com/office/drawing/2014/main" id="{ECB92C49-500A-83A9-A98E-071CD7B4CF66}"/>
+                <a16:creationId xmlns:a16="http://schemas.microsoft.com/office/drawing/2014/main" id="{5EDF78A5-329B-AC5C-8934-938E8DDDA728}"/>
               </a:ext>
             </a:extLst>
           </p:cNvPr>
@@ -15028,133 +14956,349 @@
           </a:p>
         </p:txBody>
       </p:sp>
+      <p:pic>
+        <p:nvPicPr>
+          <p:cNvPr id="6" name="Picture 5" descr="A drawing of a rectangular object&#10;&#10;AI-generated content may be incorrect.">
+            <a:extLst>
+              <a:ext uri="{FF2B5EF4-FFF2-40B4-BE49-F238E27FC236}">
+                <a16:creationId xmlns:a16="http://schemas.microsoft.com/office/drawing/2014/main" id="{12FA479C-C4D2-D117-CE90-F13657352BC8}"/>
+              </a:ext>
+            </a:extLst>
+          </p:cNvPr>
+          <p:cNvPicPr>
+            <a:picLocks noChangeAspect="1"/>
+          </p:cNvPicPr>
+          <p:nvPr/>
+        </p:nvPicPr>
+        <p:blipFill>
+          <a:blip r:embed="rId2"/>
+          <a:stretch>
+            <a:fillRect/>
+          </a:stretch>
+        </p:blipFill>
+        <p:spPr>
+          <a:xfrm>
+            <a:off x="531812" y="907030"/>
+            <a:ext cx="2743487" cy="4172387"/>
+          </a:xfrm>
+          <a:prstGeom prst="rect">
+            <a:avLst/>
+          </a:prstGeom>
+          <a:solidFill>
+            <a:srgbClr val="FFFFFF">
+              <a:shade val="85000"/>
+            </a:srgbClr>
+          </a:solidFill>
+          <a:ln w="76200" cap="sq">
+            <a:solidFill>
+              <a:srgbClr val="E5EDDD"/>
+            </a:solidFill>
+            <a:miter lim="800000"/>
+          </a:ln>
+          <a:effectLst>
+            <a:outerShdw blurRad="55000" dist="18000" dir="5400000" algn="tl" rotWithShape="0">
+              <a:srgbClr val="000000">
+                <a:alpha val="40000"/>
+              </a:srgbClr>
+            </a:outerShdw>
+          </a:effectLst>
+          <a:scene3d>
+            <a:camera prst="orthographicFront"/>
+            <a:lightRig rig="twoPt" dir="t">
+              <a:rot lat="0" lon="0" rev="7200000"/>
+            </a:lightRig>
+          </a:scene3d>
+          <a:sp3d>
+            <a:bevelT w="25400" h="19050"/>
+            <a:contourClr>
+              <a:srgbClr val="FFFFFF"/>
+            </a:contourClr>
+          </a:sp3d>
+        </p:spPr>
+      </p:pic>
+      <p:pic>
+        <p:nvPicPr>
+          <p:cNvPr id="8" name="Picture 7" descr="A drawing of a rectangular object&#10;&#10;AI-generated content may be incorrect.">
+            <a:extLst>
+              <a:ext uri="{FF2B5EF4-FFF2-40B4-BE49-F238E27FC236}">
+                <a16:creationId xmlns:a16="http://schemas.microsoft.com/office/drawing/2014/main" id="{152715A6-BC4D-5E51-F62B-A5C0CE854253}"/>
+              </a:ext>
+            </a:extLst>
+          </p:cNvPr>
+          <p:cNvPicPr>
+            <a:picLocks noChangeAspect="1"/>
+          </p:cNvPicPr>
+          <p:nvPr/>
+        </p:nvPicPr>
+        <p:blipFill>
+          <a:blip r:embed="rId3"/>
+          <a:stretch>
+            <a:fillRect/>
+          </a:stretch>
+        </p:blipFill>
+        <p:spPr>
+          <a:xfrm>
+            <a:off x="3889005" y="901775"/>
+            <a:ext cx="2978518" cy="4172387"/>
+          </a:xfrm>
+          <a:prstGeom prst="rect">
+            <a:avLst/>
+          </a:prstGeom>
+          <a:solidFill>
+            <a:srgbClr val="FFFFFF">
+              <a:shade val="85000"/>
+            </a:srgbClr>
+          </a:solidFill>
+          <a:ln w="76200" cap="sq">
+            <a:solidFill>
+              <a:srgbClr val="E5EDDD"/>
+            </a:solidFill>
+            <a:miter lim="800000"/>
+          </a:ln>
+          <a:effectLst>
+            <a:outerShdw blurRad="55000" dist="18000" dir="5400000" algn="tl" rotWithShape="0">
+              <a:srgbClr val="000000">
+                <a:alpha val="40000"/>
+              </a:srgbClr>
+            </a:outerShdw>
+          </a:effectLst>
+          <a:scene3d>
+            <a:camera prst="orthographicFront"/>
+            <a:lightRig rig="twoPt" dir="t">
+              <a:rot lat="0" lon="0" rev="7200000"/>
+            </a:lightRig>
+          </a:scene3d>
+          <a:sp3d>
+            <a:bevelT w="25400" h="19050"/>
+            <a:contourClr>
+              <a:srgbClr val="FFFFFF"/>
+            </a:contourClr>
+          </a:sp3d>
+        </p:spPr>
+      </p:pic>
+      <p:pic>
+        <p:nvPicPr>
+          <p:cNvPr id="10" name="Picture 9" descr="A drawing of a square box&#10;&#10;AI-generated content may be incorrect.">
+            <a:extLst>
+              <a:ext uri="{FF2B5EF4-FFF2-40B4-BE49-F238E27FC236}">
+                <a16:creationId xmlns:a16="http://schemas.microsoft.com/office/drawing/2014/main" id="{5736D709-F9DE-3F85-B558-3D6F4F237C72}"/>
+              </a:ext>
+            </a:extLst>
+          </p:cNvPr>
+          <p:cNvPicPr>
+            <a:picLocks noChangeAspect="1"/>
+          </p:cNvPicPr>
+          <p:nvPr/>
+        </p:nvPicPr>
+        <p:blipFill>
+          <a:blip r:embed="rId4"/>
+          <a:stretch>
+            <a:fillRect/>
+          </a:stretch>
+        </p:blipFill>
+        <p:spPr>
+          <a:xfrm>
+            <a:off x="7389812" y="901775"/>
+            <a:ext cx="4382919" cy="4172386"/>
+          </a:xfrm>
+          <a:prstGeom prst="rect">
+            <a:avLst/>
+          </a:prstGeom>
+          <a:solidFill>
+            <a:srgbClr val="FFFFFF">
+              <a:shade val="85000"/>
+            </a:srgbClr>
+          </a:solidFill>
+          <a:ln w="76200" cap="sq">
+            <a:solidFill>
+              <a:srgbClr val="E5EDDD"/>
+            </a:solidFill>
+            <a:miter lim="800000"/>
+          </a:ln>
+          <a:effectLst>
+            <a:outerShdw blurRad="55000" dist="18000" dir="5400000" algn="tl" rotWithShape="0">
+              <a:srgbClr val="000000">
+                <a:alpha val="40000"/>
+              </a:srgbClr>
+            </a:outerShdw>
+          </a:effectLst>
+          <a:scene3d>
+            <a:camera prst="orthographicFront"/>
+            <a:lightRig rig="twoPt" dir="t">
+              <a:rot lat="0" lon="0" rev="7200000"/>
+            </a:lightRig>
+          </a:scene3d>
+          <a:sp3d>
+            <a:bevelT w="25400" h="19050"/>
+            <a:contourClr>
+              <a:srgbClr val="FFFFFF"/>
+            </a:contourClr>
+          </a:sp3d>
+        </p:spPr>
+      </p:pic>
       <p:sp>
         <p:nvSpPr>
-          <p:cNvPr id="6" name="Slide Number Placeholder 4">
+          <p:cNvPr id="11" name="TextBox 10">
             <a:extLst>
               <a:ext uri="{FF2B5EF4-FFF2-40B4-BE49-F238E27FC236}">
-                <a16:creationId xmlns:a16="http://schemas.microsoft.com/office/drawing/2014/main" id="{3F841A1B-DBD5-E8AC-6353-E738060B9317}"/>
+                <a16:creationId xmlns:a16="http://schemas.microsoft.com/office/drawing/2014/main" id="{3C29075D-A878-95B9-8E26-25CC989CD1CF}"/>
               </a:ext>
             </a:extLst>
           </p:cNvPr>
-          <p:cNvSpPr txBox="1">
-            <a:spLocks/>
-          </p:cNvSpPr>
+          <p:cNvSpPr txBox="1"/>
           <p:nvPr/>
         </p:nvSpPr>
         <p:spPr>
           <a:xfrm>
-            <a:off x="455612" y="6190488"/>
-            <a:ext cx="2677604" cy="210312"/>
+            <a:off x="681105" y="5181600"/>
+            <a:ext cx="2444900" cy="297004"/>
           </a:xfrm>
           <a:prstGeom prst="rect">
             <a:avLst/>
           </a:prstGeom>
+          <a:noFill/>
         </p:spPr>
         <p:txBody>
-          <a:bodyPr vert="horz" lIns="121899" tIns="60949" rIns="121899" bIns="60949" rtlCol="0" anchor="b"/>
-          <a:lstStyle>
-            <a:defPPr>
-              <a:defRPr lang="en-US"/>
-            </a:defPPr>
-            <a:lvl1pPr marL="0" algn="r" defTabSz="1218987" rtl="0" eaLnBrk="1" latinLnBrk="0" hangingPunct="1">
-              <a:defRPr sz="1000" b="1" kern="1200" spc="200" baseline="0">
-                <a:solidFill>
-                  <a:schemeClr val="tx2">
-                    <a:lumMod val="50000"/>
-                  </a:schemeClr>
-                </a:solidFill>
-                <a:latin typeface="+mn-lt"/>
-                <a:ea typeface="+mn-ea"/>
-                <a:cs typeface="+mn-cs"/>
-              </a:defRPr>
-            </a:lvl1pPr>
-            <a:lvl2pPr marL="609493" algn="l" defTabSz="1218987" rtl="0" eaLnBrk="1" latinLnBrk="0" hangingPunct="1">
-              <a:defRPr sz="2400" kern="1200">
-                <a:solidFill>
-                  <a:schemeClr val="tx1"/>
-                </a:solidFill>
-                <a:latin typeface="+mn-lt"/>
-                <a:ea typeface="+mn-ea"/>
-                <a:cs typeface="+mn-cs"/>
-              </a:defRPr>
-            </a:lvl2pPr>
-            <a:lvl3pPr marL="1218987" algn="l" defTabSz="1218987" rtl="0" eaLnBrk="1" latinLnBrk="0" hangingPunct="1">
-              <a:defRPr sz="2400" kern="1200">
-                <a:solidFill>
-                  <a:schemeClr val="tx1"/>
-                </a:solidFill>
-                <a:latin typeface="+mn-lt"/>
-                <a:ea typeface="+mn-ea"/>
-                <a:cs typeface="+mn-cs"/>
-              </a:defRPr>
-            </a:lvl3pPr>
-            <a:lvl4pPr marL="1828480" algn="l" defTabSz="1218987" rtl="0" eaLnBrk="1" latinLnBrk="0" hangingPunct="1">
-              <a:defRPr sz="2400" kern="1200">
-                <a:solidFill>
-                  <a:schemeClr val="tx1"/>
-                </a:solidFill>
-                <a:latin typeface="+mn-lt"/>
-                <a:ea typeface="+mn-ea"/>
-                <a:cs typeface="+mn-cs"/>
-              </a:defRPr>
-            </a:lvl4pPr>
-            <a:lvl5pPr marL="2437973" algn="l" defTabSz="1218987" rtl="0" eaLnBrk="1" latinLnBrk="0" hangingPunct="1">
-              <a:defRPr sz="2400" kern="1200">
-                <a:solidFill>
-                  <a:schemeClr val="tx1"/>
-                </a:solidFill>
-                <a:latin typeface="+mn-lt"/>
-                <a:ea typeface="+mn-ea"/>
-                <a:cs typeface="+mn-cs"/>
-              </a:defRPr>
-            </a:lvl5pPr>
-            <a:lvl6pPr marL="3047467" algn="l" defTabSz="1218987" rtl="0" eaLnBrk="1" latinLnBrk="0" hangingPunct="1">
-              <a:defRPr sz="2400" kern="1200">
-                <a:solidFill>
-                  <a:schemeClr val="tx1"/>
-                </a:solidFill>
-                <a:latin typeface="+mn-lt"/>
-                <a:ea typeface="+mn-ea"/>
-                <a:cs typeface="+mn-cs"/>
-              </a:defRPr>
-            </a:lvl6pPr>
-            <a:lvl7pPr marL="3656960" algn="l" defTabSz="1218987" rtl="0" eaLnBrk="1" latinLnBrk="0" hangingPunct="1">
-              <a:defRPr sz="2400" kern="1200">
-                <a:solidFill>
-                  <a:schemeClr val="tx1"/>
-                </a:solidFill>
-                <a:latin typeface="+mn-lt"/>
-                <a:ea typeface="+mn-ea"/>
-                <a:cs typeface="+mn-cs"/>
-              </a:defRPr>
-            </a:lvl7pPr>
-            <a:lvl8pPr marL="4266453" algn="l" defTabSz="1218987" rtl="0" eaLnBrk="1" latinLnBrk="0" hangingPunct="1">
-              <a:defRPr sz="2400" kern="1200">
-                <a:solidFill>
-                  <a:schemeClr val="tx1"/>
-                </a:solidFill>
-                <a:latin typeface="+mn-lt"/>
-                <a:ea typeface="+mn-ea"/>
-                <a:cs typeface="+mn-cs"/>
-              </a:defRPr>
-            </a:lvl8pPr>
-            <a:lvl9pPr marL="4875947" algn="l" defTabSz="1218987" rtl="0" eaLnBrk="1" latinLnBrk="0" hangingPunct="1">
-              <a:defRPr sz="2400" kern="1200">
-                <a:solidFill>
-                  <a:schemeClr val="tx1"/>
-                </a:solidFill>
-                <a:latin typeface="+mn-lt"/>
-                <a:ea typeface="+mn-ea"/>
-                <a:cs typeface="+mn-cs"/>
-              </a:defRPr>
-            </a:lvl9pPr>
-          </a:lstStyle>
-          <a:p>
-            <a:pPr algn="l"/>
+          <a:bodyPr wrap="none" rtlCol="0">
+            <a:spAutoFit/>
+          </a:bodyPr>
+          <a:lstStyle/>
+          <a:p>
+            <a:pPr>
+              <a:lnSpc>
+                <a:spcPct val="95000"/>
+              </a:lnSpc>
+            </a:pPr>
             <a:r>
-              <a:rPr lang="en-US" dirty="0"/>
-              <a:t>DES211 CAPSTONE PROJECT</a:t>
+              <a:rPr lang="en-US" sz="1400" dirty="0">
+                <a:solidFill>
+                  <a:srgbClr val="435F30"/>
+                </a:solidFill>
+                <a:latin typeface="Bahnschrift SemiLight" panose="020B0502040204020203" pitchFamily="34" charset="0"/>
+              </a:rPr>
+              <a:t>Grooves for infinite chaining</a:t>
+            </a:r>
+          </a:p>
+        </p:txBody>
+      </p:sp>
+      <p:sp>
+        <p:nvSpPr>
+          <p:cNvPr id="12" name="TextBox 11">
+            <a:extLst>
+              <a:ext uri="{FF2B5EF4-FFF2-40B4-BE49-F238E27FC236}">
+                <a16:creationId xmlns:a16="http://schemas.microsoft.com/office/drawing/2014/main" id="{5F96C536-F7F9-317A-746C-0BD00AE31430}"/>
+              </a:ext>
+            </a:extLst>
+          </p:cNvPr>
+          <p:cNvSpPr txBox="1"/>
+          <p:nvPr/>
+        </p:nvSpPr>
+        <p:spPr>
+          <a:xfrm>
+            <a:off x="4256001" y="5175380"/>
+            <a:ext cx="2244525" cy="501676"/>
+          </a:xfrm>
+          <a:prstGeom prst="rect">
+            <a:avLst/>
+          </a:prstGeom>
+          <a:noFill/>
+        </p:spPr>
+        <p:txBody>
+          <a:bodyPr wrap="none" rtlCol="0">
+            <a:spAutoFit/>
+          </a:bodyPr>
+          <a:lstStyle/>
+          <a:p>
+            <a:pPr algn="ctr">
+              <a:lnSpc>
+                <a:spcPct val="95000"/>
+              </a:lnSpc>
+            </a:pPr>
+            <a:r>
+              <a:rPr lang="en-US" sz="1400" dirty="0">
+                <a:solidFill>
+                  <a:srgbClr val="435F30"/>
+                </a:solidFill>
+                <a:latin typeface="Bahnschrift SemiLight" panose="020B0502040204020203" pitchFamily="34" charset="0"/>
+              </a:rPr>
+              <a:t>Reduced groove depth for</a:t>
+            </a:r>
+          </a:p>
+          <a:p>
+            <a:pPr algn="ctr">
+              <a:lnSpc>
+                <a:spcPct val="95000"/>
+              </a:lnSpc>
+            </a:pPr>
+            <a:r>
+              <a:rPr lang="en-US" sz="1400" dirty="0">
+                <a:solidFill>
+                  <a:srgbClr val="435F30"/>
+                </a:solidFill>
+                <a:latin typeface="Bahnschrift SemiLight" panose="020B0502040204020203" pitchFamily="34" charset="0"/>
+              </a:rPr>
+              <a:t>better user experience</a:t>
+            </a:r>
+          </a:p>
+        </p:txBody>
+      </p:sp>
+      <p:sp>
+        <p:nvSpPr>
+          <p:cNvPr id="13" name="TextBox 12">
+            <a:extLst>
+              <a:ext uri="{FF2B5EF4-FFF2-40B4-BE49-F238E27FC236}">
+                <a16:creationId xmlns:a16="http://schemas.microsoft.com/office/drawing/2014/main" id="{27C6FA01-BF33-9FA2-65B8-5AE45B94CC11}"/>
+              </a:ext>
+            </a:extLst>
+          </p:cNvPr>
+          <p:cNvSpPr txBox="1"/>
+          <p:nvPr/>
+        </p:nvSpPr>
+        <p:spPr>
+          <a:xfrm>
+            <a:off x="8171279" y="5177702"/>
+            <a:ext cx="2820003" cy="501676"/>
+          </a:xfrm>
+          <a:prstGeom prst="rect">
+            <a:avLst/>
+          </a:prstGeom>
+          <a:noFill/>
+        </p:spPr>
+        <p:txBody>
+          <a:bodyPr wrap="none" rtlCol="0">
+            <a:spAutoFit/>
+          </a:bodyPr>
+          <a:lstStyle/>
+          <a:p>
+            <a:pPr algn="ctr">
+              <a:lnSpc>
+                <a:spcPct val="95000"/>
+              </a:lnSpc>
+            </a:pPr>
+            <a:r>
+              <a:rPr lang="en-US" sz="1400" dirty="0">
+                <a:solidFill>
+                  <a:srgbClr val="435F30"/>
+                </a:solidFill>
+                <a:latin typeface="Bahnschrift SemiLight" panose="020B0502040204020203" pitchFamily="34" charset="0"/>
+              </a:rPr>
+              <a:t>Bag clips to ensure garbage bins</a:t>
+            </a:r>
+          </a:p>
+          <a:p>
+            <a:pPr algn="ctr">
+              <a:lnSpc>
+                <a:spcPct val="95000"/>
+              </a:lnSpc>
+            </a:pPr>
+            <a:r>
+              <a:rPr lang="en-US" sz="1400" dirty="0">
+                <a:solidFill>
+                  <a:srgbClr val="435F30"/>
+                </a:solidFill>
+                <a:latin typeface="Bahnschrift SemiLight" panose="020B0502040204020203" pitchFamily="34" charset="0"/>
+              </a:rPr>
+              <a:t>are always open</a:t>
             </a:r>
           </a:p>
         </p:txBody>
@@ -15162,7 +15306,7 @@
     </p:spTree>
     <p:extLst>
       <p:ext uri="{BB962C8B-B14F-4D97-AF65-F5344CB8AC3E}">
-        <p14:creationId xmlns:p14="http://schemas.microsoft.com/office/powerpoint/2010/main" val="1871765083"/>
+        <p14:creationId xmlns:p14="http://schemas.microsoft.com/office/powerpoint/2010/main" val="2798589290"/>
       </p:ext>
     </p:extLst>
   </p:cSld>
@@ -15189,7 +15333,13 @@
   <p:cSld>
     <p:spTree>
       <p:nvGrpSpPr>
-        <p:cNvPr id="1" name=""/>
+        <p:cNvPr id="1" name="">
+          <a:extLst>
+            <a:ext uri="{FF2B5EF4-FFF2-40B4-BE49-F238E27FC236}">
+              <a16:creationId xmlns:a16="http://schemas.microsoft.com/office/drawing/2014/main" id="{ED481F99-0E95-287F-111C-F463553BEC0C}"/>
+            </a:ext>
+          </a:extLst>
+        </p:cNvPr>
         <p:cNvGrpSpPr/>
         <p:nvPr/>
       </p:nvGrpSpPr>
@@ -15203,85 +15353,10 @@
       </p:grpSpPr>
       <p:sp>
         <p:nvSpPr>
-          <p:cNvPr id="2" name="Title 1">
+          <p:cNvPr id="4" name="Slide Number Placeholder 3">
             <a:extLst>
               <a:ext uri="{FF2B5EF4-FFF2-40B4-BE49-F238E27FC236}">
-                <a16:creationId xmlns:a16="http://schemas.microsoft.com/office/drawing/2014/main" id="{3691652E-4125-782A-0F3D-C13ED2979900}"/>
-              </a:ext>
-            </a:extLst>
-          </p:cNvPr>
-          <p:cNvSpPr>
-            <a:spLocks noGrp="1"/>
-          </p:cNvSpPr>
-          <p:nvPr>
-            <p:ph type="title"/>
-          </p:nvPr>
-        </p:nvSpPr>
-        <p:spPr/>
-        <p:txBody>
-          <a:bodyPr/>
-          <a:lstStyle/>
-          <a:p>
-            <a:endParaRPr lang="en-IN"/>
-          </a:p>
-        </p:txBody>
-      </p:sp>
-      <p:sp>
-        <p:nvSpPr>
-          <p:cNvPr id="3" name="Content Placeholder 2">
-            <a:extLst>
-              <a:ext uri="{FF2B5EF4-FFF2-40B4-BE49-F238E27FC236}">
-                <a16:creationId xmlns:a16="http://schemas.microsoft.com/office/drawing/2014/main" id="{C7EE9B6C-C4DB-433D-ADAB-6B49E2BC80AB}"/>
-              </a:ext>
-            </a:extLst>
-          </p:cNvPr>
-          <p:cNvSpPr>
-            <a:spLocks noGrp="1"/>
-          </p:cNvSpPr>
-          <p:nvPr>
-            <p:ph sz="quarter" idx="13"/>
-          </p:nvPr>
-        </p:nvSpPr>
-        <p:spPr/>
-        <p:txBody>
-          <a:bodyPr/>
-          <a:lstStyle/>
-          <a:p>
-            <a:endParaRPr lang="en-IN"/>
-          </a:p>
-        </p:txBody>
-      </p:sp>
-      <p:sp>
-        <p:nvSpPr>
-          <p:cNvPr id="4" name="Picture Placeholder 3">
-            <a:extLst>
-              <a:ext uri="{FF2B5EF4-FFF2-40B4-BE49-F238E27FC236}">
-                <a16:creationId xmlns:a16="http://schemas.microsoft.com/office/drawing/2014/main" id="{F26B7286-44C7-3395-7091-9C3CF7134780}"/>
-              </a:ext>
-            </a:extLst>
-          </p:cNvPr>
-          <p:cNvSpPr>
-            <a:spLocks noGrp="1"/>
-          </p:cNvSpPr>
-          <p:nvPr>
-            <p:ph type="pic" sz="quarter" idx="14"/>
-          </p:nvPr>
-        </p:nvSpPr>
-        <p:spPr/>
-        <p:txBody>
-          <a:bodyPr/>
-          <a:lstStyle/>
-          <a:p>
-            <a:endParaRPr lang="en-US"/>
-          </a:p>
-        </p:txBody>
-      </p:sp>
-      <p:sp>
-        <p:nvSpPr>
-          <p:cNvPr id="5" name="Slide Number Placeholder 4">
-            <a:extLst>
-              <a:ext uri="{FF2B5EF4-FFF2-40B4-BE49-F238E27FC236}">
-                <a16:creationId xmlns:a16="http://schemas.microsoft.com/office/drawing/2014/main" id="{771CACD5-DC8F-E562-D34B-63ACEED10192}"/>
+                <a16:creationId xmlns:a16="http://schemas.microsoft.com/office/drawing/2014/main" id="{F1EE8F3D-BF6A-EA6F-09BF-B9F78A0B9537}"/>
               </a:ext>
             </a:extLst>
           </p:cNvPr>
@@ -15308,152 +15383,231 @@
       </p:sp>
       <p:sp>
         <p:nvSpPr>
-          <p:cNvPr id="6" name="Slide Number Placeholder 4">
+          <p:cNvPr id="11" name="TextBox 10">
             <a:extLst>
               <a:ext uri="{FF2B5EF4-FFF2-40B4-BE49-F238E27FC236}">
-                <a16:creationId xmlns:a16="http://schemas.microsoft.com/office/drawing/2014/main" id="{FC397AB4-E7B3-064C-48F7-B4F336380CBA}"/>
+                <a16:creationId xmlns:a16="http://schemas.microsoft.com/office/drawing/2014/main" id="{5BD38CD5-4046-F541-0101-D13F77694A71}"/>
               </a:ext>
             </a:extLst>
           </p:cNvPr>
-          <p:cNvSpPr txBox="1">
-            <a:spLocks/>
-          </p:cNvSpPr>
+          <p:cNvSpPr txBox="1"/>
           <p:nvPr/>
         </p:nvSpPr>
         <p:spPr>
           <a:xfrm>
-            <a:off x="455612" y="6190488"/>
-            <a:ext cx="2677604" cy="210312"/>
+            <a:off x="1221290" y="5181600"/>
+            <a:ext cx="3802644" cy="297004"/>
           </a:xfrm>
           <a:prstGeom prst="rect">
             <a:avLst/>
           </a:prstGeom>
+          <a:noFill/>
         </p:spPr>
         <p:txBody>
-          <a:bodyPr vert="horz" lIns="121899" tIns="60949" rIns="121899" bIns="60949" rtlCol="0" anchor="b"/>
-          <a:lstStyle>
-            <a:defPPr>
-              <a:defRPr lang="en-US"/>
-            </a:defPPr>
-            <a:lvl1pPr marL="0" algn="r" defTabSz="1218987" rtl="0" eaLnBrk="1" latinLnBrk="0" hangingPunct="1">
-              <a:defRPr sz="1000" b="1" kern="1200" spc="200" baseline="0">
-                <a:solidFill>
-                  <a:schemeClr val="tx2">
-                    <a:lumMod val="50000"/>
-                  </a:schemeClr>
-                </a:solidFill>
-                <a:latin typeface="+mn-lt"/>
-                <a:ea typeface="+mn-ea"/>
-                <a:cs typeface="+mn-cs"/>
-              </a:defRPr>
-            </a:lvl1pPr>
-            <a:lvl2pPr marL="609493" algn="l" defTabSz="1218987" rtl="0" eaLnBrk="1" latinLnBrk="0" hangingPunct="1">
-              <a:defRPr sz="2400" kern="1200">
-                <a:solidFill>
-                  <a:schemeClr val="tx1"/>
-                </a:solidFill>
-                <a:latin typeface="+mn-lt"/>
-                <a:ea typeface="+mn-ea"/>
-                <a:cs typeface="+mn-cs"/>
-              </a:defRPr>
-            </a:lvl2pPr>
-            <a:lvl3pPr marL="1218987" algn="l" defTabSz="1218987" rtl="0" eaLnBrk="1" latinLnBrk="0" hangingPunct="1">
-              <a:defRPr sz="2400" kern="1200">
-                <a:solidFill>
-                  <a:schemeClr val="tx1"/>
-                </a:solidFill>
-                <a:latin typeface="+mn-lt"/>
-                <a:ea typeface="+mn-ea"/>
-                <a:cs typeface="+mn-cs"/>
-              </a:defRPr>
-            </a:lvl3pPr>
-            <a:lvl4pPr marL="1828480" algn="l" defTabSz="1218987" rtl="0" eaLnBrk="1" latinLnBrk="0" hangingPunct="1">
-              <a:defRPr sz="2400" kern="1200">
-                <a:solidFill>
-                  <a:schemeClr val="tx1"/>
-                </a:solidFill>
-                <a:latin typeface="+mn-lt"/>
-                <a:ea typeface="+mn-ea"/>
-                <a:cs typeface="+mn-cs"/>
-              </a:defRPr>
-            </a:lvl4pPr>
-            <a:lvl5pPr marL="2437973" algn="l" defTabSz="1218987" rtl="0" eaLnBrk="1" latinLnBrk="0" hangingPunct="1">
-              <a:defRPr sz="2400" kern="1200">
-                <a:solidFill>
-                  <a:schemeClr val="tx1"/>
-                </a:solidFill>
-                <a:latin typeface="+mn-lt"/>
-                <a:ea typeface="+mn-ea"/>
-                <a:cs typeface="+mn-cs"/>
-              </a:defRPr>
-            </a:lvl5pPr>
-            <a:lvl6pPr marL="3047467" algn="l" defTabSz="1218987" rtl="0" eaLnBrk="1" latinLnBrk="0" hangingPunct="1">
-              <a:defRPr sz="2400" kern="1200">
-                <a:solidFill>
-                  <a:schemeClr val="tx1"/>
-                </a:solidFill>
-                <a:latin typeface="+mn-lt"/>
-                <a:ea typeface="+mn-ea"/>
-                <a:cs typeface="+mn-cs"/>
-              </a:defRPr>
-            </a:lvl6pPr>
-            <a:lvl7pPr marL="3656960" algn="l" defTabSz="1218987" rtl="0" eaLnBrk="1" latinLnBrk="0" hangingPunct="1">
-              <a:defRPr sz="2400" kern="1200">
-                <a:solidFill>
-                  <a:schemeClr val="tx1"/>
-                </a:solidFill>
-                <a:latin typeface="+mn-lt"/>
-                <a:ea typeface="+mn-ea"/>
-                <a:cs typeface="+mn-cs"/>
-              </a:defRPr>
-            </a:lvl7pPr>
-            <a:lvl8pPr marL="4266453" algn="l" defTabSz="1218987" rtl="0" eaLnBrk="1" latinLnBrk="0" hangingPunct="1">
-              <a:defRPr sz="2400" kern="1200">
-                <a:solidFill>
-                  <a:schemeClr val="tx1"/>
-                </a:solidFill>
-                <a:latin typeface="+mn-lt"/>
-                <a:ea typeface="+mn-ea"/>
-                <a:cs typeface="+mn-cs"/>
-              </a:defRPr>
-            </a:lvl8pPr>
-            <a:lvl9pPr marL="4875947" algn="l" defTabSz="1218987" rtl="0" eaLnBrk="1" latinLnBrk="0" hangingPunct="1">
-              <a:defRPr sz="2400" kern="1200">
-                <a:solidFill>
-                  <a:schemeClr val="tx1"/>
-                </a:solidFill>
-                <a:latin typeface="+mn-lt"/>
-                <a:ea typeface="+mn-ea"/>
-                <a:cs typeface="+mn-cs"/>
-              </a:defRPr>
-            </a:lvl9pPr>
-          </a:lstStyle>
-          <a:p>
-            <a:pPr algn="l"/>
+          <a:bodyPr wrap="none" rtlCol="0">
+            <a:spAutoFit/>
+          </a:bodyPr>
+          <a:lstStyle/>
+          <a:p>
+            <a:pPr>
+              <a:lnSpc>
+                <a:spcPct val="95000"/>
+              </a:lnSpc>
+            </a:pPr>
             <a:r>
-              <a:rPr lang="en-US" dirty="0"/>
-              <a:t>DES211 CAPSTONE PROJECT</a:t>
+              <a:rPr lang="en-US" sz="1400" dirty="0">
+                <a:solidFill>
+                  <a:srgbClr val="435F30"/>
+                </a:solidFill>
+                <a:latin typeface="Bahnschrift SemiLight" panose="020B0502040204020203" pitchFamily="34" charset="0"/>
+              </a:rPr>
+              <a:t>Optional rotating lid to minimize user contact</a:t>
             </a:r>
           </a:p>
         </p:txBody>
       </p:sp>
+      <p:sp>
+        <p:nvSpPr>
+          <p:cNvPr id="13" name="TextBox 12">
+            <a:extLst>
+              <a:ext uri="{FF2B5EF4-FFF2-40B4-BE49-F238E27FC236}">
+                <a16:creationId xmlns:a16="http://schemas.microsoft.com/office/drawing/2014/main" id="{DF35BBE4-F3EA-DFE1-949C-75C55B5A65B7}"/>
+              </a:ext>
+            </a:extLst>
+          </p:cNvPr>
+          <p:cNvSpPr txBox="1"/>
+          <p:nvPr/>
+        </p:nvSpPr>
+        <p:spPr>
+          <a:xfrm>
+            <a:off x="8070154" y="5227766"/>
+            <a:ext cx="1810112" cy="297004"/>
+          </a:xfrm>
+          <a:prstGeom prst="rect">
+            <a:avLst/>
+          </a:prstGeom>
+          <a:noFill/>
+        </p:spPr>
+        <p:txBody>
+          <a:bodyPr wrap="none" rtlCol="0">
+            <a:spAutoFit/>
+          </a:bodyPr>
+          <a:lstStyle/>
+          <a:p>
+            <a:pPr algn="ctr">
+              <a:lnSpc>
+                <a:spcPct val="95000"/>
+              </a:lnSpc>
+            </a:pPr>
+            <a:r>
+              <a:rPr lang="en-US" sz="1400" dirty="0">
+                <a:solidFill>
+                  <a:srgbClr val="435F30"/>
+                </a:solidFill>
+                <a:latin typeface="Bahnschrift SemiLight" panose="020B0502040204020203" pitchFamily="34" charset="0"/>
+              </a:rPr>
+              <a:t>Bin and Lid together</a:t>
+            </a:r>
+          </a:p>
+        </p:txBody>
+      </p:sp>
+      <p:pic>
+        <p:nvPicPr>
+          <p:cNvPr id="3" name="Picture 2">
+            <a:extLst>
+              <a:ext uri="{FF2B5EF4-FFF2-40B4-BE49-F238E27FC236}">
+                <a16:creationId xmlns:a16="http://schemas.microsoft.com/office/drawing/2014/main" id="{2B97FBB4-2A82-39B8-486D-F95EB8032787}"/>
+              </a:ext>
+            </a:extLst>
+          </p:cNvPr>
+          <p:cNvPicPr>
+            <a:picLocks noChangeAspect="1"/>
+          </p:cNvPicPr>
+          <p:nvPr/>
+        </p:nvPicPr>
+        <p:blipFill>
+          <a:blip r:embed="rId2"/>
+          <a:stretch>
+            <a:fillRect/>
+          </a:stretch>
+        </p:blipFill>
+        <p:spPr>
+          <a:xfrm>
+            <a:off x="531812" y="1008991"/>
+            <a:ext cx="5181600" cy="4081473"/>
+          </a:xfrm>
+          <a:prstGeom prst="rect">
+            <a:avLst/>
+          </a:prstGeom>
+          <a:solidFill>
+            <a:srgbClr val="FFFFFF">
+              <a:shade val="85000"/>
+            </a:srgbClr>
+          </a:solidFill>
+          <a:ln w="57150" cap="sq">
+            <a:solidFill>
+              <a:srgbClr val="E5EDDD"/>
+            </a:solidFill>
+            <a:miter lim="800000"/>
+          </a:ln>
+          <a:effectLst>
+            <a:outerShdw blurRad="55000" dist="18000" dir="5400000" algn="tl" rotWithShape="0">
+              <a:srgbClr val="000000">
+                <a:alpha val="40000"/>
+              </a:srgbClr>
+            </a:outerShdw>
+          </a:effectLst>
+          <a:scene3d>
+            <a:camera prst="orthographicFront"/>
+            <a:lightRig rig="twoPt" dir="t">
+              <a:rot lat="0" lon="0" rev="7200000"/>
+            </a:lightRig>
+          </a:scene3d>
+          <a:sp3d>
+            <a:bevelT w="25400" h="19050"/>
+            <a:contourClr>
+              <a:srgbClr val="FFFFFF"/>
+            </a:contourClr>
+          </a:sp3d>
+        </p:spPr>
+      </p:pic>
+      <p:pic>
+        <p:nvPicPr>
+          <p:cNvPr id="7" name="Picture 6">
+            <a:extLst>
+              <a:ext uri="{FF2B5EF4-FFF2-40B4-BE49-F238E27FC236}">
+                <a16:creationId xmlns:a16="http://schemas.microsoft.com/office/drawing/2014/main" id="{373F1096-504D-7307-86D6-365BCA94919E}"/>
+              </a:ext>
+            </a:extLst>
+          </p:cNvPr>
+          <p:cNvPicPr>
+            <a:picLocks noChangeAspect="1"/>
+          </p:cNvPicPr>
+          <p:nvPr/>
+        </p:nvPicPr>
+        <p:blipFill>
+          <a:blip r:embed="rId3"/>
+          <a:stretch>
+            <a:fillRect/>
+          </a:stretch>
+        </p:blipFill>
+        <p:spPr>
+          <a:xfrm>
+            <a:off x="6627812" y="1008991"/>
+            <a:ext cx="4694791" cy="4136339"/>
+          </a:xfrm>
+          <a:prstGeom prst="rect">
+            <a:avLst/>
+          </a:prstGeom>
+          <a:solidFill>
+            <a:srgbClr val="FFFFFF">
+              <a:shade val="85000"/>
+            </a:srgbClr>
+          </a:solidFill>
+          <a:ln w="57150" cap="sq">
+            <a:solidFill>
+              <a:srgbClr val="E5EDDD"/>
+            </a:solidFill>
+            <a:miter lim="800000"/>
+          </a:ln>
+          <a:effectLst>
+            <a:outerShdw blurRad="55000" dist="18000" dir="5400000" algn="tl" rotWithShape="0">
+              <a:srgbClr val="000000">
+                <a:alpha val="40000"/>
+              </a:srgbClr>
+            </a:outerShdw>
+          </a:effectLst>
+          <a:scene3d>
+            <a:camera prst="orthographicFront"/>
+            <a:lightRig rig="twoPt" dir="t">
+              <a:rot lat="0" lon="0" rev="7200000"/>
+            </a:lightRig>
+          </a:scene3d>
+          <a:sp3d>
+            <a:bevelT w="25400" h="19050"/>
+            <a:contourClr>
+              <a:srgbClr val="FFFFFF"/>
+            </a:contourClr>
+          </a:sp3d>
+        </p:spPr>
+      </p:pic>
     </p:spTree>
     <p:extLst>
       <p:ext uri="{BB962C8B-B14F-4D97-AF65-F5344CB8AC3E}">
-        <p14:creationId xmlns:p14="http://schemas.microsoft.com/office/powerpoint/2010/main" val="2540403346"/>
+        <p14:creationId xmlns:p14="http://schemas.microsoft.com/office/powerpoint/2010/main" val="3331049099"/>
       </p:ext>
     </p:extLst>
   </p:cSld>
   <p:clrMapOvr>
     <a:masterClrMapping/>
   </p:clrMapOvr>
-  <mc:AlternateContent xmlns:mc="http://schemas.openxmlformats.org/markup-compatibility/2006" xmlns:p14="http://schemas.microsoft.com/office/powerpoint/2010/main">
-    <mc:Choice Requires="p14">
+  <mc:AlternateContent xmlns:mc="http://schemas.openxmlformats.org/markup-compatibility/2006">
+    <mc:Choice xmlns:p14="http://schemas.microsoft.com/office/powerpoint/2010/main" Requires="p14">
       <p:transition spd="med" p14:dur="700">
         <p:fade/>
       </p:transition>
     </mc:Choice>
-    <mc:Fallback xmlns="">
+    <mc:Fallback>
       <p:transition spd="med">
         <p:fade/>
       </p:transition>
@@ -15467,7 +15621,13 @@
   <p:cSld>
     <p:spTree>
       <p:nvGrpSpPr>
-        <p:cNvPr id="1" name=""/>
+        <p:cNvPr id="1" name="">
+          <a:extLst>
+            <a:ext uri="{FF2B5EF4-FFF2-40B4-BE49-F238E27FC236}">
+              <a16:creationId xmlns:a16="http://schemas.microsoft.com/office/drawing/2014/main" id="{4BBF7A5A-F01E-A46E-7FC8-80A808491AF3}"/>
+            </a:ext>
+          </a:extLst>
+        </p:cNvPr>
         <p:cNvGrpSpPr/>
         <p:nvPr/>
       </p:nvGrpSpPr>
@@ -15481,85 +15641,10 @@
       </p:grpSpPr>
       <p:sp>
         <p:nvSpPr>
-          <p:cNvPr id="2" name="Title 1">
+          <p:cNvPr id="4" name="Slide Number Placeholder 3">
             <a:extLst>
               <a:ext uri="{FF2B5EF4-FFF2-40B4-BE49-F238E27FC236}">
-                <a16:creationId xmlns:a16="http://schemas.microsoft.com/office/drawing/2014/main" id="{E5BB7D67-76BC-2F76-6A7E-93CF1B03CA9B}"/>
-              </a:ext>
-            </a:extLst>
-          </p:cNvPr>
-          <p:cNvSpPr>
-            <a:spLocks noGrp="1"/>
-          </p:cNvSpPr>
-          <p:nvPr>
-            <p:ph type="title"/>
-          </p:nvPr>
-        </p:nvSpPr>
-        <p:spPr/>
-        <p:txBody>
-          <a:bodyPr/>
-          <a:lstStyle/>
-          <a:p>
-            <a:endParaRPr lang="en-IN"/>
-          </a:p>
-        </p:txBody>
-      </p:sp>
-      <p:sp>
-        <p:nvSpPr>
-          <p:cNvPr id="3" name="Content Placeholder 2">
-            <a:extLst>
-              <a:ext uri="{FF2B5EF4-FFF2-40B4-BE49-F238E27FC236}">
-                <a16:creationId xmlns:a16="http://schemas.microsoft.com/office/drawing/2014/main" id="{481F0043-5374-9370-B17A-15CAD56ADF84}"/>
-              </a:ext>
-            </a:extLst>
-          </p:cNvPr>
-          <p:cNvSpPr>
-            <a:spLocks noGrp="1"/>
-          </p:cNvSpPr>
-          <p:nvPr>
-            <p:ph sz="quarter" idx="13"/>
-          </p:nvPr>
-        </p:nvSpPr>
-        <p:spPr/>
-        <p:txBody>
-          <a:bodyPr/>
-          <a:lstStyle/>
-          <a:p>
-            <a:endParaRPr lang="en-IN"/>
-          </a:p>
-        </p:txBody>
-      </p:sp>
-      <p:sp>
-        <p:nvSpPr>
-          <p:cNvPr id="4" name="Picture Placeholder 3">
-            <a:extLst>
-              <a:ext uri="{FF2B5EF4-FFF2-40B4-BE49-F238E27FC236}">
-                <a16:creationId xmlns:a16="http://schemas.microsoft.com/office/drawing/2014/main" id="{B57F297D-5244-EB01-2D2D-30DC341E469D}"/>
-              </a:ext>
-            </a:extLst>
-          </p:cNvPr>
-          <p:cNvSpPr>
-            <a:spLocks noGrp="1"/>
-          </p:cNvSpPr>
-          <p:nvPr>
-            <p:ph type="pic" sz="quarter" idx="14"/>
-          </p:nvPr>
-        </p:nvSpPr>
-        <p:spPr/>
-        <p:txBody>
-          <a:bodyPr/>
-          <a:lstStyle/>
-          <a:p>
-            <a:endParaRPr lang="en-US"/>
-          </a:p>
-        </p:txBody>
-      </p:sp>
-      <p:sp>
-        <p:nvSpPr>
-          <p:cNvPr id="5" name="Slide Number Placeholder 4">
-            <a:extLst>
-              <a:ext uri="{FF2B5EF4-FFF2-40B4-BE49-F238E27FC236}">
-                <a16:creationId xmlns:a16="http://schemas.microsoft.com/office/drawing/2014/main" id="{C6881C2A-23D8-2323-B89B-98E5EBD584F6}"/>
+                <a16:creationId xmlns:a16="http://schemas.microsoft.com/office/drawing/2014/main" id="{9452E637-11C2-0066-F082-1A69742B78A9}"/>
               </a:ext>
             </a:extLst>
           </p:cNvPr>
@@ -15586,152 +15671,263 @@
       </p:sp>
       <p:sp>
         <p:nvSpPr>
-          <p:cNvPr id="6" name="Slide Number Placeholder 4">
+          <p:cNvPr id="11" name="TextBox 10">
             <a:extLst>
               <a:ext uri="{FF2B5EF4-FFF2-40B4-BE49-F238E27FC236}">
-                <a16:creationId xmlns:a16="http://schemas.microsoft.com/office/drawing/2014/main" id="{1466C1CC-3C62-38E8-78DE-98C589A6C039}"/>
+                <a16:creationId xmlns:a16="http://schemas.microsoft.com/office/drawing/2014/main" id="{B1044AF6-141B-2724-5A48-5801385D696E}"/>
               </a:ext>
             </a:extLst>
           </p:cNvPr>
-          <p:cNvSpPr txBox="1">
-            <a:spLocks/>
-          </p:cNvSpPr>
+          <p:cNvSpPr txBox="1"/>
           <p:nvPr/>
         </p:nvSpPr>
         <p:spPr>
           <a:xfrm>
-            <a:off x="455612" y="6190488"/>
-            <a:ext cx="2677604" cy="210312"/>
+            <a:off x="1699108" y="5181600"/>
+            <a:ext cx="2539478" cy="501676"/>
           </a:xfrm>
           <a:prstGeom prst="rect">
             <a:avLst/>
           </a:prstGeom>
+          <a:noFill/>
         </p:spPr>
         <p:txBody>
-          <a:bodyPr vert="horz" lIns="121899" tIns="60949" rIns="121899" bIns="60949" rtlCol="0" anchor="b"/>
-          <a:lstStyle>
-            <a:defPPr>
-              <a:defRPr lang="en-US"/>
-            </a:defPPr>
-            <a:lvl1pPr marL="0" algn="r" defTabSz="1218987" rtl="0" eaLnBrk="1" latinLnBrk="0" hangingPunct="1">
-              <a:defRPr sz="1000" b="1" kern="1200" spc="200" baseline="0">
-                <a:solidFill>
-                  <a:schemeClr val="tx2">
-                    <a:lumMod val="50000"/>
-                  </a:schemeClr>
-                </a:solidFill>
-                <a:latin typeface="+mn-lt"/>
-                <a:ea typeface="+mn-ea"/>
-                <a:cs typeface="+mn-cs"/>
-              </a:defRPr>
-            </a:lvl1pPr>
-            <a:lvl2pPr marL="609493" algn="l" defTabSz="1218987" rtl="0" eaLnBrk="1" latinLnBrk="0" hangingPunct="1">
-              <a:defRPr sz="2400" kern="1200">
-                <a:solidFill>
-                  <a:schemeClr val="tx1"/>
-                </a:solidFill>
-                <a:latin typeface="+mn-lt"/>
-                <a:ea typeface="+mn-ea"/>
-                <a:cs typeface="+mn-cs"/>
-              </a:defRPr>
-            </a:lvl2pPr>
-            <a:lvl3pPr marL="1218987" algn="l" defTabSz="1218987" rtl="0" eaLnBrk="1" latinLnBrk="0" hangingPunct="1">
-              <a:defRPr sz="2400" kern="1200">
-                <a:solidFill>
-                  <a:schemeClr val="tx1"/>
-                </a:solidFill>
-                <a:latin typeface="+mn-lt"/>
-                <a:ea typeface="+mn-ea"/>
-                <a:cs typeface="+mn-cs"/>
-              </a:defRPr>
-            </a:lvl3pPr>
-            <a:lvl4pPr marL="1828480" algn="l" defTabSz="1218987" rtl="0" eaLnBrk="1" latinLnBrk="0" hangingPunct="1">
-              <a:defRPr sz="2400" kern="1200">
-                <a:solidFill>
-                  <a:schemeClr val="tx1"/>
-                </a:solidFill>
-                <a:latin typeface="+mn-lt"/>
-                <a:ea typeface="+mn-ea"/>
-                <a:cs typeface="+mn-cs"/>
-              </a:defRPr>
-            </a:lvl4pPr>
-            <a:lvl5pPr marL="2437973" algn="l" defTabSz="1218987" rtl="0" eaLnBrk="1" latinLnBrk="0" hangingPunct="1">
-              <a:defRPr sz="2400" kern="1200">
-                <a:solidFill>
-                  <a:schemeClr val="tx1"/>
-                </a:solidFill>
-                <a:latin typeface="+mn-lt"/>
-                <a:ea typeface="+mn-ea"/>
-                <a:cs typeface="+mn-cs"/>
-              </a:defRPr>
-            </a:lvl5pPr>
-            <a:lvl6pPr marL="3047467" algn="l" defTabSz="1218987" rtl="0" eaLnBrk="1" latinLnBrk="0" hangingPunct="1">
-              <a:defRPr sz="2400" kern="1200">
-                <a:solidFill>
-                  <a:schemeClr val="tx1"/>
-                </a:solidFill>
-                <a:latin typeface="+mn-lt"/>
-                <a:ea typeface="+mn-ea"/>
-                <a:cs typeface="+mn-cs"/>
-              </a:defRPr>
-            </a:lvl6pPr>
-            <a:lvl7pPr marL="3656960" algn="l" defTabSz="1218987" rtl="0" eaLnBrk="1" latinLnBrk="0" hangingPunct="1">
-              <a:defRPr sz="2400" kern="1200">
-                <a:solidFill>
-                  <a:schemeClr val="tx1"/>
-                </a:solidFill>
-                <a:latin typeface="+mn-lt"/>
-                <a:ea typeface="+mn-ea"/>
-                <a:cs typeface="+mn-cs"/>
-              </a:defRPr>
-            </a:lvl7pPr>
-            <a:lvl8pPr marL="4266453" algn="l" defTabSz="1218987" rtl="0" eaLnBrk="1" latinLnBrk="0" hangingPunct="1">
-              <a:defRPr sz="2400" kern="1200">
-                <a:solidFill>
-                  <a:schemeClr val="tx1"/>
-                </a:solidFill>
-                <a:latin typeface="+mn-lt"/>
-                <a:ea typeface="+mn-ea"/>
-                <a:cs typeface="+mn-cs"/>
-              </a:defRPr>
-            </a:lvl8pPr>
-            <a:lvl9pPr marL="4875947" algn="l" defTabSz="1218987" rtl="0" eaLnBrk="1" latinLnBrk="0" hangingPunct="1">
-              <a:defRPr sz="2400" kern="1200">
-                <a:solidFill>
-                  <a:schemeClr val="tx1"/>
-                </a:solidFill>
-                <a:latin typeface="+mn-lt"/>
-                <a:ea typeface="+mn-ea"/>
-                <a:cs typeface="+mn-cs"/>
-              </a:defRPr>
-            </a:lvl9pPr>
-          </a:lstStyle>
-          <a:p>
-            <a:pPr algn="l"/>
+          <a:bodyPr wrap="none" rtlCol="0">
+            <a:spAutoFit/>
+          </a:bodyPr>
+          <a:lstStyle/>
+          <a:p>
+            <a:pPr algn="ctr">
+              <a:lnSpc>
+                <a:spcPct val="95000"/>
+              </a:lnSpc>
+            </a:pPr>
             <a:r>
-              <a:rPr lang="en-US" dirty="0"/>
-              <a:t>DES211 CAPSTONE PROJECT</a:t>
+              <a:rPr lang="en-US" sz="1400" dirty="0">
+                <a:solidFill>
+                  <a:srgbClr val="435F30"/>
+                </a:solidFill>
+                <a:latin typeface="Bahnschrift SemiLight" panose="020B0502040204020203" pitchFamily="34" charset="0"/>
+              </a:rPr>
+              <a:t>Detachable suction bottom to</a:t>
+            </a:r>
+          </a:p>
+          <a:p>
+            <a:pPr algn="ctr">
+              <a:lnSpc>
+                <a:spcPct val="95000"/>
+              </a:lnSpc>
+            </a:pPr>
+            <a:r>
+              <a:rPr lang="en-US" sz="1400" dirty="0">
+                <a:solidFill>
+                  <a:srgbClr val="435F30"/>
+                </a:solidFill>
+                <a:latin typeface="Bahnschrift SemiLight" panose="020B0502040204020203" pitchFamily="34" charset="0"/>
+              </a:rPr>
+              <a:t>ensure bin doesn’t tip over</a:t>
             </a:r>
           </a:p>
         </p:txBody>
       </p:sp>
+      <p:sp>
+        <p:nvSpPr>
+          <p:cNvPr id="13" name="TextBox 12">
+            <a:extLst>
+              <a:ext uri="{FF2B5EF4-FFF2-40B4-BE49-F238E27FC236}">
+                <a16:creationId xmlns:a16="http://schemas.microsoft.com/office/drawing/2014/main" id="{3D334BA0-43CE-5150-D340-6C241435A868}"/>
+              </a:ext>
+            </a:extLst>
+          </p:cNvPr>
+          <p:cNvSpPr txBox="1"/>
+          <p:nvPr/>
+        </p:nvSpPr>
+        <p:spPr>
+          <a:xfrm>
+            <a:off x="7628005" y="5181600"/>
+            <a:ext cx="1843773" cy="501676"/>
+          </a:xfrm>
+          <a:prstGeom prst="rect">
+            <a:avLst/>
+          </a:prstGeom>
+          <a:noFill/>
+        </p:spPr>
+        <p:txBody>
+          <a:bodyPr wrap="none" rtlCol="0">
+            <a:spAutoFit/>
+          </a:bodyPr>
+          <a:lstStyle/>
+          <a:p>
+            <a:pPr algn="ctr">
+              <a:lnSpc>
+                <a:spcPct val="95000"/>
+              </a:lnSpc>
+            </a:pPr>
+            <a:r>
+              <a:rPr lang="en-US" sz="1400" dirty="0">
+                <a:solidFill>
+                  <a:srgbClr val="435F30"/>
+                </a:solidFill>
+                <a:latin typeface="Bahnschrift SemiLight" panose="020B0502040204020203" pitchFamily="34" charset="0"/>
+              </a:rPr>
+              <a:t>Attachment point for</a:t>
+            </a:r>
+          </a:p>
+          <a:p>
+            <a:pPr algn="ctr">
+              <a:lnSpc>
+                <a:spcPct val="95000"/>
+              </a:lnSpc>
+            </a:pPr>
+            <a:r>
+              <a:rPr lang="en-US" sz="1400" dirty="0">
+                <a:solidFill>
+                  <a:srgbClr val="435F30"/>
+                </a:solidFill>
+                <a:latin typeface="Bahnschrift SemiLight" panose="020B0502040204020203" pitchFamily="34" charset="0"/>
+              </a:rPr>
+              <a:t>Suction bottom</a:t>
+            </a:r>
+          </a:p>
+        </p:txBody>
+      </p:sp>
+      <p:pic>
+        <p:nvPicPr>
+          <p:cNvPr id="5" name="Picture 4">
+            <a:extLst>
+              <a:ext uri="{FF2B5EF4-FFF2-40B4-BE49-F238E27FC236}">
+                <a16:creationId xmlns:a16="http://schemas.microsoft.com/office/drawing/2014/main" id="{766CA910-373E-32A9-5EF7-2619B7EF5D3B}"/>
+              </a:ext>
+            </a:extLst>
+          </p:cNvPr>
+          <p:cNvPicPr>
+            <a:picLocks noChangeAspect="1"/>
+          </p:cNvPicPr>
+          <p:nvPr/>
+        </p:nvPicPr>
+        <p:blipFill>
+          <a:blip r:embed="rId2"/>
+          <a:stretch>
+            <a:fillRect/>
+          </a:stretch>
+        </p:blipFill>
+        <p:spPr>
+          <a:xfrm>
+            <a:off x="608012" y="1008991"/>
+            <a:ext cx="4721670" cy="4136339"/>
+          </a:xfrm>
+          <a:prstGeom prst="rect">
+            <a:avLst/>
+          </a:prstGeom>
+          <a:solidFill>
+            <a:srgbClr val="FFFFFF">
+              <a:shade val="85000"/>
+            </a:srgbClr>
+          </a:solidFill>
+          <a:ln w="57150" cap="sq">
+            <a:solidFill>
+              <a:srgbClr val="E5EDDD"/>
+            </a:solidFill>
+            <a:miter lim="800000"/>
+          </a:ln>
+          <a:effectLst>
+            <a:outerShdw blurRad="55000" dist="18000" dir="5400000" algn="tl" rotWithShape="0">
+              <a:srgbClr val="000000">
+                <a:alpha val="40000"/>
+              </a:srgbClr>
+            </a:outerShdw>
+          </a:effectLst>
+          <a:scene3d>
+            <a:camera prst="orthographicFront"/>
+            <a:lightRig rig="twoPt" dir="t">
+              <a:rot lat="0" lon="0" rev="7200000"/>
+            </a:lightRig>
+          </a:scene3d>
+          <a:sp3d>
+            <a:bevelT w="25400" h="19050"/>
+            <a:contourClr>
+              <a:srgbClr val="FFFFFF"/>
+            </a:contourClr>
+          </a:sp3d>
+        </p:spPr>
+      </p:pic>
+      <p:pic>
+        <p:nvPicPr>
+          <p:cNvPr id="8" name="Picture 7">
+            <a:extLst>
+              <a:ext uri="{FF2B5EF4-FFF2-40B4-BE49-F238E27FC236}">
+                <a16:creationId xmlns:a16="http://schemas.microsoft.com/office/drawing/2014/main" id="{824CA23A-13ED-F613-0148-AAC435952F01}"/>
+              </a:ext>
+            </a:extLst>
+          </p:cNvPr>
+          <p:cNvPicPr>
+            <a:picLocks noChangeAspect="1"/>
+          </p:cNvPicPr>
+          <p:nvPr/>
+        </p:nvPicPr>
+        <p:blipFill>
+          <a:blip r:embed="rId3"/>
+          <a:stretch>
+            <a:fillRect/>
+          </a:stretch>
+        </p:blipFill>
+        <p:spPr>
+          <a:xfrm>
+            <a:off x="5942012" y="1008991"/>
+            <a:ext cx="5215760" cy="4172609"/>
+          </a:xfrm>
+          <a:prstGeom prst="rect">
+            <a:avLst/>
+          </a:prstGeom>
+          <a:solidFill>
+            <a:srgbClr val="FFFFFF">
+              <a:shade val="85000"/>
+            </a:srgbClr>
+          </a:solidFill>
+          <a:ln w="57150" cap="sq">
+            <a:solidFill>
+              <a:srgbClr val="E5EDDD"/>
+            </a:solidFill>
+            <a:miter lim="800000"/>
+          </a:ln>
+          <a:effectLst>
+            <a:outerShdw blurRad="55000" dist="18000" dir="5400000" algn="tl" rotWithShape="0">
+              <a:srgbClr val="000000">
+                <a:alpha val="40000"/>
+              </a:srgbClr>
+            </a:outerShdw>
+          </a:effectLst>
+          <a:scene3d>
+            <a:camera prst="orthographicFront"/>
+            <a:lightRig rig="twoPt" dir="t">
+              <a:rot lat="0" lon="0" rev="7200000"/>
+            </a:lightRig>
+          </a:scene3d>
+          <a:sp3d>
+            <a:bevelT w="25400" h="19050"/>
+            <a:contourClr>
+              <a:srgbClr val="FFFFFF"/>
+            </a:contourClr>
+          </a:sp3d>
+        </p:spPr>
+      </p:pic>
     </p:spTree>
     <p:extLst>
       <p:ext uri="{BB962C8B-B14F-4D97-AF65-F5344CB8AC3E}">
-        <p14:creationId xmlns:p14="http://schemas.microsoft.com/office/powerpoint/2010/main" val="1188192135"/>
+        <p14:creationId xmlns:p14="http://schemas.microsoft.com/office/powerpoint/2010/main" val="14080649"/>
       </p:ext>
     </p:extLst>
   </p:cSld>
   <p:clrMapOvr>
     <a:masterClrMapping/>
   </p:clrMapOvr>
-  <mc:AlternateContent xmlns:mc="http://schemas.openxmlformats.org/markup-compatibility/2006" xmlns:p14="http://schemas.microsoft.com/office/powerpoint/2010/main">
-    <mc:Choice Requires="p14">
+  <mc:AlternateContent xmlns:mc="http://schemas.openxmlformats.org/markup-compatibility/2006">
+    <mc:Choice xmlns:p14="http://schemas.microsoft.com/office/powerpoint/2010/main" Requires="p14">
       <p:transition spd="med" p14:dur="700">
         <p:fade/>
       </p:transition>
     </mc:Choice>
-    <mc:Fallback xmlns="">
+    <mc:Fallback>
       <p:transition spd="med">
         <p:fade/>
       </p:transition>
@@ -15762,7 +15958,7 @@
           <p:cNvPr id="2" name="Title 1">
             <a:extLst>
               <a:ext uri="{FF2B5EF4-FFF2-40B4-BE49-F238E27FC236}">
-                <a16:creationId xmlns:a16="http://schemas.microsoft.com/office/drawing/2014/main" id="{2BD7C78A-703A-694E-8FFC-38843E2ED0D5}"/>
+                <a16:creationId xmlns:a16="http://schemas.microsoft.com/office/drawing/2014/main" id="{AADB5DC0-637B-33EB-9B61-EFB3DE503900}"/>
               </a:ext>
             </a:extLst>
           </p:cNvPr>
@@ -15787,7 +15983,7 @@
           <p:cNvPr id="3" name="Content Placeholder 2">
             <a:extLst>
               <a:ext uri="{FF2B5EF4-FFF2-40B4-BE49-F238E27FC236}">
-                <a16:creationId xmlns:a16="http://schemas.microsoft.com/office/drawing/2014/main" id="{12D21900-DBB9-221C-76E0-EDDD133DAC6B}"/>
+                <a16:creationId xmlns:a16="http://schemas.microsoft.com/office/drawing/2014/main" id="{54DEFFDB-126C-310C-5C89-434FDACA5F31}"/>
               </a:ext>
             </a:extLst>
           </p:cNvPr>
@@ -15812,7 +16008,7 @@
           <p:cNvPr id="4" name="Picture Placeholder 3">
             <a:extLst>
               <a:ext uri="{FF2B5EF4-FFF2-40B4-BE49-F238E27FC236}">
-                <a16:creationId xmlns:a16="http://schemas.microsoft.com/office/drawing/2014/main" id="{32AEFEA6-A660-5D12-A8F7-5BB4222EFB74}"/>
+                <a16:creationId xmlns:a16="http://schemas.microsoft.com/office/drawing/2014/main" id="{84E988D3-CF35-4838-4D7E-194B8206E5F6}"/>
               </a:ext>
             </a:extLst>
           </p:cNvPr>
@@ -15837,7 +16033,7 @@
           <p:cNvPr id="5" name="Slide Number Placeholder 4">
             <a:extLst>
               <a:ext uri="{FF2B5EF4-FFF2-40B4-BE49-F238E27FC236}">
-                <a16:creationId xmlns:a16="http://schemas.microsoft.com/office/drawing/2014/main" id="{4DFB636B-8EED-D8C9-B88E-532B23AEFD21}"/>
+                <a16:creationId xmlns:a16="http://schemas.microsoft.com/office/drawing/2014/main" id="{ECB92C49-500A-83A9-A98E-071CD7B4CF66}"/>
               </a:ext>
             </a:extLst>
           </p:cNvPr>
@@ -15867,7 +16063,7 @@
           <p:cNvPr id="6" name="Slide Number Placeholder 4">
             <a:extLst>
               <a:ext uri="{FF2B5EF4-FFF2-40B4-BE49-F238E27FC236}">
-                <a16:creationId xmlns:a16="http://schemas.microsoft.com/office/drawing/2014/main" id="{36B8F459-6F30-1450-5D41-1997E9CEE977}"/>
+                <a16:creationId xmlns:a16="http://schemas.microsoft.com/office/drawing/2014/main" id="{3F841A1B-DBD5-E8AC-6353-E738060B9317}"/>
               </a:ext>
             </a:extLst>
           </p:cNvPr>
@@ -15996,7 +16192,7 @@
     </p:spTree>
     <p:extLst>
       <p:ext uri="{BB962C8B-B14F-4D97-AF65-F5344CB8AC3E}">
-        <p14:creationId xmlns:p14="http://schemas.microsoft.com/office/powerpoint/2010/main" val="3262945818"/>
+        <p14:creationId xmlns:p14="http://schemas.microsoft.com/office/powerpoint/2010/main" val="1871765083"/>
       </p:ext>
     </p:extLst>
   </p:cSld>
@@ -16040,7 +16236,7 @@
           <p:cNvPr id="2" name="Title 1">
             <a:extLst>
               <a:ext uri="{FF2B5EF4-FFF2-40B4-BE49-F238E27FC236}">
-                <a16:creationId xmlns:a16="http://schemas.microsoft.com/office/drawing/2014/main" id="{0B4D0D16-67A0-9392-36C4-38AEF1EFD705}"/>
+                <a16:creationId xmlns:a16="http://schemas.microsoft.com/office/drawing/2014/main" id="{3691652E-4125-782A-0F3D-C13ED2979900}"/>
               </a:ext>
             </a:extLst>
           </p:cNvPr>
@@ -16065,7 +16261,7 @@
           <p:cNvPr id="3" name="Content Placeholder 2">
             <a:extLst>
               <a:ext uri="{FF2B5EF4-FFF2-40B4-BE49-F238E27FC236}">
-                <a16:creationId xmlns:a16="http://schemas.microsoft.com/office/drawing/2014/main" id="{639F28B0-AE40-DF8E-76CA-380B2FBF75D9}"/>
+                <a16:creationId xmlns:a16="http://schemas.microsoft.com/office/drawing/2014/main" id="{C7EE9B6C-C4DB-433D-ADAB-6B49E2BC80AB}"/>
               </a:ext>
             </a:extLst>
           </p:cNvPr>
@@ -16087,10 +16283,10 @@
       </p:sp>
       <p:sp>
         <p:nvSpPr>
-          <p:cNvPr id="4" name="Content Placeholder 3">
+          <p:cNvPr id="4" name="Picture Placeholder 3">
             <a:extLst>
               <a:ext uri="{FF2B5EF4-FFF2-40B4-BE49-F238E27FC236}">
-                <a16:creationId xmlns:a16="http://schemas.microsoft.com/office/drawing/2014/main" id="{E1B2001F-94BD-7F0A-56F1-F7B277AF3CC6}"/>
+                <a16:creationId xmlns:a16="http://schemas.microsoft.com/office/drawing/2014/main" id="{F26B7286-44C7-3395-7091-9C3CF7134780}"/>
               </a:ext>
             </a:extLst>
           </p:cNvPr>
@@ -16098,7 +16294,7 @@
             <a:spLocks noGrp="1"/>
           </p:cNvSpPr>
           <p:nvPr>
-            <p:ph sz="quarter" idx="14"/>
+            <p:ph type="pic" sz="quarter" idx="14"/>
           </p:nvPr>
         </p:nvSpPr>
         <p:spPr/>
@@ -16106,7 +16302,7 @@
           <a:bodyPr/>
           <a:lstStyle/>
           <a:p>
-            <a:endParaRPr lang="en-IN"/>
+            <a:endParaRPr lang="en-US"/>
           </a:p>
         </p:txBody>
       </p:sp>
@@ -16115,7 +16311,7 @@
           <p:cNvPr id="5" name="Slide Number Placeholder 4">
             <a:extLst>
               <a:ext uri="{FF2B5EF4-FFF2-40B4-BE49-F238E27FC236}">
-                <a16:creationId xmlns:a16="http://schemas.microsoft.com/office/drawing/2014/main" id="{DE249310-06ED-CE6D-9342-95110ABFA82A}"/>
+                <a16:creationId xmlns:a16="http://schemas.microsoft.com/office/drawing/2014/main" id="{771CACD5-DC8F-E562-D34B-63ACEED10192}"/>
               </a:ext>
             </a:extLst>
           </p:cNvPr>
@@ -16145,7 +16341,7 @@
           <p:cNvPr id="6" name="Slide Number Placeholder 4">
             <a:extLst>
               <a:ext uri="{FF2B5EF4-FFF2-40B4-BE49-F238E27FC236}">
-                <a16:creationId xmlns:a16="http://schemas.microsoft.com/office/drawing/2014/main" id="{150241C0-6662-9989-D473-E5D8BFD58F6F}"/>
+                <a16:creationId xmlns:a16="http://schemas.microsoft.com/office/drawing/2014/main" id="{FC397AB4-E7B3-064C-48F7-B4F336380CBA}"/>
               </a:ext>
             </a:extLst>
           </p:cNvPr>
@@ -16274,7 +16470,7 @@
     </p:spTree>
     <p:extLst>
       <p:ext uri="{BB962C8B-B14F-4D97-AF65-F5344CB8AC3E}">
-        <p14:creationId xmlns:p14="http://schemas.microsoft.com/office/powerpoint/2010/main" val="2633488709"/>
+        <p14:creationId xmlns:p14="http://schemas.microsoft.com/office/powerpoint/2010/main" val="2540403346"/>
       </p:ext>
     </p:extLst>
   </p:cSld>
@@ -16693,7 +16889,7 @@
           <p:cNvPr id="2" name="Title 1">
             <a:extLst>
               <a:ext uri="{FF2B5EF4-FFF2-40B4-BE49-F238E27FC236}">
-                <a16:creationId xmlns:a16="http://schemas.microsoft.com/office/drawing/2014/main" id="{3870CE6E-495D-1808-5A8C-EC4D855C5587}"/>
+                <a16:creationId xmlns:a16="http://schemas.microsoft.com/office/drawing/2014/main" id="{E5BB7D67-76BC-2F76-6A7E-93CF1B03CA9B}"/>
               </a:ext>
             </a:extLst>
           </p:cNvPr>
@@ -16709,10 +16905,7 @@
           <a:bodyPr/>
           <a:lstStyle/>
           <a:p>
-            <a:r>
-              <a:rPr lang="en-IN" dirty="0"/>
-              <a:t>Testing Phase</a:t>
-            </a:r>
+            <a:endParaRPr lang="en-IN"/>
           </a:p>
         </p:txBody>
       </p:sp>
@@ -16721,7 +16914,7 @@
           <p:cNvPr id="3" name="Content Placeholder 2">
             <a:extLst>
               <a:ext uri="{FF2B5EF4-FFF2-40B4-BE49-F238E27FC236}">
-                <a16:creationId xmlns:a16="http://schemas.microsoft.com/office/drawing/2014/main" id="{B0EEF2E2-7250-905A-9F8E-5BB773C92FF2}"/>
+                <a16:creationId xmlns:a16="http://schemas.microsoft.com/office/drawing/2014/main" id="{481F0043-5374-9370-B17A-15CAD56ADF84}"/>
               </a:ext>
             </a:extLst>
           </p:cNvPr>
@@ -16743,10 +16936,10 @@
       </p:sp>
       <p:sp>
         <p:nvSpPr>
-          <p:cNvPr id="4" name="Content Placeholder 3">
+          <p:cNvPr id="4" name="Picture Placeholder 3">
             <a:extLst>
               <a:ext uri="{FF2B5EF4-FFF2-40B4-BE49-F238E27FC236}">
-                <a16:creationId xmlns:a16="http://schemas.microsoft.com/office/drawing/2014/main" id="{2A8D0320-4D4B-365D-2F4F-3045D1A7C46C}"/>
+                <a16:creationId xmlns:a16="http://schemas.microsoft.com/office/drawing/2014/main" id="{B57F297D-5244-EB01-2D2D-30DC341E469D}"/>
               </a:ext>
             </a:extLst>
           </p:cNvPr>
@@ -16754,7 +16947,7 @@
             <a:spLocks noGrp="1"/>
           </p:cNvSpPr>
           <p:nvPr>
-            <p:ph sz="quarter" idx="14"/>
+            <p:ph type="pic" sz="quarter" idx="14"/>
           </p:nvPr>
         </p:nvSpPr>
         <p:spPr/>
@@ -16762,7 +16955,7 @@
           <a:bodyPr/>
           <a:lstStyle/>
           <a:p>
-            <a:endParaRPr lang="en-IN"/>
+            <a:endParaRPr lang="en-US"/>
           </a:p>
         </p:txBody>
       </p:sp>
@@ -16771,7 +16964,7 @@
           <p:cNvPr id="5" name="Slide Number Placeholder 4">
             <a:extLst>
               <a:ext uri="{FF2B5EF4-FFF2-40B4-BE49-F238E27FC236}">
-                <a16:creationId xmlns:a16="http://schemas.microsoft.com/office/drawing/2014/main" id="{E7948434-32DA-F1E2-FC11-F2978017F64B}"/>
+                <a16:creationId xmlns:a16="http://schemas.microsoft.com/office/drawing/2014/main" id="{C6881C2A-23D8-2323-B89B-98E5EBD584F6}"/>
               </a:ext>
             </a:extLst>
           </p:cNvPr>
@@ -16801,7 +16994,7 @@
           <p:cNvPr id="6" name="Slide Number Placeholder 4">
             <a:extLst>
               <a:ext uri="{FF2B5EF4-FFF2-40B4-BE49-F238E27FC236}">
-                <a16:creationId xmlns:a16="http://schemas.microsoft.com/office/drawing/2014/main" id="{5ECD9DAA-C767-07CC-5C79-8738D4F306A7}"/>
+                <a16:creationId xmlns:a16="http://schemas.microsoft.com/office/drawing/2014/main" id="{1466C1CC-3C62-38E8-78DE-98C589A6C039}"/>
               </a:ext>
             </a:extLst>
           </p:cNvPr>
@@ -16930,7 +17123,7 @@
     </p:spTree>
     <p:extLst>
       <p:ext uri="{BB962C8B-B14F-4D97-AF65-F5344CB8AC3E}">
-        <p14:creationId xmlns:p14="http://schemas.microsoft.com/office/powerpoint/2010/main" val="825357147"/>
+        <p14:creationId xmlns:p14="http://schemas.microsoft.com/office/powerpoint/2010/main" val="1188192135"/>
       </p:ext>
     </p:extLst>
   </p:cSld>
@@ -16974,7 +17167,7 @@
           <p:cNvPr id="2" name="Title 1">
             <a:extLst>
               <a:ext uri="{FF2B5EF4-FFF2-40B4-BE49-F238E27FC236}">
-                <a16:creationId xmlns:a16="http://schemas.microsoft.com/office/drawing/2014/main" id="{64983D13-B3DC-F5A2-EC3C-9AA3827FF06F}"/>
+                <a16:creationId xmlns:a16="http://schemas.microsoft.com/office/drawing/2014/main" id="{2BD7C78A-703A-694E-8FFC-38843E2ED0D5}"/>
               </a:ext>
             </a:extLst>
           </p:cNvPr>
@@ -16996,10 +17189,10 @@
       </p:sp>
       <p:sp>
         <p:nvSpPr>
-          <p:cNvPr id="3" name="Picture Placeholder 2">
+          <p:cNvPr id="3" name="Content Placeholder 2">
             <a:extLst>
               <a:ext uri="{FF2B5EF4-FFF2-40B4-BE49-F238E27FC236}">
-                <a16:creationId xmlns:a16="http://schemas.microsoft.com/office/drawing/2014/main" id="{57620467-CA16-1C06-152E-31CFC11FAB8D}"/>
+                <a16:creationId xmlns:a16="http://schemas.microsoft.com/office/drawing/2014/main" id="{12D21900-DBB9-221C-76E0-EDDD133DAC6B}"/>
               </a:ext>
             </a:extLst>
           </p:cNvPr>
@@ -17007,7 +17200,7 @@
             <a:spLocks noGrp="1"/>
           </p:cNvSpPr>
           <p:nvPr>
-            <p:ph type="pic" sz="quarter" idx="10"/>
+            <p:ph sz="quarter" idx="13"/>
           </p:nvPr>
         </p:nvSpPr>
         <p:spPr/>
@@ -17015,6 +17208,31 @@
           <a:bodyPr/>
           <a:lstStyle/>
           <a:p>
+            <a:endParaRPr lang="en-IN"/>
+          </a:p>
+        </p:txBody>
+      </p:sp>
+      <p:sp>
+        <p:nvSpPr>
+          <p:cNvPr id="4" name="Picture Placeholder 3">
+            <a:extLst>
+              <a:ext uri="{FF2B5EF4-FFF2-40B4-BE49-F238E27FC236}">
+                <a16:creationId xmlns:a16="http://schemas.microsoft.com/office/drawing/2014/main" id="{32AEFEA6-A660-5D12-A8F7-5BB4222EFB74}"/>
+              </a:ext>
+            </a:extLst>
+          </p:cNvPr>
+          <p:cNvSpPr>
+            <a:spLocks noGrp="1"/>
+          </p:cNvSpPr>
+          <p:nvPr>
+            <p:ph type="pic" sz="quarter" idx="14"/>
+          </p:nvPr>
+        </p:nvSpPr>
+        <p:spPr/>
+        <p:txBody>
+          <a:bodyPr/>
+          <a:lstStyle/>
+          <a:p>
             <a:endParaRPr lang="en-US"/>
           </a:p>
         </p:txBody>
@@ -17024,7 +17242,37 @@
           <p:cNvPr id="5" name="Slide Number Placeholder 4">
             <a:extLst>
               <a:ext uri="{FF2B5EF4-FFF2-40B4-BE49-F238E27FC236}">
-                <a16:creationId xmlns:a16="http://schemas.microsoft.com/office/drawing/2014/main" id="{19257D08-7BDC-2EFF-F790-09A4B6BCCC7B}"/>
+                <a16:creationId xmlns:a16="http://schemas.microsoft.com/office/drawing/2014/main" id="{4DFB636B-8EED-D8C9-B88E-532B23AEFD21}"/>
+              </a:ext>
+            </a:extLst>
+          </p:cNvPr>
+          <p:cNvSpPr>
+            <a:spLocks noGrp="1"/>
+          </p:cNvSpPr>
+          <p:nvPr>
+            <p:ph type="sldNum" sz="quarter" idx="12"/>
+          </p:nvPr>
+        </p:nvSpPr>
+        <p:spPr/>
+        <p:txBody>
+          <a:bodyPr/>
+          <a:lstStyle/>
+          <a:p>
+            <a:fld id="{EB37DED6-D4C7-42EE-AB49-D2E39E64FDE4}" type="slidenum">
+              <a:rPr lang="en-US" smtClean="0"/>
+              <a:pPr/>
+              <a:t>21</a:t>
+            </a:fld>
+            <a:endParaRPr lang="en-US" dirty="0"/>
+          </a:p>
+        </p:txBody>
+      </p:sp>
+      <p:sp>
+        <p:nvSpPr>
+          <p:cNvPr id="6" name="Slide Number Placeholder 4">
+            <a:extLst>
+              <a:ext uri="{FF2B5EF4-FFF2-40B4-BE49-F238E27FC236}">
+                <a16:creationId xmlns:a16="http://schemas.microsoft.com/office/drawing/2014/main" id="{36B8F459-6F30-1450-5D41-1997E9CEE977}"/>
               </a:ext>
             </a:extLst>
           </p:cNvPr>
@@ -17153,7 +17401,7 @@
     </p:spTree>
     <p:extLst>
       <p:ext uri="{BB962C8B-B14F-4D97-AF65-F5344CB8AC3E}">
-        <p14:creationId xmlns:p14="http://schemas.microsoft.com/office/powerpoint/2010/main" val="1723280250"/>
+        <p14:creationId xmlns:p14="http://schemas.microsoft.com/office/powerpoint/2010/main" val="3262945818"/>
       </p:ext>
     </p:extLst>
   </p:cSld>
@@ -17197,7 +17445,7 @@
           <p:cNvPr id="2" name="Title 1">
             <a:extLst>
               <a:ext uri="{FF2B5EF4-FFF2-40B4-BE49-F238E27FC236}">
-                <a16:creationId xmlns:a16="http://schemas.microsoft.com/office/drawing/2014/main" id="{E9DC9FCC-4F0C-53A9-AE36-C60D0609DD96}"/>
+                <a16:creationId xmlns:a16="http://schemas.microsoft.com/office/drawing/2014/main" id="{0B4D0D16-67A0-9392-36C4-38AEF1EFD705}"/>
               </a:ext>
             </a:extLst>
           </p:cNvPr>
@@ -17222,7 +17470,7 @@
           <p:cNvPr id="3" name="Content Placeholder 2">
             <a:extLst>
               <a:ext uri="{FF2B5EF4-FFF2-40B4-BE49-F238E27FC236}">
-                <a16:creationId xmlns:a16="http://schemas.microsoft.com/office/drawing/2014/main" id="{AA5DF3F7-8350-F924-067C-6062DEA38DC6}"/>
+                <a16:creationId xmlns:a16="http://schemas.microsoft.com/office/drawing/2014/main" id="{639F28B0-AE40-DF8E-76CA-380B2FBF75D9}"/>
               </a:ext>
             </a:extLst>
           </p:cNvPr>
@@ -17244,10 +17492,35 @@
       </p:sp>
       <p:sp>
         <p:nvSpPr>
-          <p:cNvPr id="4" name="Slide Number Placeholder 3">
+          <p:cNvPr id="4" name="Content Placeholder 3">
             <a:extLst>
               <a:ext uri="{FF2B5EF4-FFF2-40B4-BE49-F238E27FC236}">
-                <a16:creationId xmlns:a16="http://schemas.microsoft.com/office/drawing/2014/main" id="{023EA18A-7BBC-A7A5-F52F-E930F453BA58}"/>
+                <a16:creationId xmlns:a16="http://schemas.microsoft.com/office/drawing/2014/main" id="{E1B2001F-94BD-7F0A-56F1-F7B277AF3CC6}"/>
+              </a:ext>
+            </a:extLst>
+          </p:cNvPr>
+          <p:cNvSpPr>
+            <a:spLocks noGrp="1"/>
+          </p:cNvSpPr>
+          <p:nvPr>
+            <p:ph sz="quarter" idx="14"/>
+          </p:nvPr>
+        </p:nvSpPr>
+        <p:spPr/>
+        <p:txBody>
+          <a:bodyPr/>
+          <a:lstStyle/>
+          <a:p>
+            <a:endParaRPr lang="en-IN"/>
+          </a:p>
+        </p:txBody>
+      </p:sp>
+      <p:sp>
+        <p:nvSpPr>
+          <p:cNvPr id="5" name="Slide Number Placeholder 4">
+            <a:extLst>
+              <a:ext uri="{FF2B5EF4-FFF2-40B4-BE49-F238E27FC236}">
+                <a16:creationId xmlns:a16="http://schemas.microsoft.com/office/drawing/2014/main" id="{DE249310-06ED-CE6D-9342-95110ABFA82A}"/>
               </a:ext>
             </a:extLst>
           </p:cNvPr>
@@ -17267,6 +17540,763 @@
               <a:rPr lang="en-US" smtClean="0"/>
               <a:pPr/>
               <a:t>22</a:t>
+            </a:fld>
+            <a:endParaRPr lang="en-US" dirty="0"/>
+          </a:p>
+        </p:txBody>
+      </p:sp>
+      <p:sp>
+        <p:nvSpPr>
+          <p:cNvPr id="6" name="Slide Number Placeholder 4">
+            <a:extLst>
+              <a:ext uri="{FF2B5EF4-FFF2-40B4-BE49-F238E27FC236}">
+                <a16:creationId xmlns:a16="http://schemas.microsoft.com/office/drawing/2014/main" id="{150241C0-6662-9989-D473-E5D8BFD58F6F}"/>
+              </a:ext>
+            </a:extLst>
+          </p:cNvPr>
+          <p:cNvSpPr txBox="1">
+            <a:spLocks/>
+          </p:cNvSpPr>
+          <p:nvPr/>
+        </p:nvSpPr>
+        <p:spPr>
+          <a:xfrm>
+            <a:off x="455612" y="6190488"/>
+            <a:ext cx="2677604" cy="210312"/>
+          </a:xfrm>
+          <a:prstGeom prst="rect">
+            <a:avLst/>
+          </a:prstGeom>
+        </p:spPr>
+        <p:txBody>
+          <a:bodyPr vert="horz" lIns="121899" tIns="60949" rIns="121899" bIns="60949" rtlCol="0" anchor="b"/>
+          <a:lstStyle>
+            <a:defPPr>
+              <a:defRPr lang="en-US"/>
+            </a:defPPr>
+            <a:lvl1pPr marL="0" algn="r" defTabSz="1218987" rtl="0" eaLnBrk="1" latinLnBrk="0" hangingPunct="1">
+              <a:defRPr sz="1000" b="1" kern="1200" spc="200" baseline="0">
+                <a:solidFill>
+                  <a:schemeClr val="tx2">
+                    <a:lumMod val="50000"/>
+                  </a:schemeClr>
+                </a:solidFill>
+                <a:latin typeface="+mn-lt"/>
+                <a:ea typeface="+mn-ea"/>
+                <a:cs typeface="+mn-cs"/>
+              </a:defRPr>
+            </a:lvl1pPr>
+            <a:lvl2pPr marL="609493" algn="l" defTabSz="1218987" rtl="0" eaLnBrk="1" latinLnBrk="0" hangingPunct="1">
+              <a:defRPr sz="2400" kern="1200">
+                <a:solidFill>
+                  <a:schemeClr val="tx1"/>
+                </a:solidFill>
+                <a:latin typeface="+mn-lt"/>
+                <a:ea typeface="+mn-ea"/>
+                <a:cs typeface="+mn-cs"/>
+              </a:defRPr>
+            </a:lvl2pPr>
+            <a:lvl3pPr marL="1218987" algn="l" defTabSz="1218987" rtl="0" eaLnBrk="1" latinLnBrk="0" hangingPunct="1">
+              <a:defRPr sz="2400" kern="1200">
+                <a:solidFill>
+                  <a:schemeClr val="tx1"/>
+                </a:solidFill>
+                <a:latin typeface="+mn-lt"/>
+                <a:ea typeface="+mn-ea"/>
+                <a:cs typeface="+mn-cs"/>
+              </a:defRPr>
+            </a:lvl3pPr>
+            <a:lvl4pPr marL="1828480" algn="l" defTabSz="1218987" rtl="0" eaLnBrk="1" latinLnBrk="0" hangingPunct="1">
+              <a:defRPr sz="2400" kern="1200">
+                <a:solidFill>
+                  <a:schemeClr val="tx1"/>
+                </a:solidFill>
+                <a:latin typeface="+mn-lt"/>
+                <a:ea typeface="+mn-ea"/>
+                <a:cs typeface="+mn-cs"/>
+              </a:defRPr>
+            </a:lvl4pPr>
+            <a:lvl5pPr marL="2437973" algn="l" defTabSz="1218987" rtl="0" eaLnBrk="1" latinLnBrk="0" hangingPunct="1">
+              <a:defRPr sz="2400" kern="1200">
+                <a:solidFill>
+                  <a:schemeClr val="tx1"/>
+                </a:solidFill>
+                <a:latin typeface="+mn-lt"/>
+                <a:ea typeface="+mn-ea"/>
+                <a:cs typeface="+mn-cs"/>
+              </a:defRPr>
+            </a:lvl5pPr>
+            <a:lvl6pPr marL="3047467" algn="l" defTabSz="1218987" rtl="0" eaLnBrk="1" latinLnBrk="0" hangingPunct="1">
+              <a:defRPr sz="2400" kern="1200">
+                <a:solidFill>
+                  <a:schemeClr val="tx1"/>
+                </a:solidFill>
+                <a:latin typeface="+mn-lt"/>
+                <a:ea typeface="+mn-ea"/>
+                <a:cs typeface="+mn-cs"/>
+              </a:defRPr>
+            </a:lvl6pPr>
+            <a:lvl7pPr marL="3656960" algn="l" defTabSz="1218987" rtl="0" eaLnBrk="1" latinLnBrk="0" hangingPunct="1">
+              <a:defRPr sz="2400" kern="1200">
+                <a:solidFill>
+                  <a:schemeClr val="tx1"/>
+                </a:solidFill>
+                <a:latin typeface="+mn-lt"/>
+                <a:ea typeface="+mn-ea"/>
+                <a:cs typeface="+mn-cs"/>
+              </a:defRPr>
+            </a:lvl7pPr>
+            <a:lvl8pPr marL="4266453" algn="l" defTabSz="1218987" rtl="0" eaLnBrk="1" latinLnBrk="0" hangingPunct="1">
+              <a:defRPr sz="2400" kern="1200">
+                <a:solidFill>
+                  <a:schemeClr val="tx1"/>
+                </a:solidFill>
+                <a:latin typeface="+mn-lt"/>
+                <a:ea typeface="+mn-ea"/>
+                <a:cs typeface="+mn-cs"/>
+              </a:defRPr>
+            </a:lvl8pPr>
+            <a:lvl9pPr marL="4875947" algn="l" defTabSz="1218987" rtl="0" eaLnBrk="1" latinLnBrk="0" hangingPunct="1">
+              <a:defRPr sz="2400" kern="1200">
+                <a:solidFill>
+                  <a:schemeClr val="tx1"/>
+                </a:solidFill>
+                <a:latin typeface="+mn-lt"/>
+                <a:ea typeface="+mn-ea"/>
+                <a:cs typeface="+mn-cs"/>
+              </a:defRPr>
+            </a:lvl9pPr>
+          </a:lstStyle>
+          <a:p>
+            <a:pPr algn="l"/>
+            <a:r>
+              <a:rPr lang="en-US" dirty="0"/>
+              <a:t>DES211 CAPSTONE PROJECT</a:t>
+            </a:r>
+          </a:p>
+        </p:txBody>
+      </p:sp>
+    </p:spTree>
+    <p:extLst>
+      <p:ext uri="{BB962C8B-B14F-4D97-AF65-F5344CB8AC3E}">
+        <p14:creationId xmlns:p14="http://schemas.microsoft.com/office/powerpoint/2010/main" val="2633488709"/>
+      </p:ext>
+    </p:extLst>
+  </p:cSld>
+  <p:clrMapOvr>
+    <a:masterClrMapping/>
+  </p:clrMapOvr>
+  <mc:AlternateContent xmlns:mc="http://schemas.openxmlformats.org/markup-compatibility/2006" xmlns:p14="http://schemas.microsoft.com/office/powerpoint/2010/main">
+    <mc:Choice Requires="p14">
+      <p:transition spd="med" p14:dur="700">
+        <p:fade/>
+      </p:transition>
+    </mc:Choice>
+    <mc:Fallback xmlns="">
+      <p:transition spd="med">
+        <p:fade/>
+      </p:transition>
+    </mc:Fallback>
+  </mc:AlternateContent>
+</p:sld>
+</file>
+
+<file path=ppt/slides/slide23.xml><?xml version="1.0" encoding="utf-8"?>
+<p:sld xmlns:a="http://schemas.openxmlformats.org/drawingml/2006/main" xmlns:r="http://schemas.openxmlformats.org/officeDocument/2006/relationships" xmlns:p="http://schemas.openxmlformats.org/presentationml/2006/main">
+  <p:cSld>
+    <p:spTree>
+      <p:nvGrpSpPr>
+        <p:cNvPr id="1" name=""/>
+        <p:cNvGrpSpPr/>
+        <p:nvPr/>
+      </p:nvGrpSpPr>
+      <p:grpSpPr>
+        <a:xfrm>
+          <a:off x="0" y="0"/>
+          <a:ext cx="0" cy="0"/>
+          <a:chOff x="0" y="0"/>
+          <a:chExt cx="0" cy="0"/>
+        </a:xfrm>
+      </p:grpSpPr>
+      <p:sp>
+        <p:nvSpPr>
+          <p:cNvPr id="2" name="Title 1">
+            <a:extLst>
+              <a:ext uri="{FF2B5EF4-FFF2-40B4-BE49-F238E27FC236}">
+                <a16:creationId xmlns:a16="http://schemas.microsoft.com/office/drawing/2014/main" id="{3870CE6E-495D-1808-5A8C-EC4D855C5587}"/>
+              </a:ext>
+            </a:extLst>
+          </p:cNvPr>
+          <p:cNvSpPr>
+            <a:spLocks noGrp="1"/>
+          </p:cNvSpPr>
+          <p:nvPr>
+            <p:ph type="title"/>
+          </p:nvPr>
+        </p:nvSpPr>
+        <p:spPr/>
+        <p:txBody>
+          <a:bodyPr/>
+          <a:lstStyle/>
+          <a:p>
+            <a:r>
+              <a:rPr lang="en-IN" dirty="0"/>
+              <a:t>Testing Phase</a:t>
+            </a:r>
+          </a:p>
+        </p:txBody>
+      </p:sp>
+      <p:sp>
+        <p:nvSpPr>
+          <p:cNvPr id="3" name="Content Placeholder 2">
+            <a:extLst>
+              <a:ext uri="{FF2B5EF4-FFF2-40B4-BE49-F238E27FC236}">
+                <a16:creationId xmlns:a16="http://schemas.microsoft.com/office/drawing/2014/main" id="{B0EEF2E2-7250-905A-9F8E-5BB773C92FF2}"/>
+              </a:ext>
+            </a:extLst>
+          </p:cNvPr>
+          <p:cNvSpPr>
+            <a:spLocks noGrp="1"/>
+          </p:cNvSpPr>
+          <p:nvPr>
+            <p:ph sz="quarter" idx="13"/>
+          </p:nvPr>
+        </p:nvSpPr>
+        <p:spPr/>
+        <p:txBody>
+          <a:bodyPr/>
+          <a:lstStyle/>
+          <a:p>
+            <a:endParaRPr lang="en-IN"/>
+          </a:p>
+        </p:txBody>
+      </p:sp>
+      <p:sp>
+        <p:nvSpPr>
+          <p:cNvPr id="4" name="Content Placeholder 3">
+            <a:extLst>
+              <a:ext uri="{FF2B5EF4-FFF2-40B4-BE49-F238E27FC236}">
+                <a16:creationId xmlns:a16="http://schemas.microsoft.com/office/drawing/2014/main" id="{2A8D0320-4D4B-365D-2F4F-3045D1A7C46C}"/>
+              </a:ext>
+            </a:extLst>
+          </p:cNvPr>
+          <p:cNvSpPr>
+            <a:spLocks noGrp="1"/>
+          </p:cNvSpPr>
+          <p:nvPr>
+            <p:ph sz="quarter" idx="14"/>
+          </p:nvPr>
+        </p:nvSpPr>
+        <p:spPr/>
+        <p:txBody>
+          <a:bodyPr/>
+          <a:lstStyle/>
+          <a:p>
+            <a:endParaRPr lang="en-IN"/>
+          </a:p>
+        </p:txBody>
+      </p:sp>
+      <p:sp>
+        <p:nvSpPr>
+          <p:cNvPr id="5" name="Slide Number Placeholder 4">
+            <a:extLst>
+              <a:ext uri="{FF2B5EF4-FFF2-40B4-BE49-F238E27FC236}">
+                <a16:creationId xmlns:a16="http://schemas.microsoft.com/office/drawing/2014/main" id="{E7948434-32DA-F1E2-FC11-F2978017F64B}"/>
+              </a:ext>
+            </a:extLst>
+          </p:cNvPr>
+          <p:cNvSpPr>
+            <a:spLocks noGrp="1"/>
+          </p:cNvSpPr>
+          <p:nvPr>
+            <p:ph type="sldNum" sz="quarter" idx="12"/>
+          </p:nvPr>
+        </p:nvSpPr>
+        <p:spPr/>
+        <p:txBody>
+          <a:bodyPr/>
+          <a:lstStyle/>
+          <a:p>
+            <a:fld id="{EB37DED6-D4C7-42EE-AB49-D2E39E64FDE4}" type="slidenum">
+              <a:rPr lang="en-US" smtClean="0"/>
+              <a:pPr/>
+              <a:t>23</a:t>
+            </a:fld>
+            <a:endParaRPr lang="en-US" dirty="0"/>
+          </a:p>
+        </p:txBody>
+      </p:sp>
+      <p:sp>
+        <p:nvSpPr>
+          <p:cNvPr id="6" name="Slide Number Placeholder 4">
+            <a:extLst>
+              <a:ext uri="{FF2B5EF4-FFF2-40B4-BE49-F238E27FC236}">
+                <a16:creationId xmlns:a16="http://schemas.microsoft.com/office/drawing/2014/main" id="{5ECD9DAA-C767-07CC-5C79-8738D4F306A7}"/>
+              </a:ext>
+            </a:extLst>
+          </p:cNvPr>
+          <p:cNvSpPr txBox="1">
+            <a:spLocks/>
+          </p:cNvSpPr>
+          <p:nvPr/>
+        </p:nvSpPr>
+        <p:spPr>
+          <a:xfrm>
+            <a:off x="455612" y="6190488"/>
+            <a:ext cx="2677604" cy="210312"/>
+          </a:xfrm>
+          <a:prstGeom prst="rect">
+            <a:avLst/>
+          </a:prstGeom>
+        </p:spPr>
+        <p:txBody>
+          <a:bodyPr vert="horz" lIns="121899" tIns="60949" rIns="121899" bIns="60949" rtlCol="0" anchor="b"/>
+          <a:lstStyle>
+            <a:defPPr>
+              <a:defRPr lang="en-US"/>
+            </a:defPPr>
+            <a:lvl1pPr marL="0" algn="r" defTabSz="1218987" rtl="0" eaLnBrk="1" latinLnBrk="0" hangingPunct="1">
+              <a:defRPr sz="1000" b="1" kern="1200" spc="200" baseline="0">
+                <a:solidFill>
+                  <a:schemeClr val="tx2">
+                    <a:lumMod val="50000"/>
+                  </a:schemeClr>
+                </a:solidFill>
+                <a:latin typeface="+mn-lt"/>
+                <a:ea typeface="+mn-ea"/>
+                <a:cs typeface="+mn-cs"/>
+              </a:defRPr>
+            </a:lvl1pPr>
+            <a:lvl2pPr marL="609493" algn="l" defTabSz="1218987" rtl="0" eaLnBrk="1" latinLnBrk="0" hangingPunct="1">
+              <a:defRPr sz="2400" kern="1200">
+                <a:solidFill>
+                  <a:schemeClr val="tx1"/>
+                </a:solidFill>
+                <a:latin typeface="+mn-lt"/>
+                <a:ea typeface="+mn-ea"/>
+                <a:cs typeface="+mn-cs"/>
+              </a:defRPr>
+            </a:lvl2pPr>
+            <a:lvl3pPr marL="1218987" algn="l" defTabSz="1218987" rtl="0" eaLnBrk="1" latinLnBrk="0" hangingPunct="1">
+              <a:defRPr sz="2400" kern="1200">
+                <a:solidFill>
+                  <a:schemeClr val="tx1"/>
+                </a:solidFill>
+                <a:latin typeface="+mn-lt"/>
+                <a:ea typeface="+mn-ea"/>
+                <a:cs typeface="+mn-cs"/>
+              </a:defRPr>
+            </a:lvl3pPr>
+            <a:lvl4pPr marL="1828480" algn="l" defTabSz="1218987" rtl="0" eaLnBrk="1" latinLnBrk="0" hangingPunct="1">
+              <a:defRPr sz="2400" kern="1200">
+                <a:solidFill>
+                  <a:schemeClr val="tx1"/>
+                </a:solidFill>
+                <a:latin typeface="+mn-lt"/>
+                <a:ea typeface="+mn-ea"/>
+                <a:cs typeface="+mn-cs"/>
+              </a:defRPr>
+            </a:lvl4pPr>
+            <a:lvl5pPr marL="2437973" algn="l" defTabSz="1218987" rtl="0" eaLnBrk="1" latinLnBrk="0" hangingPunct="1">
+              <a:defRPr sz="2400" kern="1200">
+                <a:solidFill>
+                  <a:schemeClr val="tx1"/>
+                </a:solidFill>
+                <a:latin typeface="+mn-lt"/>
+                <a:ea typeface="+mn-ea"/>
+                <a:cs typeface="+mn-cs"/>
+              </a:defRPr>
+            </a:lvl5pPr>
+            <a:lvl6pPr marL="3047467" algn="l" defTabSz="1218987" rtl="0" eaLnBrk="1" latinLnBrk="0" hangingPunct="1">
+              <a:defRPr sz="2400" kern="1200">
+                <a:solidFill>
+                  <a:schemeClr val="tx1"/>
+                </a:solidFill>
+                <a:latin typeface="+mn-lt"/>
+                <a:ea typeface="+mn-ea"/>
+                <a:cs typeface="+mn-cs"/>
+              </a:defRPr>
+            </a:lvl6pPr>
+            <a:lvl7pPr marL="3656960" algn="l" defTabSz="1218987" rtl="0" eaLnBrk="1" latinLnBrk="0" hangingPunct="1">
+              <a:defRPr sz="2400" kern="1200">
+                <a:solidFill>
+                  <a:schemeClr val="tx1"/>
+                </a:solidFill>
+                <a:latin typeface="+mn-lt"/>
+                <a:ea typeface="+mn-ea"/>
+                <a:cs typeface="+mn-cs"/>
+              </a:defRPr>
+            </a:lvl7pPr>
+            <a:lvl8pPr marL="4266453" algn="l" defTabSz="1218987" rtl="0" eaLnBrk="1" latinLnBrk="0" hangingPunct="1">
+              <a:defRPr sz="2400" kern="1200">
+                <a:solidFill>
+                  <a:schemeClr val="tx1"/>
+                </a:solidFill>
+                <a:latin typeface="+mn-lt"/>
+                <a:ea typeface="+mn-ea"/>
+                <a:cs typeface="+mn-cs"/>
+              </a:defRPr>
+            </a:lvl8pPr>
+            <a:lvl9pPr marL="4875947" algn="l" defTabSz="1218987" rtl="0" eaLnBrk="1" latinLnBrk="0" hangingPunct="1">
+              <a:defRPr sz="2400" kern="1200">
+                <a:solidFill>
+                  <a:schemeClr val="tx1"/>
+                </a:solidFill>
+                <a:latin typeface="+mn-lt"/>
+                <a:ea typeface="+mn-ea"/>
+                <a:cs typeface="+mn-cs"/>
+              </a:defRPr>
+            </a:lvl9pPr>
+          </a:lstStyle>
+          <a:p>
+            <a:pPr algn="l"/>
+            <a:r>
+              <a:rPr lang="en-US" dirty="0"/>
+              <a:t>DES211 CAPSTONE PROJECT</a:t>
+            </a:r>
+          </a:p>
+        </p:txBody>
+      </p:sp>
+    </p:spTree>
+    <p:extLst>
+      <p:ext uri="{BB962C8B-B14F-4D97-AF65-F5344CB8AC3E}">
+        <p14:creationId xmlns:p14="http://schemas.microsoft.com/office/powerpoint/2010/main" val="825357147"/>
+      </p:ext>
+    </p:extLst>
+  </p:cSld>
+  <p:clrMapOvr>
+    <a:masterClrMapping/>
+  </p:clrMapOvr>
+  <mc:AlternateContent xmlns:mc="http://schemas.openxmlformats.org/markup-compatibility/2006" xmlns:p14="http://schemas.microsoft.com/office/powerpoint/2010/main">
+    <mc:Choice Requires="p14">
+      <p:transition spd="med" p14:dur="700">
+        <p:fade/>
+      </p:transition>
+    </mc:Choice>
+    <mc:Fallback xmlns="">
+      <p:transition spd="med">
+        <p:fade/>
+      </p:transition>
+    </mc:Fallback>
+  </mc:AlternateContent>
+</p:sld>
+</file>
+
+<file path=ppt/slides/slide24.xml><?xml version="1.0" encoding="utf-8"?>
+<p:sld xmlns:a="http://schemas.openxmlformats.org/drawingml/2006/main" xmlns:r="http://schemas.openxmlformats.org/officeDocument/2006/relationships" xmlns:p="http://schemas.openxmlformats.org/presentationml/2006/main">
+  <p:cSld>
+    <p:spTree>
+      <p:nvGrpSpPr>
+        <p:cNvPr id="1" name=""/>
+        <p:cNvGrpSpPr/>
+        <p:nvPr/>
+      </p:nvGrpSpPr>
+      <p:grpSpPr>
+        <a:xfrm>
+          <a:off x="0" y="0"/>
+          <a:ext cx="0" cy="0"/>
+          <a:chOff x="0" y="0"/>
+          <a:chExt cx="0" cy="0"/>
+        </a:xfrm>
+      </p:grpSpPr>
+      <p:sp>
+        <p:nvSpPr>
+          <p:cNvPr id="2" name="Title 1">
+            <a:extLst>
+              <a:ext uri="{FF2B5EF4-FFF2-40B4-BE49-F238E27FC236}">
+                <a16:creationId xmlns:a16="http://schemas.microsoft.com/office/drawing/2014/main" id="{64983D13-B3DC-F5A2-EC3C-9AA3827FF06F}"/>
+              </a:ext>
+            </a:extLst>
+          </p:cNvPr>
+          <p:cNvSpPr>
+            <a:spLocks noGrp="1"/>
+          </p:cNvSpPr>
+          <p:nvPr>
+            <p:ph type="title"/>
+          </p:nvPr>
+        </p:nvSpPr>
+        <p:spPr/>
+        <p:txBody>
+          <a:bodyPr/>
+          <a:lstStyle/>
+          <a:p>
+            <a:endParaRPr lang="en-IN"/>
+          </a:p>
+        </p:txBody>
+      </p:sp>
+      <p:sp>
+        <p:nvSpPr>
+          <p:cNvPr id="3" name="Picture Placeholder 2">
+            <a:extLst>
+              <a:ext uri="{FF2B5EF4-FFF2-40B4-BE49-F238E27FC236}">
+                <a16:creationId xmlns:a16="http://schemas.microsoft.com/office/drawing/2014/main" id="{57620467-CA16-1C06-152E-31CFC11FAB8D}"/>
+              </a:ext>
+            </a:extLst>
+          </p:cNvPr>
+          <p:cNvSpPr>
+            <a:spLocks noGrp="1"/>
+          </p:cNvSpPr>
+          <p:nvPr>
+            <p:ph type="pic" sz="quarter" idx="10"/>
+          </p:nvPr>
+        </p:nvSpPr>
+        <p:spPr/>
+        <p:txBody>
+          <a:bodyPr/>
+          <a:lstStyle/>
+          <a:p>
+            <a:endParaRPr lang="en-US"/>
+          </a:p>
+        </p:txBody>
+      </p:sp>
+      <p:sp>
+        <p:nvSpPr>
+          <p:cNvPr id="5" name="Slide Number Placeholder 4">
+            <a:extLst>
+              <a:ext uri="{FF2B5EF4-FFF2-40B4-BE49-F238E27FC236}">
+                <a16:creationId xmlns:a16="http://schemas.microsoft.com/office/drawing/2014/main" id="{19257D08-7BDC-2EFF-F790-09A4B6BCCC7B}"/>
+              </a:ext>
+            </a:extLst>
+          </p:cNvPr>
+          <p:cNvSpPr txBox="1">
+            <a:spLocks/>
+          </p:cNvSpPr>
+          <p:nvPr/>
+        </p:nvSpPr>
+        <p:spPr>
+          <a:xfrm>
+            <a:off x="455612" y="6190488"/>
+            <a:ext cx="2677604" cy="210312"/>
+          </a:xfrm>
+          <a:prstGeom prst="rect">
+            <a:avLst/>
+          </a:prstGeom>
+        </p:spPr>
+        <p:txBody>
+          <a:bodyPr vert="horz" lIns="121899" tIns="60949" rIns="121899" bIns="60949" rtlCol="0" anchor="b"/>
+          <a:lstStyle>
+            <a:defPPr>
+              <a:defRPr lang="en-US"/>
+            </a:defPPr>
+            <a:lvl1pPr marL="0" algn="r" defTabSz="1218987" rtl="0" eaLnBrk="1" latinLnBrk="0" hangingPunct="1">
+              <a:defRPr sz="1000" b="1" kern="1200" spc="200" baseline="0">
+                <a:solidFill>
+                  <a:schemeClr val="tx2">
+                    <a:lumMod val="50000"/>
+                  </a:schemeClr>
+                </a:solidFill>
+                <a:latin typeface="+mn-lt"/>
+                <a:ea typeface="+mn-ea"/>
+                <a:cs typeface="+mn-cs"/>
+              </a:defRPr>
+            </a:lvl1pPr>
+            <a:lvl2pPr marL="609493" algn="l" defTabSz="1218987" rtl="0" eaLnBrk="1" latinLnBrk="0" hangingPunct="1">
+              <a:defRPr sz="2400" kern="1200">
+                <a:solidFill>
+                  <a:schemeClr val="tx1"/>
+                </a:solidFill>
+                <a:latin typeface="+mn-lt"/>
+                <a:ea typeface="+mn-ea"/>
+                <a:cs typeface="+mn-cs"/>
+              </a:defRPr>
+            </a:lvl2pPr>
+            <a:lvl3pPr marL="1218987" algn="l" defTabSz="1218987" rtl="0" eaLnBrk="1" latinLnBrk="0" hangingPunct="1">
+              <a:defRPr sz="2400" kern="1200">
+                <a:solidFill>
+                  <a:schemeClr val="tx1"/>
+                </a:solidFill>
+                <a:latin typeface="+mn-lt"/>
+                <a:ea typeface="+mn-ea"/>
+                <a:cs typeface="+mn-cs"/>
+              </a:defRPr>
+            </a:lvl3pPr>
+            <a:lvl4pPr marL="1828480" algn="l" defTabSz="1218987" rtl="0" eaLnBrk="1" latinLnBrk="0" hangingPunct="1">
+              <a:defRPr sz="2400" kern="1200">
+                <a:solidFill>
+                  <a:schemeClr val="tx1"/>
+                </a:solidFill>
+                <a:latin typeface="+mn-lt"/>
+                <a:ea typeface="+mn-ea"/>
+                <a:cs typeface="+mn-cs"/>
+              </a:defRPr>
+            </a:lvl4pPr>
+            <a:lvl5pPr marL="2437973" algn="l" defTabSz="1218987" rtl="0" eaLnBrk="1" latinLnBrk="0" hangingPunct="1">
+              <a:defRPr sz="2400" kern="1200">
+                <a:solidFill>
+                  <a:schemeClr val="tx1"/>
+                </a:solidFill>
+                <a:latin typeface="+mn-lt"/>
+                <a:ea typeface="+mn-ea"/>
+                <a:cs typeface="+mn-cs"/>
+              </a:defRPr>
+            </a:lvl5pPr>
+            <a:lvl6pPr marL="3047467" algn="l" defTabSz="1218987" rtl="0" eaLnBrk="1" latinLnBrk="0" hangingPunct="1">
+              <a:defRPr sz="2400" kern="1200">
+                <a:solidFill>
+                  <a:schemeClr val="tx1"/>
+                </a:solidFill>
+                <a:latin typeface="+mn-lt"/>
+                <a:ea typeface="+mn-ea"/>
+                <a:cs typeface="+mn-cs"/>
+              </a:defRPr>
+            </a:lvl6pPr>
+            <a:lvl7pPr marL="3656960" algn="l" defTabSz="1218987" rtl="0" eaLnBrk="1" latinLnBrk="0" hangingPunct="1">
+              <a:defRPr sz="2400" kern="1200">
+                <a:solidFill>
+                  <a:schemeClr val="tx1"/>
+                </a:solidFill>
+                <a:latin typeface="+mn-lt"/>
+                <a:ea typeface="+mn-ea"/>
+                <a:cs typeface="+mn-cs"/>
+              </a:defRPr>
+            </a:lvl7pPr>
+            <a:lvl8pPr marL="4266453" algn="l" defTabSz="1218987" rtl="0" eaLnBrk="1" latinLnBrk="0" hangingPunct="1">
+              <a:defRPr sz="2400" kern="1200">
+                <a:solidFill>
+                  <a:schemeClr val="tx1"/>
+                </a:solidFill>
+                <a:latin typeface="+mn-lt"/>
+                <a:ea typeface="+mn-ea"/>
+                <a:cs typeface="+mn-cs"/>
+              </a:defRPr>
+            </a:lvl8pPr>
+            <a:lvl9pPr marL="4875947" algn="l" defTabSz="1218987" rtl="0" eaLnBrk="1" latinLnBrk="0" hangingPunct="1">
+              <a:defRPr sz="2400" kern="1200">
+                <a:solidFill>
+                  <a:schemeClr val="tx1"/>
+                </a:solidFill>
+                <a:latin typeface="+mn-lt"/>
+                <a:ea typeface="+mn-ea"/>
+                <a:cs typeface="+mn-cs"/>
+              </a:defRPr>
+            </a:lvl9pPr>
+          </a:lstStyle>
+          <a:p>
+            <a:pPr algn="l"/>
+            <a:r>
+              <a:rPr lang="en-US" dirty="0"/>
+              <a:t>DES211 CAPSTONE PROJECT</a:t>
+            </a:r>
+          </a:p>
+        </p:txBody>
+      </p:sp>
+    </p:spTree>
+    <p:extLst>
+      <p:ext uri="{BB962C8B-B14F-4D97-AF65-F5344CB8AC3E}">
+        <p14:creationId xmlns:p14="http://schemas.microsoft.com/office/powerpoint/2010/main" val="1723280250"/>
+      </p:ext>
+    </p:extLst>
+  </p:cSld>
+  <p:clrMapOvr>
+    <a:masterClrMapping/>
+  </p:clrMapOvr>
+  <mc:AlternateContent xmlns:mc="http://schemas.openxmlformats.org/markup-compatibility/2006" xmlns:p14="http://schemas.microsoft.com/office/powerpoint/2010/main">
+    <mc:Choice Requires="p14">
+      <p:transition spd="med" p14:dur="700">
+        <p:fade/>
+      </p:transition>
+    </mc:Choice>
+    <mc:Fallback xmlns="">
+      <p:transition spd="med">
+        <p:fade/>
+      </p:transition>
+    </mc:Fallback>
+  </mc:AlternateContent>
+</p:sld>
+</file>
+
+<file path=ppt/slides/slide25.xml><?xml version="1.0" encoding="utf-8"?>
+<p:sld xmlns:a="http://schemas.openxmlformats.org/drawingml/2006/main" xmlns:r="http://schemas.openxmlformats.org/officeDocument/2006/relationships" xmlns:p="http://schemas.openxmlformats.org/presentationml/2006/main">
+  <p:cSld>
+    <p:spTree>
+      <p:nvGrpSpPr>
+        <p:cNvPr id="1" name=""/>
+        <p:cNvGrpSpPr/>
+        <p:nvPr/>
+      </p:nvGrpSpPr>
+      <p:grpSpPr>
+        <a:xfrm>
+          <a:off x="0" y="0"/>
+          <a:ext cx="0" cy="0"/>
+          <a:chOff x="0" y="0"/>
+          <a:chExt cx="0" cy="0"/>
+        </a:xfrm>
+      </p:grpSpPr>
+      <p:sp>
+        <p:nvSpPr>
+          <p:cNvPr id="2" name="Title 1">
+            <a:extLst>
+              <a:ext uri="{FF2B5EF4-FFF2-40B4-BE49-F238E27FC236}">
+                <a16:creationId xmlns:a16="http://schemas.microsoft.com/office/drawing/2014/main" id="{E9DC9FCC-4F0C-53A9-AE36-C60D0609DD96}"/>
+              </a:ext>
+            </a:extLst>
+          </p:cNvPr>
+          <p:cNvSpPr>
+            <a:spLocks noGrp="1"/>
+          </p:cNvSpPr>
+          <p:nvPr>
+            <p:ph type="title"/>
+          </p:nvPr>
+        </p:nvSpPr>
+        <p:spPr/>
+        <p:txBody>
+          <a:bodyPr/>
+          <a:lstStyle/>
+          <a:p>
+            <a:endParaRPr lang="en-IN"/>
+          </a:p>
+        </p:txBody>
+      </p:sp>
+      <p:sp>
+        <p:nvSpPr>
+          <p:cNvPr id="3" name="Content Placeholder 2">
+            <a:extLst>
+              <a:ext uri="{FF2B5EF4-FFF2-40B4-BE49-F238E27FC236}">
+                <a16:creationId xmlns:a16="http://schemas.microsoft.com/office/drawing/2014/main" id="{AA5DF3F7-8350-F924-067C-6062DEA38DC6}"/>
+              </a:ext>
+            </a:extLst>
+          </p:cNvPr>
+          <p:cNvSpPr>
+            <a:spLocks noGrp="1"/>
+          </p:cNvSpPr>
+          <p:nvPr>
+            <p:ph sz="quarter" idx="13"/>
+          </p:nvPr>
+        </p:nvSpPr>
+        <p:spPr/>
+        <p:txBody>
+          <a:bodyPr/>
+          <a:lstStyle/>
+          <a:p>
+            <a:endParaRPr lang="en-IN"/>
+          </a:p>
+        </p:txBody>
+      </p:sp>
+      <p:sp>
+        <p:nvSpPr>
+          <p:cNvPr id="4" name="Slide Number Placeholder 3">
+            <a:extLst>
+              <a:ext uri="{FF2B5EF4-FFF2-40B4-BE49-F238E27FC236}">
+                <a16:creationId xmlns:a16="http://schemas.microsoft.com/office/drawing/2014/main" id="{023EA18A-7BBC-A7A5-F52F-E930F453BA58}"/>
+              </a:ext>
+            </a:extLst>
+          </p:cNvPr>
+          <p:cNvSpPr>
+            <a:spLocks noGrp="1"/>
+          </p:cNvSpPr>
+          <p:nvPr>
+            <p:ph type="sldNum" sz="quarter" idx="12"/>
+          </p:nvPr>
+        </p:nvSpPr>
+        <p:spPr/>
+        <p:txBody>
+          <a:bodyPr/>
+          <a:lstStyle/>
+          <a:p>
+            <a:fld id="{EB37DED6-D4C7-42EE-AB49-D2E39E64FDE4}" type="slidenum">
+              <a:rPr lang="en-US" smtClean="0"/>
+              <a:pPr/>
+              <a:t>25</a:t>
             </a:fld>
             <a:endParaRPr lang="en-US" dirty="0"/>
           </a:p>
@@ -21568,15 +22598,6 @@
 </file>
 
 <file path=customXml/item1.xml><?xml version="1.0" encoding="utf-8"?>
-<?mso-contentType ?>
-<FormTemplates xmlns="http://schemas.microsoft.com/sharepoint/v3/contenttype/forms">
-  <Display>DocumentLibraryForm</Display>
-  <Edit>DocumentLibraryForm</Edit>
-  <New>DocumentLibraryForm</New>
-</FormTemplates>
-</file>
-
-<file path=customXml/item2.xml><?xml version="1.0" encoding="utf-8"?>
 <p:properties xmlns:p="http://schemas.microsoft.com/office/2006/metadata/properties" xmlns:xsi="http://www.w3.org/2001/XMLSchema-instance" xmlns:pc="http://schemas.microsoft.com/office/infopath/2007/PartnerControls">
   <documentManagement>
     <_ip_UnifiedCompliancePolicyUIAction xmlns="http://schemas.microsoft.com/sharepoint/v3" xsi:nil="true"/>
@@ -21594,6 +22615,15 @@
     <MediaServiceKeyPoints xmlns="71af3243-3dd4-4a8d-8c0d-dd76da1f02a5" xsi:nil="true"/>
   </documentManagement>
 </p:properties>
+</file>
+
+<file path=customXml/item2.xml><?xml version="1.0" encoding="utf-8"?>
+<?mso-contentType ?>
+<FormTemplates xmlns="http://schemas.microsoft.com/sharepoint/v3/contenttype/forms">
+  <Display>DocumentLibraryForm</Display>
+  <Edit>DocumentLibraryForm</Edit>
+  <New>DocumentLibraryForm</New>
+</FormTemplates>
 </file>
 
 <file path=customXml/item3.xml><?xml version="1.0" encoding="utf-8"?>
@@ -21909,14 +22939,6 @@
 </file>
 
 <file path=customXml/itemProps1.xml><?xml version="1.0" encoding="utf-8"?>
-<ds:datastoreItem xmlns:ds="http://schemas.openxmlformats.org/officeDocument/2006/customXml" ds:itemID="{F49F7C99-DB67-4EF2-86B4-C45C603BA94C}">
-  <ds:schemaRefs>
-    <ds:schemaRef ds:uri="http://schemas.microsoft.com/sharepoint/v3/contenttype/forms"/>
-  </ds:schemaRefs>
-</ds:datastoreItem>
-</file>
-
-<file path=customXml/itemProps2.xml><?xml version="1.0" encoding="utf-8"?>
 <ds:datastoreItem xmlns:ds="http://schemas.openxmlformats.org/officeDocument/2006/customXml" ds:itemID="{527F8595-6F9C-444F-81F9-1BB5383C5D01}">
   <ds:schemaRefs>
     <ds:schemaRef ds:uri="http://schemas.microsoft.com/office/2006/metadata/properties"/>
@@ -21924,6 +22946,14 @@
     <ds:schemaRef ds:uri="http://schemas.microsoft.com/sharepoint/v3"/>
     <ds:schemaRef ds:uri="71af3243-3dd4-4a8d-8c0d-dd76da1f02a5"/>
     <ds:schemaRef ds:uri="230e9df3-be65-4c73-a93b-d1236ebd677e"/>
+  </ds:schemaRefs>
+</ds:datastoreItem>
+</file>
+
+<file path=customXml/itemProps2.xml><?xml version="1.0" encoding="utf-8"?>
+<ds:datastoreItem xmlns:ds="http://schemas.openxmlformats.org/officeDocument/2006/customXml" ds:itemID="{F49F7C99-DB67-4EF2-86B4-C45C603BA94C}">
+  <ds:schemaRefs>
+    <ds:schemaRef ds:uri="http://schemas.microsoft.com/sharepoint/v3/contenttype/forms"/>
   </ds:schemaRefs>
 </ds:datastoreItem>
 </file>
